--- a/Präsentation PRG4.pptx
+++ b/Präsentation PRG4.pptx
@@ -5,15 +5,16 @@
     <p:sldMasterId id="2147483660" r:id="rId1"/>
   </p:sldMasterIdLst>
   <p:notesMasterIdLst>
-    <p:notesMasterId r:id="rId5"/>
+    <p:notesMasterId r:id="rId6"/>
   </p:notesMasterIdLst>
   <p:handoutMasterIdLst>
-    <p:handoutMasterId r:id="rId6"/>
+    <p:handoutMasterId r:id="rId7"/>
   </p:handoutMasterIdLst>
   <p:sldIdLst>
     <p:sldId id="257" r:id="rId2"/>
     <p:sldId id="258" r:id="rId3"/>
     <p:sldId id="260" r:id="rId4"/>
+    <p:sldId id="261" r:id="rId5"/>
   </p:sldIdLst>
   <p:sldSz cx="9144000" cy="6858000" type="screen4x3"/>
   <p:notesSz cx="6858000" cy="9144000"/>
@@ -884,26 +885,6 @@
           <a:bodyPr/>
           <a:lstStyle/>
           <a:p>
-            <a:r>
-              <a:rPr lang="de-DE" dirty="0" smtClean="0"/>
-              <a:t>Grußformel</a:t>
-            </a:r>
-          </a:p>
-          <a:p>
-            <a:r>
-              <a:rPr lang="de-DE" dirty="0" smtClean="0"/>
-              <a:t>Green</a:t>
-            </a:r>
-            <a:r>
-              <a:rPr lang="de-DE" baseline="0" dirty="0" smtClean="0"/>
-              <a:t> IT näher bringen</a:t>
-            </a:r>
-          </a:p>
-          <a:p>
-            <a:r>
-              <a:rPr lang="de-DE" baseline="0" dirty="0" smtClean="0"/>
-              <a:t>Wozu Green IT? was kann erreicht werden? Wo einsetzen?</a:t>
-            </a:r>
             <a:endParaRPr lang="de-DE" dirty="0"/>
           </a:p>
         </p:txBody>
@@ -988,16 +969,6 @@
           <a:bodyPr/>
           <a:lstStyle/>
           <a:p>
-            <a:r>
-              <a:rPr lang="de-DE" dirty="0" smtClean="0"/>
-              <a:t>-Grundlegendes: Definition, Kennzeichen</a:t>
-            </a:r>
-          </a:p>
-          <a:p>
-            <a:r>
-              <a:rPr lang="de-DE" dirty="0" smtClean="0"/>
-              <a:t>-Anwendungsbereiche, speziell Rechenzentren</a:t>
-            </a:r>
             <a:endParaRPr lang="de-DE" dirty="0"/>
           </a:p>
         </p:txBody>
@@ -1056,335 +1027,6 @@
           </a:bodyPr>
           <a:lstStyle/>
           <a:p>
-            <a:r>
-              <a:rPr lang="de-DE" dirty="0" smtClean="0"/>
-              <a:t>-CO2 Anteil der selbe wie weltweiter Flugverkehr (820 </a:t>
-            </a:r>
-            <a:r>
-              <a:rPr lang="de-DE" dirty="0" err="1" smtClean="0"/>
-              <a:t>mio</a:t>
-            </a:r>
-            <a:r>
-              <a:rPr lang="de-DE" dirty="0" smtClean="0"/>
-              <a:t> tonnen/</a:t>
-            </a:r>
-            <a:r>
-              <a:rPr lang="de-DE" dirty="0" err="1" smtClean="0"/>
-              <a:t>jahr</a:t>
-            </a:r>
-            <a:r>
-              <a:rPr lang="de-DE" dirty="0" smtClean="0"/>
-              <a:t>)</a:t>
-            </a:r>
-          </a:p>
-          <a:p>
-            <a:r>
-              <a:rPr lang="de-DE" dirty="0" smtClean="0"/>
-              <a:t>-Tendenz</a:t>
-            </a:r>
-            <a:r>
-              <a:rPr lang="de-DE" baseline="0" dirty="0" smtClean="0"/>
-              <a:t> durch Nutzung in Schwellenländern stark steigend (</a:t>
-            </a:r>
-            <a:r>
-              <a:rPr lang="de-DE" sz="1200" kern="1200" dirty="0" smtClean="0">
-                <a:solidFill>
-                  <a:schemeClr val="tx1"/>
-                </a:solidFill>
-                <a:latin typeface="Times New Roman" pitchFamily="18" charset="0"/>
-                <a:ea typeface="+mn-ea"/>
-                <a:cs typeface="+mn-cs"/>
-              </a:rPr>
-              <a:t>Bedarf an Speicher- und Rechenkapazität</a:t>
-            </a:r>
-            <a:r>
-              <a:rPr lang="de-DE" sz="1200" kern="1200" baseline="0" dirty="0" smtClean="0">
-                <a:solidFill>
-                  <a:schemeClr val="tx1"/>
-                </a:solidFill>
-                <a:latin typeface="Times New Roman" pitchFamily="18" charset="0"/>
-                <a:ea typeface="+mn-ea"/>
-                <a:cs typeface="+mn-cs"/>
-              </a:rPr>
-              <a:t> </a:t>
-            </a:r>
-          </a:p>
-          <a:p>
-            <a:r>
-              <a:rPr lang="de-DE" sz="1200" kern="1200" baseline="0" dirty="0" smtClean="0">
-                <a:solidFill>
-                  <a:schemeClr val="tx1"/>
-                </a:solidFill>
-                <a:latin typeface="Times New Roman" pitchFamily="18" charset="0"/>
-                <a:ea typeface="+mn-ea"/>
-                <a:cs typeface="+mn-cs"/>
-              </a:rPr>
-              <a:t>u</a:t>
-            </a:r>
-            <a:r>
-              <a:rPr lang="en-GB" sz="1200" kern="1200" dirty="0" smtClean="0">
-                <a:solidFill>
-                  <a:schemeClr val="tx1"/>
-                </a:solidFill>
-                <a:latin typeface="Times New Roman" pitchFamily="18" charset="0"/>
-                <a:ea typeface="+mn-ea"/>
-                <a:cs typeface="+mn-cs"/>
-              </a:rPr>
-              <a:t>m</a:t>
-            </a:r>
-            <a:r>
-              <a:rPr lang="en-GB" sz="1200" kern="1200" baseline="0" dirty="0" smtClean="0">
-                <a:solidFill>
-                  <a:schemeClr val="tx1"/>
-                </a:solidFill>
-                <a:latin typeface="Times New Roman" pitchFamily="18" charset="0"/>
-                <a:ea typeface="+mn-ea"/>
-                <a:cs typeface="+mn-cs"/>
-              </a:rPr>
-              <a:t> </a:t>
-            </a:r>
-            <a:r>
-              <a:rPr lang="en-GB" sz="1200" kern="1200" dirty="0" err="1" smtClean="0">
-                <a:solidFill>
-                  <a:schemeClr val="tx1"/>
-                </a:solidFill>
-                <a:latin typeface="Times New Roman" pitchFamily="18" charset="0"/>
-                <a:ea typeface="+mn-ea"/>
-                <a:cs typeface="+mn-cs"/>
-              </a:rPr>
-              <a:t>jährlich</a:t>
-            </a:r>
-            <a:r>
-              <a:rPr lang="en-GB" sz="1200" kern="1200" baseline="0" dirty="0" smtClean="0">
-                <a:solidFill>
-                  <a:schemeClr val="tx1"/>
-                </a:solidFill>
-                <a:latin typeface="Times New Roman" pitchFamily="18" charset="0"/>
-                <a:ea typeface="+mn-ea"/>
-                <a:cs typeface="+mn-cs"/>
-              </a:rPr>
-              <a:t> </a:t>
-            </a:r>
-            <a:r>
-              <a:rPr lang="en-GB" sz="1200" kern="1200" dirty="0" err="1" smtClean="0">
-                <a:solidFill>
-                  <a:schemeClr val="tx1"/>
-                </a:solidFill>
-                <a:latin typeface="Times New Roman" pitchFamily="18" charset="0"/>
-                <a:ea typeface="+mn-ea"/>
-                <a:cs typeface="+mn-cs"/>
-              </a:rPr>
-              <a:t>knapp</a:t>
-            </a:r>
-            <a:r>
-              <a:rPr lang="en-GB" sz="1200" kern="1200" baseline="0" dirty="0" smtClean="0">
-                <a:solidFill>
-                  <a:schemeClr val="tx1"/>
-                </a:solidFill>
-                <a:latin typeface="Times New Roman" pitchFamily="18" charset="0"/>
-                <a:ea typeface="+mn-ea"/>
-                <a:cs typeface="+mn-cs"/>
-              </a:rPr>
-              <a:t> </a:t>
-            </a:r>
-            <a:r>
-              <a:rPr lang="en-GB" sz="1200" kern="1200" dirty="0" smtClean="0">
-                <a:solidFill>
-                  <a:schemeClr val="tx1"/>
-                </a:solidFill>
-                <a:latin typeface="Times New Roman" pitchFamily="18" charset="0"/>
-                <a:ea typeface="+mn-ea"/>
-                <a:cs typeface="+mn-cs"/>
-              </a:rPr>
-              <a:t>60</a:t>
-            </a:r>
-            <a:r>
-              <a:rPr lang="en-GB" sz="1200" kern="1200" baseline="0" dirty="0" smtClean="0">
-                <a:solidFill>
-                  <a:schemeClr val="tx1"/>
-                </a:solidFill>
-                <a:latin typeface="Times New Roman" pitchFamily="18" charset="0"/>
-                <a:ea typeface="+mn-ea"/>
-                <a:cs typeface="+mn-cs"/>
-              </a:rPr>
-              <a:t> </a:t>
-            </a:r>
-            <a:r>
-              <a:rPr lang="en-GB" sz="1200" kern="1200" dirty="0" smtClean="0">
-                <a:solidFill>
-                  <a:schemeClr val="tx1"/>
-                </a:solidFill>
-                <a:latin typeface="Times New Roman" pitchFamily="18" charset="0"/>
-                <a:ea typeface="+mn-ea"/>
-                <a:cs typeface="+mn-cs"/>
-              </a:rPr>
-              <a:t>%,</a:t>
-            </a:r>
-            <a:r>
-              <a:rPr lang="en-GB" sz="1200" kern="1200" baseline="0" dirty="0" smtClean="0">
-                <a:solidFill>
-                  <a:schemeClr val="tx1"/>
-                </a:solidFill>
-                <a:latin typeface="Times New Roman" pitchFamily="18" charset="0"/>
-                <a:ea typeface="+mn-ea"/>
-                <a:cs typeface="+mn-cs"/>
-              </a:rPr>
-              <a:t> </a:t>
-            </a:r>
-            <a:r>
-              <a:rPr lang="en-GB" sz="1200" kern="1200" dirty="0" smtClean="0">
-                <a:solidFill>
-                  <a:schemeClr val="tx1"/>
-                </a:solidFill>
-                <a:latin typeface="Times New Roman" pitchFamily="18" charset="0"/>
-                <a:ea typeface="+mn-ea"/>
-                <a:cs typeface="+mn-cs"/>
-              </a:rPr>
-              <a:t>die </a:t>
-            </a:r>
-            <a:r>
-              <a:rPr lang="en-GB" sz="1200" kern="1200" dirty="0" err="1" smtClean="0">
-                <a:solidFill>
-                  <a:schemeClr val="tx1"/>
-                </a:solidFill>
-                <a:latin typeface="Times New Roman" pitchFamily="18" charset="0"/>
-                <a:ea typeface="+mn-ea"/>
-                <a:cs typeface="+mn-cs"/>
-              </a:rPr>
-              <a:t>Anzahl</a:t>
-            </a:r>
-            <a:r>
-              <a:rPr lang="en-GB" sz="1200" kern="1200" dirty="0" smtClean="0">
-                <a:solidFill>
-                  <a:schemeClr val="tx1"/>
-                </a:solidFill>
-                <a:latin typeface="Times New Roman" pitchFamily="18" charset="0"/>
-                <a:ea typeface="+mn-ea"/>
-                <a:cs typeface="+mn-cs"/>
-              </a:rPr>
-              <a:t> </a:t>
-            </a:r>
-            <a:r>
-              <a:rPr lang="en-GB" sz="1200" kern="1200" dirty="0" err="1" smtClean="0">
-                <a:solidFill>
-                  <a:schemeClr val="tx1"/>
-                </a:solidFill>
-                <a:latin typeface="Times New Roman" pitchFamily="18" charset="0"/>
-                <a:ea typeface="+mn-ea"/>
-                <a:cs typeface="+mn-cs"/>
-              </a:rPr>
-              <a:t>der</a:t>
-            </a:r>
-            <a:r>
-              <a:rPr lang="en-GB" sz="1200" kern="1200" dirty="0" smtClean="0">
-                <a:solidFill>
-                  <a:schemeClr val="tx1"/>
-                </a:solidFill>
-                <a:latin typeface="Times New Roman" pitchFamily="18" charset="0"/>
-                <a:ea typeface="+mn-ea"/>
-                <a:cs typeface="+mn-cs"/>
-              </a:rPr>
-              <a:t> </a:t>
-            </a:r>
-            <a:r>
-              <a:rPr lang="en-GB" sz="1200" kern="1200" dirty="0" err="1" smtClean="0">
-                <a:solidFill>
-                  <a:schemeClr val="tx1"/>
-                </a:solidFill>
-                <a:latin typeface="Times New Roman" pitchFamily="18" charset="0"/>
-                <a:ea typeface="+mn-ea"/>
-                <a:cs typeface="+mn-cs"/>
-              </a:rPr>
-              <a:t>Internetnutzer</a:t>
-            </a:r>
-            <a:r>
-              <a:rPr lang="en-GB" sz="1200" kern="1200" baseline="0" dirty="0" smtClean="0">
-                <a:solidFill>
-                  <a:schemeClr val="tx1"/>
-                </a:solidFill>
-                <a:latin typeface="Times New Roman" pitchFamily="18" charset="0"/>
-                <a:ea typeface="+mn-ea"/>
-                <a:cs typeface="+mn-cs"/>
-              </a:rPr>
-              <a:t> </a:t>
-            </a:r>
-            <a:r>
-              <a:rPr lang="en-GB" sz="1200" kern="1200" dirty="0" smtClean="0">
-                <a:solidFill>
-                  <a:schemeClr val="tx1"/>
-                </a:solidFill>
-                <a:latin typeface="Times New Roman" pitchFamily="18" charset="0"/>
-                <a:ea typeface="+mn-ea"/>
-                <a:cs typeface="+mn-cs"/>
-              </a:rPr>
-              <a:t>um</a:t>
-            </a:r>
-            <a:r>
-              <a:rPr lang="en-GB" sz="1200" kern="1200" baseline="0" dirty="0" smtClean="0">
-                <a:solidFill>
-                  <a:schemeClr val="tx1"/>
-                </a:solidFill>
-                <a:latin typeface="Times New Roman" pitchFamily="18" charset="0"/>
-                <a:ea typeface="+mn-ea"/>
-                <a:cs typeface="+mn-cs"/>
-              </a:rPr>
-              <a:t> </a:t>
-            </a:r>
-            <a:r>
-              <a:rPr lang="en-GB" sz="1200" kern="1200" dirty="0" smtClean="0">
-                <a:solidFill>
-                  <a:schemeClr val="tx1"/>
-                </a:solidFill>
-                <a:latin typeface="Times New Roman" pitchFamily="18" charset="0"/>
-                <a:ea typeface="+mn-ea"/>
-                <a:cs typeface="+mn-cs"/>
-              </a:rPr>
-              <a:t>15%</a:t>
-            </a:r>
-            <a:r>
-              <a:rPr lang="en-GB" sz="1200" kern="1200" baseline="0" dirty="0" smtClean="0">
-                <a:solidFill>
-                  <a:schemeClr val="tx1"/>
-                </a:solidFill>
-                <a:latin typeface="Times New Roman" pitchFamily="18" charset="0"/>
-                <a:ea typeface="+mn-ea"/>
-                <a:cs typeface="+mn-cs"/>
-              </a:rPr>
-              <a:t> </a:t>
-            </a:r>
-            <a:r>
-              <a:rPr lang="en-GB" sz="1200" kern="1200" dirty="0" err="1" smtClean="0">
-                <a:solidFill>
-                  <a:schemeClr val="tx1"/>
-                </a:solidFill>
-                <a:latin typeface="Times New Roman" pitchFamily="18" charset="0"/>
-                <a:ea typeface="+mn-ea"/>
-                <a:cs typeface="+mn-cs"/>
-              </a:rPr>
-              <a:t>zu</a:t>
-            </a:r>
-            <a:r>
-              <a:rPr lang="de-DE" baseline="0" dirty="0" smtClean="0"/>
-              <a:t>)</a:t>
-            </a:r>
-          </a:p>
-          <a:p>
-            <a:r>
-              <a:rPr lang="de-DE" baseline="0" dirty="0" smtClean="0"/>
-              <a:t>-EU möchte Ausstoß bis 2020 auf 80% des Stands von 1990 erreichen(ca. 60% Reduktion)</a:t>
-            </a:r>
-          </a:p>
-          <a:p>
-            <a:r>
-              <a:rPr lang="de-DE" baseline="0" dirty="0" smtClean="0"/>
-              <a:t>*Klick*</a:t>
-            </a:r>
-          </a:p>
-          <a:p>
-            <a:r>
-              <a:rPr lang="de-DE" baseline="0" dirty="0" smtClean="0"/>
-              <a:t>-Potenzial da IT-eine stark unterstützende Funktion bietet</a:t>
-            </a:r>
             <a:endParaRPr lang="de-DE" dirty="0"/>
           </a:p>
         </p:txBody>
@@ -1408,6 +1050,88 @@
               <a:rPr lang="de-DE" smtClean="0"/>
               <a:pPr/>
               <a:t>3</a:t>
+            </a:fld>
+            <a:endParaRPr lang="de-DE"/>
+          </a:p>
+        </p:txBody>
+      </p:sp>
+    </p:spTree>
+  </p:cSld>
+  <p:clrMapOvr>
+    <a:masterClrMapping/>
+  </p:clrMapOvr>
+</p:notes>
+</file>
+
+<file path=ppt/notesSlides/notesSlide4.xml><?xml version="1.0" encoding="utf-8"?>
+<p:notes xmlns:a="http://schemas.openxmlformats.org/drawingml/2006/main" xmlns:r="http://schemas.openxmlformats.org/officeDocument/2006/relationships" xmlns:p="http://schemas.openxmlformats.org/presentationml/2006/main">
+  <p:cSld>
+    <p:spTree>
+      <p:nvGrpSpPr>
+        <p:cNvPr id="1" name=""/>
+        <p:cNvGrpSpPr/>
+        <p:nvPr/>
+      </p:nvGrpSpPr>
+      <p:grpSpPr>
+        <a:xfrm>
+          <a:off x="0" y="0"/>
+          <a:ext cx="0" cy="0"/>
+          <a:chOff x="0" y="0"/>
+          <a:chExt cx="0" cy="0"/>
+        </a:xfrm>
+      </p:grpSpPr>
+      <p:sp>
+        <p:nvSpPr>
+          <p:cNvPr id="2" name="Folienbildplatzhalter 1"/>
+          <p:cNvSpPr>
+            <a:spLocks noGrp="1" noRot="1" noChangeAspect="1"/>
+          </p:cNvSpPr>
+          <p:nvPr>
+            <p:ph type="sldImg"/>
+          </p:nvPr>
+        </p:nvSpPr>
+        <p:spPr/>
+      </p:sp>
+      <p:sp>
+        <p:nvSpPr>
+          <p:cNvPr id="3" name="Notizenplatzhalter 2"/>
+          <p:cNvSpPr>
+            <a:spLocks noGrp="1"/>
+          </p:cNvSpPr>
+          <p:nvPr>
+            <p:ph type="body" idx="1"/>
+          </p:nvPr>
+        </p:nvSpPr>
+        <p:spPr/>
+        <p:txBody>
+          <a:bodyPr>
+            <a:normAutofit/>
+          </a:bodyPr>
+          <a:lstStyle/>
+          <a:p>
+            <a:endParaRPr lang="de-DE" dirty="0"/>
+          </a:p>
+        </p:txBody>
+      </p:sp>
+      <p:sp>
+        <p:nvSpPr>
+          <p:cNvPr id="4" name="Foliennummernplatzhalter 3"/>
+          <p:cNvSpPr>
+            <a:spLocks noGrp="1"/>
+          </p:cNvSpPr>
+          <p:nvPr>
+            <p:ph type="sldNum" sz="quarter" idx="10"/>
+          </p:nvPr>
+        </p:nvSpPr>
+        <p:spPr/>
+        <p:txBody>
+          <a:bodyPr/>
+          <a:lstStyle/>
+          <a:p>
+            <a:fld id="{A8D0068F-0A1E-4566-8068-BF0F15B844D2}" type="slidenum">
+              <a:rPr lang="de-DE" smtClean="0"/>
+              <a:pPr/>
+              <a:t>4</a:t>
             </a:fld>
             <a:endParaRPr lang="de-DE"/>
           </a:p>
@@ -3501,7 +3225,7 @@
         <p:spPr bwMode="auto">
           <a:xfrm>
             <a:off x="317500" y="6583363"/>
-            <a:ext cx="2454300" cy="274637"/>
+            <a:ext cx="3678436" cy="276999"/>
           </a:xfrm>
           <a:prstGeom prst="rect">
             <a:avLst/>
@@ -3533,7 +3257,7 @@
                 </a:solidFill>
                 <a:ea typeface="ＭＳ Ｐゴシック" pitchFamily="1" charset="-128"/>
               </a:rPr>
-              <a:t>Roland Peyerl – BA 3. Semester</a:t>
+              <a:t>Sabine Lück, Daniel Wandrowec, Roland Peyerl</a:t>
             </a:r>
             <a:endParaRPr lang="de-DE" sz="1200" b="0" dirty="0">
               <a:solidFill>
@@ -3736,50 +3460,6 @@
       </p:sp>
       <p:sp>
         <p:nvSpPr>
-          <p:cNvPr id="16" name="Textfeld 15"/>
-          <p:cNvSpPr txBox="1"/>
-          <p:nvPr userDrawn="1"/>
-        </p:nvSpPr>
-        <p:spPr>
-          <a:xfrm>
-            <a:off x="3347864" y="6597352"/>
-            <a:ext cx="2232248" cy="276999"/>
-          </a:xfrm>
-          <a:prstGeom prst="rect">
-            <a:avLst/>
-          </a:prstGeom>
-          <a:noFill/>
-        </p:spPr>
-        <p:txBody>
-          <a:bodyPr wrap="square" rtlCol="0">
-            <a:spAutoFit/>
-          </a:bodyPr>
-          <a:lstStyle/>
-          <a:p>
-            <a:pPr algn="ctr" rtl="0" eaLnBrk="0" fontAlgn="base" hangingPunct="0">
-              <a:spcBef>
-                <a:spcPct val="50000"/>
-              </a:spcBef>
-              <a:spcAft>
-                <a:spcPct val="0"/>
-              </a:spcAft>
-            </a:pPr>
-            <a:r>
-              <a:rPr lang="en-GB" sz="1200" b="0" kern="1200" dirty="0" smtClean="0">
-                <a:solidFill>
-                  <a:srgbClr val="003B79"/>
-                </a:solidFill>
-                <a:latin typeface="Arial" charset="0"/>
-                <a:ea typeface="ＭＳ Ｐゴシック" pitchFamily="1" charset="-128"/>
-                <a:cs typeface="+mn-cs"/>
-              </a:rPr>
-              <a:t>Green IT</a:t>
-            </a:r>
-          </a:p>
-        </p:txBody>
-      </p:sp>
-      <p:sp>
-        <p:nvSpPr>
           <p:cNvPr id="18" name="Textfeld 17"/>
           <p:cNvSpPr txBox="1"/>
           <p:nvPr userDrawn="1"/>
@@ -3817,7 +3497,7 @@
                 <a:ea typeface="ＭＳ Ｐゴシック" pitchFamily="1" charset="-128"/>
                 <a:cs typeface="+mn-cs"/>
               </a:rPr>
-              <a:t>18.12.2012</a:t>
+              <a:t>29.04.2013</a:t>
             </a:r>
           </a:p>
         </p:txBody>
@@ -4256,15 +3936,7 @@
             </a:br>
             <a:r>
               <a:rPr lang="de-DE" sz="4400" dirty="0" smtClean="0"/>
-              <a:t>Anbindung </a:t>
-            </a:r>
-            <a:r>
-              <a:rPr lang="de-DE" sz="4400" dirty="0" smtClean="0"/>
-              <a:t>eines webbasierten </a:t>
-            </a:r>
-            <a:r>
-              <a:rPr lang="de-DE" sz="4400" dirty="0" smtClean="0"/>
-              <a:t>Artikelversands</a:t>
+              <a:t>Anbindung eines webbasierten Artikelversands</a:t>
             </a:r>
             <a:r>
               <a:rPr lang="de-DE" sz="6000" dirty="0" smtClean="0"/>
@@ -4566,14 +4238,6 @@
               </a:rPr>
               <a:t>7. Arbeitsaufteilung</a:t>
             </a:r>
-            <a:endParaRPr lang="de-DE" sz="3200" dirty="0" smtClean="0">
-              <a:solidFill>
-                <a:srgbClr val="003B79"/>
-              </a:solidFill>
-              <a:latin typeface="+mj-lt"/>
-              <a:ea typeface="+mj-ea"/>
-              <a:cs typeface="+mj-cs"/>
-            </a:endParaRPr>
           </a:p>
         </p:txBody>
       </p:sp>
@@ -4813,16 +4477,7 @@
                 </a:solidFill>
                 <a:latin typeface="+mn-lt"/>
               </a:rPr>
-              <a:t>	</a:t>
-            </a:r>
-            <a:r>
-              <a:rPr lang="de-DE" sz="2400" b="0" kern="0" dirty="0" smtClean="0">
-                <a:solidFill>
-                  <a:srgbClr val="003B79"/>
-                </a:solidFill>
-                <a:latin typeface="+mn-lt"/>
-              </a:rPr>
-              <a:t>		-Datenbankschnittstelle</a:t>
+              <a:t>			-Datenbankschnittstelle</a:t>
             </a:r>
           </a:p>
           <a:p>
@@ -4874,16 +4529,7 @@
                 </a:solidFill>
                 <a:latin typeface="+mn-lt"/>
               </a:rPr>
-              <a:t>	</a:t>
-            </a:r>
-            <a:r>
-              <a:rPr lang="de-DE" sz="2400" b="0" kern="0" dirty="0" smtClean="0">
-                <a:solidFill>
-                  <a:srgbClr val="003B79"/>
-                </a:solidFill>
-                <a:latin typeface="+mn-lt"/>
-              </a:rPr>
-              <a:t>		-Test-GUI</a:t>
+              <a:t>			-Test-GUI</a:t>
             </a:r>
           </a:p>
           <a:p>
@@ -4958,16 +4604,7 @@
                 </a:solidFill>
                 <a:latin typeface="+mn-lt"/>
               </a:rPr>
-              <a:t>	</a:t>
-            </a:r>
-            <a:r>
-              <a:rPr lang="de-DE" sz="2400" b="0" kern="0" dirty="0" smtClean="0">
-                <a:solidFill>
-                  <a:srgbClr val="003B79"/>
-                </a:solidFill>
-                <a:latin typeface="+mn-lt"/>
-              </a:rPr>
-              <a:t>		-Rechnungen</a:t>
+              <a:t>			-Rechnungen</a:t>
             </a:r>
           </a:p>
           <a:p>
@@ -4993,16 +4630,7 @@
                 </a:solidFill>
                 <a:latin typeface="+mn-lt"/>
               </a:rPr>
-              <a:t>	</a:t>
-            </a:r>
-            <a:r>
-              <a:rPr lang="de-DE" sz="2400" b="0" kern="0" dirty="0" smtClean="0">
-                <a:solidFill>
-                  <a:srgbClr val="003B79"/>
-                </a:solidFill>
-                <a:latin typeface="+mn-lt"/>
-              </a:rPr>
-              <a:t>		-UML-Klassen-Diagramm</a:t>
+              <a:t>			-UML-Klassen-Diagramm</a:t>
             </a:r>
           </a:p>
           <a:p>
@@ -5085,8 +4713,282 @@
                 <a:ea typeface="+mn-ea"/>
                 <a:cs typeface="+mn-cs"/>
               </a:rPr>
-              <a:t>	</a:t>
-            </a:r>
+              <a:t>			-Testen			</a:t>
+            </a:r>
+          </a:p>
+        </p:txBody>
+      </p:sp>
+    </p:spTree>
+  </p:cSld>
+  <p:clrMapOvr>
+    <a:masterClrMapping/>
+  </p:clrMapOvr>
+  <p:timing>
+    <p:tnLst>
+      <p:par>
+        <p:cTn id="1" dur="indefinite" restart="never" nodeType="tmRoot"/>
+      </p:par>
+    </p:tnLst>
+  </p:timing>
+</p:sld>
+</file>
+
+<file path=ppt/slides/slide4.xml><?xml version="1.0" encoding="utf-8"?>
+<p:sld xmlns:a="http://schemas.openxmlformats.org/drawingml/2006/main" xmlns:r="http://schemas.openxmlformats.org/officeDocument/2006/relationships" xmlns:p="http://schemas.openxmlformats.org/presentationml/2006/main">
+  <p:cSld>
+    <p:spTree>
+      <p:nvGrpSpPr>
+        <p:cNvPr id="1" name=""/>
+        <p:cNvGrpSpPr/>
+        <p:nvPr/>
+      </p:nvGrpSpPr>
+      <p:grpSpPr>
+        <a:xfrm>
+          <a:off x="0" y="0"/>
+          <a:ext cx="0" cy="0"/>
+          <a:chOff x="0" y="0"/>
+          <a:chExt cx="0" cy="0"/>
+        </a:xfrm>
+      </p:grpSpPr>
+      <p:sp>
+        <p:nvSpPr>
+          <p:cNvPr id="4" name="Rectangle 2"/>
+          <p:cNvSpPr txBox="1">
+            <a:spLocks noChangeArrowheads="1"/>
+          </p:cNvSpPr>
+          <p:nvPr/>
+        </p:nvSpPr>
+        <p:spPr>
+          <a:xfrm>
+            <a:off x="323626" y="357188"/>
+            <a:ext cx="6624638" cy="503237"/>
+          </a:xfrm>
+          <a:prstGeom prst="rect">
+            <a:avLst/>
+          </a:prstGeom>
+        </p:spPr>
+        <p:txBody>
+          <a:bodyPr/>
+          <a:lstStyle/>
+          <a:p>
+            <a:pPr marL="457200" lvl="0" indent="-457200" algn="l"/>
+            <a:r>
+              <a:rPr lang="de-DE" sz="3200" dirty="0" smtClean="0">
+                <a:solidFill>
+                  <a:srgbClr val="003B79"/>
+                </a:solidFill>
+                <a:latin typeface="+mj-lt"/>
+                <a:ea typeface="+mj-ea"/>
+                <a:cs typeface="+mj-cs"/>
+              </a:rPr>
+              <a:t>8. Zeitplan</a:t>
+            </a:r>
+            <a:endParaRPr lang="de-DE" sz="3200" dirty="0" smtClean="0">
+              <a:solidFill>
+                <a:srgbClr val="003B79"/>
+              </a:solidFill>
+              <a:latin typeface="+mj-lt"/>
+              <a:ea typeface="+mj-ea"/>
+              <a:cs typeface="+mj-cs"/>
+            </a:endParaRPr>
+          </a:p>
+        </p:txBody>
+      </p:sp>
+      <p:sp>
+        <p:nvSpPr>
+          <p:cNvPr id="5" name="Rectangle 4"/>
+          <p:cNvSpPr txBox="1">
+            <a:spLocks noChangeArrowheads="1"/>
+          </p:cNvSpPr>
+          <p:nvPr/>
+        </p:nvSpPr>
+        <p:spPr>
+          <a:xfrm>
+            <a:off x="323850" y="1052736"/>
+            <a:ext cx="8568630" cy="5545137"/>
+          </a:xfrm>
+          <a:prstGeom prst="rect">
+            <a:avLst/>
+          </a:prstGeom>
+        </p:spPr>
+        <p:txBody>
+          <a:bodyPr/>
+          <a:lstStyle/>
+          <a:p>
+            <a:pPr marL="742950" marR="0" lvl="1" indent="-285750" algn="l" defTabSz="914400" rtl="0" eaLnBrk="1" fontAlgn="base" latinLnBrk="0" hangingPunct="1">
+              <a:lnSpc>
+                <a:spcPct val="100000"/>
+              </a:lnSpc>
+              <a:spcBef>
+                <a:spcPct val="20000"/>
+              </a:spcBef>
+              <a:spcAft>
+                <a:spcPct val="20000"/>
+              </a:spcAft>
+              <a:buClrTx/>
+              <a:buSzTx/>
+              <a:tabLst/>
+              <a:defRPr/>
+            </a:pPr>
+            <a:endParaRPr lang="de-DE" sz="2400" b="0" kern="0" dirty="0" smtClean="0">
+              <a:solidFill>
+                <a:srgbClr val="003B79"/>
+              </a:solidFill>
+              <a:latin typeface="+mn-lt"/>
+            </a:endParaRPr>
+          </a:p>
+          <a:p>
+            <a:pPr marL="742950" lvl="1" indent="-285750" algn="l">
+              <a:spcBef>
+                <a:spcPct val="20000"/>
+              </a:spcBef>
+              <a:spcAft>
+                <a:spcPct val="20000"/>
+              </a:spcAft>
+            </a:pPr>
+            <a:endParaRPr lang="de-DE" sz="2400" b="0" kern="0" dirty="0">
+              <a:solidFill>
+                <a:srgbClr val="003B79"/>
+              </a:solidFill>
+              <a:latin typeface="+mn-lt"/>
+            </a:endParaRPr>
+          </a:p>
+          <a:p>
+            <a:pPr marL="742950" marR="0" lvl="1" indent="-285750" algn="l" defTabSz="914400" rtl="0" eaLnBrk="1" fontAlgn="base" latinLnBrk="0" hangingPunct="1">
+              <a:lnSpc>
+                <a:spcPct val="100000"/>
+              </a:lnSpc>
+              <a:spcBef>
+                <a:spcPct val="20000"/>
+              </a:spcBef>
+              <a:spcAft>
+                <a:spcPct val="20000"/>
+              </a:spcAft>
+              <a:buClrTx/>
+              <a:buSzTx/>
+              <a:tabLst/>
+              <a:defRPr/>
+            </a:pPr>
+            <a:endParaRPr lang="de-DE" sz="2400" b="0" kern="0" dirty="0">
+              <a:solidFill>
+                <a:srgbClr val="003B79"/>
+              </a:solidFill>
+              <a:latin typeface="+mn-lt"/>
+            </a:endParaRPr>
+          </a:p>
+          <a:p>
+            <a:pPr marL="742950" marR="0" lvl="1" indent="-285750" algn="l" defTabSz="914400" rtl="0" eaLnBrk="1" fontAlgn="base" latinLnBrk="0" hangingPunct="1">
+              <a:lnSpc>
+                <a:spcPct val="100000"/>
+              </a:lnSpc>
+              <a:spcBef>
+                <a:spcPct val="20000"/>
+              </a:spcBef>
+              <a:spcAft>
+                <a:spcPct val="20000"/>
+              </a:spcAft>
+              <a:buClrTx/>
+              <a:buSzTx/>
+              <a:tabLst/>
+              <a:defRPr/>
+            </a:pPr>
+            <a:endParaRPr lang="de-DE" sz="2400" b="0" kern="0" dirty="0" smtClean="0">
+              <a:solidFill>
+                <a:srgbClr val="003B79"/>
+              </a:solidFill>
+              <a:latin typeface="+mn-lt"/>
+            </a:endParaRPr>
+          </a:p>
+          <a:p>
+            <a:pPr marL="742950" marR="0" lvl="1" indent="-285750" algn="l" defTabSz="914400" rtl="0" eaLnBrk="1" fontAlgn="base" latinLnBrk="0" hangingPunct="1">
+              <a:lnSpc>
+                <a:spcPct val="100000"/>
+              </a:lnSpc>
+              <a:spcBef>
+                <a:spcPct val="20000"/>
+              </a:spcBef>
+              <a:spcAft>
+                <a:spcPct val="20000"/>
+              </a:spcAft>
+              <a:buClrTx/>
+              <a:buSzTx/>
+              <a:tabLst/>
+              <a:defRPr/>
+            </a:pPr>
+            <a:endParaRPr lang="de-DE" sz="2400" b="0" kern="0" dirty="0">
+              <a:solidFill>
+                <a:srgbClr val="003B79"/>
+              </a:solidFill>
+              <a:latin typeface="+mn-lt"/>
+            </a:endParaRPr>
+          </a:p>
+          <a:p>
+            <a:pPr marL="742950" marR="0" lvl="1" indent="-285750" algn="l" defTabSz="914400" rtl="0" eaLnBrk="1" fontAlgn="base" latinLnBrk="0" hangingPunct="1">
+              <a:lnSpc>
+                <a:spcPct val="100000"/>
+              </a:lnSpc>
+              <a:spcBef>
+                <a:spcPct val="20000"/>
+              </a:spcBef>
+              <a:spcAft>
+                <a:spcPct val="20000"/>
+              </a:spcAft>
+              <a:buClrTx/>
+              <a:buSzTx/>
+              <a:tabLst/>
+              <a:defRPr/>
+            </a:pPr>
+            <a:endParaRPr kumimoji="0" lang="de-DE" sz="2400" b="0" i="0" u="none" strike="noStrike" kern="0" cap="none" spc="0" normalizeH="0" baseline="0" noProof="0" dirty="0" smtClean="0">
+              <a:ln>
+                <a:noFill/>
+              </a:ln>
+              <a:solidFill>
+                <a:srgbClr val="003B79"/>
+              </a:solidFill>
+              <a:effectLst/>
+              <a:uLnTx/>
+              <a:uFillTx/>
+              <a:latin typeface="+mn-lt"/>
+            </a:endParaRPr>
+          </a:p>
+        </p:txBody>
+      </p:sp>
+      <p:sp>
+        <p:nvSpPr>
+          <p:cNvPr id="9" name="Rectangle 4"/>
+          <p:cNvSpPr txBox="1">
+            <a:spLocks noChangeArrowheads="1"/>
+          </p:cNvSpPr>
+          <p:nvPr/>
+        </p:nvSpPr>
+        <p:spPr>
+          <a:xfrm>
+            <a:off x="792410" y="1052736"/>
+            <a:ext cx="8820150" cy="5545137"/>
+          </a:xfrm>
+          <a:prstGeom prst="rect">
+            <a:avLst/>
+          </a:prstGeom>
+        </p:spPr>
+        <p:txBody>
+          <a:bodyPr/>
+          <a:lstStyle/>
+          <a:p>
+            <a:pPr marL="457200" marR="0" lvl="0" indent="-457200" algn="l" defTabSz="914400" rtl="0" eaLnBrk="1" fontAlgn="base" latinLnBrk="0" hangingPunct="1">
+              <a:lnSpc>
+                <a:spcPct val="100000"/>
+              </a:lnSpc>
+              <a:spcBef>
+                <a:spcPct val="20000"/>
+              </a:spcBef>
+              <a:spcAft>
+                <a:spcPct val="20000"/>
+              </a:spcAft>
+              <a:buClrTx/>
+              <a:buSzTx/>
+              <a:tabLst/>
+              <a:defRPr/>
+            </a:pPr>
             <a:r>
               <a:rPr kumimoji="0" lang="de-DE" sz="2400" b="0" i="0" u="none" strike="noStrike" kern="0" cap="none" spc="0" normalizeH="0" baseline="0" noProof="0" dirty="0" smtClean="0">
                 <a:ln>
@@ -5102,7 +5004,7 @@
                 <a:ea typeface="+mn-ea"/>
                 <a:cs typeface="+mn-cs"/>
               </a:rPr>
-              <a:t>		-Testen			</a:t>
+              <a:t>			</a:t>
             </a:r>
           </a:p>
         </p:txBody>

--- a/Präsentation PRG4.pptx
+++ b/Präsentation PRG4.pptx
@@ -5,16 +5,26 @@
     <p:sldMasterId id="2147483660" r:id="rId1"/>
   </p:sldMasterIdLst>
   <p:notesMasterIdLst>
-    <p:notesMasterId r:id="rId6"/>
+    <p:notesMasterId r:id="rId16"/>
   </p:notesMasterIdLst>
   <p:handoutMasterIdLst>
-    <p:handoutMasterId r:id="rId7"/>
+    <p:handoutMasterId r:id="rId17"/>
   </p:handoutMasterIdLst>
   <p:sldIdLst>
     <p:sldId id="257" r:id="rId2"/>
     <p:sldId id="258" r:id="rId3"/>
-    <p:sldId id="260" r:id="rId4"/>
-    <p:sldId id="261" r:id="rId5"/>
+    <p:sldId id="265" r:id="rId4"/>
+    <p:sldId id="272" r:id="rId5"/>
+    <p:sldId id="266" r:id="rId6"/>
+    <p:sldId id="262" r:id="rId7"/>
+    <p:sldId id="267" r:id="rId8"/>
+    <p:sldId id="268" r:id="rId9"/>
+    <p:sldId id="269" r:id="rId10"/>
+    <p:sldId id="270" r:id="rId11"/>
+    <p:sldId id="271" r:id="rId12"/>
+    <p:sldId id="263" r:id="rId13"/>
+    <p:sldId id="260" r:id="rId14"/>
+    <p:sldId id="261" r:id="rId15"/>
   </p:sldIdLst>
   <p:sldSz cx="9144000" cy="6858000" type="screen4x3"/>
   <p:notesSz cx="6858000" cy="9144000"/>
@@ -144,6 +154,4663 @@
     </a:lvl9pPr>
   </p:defaultTextStyle>
 </p:presentation>
+</file>
+
+<file path=ppt/diagrams/colors1.xml><?xml version="1.0" encoding="utf-8"?>
+<dgm:colorsDef xmlns:dgm="http://schemas.openxmlformats.org/drawingml/2006/diagram" xmlns:a="http://schemas.openxmlformats.org/drawingml/2006/main" uniqueId="urn:microsoft.com/office/officeart/2005/8/colors/accent0_2">
+  <dgm:title val=""/>
+  <dgm:desc val=""/>
+  <dgm:catLst>
+    <dgm:cat type="mainScheme" pri="10200"/>
+  </dgm:catLst>
+  <dgm:styleLbl name="node0">
+    <dgm:fillClrLst meth="repeat">
+      <a:schemeClr val="lt1"/>
+    </dgm:fillClrLst>
+    <dgm:linClrLst meth="repeat">
+      <a:schemeClr val="dk2">
+        <a:shade val="80000"/>
+      </a:schemeClr>
+    </dgm:linClrLst>
+    <dgm:effectClrLst/>
+    <dgm:txLinClrLst/>
+    <dgm:txFillClrLst meth="repeat">
+      <a:schemeClr val="dk2"/>
+    </dgm:txFillClrLst>
+    <dgm:txEffectClrLst/>
+  </dgm:styleLbl>
+  <dgm:styleLbl name="node1">
+    <dgm:fillClrLst meth="repeat">
+      <a:schemeClr val="lt1"/>
+    </dgm:fillClrLst>
+    <dgm:linClrLst meth="repeat">
+      <a:schemeClr val="dk2">
+        <a:shade val="80000"/>
+      </a:schemeClr>
+    </dgm:linClrLst>
+    <dgm:effectClrLst/>
+    <dgm:txLinClrLst/>
+    <dgm:txFillClrLst meth="repeat">
+      <a:schemeClr val="dk2"/>
+    </dgm:txFillClrLst>
+    <dgm:txEffectClrLst/>
+  </dgm:styleLbl>
+  <dgm:styleLbl name="alignNode1">
+    <dgm:fillClrLst meth="repeat">
+      <a:schemeClr val="lt1"/>
+    </dgm:fillClrLst>
+    <dgm:linClrLst meth="repeat">
+      <a:schemeClr val="dk2">
+        <a:shade val="80000"/>
+      </a:schemeClr>
+    </dgm:linClrLst>
+    <dgm:effectClrLst/>
+    <dgm:txLinClrLst/>
+    <dgm:txFillClrLst meth="repeat">
+      <a:schemeClr val="dk2"/>
+    </dgm:txFillClrLst>
+    <dgm:txEffectClrLst/>
+  </dgm:styleLbl>
+  <dgm:styleLbl name="lnNode1">
+    <dgm:fillClrLst meth="repeat">
+      <a:schemeClr val="lt1"/>
+    </dgm:fillClrLst>
+    <dgm:linClrLst meth="repeat">
+      <a:schemeClr val="dk2">
+        <a:shade val="80000"/>
+      </a:schemeClr>
+    </dgm:linClrLst>
+    <dgm:effectClrLst/>
+    <dgm:txLinClrLst/>
+    <dgm:txFillClrLst meth="repeat">
+      <a:schemeClr val="dk2"/>
+    </dgm:txFillClrLst>
+    <dgm:txEffectClrLst/>
+  </dgm:styleLbl>
+  <dgm:styleLbl name="vennNode1">
+    <dgm:fillClrLst meth="repeat">
+      <a:schemeClr val="lt1">
+        <a:alpha val="50000"/>
+      </a:schemeClr>
+    </dgm:fillClrLst>
+    <dgm:linClrLst meth="repeat">
+      <a:schemeClr val="dk2">
+        <a:shade val="80000"/>
+      </a:schemeClr>
+    </dgm:linClrLst>
+    <dgm:effectClrLst/>
+    <dgm:txLinClrLst/>
+    <dgm:txFillClrLst/>
+    <dgm:txEffectClrLst/>
+  </dgm:styleLbl>
+  <dgm:styleLbl name="node2">
+    <dgm:fillClrLst meth="repeat">
+      <a:schemeClr val="lt1"/>
+    </dgm:fillClrLst>
+    <dgm:linClrLst meth="repeat">
+      <a:schemeClr val="dk2">
+        <a:shade val="80000"/>
+      </a:schemeClr>
+    </dgm:linClrLst>
+    <dgm:effectClrLst/>
+    <dgm:txLinClrLst/>
+    <dgm:txFillClrLst meth="repeat">
+      <a:schemeClr val="dk2"/>
+    </dgm:txFillClrLst>
+    <dgm:txEffectClrLst/>
+  </dgm:styleLbl>
+  <dgm:styleLbl name="node3">
+    <dgm:fillClrLst meth="repeat">
+      <a:schemeClr val="lt1"/>
+    </dgm:fillClrLst>
+    <dgm:linClrLst meth="repeat">
+      <a:schemeClr val="dk2">
+        <a:shade val="80000"/>
+      </a:schemeClr>
+    </dgm:linClrLst>
+    <dgm:effectClrLst/>
+    <dgm:txLinClrLst/>
+    <dgm:txFillClrLst meth="repeat">
+      <a:schemeClr val="dk2"/>
+    </dgm:txFillClrLst>
+    <dgm:txEffectClrLst/>
+  </dgm:styleLbl>
+  <dgm:styleLbl name="node4">
+    <dgm:fillClrLst meth="repeat">
+      <a:schemeClr val="lt1"/>
+    </dgm:fillClrLst>
+    <dgm:linClrLst meth="repeat">
+      <a:schemeClr val="dk2">
+        <a:shade val="80000"/>
+      </a:schemeClr>
+    </dgm:linClrLst>
+    <dgm:effectClrLst/>
+    <dgm:txLinClrLst/>
+    <dgm:txFillClrLst meth="repeat">
+      <a:schemeClr val="dk2"/>
+    </dgm:txFillClrLst>
+    <dgm:txEffectClrLst/>
+  </dgm:styleLbl>
+  <dgm:styleLbl name="fgImgPlace1">
+    <dgm:fillClrLst meth="repeat">
+      <a:schemeClr val="dk2">
+        <a:tint val="40000"/>
+      </a:schemeClr>
+    </dgm:fillClrLst>
+    <dgm:linClrLst meth="repeat">
+      <a:schemeClr val="dk2">
+        <a:shade val="80000"/>
+      </a:schemeClr>
+    </dgm:linClrLst>
+    <dgm:effectClrLst/>
+    <dgm:txLinClrLst/>
+    <dgm:txFillClrLst meth="repeat">
+      <a:schemeClr val="lt1"/>
+    </dgm:txFillClrLst>
+    <dgm:txEffectClrLst/>
+  </dgm:styleLbl>
+  <dgm:styleLbl name="alignImgPlace1">
+    <dgm:fillClrLst meth="repeat">
+      <a:schemeClr val="dk2">
+        <a:tint val="40000"/>
+      </a:schemeClr>
+    </dgm:fillClrLst>
+    <dgm:linClrLst meth="repeat">
+      <a:schemeClr val="dk2">
+        <a:shade val="80000"/>
+      </a:schemeClr>
+    </dgm:linClrLst>
+    <dgm:effectClrLst/>
+    <dgm:txLinClrLst/>
+    <dgm:txFillClrLst meth="repeat">
+      <a:schemeClr val="lt1"/>
+    </dgm:txFillClrLst>
+    <dgm:txEffectClrLst/>
+  </dgm:styleLbl>
+  <dgm:styleLbl name="bgImgPlace1">
+    <dgm:fillClrLst meth="repeat">
+      <a:schemeClr val="dk2">
+        <a:tint val="40000"/>
+      </a:schemeClr>
+    </dgm:fillClrLst>
+    <dgm:linClrLst meth="repeat">
+      <a:schemeClr val="dk2">
+        <a:shade val="80000"/>
+      </a:schemeClr>
+    </dgm:linClrLst>
+    <dgm:effectClrLst/>
+    <dgm:txLinClrLst/>
+    <dgm:txFillClrLst meth="repeat">
+      <a:schemeClr val="lt1"/>
+    </dgm:txFillClrLst>
+    <dgm:txEffectClrLst/>
+  </dgm:styleLbl>
+  <dgm:styleLbl name="sibTrans2D1">
+    <dgm:fillClrLst meth="repeat">
+      <a:schemeClr val="dk2">
+        <a:tint val="60000"/>
+      </a:schemeClr>
+    </dgm:fillClrLst>
+    <dgm:linClrLst meth="repeat">
+      <a:schemeClr val="dk2">
+        <a:tint val="60000"/>
+      </a:schemeClr>
+    </dgm:linClrLst>
+    <dgm:effectClrLst/>
+    <dgm:txLinClrLst/>
+    <dgm:txFillClrLst meth="repeat">
+      <a:schemeClr val="dk2"/>
+    </dgm:txFillClrLst>
+    <dgm:txEffectClrLst/>
+  </dgm:styleLbl>
+  <dgm:styleLbl name="fgSibTrans2D1">
+    <dgm:fillClrLst meth="repeat">
+      <a:schemeClr val="dk2">
+        <a:tint val="60000"/>
+      </a:schemeClr>
+    </dgm:fillClrLst>
+    <dgm:linClrLst meth="repeat">
+      <a:schemeClr val="dk2">
+        <a:tint val="60000"/>
+      </a:schemeClr>
+    </dgm:linClrLst>
+    <dgm:effectClrLst/>
+    <dgm:txLinClrLst/>
+    <dgm:txFillClrLst meth="repeat">
+      <a:schemeClr val="dk2"/>
+    </dgm:txFillClrLst>
+    <dgm:txEffectClrLst/>
+  </dgm:styleLbl>
+  <dgm:styleLbl name="bgSibTrans2D1">
+    <dgm:fillClrLst meth="repeat">
+      <a:schemeClr val="dk2">
+        <a:tint val="60000"/>
+      </a:schemeClr>
+    </dgm:fillClrLst>
+    <dgm:linClrLst meth="repeat">
+      <a:schemeClr val="dk2">
+        <a:tint val="60000"/>
+      </a:schemeClr>
+    </dgm:linClrLst>
+    <dgm:effectClrLst/>
+    <dgm:txLinClrLst/>
+    <dgm:txFillClrLst meth="repeat">
+      <a:schemeClr val="dk2"/>
+    </dgm:txFillClrLst>
+    <dgm:txEffectClrLst/>
+  </dgm:styleLbl>
+  <dgm:styleLbl name="sibTrans1D1">
+    <dgm:fillClrLst meth="repeat">
+      <a:schemeClr val="dk2"/>
+    </dgm:fillClrLst>
+    <dgm:linClrLst meth="repeat">
+      <a:schemeClr val="dk2"/>
+    </dgm:linClrLst>
+    <dgm:effectClrLst/>
+    <dgm:txLinClrLst/>
+    <dgm:txFillClrLst meth="repeat">
+      <a:schemeClr val="tx1"/>
+    </dgm:txFillClrLst>
+    <dgm:txEffectClrLst/>
+  </dgm:styleLbl>
+  <dgm:styleLbl name="callout">
+    <dgm:fillClrLst meth="repeat">
+      <a:schemeClr val="dk2"/>
+    </dgm:fillClrLst>
+    <dgm:linClrLst meth="repeat">
+      <a:schemeClr val="dk2"/>
+    </dgm:linClrLst>
+    <dgm:effectClrLst/>
+    <dgm:txLinClrLst/>
+    <dgm:txFillClrLst meth="repeat">
+      <a:schemeClr val="tx1"/>
+    </dgm:txFillClrLst>
+    <dgm:txEffectClrLst/>
+  </dgm:styleLbl>
+  <dgm:styleLbl name="asst0">
+    <dgm:fillClrLst meth="repeat">
+      <a:schemeClr val="lt1"/>
+    </dgm:fillClrLst>
+    <dgm:linClrLst meth="repeat">
+      <a:schemeClr val="dk2">
+        <a:shade val="80000"/>
+      </a:schemeClr>
+    </dgm:linClrLst>
+    <dgm:effectClrLst/>
+    <dgm:txLinClrLst/>
+    <dgm:txFillClrLst meth="repeat">
+      <a:schemeClr val="dk2"/>
+    </dgm:txFillClrLst>
+    <dgm:txEffectClrLst/>
+  </dgm:styleLbl>
+  <dgm:styleLbl name="asst1">
+    <dgm:fillClrLst meth="repeat">
+      <a:schemeClr val="lt1"/>
+    </dgm:fillClrLst>
+    <dgm:linClrLst meth="repeat">
+      <a:schemeClr val="dk2">
+        <a:shade val="80000"/>
+      </a:schemeClr>
+    </dgm:linClrLst>
+    <dgm:effectClrLst/>
+    <dgm:txLinClrLst/>
+    <dgm:txFillClrLst meth="repeat">
+      <a:schemeClr val="dk2"/>
+    </dgm:txFillClrLst>
+    <dgm:txEffectClrLst/>
+  </dgm:styleLbl>
+  <dgm:styleLbl name="asst2">
+    <dgm:fillClrLst meth="repeat">
+      <a:schemeClr val="lt1"/>
+    </dgm:fillClrLst>
+    <dgm:linClrLst meth="repeat">
+      <a:schemeClr val="dk2">
+        <a:shade val="80000"/>
+      </a:schemeClr>
+    </dgm:linClrLst>
+    <dgm:effectClrLst/>
+    <dgm:txLinClrLst/>
+    <dgm:txFillClrLst meth="repeat">
+      <a:schemeClr val="dk2"/>
+    </dgm:txFillClrLst>
+    <dgm:txEffectClrLst/>
+  </dgm:styleLbl>
+  <dgm:styleLbl name="asst3">
+    <dgm:fillClrLst meth="repeat">
+      <a:schemeClr val="lt1"/>
+    </dgm:fillClrLst>
+    <dgm:linClrLst meth="repeat">
+      <a:schemeClr val="dk2">
+        <a:shade val="80000"/>
+      </a:schemeClr>
+    </dgm:linClrLst>
+    <dgm:effectClrLst/>
+    <dgm:txLinClrLst/>
+    <dgm:txFillClrLst meth="repeat">
+      <a:schemeClr val="dk2"/>
+    </dgm:txFillClrLst>
+    <dgm:txEffectClrLst/>
+  </dgm:styleLbl>
+  <dgm:styleLbl name="asst4">
+    <dgm:fillClrLst meth="repeat">
+      <a:schemeClr val="lt1"/>
+    </dgm:fillClrLst>
+    <dgm:linClrLst meth="repeat">
+      <a:schemeClr val="dk2">
+        <a:shade val="80000"/>
+      </a:schemeClr>
+    </dgm:linClrLst>
+    <dgm:effectClrLst/>
+    <dgm:txLinClrLst/>
+    <dgm:txFillClrLst meth="repeat">
+      <a:schemeClr val="dk2"/>
+    </dgm:txFillClrLst>
+    <dgm:txEffectClrLst/>
+  </dgm:styleLbl>
+  <dgm:styleLbl name="parChTrans2D1">
+    <dgm:fillClrLst meth="repeat">
+      <a:schemeClr val="dk2">
+        <a:tint val="60000"/>
+      </a:schemeClr>
+    </dgm:fillClrLst>
+    <dgm:linClrLst meth="repeat">
+      <a:schemeClr val="dk2">
+        <a:tint val="60000"/>
+      </a:schemeClr>
+    </dgm:linClrLst>
+    <dgm:effectClrLst/>
+    <dgm:txLinClrLst/>
+    <dgm:txFillClrLst/>
+    <dgm:txEffectClrLst/>
+  </dgm:styleLbl>
+  <dgm:styleLbl name="parChTrans2D2">
+    <dgm:fillClrLst meth="repeat">
+      <a:schemeClr val="dk2"/>
+    </dgm:fillClrLst>
+    <dgm:linClrLst meth="repeat">
+      <a:schemeClr val="dk2"/>
+    </dgm:linClrLst>
+    <dgm:effectClrLst/>
+    <dgm:txLinClrLst/>
+    <dgm:txFillClrLst/>
+    <dgm:txEffectClrLst/>
+  </dgm:styleLbl>
+  <dgm:styleLbl name="parChTrans2D3">
+    <dgm:fillClrLst meth="repeat">
+      <a:schemeClr val="dk2"/>
+    </dgm:fillClrLst>
+    <dgm:linClrLst meth="repeat">
+      <a:schemeClr val="dk2"/>
+    </dgm:linClrLst>
+    <dgm:effectClrLst/>
+    <dgm:txLinClrLst/>
+    <dgm:txFillClrLst/>
+    <dgm:txEffectClrLst/>
+  </dgm:styleLbl>
+  <dgm:styleLbl name="parChTrans2D4">
+    <dgm:fillClrLst meth="repeat">
+      <a:schemeClr val="dk2"/>
+    </dgm:fillClrLst>
+    <dgm:linClrLst meth="repeat">
+      <a:schemeClr val="dk2"/>
+    </dgm:linClrLst>
+    <dgm:effectClrLst/>
+    <dgm:txLinClrLst/>
+    <dgm:txFillClrLst meth="repeat">
+      <a:schemeClr val="lt1"/>
+    </dgm:txFillClrLst>
+    <dgm:txEffectClrLst/>
+  </dgm:styleLbl>
+  <dgm:styleLbl name="parChTrans1D1">
+    <dgm:fillClrLst meth="repeat">
+      <a:schemeClr val="dk2"/>
+    </dgm:fillClrLst>
+    <dgm:linClrLst meth="repeat">
+      <a:schemeClr val="dk2">
+        <a:shade val="60000"/>
+      </a:schemeClr>
+    </dgm:linClrLst>
+    <dgm:effectClrLst/>
+    <dgm:txLinClrLst/>
+    <dgm:txFillClrLst meth="repeat">
+      <a:schemeClr val="tx1"/>
+    </dgm:txFillClrLst>
+    <dgm:txEffectClrLst/>
+  </dgm:styleLbl>
+  <dgm:styleLbl name="parChTrans1D2">
+    <dgm:fillClrLst meth="repeat">
+      <a:schemeClr val="dk2"/>
+    </dgm:fillClrLst>
+    <dgm:linClrLst meth="repeat">
+      <a:schemeClr val="dk2">
+        <a:shade val="60000"/>
+      </a:schemeClr>
+    </dgm:linClrLst>
+    <dgm:effectClrLst/>
+    <dgm:txLinClrLst/>
+    <dgm:txFillClrLst meth="repeat">
+      <a:schemeClr val="tx1"/>
+    </dgm:txFillClrLst>
+    <dgm:txEffectClrLst/>
+  </dgm:styleLbl>
+  <dgm:styleLbl name="parChTrans1D3">
+    <dgm:fillClrLst meth="repeat">
+      <a:schemeClr val="dk2"/>
+    </dgm:fillClrLst>
+    <dgm:linClrLst meth="repeat">
+      <a:schemeClr val="dk2">
+        <a:shade val="80000"/>
+      </a:schemeClr>
+    </dgm:linClrLst>
+    <dgm:effectClrLst/>
+    <dgm:txLinClrLst/>
+    <dgm:txFillClrLst meth="repeat">
+      <a:schemeClr val="tx1"/>
+    </dgm:txFillClrLst>
+    <dgm:txEffectClrLst/>
+  </dgm:styleLbl>
+  <dgm:styleLbl name="parChTrans1D4">
+    <dgm:fillClrLst meth="repeat">
+      <a:schemeClr val="dk2"/>
+    </dgm:fillClrLst>
+    <dgm:linClrLst meth="repeat">
+      <a:schemeClr val="dk2">
+        <a:shade val="80000"/>
+      </a:schemeClr>
+    </dgm:linClrLst>
+    <dgm:effectClrLst/>
+    <dgm:txLinClrLst/>
+    <dgm:txFillClrLst meth="repeat">
+      <a:schemeClr val="tx1"/>
+    </dgm:txFillClrLst>
+    <dgm:txEffectClrLst/>
+  </dgm:styleLbl>
+  <dgm:styleLbl name="fgAcc1">
+    <dgm:fillClrLst meth="repeat">
+      <a:schemeClr val="dk2">
+        <a:alpha val="90000"/>
+        <a:tint val="40000"/>
+      </a:schemeClr>
+    </dgm:fillClrLst>
+    <dgm:linClrLst meth="repeat">
+      <a:schemeClr val="dk2"/>
+    </dgm:linClrLst>
+    <dgm:effectClrLst/>
+    <dgm:txLinClrLst/>
+    <dgm:txFillClrLst meth="repeat">
+      <a:schemeClr val="dk2"/>
+    </dgm:txFillClrLst>
+    <dgm:txEffectClrLst/>
+  </dgm:styleLbl>
+  <dgm:styleLbl name="conFgAcc1">
+    <dgm:fillClrLst meth="repeat">
+      <a:schemeClr val="dk2">
+        <a:alpha val="90000"/>
+        <a:tint val="40000"/>
+      </a:schemeClr>
+    </dgm:fillClrLst>
+    <dgm:linClrLst meth="repeat">
+      <a:schemeClr val="dk2"/>
+    </dgm:linClrLst>
+    <dgm:effectClrLst/>
+    <dgm:txLinClrLst/>
+    <dgm:txFillClrLst meth="repeat">
+      <a:schemeClr val="dk2"/>
+    </dgm:txFillClrLst>
+    <dgm:txEffectClrLst/>
+  </dgm:styleLbl>
+  <dgm:styleLbl name="alignAcc1">
+    <dgm:fillClrLst meth="repeat">
+      <a:schemeClr val="dk2">
+        <a:alpha val="90000"/>
+        <a:tint val="40000"/>
+      </a:schemeClr>
+    </dgm:fillClrLst>
+    <dgm:linClrLst meth="repeat">
+      <a:schemeClr val="dk2"/>
+    </dgm:linClrLst>
+    <dgm:effectClrLst/>
+    <dgm:txLinClrLst/>
+    <dgm:txFillClrLst meth="repeat">
+      <a:schemeClr val="dk2"/>
+    </dgm:txFillClrLst>
+    <dgm:txEffectClrLst/>
+  </dgm:styleLbl>
+  <dgm:styleLbl name="trAlignAcc1">
+    <dgm:fillClrLst meth="repeat">
+      <a:schemeClr val="dk2">
+        <a:alpha val="40000"/>
+        <a:tint val="40000"/>
+      </a:schemeClr>
+    </dgm:fillClrLst>
+    <dgm:linClrLst meth="repeat">
+      <a:schemeClr val="dk2"/>
+    </dgm:linClrLst>
+    <dgm:effectClrLst/>
+    <dgm:txLinClrLst/>
+    <dgm:txFillClrLst meth="repeat">
+      <a:schemeClr val="dk2"/>
+    </dgm:txFillClrLst>
+    <dgm:txEffectClrLst/>
+  </dgm:styleLbl>
+  <dgm:styleLbl name="bgAcc1">
+    <dgm:fillClrLst meth="repeat">
+      <a:schemeClr val="dk2">
+        <a:alpha val="90000"/>
+        <a:tint val="40000"/>
+      </a:schemeClr>
+    </dgm:fillClrLst>
+    <dgm:linClrLst meth="repeat">
+      <a:schemeClr val="dk2"/>
+    </dgm:linClrLst>
+    <dgm:effectClrLst/>
+    <dgm:txLinClrLst/>
+    <dgm:txFillClrLst meth="repeat">
+      <a:schemeClr val="dk2"/>
+    </dgm:txFillClrLst>
+    <dgm:txEffectClrLst/>
+  </dgm:styleLbl>
+  <dgm:styleLbl name="solidFgAcc1">
+    <dgm:fillClrLst meth="repeat">
+      <a:schemeClr val="lt1"/>
+    </dgm:fillClrLst>
+    <dgm:linClrLst meth="repeat">
+      <a:schemeClr val="dk2"/>
+    </dgm:linClrLst>
+    <dgm:effectClrLst/>
+    <dgm:txLinClrLst/>
+    <dgm:txFillClrLst meth="repeat">
+      <a:schemeClr val="dk2"/>
+    </dgm:txFillClrLst>
+    <dgm:txEffectClrLst/>
+  </dgm:styleLbl>
+  <dgm:styleLbl name="solidAlignAcc1">
+    <dgm:fillClrLst meth="repeat">
+      <a:schemeClr val="lt1"/>
+    </dgm:fillClrLst>
+    <dgm:linClrLst meth="repeat">
+      <a:schemeClr val="dk2"/>
+    </dgm:linClrLst>
+    <dgm:effectClrLst/>
+    <dgm:txLinClrLst/>
+    <dgm:txFillClrLst meth="repeat">
+      <a:schemeClr val="dk2"/>
+    </dgm:txFillClrLst>
+    <dgm:txEffectClrLst/>
+  </dgm:styleLbl>
+  <dgm:styleLbl name="solidBgAcc1">
+    <dgm:fillClrLst meth="repeat">
+      <a:schemeClr val="lt1"/>
+    </dgm:fillClrLst>
+    <dgm:linClrLst meth="repeat">
+      <a:schemeClr val="dk2"/>
+    </dgm:linClrLst>
+    <dgm:effectClrLst/>
+    <dgm:txLinClrLst/>
+    <dgm:txFillClrLst meth="repeat">
+      <a:schemeClr val="dk2"/>
+    </dgm:txFillClrLst>
+    <dgm:txEffectClrLst/>
+  </dgm:styleLbl>
+  <dgm:styleLbl name="fgAccFollowNode1">
+    <dgm:fillClrLst meth="repeat">
+      <a:schemeClr val="lt1">
+        <a:alpha val="90000"/>
+        <a:tint val="40000"/>
+      </a:schemeClr>
+    </dgm:fillClrLst>
+    <dgm:linClrLst meth="repeat">
+      <a:schemeClr val="dk2">
+        <a:alpha val="90000"/>
+      </a:schemeClr>
+    </dgm:linClrLst>
+    <dgm:effectClrLst/>
+    <dgm:txLinClrLst/>
+    <dgm:txFillClrLst meth="repeat">
+      <a:schemeClr val="dk2"/>
+    </dgm:txFillClrLst>
+    <dgm:txEffectClrLst/>
+  </dgm:styleLbl>
+  <dgm:styleLbl name="alignAccFollowNode1">
+    <dgm:fillClrLst meth="repeat">
+      <a:schemeClr val="lt1">
+        <a:alpha val="90000"/>
+        <a:tint val="40000"/>
+      </a:schemeClr>
+    </dgm:fillClrLst>
+    <dgm:linClrLst meth="repeat">
+      <a:schemeClr val="dk2">
+        <a:alpha val="90000"/>
+      </a:schemeClr>
+    </dgm:linClrLst>
+    <dgm:effectClrLst/>
+    <dgm:txLinClrLst/>
+    <dgm:txFillClrLst meth="repeat">
+      <a:schemeClr val="dk2"/>
+    </dgm:txFillClrLst>
+    <dgm:txEffectClrLst/>
+  </dgm:styleLbl>
+  <dgm:styleLbl name="bgAccFollowNode1">
+    <dgm:fillClrLst meth="repeat">
+      <a:schemeClr val="lt1">
+        <a:alpha val="90000"/>
+        <a:tint val="40000"/>
+      </a:schemeClr>
+    </dgm:fillClrLst>
+    <dgm:linClrLst meth="repeat">
+      <a:schemeClr val="dk2">
+        <a:alpha val="90000"/>
+      </a:schemeClr>
+    </dgm:linClrLst>
+    <dgm:effectClrLst/>
+    <dgm:txLinClrLst/>
+    <dgm:txFillClrLst meth="repeat">
+      <a:schemeClr val="dk2"/>
+    </dgm:txFillClrLst>
+    <dgm:txEffectClrLst/>
+  </dgm:styleLbl>
+  <dgm:styleLbl name="fgAcc0">
+    <dgm:fillClrLst meth="repeat">
+      <a:schemeClr val="dk2">
+        <a:alpha val="90000"/>
+        <a:tint val="40000"/>
+      </a:schemeClr>
+    </dgm:fillClrLst>
+    <dgm:linClrLst meth="repeat">
+      <a:schemeClr val="dk2"/>
+    </dgm:linClrLst>
+    <dgm:effectClrLst/>
+    <dgm:txLinClrLst/>
+    <dgm:txFillClrLst meth="repeat">
+      <a:schemeClr val="dk2"/>
+    </dgm:txFillClrLst>
+    <dgm:txEffectClrLst/>
+  </dgm:styleLbl>
+  <dgm:styleLbl name="fgAcc2">
+    <dgm:fillClrLst meth="repeat">
+      <a:schemeClr val="dk2">
+        <a:alpha val="90000"/>
+        <a:tint val="40000"/>
+      </a:schemeClr>
+    </dgm:fillClrLst>
+    <dgm:linClrLst meth="repeat">
+      <a:schemeClr val="dk2"/>
+    </dgm:linClrLst>
+    <dgm:effectClrLst/>
+    <dgm:txLinClrLst/>
+    <dgm:txFillClrLst meth="repeat">
+      <a:schemeClr val="dk2"/>
+    </dgm:txFillClrLst>
+    <dgm:txEffectClrLst/>
+  </dgm:styleLbl>
+  <dgm:styleLbl name="fgAcc3">
+    <dgm:fillClrLst meth="repeat">
+      <a:schemeClr val="dk2">
+        <a:alpha val="90000"/>
+        <a:tint val="40000"/>
+      </a:schemeClr>
+    </dgm:fillClrLst>
+    <dgm:linClrLst meth="repeat">
+      <a:schemeClr val="dk2"/>
+    </dgm:linClrLst>
+    <dgm:effectClrLst/>
+    <dgm:txLinClrLst/>
+    <dgm:txFillClrLst meth="repeat">
+      <a:schemeClr val="dk2"/>
+    </dgm:txFillClrLst>
+    <dgm:txEffectClrLst/>
+  </dgm:styleLbl>
+  <dgm:styleLbl name="fgAcc4">
+    <dgm:fillClrLst meth="repeat">
+      <a:schemeClr val="dk2">
+        <a:alpha val="90000"/>
+        <a:tint val="40000"/>
+      </a:schemeClr>
+    </dgm:fillClrLst>
+    <dgm:linClrLst meth="repeat">
+      <a:schemeClr val="dk2"/>
+    </dgm:linClrLst>
+    <dgm:effectClrLst/>
+    <dgm:txLinClrLst/>
+    <dgm:txFillClrLst meth="repeat">
+      <a:schemeClr val="dk2"/>
+    </dgm:txFillClrLst>
+    <dgm:txEffectClrLst/>
+  </dgm:styleLbl>
+  <dgm:styleLbl name="bgShp">
+    <dgm:fillClrLst meth="repeat">
+      <a:schemeClr val="dk2">
+        <a:tint val="40000"/>
+      </a:schemeClr>
+    </dgm:fillClrLst>
+    <dgm:linClrLst meth="repeat">
+      <a:schemeClr val="dk2"/>
+    </dgm:linClrLst>
+    <dgm:effectClrLst/>
+    <dgm:txLinClrLst/>
+    <dgm:txFillClrLst meth="repeat">
+      <a:schemeClr val="dk1"/>
+    </dgm:txFillClrLst>
+    <dgm:txEffectClrLst/>
+  </dgm:styleLbl>
+  <dgm:styleLbl name="dkBgShp">
+    <dgm:fillClrLst meth="repeat">
+      <a:schemeClr val="dk2">
+        <a:shade val="80000"/>
+      </a:schemeClr>
+    </dgm:fillClrLst>
+    <dgm:linClrLst meth="repeat">
+      <a:schemeClr val="dk2"/>
+    </dgm:linClrLst>
+    <dgm:effectClrLst/>
+    <dgm:txLinClrLst/>
+    <dgm:txFillClrLst meth="repeat">
+      <a:schemeClr val="lt2"/>
+    </dgm:txFillClrLst>
+    <dgm:txEffectClrLst/>
+  </dgm:styleLbl>
+  <dgm:styleLbl name="trBgShp">
+    <dgm:fillClrLst meth="repeat">
+      <a:schemeClr val="dk2">
+        <a:tint val="50000"/>
+        <a:alpha val="40000"/>
+      </a:schemeClr>
+    </dgm:fillClrLst>
+    <dgm:linClrLst meth="repeat">
+      <a:schemeClr val="dk2"/>
+    </dgm:linClrLst>
+    <dgm:effectClrLst/>
+    <dgm:txLinClrLst/>
+    <dgm:txFillClrLst meth="repeat">
+      <a:schemeClr val="lt2"/>
+    </dgm:txFillClrLst>
+    <dgm:txEffectClrLst/>
+  </dgm:styleLbl>
+  <dgm:styleLbl name="fgShp">
+    <dgm:fillClrLst meth="repeat">
+      <a:schemeClr val="dk2">
+        <a:tint val="60000"/>
+      </a:schemeClr>
+    </dgm:fillClrLst>
+    <dgm:linClrLst meth="repeat">
+      <a:schemeClr val="lt1"/>
+    </dgm:linClrLst>
+    <dgm:effectClrLst/>
+    <dgm:txLinClrLst/>
+    <dgm:txFillClrLst meth="repeat">
+      <a:schemeClr val="dk2"/>
+    </dgm:txFillClrLst>
+    <dgm:txEffectClrLst/>
+  </dgm:styleLbl>
+  <dgm:styleLbl name="revTx">
+    <dgm:fillClrLst meth="repeat">
+      <a:schemeClr val="lt1">
+        <a:alpha val="0"/>
+      </a:schemeClr>
+    </dgm:fillClrLst>
+    <dgm:linClrLst meth="repeat">
+      <a:schemeClr val="dk2">
+        <a:alpha val="0"/>
+      </a:schemeClr>
+    </dgm:linClrLst>
+    <dgm:effectClrLst/>
+    <dgm:txLinClrLst/>
+    <dgm:txFillClrLst meth="repeat">
+      <a:schemeClr val="tx1"/>
+    </dgm:txFillClrLst>
+    <dgm:txEffectClrLst/>
+  </dgm:styleLbl>
+</dgm:colorsDef>
+</file>
+
+<file path=ppt/diagrams/colors2.xml><?xml version="1.0" encoding="utf-8"?>
+<dgm:colorsDef xmlns:dgm="http://schemas.openxmlformats.org/drawingml/2006/diagram" xmlns:a="http://schemas.openxmlformats.org/drawingml/2006/main" uniqueId="urn:microsoft.com/office/officeart/2005/8/colors/accent0_2">
+  <dgm:title val=""/>
+  <dgm:desc val=""/>
+  <dgm:catLst>
+    <dgm:cat type="mainScheme" pri="10200"/>
+  </dgm:catLst>
+  <dgm:styleLbl name="node0">
+    <dgm:fillClrLst meth="repeat">
+      <a:schemeClr val="lt1"/>
+    </dgm:fillClrLst>
+    <dgm:linClrLst meth="repeat">
+      <a:schemeClr val="dk2">
+        <a:shade val="80000"/>
+      </a:schemeClr>
+    </dgm:linClrLst>
+    <dgm:effectClrLst/>
+    <dgm:txLinClrLst/>
+    <dgm:txFillClrLst meth="repeat">
+      <a:schemeClr val="dk2"/>
+    </dgm:txFillClrLst>
+    <dgm:txEffectClrLst/>
+  </dgm:styleLbl>
+  <dgm:styleLbl name="node1">
+    <dgm:fillClrLst meth="repeat">
+      <a:schemeClr val="lt1"/>
+    </dgm:fillClrLst>
+    <dgm:linClrLst meth="repeat">
+      <a:schemeClr val="dk2">
+        <a:shade val="80000"/>
+      </a:schemeClr>
+    </dgm:linClrLst>
+    <dgm:effectClrLst/>
+    <dgm:txLinClrLst/>
+    <dgm:txFillClrLst meth="repeat">
+      <a:schemeClr val="dk2"/>
+    </dgm:txFillClrLst>
+    <dgm:txEffectClrLst/>
+  </dgm:styleLbl>
+  <dgm:styleLbl name="alignNode1">
+    <dgm:fillClrLst meth="repeat">
+      <a:schemeClr val="lt1"/>
+    </dgm:fillClrLst>
+    <dgm:linClrLst meth="repeat">
+      <a:schemeClr val="dk2">
+        <a:shade val="80000"/>
+      </a:schemeClr>
+    </dgm:linClrLst>
+    <dgm:effectClrLst/>
+    <dgm:txLinClrLst/>
+    <dgm:txFillClrLst meth="repeat">
+      <a:schemeClr val="dk2"/>
+    </dgm:txFillClrLst>
+    <dgm:txEffectClrLst/>
+  </dgm:styleLbl>
+  <dgm:styleLbl name="lnNode1">
+    <dgm:fillClrLst meth="repeat">
+      <a:schemeClr val="lt1"/>
+    </dgm:fillClrLst>
+    <dgm:linClrLst meth="repeat">
+      <a:schemeClr val="dk2">
+        <a:shade val="80000"/>
+      </a:schemeClr>
+    </dgm:linClrLst>
+    <dgm:effectClrLst/>
+    <dgm:txLinClrLst/>
+    <dgm:txFillClrLst meth="repeat">
+      <a:schemeClr val="dk2"/>
+    </dgm:txFillClrLst>
+    <dgm:txEffectClrLst/>
+  </dgm:styleLbl>
+  <dgm:styleLbl name="vennNode1">
+    <dgm:fillClrLst meth="repeat">
+      <a:schemeClr val="lt1">
+        <a:alpha val="50000"/>
+      </a:schemeClr>
+    </dgm:fillClrLst>
+    <dgm:linClrLst meth="repeat">
+      <a:schemeClr val="dk2">
+        <a:shade val="80000"/>
+      </a:schemeClr>
+    </dgm:linClrLst>
+    <dgm:effectClrLst/>
+    <dgm:txLinClrLst/>
+    <dgm:txFillClrLst/>
+    <dgm:txEffectClrLst/>
+  </dgm:styleLbl>
+  <dgm:styleLbl name="node2">
+    <dgm:fillClrLst meth="repeat">
+      <a:schemeClr val="lt1"/>
+    </dgm:fillClrLst>
+    <dgm:linClrLst meth="repeat">
+      <a:schemeClr val="dk2">
+        <a:shade val="80000"/>
+      </a:schemeClr>
+    </dgm:linClrLst>
+    <dgm:effectClrLst/>
+    <dgm:txLinClrLst/>
+    <dgm:txFillClrLst meth="repeat">
+      <a:schemeClr val="dk2"/>
+    </dgm:txFillClrLst>
+    <dgm:txEffectClrLst/>
+  </dgm:styleLbl>
+  <dgm:styleLbl name="node3">
+    <dgm:fillClrLst meth="repeat">
+      <a:schemeClr val="lt1"/>
+    </dgm:fillClrLst>
+    <dgm:linClrLst meth="repeat">
+      <a:schemeClr val="dk2">
+        <a:shade val="80000"/>
+      </a:schemeClr>
+    </dgm:linClrLst>
+    <dgm:effectClrLst/>
+    <dgm:txLinClrLst/>
+    <dgm:txFillClrLst meth="repeat">
+      <a:schemeClr val="dk2"/>
+    </dgm:txFillClrLst>
+    <dgm:txEffectClrLst/>
+  </dgm:styleLbl>
+  <dgm:styleLbl name="node4">
+    <dgm:fillClrLst meth="repeat">
+      <a:schemeClr val="lt1"/>
+    </dgm:fillClrLst>
+    <dgm:linClrLst meth="repeat">
+      <a:schemeClr val="dk2">
+        <a:shade val="80000"/>
+      </a:schemeClr>
+    </dgm:linClrLst>
+    <dgm:effectClrLst/>
+    <dgm:txLinClrLst/>
+    <dgm:txFillClrLst meth="repeat">
+      <a:schemeClr val="dk2"/>
+    </dgm:txFillClrLst>
+    <dgm:txEffectClrLst/>
+  </dgm:styleLbl>
+  <dgm:styleLbl name="fgImgPlace1">
+    <dgm:fillClrLst meth="repeat">
+      <a:schemeClr val="dk2">
+        <a:tint val="40000"/>
+      </a:schemeClr>
+    </dgm:fillClrLst>
+    <dgm:linClrLst meth="repeat">
+      <a:schemeClr val="dk2">
+        <a:shade val="80000"/>
+      </a:schemeClr>
+    </dgm:linClrLst>
+    <dgm:effectClrLst/>
+    <dgm:txLinClrLst/>
+    <dgm:txFillClrLst meth="repeat">
+      <a:schemeClr val="lt1"/>
+    </dgm:txFillClrLst>
+    <dgm:txEffectClrLst/>
+  </dgm:styleLbl>
+  <dgm:styleLbl name="alignImgPlace1">
+    <dgm:fillClrLst meth="repeat">
+      <a:schemeClr val="dk2">
+        <a:tint val="40000"/>
+      </a:schemeClr>
+    </dgm:fillClrLst>
+    <dgm:linClrLst meth="repeat">
+      <a:schemeClr val="dk2">
+        <a:shade val="80000"/>
+      </a:schemeClr>
+    </dgm:linClrLst>
+    <dgm:effectClrLst/>
+    <dgm:txLinClrLst/>
+    <dgm:txFillClrLst meth="repeat">
+      <a:schemeClr val="lt1"/>
+    </dgm:txFillClrLst>
+    <dgm:txEffectClrLst/>
+  </dgm:styleLbl>
+  <dgm:styleLbl name="bgImgPlace1">
+    <dgm:fillClrLst meth="repeat">
+      <a:schemeClr val="dk2">
+        <a:tint val="40000"/>
+      </a:schemeClr>
+    </dgm:fillClrLst>
+    <dgm:linClrLst meth="repeat">
+      <a:schemeClr val="dk2">
+        <a:shade val="80000"/>
+      </a:schemeClr>
+    </dgm:linClrLst>
+    <dgm:effectClrLst/>
+    <dgm:txLinClrLst/>
+    <dgm:txFillClrLst meth="repeat">
+      <a:schemeClr val="lt1"/>
+    </dgm:txFillClrLst>
+    <dgm:txEffectClrLst/>
+  </dgm:styleLbl>
+  <dgm:styleLbl name="sibTrans2D1">
+    <dgm:fillClrLst meth="repeat">
+      <a:schemeClr val="dk2">
+        <a:tint val="60000"/>
+      </a:schemeClr>
+    </dgm:fillClrLst>
+    <dgm:linClrLst meth="repeat">
+      <a:schemeClr val="dk2">
+        <a:tint val="60000"/>
+      </a:schemeClr>
+    </dgm:linClrLst>
+    <dgm:effectClrLst/>
+    <dgm:txLinClrLst/>
+    <dgm:txFillClrLst meth="repeat">
+      <a:schemeClr val="dk2"/>
+    </dgm:txFillClrLst>
+    <dgm:txEffectClrLst/>
+  </dgm:styleLbl>
+  <dgm:styleLbl name="fgSibTrans2D1">
+    <dgm:fillClrLst meth="repeat">
+      <a:schemeClr val="dk2">
+        <a:tint val="60000"/>
+      </a:schemeClr>
+    </dgm:fillClrLst>
+    <dgm:linClrLst meth="repeat">
+      <a:schemeClr val="dk2">
+        <a:tint val="60000"/>
+      </a:schemeClr>
+    </dgm:linClrLst>
+    <dgm:effectClrLst/>
+    <dgm:txLinClrLst/>
+    <dgm:txFillClrLst meth="repeat">
+      <a:schemeClr val="dk2"/>
+    </dgm:txFillClrLst>
+    <dgm:txEffectClrLst/>
+  </dgm:styleLbl>
+  <dgm:styleLbl name="bgSibTrans2D1">
+    <dgm:fillClrLst meth="repeat">
+      <a:schemeClr val="dk2">
+        <a:tint val="60000"/>
+      </a:schemeClr>
+    </dgm:fillClrLst>
+    <dgm:linClrLst meth="repeat">
+      <a:schemeClr val="dk2">
+        <a:tint val="60000"/>
+      </a:schemeClr>
+    </dgm:linClrLst>
+    <dgm:effectClrLst/>
+    <dgm:txLinClrLst/>
+    <dgm:txFillClrLst meth="repeat">
+      <a:schemeClr val="dk2"/>
+    </dgm:txFillClrLst>
+    <dgm:txEffectClrLst/>
+  </dgm:styleLbl>
+  <dgm:styleLbl name="sibTrans1D1">
+    <dgm:fillClrLst meth="repeat">
+      <a:schemeClr val="dk2"/>
+    </dgm:fillClrLst>
+    <dgm:linClrLst meth="repeat">
+      <a:schemeClr val="dk2"/>
+    </dgm:linClrLst>
+    <dgm:effectClrLst/>
+    <dgm:txLinClrLst/>
+    <dgm:txFillClrLst meth="repeat">
+      <a:schemeClr val="tx1"/>
+    </dgm:txFillClrLst>
+    <dgm:txEffectClrLst/>
+  </dgm:styleLbl>
+  <dgm:styleLbl name="callout">
+    <dgm:fillClrLst meth="repeat">
+      <a:schemeClr val="dk2"/>
+    </dgm:fillClrLst>
+    <dgm:linClrLst meth="repeat">
+      <a:schemeClr val="dk2"/>
+    </dgm:linClrLst>
+    <dgm:effectClrLst/>
+    <dgm:txLinClrLst/>
+    <dgm:txFillClrLst meth="repeat">
+      <a:schemeClr val="tx1"/>
+    </dgm:txFillClrLst>
+    <dgm:txEffectClrLst/>
+  </dgm:styleLbl>
+  <dgm:styleLbl name="asst0">
+    <dgm:fillClrLst meth="repeat">
+      <a:schemeClr val="lt1"/>
+    </dgm:fillClrLst>
+    <dgm:linClrLst meth="repeat">
+      <a:schemeClr val="dk2">
+        <a:shade val="80000"/>
+      </a:schemeClr>
+    </dgm:linClrLst>
+    <dgm:effectClrLst/>
+    <dgm:txLinClrLst/>
+    <dgm:txFillClrLst meth="repeat">
+      <a:schemeClr val="dk2"/>
+    </dgm:txFillClrLst>
+    <dgm:txEffectClrLst/>
+  </dgm:styleLbl>
+  <dgm:styleLbl name="asst1">
+    <dgm:fillClrLst meth="repeat">
+      <a:schemeClr val="lt1"/>
+    </dgm:fillClrLst>
+    <dgm:linClrLst meth="repeat">
+      <a:schemeClr val="dk2">
+        <a:shade val="80000"/>
+      </a:schemeClr>
+    </dgm:linClrLst>
+    <dgm:effectClrLst/>
+    <dgm:txLinClrLst/>
+    <dgm:txFillClrLst meth="repeat">
+      <a:schemeClr val="dk2"/>
+    </dgm:txFillClrLst>
+    <dgm:txEffectClrLst/>
+  </dgm:styleLbl>
+  <dgm:styleLbl name="asst2">
+    <dgm:fillClrLst meth="repeat">
+      <a:schemeClr val="lt1"/>
+    </dgm:fillClrLst>
+    <dgm:linClrLst meth="repeat">
+      <a:schemeClr val="dk2">
+        <a:shade val="80000"/>
+      </a:schemeClr>
+    </dgm:linClrLst>
+    <dgm:effectClrLst/>
+    <dgm:txLinClrLst/>
+    <dgm:txFillClrLst meth="repeat">
+      <a:schemeClr val="dk2"/>
+    </dgm:txFillClrLst>
+    <dgm:txEffectClrLst/>
+  </dgm:styleLbl>
+  <dgm:styleLbl name="asst3">
+    <dgm:fillClrLst meth="repeat">
+      <a:schemeClr val="lt1"/>
+    </dgm:fillClrLst>
+    <dgm:linClrLst meth="repeat">
+      <a:schemeClr val="dk2">
+        <a:shade val="80000"/>
+      </a:schemeClr>
+    </dgm:linClrLst>
+    <dgm:effectClrLst/>
+    <dgm:txLinClrLst/>
+    <dgm:txFillClrLst meth="repeat">
+      <a:schemeClr val="dk2"/>
+    </dgm:txFillClrLst>
+    <dgm:txEffectClrLst/>
+  </dgm:styleLbl>
+  <dgm:styleLbl name="asst4">
+    <dgm:fillClrLst meth="repeat">
+      <a:schemeClr val="lt1"/>
+    </dgm:fillClrLst>
+    <dgm:linClrLst meth="repeat">
+      <a:schemeClr val="dk2">
+        <a:shade val="80000"/>
+      </a:schemeClr>
+    </dgm:linClrLst>
+    <dgm:effectClrLst/>
+    <dgm:txLinClrLst/>
+    <dgm:txFillClrLst meth="repeat">
+      <a:schemeClr val="dk2"/>
+    </dgm:txFillClrLst>
+    <dgm:txEffectClrLst/>
+  </dgm:styleLbl>
+  <dgm:styleLbl name="parChTrans2D1">
+    <dgm:fillClrLst meth="repeat">
+      <a:schemeClr val="dk2">
+        <a:tint val="60000"/>
+      </a:schemeClr>
+    </dgm:fillClrLst>
+    <dgm:linClrLst meth="repeat">
+      <a:schemeClr val="dk2">
+        <a:tint val="60000"/>
+      </a:schemeClr>
+    </dgm:linClrLst>
+    <dgm:effectClrLst/>
+    <dgm:txLinClrLst/>
+    <dgm:txFillClrLst/>
+    <dgm:txEffectClrLst/>
+  </dgm:styleLbl>
+  <dgm:styleLbl name="parChTrans2D2">
+    <dgm:fillClrLst meth="repeat">
+      <a:schemeClr val="dk2"/>
+    </dgm:fillClrLst>
+    <dgm:linClrLst meth="repeat">
+      <a:schemeClr val="dk2"/>
+    </dgm:linClrLst>
+    <dgm:effectClrLst/>
+    <dgm:txLinClrLst/>
+    <dgm:txFillClrLst/>
+    <dgm:txEffectClrLst/>
+  </dgm:styleLbl>
+  <dgm:styleLbl name="parChTrans2D3">
+    <dgm:fillClrLst meth="repeat">
+      <a:schemeClr val="dk2"/>
+    </dgm:fillClrLst>
+    <dgm:linClrLst meth="repeat">
+      <a:schemeClr val="dk2"/>
+    </dgm:linClrLst>
+    <dgm:effectClrLst/>
+    <dgm:txLinClrLst/>
+    <dgm:txFillClrLst/>
+    <dgm:txEffectClrLst/>
+  </dgm:styleLbl>
+  <dgm:styleLbl name="parChTrans2D4">
+    <dgm:fillClrLst meth="repeat">
+      <a:schemeClr val="dk2"/>
+    </dgm:fillClrLst>
+    <dgm:linClrLst meth="repeat">
+      <a:schemeClr val="dk2"/>
+    </dgm:linClrLst>
+    <dgm:effectClrLst/>
+    <dgm:txLinClrLst/>
+    <dgm:txFillClrLst meth="repeat">
+      <a:schemeClr val="lt1"/>
+    </dgm:txFillClrLst>
+    <dgm:txEffectClrLst/>
+  </dgm:styleLbl>
+  <dgm:styleLbl name="parChTrans1D1">
+    <dgm:fillClrLst meth="repeat">
+      <a:schemeClr val="dk2"/>
+    </dgm:fillClrLst>
+    <dgm:linClrLst meth="repeat">
+      <a:schemeClr val="dk2">
+        <a:shade val="60000"/>
+      </a:schemeClr>
+    </dgm:linClrLst>
+    <dgm:effectClrLst/>
+    <dgm:txLinClrLst/>
+    <dgm:txFillClrLst meth="repeat">
+      <a:schemeClr val="tx1"/>
+    </dgm:txFillClrLst>
+    <dgm:txEffectClrLst/>
+  </dgm:styleLbl>
+  <dgm:styleLbl name="parChTrans1D2">
+    <dgm:fillClrLst meth="repeat">
+      <a:schemeClr val="dk2"/>
+    </dgm:fillClrLst>
+    <dgm:linClrLst meth="repeat">
+      <a:schemeClr val="dk2">
+        <a:shade val="60000"/>
+      </a:schemeClr>
+    </dgm:linClrLst>
+    <dgm:effectClrLst/>
+    <dgm:txLinClrLst/>
+    <dgm:txFillClrLst meth="repeat">
+      <a:schemeClr val="tx1"/>
+    </dgm:txFillClrLst>
+    <dgm:txEffectClrLst/>
+  </dgm:styleLbl>
+  <dgm:styleLbl name="parChTrans1D3">
+    <dgm:fillClrLst meth="repeat">
+      <a:schemeClr val="dk2"/>
+    </dgm:fillClrLst>
+    <dgm:linClrLst meth="repeat">
+      <a:schemeClr val="dk2">
+        <a:shade val="80000"/>
+      </a:schemeClr>
+    </dgm:linClrLst>
+    <dgm:effectClrLst/>
+    <dgm:txLinClrLst/>
+    <dgm:txFillClrLst meth="repeat">
+      <a:schemeClr val="tx1"/>
+    </dgm:txFillClrLst>
+    <dgm:txEffectClrLst/>
+  </dgm:styleLbl>
+  <dgm:styleLbl name="parChTrans1D4">
+    <dgm:fillClrLst meth="repeat">
+      <a:schemeClr val="dk2"/>
+    </dgm:fillClrLst>
+    <dgm:linClrLst meth="repeat">
+      <a:schemeClr val="dk2">
+        <a:shade val="80000"/>
+      </a:schemeClr>
+    </dgm:linClrLst>
+    <dgm:effectClrLst/>
+    <dgm:txLinClrLst/>
+    <dgm:txFillClrLst meth="repeat">
+      <a:schemeClr val="tx1"/>
+    </dgm:txFillClrLst>
+    <dgm:txEffectClrLst/>
+  </dgm:styleLbl>
+  <dgm:styleLbl name="fgAcc1">
+    <dgm:fillClrLst meth="repeat">
+      <a:schemeClr val="dk2">
+        <a:alpha val="90000"/>
+        <a:tint val="40000"/>
+      </a:schemeClr>
+    </dgm:fillClrLst>
+    <dgm:linClrLst meth="repeat">
+      <a:schemeClr val="dk2"/>
+    </dgm:linClrLst>
+    <dgm:effectClrLst/>
+    <dgm:txLinClrLst/>
+    <dgm:txFillClrLst meth="repeat">
+      <a:schemeClr val="dk2"/>
+    </dgm:txFillClrLst>
+    <dgm:txEffectClrLst/>
+  </dgm:styleLbl>
+  <dgm:styleLbl name="conFgAcc1">
+    <dgm:fillClrLst meth="repeat">
+      <a:schemeClr val="dk2">
+        <a:alpha val="90000"/>
+        <a:tint val="40000"/>
+      </a:schemeClr>
+    </dgm:fillClrLst>
+    <dgm:linClrLst meth="repeat">
+      <a:schemeClr val="dk2"/>
+    </dgm:linClrLst>
+    <dgm:effectClrLst/>
+    <dgm:txLinClrLst/>
+    <dgm:txFillClrLst meth="repeat">
+      <a:schemeClr val="dk2"/>
+    </dgm:txFillClrLst>
+    <dgm:txEffectClrLst/>
+  </dgm:styleLbl>
+  <dgm:styleLbl name="alignAcc1">
+    <dgm:fillClrLst meth="repeat">
+      <a:schemeClr val="dk2">
+        <a:alpha val="90000"/>
+        <a:tint val="40000"/>
+      </a:schemeClr>
+    </dgm:fillClrLst>
+    <dgm:linClrLst meth="repeat">
+      <a:schemeClr val="dk2"/>
+    </dgm:linClrLst>
+    <dgm:effectClrLst/>
+    <dgm:txLinClrLst/>
+    <dgm:txFillClrLst meth="repeat">
+      <a:schemeClr val="dk2"/>
+    </dgm:txFillClrLst>
+    <dgm:txEffectClrLst/>
+  </dgm:styleLbl>
+  <dgm:styleLbl name="trAlignAcc1">
+    <dgm:fillClrLst meth="repeat">
+      <a:schemeClr val="dk2">
+        <a:alpha val="40000"/>
+        <a:tint val="40000"/>
+      </a:schemeClr>
+    </dgm:fillClrLst>
+    <dgm:linClrLst meth="repeat">
+      <a:schemeClr val="dk2"/>
+    </dgm:linClrLst>
+    <dgm:effectClrLst/>
+    <dgm:txLinClrLst/>
+    <dgm:txFillClrLst meth="repeat">
+      <a:schemeClr val="dk2"/>
+    </dgm:txFillClrLst>
+    <dgm:txEffectClrLst/>
+  </dgm:styleLbl>
+  <dgm:styleLbl name="bgAcc1">
+    <dgm:fillClrLst meth="repeat">
+      <a:schemeClr val="dk2">
+        <a:alpha val="90000"/>
+        <a:tint val="40000"/>
+      </a:schemeClr>
+    </dgm:fillClrLst>
+    <dgm:linClrLst meth="repeat">
+      <a:schemeClr val="dk2"/>
+    </dgm:linClrLst>
+    <dgm:effectClrLst/>
+    <dgm:txLinClrLst/>
+    <dgm:txFillClrLst meth="repeat">
+      <a:schemeClr val="dk2"/>
+    </dgm:txFillClrLst>
+    <dgm:txEffectClrLst/>
+  </dgm:styleLbl>
+  <dgm:styleLbl name="solidFgAcc1">
+    <dgm:fillClrLst meth="repeat">
+      <a:schemeClr val="lt1"/>
+    </dgm:fillClrLst>
+    <dgm:linClrLst meth="repeat">
+      <a:schemeClr val="dk2"/>
+    </dgm:linClrLst>
+    <dgm:effectClrLst/>
+    <dgm:txLinClrLst/>
+    <dgm:txFillClrLst meth="repeat">
+      <a:schemeClr val="dk2"/>
+    </dgm:txFillClrLst>
+    <dgm:txEffectClrLst/>
+  </dgm:styleLbl>
+  <dgm:styleLbl name="solidAlignAcc1">
+    <dgm:fillClrLst meth="repeat">
+      <a:schemeClr val="lt1"/>
+    </dgm:fillClrLst>
+    <dgm:linClrLst meth="repeat">
+      <a:schemeClr val="dk2"/>
+    </dgm:linClrLst>
+    <dgm:effectClrLst/>
+    <dgm:txLinClrLst/>
+    <dgm:txFillClrLst meth="repeat">
+      <a:schemeClr val="dk2"/>
+    </dgm:txFillClrLst>
+    <dgm:txEffectClrLst/>
+  </dgm:styleLbl>
+  <dgm:styleLbl name="solidBgAcc1">
+    <dgm:fillClrLst meth="repeat">
+      <a:schemeClr val="lt1"/>
+    </dgm:fillClrLst>
+    <dgm:linClrLst meth="repeat">
+      <a:schemeClr val="dk2"/>
+    </dgm:linClrLst>
+    <dgm:effectClrLst/>
+    <dgm:txLinClrLst/>
+    <dgm:txFillClrLst meth="repeat">
+      <a:schemeClr val="dk2"/>
+    </dgm:txFillClrLst>
+    <dgm:txEffectClrLst/>
+  </dgm:styleLbl>
+  <dgm:styleLbl name="fgAccFollowNode1">
+    <dgm:fillClrLst meth="repeat">
+      <a:schemeClr val="lt1">
+        <a:alpha val="90000"/>
+        <a:tint val="40000"/>
+      </a:schemeClr>
+    </dgm:fillClrLst>
+    <dgm:linClrLst meth="repeat">
+      <a:schemeClr val="dk2">
+        <a:alpha val="90000"/>
+      </a:schemeClr>
+    </dgm:linClrLst>
+    <dgm:effectClrLst/>
+    <dgm:txLinClrLst/>
+    <dgm:txFillClrLst meth="repeat">
+      <a:schemeClr val="dk2"/>
+    </dgm:txFillClrLst>
+    <dgm:txEffectClrLst/>
+  </dgm:styleLbl>
+  <dgm:styleLbl name="alignAccFollowNode1">
+    <dgm:fillClrLst meth="repeat">
+      <a:schemeClr val="lt1">
+        <a:alpha val="90000"/>
+        <a:tint val="40000"/>
+      </a:schemeClr>
+    </dgm:fillClrLst>
+    <dgm:linClrLst meth="repeat">
+      <a:schemeClr val="dk2">
+        <a:alpha val="90000"/>
+      </a:schemeClr>
+    </dgm:linClrLst>
+    <dgm:effectClrLst/>
+    <dgm:txLinClrLst/>
+    <dgm:txFillClrLst meth="repeat">
+      <a:schemeClr val="dk2"/>
+    </dgm:txFillClrLst>
+    <dgm:txEffectClrLst/>
+  </dgm:styleLbl>
+  <dgm:styleLbl name="bgAccFollowNode1">
+    <dgm:fillClrLst meth="repeat">
+      <a:schemeClr val="lt1">
+        <a:alpha val="90000"/>
+        <a:tint val="40000"/>
+      </a:schemeClr>
+    </dgm:fillClrLst>
+    <dgm:linClrLst meth="repeat">
+      <a:schemeClr val="dk2">
+        <a:alpha val="90000"/>
+      </a:schemeClr>
+    </dgm:linClrLst>
+    <dgm:effectClrLst/>
+    <dgm:txLinClrLst/>
+    <dgm:txFillClrLst meth="repeat">
+      <a:schemeClr val="dk2"/>
+    </dgm:txFillClrLst>
+    <dgm:txEffectClrLst/>
+  </dgm:styleLbl>
+  <dgm:styleLbl name="fgAcc0">
+    <dgm:fillClrLst meth="repeat">
+      <a:schemeClr val="dk2">
+        <a:alpha val="90000"/>
+        <a:tint val="40000"/>
+      </a:schemeClr>
+    </dgm:fillClrLst>
+    <dgm:linClrLst meth="repeat">
+      <a:schemeClr val="dk2"/>
+    </dgm:linClrLst>
+    <dgm:effectClrLst/>
+    <dgm:txLinClrLst/>
+    <dgm:txFillClrLst meth="repeat">
+      <a:schemeClr val="dk2"/>
+    </dgm:txFillClrLst>
+    <dgm:txEffectClrLst/>
+  </dgm:styleLbl>
+  <dgm:styleLbl name="fgAcc2">
+    <dgm:fillClrLst meth="repeat">
+      <a:schemeClr val="dk2">
+        <a:alpha val="90000"/>
+        <a:tint val="40000"/>
+      </a:schemeClr>
+    </dgm:fillClrLst>
+    <dgm:linClrLst meth="repeat">
+      <a:schemeClr val="dk2"/>
+    </dgm:linClrLst>
+    <dgm:effectClrLst/>
+    <dgm:txLinClrLst/>
+    <dgm:txFillClrLst meth="repeat">
+      <a:schemeClr val="dk2"/>
+    </dgm:txFillClrLst>
+    <dgm:txEffectClrLst/>
+  </dgm:styleLbl>
+  <dgm:styleLbl name="fgAcc3">
+    <dgm:fillClrLst meth="repeat">
+      <a:schemeClr val="dk2">
+        <a:alpha val="90000"/>
+        <a:tint val="40000"/>
+      </a:schemeClr>
+    </dgm:fillClrLst>
+    <dgm:linClrLst meth="repeat">
+      <a:schemeClr val="dk2"/>
+    </dgm:linClrLst>
+    <dgm:effectClrLst/>
+    <dgm:txLinClrLst/>
+    <dgm:txFillClrLst meth="repeat">
+      <a:schemeClr val="dk2"/>
+    </dgm:txFillClrLst>
+    <dgm:txEffectClrLst/>
+  </dgm:styleLbl>
+  <dgm:styleLbl name="fgAcc4">
+    <dgm:fillClrLst meth="repeat">
+      <a:schemeClr val="dk2">
+        <a:alpha val="90000"/>
+        <a:tint val="40000"/>
+      </a:schemeClr>
+    </dgm:fillClrLst>
+    <dgm:linClrLst meth="repeat">
+      <a:schemeClr val="dk2"/>
+    </dgm:linClrLst>
+    <dgm:effectClrLst/>
+    <dgm:txLinClrLst/>
+    <dgm:txFillClrLst meth="repeat">
+      <a:schemeClr val="dk2"/>
+    </dgm:txFillClrLst>
+    <dgm:txEffectClrLst/>
+  </dgm:styleLbl>
+  <dgm:styleLbl name="bgShp">
+    <dgm:fillClrLst meth="repeat">
+      <a:schemeClr val="dk2">
+        <a:tint val="40000"/>
+      </a:schemeClr>
+    </dgm:fillClrLst>
+    <dgm:linClrLst meth="repeat">
+      <a:schemeClr val="dk2"/>
+    </dgm:linClrLst>
+    <dgm:effectClrLst/>
+    <dgm:txLinClrLst/>
+    <dgm:txFillClrLst meth="repeat">
+      <a:schemeClr val="dk1"/>
+    </dgm:txFillClrLst>
+    <dgm:txEffectClrLst/>
+  </dgm:styleLbl>
+  <dgm:styleLbl name="dkBgShp">
+    <dgm:fillClrLst meth="repeat">
+      <a:schemeClr val="dk2">
+        <a:shade val="80000"/>
+      </a:schemeClr>
+    </dgm:fillClrLst>
+    <dgm:linClrLst meth="repeat">
+      <a:schemeClr val="dk2"/>
+    </dgm:linClrLst>
+    <dgm:effectClrLst/>
+    <dgm:txLinClrLst/>
+    <dgm:txFillClrLst meth="repeat">
+      <a:schemeClr val="lt2"/>
+    </dgm:txFillClrLst>
+    <dgm:txEffectClrLst/>
+  </dgm:styleLbl>
+  <dgm:styleLbl name="trBgShp">
+    <dgm:fillClrLst meth="repeat">
+      <a:schemeClr val="dk2">
+        <a:tint val="50000"/>
+        <a:alpha val="40000"/>
+      </a:schemeClr>
+    </dgm:fillClrLst>
+    <dgm:linClrLst meth="repeat">
+      <a:schemeClr val="dk2"/>
+    </dgm:linClrLst>
+    <dgm:effectClrLst/>
+    <dgm:txLinClrLst/>
+    <dgm:txFillClrLst meth="repeat">
+      <a:schemeClr val="lt2"/>
+    </dgm:txFillClrLst>
+    <dgm:txEffectClrLst/>
+  </dgm:styleLbl>
+  <dgm:styleLbl name="fgShp">
+    <dgm:fillClrLst meth="repeat">
+      <a:schemeClr val="dk2">
+        <a:tint val="60000"/>
+      </a:schemeClr>
+    </dgm:fillClrLst>
+    <dgm:linClrLst meth="repeat">
+      <a:schemeClr val="lt1"/>
+    </dgm:linClrLst>
+    <dgm:effectClrLst/>
+    <dgm:txLinClrLst/>
+    <dgm:txFillClrLst meth="repeat">
+      <a:schemeClr val="dk2"/>
+    </dgm:txFillClrLst>
+    <dgm:txEffectClrLst/>
+  </dgm:styleLbl>
+  <dgm:styleLbl name="revTx">
+    <dgm:fillClrLst meth="repeat">
+      <a:schemeClr val="lt1">
+        <a:alpha val="0"/>
+      </a:schemeClr>
+    </dgm:fillClrLst>
+    <dgm:linClrLst meth="repeat">
+      <a:schemeClr val="dk2">
+        <a:alpha val="0"/>
+      </a:schemeClr>
+    </dgm:linClrLst>
+    <dgm:effectClrLst/>
+    <dgm:txLinClrLst/>
+    <dgm:txFillClrLst meth="repeat">
+      <a:schemeClr val="tx1"/>
+    </dgm:txFillClrLst>
+    <dgm:txEffectClrLst/>
+  </dgm:styleLbl>
+</dgm:colorsDef>
+</file>
+
+<file path=ppt/diagrams/data1.xml><?xml version="1.0" encoding="utf-8"?>
+<dgm:dataModel xmlns:dgm="http://schemas.openxmlformats.org/drawingml/2006/diagram" xmlns:a="http://schemas.openxmlformats.org/drawingml/2006/main">
+  <dgm:ptLst>
+    <dgm:pt modelId="{CFF3B1CF-EB9C-453C-B061-6E3686B9A8FC}" type="doc">
+      <dgm:prSet loTypeId="urn:microsoft.com/office/officeart/2005/8/layout/pyramid2" loCatId="pyramid" qsTypeId="urn:microsoft.com/office/officeart/2005/8/quickstyle/simple3" qsCatId="simple" csTypeId="urn:microsoft.com/office/officeart/2005/8/colors/accent0_2" csCatId="mainScheme" phldr="1"/>
+      <dgm:spPr/>
+    </dgm:pt>
+    <dgm:pt modelId="{FAF70BFB-4783-4F51-8BF5-7317EEC6EF35}">
+      <dgm:prSet phldrT="[Text]"/>
+      <dgm:spPr/>
+      <dgm:t>
+        <a:bodyPr/>
+        <a:lstStyle/>
+        <a:p>
+          <a:r>
+            <a:rPr lang="de-DE" dirty="0" smtClean="0"/>
+            <a:t>GUI / Views (Frontend: Client)</a:t>
+          </a:r>
+        </a:p>
+        <a:p>
+          <a:r>
+            <a:rPr lang="de-DE" dirty="0" smtClean="0"/>
+            <a:t>(Verschiedene Views/Seiten für die Darstellung der Komponenten)</a:t>
+          </a:r>
+          <a:endParaRPr lang="de-DE" dirty="0"/>
+        </a:p>
+      </dgm:t>
+    </dgm:pt>
+    <dgm:pt modelId="{2A029994-C2C0-4EE1-B755-FA004BA6D97E}" type="parTrans" cxnId="{F3CF486C-10E7-4E39-A710-F5BB5544CA41}">
+      <dgm:prSet/>
+      <dgm:spPr/>
+      <dgm:t>
+        <a:bodyPr/>
+        <a:lstStyle/>
+        <a:p>
+          <a:endParaRPr lang="de-DE"/>
+        </a:p>
+      </dgm:t>
+    </dgm:pt>
+    <dgm:pt modelId="{DEDA182C-7499-4418-AB7D-347F844A2C82}" type="sibTrans" cxnId="{F3CF486C-10E7-4E39-A710-F5BB5544CA41}">
+      <dgm:prSet/>
+      <dgm:spPr/>
+      <dgm:t>
+        <a:bodyPr/>
+        <a:lstStyle/>
+        <a:p>
+          <a:endParaRPr lang="de-DE"/>
+        </a:p>
+      </dgm:t>
+    </dgm:pt>
+    <dgm:pt modelId="{29D9B251-29DA-4A51-8724-7B091C6BB70F}">
+      <dgm:prSet phldrT="[Text]"/>
+      <dgm:spPr>
+        <a:solidFill>
+          <a:schemeClr val="accent2">
+            <a:lumMod val="40000"/>
+            <a:lumOff val="60000"/>
+            <a:alpha val="90000"/>
+          </a:schemeClr>
+        </a:solidFill>
+      </dgm:spPr>
+      <dgm:t>
+        <a:bodyPr/>
+        <a:lstStyle/>
+        <a:p>
+          <a:r>
+            <a:rPr lang="de-DE" dirty="0" smtClean="0"/>
+            <a:t>Logik (Backend: Server)</a:t>
+          </a:r>
+        </a:p>
+        <a:p>
+          <a:r>
+            <a:rPr lang="de-DE" dirty="0" smtClean="0"/>
+            <a:t>(Administration und Vermittlung zwischen GUI und DB, übernimmt die Funktionellen Aufgaben)</a:t>
+          </a:r>
+          <a:endParaRPr lang="de-DE" dirty="0"/>
+        </a:p>
+      </dgm:t>
+    </dgm:pt>
+    <dgm:pt modelId="{1F15689B-6FA6-45FD-A7E6-E2B4E1BD66DF}" type="parTrans" cxnId="{337098D6-0457-4D12-BAF7-C8E916578880}">
+      <dgm:prSet/>
+      <dgm:spPr/>
+      <dgm:t>
+        <a:bodyPr/>
+        <a:lstStyle/>
+        <a:p>
+          <a:endParaRPr lang="de-DE"/>
+        </a:p>
+      </dgm:t>
+    </dgm:pt>
+    <dgm:pt modelId="{65400037-260A-4D6A-9362-F22300DB5541}" type="sibTrans" cxnId="{337098D6-0457-4D12-BAF7-C8E916578880}">
+      <dgm:prSet/>
+      <dgm:spPr/>
+      <dgm:t>
+        <a:bodyPr/>
+        <a:lstStyle/>
+        <a:p>
+          <a:endParaRPr lang="de-DE"/>
+        </a:p>
+      </dgm:t>
+    </dgm:pt>
+    <dgm:pt modelId="{B7A26834-8C9B-4D90-9DDB-8052E2A67AEF}">
+      <dgm:prSet phldrT="[Text]"/>
+      <dgm:spPr>
+        <a:solidFill>
+          <a:schemeClr val="accent2">
+            <a:lumMod val="40000"/>
+            <a:lumOff val="60000"/>
+            <a:alpha val="90000"/>
+          </a:schemeClr>
+        </a:solidFill>
+      </dgm:spPr>
+      <dgm:t>
+        <a:bodyPr/>
+        <a:lstStyle/>
+        <a:p>
+          <a:r>
+            <a:rPr lang="de-DE" dirty="0" smtClean="0"/>
+            <a:t>DB (Backend: Server)</a:t>
+          </a:r>
+        </a:p>
+        <a:p>
+          <a:r>
+            <a:rPr lang="de-DE" dirty="0" smtClean="0"/>
+            <a:t>(Daten Speicher)</a:t>
+          </a:r>
+          <a:endParaRPr lang="de-DE" dirty="0"/>
+        </a:p>
+      </dgm:t>
+    </dgm:pt>
+    <dgm:pt modelId="{D7BAE13F-5606-46AA-A9EC-803AA747DD07}" type="parTrans" cxnId="{5CEE7EC2-BC08-4D8E-974F-07678DC80982}">
+      <dgm:prSet/>
+      <dgm:spPr/>
+      <dgm:t>
+        <a:bodyPr/>
+        <a:lstStyle/>
+        <a:p>
+          <a:endParaRPr lang="de-DE"/>
+        </a:p>
+      </dgm:t>
+    </dgm:pt>
+    <dgm:pt modelId="{C6957642-2FAB-4C6E-9103-A7279AC985C1}" type="sibTrans" cxnId="{5CEE7EC2-BC08-4D8E-974F-07678DC80982}">
+      <dgm:prSet/>
+      <dgm:spPr/>
+      <dgm:t>
+        <a:bodyPr/>
+        <a:lstStyle/>
+        <a:p>
+          <a:endParaRPr lang="de-DE"/>
+        </a:p>
+      </dgm:t>
+    </dgm:pt>
+    <dgm:pt modelId="{84BA9ACD-679E-4E3D-89FB-F18790F93E8B}" type="pres">
+      <dgm:prSet presAssocID="{CFF3B1CF-EB9C-453C-B061-6E3686B9A8FC}" presName="compositeShape" presStyleCnt="0">
+        <dgm:presLayoutVars>
+          <dgm:dir/>
+          <dgm:resizeHandles/>
+        </dgm:presLayoutVars>
+      </dgm:prSet>
+      <dgm:spPr/>
+    </dgm:pt>
+    <dgm:pt modelId="{02D9A017-79A0-4324-B43C-8A07606905D3}" type="pres">
+      <dgm:prSet presAssocID="{CFF3B1CF-EB9C-453C-B061-6E3686B9A8FC}" presName="pyramid" presStyleLbl="node1" presStyleIdx="0" presStyleCnt="1"/>
+      <dgm:spPr/>
+    </dgm:pt>
+    <dgm:pt modelId="{7C4FDDC1-7078-4B8D-8C27-F67735DCC608}" type="pres">
+      <dgm:prSet presAssocID="{CFF3B1CF-EB9C-453C-B061-6E3686B9A8FC}" presName="theList" presStyleCnt="0"/>
+      <dgm:spPr/>
+    </dgm:pt>
+    <dgm:pt modelId="{E8DEFB12-6D57-4937-AAD2-62D03996E598}" type="pres">
+      <dgm:prSet presAssocID="{FAF70BFB-4783-4F51-8BF5-7317EEC6EF35}" presName="aNode" presStyleLbl="fgAcc1" presStyleIdx="0" presStyleCnt="3" custLinFactY="9624" custLinFactNeighborY="100000">
+        <dgm:presLayoutVars>
+          <dgm:bulletEnabled val="1"/>
+        </dgm:presLayoutVars>
+      </dgm:prSet>
+      <dgm:spPr/>
+      <dgm:t>
+        <a:bodyPr/>
+        <a:lstStyle/>
+        <a:p>
+          <a:endParaRPr lang="de-DE"/>
+        </a:p>
+      </dgm:t>
+    </dgm:pt>
+    <dgm:pt modelId="{8105345D-8982-418D-808A-319AF4BAA8DD}" type="pres">
+      <dgm:prSet presAssocID="{FAF70BFB-4783-4F51-8BF5-7317EEC6EF35}" presName="aSpace" presStyleCnt="0"/>
+      <dgm:spPr/>
+    </dgm:pt>
+    <dgm:pt modelId="{310BA78A-8678-459A-83E5-137B0D98A742}" type="pres">
+      <dgm:prSet presAssocID="{29D9B251-29DA-4A51-8724-7B091C6BB70F}" presName="aNode" presStyleLbl="fgAcc1" presStyleIdx="1" presStyleCnt="3" custLinFactY="17811" custLinFactNeighborX="1053" custLinFactNeighborY="100000">
+        <dgm:presLayoutVars>
+          <dgm:bulletEnabled val="1"/>
+        </dgm:presLayoutVars>
+      </dgm:prSet>
+      <dgm:spPr/>
+      <dgm:t>
+        <a:bodyPr/>
+        <a:lstStyle/>
+        <a:p>
+          <a:endParaRPr lang="de-DE"/>
+        </a:p>
+      </dgm:t>
+    </dgm:pt>
+    <dgm:pt modelId="{2FE0E707-35D8-46CE-B395-B04C62087D2E}" type="pres">
+      <dgm:prSet presAssocID="{29D9B251-29DA-4A51-8724-7B091C6BB70F}" presName="aSpace" presStyleCnt="0"/>
+      <dgm:spPr/>
+    </dgm:pt>
+    <dgm:pt modelId="{062AFA01-7CF0-418D-B265-E59D3C8C41C8}" type="pres">
+      <dgm:prSet presAssocID="{B7A26834-8C9B-4D90-9DDB-8052E2A67AEF}" presName="aNode" presStyleLbl="fgAcc1" presStyleIdx="2" presStyleCnt="3" custLinFactY="25997" custLinFactNeighborX="1053" custLinFactNeighborY="100000">
+        <dgm:presLayoutVars>
+          <dgm:bulletEnabled val="1"/>
+        </dgm:presLayoutVars>
+      </dgm:prSet>
+      <dgm:spPr/>
+      <dgm:t>
+        <a:bodyPr/>
+        <a:lstStyle/>
+        <a:p>
+          <a:endParaRPr lang="de-DE"/>
+        </a:p>
+      </dgm:t>
+    </dgm:pt>
+    <dgm:pt modelId="{2FB6F946-22F6-4CD5-B929-D4151F16471A}" type="pres">
+      <dgm:prSet presAssocID="{B7A26834-8C9B-4D90-9DDB-8052E2A67AEF}" presName="aSpace" presStyleCnt="0"/>
+      <dgm:spPr/>
+    </dgm:pt>
+  </dgm:ptLst>
+  <dgm:cxnLst>
+    <dgm:cxn modelId="{E8010BCB-20B4-4387-B3A6-049CE5FB8E0A}" type="presOf" srcId="{FAF70BFB-4783-4F51-8BF5-7317EEC6EF35}" destId="{E8DEFB12-6D57-4937-AAD2-62D03996E598}" srcOrd="0" destOrd="0" presId="urn:microsoft.com/office/officeart/2005/8/layout/pyramid2"/>
+    <dgm:cxn modelId="{5CEE7EC2-BC08-4D8E-974F-07678DC80982}" srcId="{CFF3B1CF-EB9C-453C-B061-6E3686B9A8FC}" destId="{B7A26834-8C9B-4D90-9DDB-8052E2A67AEF}" srcOrd="2" destOrd="0" parTransId="{D7BAE13F-5606-46AA-A9EC-803AA747DD07}" sibTransId="{C6957642-2FAB-4C6E-9103-A7279AC985C1}"/>
+    <dgm:cxn modelId="{C3D25A91-3DE9-4E94-B5D8-2D5ED5B64BD5}" type="presOf" srcId="{B7A26834-8C9B-4D90-9DDB-8052E2A67AEF}" destId="{062AFA01-7CF0-418D-B265-E59D3C8C41C8}" srcOrd="0" destOrd="0" presId="urn:microsoft.com/office/officeart/2005/8/layout/pyramid2"/>
+    <dgm:cxn modelId="{F3CF486C-10E7-4E39-A710-F5BB5544CA41}" srcId="{CFF3B1CF-EB9C-453C-B061-6E3686B9A8FC}" destId="{FAF70BFB-4783-4F51-8BF5-7317EEC6EF35}" srcOrd="0" destOrd="0" parTransId="{2A029994-C2C0-4EE1-B755-FA004BA6D97E}" sibTransId="{DEDA182C-7499-4418-AB7D-347F844A2C82}"/>
+    <dgm:cxn modelId="{BBFADC93-A9CA-4CED-A6C3-CEAB6B7ACEE7}" type="presOf" srcId="{CFF3B1CF-EB9C-453C-B061-6E3686B9A8FC}" destId="{84BA9ACD-679E-4E3D-89FB-F18790F93E8B}" srcOrd="0" destOrd="0" presId="urn:microsoft.com/office/officeart/2005/8/layout/pyramid2"/>
+    <dgm:cxn modelId="{6EEE7956-43C7-41E0-98DC-4FA1A3B69388}" type="presOf" srcId="{29D9B251-29DA-4A51-8724-7B091C6BB70F}" destId="{310BA78A-8678-459A-83E5-137B0D98A742}" srcOrd="0" destOrd="0" presId="urn:microsoft.com/office/officeart/2005/8/layout/pyramid2"/>
+    <dgm:cxn modelId="{337098D6-0457-4D12-BAF7-C8E916578880}" srcId="{CFF3B1CF-EB9C-453C-B061-6E3686B9A8FC}" destId="{29D9B251-29DA-4A51-8724-7B091C6BB70F}" srcOrd="1" destOrd="0" parTransId="{1F15689B-6FA6-45FD-A7E6-E2B4E1BD66DF}" sibTransId="{65400037-260A-4D6A-9362-F22300DB5541}"/>
+    <dgm:cxn modelId="{8C2E520B-25A6-4804-A3AE-56A9F2D7137E}" type="presParOf" srcId="{84BA9ACD-679E-4E3D-89FB-F18790F93E8B}" destId="{02D9A017-79A0-4324-B43C-8A07606905D3}" srcOrd="0" destOrd="0" presId="urn:microsoft.com/office/officeart/2005/8/layout/pyramid2"/>
+    <dgm:cxn modelId="{45F69B4C-3240-4EF4-90CA-E77B9EF8F483}" type="presParOf" srcId="{84BA9ACD-679E-4E3D-89FB-F18790F93E8B}" destId="{7C4FDDC1-7078-4B8D-8C27-F67735DCC608}" srcOrd="1" destOrd="0" presId="urn:microsoft.com/office/officeart/2005/8/layout/pyramid2"/>
+    <dgm:cxn modelId="{FE54FD77-FF38-4692-9B10-BC2C5560DB78}" type="presParOf" srcId="{7C4FDDC1-7078-4B8D-8C27-F67735DCC608}" destId="{E8DEFB12-6D57-4937-AAD2-62D03996E598}" srcOrd="0" destOrd="0" presId="urn:microsoft.com/office/officeart/2005/8/layout/pyramid2"/>
+    <dgm:cxn modelId="{56ABA3B9-B329-47BC-A3CD-0F840289E312}" type="presParOf" srcId="{7C4FDDC1-7078-4B8D-8C27-F67735DCC608}" destId="{8105345D-8982-418D-808A-319AF4BAA8DD}" srcOrd="1" destOrd="0" presId="urn:microsoft.com/office/officeart/2005/8/layout/pyramid2"/>
+    <dgm:cxn modelId="{64640E81-781C-4E36-AA69-72F6C46D6404}" type="presParOf" srcId="{7C4FDDC1-7078-4B8D-8C27-F67735DCC608}" destId="{310BA78A-8678-459A-83E5-137B0D98A742}" srcOrd="2" destOrd="0" presId="urn:microsoft.com/office/officeart/2005/8/layout/pyramid2"/>
+    <dgm:cxn modelId="{E0104EB7-BCC9-4189-8ACA-796D43EBBBC2}" type="presParOf" srcId="{7C4FDDC1-7078-4B8D-8C27-F67735DCC608}" destId="{2FE0E707-35D8-46CE-B395-B04C62087D2E}" srcOrd="3" destOrd="0" presId="urn:microsoft.com/office/officeart/2005/8/layout/pyramid2"/>
+    <dgm:cxn modelId="{1CBA1A13-7D85-46FC-80BA-6F82A5903A40}" type="presParOf" srcId="{7C4FDDC1-7078-4B8D-8C27-F67735DCC608}" destId="{062AFA01-7CF0-418D-B265-E59D3C8C41C8}" srcOrd="4" destOrd="0" presId="urn:microsoft.com/office/officeart/2005/8/layout/pyramid2"/>
+    <dgm:cxn modelId="{FCD33C3B-BE25-4A52-8B22-91B23DFF6FB6}" type="presParOf" srcId="{7C4FDDC1-7078-4B8D-8C27-F67735DCC608}" destId="{2FB6F946-22F6-4CD5-B929-D4151F16471A}" srcOrd="5" destOrd="0" presId="urn:microsoft.com/office/officeart/2005/8/layout/pyramid2"/>
+  </dgm:cxnLst>
+  <dgm:bg/>
+  <dgm:whole/>
+  <dgm:extLst>
+    <a:ext uri="http://schemas.microsoft.com/office/drawing/2008/diagram">
+      <dsp:dataModelExt xmlns:dsp="http://schemas.microsoft.com/office/drawing/2008/diagram" xmlns="" relId="rId7" minVer="http://schemas.openxmlformats.org/drawingml/2006/diagram"/>
+    </a:ext>
+  </dgm:extLst>
+</dgm:dataModel>
+</file>
+
+<file path=ppt/diagrams/data2.xml><?xml version="1.0" encoding="utf-8"?>
+<dgm:dataModel xmlns:dgm="http://schemas.openxmlformats.org/drawingml/2006/diagram" xmlns:a="http://schemas.openxmlformats.org/drawingml/2006/main">
+  <dgm:ptLst>
+    <dgm:pt modelId="{CFF3B1CF-EB9C-453C-B061-6E3686B9A8FC}" type="doc">
+      <dgm:prSet loTypeId="urn:microsoft.com/office/officeart/2005/8/layout/pyramid2" loCatId="pyramid" qsTypeId="urn:microsoft.com/office/officeart/2005/8/quickstyle/simple3" qsCatId="simple" csTypeId="urn:microsoft.com/office/officeart/2005/8/colors/accent0_2" csCatId="mainScheme" phldr="1"/>
+      <dgm:spPr/>
+    </dgm:pt>
+    <dgm:pt modelId="{84BA9ACD-679E-4E3D-89FB-F18790F93E8B}" type="pres">
+      <dgm:prSet presAssocID="{CFF3B1CF-EB9C-453C-B061-6E3686B9A8FC}" presName="compositeShape" presStyleCnt="0">
+        <dgm:presLayoutVars>
+          <dgm:dir/>
+          <dgm:resizeHandles/>
+        </dgm:presLayoutVars>
+      </dgm:prSet>
+      <dgm:spPr/>
+    </dgm:pt>
+  </dgm:ptLst>
+  <dgm:cxnLst>
+    <dgm:cxn modelId="{EA4DA65E-36CD-4B1C-843F-D8BB40E28CB5}" type="presOf" srcId="{CFF3B1CF-EB9C-453C-B061-6E3686B9A8FC}" destId="{84BA9ACD-679E-4E3D-89FB-F18790F93E8B}" srcOrd="0" destOrd="0" presId="urn:microsoft.com/office/officeart/2005/8/layout/pyramid2"/>
+  </dgm:cxnLst>
+  <dgm:bg/>
+  <dgm:whole/>
+  <dgm:extLst>
+    <a:ext uri="http://schemas.microsoft.com/office/drawing/2008/diagram">
+      <dsp:dataModelExt xmlns:dsp="http://schemas.microsoft.com/office/drawing/2008/diagram" xmlns="" relId="rId7" minVer="http://schemas.openxmlformats.org/drawingml/2006/diagram"/>
+    </a:ext>
+  </dgm:extLst>
+</dgm:dataModel>
+</file>
+
+<file path=ppt/diagrams/drawing1.xml><?xml version="1.0" encoding="utf-8"?>
+<dsp:drawing xmlns:dgm="http://schemas.openxmlformats.org/drawingml/2006/diagram" xmlns:a="http://schemas.openxmlformats.org/drawingml/2006/main" xmlns:dsp="http://schemas.microsoft.com/office/drawing/2008/diagram">
+  <dsp:spTree>
+    <dsp:nvGrpSpPr>
+      <dsp:cNvPr id="0" name=""/>
+      <dsp:cNvGrpSpPr/>
+    </dsp:nvGrpSpPr>
+    <dsp:grpSpPr/>
+    <dsp:sp modelId="{02D9A017-79A0-4324-B43C-8A07606905D3}">
+      <dsp:nvSpPr>
+        <dsp:cNvPr id="0" name=""/>
+        <dsp:cNvSpPr/>
+      </dsp:nvSpPr>
+      <dsp:spPr>
+        <a:xfrm>
+          <a:off x="1221621" y="0"/>
+          <a:ext cx="5545137" cy="5545137"/>
+        </a:xfrm>
+        <a:prstGeom prst="triangle">
+          <a:avLst/>
+        </a:prstGeom>
+        <a:gradFill rotWithShape="0">
+          <a:gsLst>
+            <a:gs pos="0">
+              <a:schemeClr val="lt1">
+                <a:hueOff val="0"/>
+                <a:satOff val="0"/>
+                <a:lumOff val="0"/>
+                <a:alphaOff val="0"/>
+                <a:tint val="50000"/>
+                <a:satMod val="300000"/>
+              </a:schemeClr>
+            </a:gs>
+            <a:gs pos="35000">
+              <a:schemeClr val="lt1">
+                <a:hueOff val="0"/>
+                <a:satOff val="0"/>
+                <a:lumOff val="0"/>
+                <a:alphaOff val="0"/>
+                <a:tint val="37000"/>
+                <a:satMod val="300000"/>
+              </a:schemeClr>
+            </a:gs>
+            <a:gs pos="100000">
+              <a:schemeClr val="lt1">
+                <a:hueOff val="0"/>
+                <a:satOff val="0"/>
+                <a:lumOff val="0"/>
+                <a:alphaOff val="0"/>
+                <a:tint val="15000"/>
+                <a:satMod val="350000"/>
+              </a:schemeClr>
+            </a:gs>
+          </a:gsLst>
+          <a:lin ang="16200000" scaled="1"/>
+        </a:gradFill>
+        <a:ln>
+          <a:noFill/>
+        </a:ln>
+        <a:effectLst>
+          <a:outerShdw blurRad="40000" dist="20000" dir="5400000" rotWithShape="0">
+            <a:srgbClr val="000000">
+              <a:alpha val="38000"/>
+            </a:srgbClr>
+          </a:outerShdw>
+        </a:effectLst>
+        <a:scene3d>
+          <a:camera prst="orthographicFront"/>
+          <a:lightRig rig="flat" dir="t"/>
+        </a:scene3d>
+        <a:sp3d prstMaterial="dkEdge">
+          <a:bevelT w="8200" h="38100"/>
+        </a:sp3d>
+      </dsp:spPr>
+      <dsp:style>
+        <a:lnRef idx="0">
+          <a:scrgbClr r="0" g="0" b="0"/>
+        </a:lnRef>
+        <a:fillRef idx="2">
+          <a:scrgbClr r="0" g="0" b="0"/>
+        </a:fillRef>
+        <a:effectRef idx="1">
+          <a:scrgbClr r="0" g="0" b="0"/>
+        </a:effectRef>
+        <a:fontRef idx="minor">
+          <a:schemeClr val="dk1"/>
+        </a:fontRef>
+      </dsp:style>
+    </dsp:sp>
+    <dsp:sp modelId="{E8DEFB12-6D57-4937-AAD2-62D03996E598}">
+      <dsp:nvSpPr>
+        <dsp:cNvPr id="0" name=""/>
+        <dsp:cNvSpPr/>
+      </dsp:nvSpPr>
+      <dsp:spPr>
+        <a:xfrm>
+          <a:off x="3994189" y="847900"/>
+          <a:ext cx="3604339" cy="1312637"/>
+        </a:xfrm>
+        <a:prstGeom prst="roundRect">
+          <a:avLst/>
+        </a:prstGeom>
+        <a:solidFill>
+          <a:schemeClr val="dk2">
+            <a:alpha val="90000"/>
+            <a:tint val="40000"/>
+            <a:hueOff val="0"/>
+            <a:satOff val="0"/>
+            <a:lumOff val="0"/>
+            <a:alphaOff val="0"/>
+          </a:schemeClr>
+        </a:solidFill>
+        <a:ln w="9525" cap="flat" cmpd="sng" algn="ctr">
+          <a:solidFill>
+            <a:schemeClr val="dk2">
+              <a:hueOff val="0"/>
+              <a:satOff val="0"/>
+              <a:lumOff val="0"/>
+              <a:alphaOff val="0"/>
+            </a:schemeClr>
+          </a:solidFill>
+          <a:prstDash val="solid"/>
+        </a:ln>
+        <a:effectLst/>
+      </dsp:spPr>
+      <dsp:style>
+        <a:lnRef idx="1">
+          <a:scrgbClr r="0" g="0" b="0"/>
+        </a:lnRef>
+        <a:fillRef idx="1">
+          <a:scrgbClr r="0" g="0" b="0"/>
+        </a:fillRef>
+        <a:effectRef idx="0">
+          <a:scrgbClr r="0" g="0" b="0"/>
+        </a:effectRef>
+        <a:fontRef idx="minor"/>
+      </dsp:style>
+      <dsp:txBody>
+        <a:bodyPr spcFirstLastPara="0" vert="horz" wrap="square" lIns="64770" tIns="64770" rIns="64770" bIns="64770" numCol="1" spcCol="1270" anchor="ctr" anchorCtr="0">
+          <a:noAutofit/>
+        </a:bodyPr>
+        <a:lstStyle/>
+        <a:p>
+          <a:pPr lvl="0" algn="ctr" defTabSz="755650">
+            <a:lnSpc>
+              <a:spcPct val="90000"/>
+            </a:lnSpc>
+            <a:spcBef>
+              <a:spcPct val="0"/>
+            </a:spcBef>
+            <a:spcAft>
+              <a:spcPct val="35000"/>
+            </a:spcAft>
+          </a:pPr>
+          <a:r>
+            <a:rPr lang="de-DE" sz="1700" kern="1200" dirty="0" smtClean="0"/>
+            <a:t>GUI / Views (Frontend: Client)</a:t>
+          </a:r>
+        </a:p>
+        <a:p>
+          <a:pPr lvl="0" algn="ctr" defTabSz="755650">
+            <a:lnSpc>
+              <a:spcPct val="90000"/>
+            </a:lnSpc>
+            <a:spcBef>
+              <a:spcPct val="0"/>
+            </a:spcBef>
+            <a:spcAft>
+              <a:spcPct val="35000"/>
+            </a:spcAft>
+          </a:pPr>
+          <a:r>
+            <a:rPr lang="de-DE" sz="1700" kern="1200" dirty="0" smtClean="0"/>
+            <a:t>(Verschiedene Views/Seiten für die Darstellung der Komponenten)</a:t>
+          </a:r>
+          <a:endParaRPr lang="de-DE" sz="1700" kern="1200" dirty="0"/>
+        </a:p>
+      </dsp:txBody>
+      <dsp:txXfrm>
+        <a:off x="3994189" y="847900"/>
+        <a:ext cx="3604339" cy="1312637"/>
+      </dsp:txXfrm>
+    </dsp:sp>
+    <dsp:sp modelId="{310BA78A-8678-459A-83E5-137B0D98A742}">
+      <dsp:nvSpPr>
+        <dsp:cNvPr id="0" name=""/>
+        <dsp:cNvSpPr/>
+      </dsp:nvSpPr>
+      <dsp:spPr>
+        <a:xfrm>
+          <a:off x="4032143" y="2432083"/>
+          <a:ext cx="3604339" cy="1312637"/>
+        </a:xfrm>
+        <a:prstGeom prst="roundRect">
+          <a:avLst/>
+        </a:prstGeom>
+        <a:solidFill>
+          <a:schemeClr val="accent2">
+            <a:lumMod val="40000"/>
+            <a:lumOff val="60000"/>
+            <a:alpha val="90000"/>
+          </a:schemeClr>
+        </a:solidFill>
+        <a:ln w="9525" cap="flat" cmpd="sng" algn="ctr">
+          <a:solidFill>
+            <a:schemeClr val="dk2">
+              <a:hueOff val="0"/>
+              <a:satOff val="0"/>
+              <a:lumOff val="0"/>
+              <a:alphaOff val="0"/>
+            </a:schemeClr>
+          </a:solidFill>
+          <a:prstDash val="solid"/>
+        </a:ln>
+        <a:effectLst/>
+      </dsp:spPr>
+      <dsp:style>
+        <a:lnRef idx="1">
+          <a:scrgbClr r="0" g="0" b="0"/>
+        </a:lnRef>
+        <a:fillRef idx="1">
+          <a:scrgbClr r="0" g="0" b="0"/>
+        </a:fillRef>
+        <a:effectRef idx="0">
+          <a:scrgbClr r="0" g="0" b="0"/>
+        </a:effectRef>
+        <a:fontRef idx="minor"/>
+      </dsp:style>
+      <dsp:txBody>
+        <a:bodyPr spcFirstLastPara="0" vert="horz" wrap="square" lIns="64770" tIns="64770" rIns="64770" bIns="64770" numCol="1" spcCol="1270" anchor="ctr" anchorCtr="0">
+          <a:noAutofit/>
+        </a:bodyPr>
+        <a:lstStyle/>
+        <a:p>
+          <a:pPr lvl="0" algn="ctr" defTabSz="755650">
+            <a:lnSpc>
+              <a:spcPct val="90000"/>
+            </a:lnSpc>
+            <a:spcBef>
+              <a:spcPct val="0"/>
+            </a:spcBef>
+            <a:spcAft>
+              <a:spcPct val="35000"/>
+            </a:spcAft>
+          </a:pPr>
+          <a:r>
+            <a:rPr lang="de-DE" sz="1700" kern="1200" dirty="0" smtClean="0"/>
+            <a:t>Logik (Backend: Server)</a:t>
+          </a:r>
+        </a:p>
+        <a:p>
+          <a:pPr lvl="0" algn="ctr" defTabSz="755650">
+            <a:lnSpc>
+              <a:spcPct val="90000"/>
+            </a:lnSpc>
+            <a:spcBef>
+              <a:spcPct val="0"/>
+            </a:spcBef>
+            <a:spcAft>
+              <a:spcPct val="35000"/>
+            </a:spcAft>
+          </a:pPr>
+          <a:r>
+            <a:rPr lang="de-DE" sz="1700" kern="1200" dirty="0" smtClean="0"/>
+            <a:t>(Administration und Vermittlung zwischen GUI und DB, übernimmt die Funktionellen Aufgaben)</a:t>
+          </a:r>
+          <a:endParaRPr lang="de-DE" sz="1700" kern="1200" dirty="0"/>
+        </a:p>
+      </dsp:txBody>
+      <dsp:txXfrm>
+        <a:off x="4032143" y="2432083"/>
+        <a:ext cx="3604339" cy="1312637"/>
+      </dsp:txXfrm>
+    </dsp:sp>
+    <dsp:sp modelId="{062AFA01-7CF0-418D-B265-E59D3C8C41C8}">
+      <dsp:nvSpPr>
+        <dsp:cNvPr id="0" name=""/>
+        <dsp:cNvSpPr/>
+      </dsp:nvSpPr>
+      <dsp:spPr>
+        <a:xfrm>
+          <a:off x="4032143" y="4016253"/>
+          <a:ext cx="3604339" cy="1312637"/>
+        </a:xfrm>
+        <a:prstGeom prst="roundRect">
+          <a:avLst/>
+        </a:prstGeom>
+        <a:solidFill>
+          <a:schemeClr val="accent2">
+            <a:lumMod val="40000"/>
+            <a:lumOff val="60000"/>
+            <a:alpha val="90000"/>
+          </a:schemeClr>
+        </a:solidFill>
+        <a:ln w="9525" cap="flat" cmpd="sng" algn="ctr">
+          <a:solidFill>
+            <a:schemeClr val="dk2">
+              <a:hueOff val="0"/>
+              <a:satOff val="0"/>
+              <a:lumOff val="0"/>
+              <a:alphaOff val="0"/>
+            </a:schemeClr>
+          </a:solidFill>
+          <a:prstDash val="solid"/>
+        </a:ln>
+        <a:effectLst/>
+      </dsp:spPr>
+      <dsp:style>
+        <a:lnRef idx="1">
+          <a:scrgbClr r="0" g="0" b="0"/>
+        </a:lnRef>
+        <a:fillRef idx="1">
+          <a:scrgbClr r="0" g="0" b="0"/>
+        </a:fillRef>
+        <a:effectRef idx="0">
+          <a:scrgbClr r="0" g="0" b="0"/>
+        </a:effectRef>
+        <a:fontRef idx="minor"/>
+      </dsp:style>
+      <dsp:txBody>
+        <a:bodyPr spcFirstLastPara="0" vert="horz" wrap="square" lIns="64770" tIns="64770" rIns="64770" bIns="64770" numCol="1" spcCol="1270" anchor="ctr" anchorCtr="0">
+          <a:noAutofit/>
+        </a:bodyPr>
+        <a:lstStyle/>
+        <a:p>
+          <a:pPr lvl="0" algn="ctr" defTabSz="755650">
+            <a:lnSpc>
+              <a:spcPct val="90000"/>
+            </a:lnSpc>
+            <a:spcBef>
+              <a:spcPct val="0"/>
+            </a:spcBef>
+            <a:spcAft>
+              <a:spcPct val="35000"/>
+            </a:spcAft>
+          </a:pPr>
+          <a:r>
+            <a:rPr lang="de-DE" sz="1700" kern="1200" dirty="0" smtClean="0"/>
+            <a:t>DB (Backend: Server)</a:t>
+          </a:r>
+        </a:p>
+        <a:p>
+          <a:pPr lvl="0" algn="ctr" defTabSz="755650">
+            <a:lnSpc>
+              <a:spcPct val="90000"/>
+            </a:lnSpc>
+            <a:spcBef>
+              <a:spcPct val="0"/>
+            </a:spcBef>
+            <a:spcAft>
+              <a:spcPct val="35000"/>
+            </a:spcAft>
+          </a:pPr>
+          <a:r>
+            <a:rPr lang="de-DE" sz="1700" kern="1200" dirty="0" smtClean="0"/>
+            <a:t>(Daten Speicher)</a:t>
+          </a:r>
+          <a:endParaRPr lang="de-DE" sz="1700" kern="1200" dirty="0"/>
+        </a:p>
+      </dsp:txBody>
+      <dsp:txXfrm>
+        <a:off x="4032143" y="4016253"/>
+        <a:ext cx="3604339" cy="1312637"/>
+      </dsp:txXfrm>
+    </dsp:sp>
+  </dsp:spTree>
+</dsp:drawing>
+</file>
+
+<file path=ppt/diagrams/drawing2.xml><?xml version="1.0" encoding="utf-8"?>
+<dsp:drawing xmlns:dgm="http://schemas.openxmlformats.org/drawingml/2006/diagram" xmlns:a="http://schemas.openxmlformats.org/drawingml/2006/main" xmlns:dsp="http://schemas.microsoft.com/office/drawing/2008/diagram">
+  <dsp:spTree>
+    <dsp:nvGrpSpPr>
+      <dsp:cNvPr id="0" name=""/>
+      <dsp:cNvGrpSpPr/>
+    </dsp:nvGrpSpPr>
+    <dsp:grpSpPr/>
+  </dsp:spTree>
+</dsp:drawing>
+</file>
+
+<file path=ppt/diagrams/layout1.xml><?xml version="1.0" encoding="utf-8"?>
+<dgm:layoutDef xmlns:dgm="http://schemas.openxmlformats.org/drawingml/2006/diagram" xmlns:a="http://schemas.openxmlformats.org/drawingml/2006/main" uniqueId="urn:microsoft.com/office/officeart/2005/8/layout/pyramid2">
+  <dgm:title val=""/>
+  <dgm:desc val=""/>
+  <dgm:catLst>
+    <dgm:cat type="pyramid" pri="3000"/>
+    <dgm:cat type="list" pri="21000"/>
+    <dgm:cat type="convert" pri="17000"/>
+  </dgm:catLst>
+  <dgm:sampData useDef="1">
+    <dgm:dataModel>
+      <dgm:ptLst/>
+      <dgm:bg/>
+      <dgm:whole/>
+    </dgm:dataModel>
+  </dgm:sampData>
+  <dgm:styleData useDef="1">
+    <dgm:dataModel>
+      <dgm:ptLst/>
+      <dgm:bg/>
+      <dgm:whole/>
+    </dgm:dataModel>
+  </dgm:styleData>
+  <dgm:clrData useDef="1">
+    <dgm:dataModel>
+      <dgm:ptLst/>
+      <dgm:bg/>
+      <dgm:whole/>
+    </dgm:dataModel>
+  </dgm:clrData>
+  <dgm:layoutNode name="compositeShape">
+    <dgm:alg type="composite"/>
+    <dgm:shape xmlns:r="http://schemas.openxmlformats.org/officeDocument/2006/relationships" r:blip="">
+      <dgm:adjLst/>
+    </dgm:shape>
+    <dgm:presOf/>
+    <dgm:varLst>
+      <dgm:dir/>
+      <dgm:resizeHandles/>
+    </dgm:varLst>
+    <dgm:choose name="Name0">
+      <dgm:if name="Name1" func="var" arg="dir" op="equ" val="norm">
+        <dgm:constrLst>
+          <dgm:constr type="w" for="ch" forName="pyramid" refType="h"/>
+          <dgm:constr type="h" for="ch" forName="pyramid" refType="h"/>
+          <dgm:constr type="h" for="ch" forName="theList" refType="h" fact="0.8"/>
+          <dgm:constr type="w" for="ch" forName="theList" refType="h" fact="0.65"/>
+          <dgm:constr type="ctrY" for="ch" forName="theList" refType="h" refFor="ch" refForName="pyramid" fact="0.5"/>
+          <dgm:constr type="l" for="ch" forName="theList" refType="w" refFor="ch" refForName="pyramid" fact="0.5"/>
+          <dgm:constr type="h" for="des" forName="aSpace" refType="h" fact="0.1"/>
+        </dgm:constrLst>
+      </dgm:if>
+      <dgm:else name="Name2">
+        <dgm:constrLst>
+          <dgm:constr type="w" for="ch" forName="pyramid" refType="h"/>
+          <dgm:constr type="h" for="ch" forName="pyramid" refType="h"/>
+          <dgm:constr type="h" for="ch" forName="theList" refType="h" fact="0.8"/>
+          <dgm:constr type="w" for="ch" forName="theList" refType="h" fact="0.65"/>
+          <dgm:constr type="ctrY" for="ch" forName="theList" refType="h" refFor="ch" refForName="pyramid" fact="0.5"/>
+          <dgm:constr type="r" for="ch" forName="theList" refType="w" refFor="ch" refForName="pyramid" fact="0.5"/>
+          <dgm:constr type="h" for="des" forName="aSpace" refType="h" fact="0.1"/>
+        </dgm:constrLst>
+      </dgm:else>
+    </dgm:choose>
+    <dgm:ruleLst/>
+    <dgm:choose name="Name3">
+      <dgm:if name="Name4" axis="ch" ptType="node" func="cnt" op="gte" val="1">
+        <dgm:layoutNode name="pyramid" styleLbl="node1">
+          <dgm:alg type="sp"/>
+          <dgm:shape xmlns:r="http://schemas.openxmlformats.org/officeDocument/2006/relationships" type="triangle" r:blip="">
+            <dgm:adjLst/>
+          </dgm:shape>
+          <dgm:presOf/>
+          <dgm:constrLst/>
+          <dgm:ruleLst/>
+        </dgm:layoutNode>
+        <dgm:layoutNode name="theList">
+          <dgm:alg type="lin">
+            <dgm:param type="linDir" val="fromT"/>
+          </dgm:alg>
+          <dgm:shape xmlns:r="http://schemas.openxmlformats.org/officeDocument/2006/relationships" r:blip="">
+            <dgm:adjLst/>
+          </dgm:shape>
+          <dgm:presOf/>
+          <dgm:constrLst>
+            <dgm:constr type="w" for="ch" forName="aNode" refType="w"/>
+            <dgm:constr type="h" for="ch" forName="aNode" refType="h"/>
+            <dgm:constr type="primFontSz" for="ch" ptType="node" op="equ"/>
+          </dgm:constrLst>
+          <dgm:ruleLst/>
+          <dgm:forEach name="aNodeForEach" axis="ch" ptType="node">
+            <dgm:layoutNode name="aNode" styleLbl="fgAcc1">
+              <dgm:varLst>
+                <dgm:bulletEnabled val="1"/>
+              </dgm:varLst>
+              <dgm:alg type="tx"/>
+              <dgm:shape xmlns:r="http://schemas.openxmlformats.org/officeDocument/2006/relationships" type="roundRect" r:blip="">
+                <dgm:adjLst/>
+              </dgm:shape>
+              <dgm:presOf axis="desOrSelf" ptType="node"/>
+              <dgm:constrLst>
+                <dgm:constr type="primFontSz" val="65"/>
+                <dgm:constr type="tMarg" refType="primFontSz" fact="0.3"/>
+                <dgm:constr type="bMarg" refType="primFontSz" fact="0.3"/>
+                <dgm:constr type="lMarg" refType="primFontSz" fact="0.3"/>
+                <dgm:constr type="rMarg" refType="primFontSz" fact="0.3"/>
+              </dgm:constrLst>
+              <dgm:ruleLst>
+                <dgm:rule type="primFontSz" val="5" fact="NaN" max="NaN"/>
+              </dgm:ruleLst>
+            </dgm:layoutNode>
+            <dgm:layoutNode name="aSpace">
+              <dgm:alg type="sp"/>
+              <dgm:shape xmlns:r="http://schemas.openxmlformats.org/officeDocument/2006/relationships" r:blip="">
+                <dgm:adjLst/>
+              </dgm:shape>
+              <dgm:presOf/>
+              <dgm:constrLst/>
+              <dgm:ruleLst/>
+            </dgm:layoutNode>
+          </dgm:forEach>
+        </dgm:layoutNode>
+      </dgm:if>
+      <dgm:else name="Name5"/>
+    </dgm:choose>
+  </dgm:layoutNode>
+</dgm:layoutDef>
+</file>
+
+<file path=ppt/diagrams/layout2.xml><?xml version="1.0" encoding="utf-8"?>
+<dgm:layoutDef xmlns:dgm="http://schemas.openxmlformats.org/drawingml/2006/diagram" xmlns:a="http://schemas.openxmlformats.org/drawingml/2006/main" uniqueId="urn:microsoft.com/office/officeart/2005/8/layout/pyramid2">
+  <dgm:title val=""/>
+  <dgm:desc val=""/>
+  <dgm:catLst>
+    <dgm:cat type="pyramid" pri="3000"/>
+    <dgm:cat type="list" pri="21000"/>
+    <dgm:cat type="convert" pri="17000"/>
+  </dgm:catLst>
+  <dgm:sampData useDef="1">
+    <dgm:dataModel>
+      <dgm:ptLst/>
+      <dgm:bg/>
+      <dgm:whole/>
+    </dgm:dataModel>
+  </dgm:sampData>
+  <dgm:styleData useDef="1">
+    <dgm:dataModel>
+      <dgm:ptLst/>
+      <dgm:bg/>
+      <dgm:whole/>
+    </dgm:dataModel>
+  </dgm:styleData>
+  <dgm:clrData useDef="1">
+    <dgm:dataModel>
+      <dgm:ptLst/>
+      <dgm:bg/>
+      <dgm:whole/>
+    </dgm:dataModel>
+  </dgm:clrData>
+  <dgm:layoutNode name="compositeShape">
+    <dgm:alg type="composite"/>
+    <dgm:shape xmlns:r="http://schemas.openxmlformats.org/officeDocument/2006/relationships" r:blip="">
+      <dgm:adjLst/>
+    </dgm:shape>
+    <dgm:presOf/>
+    <dgm:varLst>
+      <dgm:dir/>
+      <dgm:resizeHandles/>
+    </dgm:varLst>
+    <dgm:choose name="Name0">
+      <dgm:if name="Name1" func="var" arg="dir" op="equ" val="norm">
+        <dgm:constrLst>
+          <dgm:constr type="w" for="ch" forName="pyramid" refType="h"/>
+          <dgm:constr type="h" for="ch" forName="pyramid" refType="h"/>
+          <dgm:constr type="h" for="ch" forName="theList" refType="h" fact="0.8"/>
+          <dgm:constr type="w" for="ch" forName="theList" refType="h" fact="0.65"/>
+          <dgm:constr type="ctrY" for="ch" forName="theList" refType="h" refFor="ch" refForName="pyramid" fact="0.5"/>
+          <dgm:constr type="l" for="ch" forName="theList" refType="w" refFor="ch" refForName="pyramid" fact="0.5"/>
+          <dgm:constr type="h" for="des" forName="aSpace" refType="h" fact="0.1"/>
+        </dgm:constrLst>
+      </dgm:if>
+      <dgm:else name="Name2">
+        <dgm:constrLst>
+          <dgm:constr type="w" for="ch" forName="pyramid" refType="h"/>
+          <dgm:constr type="h" for="ch" forName="pyramid" refType="h"/>
+          <dgm:constr type="h" for="ch" forName="theList" refType="h" fact="0.8"/>
+          <dgm:constr type="w" for="ch" forName="theList" refType="h" fact="0.65"/>
+          <dgm:constr type="ctrY" for="ch" forName="theList" refType="h" refFor="ch" refForName="pyramid" fact="0.5"/>
+          <dgm:constr type="r" for="ch" forName="theList" refType="w" refFor="ch" refForName="pyramid" fact="0.5"/>
+          <dgm:constr type="h" for="des" forName="aSpace" refType="h" fact="0.1"/>
+        </dgm:constrLst>
+      </dgm:else>
+    </dgm:choose>
+    <dgm:ruleLst/>
+    <dgm:choose name="Name3">
+      <dgm:if name="Name4" axis="ch" ptType="node" func="cnt" op="gte" val="1">
+        <dgm:layoutNode name="pyramid" styleLbl="node1">
+          <dgm:alg type="sp"/>
+          <dgm:shape xmlns:r="http://schemas.openxmlformats.org/officeDocument/2006/relationships" type="triangle" r:blip="">
+            <dgm:adjLst/>
+          </dgm:shape>
+          <dgm:presOf/>
+          <dgm:constrLst/>
+          <dgm:ruleLst/>
+        </dgm:layoutNode>
+        <dgm:layoutNode name="theList">
+          <dgm:alg type="lin">
+            <dgm:param type="linDir" val="fromT"/>
+          </dgm:alg>
+          <dgm:shape xmlns:r="http://schemas.openxmlformats.org/officeDocument/2006/relationships" r:blip="">
+            <dgm:adjLst/>
+          </dgm:shape>
+          <dgm:presOf/>
+          <dgm:constrLst>
+            <dgm:constr type="w" for="ch" forName="aNode" refType="w"/>
+            <dgm:constr type="h" for="ch" forName="aNode" refType="h"/>
+            <dgm:constr type="primFontSz" for="ch" ptType="node" op="equ"/>
+          </dgm:constrLst>
+          <dgm:ruleLst/>
+          <dgm:forEach name="aNodeForEach" axis="ch" ptType="node">
+            <dgm:layoutNode name="aNode" styleLbl="fgAcc1">
+              <dgm:varLst>
+                <dgm:bulletEnabled val="1"/>
+              </dgm:varLst>
+              <dgm:alg type="tx"/>
+              <dgm:shape xmlns:r="http://schemas.openxmlformats.org/officeDocument/2006/relationships" type="roundRect" r:blip="">
+                <dgm:adjLst/>
+              </dgm:shape>
+              <dgm:presOf axis="desOrSelf" ptType="node"/>
+              <dgm:constrLst>
+                <dgm:constr type="primFontSz" val="65"/>
+                <dgm:constr type="tMarg" refType="primFontSz" fact="0.3"/>
+                <dgm:constr type="bMarg" refType="primFontSz" fact="0.3"/>
+                <dgm:constr type="lMarg" refType="primFontSz" fact="0.3"/>
+                <dgm:constr type="rMarg" refType="primFontSz" fact="0.3"/>
+              </dgm:constrLst>
+              <dgm:ruleLst>
+                <dgm:rule type="primFontSz" val="5" fact="NaN" max="NaN"/>
+              </dgm:ruleLst>
+            </dgm:layoutNode>
+            <dgm:layoutNode name="aSpace">
+              <dgm:alg type="sp"/>
+              <dgm:shape xmlns:r="http://schemas.openxmlformats.org/officeDocument/2006/relationships" r:blip="">
+                <dgm:adjLst/>
+              </dgm:shape>
+              <dgm:presOf/>
+              <dgm:constrLst/>
+              <dgm:ruleLst/>
+            </dgm:layoutNode>
+          </dgm:forEach>
+        </dgm:layoutNode>
+      </dgm:if>
+      <dgm:else name="Name5"/>
+    </dgm:choose>
+  </dgm:layoutNode>
+</dgm:layoutDef>
+</file>
+
+<file path=ppt/diagrams/quickStyle1.xml><?xml version="1.0" encoding="utf-8"?>
+<dgm:styleDef xmlns:dgm="http://schemas.openxmlformats.org/drawingml/2006/diagram" xmlns:a="http://schemas.openxmlformats.org/drawingml/2006/main" uniqueId="urn:microsoft.com/office/officeart/2005/8/quickstyle/simple3">
+  <dgm:title val=""/>
+  <dgm:desc val=""/>
+  <dgm:catLst>
+    <dgm:cat type="simple" pri="10300"/>
+  </dgm:catLst>
+  <dgm:scene3d>
+    <a:camera prst="orthographicFront"/>
+    <a:lightRig rig="threePt" dir="t"/>
+  </dgm:scene3d>
+  <dgm:styleLbl name="node0">
+    <dgm:scene3d>
+      <a:camera prst="orthographicFront"/>
+      <a:lightRig rig="flat" dir="t"/>
+    </dgm:scene3d>
+    <dgm:sp3d prstMaterial="dkEdge">
+      <a:bevelT w="8200" h="38100"/>
+    </dgm:sp3d>
+    <dgm:txPr/>
+    <dgm:style>
+      <a:lnRef idx="0">
+        <a:scrgbClr r="0" g="0" b="0"/>
+      </a:lnRef>
+      <a:fillRef idx="2">
+        <a:scrgbClr r="0" g="0" b="0"/>
+      </a:fillRef>
+      <a:effectRef idx="1">
+        <a:scrgbClr r="0" g="0" b="0"/>
+      </a:effectRef>
+      <a:fontRef idx="minor">
+        <a:schemeClr val="dk1"/>
+      </a:fontRef>
+    </dgm:style>
+  </dgm:styleLbl>
+  <dgm:styleLbl name="lnNode1">
+    <dgm:scene3d>
+      <a:camera prst="orthographicFront"/>
+      <a:lightRig rig="flat" dir="t"/>
+    </dgm:scene3d>
+    <dgm:sp3d prstMaterial="dkEdge">
+      <a:bevelT w="8200" h="38100"/>
+    </dgm:sp3d>
+    <dgm:txPr/>
+    <dgm:style>
+      <a:lnRef idx="1">
+        <a:scrgbClr r="0" g="0" b="0"/>
+      </a:lnRef>
+      <a:fillRef idx="2">
+        <a:scrgbClr r="0" g="0" b="0"/>
+      </a:fillRef>
+      <a:effectRef idx="0">
+        <a:scrgbClr r="0" g="0" b="0"/>
+      </a:effectRef>
+      <a:fontRef idx="minor">
+        <a:schemeClr val="dk1"/>
+      </a:fontRef>
+    </dgm:style>
+  </dgm:styleLbl>
+  <dgm:styleLbl name="vennNode1">
+    <dgm:scene3d>
+      <a:camera prst="orthographicFront"/>
+      <a:lightRig rig="flat" dir="t"/>
+    </dgm:scene3d>
+    <dgm:sp3d prstMaterial="dkEdge">
+      <a:bevelT w="8200" h="38100"/>
+    </dgm:sp3d>
+    <dgm:txPr/>
+    <dgm:style>
+      <a:lnRef idx="0">
+        <a:scrgbClr r="0" g="0" b="0"/>
+      </a:lnRef>
+      <a:fillRef idx="2">
+        <a:scrgbClr r="0" g="0" b="0"/>
+      </a:fillRef>
+      <a:effectRef idx="0">
+        <a:scrgbClr r="0" g="0" b="0"/>
+      </a:effectRef>
+      <a:fontRef idx="minor">
+        <a:schemeClr val="tx1"/>
+      </a:fontRef>
+    </dgm:style>
+  </dgm:styleLbl>
+  <dgm:styleLbl name="alignNode1">
+    <dgm:scene3d>
+      <a:camera prst="orthographicFront"/>
+      <a:lightRig rig="threePt" dir="t"/>
+    </dgm:scene3d>
+    <dgm:sp3d/>
+    <dgm:txPr/>
+    <dgm:style>
+      <a:lnRef idx="1">
+        <a:scrgbClr r="0" g="0" b="0"/>
+      </a:lnRef>
+      <a:fillRef idx="2">
+        <a:scrgbClr r="0" g="0" b="0"/>
+      </a:fillRef>
+      <a:effectRef idx="1">
+        <a:scrgbClr r="0" g="0" b="0"/>
+      </a:effectRef>
+      <a:fontRef idx="minor">
+        <a:schemeClr val="dk1"/>
+      </a:fontRef>
+    </dgm:style>
+  </dgm:styleLbl>
+  <dgm:styleLbl name="node1">
+    <dgm:scene3d>
+      <a:camera prst="orthographicFront"/>
+      <a:lightRig rig="flat" dir="t"/>
+    </dgm:scene3d>
+    <dgm:sp3d prstMaterial="dkEdge">
+      <a:bevelT w="8200" h="38100"/>
+    </dgm:sp3d>
+    <dgm:txPr/>
+    <dgm:style>
+      <a:lnRef idx="0">
+        <a:scrgbClr r="0" g="0" b="0"/>
+      </a:lnRef>
+      <a:fillRef idx="2">
+        <a:scrgbClr r="0" g="0" b="0"/>
+      </a:fillRef>
+      <a:effectRef idx="1">
+        <a:scrgbClr r="0" g="0" b="0"/>
+      </a:effectRef>
+      <a:fontRef idx="minor">
+        <a:schemeClr val="dk1"/>
+      </a:fontRef>
+    </dgm:style>
+  </dgm:styleLbl>
+  <dgm:styleLbl name="node2">
+    <dgm:scene3d>
+      <a:camera prst="orthographicFront"/>
+      <a:lightRig rig="flat" dir="t"/>
+    </dgm:scene3d>
+    <dgm:sp3d prstMaterial="dkEdge">
+      <a:bevelT w="8200" h="38100"/>
+    </dgm:sp3d>
+    <dgm:txPr/>
+    <dgm:style>
+      <a:lnRef idx="0">
+        <a:scrgbClr r="0" g="0" b="0"/>
+      </a:lnRef>
+      <a:fillRef idx="2">
+        <a:scrgbClr r="0" g="0" b="0"/>
+      </a:fillRef>
+      <a:effectRef idx="1">
+        <a:scrgbClr r="0" g="0" b="0"/>
+      </a:effectRef>
+      <a:fontRef idx="minor">
+        <a:schemeClr val="dk1"/>
+      </a:fontRef>
+    </dgm:style>
+  </dgm:styleLbl>
+  <dgm:styleLbl name="node3">
+    <dgm:scene3d>
+      <a:camera prst="orthographicFront"/>
+      <a:lightRig rig="flat" dir="t"/>
+    </dgm:scene3d>
+    <dgm:sp3d prstMaterial="dkEdge">
+      <a:bevelT w="8200" h="38100"/>
+    </dgm:sp3d>
+    <dgm:txPr/>
+    <dgm:style>
+      <a:lnRef idx="0">
+        <a:scrgbClr r="0" g="0" b="0"/>
+      </a:lnRef>
+      <a:fillRef idx="2">
+        <a:scrgbClr r="0" g="0" b="0"/>
+      </a:fillRef>
+      <a:effectRef idx="1">
+        <a:scrgbClr r="0" g="0" b="0"/>
+      </a:effectRef>
+      <a:fontRef idx="minor">
+        <a:schemeClr val="dk1"/>
+      </a:fontRef>
+    </dgm:style>
+  </dgm:styleLbl>
+  <dgm:styleLbl name="node4">
+    <dgm:scene3d>
+      <a:camera prst="orthographicFront"/>
+      <a:lightRig rig="flat" dir="t"/>
+    </dgm:scene3d>
+    <dgm:sp3d prstMaterial="dkEdge">
+      <a:bevelT w="8200" h="38100"/>
+    </dgm:sp3d>
+    <dgm:txPr/>
+    <dgm:style>
+      <a:lnRef idx="0">
+        <a:scrgbClr r="0" g="0" b="0"/>
+      </a:lnRef>
+      <a:fillRef idx="2">
+        <a:scrgbClr r="0" g="0" b="0"/>
+      </a:fillRef>
+      <a:effectRef idx="1">
+        <a:scrgbClr r="0" g="0" b="0"/>
+      </a:effectRef>
+      <a:fontRef idx="minor">
+        <a:schemeClr val="dk1"/>
+      </a:fontRef>
+    </dgm:style>
+  </dgm:styleLbl>
+  <dgm:styleLbl name="fgImgPlace1">
+    <dgm:scene3d>
+      <a:camera prst="orthographicFront"/>
+      <a:lightRig rig="threePt" dir="t"/>
+    </dgm:scene3d>
+    <dgm:sp3d/>
+    <dgm:txPr/>
+    <dgm:style>
+      <a:lnRef idx="1">
+        <a:scrgbClr r="0" g="0" b="0"/>
+      </a:lnRef>
+      <a:fillRef idx="1">
+        <a:scrgbClr r="0" g="0" b="0"/>
+      </a:fillRef>
+      <a:effectRef idx="1">
+        <a:scrgbClr r="0" g="0" b="0"/>
+      </a:effectRef>
+      <a:fontRef idx="minor"/>
+    </dgm:style>
+  </dgm:styleLbl>
+  <dgm:styleLbl name="alignImgPlace1">
+    <dgm:scene3d>
+      <a:camera prst="orthographicFront"/>
+      <a:lightRig rig="threePt" dir="t"/>
+    </dgm:scene3d>
+    <dgm:sp3d/>
+    <dgm:txPr/>
+    <dgm:style>
+      <a:lnRef idx="1">
+        <a:scrgbClr r="0" g="0" b="0"/>
+      </a:lnRef>
+      <a:fillRef idx="1">
+        <a:scrgbClr r="0" g="0" b="0"/>
+      </a:fillRef>
+      <a:effectRef idx="1">
+        <a:scrgbClr r="0" g="0" b="0"/>
+      </a:effectRef>
+      <a:fontRef idx="minor"/>
+    </dgm:style>
+  </dgm:styleLbl>
+  <dgm:styleLbl name="bgImgPlace1">
+    <dgm:scene3d>
+      <a:camera prst="orthographicFront"/>
+      <a:lightRig rig="threePt" dir="t"/>
+    </dgm:scene3d>
+    <dgm:sp3d/>
+    <dgm:txPr/>
+    <dgm:style>
+      <a:lnRef idx="1">
+        <a:scrgbClr r="0" g="0" b="0"/>
+      </a:lnRef>
+      <a:fillRef idx="1">
+        <a:scrgbClr r="0" g="0" b="0"/>
+      </a:fillRef>
+      <a:effectRef idx="1">
+        <a:scrgbClr r="0" g="0" b="0"/>
+      </a:effectRef>
+      <a:fontRef idx="minor"/>
+    </dgm:style>
+  </dgm:styleLbl>
+  <dgm:styleLbl name="sibTrans2D1">
+    <dgm:scene3d>
+      <a:camera prst="orthographicFront"/>
+      <a:lightRig rig="threePt" dir="t"/>
+    </dgm:scene3d>
+    <dgm:sp3d/>
+    <dgm:txPr/>
+    <dgm:style>
+      <a:lnRef idx="0">
+        <a:scrgbClr r="0" g="0" b="0"/>
+      </a:lnRef>
+      <a:fillRef idx="2">
+        <a:scrgbClr r="0" g="0" b="0"/>
+      </a:fillRef>
+      <a:effectRef idx="1">
+        <a:scrgbClr r="0" g="0" b="0"/>
+      </a:effectRef>
+      <a:fontRef idx="minor">
+        <a:schemeClr val="dk1"/>
+      </a:fontRef>
+    </dgm:style>
+  </dgm:styleLbl>
+  <dgm:styleLbl name="fgSibTrans2D1">
+    <dgm:scene3d>
+      <a:camera prst="orthographicFront"/>
+      <a:lightRig rig="threePt" dir="t"/>
+    </dgm:scene3d>
+    <dgm:sp3d/>
+    <dgm:txPr/>
+    <dgm:style>
+      <a:lnRef idx="0">
+        <a:scrgbClr r="0" g="0" b="0"/>
+      </a:lnRef>
+      <a:fillRef idx="2">
+        <a:scrgbClr r="0" g="0" b="0"/>
+      </a:fillRef>
+      <a:effectRef idx="1">
+        <a:scrgbClr r="0" g="0" b="0"/>
+      </a:effectRef>
+      <a:fontRef idx="minor">
+        <a:schemeClr val="dk1"/>
+      </a:fontRef>
+    </dgm:style>
+  </dgm:styleLbl>
+  <dgm:styleLbl name="bgSibTrans2D1">
+    <dgm:scene3d>
+      <a:camera prst="orthographicFront"/>
+      <a:lightRig rig="threePt" dir="t"/>
+    </dgm:scene3d>
+    <dgm:sp3d/>
+    <dgm:txPr/>
+    <dgm:style>
+      <a:lnRef idx="0">
+        <a:scrgbClr r="0" g="0" b="0"/>
+      </a:lnRef>
+      <a:fillRef idx="2">
+        <a:scrgbClr r="0" g="0" b="0"/>
+      </a:fillRef>
+      <a:effectRef idx="1">
+        <a:scrgbClr r="0" g="0" b="0"/>
+      </a:effectRef>
+      <a:fontRef idx="minor">
+        <a:schemeClr val="dk1"/>
+      </a:fontRef>
+    </dgm:style>
+  </dgm:styleLbl>
+  <dgm:styleLbl name="sibTrans1D1">
+    <dgm:scene3d>
+      <a:camera prst="orthographicFront"/>
+      <a:lightRig rig="threePt" dir="t"/>
+    </dgm:scene3d>
+    <dgm:sp3d/>
+    <dgm:txPr/>
+    <dgm:style>
+      <a:lnRef idx="1">
+        <a:scrgbClr r="0" g="0" b="0"/>
+      </a:lnRef>
+      <a:fillRef idx="0">
+        <a:scrgbClr r="0" g="0" b="0"/>
+      </a:fillRef>
+      <a:effectRef idx="0">
+        <a:scrgbClr r="0" g="0" b="0"/>
+      </a:effectRef>
+      <a:fontRef idx="minor"/>
+    </dgm:style>
+  </dgm:styleLbl>
+  <dgm:styleLbl name="callout">
+    <dgm:scene3d>
+      <a:camera prst="orthographicFront"/>
+      <a:lightRig rig="threePt" dir="t"/>
+    </dgm:scene3d>
+    <dgm:sp3d/>
+    <dgm:txPr/>
+    <dgm:style>
+      <a:lnRef idx="1">
+        <a:scrgbClr r="0" g="0" b="0"/>
+      </a:lnRef>
+      <a:fillRef idx="2">
+        <a:scrgbClr r="0" g="0" b="0"/>
+      </a:fillRef>
+      <a:effectRef idx="1">
+        <a:scrgbClr r="0" g="0" b="0"/>
+      </a:effectRef>
+      <a:fontRef idx="minor"/>
+    </dgm:style>
+  </dgm:styleLbl>
+  <dgm:styleLbl name="asst0">
+    <dgm:scene3d>
+      <a:camera prst="orthographicFront"/>
+      <a:lightRig rig="flat" dir="t"/>
+    </dgm:scene3d>
+    <dgm:sp3d prstMaterial="dkEdge">
+      <a:bevelT w="8200" h="38100"/>
+    </dgm:sp3d>
+    <dgm:txPr/>
+    <dgm:style>
+      <a:lnRef idx="0">
+        <a:scrgbClr r="0" g="0" b="0"/>
+      </a:lnRef>
+      <a:fillRef idx="2">
+        <a:scrgbClr r="0" g="0" b="0"/>
+      </a:fillRef>
+      <a:effectRef idx="1">
+        <a:scrgbClr r="0" g="0" b="0"/>
+      </a:effectRef>
+      <a:fontRef idx="minor">
+        <a:schemeClr val="dk1"/>
+      </a:fontRef>
+    </dgm:style>
+  </dgm:styleLbl>
+  <dgm:styleLbl name="asst1">
+    <dgm:scene3d>
+      <a:camera prst="orthographicFront"/>
+      <a:lightRig rig="flat" dir="t"/>
+    </dgm:scene3d>
+    <dgm:sp3d prstMaterial="dkEdge">
+      <a:bevelT w="8200" h="38100"/>
+    </dgm:sp3d>
+    <dgm:txPr/>
+    <dgm:style>
+      <a:lnRef idx="0">
+        <a:scrgbClr r="0" g="0" b="0"/>
+      </a:lnRef>
+      <a:fillRef idx="2">
+        <a:scrgbClr r="0" g="0" b="0"/>
+      </a:fillRef>
+      <a:effectRef idx="1">
+        <a:scrgbClr r="0" g="0" b="0"/>
+      </a:effectRef>
+      <a:fontRef idx="minor">
+        <a:schemeClr val="dk1"/>
+      </a:fontRef>
+    </dgm:style>
+  </dgm:styleLbl>
+  <dgm:styleLbl name="asst2">
+    <dgm:scene3d>
+      <a:camera prst="orthographicFront"/>
+      <a:lightRig rig="flat" dir="t"/>
+    </dgm:scene3d>
+    <dgm:sp3d prstMaterial="dkEdge">
+      <a:bevelT w="8200" h="38100"/>
+    </dgm:sp3d>
+    <dgm:txPr/>
+    <dgm:style>
+      <a:lnRef idx="0">
+        <a:scrgbClr r="0" g="0" b="0"/>
+      </a:lnRef>
+      <a:fillRef idx="2">
+        <a:scrgbClr r="0" g="0" b="0"/>
+      </a:fillRef>
+      <a:effectRef idx="1">
+        <a:scrgbClr r="0" g="0" b="0"/>
+      </a:effectRef>
+      <a:fontRef idx="minor">
+        <a:schemeClr val="dk1"/>
+      </a:fontRef>
+    </dgm:style>
+  </dgm:styleLbl>
+  <dgm:styleLbl name="asst3">
+    <dgm:scene3d>
+      <a:camera prst="orthographicFront"/>
+      <a:lightRig rig="flat" dir="t"/>
+    </dgm:scene3d>
+    <dgm:sp3d prstMaterial="dkEdge">
+      <a:bevelT w="8200" h="38100"/>
+    </dgm:sp3d>
+    <dgm:txPr/>
+    <dgm:style>
+      <a:lnRef idx="0">
+        <a:scrgbClr r="0" g="0" b="0"/>
+      </a:lnRef>
+      <a:fillRef idx="2">
+        <a:scrgbClr r="0" g="0" b="0"/>
+      </a:fillRef>
+      <a:effectRef idx="1">
+        <a:scrgbClr r="0" g="0" b="0"/>
+      </a:effectRef>
+      <a:fontRef idx="minor">
+        <a:schemeClr val="dk1"/>
+      </a:fontRef>
+    </dgm:style>
+  </dgm:styleLbl>
+  <dgm:styleLbl name="asst4">
+    <dgm:scene3d>
+      <a:camera prst="orthographicFront"/>
+      <a:lightRig rig="flat" dir="t"/>
+    </dgm:scene3d>
+    <dgm:sp3d prstMaterial="dkEdge">
+      <a:bevelT w="8200" h="38100"/>
+    </dgm:sp3d>
+    <dgm:txPr/>
+    <dgm:style>
+      <a:lnRef idx="0">
+        <a:scrgbClr r="0" g="0" b="0"/>
+      </a:lnRef>
+      <a:fillRef idx="2">
+        <a:scrgbClr r="0" g="0" b="0"/>
+      </a:fillRef>
+      <a:effectRef idx="1">
+        <a:scrgbClr r="0" g="0" b="0"/>
+      </a:effectRef>
+      <a:fontRef idx="minor">
+        <a:schemeClr val="dk1"/>
+      </a:fontRef>
+    </dgm:style>
+  </dgm:styleLbl>
+  <dgm:styleLbl name="parChTrans2D1">
+    <dgm:scene3d>
+      <a:camera prst="orthographicFront"/>
+      <a:lightRig rig="threePt" dir="t"/>
+    </dgm:scene3d>
+    <dgm:sp3d/>
+    <dgm:txPr/>
+    <dgm:style>
+      <a:lnRef idx="1">
+        <a:scrgbClr r="0" g="0" b="0"/>
+      </a:lnRef>
+      <a:fillRef idx="2">
+        <a:scrgbClr r="0" g="0" b="0"/>
+      </a:fillRef>
+      <a:effectRef idx="1">
+        <a:scrgbClr r="0" g="0" b="0"/>
+      </a:effectRef>
+      <a:fontRef idx="minor">
+        <a:schemeClr val="dk1"/>
+      </a:fontRef>
+    </dgm:style>
+  </dgm:styleLbl>
+  <dgm:styleLbl name="parChTrans2D2">
+    <dgm:scene3d>
+      <a:camera prst="orthographicFront"/>
+      <a:lightRig rig="threePt" dir="t"/>
+    </dgm:scene3d>
+    <dgm:sp3d/>
+    <dgm:txPr/>
+    <dgm:style>
+      <a:lnRef idx="1">
+        <a:scrgbClr r="0" g="0" b="0"/>
+      </a:lnRef>
+      <a:fillRef idx="2">
+        <a:scrgbClr r="0" g="0" b="0"/>
+      </a:fillRef>
+      <a:effectRef idx="1">
+        <a:scrgbClr r="0" g="0" b="0"/>
+      </a:effectRef>
+      <a:fontRef idx="minor">
+        <a:schemeClr val="dk1"/>
+      </a:fontRef>
+    </dgm:style>
+  </dgm:styleLbl>
+  <dgm:styleLbl name="parChTrans2D3">
+    <dgm:scene3d>
+      <a:camera prst="orthographicFront"/>
+      <a:lightRig rig="threePt" dir="t"/>
+    </dgm:scene3d>
+    <dgm:sp3d/>
+    <dgm:txPr/>
+    <dgm:style>
+      <a:lnRef idx="1">
+        <a:scrgbClr r="0" g="0" b="0"/>
+      </a:lnRef>
+      <a:fillRef idx="2">
+        <a:scrgbClr r="0" g="0" b="0"/>
+      </a:fillRef>
+      <a:effectRef idx="1">
+        <a:scrgbClr r="0" g="0" b="0"/>
+      </a:effectRef>
+      <a:fontRef idx="minor">
+        <a:schemeClr val="dk1"/>
+      </a:fontRef>
+    </dgm:style>
+  </dgm:styleLbl>
+  <dgm:styleLbl name="parChTrans2D4">
+    <dgm:scene3d>
+      <a:camera prst="orthographicFront"/>
+      <a:lightRig rig="threePt" dir="t"/>
+    </dgm:scene3d>
+    <dgm:sp3d/>
+    <dgm:txPr/>
+    <dgm:style>
+      <a:lnRef idx="1">
+        <a:scrgbClr r="0" g="0" b="0"/>
+      </a:lnRef>
+      <a:fillRef idx="2">
+        <a:scrgbClr r="0" g="0" b="0"/>
+      </a:fillRef>
+      <a:effectRef idx="1">
+        <a:scrgbClr r="0" g="0" b="0"/>
+      </a:effectRef>
+      <a:fontRef idx="minor">
+        <a:schemeClr val="dk1"/>
+      </a:fontRef>
+    </dgm:style>
+  </dgm:styleLbl>
+  <dgm:styleLbl name="parChTrans1D1">
+    <dgm:scene3d>
+      <a:camera prst="orthographicFront"/>
+      <a:lightRig rig="threePt" dir="t"/>
+    </dgm:scene3d>
+    <dgm:sp3d/>
+    <dgm:txPr/>
+    <dgm:style>
+      <a:lnRef idx="2">
+        <a:scrgbClr r="0" g="0" b="0"/>
+      </a:lnRef>
+      <a:fillRef idx="0">
+        <a:scrgbClr r="0" g="0" b="0"/>
+      </a:fillRef>
+      <a:effectRef idx="0">
+        <a:scrgbClr r="0" g="0" b="0"/>
+      </a:effectRef>
+      <a:fontRef idx="minor"/>
+    </dgm:style>
+  </dgm:styleLbl>
+  <dgm:styleLbl name="parChTrans1D2">
+    <dgm:scene3d>
+      <a:camera prst="orthographicFront"/>
+      <a:lightRig rig="threePt" dir="t"/>
+    </dgm:scene3d>
+    <dgm:sp3d/>
+    <dgm:txPr/>
+    <dgm:style>
+      <a:lnRef idx="2">
+        <a:scrgbClr r="0" g="0" b="0"/>
+      </a:lnRef>
+      <a:fillRef idx="0">
+        <a:scrgbClr r="0" g="0" b="0"/>
+      </a:fillRef>
+      <a:effectRef idx="0">
+        <a:scrgbClr r="0" g="0" b="0"/>
+      </a:effectRef>
+      <a:fontRef idx="minor"/>
+    </dgm:style>
+  </dgm:styleLbl>
+  <dgm:styleLbl name="parChTrans1D3">
+    <dgm:scene3d>
+      <a:camera prst="orthographicFront"/>
+      <a:lightRig rig="threePt" dir="t"/>
+    </dgm:scene3d>
+    <dgm:sp3d/>
+    <dgm:txPr/>
+    <dgm:style>
+      <a:lnRef idx="2">
+        <a:scrgbClr r="0" g="0" b="0"/>
+      </a:lnRef>
+      <a:fillRef idx="0">
+        <a:scrgbClr r="0" g="0" b="0"/>
+      </a:fillRef>
+      <a:effectRef idx="0">
+        <a:scrgbClr r="0" g="0" b="0"/>
+      </a:effectRef>
+      <a:fontRef idx="minor"/>
+    </dgm:style>
+  </dgm:styleLbl>
+  <dgm:styleLbl name="parChTrans1D4">
+    <dgm:scene3d>
+      <a:camera prst="orthographicFront"/>
+      <a:lightRig rig="threePt" dir="t"/>
+    </dgm:scene3d>
+    <dgm:sp3d/>
+    <dgm:txPr/>
+    <dgm:style>
+      <a:lnRef idx="2">
+        <a:scrgbClr r="0" g="0" b="0"/>
+      </a:lnRef>
+      <a:fillRef idx="0">
+        <a:scrgbClr r="0" g="0" b="0"/>
+      </a:fillRef>
+      <a:effectRef idx="0">
+        <a:scrgbClr r="0" g="0" b="0"/>
+      </a:effectRef>
+      <a:fontRef idx="minor"/>
+    </dgm:style>
+  </dgm:styleLbl>
+  <dgm:styleLbl name="fgAcc1">
+    <dgm:scene3d>
+      <a:camera prst="orthographicFront"/>
+      <a:lightRig rig="threePt" dir="t"/>
+    </dgm:scene3d>
+    <dgm:sp3d/>
+    <dgm:txPr/>
+    <dgm:style>
+      <a:lnRef idx="1">
+        <a:scrgbClr r="0" g="0" b="0"/>
+      </a:lnRef>
+      <a:fillRef idx="1">
+        <a:scrgbClr r="0" g="0" b="0"/>
+      </a:fillRef>
+      <a:effectRef idx="0">
+        <a:scrgbClr r="0" g="0" b="0"/>
+      </a:effectRef>
+      <a:fontRef idx="minor"/>
+    </dgm:style>
+  </dgm:styleLbl>
+  <dgm:styleLbl name="conFgAcc1">
+    <dgm:scene3d>
+      <a:camera prst="orthographicFront"/>
+      <a:lightRig rig="threePt" dir="t"/>
+    </dgm:scene3d>
+    <dgm:sp3d/>
+    <dgm:txPr/>
+    <dgm:style>
+      <a:lnRef idx="1">
+        <a:scrgbClr r="0" g="0" b="0"/>
+      </a:lnRef>
+      <a:fillRef idx="1">
+        <a:scrgbClr r="0" g="0" b="0"/>
+      </a:fillRef>
+      <a:effectRef idx="0">
+        <a:scrgbClr r="0" g="0" b="0"/>
+      </a:effectRef>
+      <a:fontRef idx="minor"/>
+    </dgm:style>
+  </dgm:styleLbl>
+  <dgm:styleLbl name="alignAcc1">
+    <dgm:scene3d>
+      <a:camera prst="orthographicFront"/>
+      <a:lightRig rig="threePt" dir="t"/>
+    </dgm:scene3d>
+    <dgm:sp3d/>
+    <dgm:txPr/>
+    <dgm:style>
+      <a:lnRef idx="1">
+        <a:scrgbClr r="0" g="0" b="0"/>
+      </a:lnRef>
+      <a:fillRef idx="1">
+        <a:scrgbClr r="0" g="0" b="0"/>
+      </a:fillRef>
+      <a:effectRef idx="0">
+        <a:scrgbClr r="0" g="0" b="0"/>
+      </a:effectRef>
+      <a:fontRef idx="minor"/>
+    </dgm:style>
+  </dgm:styleLbl>
+  <dgm:styleLbl name="trAlignAcc1">
+    <dgm:scene3d>
+      <a:camera prst="orthographicFront"/>
+      <a:lightRig rig="threePt" dir="t"/>
+    </dgm:scene3d>
+    <dgm:sp3d/>
+    <dgm:txPr/>
+    <dgm:style>
+      <a:lnRef idx="1">
+        <a:scrgbClr r="0" g="0" b="0"/>
+      </a:lnRef>
+      <a:fillRef idx="1">
+        <a:scrgbClr r="0" g="0" b="0"/>
+      </a:fillRef>
+      <a:effectRef idx="0">
+        <a:scrgbClr r="0" g="0" b="0"/>
+      </a:effectRef>
+      <a:fontRef idx="minor"/>
+    </dgm:style>
+  </dgm:styleLbl>
+  <dgm:styleLbl name="bgAcc1">
+    <dgm:scene3d>
+      <a:camera prst="orthographicFront"/>
+      <a:lightRig rig="threePt" dir="t"/>
+    </dgm:scene3d>
+    <dgm:sp3d/>
+    <dgm:txPr/>
+    <dgm:style>
+      <a:lnRef idx="1">
+        <a:scrgbClr r="0" g="0" b="0"/>
+      </a:lnRef>
+      <a:fillRef idx="1">
+        <a:scrgbClr r="0" g="0" b="0"/>
+      </a:fillRef>
+      <a:effectRef idx="0">
+        <a:scrgbClr r="0" g="0" b="0"/>
+      </a:effectRef>
+      <a:fontRef idx="minor"/>
+    </dgm:style>
+  </dgm:styleLbl>
+  <dgm:styleLbl name="solidFgAcc1">
+    <dgm:scene3d>
+      <a:camera prst="orthographicFront"/>
+      <a:lightRig rig="threePt" dir="t"/>
+    </dgm:scene3d>
+    <dgm:sp3d/>
+    <dgm:txPr/>
+    <dgm:style>
+      <a:lnRef idx="1">
+        <a:scrgbClr r="0" g="0" b="0"/>
+      </a:lnRef>
+      <a:fillRef idx="2">
+        <a:scrgbClr r="0" g="0" b="0"/>
+      </a:fillRef>
+      <a:effectRef idx="0">
+        <a:scrgbClr r="0" g="0" b="0"/>
+      </a:effectRef>
+      <a:fontRef idx="minor"/>
+    </dgm:style>
+  </dgm:styleLbl>
+  <dgm:styleLbl name="solidAlignAcc1">
+    <dgm:scene3d>
+      <a:camera prst="orthographicFront"/>
+      <a:lightRig rig="threePt" dir="t"/>
+    </dgm:scene3d>
+    <dgm:sp3d/>
+    <dgm:txPr/>
+    <dgm:style>
+      <a:lnRef idx="1">
+        <a:scrgbClr r="0" g="0" b="0"/>
+      </a:lnRef>
+      <a:fillRef idx="1">
+        <a:scrgbClr r="0" g="0" b="0"/>
+      </a:fillRef>
+      <a:effectRef idx="0">
+        <a:scrgbClr r="0" g="0" b="0"/>
+      </a:effectRef>
+      <a:fontRef idx="minor"/>
+    </dgm:style>
+  </dgm:styleLbl>
+  <dgm:styleLbl name="solidBgAcc1">
+    <dgm:scene3d>
+      <a:camera prst="orthographicFront"/>
+      <a:lightRig rig="threePt" dir="t"/>
+    </dgm:scene3d>
+    <dgm:sp3d/>
+    <dgm:txPr/>
+    <dgm:style>
+      <a:lnRef idx="1">
+        <a:scrgbClr r="0" g="0" b="0"/>
+      </a:lnRef>
+      <a:fillRef idx="1">
+        <a:scrgbClr r="0" g="0" b="0"/>
+      </a:fillRef>
+      <a:effectRef idx="0">
+        <a:scrgbClr r="0" g="0" b="0"/>
+      </a:effectRef>
+      <a:fontRef idx="minor"/>
+    </dgm:style>
+  </dgm:styleLbl>
+  <dgm:styleLbl name="fgAccFollowNode1">
+    <dgm:scene3d>
+      <a:camera prst="orthographicFront"/>
+      <a:lightRig rig="threePt" dir="t"/>
+    </dgm:scene3d>
+    <dgm:sp3d/>
+    <dgm:txPr/>
+    <dgm:style>
+      <a:lnRef idx="1">
+        <a:scrgbClr r="0" g="0" b="0"/>
+      </a:lnRef>
+      <a:fillRef idx="1">
+        <a:scrgbClr r="0" g="0" b="0"/>
+      </a:fillRef>
+      <a:effectRef idx="0">
+        <a:scrgbClr r="0" g="0" b="0"/>
+      </a:effectRef>
+      <a:fontRef idx="minor"/>
+    </dgm:style>
+  </dgm:styleLbl>
+  <dgm:styleLbl name="alignAccFollowNode1">
+    <dgm:scene3d>
+      <a:camera prst="orthographicFront"/>
+      <a:lightRig rig="threePt" dir="t"/>
+    </dgm:scene3d>
+    <dgm:sp3d/>
+    <dgm:txPr/>
+    <dgm:style>
+      <a:lnRef idx="1">
+        <a:scrgbClr r="0" g="0" b="0"/>
+      </a:lnRef>
+      <a:fillRef idx="1">
+        <a:scrgbClr r="0" g="0" b="0"/>
+      </a:fillRef>
+      <a:effectRef idx="0">
+        <a:scrgbClr r="0" g="0" b="0"/>
+      </a:effectRef>
+      <a:fontRef idx="minor"/>
+    </dgm:style>
+  </dgm:styleLbl>
+  <dgm:styleLbl name="bgAccFollowNode1">
+    <dgm:scene3d>
+      <a:camera prst="orthographicFront"/>
+      <a:lightRig rig="threePt" dir="t"/>
+    </dgm:scene3d>
+    <dgm:sp3d/>
+    <dgm:txPr/>
+    <dgm:style>
+      <a:lnRef idx="1">
+        <a:scrgbClr r="0" g="0" b="0"/>
+      </a:lnRef>
+      <a:fillRef idx="1">
+        <a:scrgbClr r="0" g="0" b="0"/>
+      </a:fillRef>
+      <a:effectRef idx="0">
+        <a:scrgbClr r="0" g="0" b="0"/>
+      </a:effectRef>
+      <a:fontRef idx="minor"/>
+    </dgm:style>
+  </dgm:styleLbl>
+  <dgm:styleLbl name="fgAcc0">
+    <dgm:scene3d>
+      <a:camera prst="orthographicFront"/>
+      <a:lightRig rig="threePt" dir="t"/>
+    </dgm:scene3d>
+    <dgm:sp3d/>
+    <dgm:txPr/>
+    <dgm:style>
+      <a:lnRef idx="1">
+        <a:scrgbClr r="0" g="0" b="0"/>
+      </a:lnRef>
+      <a:fillRef idx="1">
+        <a:scrgbClr r="0" g="0" b="0"/>
+      </a:fillRef>
+      <a:effectRef idx="0">
+        <a:scrgbClr r="0" g="0" b="0"/>
+      </a:effectRef>
+      <a:fontRef idx="minor"/>
+    </dgm:style>
+  </dgm:styleLbl>
+  <dgm:styleLbl name="fgAcc2">
+    <dgm:scene3d>
+      <a:camera prst="orthographicFront"/>
+      <a:lightRig rig="threePt" dir="t"/>
+    </dgm:scene3d>
+    <dgm:sp3d/>
+    <dgm:txPr/>
+    <dgm:style>
+      <a:lnRef idx="1">
+        <a:scrgbClr r="0" g="0" b="0"/>
+      </a:lnRef>
+      <a:fillRef idx="1">
+        <a:scrgbClr r="0" g="0" b="0"/>
+      </a:fillRef>
+      <a:effectRef idx="0">
+        <a:scrgbClr r="0" g="0" b="0"/>
+      </a:effectRef>
+      <a:fontRef idx="minor"/>
+    </dgm:style>
+  </dgm:styleLbl>
+  <dgm:styleLbl name="fgAcc3">
+    <dgm:scene3d>
+      <a:camera prst="orthographicFront"/>
+      <a:lightRig rig="threePt" dir="t"/>
+    </dgm:scene3d>
+    <dgm:sp3d/>
+    <dgm:txPr/>
+    <dgm:style>
+      <a:lnRef idx="1">
+        <a:scrgbClr r="0" g="0" b="0"/>
+      </a:lnRef>
+      <a:fillRef idx="1">
+        <a:scrgbClr r="0" g="0" b="0"/>
+      </a:fillRef>
+      <a:effectRef idx="0">
+        <a:scrgbClr r="0" g="0" b="0"/>
+      </a:effectRef>
+      <a:fontRef idx="minor"/>
+    </dgm:style>
+  </dgm:styleLbl>
+  <dgm:styleLbl name="fgAcc4">
+    <dgm:scene3d>
+      <a:camera prst="orthographicFront"/>
+      <a:lightRig rig="threePt" dir="t"/>
+    </dgm:scene3d>
+    <dgm:sp3d/>
+    <dgm:txPr/>
+    <dgm:style>
+      <a:lnRef idx="1">
+        <a:scrgbClr r="0" g="0" b="0"/>
+      </a:lnRef>
+      <a:fillRef idx="1">
+        <a:scrgbClr r="0" g="0" b="0"/>
+      </a:fillRef>
+      <a:effectRef idx="0">
+        <a:scrgbClr r="0" g="0" b="0"/>
+      </a:effectRef>
+      <a:fontRef idx="minor"/>
+    </dgm:style>
+  </dgm:styleLbl>
+  <dgm:styleLbl name="bgShp">
+    <dgm:scene3d>
+      <a:camera prst="orthographicFront"/>
+      <a:lightRig rig="threePt" dir="t"/>
+    </dgm:scene3d>
+    <dgm:sp3d/>
+    <dgm:txPr/>
+    <dgm:style>
+      <a:lnRef idx="0">
+        <a:scrgbClr r="0" g="0" b="0"/>
+      </a:lnRef>
+      <a:fillRef idx="1">
+        <a:scrgbClr r="0" g="0" b="0"/>
+      </a:fillRef>
+      <a:effectRef idx="1">
+        <a:scrgbClr r="0" g="0" b="0"/>
+      </a:effectRef>
+      <a:fontRef idx="minor"/>
+    </dgm:style>
+  </dgm:styleLbl>
+  <dgm:styleLbl name="dkBgShp">
+    <dgm:scene3d>
+      <a:camera prst="orthographicFront"/>
+      <a:lightRig rig="threePt" dir="t"/>
+    </dgm:scene3d>
+    <dgm:sp3d/>
+    <dgm:txPr/>
+    <dgm:style>
+      <a:lnRef idx="0">
+        <a:scrgbClr r="0" g="0" b="0"/>
+      </a:lnRef>
+      <a:fillRef idx="1">
+        <a:scrgbClr r="0" g="0" b="0"/>
+      </a:fillRef>
+      <a:effectRef idx="1">
+        <a:scrgbClr r="0" g="0" b="0"/>
+      </a:effectRef>
+      <a:fontRef idx="minor"/>
+    </dgm:style>
+  </dgm:styleLbl>
+  <dgm:styleLbl name="trBgShp">
+    <dgm:scene3d>
+      <a:camera prst="orthographicFront"/>
+      <a:lightRig rig="threePt" dir="t"/>
+    </dgm:scene3d>
+    <dgm:sp3d/>
+    <dgm:txPr/>
+    <dgm:style>
+      <a:lnRef idx="0">
+        <a:scrgbClr r="0" g="0" b="0"/>
+      </a:lnRef>
+      <a:fillRef idx="1">
+        <a:scrgbClr r="0" g="0" b="0"/>
+      </a:fillRef>
+      <a:effectRef idx="0">
+        <a:scrgbClr r="0" g="0" b="0"/>
+      </a:effectRef>
+      <a:fontRef idx="minor"/>
+    </dgm:style>
+  </dgm:styleLbl>
+  <dgm:styleLbl name="fgShp">
+    <dgm:scene3d>
+      <a:camera prst="orthographicFront"/>
+      <a:lightRig rig="flat" dir="t"/>
+    </dgm:scene3d>
+    <dgm:sp3d prstMaterial="dkEdge">
+      <a:bevelT w="8200" h="38100"/>
+    </dgm:sp3d>
+    <dgm:txPr/>
+    <dgm:style>
+      <a:lnRef idx="1">
+        <a:scrgbClr r="0" g="0" b="0"/>
+      </a:lnRef>
+      <a:fillRef idx="2">
+        <a:scrgbClr r="0" g="0" b="0"/>
+      </a:fillRef>
+      <a:effectRef idx="1">
+        <a:scrgbClr r="0" g="0" b="0"/>
+      </a:effectRef>
+      <a:fontRef idx="minor"/>
+    </dgm:style>
+  </dgm:styleLbl>
+  <dgm:styleLbl name="revTx">
+    <dgm:scene3d>
+      <a:camera prst="orthographicFront"/>
+      <a:lightRig rig="threePt" dir="t"/>
+    </dgm:scene3d>
+    <dgm:sp3d/>
+    <dgm:txPr/>
+    <dgm:style>
+      <a:lnRef idx="0">
+        <a:scrgbClr r="0" g="0" b="0"/>
+      </a:lnRef>
+      <a:fillRef idx="0">
+        <a:scrgbClr r="0" g="0" b="0"/>
+      </a:fillRef>
+      <a:effectRef idx="0">
+        <a:scrgbClr r="0" g="0" b="0"/>
+      </a:effectRef>
+      <a:fontRef idx="minor"/>
+    </dgm:style>
+  </dgm:styleLbl>
+</dgm:styleDef>
+</file>
+
+<file path=ppt/diagrams/quickStyle2.xml><?xml version="1.0" encoding="utf-8"?>
+<dgm:styleDef xmlns:dgm="http://schemas.openxmlformats.org/drawingml/2006/diagram" xmlns:a="http://schemas.openxmlformats.org/drawingml/2006/main" uniqueId="urn:microsoft.com/office/officeart/2005/8/quickstyle/simple3">
+  <dgm:title val=""/>
+  <dgm:desc val=""/>
+  <dgm:catLst>
+    <dgm:cat type="simple" pri="10300"/>
+  </dgm:catLst>
+  <dgm:scene3d>
+    <a:camera prst="orthographicFront"/>
+    <a:lightRig rig="threePt" dir="t"/>
+  </dgm:scene3d>
+  <dgm:styleLbl name="node0">
+    <dgm:scene3d>
+      <a:camera prst="orthographicFront"/>
+      <a:lightRig rig="flat" dir="t"/>
+    </dgm:scene3d>
+    <dgm:sp3d prstMaterial="dkEdge">
+      <a:bevelT w="8200" h="38100"/>
+    </dgm:sp3d>
+    <dgm:txPr/>
+    <dgm:style>
+      <a:lnRef idx="0">
+        <a:scrgbClr r="0" g="0" b="0"/>
+      </a:lnRef>
+      <a:fillRef idx="2">
+        <a:scrgbClr r="0" g="0" b="0"/>
+      </a:fillRef>
+      <a:effectRef idx="1">
+        <a:scrgbClr r="0" g="0" b="0"/>
+      </a:effectRef>
+      <a:fontRef idx="minor">
+        <a:schemeClr val="dk1"/>
+      </a:fontRef>
+    </dgm:style>
+  </dgm:styleLbl>
+  <dgm:styleLbl name="lnNode1">
+    <dgm:scene3d>
+      <a:camera prst="orthographicFront"/>
+      <a:lightRig rig="flat" dir="t"/>
+    </dgm:scene3d>
+    <dgm:sp3d prstMaterial="dkEdge">
+      <a:bevelT w="8200" h="38100"/>
+    </dgm:sp3d>
+    <dgm:txPr/>
+    <dgm:style>
+      <a:lnRef idx="1">
+        <a:scrgbClr r="0" g="0" b="0"/>
+      </a:lnRef>
+      <a:fillRef idx="2">
+        <a:scrgbClr r="0" g="0" b="0"/>
+      </a:fillRef>
+      <a:effectRef idx="0">
+        <a:scrgbClr r="0" g="0" b="0"/>
+      </a:effectRef>
+      <a:fontRef idx="minor">
+        <a:schemeClr val="dk1"/>
+      </a:fontRef>
+    </dgm:style>
+  </dgm:styleLbl>
+  <dgm:styleLbl name="vennNode1">
+    <dgm:scene3d>
+      <a:camera prst="orthographicFront"/>
+      <a:lightRig rig="flat" dir="t"/>
+    </dgm:scene3d>
+    <dgm:sp3d prstMaterial="dkEdge">
+      <a:bevelT w="8200" h="38100"/>
+    </dgm:sp3d>
+    <dgm:txPr/>
+    <dgm:style>
+      <a:lnRef idx="0">
+        <a:scrgbClr r="0" g="0" b="0"/>
+      </a:lnRef>
+      <a:fillRef idx="2">
+        <a:scrgbClr r="0" g="0" b="0"/>
+      </a:fillRef>
+      <a:effectRef idx="0">
+        <a:scrgbClr r="0" g="0" b="0"/>
+      </a:effectRef>
+      <a:fontRef idx="minor">
+        <a:schemeClr val="tx1"/>
+      </a:fontRef>
+    </dgm:style>
+  </dgm:styleLbl>
+  <dgm:styleLbl name="alignNode1">
+    <dgm:scene3d>
+      <a:camera prst="orthographicFront"/>
+      <a:lightRig rig="threePt" dir="t"/>
+    </dgm:scene3d>
+    <dgm:sp3d/>
+    <dgm:txPr/>
+    <dgm:style>
+      <a:lnRef idx="1">
+        <a:scrgbClr r="0" g="0" b="0"/>
+      </a:lnRef>
+      <a:fillRef idx="2">
+        <a:scrgbClr r="0" g="0" b="0"/>
+      </a:fillRef>
+      <a:effectRef idx="1">
+        <a:scrgbClr r="0" g="0" b="0"/>
+      </a:effectRef>
+      <a:fontRef idx="minor">
+        <a:schemeClr val="dk1"/>
+      </a:fontRef>
+    </dgm:style>
+  </dgm:styleLbl>
+  <dgm:styleLbl name="node1">
+    <dgm:scene3d>
+      <a:camera prst="orthographicFront"/>
+      <a:lightRig rig="flat" dir="t"/>
+    </dgm:scene3d>
+    <dgm:sp3d prstMaterial="dkEdge">
+      <a:bevelT w="8200" h="38100"/>
+    </dgm:sp3d>
+    <dgm:txPr/>
+    <dgm:style>
+      <a:lnRef idx="0">
+        <a:scrgbClr r="0" g="0" b="0"/>
+      </a:lnRef>
+      <a:fillRef idx="2">
+        <a:scrgbClr r="0" g="0" b="0"/>
+      </a:fillRef>
+      <a:effectRef idx="1">
+        <a:scrgbClr r="0" g="0" b="0"/>
+      </a:effectRef>
+      <a:fontRef idx="minor">
+        <a:schemeClr val="dk1"/>
+      </a:fontRef>
+    </dgm:style>
+  </dgm:styleLbl>
+  <dgm:styleLbl name="node2">
+    <dgm:scene3d>
+      <a:camera prst="orthographicFront"/>
+      <a:lightRig rig="flat" dir="t"/>
+    </dgm:scene3d>
+    <dgm:sp3d prstMaterial="dkEdge">
+      <a:bevelT w="8200" h="38100"/>
+    </dgm:sp3d>
+    <dgm:txPr/>
+    <dgm:style>
+      <a:lnRef idx="0">
+        <a:scrgbClr r="0" g="0" b="0"/>
+      </a:lnRef>
+      <a:fillRef idx="2">
+        <a:scrgbClr r="0" g="0" b="0"/>
+      </a:fillRef>
+      <a:effectRef idx="1">
+        <a:scrgbClr r="0" g="0" b="0"/>
+      </a:effectRef>
+      <a:fontRef idx="minor">
+        <a:schemeClr val="dk1"/>
+      </a:fontRef>
+    </dgm:style>
+  </dgm:styleLbl>
+  <dgm:styleLbl name="node3">
+    <dgm:scene3d>
+      <a:camera prst="orthographicFront"/>
+      <a:lightRig rig="flat" dir="t"/>
+    </dgm:scene3d>
+    <dgm:sp3d prstMaterial="dkEdge">
+      <a:bevelT w="8200" h="38100"/>
+    </dgm:sp3d>
+    <dgm:txPr/>
+    <dgm:style>
+      <a:lnRef idx="0">
+        <a:scrgbClr r="0" g="0" b="0"/>
+      </a:lnRef>
+      <a:fillRef idx="2">
+        <a:scrgbClr r="0" g="0" b="0"/>
+      </a:fillRef>
+      <a:effectRef idx="1">
+        <a:scrgbClr r="0" g="0" b="0"/>
+      </a:effectRef>
+      <a:fontRef idx="minor">
+        <a:schemeClr val="dk1"/>
+      </a:fontRef>
+    </dgm:style>
+  </dgm:styleLbl>
+  <dgm:styleLbl name="node4">
+    <dgm:scene3d>
+      <a:camera prst="orthographicFront"/>
+      <a:lightRig rig="flat" dir="t"/>
+    </dgm:scene3d>
+    <dgm:sp3d prstMaterial="dkEdge">
+      <a:bevelT w="8200" h="38100"/>
+    </dgm:sp3d>
+    <dgm:txPr/>
+    <dgm:style>
+      <a:lnRef idx="0">
+        <a:scrgbClr r="0" g="0" b="0"/>
+      </a:lnRef>
+      <a:fillRef idx="2">
+        <a:scrgbClr r="0" g="0" b="0"/>
+      </a:fillRef>
+      <a:effectRef idx="1">
+        <a:scrgbClr r="0" g="0" b="0"/>
+      </a:effectRef>
+      <a:fontRef idx="minor">
+        <a:schemeClr val="dk1"/>
+      </a:fontRef>
+    </dgm:style>
+  </dgm:styleLbl>
+  <dgm:styleLbl name="fgImgPlace1">
+    <dgm:scene3d>
+      <a:camera prst="orthographicFront"/>
+      <a:lightRig rig="threePt" dir="t"/>
+    </dgm:scene3d>
+    <dgm:sp3d/>
+    <dgm:txPr/>
+    <dgm:style>
+      <a:lnRef idx="1">
+        <a:scrgbClr r="0" g="0" b="0"/>
+      </a:lnRef>
+      <a:fillRef idx="1">
+        <a:scrgbClr r="0" g="0" b="0"/>
+      </a:fillRef>
+      <a:effectRef idx="1">
+        <a:scrgbClr r="0" g="0" b="0"/>
+      </a:effectRef>
+      <a:fontRef idx="minor"/>
+    </dgm:style>
+  </dgm:styleLbl>
+  <dgm:styleLbl name="alignImgPlace1">
+    <dgm:scene3d>
+      <a:camera prst="orthographicFront"/>
+      <a:lightRig rig="threePt" dir="t"/>
+    </dgm:scene3d>
+    <dgm:sp3d/>
+    <dgm:txPr/>
+    <dgm:style>
+      <a:lnRef idx="1">
+        <a:scrgbClr r="0" g="0" b="0"/>
+      </a:lnRef>
+      <a:fillRef idx="1">
+        <a:scrgbClr r="0" g="0" b="0"/>
+      </a:fillRef>
+      <a:effectRef idx="1">
+        <a:scrgbClr r="0" g="0" b="0"/>
+      </a:effectRef>
+      <a:fontRef idx="minor"/>
+    </dgm:style>
+  </dgm:styleLbl>
+  <dgm:styleLbl name="bgImgPlace1">
+    <dgm:scene3d>
+      <a:camera prst="orthographicFront"/>
+      <a:lightRig rig="threePt" dir="t"/>
+    </dgm:scene3d>
+    <dgm:sp3d/>
+    <dgm:txPr/>
+    <dgm:style>
+      <a:lnRef idx="1">
+        <a:scrgbClr r="0" g="0" b="0"/>
+      </a:lnRef>
+      <a:fillRef idx="1">
+        <a:scrgbClr r="0" g="0" b="0"/>
+      </a:fillRef>
+      <a:effectRef idx="1">
+        <a:scrgbClr r="0" g="0" b="0"/>
+      </a:effectRef>
+      <a:fontRef idx="minor"/>
+    </dgm:style>
+  </dgm:styleLbl>
+  <dgm:styleLbl name="sibTrans2D1">
+    <dgm:scene3d>
+      <a:camera prst="orthographicFront"/>
+      <a:lightRig rig="threePt" dir="t"/>
+    </dgm:scene3d>
+    <dgm:sp3d/>
+    <dgm:txPr/>
+    <dgm:style>
+      <a:lnRef idx="0">
+        <a:scrgbClr r="0" g="0" b="0"/>
+      </a:lnRef>
+      <a:fillRef idx="2">
+        <a:scrgbClr r="0" g="0" b="0"/>
+      </a:fillRef>
+      <a:effectRef idx="1">
+        <a:scrgbClr r="0" g="0" b="0"/>
+      </a:effectRef>
+      <a:fontRef idx="minor">
+        <a:schemeClr val="dk1"/>
+      </a:fontRef>
+    </dgm:style>
+  </dgm:styleLbl>
+  <dgm:styleLbl name="fgSibTrans2D1">
+    <dgm:scene3d>
+      <a:camera prst="orthographicFront"/>
+      <a:lightRig rig="threePt" dir="t"/>
+    </dgm:scene3d>
+    <dgm:sp3d/>
+    <dgm:txPr/>
+    <dgm:style>
+      <a:lnRef idx="0">
+        <a:scrgbClr r="0" g="0" b="0"/>
+      </a:lnRef>
+      <a:fillRef idx="2">
+        <a:scrgbClr r="0" g="0" b="0"/>
+      </a:fillRef>
+      <a:effectRef idx="1">
+        <a:scrgbClr r="0" g="0" b="0"/>
+      </a:effectRef>
+      <a:fontRef idx="minor">
+        <a:schemeClr val="dk1"/>
+      </a:fontRef>
+    </dgm:style>
+  </dgm:styleLbl>
+  <dgm:styleLbl name="bgSibTrans2D1">
+    <dgm:scene3d>
+      <a:camera prst="orthographicFront"/>
+      <a:lightRig rig="threePt" dir="t"/>
+    </dgm:scene3d>
+    <dgm:sp3d/>
+    <dgm:txPr/>
+    <dgm:style>
+      <a:lnRef idx="0">
+        <a:scrgbClr r="0" g="0" b="0"/>
+      </a:lnRef>
+      <a:fillRef idx="2">
+        <a:scrgbClr r="0" g="0" b="0"/>
+      </a:fillRef>
+      <a:effectRef idx="1">
+        <a:scrgbClr r="0" g="0" b="0"/>
+      </a:effectRef>
+      <a:fontRef idx="minor">
+        <a:schemeClr val="dk1"/>
+      </a:fontRef>
+    </dgm:style>
+  </dgm:styleLbl>
+  <dgm:styleLbl name="sibTrans1D1">
+    <dgm:scene3d>
+      <a:camera prst="orthographicFront"/>
+      <a:lightRig rig="threePt" dir="t"/>
+    </dgm:scene3d>
+    <dgm:sp3d/>
+    <dgm:txPr/>
+    <dgm:style>
+      <a:lnRef idx="1">
+        <a:scrgbClr r="0" g="0" b="0"/>
+      </a:lnRef>
+      <a:fillRef idx="0">
+        <a:scrgbClr r="0" g="0" b="0"/>
+      </a:fillRef>
+      <a:effectRef idx="0">
+        <a:scrgbClr r="0" g="0" b="0"/>
+      </a:effectRef>
+      <a:fontRef idx="minor"/>
+    </dgm:style>
+  </dgm:styleLbl>
+  <dgm:styleLbl name="callout">
+    <dgm:scene3d>
+      <a:camera prst="orthographicFront"/>
+      <a:lightRig rig="threePt" dir="t"/>
+    </dgm:scene3d>
+    <dgm:sp3d/>
+    <dgm:txPr/>
+    <dgm:style>
+      <a:lnRef idx="1">
+        <a:scrgbClr r="0" g="0" b="0"/>
+      </a:lnRef>
+      <a:fillRef idx="2">
+        <a:scrgbClr r="0" g="0" b="0"/>
+      </a:fillRef>
+      <a:effectRef idx="1">
+        <a:scrgbClr r="0" g="0" b="0"/>
+      </a:effectRef>
+      <a:fontRef idx="minor"/>
+    </dgm:style>
+  </dgm:styleLbl>
+  <dgm:styleLbl name="asst0">
+    <dgm:scene3d>
+      <a:camera prst="orthographicFront"/>
+      <a:lightRig rig="flat" dir="t"/>
+    </dgm:scene3d>
+    <dgm:sp3d prstMaterial="dkEdge">
+      <a:bevelT w="8200" h="38100"/>
+    </dgm:sp3d>
+    <dgm:txPr/>
+    <dgm:style>
+      <a:lnRef idx="0">
+        <a:scrgbClr r="0" g="0" b="0"/>
+      </a:lnRef>
+      <a:fillRef idx="2">
+        <a:scrgbClr r="0" g="0" b="0"/>
+      </a:fillRef>
+      <a:effectRef idx="1">
+        <a:scrgbClr r="0" g="0" b="0"/>
+      </a:effectRef>
+      <a:fontRef idx="minor">
+        <a:schemeClr val="dk1"/>
+      </a:fontRef>
+    </dgm:style>
+  </dgm:styleLbl>
+  <dgm:styleLbl name="asst1">
+    <dgm:scene3d>
+      <a:camera prst="orthographicFront"/>
+      <a:lightRig rig="flat" dir="t"/>
+    </dgm:scene3d>
+    <dgm:sp3d prstMaterial="dkEdge">
+      <a:bevelT w="8200" h="38100"/>
+    </dgm:sp3d>
+    <dgm:txPr/>
+    <dgm:style>
+      <a:lnRef idx="0">
+        <a:scrgbClr r="0" g="0" b="0"/>
+      </a:lnRef>
+      <a:fillRef idx="2">
+        <a:scrgbClr r="0" g="0" b="0"/>
+      </a:fillRef>
+      <a:effectRef idx="1">
+        <a:scrgbClr r="0" g="0" b="0"/>
+      </a:effectRef>
+      <a:fontRef idx="minor">
+        <a:schemeClr val="dk1"/>
+      </a:fontRef>
+    </dgm:style>
+  </dgm:styleLbl>
+  <dgm:styleLbl name="asst2">
+    <dgm:scene3d>
+      <a:camera prst="orthographicFront"/>
+      <a:lightRig rig="flat" dir="t"/>
+    </dgm:scene3d>
+    <dgm:sp3d prstMaterial="dkEdge">
+      <a:bevelT w="8200" h="38100"/>
+    </dgm:sp3d>
+    <dgm:txPr/>
+    <dgm:style>
+      <a:lnRef idx="0">
+        <a:scrgbClr r="0" g="0" b="0"/>
+      </a:lnRef>
+      <a:fillRef idx="2">
+        <a:scrgbClr r="0" g="0" b="0"/>
+      </a:fillRef>
+      <a:effectRef idx="1">
+        <a:scrgbClr r="0" g="0" b="0"/>
+      </a:effectRef>
+      <a:fontRef idx="minor">
+        <a:schemeClr val="dk1"/>
+      </a:fontRef>
+    </dgm:style>
+  </dgm:styleLbl>
+  <dgm:styleLbl name="asst3">
+    <dgm:scene3d>
+      <a:camera prst="orthographicFront"/>
+      <a:lightRig rig="flat" dir="t"/>
+    </dgm:scene3d>
+    <dgm:sp3d prstMaterial="dkEdge">
+      <a:bevelT w="8200" h="38100"/>
+    </dgm:sp3d>
+    <dgm:txPr/>
+    <dgm:style>
+      <a:lnRef idx="0">
+        <a:scrgbClr r="0" g="0" b="0"/>
+      </a:lnRef>
+      <a:fillRef idx="2">
+        <a:scrgbClr r="0" g="0" b="0"/>
+      </a:fillRef>
+      <a:effectRef idx="1">
+        <a:scrgbClr r="0" g="0" b="0"/>
+      </a:effectRef>
+      <a:fontRef idx="minor">
+        <a:schemeClr val="dk1"/>
+      </a:fontRef>
+    </dgm:style>
+  </dgm:styleLbl>
+  <dgm:styleLbl name="asst4">
+    <dgm:scene3d>
+      <a:camera prst="orthographicFront"/>
+      <a:lightRig rig="flat" dir="t"/>
+    </dgm:scene3d>
+    <dgm:sp3d prstMaterial="dkEdge">
+      <a:bevelT w="8200" h="38100"/>
+    </dgm:sp3d>
+    <dgm:txPr/>
+    <dgm:style>
+      <a:lnRef idx="0">
+        <a:scrgbClr r="0" g="0" b="0"/>
+      </a:lnRef>
+      <a:fillRef idx="2">
+        <a:scrgbClr r="0" g="0" b="0"/>
+      </a:fillRef>
+      <a:effectRef idx="1">
+        <a:scrgbClr r="0" g="0" b="0"/>
+      </a:effectRef>
+      <a:fontRef idx="minor">
+        <a:schemeClr val="dk1"/>
+      </a:fontRef>
+    </dgm:style>
+  </dgm:styleLbl>
+  <dgm:styleLbl name="parChTrans2D1">
+    <dgm:scene3d>
+      <a:camera prst="orthographicFront"/>
+      <a:lightRig rig="threePt" dir="t"/>
+    </dgm:scene3d>
+    <dgm:sp3d/>
+    <dgm:txPr/>
+    <dgm:style>
+      <a:lnRef idx="1">
+        <a:scrgbClr r="0" g="0" b="0"/>
+      </a:lnRef>
+      <a:fillRef idx="2">
+        <a:scrgbClr r="0" g="0" b="0"/>
+      </a:fillRef>
+      <a:effectRef idx="1">
+        <a:scrgbClr r="0" g="0" b="0"/>
+      </a:effectRef>
+      <a:fontRef idx="minor">
+        <a:schemeClr val="dk1"/>
+      </a:fontRef>
+    </dgm:style>
+  </dgm:styleLbl>
+  <dgm:styleLbl name="parChTrans2D2">
+    <dgm:scene3d>
+      <a:camera prst="orthographicFront"/>
+      <a:lightRig rig="threePt" dir="t"/>
+    </dgm:scene3d>
+    <dgm:sp3d/>
+    <dgm:txPr/>
+    <dgm:style>
+      <a:lnRef idx="1">
+        <a:scrgbClr r="0" g="0" b="0"/>
+      </a:lnRef>
+      <a:fillRef idx="2">
+        <a:scrgbClr r="0" g="0" b="0"/>
+      </a:fillRef>
+      <a:effectRef idx="1">
+        <a:scrgbClr r="0" g="0" b="0"/>
+      </a:effectRef>
+      <a:fontRef idx="minor">
+        <a:schemeClr val="dk1"/>
+      </a:fontRef>
+    </dgm:style>
+  </dgm:styleLbl>
+  <dgm:styleLbl name="parChTrans2D3">
+    <dgm:scene3d>
+      <a:camera prst="orthographicFront"/>
+      <a:lightRig rig="threePt" dir="t"/>
+    </dgm:scene3d>
+    <dgm:sp3d/>
+    <dgm:txPr/>
+    <dgm:style>
+      <a:lnRef idx="1">
+        <a:scrgbClr r="0" g="0" b="0"/>
+      </a:lnRef>
+      <a:fillRef idx="2">
+        <a:scrgbClr r="0" g="0" b="0"/>
+      </a:fillRef>
+      <a:effectRef idx="1">
+        <a:scrgbClr r="0" g="0" b="0"/>
+      </a:effectRef>
+      <a:fontRef idx="minor">
+        <a:schemeClr val="dk1"/>
+      </a:fontRef>
+    </dgm:style>
+  </dgm:styleLbl>
+  <dgm:styleLbl name="parChTrans2D4">
+    <dgm:scene3d>
+      <a:camera prst="orthographicFront"/>
+      <a:lightRig rig="threePt" dir="t"/>
+    </dgm:scene3d>
+    <dgm:sp3d/>
+    <dgm:txPr/>
+    <dgm:style>
+      <a:lnRef idx="1">
+        <a:scrgbClr r="0" g="0" b="0"/>
+      </a:lnRef>
+      <a:fillRef idx="2">
+        <a:scrgbClr r="0" g="0" b="0"/>
+      </a:fillRef>
+      <a:effectRef idx="1">
+        <a:scrgbClr r="0" g="0" b="0"/>
+      </a:effectRef>
+      <a:fontRef idx="minor">
+        <a:schemeClr val="dk1"/>
+      </a:fontRef>
+    </dgm:style>
+  </dgm:styleLbl>
+  <dgm:styleLbl name="parChTrans1D1">
+    <dgm:scene3d>
+      <a:camera prst="orthographicFront"/>
+      <a:lightRig rig="threePt" dir="t"/>
+    </dgm:scene3d>
+    <dgm:sp3d/>
+    <dgm:txPr/>
+    <dgm:style>
+      <a:lnRef idx="2">
+        <a:scrgbClr r="0" g="0" b="0"/>
+      </a:lnRef>
+      <a:fillRef idx="0">
+        <a:scrgbClr r="0" g="0" b="0"/>
+      </a:fillRef>
+      <a:effectRef idx="0">
+        <a:scrgbClr r="0" g="0" b="0"/>
+      </a:effectRef>
+      <a:fontRef idx="minor"/>
+    </dgm:style>
+  </dgm:styleLbl>
+  <dgm:styleLbl name="parChTrans1D2">
+    <dgm:scene3d>
+      <a:camera prst="orthographicFront"/>
+      <a:lightRig rig="threePt" dir="t"/>
+    </dgm:scene3d>
+    <dgm:sp3d/>
+    <dgm:txPr/>
+    <dgm:style>
+      <a:lnRef idx="2">
+        <a:scrgbClr r="0" g="0" b="0"/>
+      </a:lnRef>
+      <a:fillRef idx="0">
+        <a:scrgbClr r="0" g="0" b="0"/>
+      </a:fillRef>
+      <a:effectRef idx="0">
+        <a:scrgbClr r="0" g="0" b="0"/>
+      </a:effectRef>
+      <a:fontRef idx="minor"/>
+    </dgm:style>
+  </dgm:styleLbl>
+  <dgm:styleLbl name="parChTrans1D3">
+    <dgm:scene3d>
+      <a:camera prst="orthographicFront"/>
+      <a:lightRig rig="threePt" dir="t"/>
+    </dgm:scene3d>
+    <dgm:sp3d/>
+    <dgm:txPr/>
+    <dgm:style>
+      <a:lnRef idx="2">
+        <a:scrgbClr r="0" g="0" b="0"/>
+      </a:lnRef>
+      <a:fillRef idx="0">
+        <a:scrgbClr r="0" g="0" b="0"/>
+      </a:fillRef>
+      <a:effectRef idx="0">
+        <a:scrgbClr r="0" g="0" b="0"/>
+      </a:effectRef>
+      <a:fontRef idx="minor"/>
+    </dgm:style>
+  </dgm:styleLbl>
+  <dgm:styleLbl name="parChTrans1D4">
+    <dgm:scene3d>
+      <a:camera prst="orthographicFront"/>
+      <a:lightRig rig="threePt" dir="t"/>
+    </dgm:scene3d>
+    <dgm:sp3d/>
+    <dgm:txPr/>
+    <dgm:style>
+      <a:lnRef idx="2">
+        <a:scrgbClr r="0" g="0" b="0"/>
+      </a:lnRef>
+      <a:fillRef idx="0">
+        <a:scrgbClr r="0" g="0" b="0"/>
+      </a:fillRef>
+      <a:effectRef idx="0">
+        <a:scrgbClr r="0" g="0" b="0"/>
+      </a:effectRef>
+      <a:fontRef idx="minor"/>
+    </dgm:style>
+  </dgm:styleLbl>
+  <dgm:styleLbl name="fgAcc1">
+    <dgm:scene3d>
+      <a:camera prst="orthographicFront"/>
+      <a:lightRig rig="threePt" dir="t"/>
+    </dgm:scene3d>
+    <dgm:sp3d/>
+    <dgm:txPr/>
+    <dgm:style>
+      <a:lnRef idx="1">
+        <a:scrgbClr r="0" g="0" b="0"/>
+      </a:lnRef>
+      <a:fillRef idx="1">
+        <a:scrgbClr r="0" g="0" b="0"/>
+      </a:fillRef>
+      <a:effectRef idx="0">
+        <a:scrgbClr r="0" g="0" b="0"/>
+      </a:effectRef>
+      <a:fontRef idx="minor"/>
+    </dgm:style>
+  </dgm:styleLbl>
+  <dgm:styleLbl name="conFgAcc1">
+    <dgm:scene3d>
+      <a:camera prst="orthographicFront"/>
+      <a:lightRig rig="threePt" dir="t"/>
+    </dgm:scene3d>
+    <dgm:sp3d/>
+    <dgm:txPr/>
+    <dgm:style>
+      <a:lnRef idx="1">
+        <a:scrgbClr r="0" g="0" b="0"/>
+      </a:lnRef>
+      <a:fillRef idx="1">
+        <a:scrgbClr r="0" g="0" b="0"/>
+      </a:fillRef>
+      <a:effectRef idx="0">
+        <a:scrgbClr r="0" g="0" b="0"/>
+      </a:effectRef>
+      <a:fontRef idx="minor"/>
+    </dgm:style>
+  </dgm:styleLbl>
+  <dgm:styleLbl name="alignAcc1">
+    <dgm:scene3d>
+      <a:camera prst="orthographicFront"/>
+      <a:lightRig rig="threePt" dir="t"/>
+    </dgm:scene3d>
+    <dgm:sp3d/>
+    <dgm:txPr/>
+    <dgm:style>
+      <a:lnRef idx="1">
+        <a:scrgbClr r="0" g="0" b="0"/>
+      </a:lnRef>
+      <a:fillRef idx="1">
+        <a:scrgbClr r="0" g="0" b="0"/>
+      </a:fillRef>
+      <a:effectRef idx="0">
+        <a:scrgbClr r="0" g="0" b="0"/>
+      </a:effectRef>
+      <a:fontRef idx="minor"/>
+    </dgm:style>
+  </dgm:styleLbl>
+  <dgm:styleLbl name="trAlignAcc1">
+    <dgm:scene3d>
+      <a:camera prst="orthographicFront"/>
+      <a:lightRig rig="threePt" dir="t"/>
+    </dgm:scene3d>
+    <dgm:sp3d/>
+    <dgm:txPr/>
+    <dgm:style>
+      <a:lnRef idx="1">
+        <a:scrgbClr r="0" g="0" b="0"/>
+      </a:lnRef>
+      <a:fillRef idx="1">
+        <a:scrgbClr r="0" g="0" b="0"/>
+      </a:fillRef>
+      <a:effectRef idx="0">
+        <a:scrgbClr r="0" g="0" b="0"/>
+      </a:effectRef>
+      <a:fontRef idx="minor"/>
+    </dgm:style>
+  </dgm:styleLbl>
+  <dgm:styleLbl name="bgAcc1">
+    <dgm:scene3d>
+      <a:camera prst="orthographicFront"/>
+      <a:lightRig rig="threePt" dir="t"/>
+    </dgm:scene3d>
+    <dgm:sp3d/>
+    <dgm:txPr/>
+    <dgm:style>
+      <a:lnRef idx="1">
+        <a:scrgbClr r="0" g="0" b="0"/>
+      </a:lnRef>
+      <a:fillRef idx="1">
+        <a:scrgbClr r="0" g="0" b="0"/>
+      </a:fillRef>
+      <a:effectRef idx="0">
+        <a:scrgbClr r="0" g="0" b="0"/>
+      </a:effectRef>
+      <a:fontRef idx="minor"/>
+    </dgm:style>
+  </dgm:styleLbl>
+  <dgm:styleLbl name="solidFgAcc1">
+    <dgm:scene3d>
+      <a:camera prst="orthographicFront"/>
+      <a:lightRig rig="threePt" dir="t"/>
+    </dgm:scene3d>
+    <dgm:sp3d/>
+    <dgm:txPr/>
+    <dgm:style>
+      <a:lnRef idx="1">
+        <a:scrgbClr r="0" g="0" b="0"/>
+      </a:lnRef>
+      <a:fillRef idx="2">
+        <a:scrgbClr r="0" g="0" b="0"/>
+      </a:fillRef>
+      <a:effectRef idx="0">
+        <a:scrgbClr r="0" g="0" b="0"/>
+      </a:effectRef>
+      <a:fontRef idx="minor"/>
+    </dgm:style>
+  </dgm:styleLbl>
+  <dgm:styleLbl name="solidAlignAcc1">
+    <dgm:scene3d>
+      <a:camera prst="orthographicFront"/>
+      <a:lightRig rig="threePt" dir="t"/>
+    </dgm:scene3d>
+    <dgm:sp3d/>
+    <dgm:txPr/>
+    <dgm:style>
+      <a:lnRef idx="1">
+        <a:scrgbClr r="0" g="0" b="0"/>
+      </a:lnRef>
+      <a:fillRef idx="1">
+        <a:scrgbClr r="0" g="0" b="0"/>
+      </a:fillRef>
+      <a:effectRef idx="0">
+        <a:scrgbClr r="0" g="0" b="0"/>
+      </a:effectRef>
+      <a:fontRef idx="minor"/>
+    </dgm:style>
+  </dgm:styleLbl>
+  <dgm:styleLbl name="solidBgAcc1">
+    <dgm:scene3d>
+      <a:camera prst="orthographicFront"/>
+      <a:lightRig rig="threePt" dir="t"/>
+    </dgm:scene3d>
+    <dgm:sp3d/>
+    <dgm:txPr/>
+    <dgm:style>
+      <a:lnRef idx="1">
+        <a:scrgbClr r="0" g="0" b="0"/>
+      </a:lnRef>
+      <a:fillRef idx="1">
+        <a:scrgbClr r="0" g="0" b="0"/>
+      </a:fillRef>
+      <a:effectRef idx="0">
+        <a:scrgbClr r="0" g="0" b="0"/>
+      </a:effectRef>
+      <a:fontRef idx="minor"/>
+    </dgm:style>
+  </dgm:styleLbl>
+  <dgm:styleLbl name="fgAccFollowNode1">
+    <dgm:scene3d>
+      <a:camera prst="orthographicFront"/>
+      <a:lightRig rig="threePt" dir="t"/>
+    </dgm:scene3d>
+    <dgm:sp3d/>
+    <dgm:txPr/>
+    <dgm:style>
+      <a:lnRef idx="1">
+        <a:scrgbClr r="0" g="0" b="0"/>
+      </a:lnRef>
+      <a:fillRef idx="1">
+        <a:scrgbClr r="0" g="0" b="0"/>
+      </a:fillRef>
+      <a:effectRef idx="0">
+        <a:scrgbClr r="0" g="0" b="0"/>
+      </a:effectRef>
+      <a:fontRef idx="minor"/>
+    </dgm:style>
+  </dgm:styleLbl>
+  <dgm:styleLbl name="alignAccFollowNode1">
+    <dgm:scene3d>
+      <a:camera prst="orthographicFront"/>
+      <a:lightRig rig="threePt" dir="t"/>
+    </dgm:scene3d>
+    <dgm:sp3d/>
+    <dgm:txPr/>
+    <dgm:style>
+      <a:lnRef idx="1">
+        <a:scrgbClr r="0" g="0" b="0"/>
+      </a:lnRef>
+      <a:fillRef idx="1">
+        <a:scrgbClr r="0" g="0" b="0"/>
+      </a:fillRef>
+      <a:effectRef idx="0">
+        <a:scrgbClr r="0" g="0" b="0"/>
+      </a:effectRef>
+      <a:fontRef idx="minor"/>
+    </dgm:style>
+  </dgm:styleLbl>
+  <dgm:styleLbl name="bgAccFollowNode1">
+    <dgm:scene3d>
+      <a:camera prst="orthographicFront"/>
+      <a:lightRig rig="threePt" dir="t"/>
+    </dgm:scene3d>
+    <dgm:sp3d/>
+    <dgm:txPr/>
+    <dgm:style>
+      <a:lnRef idx="1">
+        <a:scrgbClr r="0" g="0" b="0"/>
+      </a:lnRef>
+      <a:fillRef idx="1">
+        <a:scrgbClr r="0" g="0" b="0"/>
+      </a:fillRef>
+      <a:effectRef idx="0">
+        <a:scrgbClr r="0" g="0" b="0"/>
+      </a:effectRef>
+      <a:fontRef idx="minor"/>
+    </dgm:style>
+  </dgm:styleLbl>
+  <dgm:styleLbl name="fgAcc0">
+    <dgm:scene3d>
+      <a:camera prst="orthographicFront"/>
+      <a:lightRig rig="threePt" dir="t"/>
+    </dgm:scene3d>
+    <dgm:sp3d/>
+    <dgm:txPr/>
+    <dgm:style>
+      <a:lnRef idx="1">
+        <a:scrgbClr r="0" g="0" b="0"/>
+      </a:lnRef>
+      <a:fillRef idx="1">
+        <a:scrgbClr r="0" g="0" b="0"/>
+      </a:fillRef>
+      <a:effectRef idx="0">
+        <a:scrgbClr r="0" g="0" b="0"/>
+      </a:effectRef>
+      <a:fontRef idx="minor"/>
+    </dgm:style>
+  </dgm:styleLbl>
+  <dgm:styleLbl name="fgAcc2">
+    <dgm:scene3d>
+      <a:camera prst="orthographicFront"/>
+      <a:lightRig rig="threePt" dir="t"/>
+    </dgm:scene3d>
+    <dgm:sp3d/>
+    <dgm:txPr/>
+    <dgm:style>
+      <a:lnRef idx="1">
+        <a:scrgbClr r="0" g="0" b="0"/>
+      </a:lnRef>
+      <a:fillRef idx="1">
+        <a:scrgbClr r="0" g="0" b="0"/>
+      </a:fillRef>
+      <a:effectRef idx="0">
+        <a:scrgbClr r="0" g="0" b="0"/>
+      </a:effectRef>
+      <a:fontRef idx="minor"/>
+    </dgm:style>
+  </dgm:styleLbl>
+  <dgm:styleLbl name="fgAcc3">
+    <dgm:scene3d>
+      <a:camera prst="orthographicFront"/>
+      <a:lightRig rig="threePt" dir="t"/>
+    </dgm:scene3d>
+    <dgm:sp3d/>
+    <dgm:txPr/>
+    <dgm:style>
+      <a:lnRef idx="1">
+        <a:scrgbClr r="0" g="0" b="0"/>
+      </a:lnRef>
+      <a:fillRef idx="1">
+        <a:scrgbClr r="0" g="0" b="0"/>
+      </a:fillRef>
+      <a:effectRef idx="0">
+        <a:scrgbClr r="0" g="0" b="0"/>
+      </a:effectRef>
+      <a:fontRef idx="minor"/>
+    </dgm:style>
+  </dgm:styleLbl>
+  <dgm:styleLbl name="fgAcc4">
+    <dgm:scene3d>
+      <a:camera prst="orthographicFront"/>
+      <a:lightRig rig="threePt" dir="t"/>
+    </dgm:scene3d>
+    <dgm:sp3d/>
+    <dgm:txPr/>
+    <dgm:style>
+      <a:lnRef idx="1">
+        <a:scrgbClr r="0" g="0" b="0"/>
+      </a:lnRef>
+      <a:fillRef idx="1">
+        <a:scrgbClr r="0" g="0" b="0"/>
+      </a:fillRef>
+      <a:effectRef idx="0">
+        <a:scrgbClr r="0" g="0" b="0"/>
+      </a:effectRef>
+      <a:fontRef idx="minor"/>
+    </dgm:style>
+  </dgm:styleLbl>
+  <dgm:styleLbl name="bgShp">
+    <dgm:scene3d>
+      <a:camera prst="orthographicFront"/>
+      <a:lightRig rig="threePt" dir="t"/>
+    </dgm:scene3d>
+    <dgm:sp3d/>
+    <dgm:txPr/>
+    <dgm:style>
+      <a:lnRef idx="0">
+        <a:scrgbClr r="0" g="0" b="0"/>
+      </a:lnRef>
+      <a:fillRef idx="1">
+        <a:scrgbClr r="0" g="0" b="0"/>
+      </a:fillRef>
+      <a:effectRef idx="1">
+        <a:scrgbClr r="0" g="0" b="0"/>
+      </a:effectRef>
+      <a:fontRef idx="minor"/>
+    </dgm:style>
+  </dgm:styleLbl>
+  <dgm:styleLbl name="dkBgShp">
+    <dgm:scene3d>
+      <a:camera prst="orthographicFront"/>
+      <a:lightRig rig="threePt" dir="t"/>
+    </dgm:scene3d>
+    <dgm:sp3d/>
+    <dgm:txPr/>
+    <dgm:style>
+      <a:lnRef idx="0">
+        <a:scrgbClr r="0" g="0" b="0"/>
+      </a:lnRef>
+      <a:fillRef idx="1">
+        <a:scrgbClr r="0" g="0" b="0"/>
+      </a:fillRef>
+      <a:effectRef idx="1">
+        <a:scrgbClr r="0" g="0" b="0"/>
+      </a:effectRef>
+      <a:fontRef idx="minor"/>
+    </dgm:style>
+  </dgm:styleLbl>
+  <dgm:styleLbl name="trBgShp">
+    <dgm:scene3d>
+      <a:camera prst="orthographicFront"/>
+      <a:lightRig rig="threePt" dir="t"/>
+    </dgm:scene3d>
+    <dgm:sp3d/>
+    <dgm:txPr/>
+    <dgm:style>
+      <a:lnRef idx="0">
+        <a:scrgbClr r="0" g="0" b="0"/>
+      </a:lnRef>
+      <a:fillRef idx="1">
+        <a:scrgbClr r="0" g="0" b="0"/>
+      </a:fillRef>
+      <a:effectRef idx="0">
+        <a:scrgbClr r="0" g="0" b="0"/>
+      </a:effectRef>
+      <a:fontRef idx="minor"/>
+    </dgm:style>
+  </dgm:styleLbl>
+  <dgm:styleLbl name="fgShp">
+    <dgm:scene3d>
+      <a:camera prst="orthographicFront"/>
+      <a:lightRig rig="flat" dir="t"/>
+    </dgm:scene3d>
+    <dgm:sp3d prstMaterial="dkEdge">
+      <a:bevelT w="8200" h="38100"/>
+    </dgm:sp3d>
+    <dgm:txPr/>
+    <dgm:style>
+      <a:lnRef idx="1">
+        <a:scrgbClr r="0" g="0" b="0"/>
+      </a:lnRef>
+      <a:fillRef idx="2">
+        <a:scrgbClr r="0" g="0" b="0"/>
+      </a:fillRef>
+      <a:effectRef idx="1">
+        <a:scrgbClr r="0" g="0" b="0"/>
+      </a:effectRef>
+      <a:fontRef idx="minor"/>
+    </dgm:style>
+  </dgm:styleLbl>
+  <dgm:styleLbl name="revTx">
+    <dgm:scene3d>
+      <a:camera prst="orthographicFront"/>
+      <a:lightRig rig="threePt" dir="t"/>
+    </dgm:scene3d>
+    <dgm:sp3d/>
+    <dgm:txPr/>
+    <dgm:style>
+      <a:lnRef idx="0">
+        <a:scrgbClr r="0" g="0" b="0"/>
+      </a:lnRef>
+      <a:fillRef idx="0">
+        <a:scrgbClr r="0" g="0" b="0"/>
+      </a:fillRef>
+      <a:effectRef idx="0">
+        <a:scrgbClr r="0" g="0" b="0"/>
+      </a:effectRef>
+      <a:fontRef idx="minor"/>
+    </dgm:style>
+  </dgm:styleLbl>
+</dgm:styleDef>
 </file>
 
 <file path=ppt/handoutMasters/handoutMaster1.xml><?xml version="1.0" encoding="utf-8"?>
@@ -897,6 +5564,418 @@
 </p:notes>
 </file>
 
+<file path=ppt/notesSlides/notesSlide10.xml><?xml version="1.0" encoding="utf-8"?>
+<p:notes xmlns:a="http://schemas.openxmlformats.org/drawingml/2006/main" xmlns:r="http://schemas.openxmlformats.org/officeDocument/2006/relationships" xmlns:p="http://schemas.openxmlformats.org/presentationml/2006/main">
+  <p:cSld>
+    <p:spTree>
+      <p:nvGrpSpPr>
+        <p:cNvPr id="1" name=""/>
+        <p:cNvGrpSpPr/>
+        <p:nvPr/>
+      </p:nvGrpSpPr>
+      <p:grpSpPr>
+        <a:xfrm>
+          <a:off x="0" y="0"/>
+          <a:ext cx="0" cy="0"/>
+          <a:chOff x="0" y="0"/>
+          <a:chExt cx="0" cy="0"/>
+        </a:xfrm>
+      </p:grpSpPr>
+      <p:sp>
+        <p:nvSpPr>
+          <p:cNvPr id="2" name="Folienbildplatzhalter 1"/>
+          <p:cNvSpPr>
+            <a:spLocks noGrp="1" noRot="1" noChangeAspect="1"/>
+          </p:cNvSpPr>
+          <p:nvPr>
+            <p:ph type="sldImg"/>
+          </p:nvPr>
+        </p:nvSpPr>
+        <p:spPr/>
+      </p:sp>
+      <p:sp>
+        <p:nvSpPr>
+          <p:cNvPr id="3" name="Notizenplatzhalter 2"/>
+          <p:cNvSpPr>
+            <a:spLocks noGrp="1"/>
+          </p:cNvSpPr>
+          <p:nvPr>
+            <p:ph type="body" idx="1"/>
+          </p:nvPr>
+        </p:nvSpPr>
+        <p:spPr/>
+        <p:txBody>
+          <a:bodyPr>
+            <a:normAutofit/>
+          </a:bodyPr>
+          <a:lstStyle/>
+          <a:p>
+            <a:endParaRPr lang="de-DE" dirty="0"/>
+          </a:p>
+        </p:txBody>
+      </p:sp>
+      <p:sp>
+        <p:nvSpPr>
+          <p:cNvPr id="4" name="Foliennummernplatzhalter 3"/>
+          <p:cNvSpPr>
+            <a:spLocks noGrp="1"/>
+          </p:cNvSpPr>
+          <p:nvPr>
+            <p:ph type="sldNum" sz="quarter" idx="10"/>
+          </p:nvPr>
+        </p:nvSpPr>
+        <p:spPr/>
+        <p:txBody>
+          <a:bodyPr/>
+          <a:lstStyle/>
+          <a:p>
+            <a:fld id="{A8D0068F-0A1E-4566-8068-BF0F15B844D2}" type="slidenum">
+              <a:rPr lang="de-DE" smtClean="0"/>
+              <a:pPr/>
+              <a:t>10</a:t>
+            </a:fld>
+            <a:endParaRPr lang="de-DE"/>
+          </a:p>
+        </p:txBody>
+      </p:sp>
+    </p:spTree>
+  </p:cSld>
+  <p:clrMapOvr>
+    <a:masterClrMapping/>
+  </p:clrMapOvr>
+</p:notes>
+</file>
+
+<file path=ppt/notesSlides/notesSlide11.xml><?xml version="1.0" encoding="utf-8"?>
+<p:notes xmlns:a="http://schemas.openxmlformats.org/drawingml/2006/main" xmlns:r="http://schemas.openxmlformats.org/officeDocument/2006/relationships" xmlns:p="http://schemas.openxmlformats.org/presentationml/2006/main">
+  <p:cSld>
+    <p:spTree>
+      <p:nvGrpSpPr>
+        <p:cNvPr id="1" name=""/>
+        <p:cNvGrpSpPr/>
+        <p:nvPr/>
+      </p:nvGrpSpPr>
+      <p:grpSpPr>
+        <a:xfrm>
+          <a:off x="0" y="0"/>
+          <a:ext cx="0" cy="0"/>
+          <a:chOff x="0" y="0"/>
+          <a:chExt cx="0" cy="0"/>
+        </a:xfrm>
+      </p:grpSpPr>
+      <p:sp>
+        <p:nvSpPr>
+          <p:cNvPr id="2" name="Folienbildplatzhalter 1"/>
+          <p:cNvSpPr>
+            <a:spLocks noGrp="1" noRot="1" noChangeAspect="1"/>
+          </p:cNvSpPr>
+          <p:nvPr>
+            <p:ph type="sldImg"/>
+          </p:nvPr>
+        </p:nvSpPr>
+        <p:spPr/>
+      </p:sp>
+      <p:sp>
+        <p:nvSpPr>
+          <p:cNvPr id="3" name="Notizenplatzhalter 2"/>
+          <p:cNvSpPr>
+            <a:spLocks noGrp="1"/>
+          </p:cNvSpPr>
+          <p:nvPr>
+            <p:ph type="body" idx="1"/>
+          </p:nvPr>
+        </p:nvSpPr>
+        <p:spPr/>
+        <p:txBody>
+          <a:bodyPr>
+            <a:normAutofit/>
+          </a:bodyPr>
+          <a:lstStyle/>
+          <a:p>
+            <a:endParaRPr lang="de-DE" dirty="0"/>
+          </a:p>
+        </p:txBody>
+      </p:sp>
+      <p:sp>
+        <p:nvSpPr>
+          <p:cNvPr id="4" name="Foliennummernplatzhalter 3"/>
+          <p:cNvSpPr>
+            <a:spLocks noGrp="1"/>
+          </p:cNvSpPr>
+          <p:nvPr>
+            <p:ph type="sldNum" sz="quarter" idx="10"/>
+          </p:nvPr>
+        </p:nvSpPr>
+        <p:spPr/>
+        <p:txBody>
+          <a:bodyPr/>
+          <a:lstStyle/>
+          <a:p>
+            <a:fld id="{A8D0068F-0A1E-4566-8068-BF0F15B844D2}" type="slidenum">
+              <a:rPr lang="de-DE" smtClean="0"/>
+              <a:pPr/>
+              <a:t>11</a:t>
+            </a:fld>
+            <a:endParaRPr lang="de-DE"/>
+          </a:p>
+        </p:txBody>
+      </p:sp>
+    </p:spTree>
+  </p:cSld>
+  <p:clrMapOvr>
+    <a:masterClrMapping/>
+  </p:clrMapOvr>
+</p:notes>
+</file>
+
+<file path=ppt/notesSlides/notesSlide12.xml><?xml version="1.0" encoding="utf-8"?>
+<p:notes xmlns:a="http://schemas.openxmlformats.org/drawingml/2006/main" xmlns:r="http://schemas.openxmlformats.org/officeDocument/2006/relationships" xmlns:p="http://schemas.openxmlformats.org/presentationml/2006/main">
+  <p:cSld>
+    <p:spTree>
+      <p:nvGrpSpPr>
+        <p:cNvPr id="1" name=""/>
+        <p:cNvGrpSpPr/>
+        <p:nvPr/>
+      </p:nvGrpSpPr>
+      <p:grpSpPr>
+        <a:xfrm>
+          <a:off x="0" y="0"/>
+          <a:ext cx="0" cy="0"/>
+          <a:chOff x="0" y="0"/>
+          <a:chExt cx="0" cy="0"/>
+        </a:xfrm>
+      </p:grpSpPr>
+      <p:sp>
+        <p:nvSpPr>
+          <p:cNvPr id="7" name="Rectangle 7"/>
+          <p:cNvSpPr>
+            <a:spLocks noGrp="1" noChangeArrowheads="1"/>
+          </p:cNvSpPr>
+          <p:nvPr>
+            <p:ph type="sldNum" sz="quarter" idx="5"/>
+          </p:nvPr>
+        </p:nvSpPr>
+        <p:spPr>
+          <a:ln/>
+        </p:spPr>
+        <p:txBody>
+          <a:bodyPr/>
+          <a:lstStyle/>
+          <a:p>
+            <a:fld id="{53EF9097-0A76-4396-87AC-3BDA4F5A0772}" type="slidenum">
+              <a:rPr lang="de-DE"/>
+              <a:pPr/>
+              <a:t>12</a:t>
+            </a:fld>
+            <a:endParaRPr lang="de-DE"/>
+          </a:p>
+        </p:txBody>
+      </p:sp>
+      <p:sp>
+        <p:nvSpPr>
+          <p:cNvPr id="8771586" name="Rectangle 2"/>
+          <p:cNvSpPr>
+            <a:spLocks noGrp="1" noRot="1" noChangeAspect="1" noChangeArrowheads="1" noTextEdit="1"/>
+          </p:cNvSpPr>
+          <p:nvPr>
+            <p:ph type="sldImg"/>
+          </p:nvPr>
+        </p:nvSpPr>
+        <p:spPr>
+          <a:ln/>
+        </p:spPr>
+      </p:sp>
+      <p:sp>
+        <p:nvSpPr>
+          <p:cNvPr id="8771587" name="Rectangle 3"/>
+          <p:cNvSpPr>
+            <a:spLocks noGrp="1" noChangeArrowheads="1"/>
+          </p:cNvSpPr>
+          <p:nvPr>
+            <p:ph type="body" idx="1"/>
+          </p:nvPr>
+        </p:nvSpPr>
+        <p:spPr/>
+        <p:txBody>
+          <a:bodyPr/>
+          <a:lstStyle/>
+          <a:p>
+            <a:endParaRPr lang="de-DE" dirty="0"/>
+          </a:p>
+        </p:txBody>
+      </p:sp>
+    </p:spTree>
+  </p:cSld>
+  <p:clrMapOvr>
+    <a:masterClrMapping/>
+  </p:clrMapOvr>
+</p:notes>
+</file>
+
+<file path=ppt/notesSlides/notesSlide13.xml><?xml version="1.0" encoding="utf-8"?>
+<p:notes xmlns:a="http://schemas.openxmlformats.org/drawingml/2006/main" xmlns:r="http://schemas.openxmlformats.org/officeDocument/2006/relationships" xmlns:p="http://schemas.openxmlformats.org/presentationml/2006/main">
+  <p:cSld>
+    <p:spTree>
+      <p:nvGrpSpPr>
+        <p:cNvPr id="1" name=""/>
+        <p:cNvGrpSpPr/>
+        <p:nvPr/>
+      </p:nvGrpSpPr>
+      <p:grpSpPr>
+        <a:xfrm>
+          <a:off x="0" y="0"/>
+          <a:ext cx="0" cy="0"/>
+          <a:chOff x="0" y="0"/>
+          <a:chExt cx="0" cy="0"/>
+        </a:xfrm>
+      </p:grpSpPr>
+      <p:sp>
+        <p:nvSpPr>
+          <p:cNvPr id="2" name="Folienbildplatzhalter 1"/>
+          <p:cNvSpPr>
+            <a:spLocks noGrp="1" noRot="1" noChangeAspect="1"/>
+          </p:cNvSpPr>
+          <p:nvPr>
+            <p:ph type="sldImg"/>
+          </p:nvPr>
+        </p:nvSpPr>
+        <p:spPr/>
+      </p:sp>
+      <p:sp>
+        <p:nvSpPr>
+          <p:cNvPr id="3" name="Notizenplatzhalter 2"/>
+          <p:cNvSpPr>
+            <a:spLocks noGrp="1"/>
+          </p:cNvSpPr>
+          <p:nvPr>
+            <p:ph type="body" idx="1"/>
+          </p:nvPr>
+        </p:nvSpPr>
+        <p:spPr/>
+        <p:txBody>
+          <a:bodyPr>
+            <a:normAutofit/>
+          </a:bodyPr>
+          <a:lstStyle/>
+          <a:p>
+            <a:endParaRPr lang="de-DE" dirty="0"/>
+          </a:p>
+        </p:txBody>
+      </p:sp>
+      <p:sp>
+        <p:nvSpPr>
+          <p:cNvPr id="4" name="Foliennummernplatzhalter 3"/>
+          <p:cNvSpPr>
+            <a:spLocks noGrp="1"/>
+          </p:cNvSpPr>
+          <p:nvPr>
+            <p:ph type="sldNum" sz="quarter" idx="10"/>
+          </p:nvPr>
+        </p:nvSpPr>
+        <p:spPr/>
+        <p:txBody>
+          <a:bodyPr/>
+          <a:lstStyle/>
+          <a:p>
+            <a:fld id="{A8D0068F-0A1E-4566-8068-BF0F15B844D2}" type="slidenum">
+              <a:rPr lang="de-DE" smtClean="0"/>
+              <a:pPr/>
+              <a:t>13</a:t>
+            </a:fld>
+            <a:endParaRPr lang="de-DE"/>
+          </a:p>
+        </p:txBody>
+      </p:sp>
+    </p:spTree>
+  </p:cSld>
+  <p:clrMapOvr>
+    <a:masterClrMapping/>
+  </p:clrMapOvr>
+</p:notes>
+</file>
+
+<file path=ppt/notesSlides/notesSlide14.xml><?xml version="1.0" encoding="utf-8"?>
+<p:notes xmlns:a="http://schemas.openxmlformats.org/drawingml/2006/main" xmlns:r="http://schemas.openxmlformats.org/officeDocument/2006/relationships" xmlns:p="http://schemas.openxmlformats.org/presentationml/2006/main">
+  <p:cSld>
+    <p:spTree>
+      <p:nvGrpSpPr>
+        <p:cNvPr id="1" name=""/>
+        <p:cNvGrpSpPr/>
+        <p:nvPr/>
+      </p:nvGrpSpPr>
+      <p:grpSpPr>
+        <a:xfrm>
+          <a:off x="0" y="0"/>
+          <a:ext cx="0" cy="0"/>
+          <a:chOff x="0" y="0"/>
+          <a:chExt cx="0" cy="0"/>
+        </a:xfrm>
+      </p:grpSpPr>
+      <p:sp>
+        <p:nvSpPr>
+          <p:cNvPr id="2" name="Folienbildplatzhalter 1"/>
+          <p:cNvSpPr>
+            <a:spLocks noGrp="1" noRot="1" noChangeAspect="1"/>
+          </p:cNvSpPr>
+          <p:nvPr>
+            <p:ph type="sldImg"/>
+          </p:nvPr>
+        </p:nvSpPr>
+        <p:spPr/>
+      </p:sp>
+      <p:sp>
+        <p:nvSpPr>
+          <p:cNvPr id="3" name="Notizenplatzhalter 2"/>
+          <p:cNvSpPr>
+            <a:spLocks noGrp="1"/>
+          </p:cNvSpPr>
+          <p:nvPr>
+            <p:ph type="body" idx="1"/>
+          </p:nvPr>
+        </p:nvSpPr>
+        <p:spPr/>
+        <p:txBody>
+          <a:bodyPr>
+            <a:normAutofit/>
+          </a:bodyPr>
+          <a:lstStyle/>
+          <a:p>
+            <a:endParaRPr lang="de-DE" dirty="0"/>
+          </a:p>
+        </p:txBody>
+      </p:sp>
+      <p:sp>
+        <p:nvSpPr>
+          <p:cNvPr id="4" name="Foliennummernplatzhalter 3"/>
+          <p:cNvSpPr>
+            <a:spLocks noGrp="1"/>
+          </p:cNvSpPr>
+          <p:nvPr>
+            <p:ph type="sldNum" sz="quarter" idx="10"/>
+          </p:nvPr>
+        </p:nvSpPr>
+        <p:spPr/>
+        <p:txBody>
+          <a:bodyPr/>
+          <a:lstStyle/>
+          <a:p>
+            <a:fld id="{A8D0068F-0A1E-4566-8068-BF0F15B844D2}" type="slidenum">
+              <a:rPr lang="de-DE" smtClean="0"/>
+              <a:pPr/>
+              <a:t>14</a:t>
+            </a:fld>
+            <a:endParaRPr lang="de-DE"/>
+          </a:p>
+        </p:txBody>
+      </p:sp>
+    </p:spTree>
+  </p:cSld>
+  <p:clrMapOvr>
+    <a:masterClrMapping/>
+  </p:clrMapOvr>
+</p:notes>
+</file>
+
 <file path=ppt/notesSlides/notesSlide2.xml><?xml version="1.0" encoding="utf-8"?>
 <p:notes xmlns:a="http://schemas.openxmlformats.org/drawingml/2006/main" xmlns:r="http://schemas.openxmlformats.org/officeDocument/2006/relationships" xmlns:p="http://schemas.openxmlformats.org/presentationml/2006/main">
   <p:cSld>
@@ -1132,6 +6211,479 @@
               <a:rPr lang="de-DE" smtClean="0"/>
               <a:pPr/>
               <a:t>4</a:t>
+            </a:fld>
+            <a:endParaRPr lang="de-DE"/>
+          </a:p>
+        </p:txBody>
+      </p:sp>
+    </p:spTree>
+  </p:cSld>
+  <p:clrMapOvr>
+    <a:masterClrMapping/>
+  </p:clrMapOvr>
+</p:notes>
+</file>
+
+<file path=ppt/notesSlides/notesSlide5.xml><?xml version="1.0" encoding="utf-8"?>
+<p:notes xmlns:a="http://schemas.openxmlformats.org/drawingml/2006/main" xmlns:r="http://schemas.openxmlformats.org/officeDocument/2006/relationships" xmlns:p="http://schemas.openxmlformats.org/presentationml/2006/main">
+  <p:cSld>
+    <p:spTree>
+      <p:nvGrpSpPr>
+        <p:cNvPr id="1" name=""/>
+        <p:cNvGrpSpPr/>
+        <p:nvPr/>
+      </p:nvGrpSpPr>
+      <p:grpSpPr>
+        <a:xfrm>
+          <a:off x="0" y="0"/>
+          <a:ext cx="0" cy="0"/>
+          <a:chOff x="0" y="0"/>
+          <a:chExt cx="0" cy="0"/>
+        </a:xfrm>
+      </p:grpSpPr>
+      <p:sp>
+        <p:nvSpPr>
+          <p:cNvPr id="2" name="Folienbildplatzhalter 1"/>
+          <p:cNvSpPr>
+            <a:spLocks noGrp="1" noRot="1" noChangeAspect="1"/>
+          </p:cNvSpPr>
+          <p:nvPr>
+            <p:ph type="sldImg"/>
+          </p:nvPr>
+        </p:nvSpPr>
+        <p:spPr/>
+      </p:sp>
+      <p:sp>
+        <p:nvSpPr>
+          <p:cNvPr id="3" name="Notizenplatzhalter 2"/>
+          <p:cNvSpPr>
+            <a:spLocks noGrp="1"/>
+          </p:cNvSpPr>
+          <p:nvPr>
+            <p:ph type="body" idx="1"/>
+          </p:nvPr>
+        </p:nvSpPr>
+        <p:spPr/>
+        <p:txBody>
+          <a:bodyPr>
+            <a:normAutofit/>
+          </a:bodyPr>
+          <a:lstStyle/>
+          <a:p>
+            <a:endParaRPr lang="de-DE" dirty="0"/>
+          </a:p>
+        </p:txBody>
+      </p:sp>
+      <p:sp>
+        <p:nvSpPr>
+          <p:cNvPr id="4" name="Foliennummernplatzhalter 3"/>
+          <p:cNvSpPr>
+            <a:spLocks noGrp="1"/>
+          </p:cNvSpPr>
+          <p:nvPr>
+            <p:ph type="sldNum" sz="quarter" idx="10"/>
+          </p:nvPr>
+        </p:nvSpPr>
+        <p:spPr/>
+        <p:txBody>
+          <a:bodyPr/>
+          <a:lstStyle/>
+          <a:p>
+            <a:fld id="{A8D0068F-0A1E-4566-8068-BF0F15B844D2}" type="slidenum">
+              <a:rPr lang="de-DE" smtClean="0"/>
+              <a:pPr/>
+              <a:t>5</a:t>
+            </a:fld>
+            <a:endParaRPr lang="de-DE"/>
+          </a:p>
+        </p:txBody>
+      </p:sp>
+    </p:spTree>
+  </p:cSld>
+  <p:clrMapOvr>
+    <a:masterClrMapping/>
+  </p:clrMapOvr>
+</p:notes>
+</file>
+
+<file path=ppt/notesSlides/notesSlide6.xml><?xml version="1.0" encoding="utf-8"?>
+<p:notes xmlns:a="http://schemas.openxmlformats.org/drawingml/2006/main" xmlns:r="http://schemas.openxmlformats.org/officeDocument/2006/relationships" xmlns:p="http://schemas.openxmlformats.org/presentationml/2006/main">
+  <p:cSld>
+    <p:spTree>
+      <p:nvGrpSpPr>
+        <p:cNvPr id="1" name=""/>
+        <p:cNvGrpSpPr/>
+        <p:nvPr/>
+      </p:nvGrpSpPr>
+      <p:grpSpPr>
+        <a:xfrm>
+          <a:off x="0" y="0"/>
+          <a:ext cx="0" cy="0"/>
+          <a:chOff x="0" y="0"/>
+          <a:chExt cx="0" cy="0"/>
+        </a:xfrm>
+      </p:grpSpPr>
+      <p:sp>
+        <p:nvSpPr>
+          <p:cNvPr id="7" name="Rectangle 7"/>
+          <p:cNvSpPr>
+            <a:spLocks noGrp="1" noChangeArrowheads="1"/>
+          </p:cNvSpPr>
+          <p:nvPr>
+            <p:ph type="sldNum" sz="quarter" idx="5"/>
+          </p:nvPr>
+        </p:nvSpPr>
+        <p:spPr>
+          <a:ln/>
+        </p:spPr>
+        <p:txBody>
+          <a:bodyPr/>
+          <a:lstStyle/>
+          <a:p>
+            <a:fld id="{53EF9097-0A76-4396-87AC-3BDA4F5A0772}" type="slidenum">
+              <a:rPr lang="de-DE"/>
+              <a:pPr/>
+              <a:t>6</a:t>
+            </a:fld>
+            <a:endParaRPr lang="de-DE"/>
+          </a:p>
+        </p:txBody>
+      </p:sp>
+      <p:sp>
+        <p:nvSpPr>
+          <p:cNvPr id="8771586" name="Rectangle 2"/>
+          <p:cNvSpPr>
+            <a:spLocks noGrp="1" noRot="1" noChangeAspect="1" noChangeArrowheads="1" noTextEdit="1"/>
+          </p:cNvSpPr>
+          <p:nvPr>
+            <p:ph type="sldImg"/>
+          </p:nvPr>
+        </p:nvSpPr>
+        <p:spPr>
+          <a:ln/>
+        </p:spPr>
+      </p:sp>
+      <p:sp>
+        <p:nvSpPr>
+          <p:cNvPr id="8771587" name="Rectangle 3"/>
+          <p:cNvSpPr>
+            <a:spLocks noGrp="1" noChangeArrowheads="1"/>
+          </p:cNvSpPr>
+          <p:nvPr>
+            <p:ph type="body" idx="1"/>
+          </p:nvPr>
+        </p:nvSpPr>
+        <p:spPr/>
+        <p:txBody>
+          <a:bodyPr/>
+          <a:lstStyle/>
+          <a:p>
+            <a:r>
+              <a:rPr lang="de-DE" dirty="0" smtClean="0"/>
+              <a:t>3-SchichtenModel</a:t>
+            </a:r>
+          </a:p>
+          <a:p>
+            <a:endParaRPr lang="de-DE" dirty="0" smtClean="0"/>
+          </a:p>
+          <a:p>
+            <a:r>
+              <a:rPr lang="de-DE" dirty="0" smtClean="0"/>
+              <a:t>Frontend: GUI – Übernimmt</a:t>
+            </a:r>
+            <a:r>
+              <a:rPr lang="de-DE" baseline="0" dirty="0" smtClean="0"/>
+              <a:t> anzeige der verschiedenen </a:t>
+            </a:r>
+            <a:r>
+              <a:rPr lang="de-DE" baseline="0" dirty="0" err="1" smtClean="0"/>
+              <a:t>Seitenfür</a:t>
+            </a:r>
+            <a:r>
+              <a:rPr lang="de-DE" baseline="0" dirty="0" smtClean="0"/>
+              <a:t> In- und Output (z.B. Bestätigungsseite, Erstellung von Produkten,…)</a:t>
+            </a:r>
+          </a:p>
+          <a:p>
+            <a:r>
+              <a:rPr lang="de-DE" dirty="0" smtClean="0"/>
+              <a:t>Backend: Logik</a:t>
+            </a:r>
+            <a:r>
+              <a:rPr lang="de-DE" baseline="0" dirty="0" smtClean="0"/>
+              <a:t> – funktionaler Ablauf des Programmes, besteht aus den Komponenten Angebot, Rechnung, Produkt, Nutzer, Kunde, Anschrift,.. </a:t>
+            </a:r>
+          </a:p>
+          <a:p>
+            <a:r>
+              <a:rPr lang="de-DE" baseline="0" dirty="0" smtClean="0"/>
+              <a:t>Backend: DB – </a:t>
+            </a:r>
+            <a:r>
+              <a:rPr lang="de-DE" baseline="0" dirty="0" err="1" smtClean="0"/>
+              <a:t>speicher</a:t>
+            </a:r>
+            <a:r>
+              <a:rPr lang="de-DE" baseline="0" dirty="0" smtClean="0"/>
+              <a:t> </a:t>
+            </a:r>
+            <a:r>
+              <a:rPr lang="de-DE" baseline="0" dirty="0" err="1" smtClean="0"/>
+              <a:t>verwaltung</a:t>
+            </a:r>
+            <a:r>
+              <a:rPr lang="de-DE" baseline="0" dirty="0" smtClean="0"/>
+              <a:t> wo sich alle </a:t>
+            </a:r>
+            <a:r>
+              <a:rPr lang="de-DE" baseline="0" smtClean="0"/>
+              <a:t>Daten befindet</a:t>
+            </a:r>
+            <a:endParaRPr lang="de-DE" dirty="0"/>
+          </a:p>
+        </p:txBody>
+      </p:sp>
+    </p:spTree>
+  </p:cSld>
+  <p:clrMapOvr>
+    <a:masterClrMapping/>
+  </p:clrMapOvr>
+</p:notes>
+</file>
+
+<file path=ppt/notesSlides/notesSlide7.xml><?xml version="1.0" encoding="utf-8"?>
+<p:notes xmlns:a="http://schemas.openxmlformats.org/drawingml/2006/main" xmlns:r="http://schemas.openxmlformats.org/officeDocument/2006/relationships" xmlns:p="http://schemas.openxmlformats.org/presentationml/2006/main">
+  <p:cSld>
+    <p:spTree>
+      <p:nvGrpSpPr>
+        <p:cNvPr id="1" name=""/>
+        <p:cNvGrpSpPr/>
+        <p:nvPr/>
+      </p:nvGrpSpPr>
+      <p:grpSpPr>
+        <a:xfrm>
+          <a:off x="0" y="0"/>
+          <a:ext cx="0" cy="0"/>
+          <a:chOff x="0" y="0"/>
+          <a:chExt cx="0" cy="0"/>
+        </a:xfrm>
+      </p:grpSpPr>
+      <p:sp>
+        <p:nvSpPr>
+          <p:cNvPr id="2" name="Folienbildplatzhalter 1"/>
+          <p:cNvSpPr>
+            <a:spLocks noGrp="1" noRot="1" noChangeAspect="1"/>
+          </p:cNvSpPr>
+          <p:nvPr>
+            <p:ph type="sldImg"/>
+          </p:nvPr>
+        </p:nvSpPr>
+        <p:spPr/>
+      </p:sp>
+      <p:sp>
+        <p:nvSpPr>
+          <p:cNvPr id="3" name="Notizenplatzhalter 2"/>
+          <p:cNvSpPr>
+            <a:spLocks noGrp="1"/>
+          </p:cNvSpPr>
+          <p:nvPr>
+            <p:ph type="body" idx="1"/>
+          </p:nvPr>
+        </p:nvSpPr>
+        <p:spPr/>
+        <p:txBody>
+          <a:bodyPr>
+            <a:normAutofit/>
+          </a:bodyPr>
+          <a:lstStyle/>
+          <a:p>
+            <a:endParaRPr lang="de-DE" dirty="0"/>
+          </a:p>
+        </p:txBody>
+      </p:sp>
+      <p:sp>
+        <p:nvSpPr>
+          <p:cNvPr id="4" name="Foliennummernplatzhalter 3"/>
+          <p:cNvSpPr>
+            <a:spLocks noGrp="1"/>
+          </p:cNvSpPr>
+          <p:nvPr>
+            <p:ph type="sldNum" sz="quarter" idx="10"/>
+          </p:nvPr>
+        </p:nvSpPr>
+        <p:spPr/>
+        <p:txBody>
+          <a:bodyPr/>
+          <a:lstStyle/>
+          <a:p>
+            <a:fld id="{A8D0068F-0A1E-4566-8068-BF0F15B844D2}" type="slidenum">
+              <a:rPr lang="de-DE" smtClean="0"/>
+              <a:pPr/>
+              <a:t>7</a:t>
+            </a:fld>
+            <a:endParaRPr lang="de-DE"/>
+          </a:p>
+        </p:txBody>
+      </p:sp>
+    </p:spTree>
+  </p:cSld>
+  <p:clrMapOvr>
+    <a:masterClrMapping/>
+  </p:clrMapOvr>
+</p:notes>
+</file>
+
+<file path=ppt/notesSlides/notesSlide8.xml><?xml version="1.0" encoding="utf-8"?>
+<p:notes xmlns:a="http://schemas.openxmlformats.org/drawingml/2006/main" xmlns:r="http://schemas.openxmlformats.org/officeDocument/2006/relationships" xmlns:p="http://schemas.openxmlformats.org/presentationml/2006/main">
+  <p:cSld>
+    <p:spTree>
+      <p:nvGrpSpPr>
+        <p:cNvPr id="1" name=""/>
+        <p:cNvGrpSpPr/>
+        <p:nvPr/>
+      </p:nvGrpSpPr>
+      <p:grpSpPr>
+        <a:xfrm>
+          <a:off x="0" y="0"/>
+          <a:ext cx="0" cy="0"/>
+          <a:chOff x="0" y="0"/>
+          <a:chExt cx="0" cy="0"/>
+        </a:xfrm>
+      </p:grpSpPr>
+      <p:sp>
+        <p:nvSpPr>
+          <p:cNvPr id="2" name="Folienbildplatzhalter 1"/>
+          <p:cNvSpPr>
+            <a:spLocks noGrp="1" noRot="1" noChangeAspect="1"/>
+          </p:cNvSpPr>
+          <p:nvPr>
+            <p:ph type="sldImg"/>
+          </p:nvPr>
+        </p:nvSpPr>
+        <p:spPr/>
+      </p:sp>
+      <p:sp>
+        <p:nvSpPr>
+          <p:cNvPr id="3" name="Notizenplatzhalter 2"/>
+          <p:cNvSpPr>
+            <a:spLocks noGrp="1"/>
+          </p:cNvSpPr>
+          <p:nvPr>
+            <p:ph type="body" idx="1"/>
+          </p:nvPr>
+        </p:nvSpPr>
+        <p:spPr/>
+        <p:txBody>
+          <a:bodyPr>
+            <a:normAutofit/>
+          </a:bodyPr>
+          <a:lstStyle/>
+          <a:p>
+            <a:endParaRPr lang="de-DE" dirty="0"/>
+          </a:p>
+        </p:txBody>
+      </p:sp>
+      <p:sp>
+        <p:nvSpPr>
+          <p:cNvPr id="4" name="Foliennummernplatzhalter 3"/>
+          <p:cNvSpPr>
+            <a:spLocks noGrp="1"/>
+          </p:cNvSpPr>
+          <p:nvPr>
+            <p:ph type="sldNum" sz="quarter" idx="10"/>
+          </p:nvPr>
+        </p:nvSpPr>
+        <p:spPr/>
+        <p:txBody>
+          <a:bodyPr/>
+          <a:lstStyle/>
+          <a:p>
+            <a:fld id="{A8D0068F-0A1E-4566-8068-BF0F15B844D2}" type="slidenum">
+              <a:rPr lang="de-DE" smtClean="0"/>
+              <a:pPr/>
+              <a:t>8</a:t>
+            </a:fld>
+            <a:endParaRPr lang="de-DE"/>
+          </a:p>
+        </p:txBody>
+      </p:sp>
+    </p:spTree>
+  </p:cSld>
+  <p:clrMapOvr>
+    <a:masterClrMapping/>
+  </p:clrMapOvr>
+</p:notes>
+</file>
+
+<file path=ppt/notesSlides/notesSlide9.xml><?xml version="1.0" encoding="utf-8"?>
+<p:notes xmlns:a="http://schemas.openxmlformats.org/drawingml/2006/main" xmlns:r="http://schemas.openxmlformats.org/officeDocument/2006/relationships" xmlns:p="http://schemas.openxmlformats.org/presentationml/2006/main">
+  <p:cSld>
+    <p:spTree>
+      <p:nvGrpSpPr>
+        <p:cNvPr id="1" name=""/>
+        <p:cNvGrpSpPr/>
+        <p:nvPr/>
+      </p:nvGrpSpPr>
+      <p:grpSpPr>
+        <a:xfrm>
+          <a:off x="0" y="0"/>
+          <a:ext cx="0" cy="0"/>
+          <a:chOff x="0" y="0"/>
+          <a:chExt cx="0" cy="0"/>
+        </a:xfrm>
+      </p:grpSpPr>
+      <p:sp>
+        <p:nvSpPr>
+          <p:cNvPr id="2" name="Folienbildplatzhalter 1"/>
+          <p:cNvSpPr>
+            <a:spLocks noGrp="1" noRot="1" noChangeAspect="1"/>
+          </p:cNvSpPr>
+          <p:nvPr>
+            <p:ph type="sldImg"/>
+          </p:nvPr>
+        </p:nvSpPr>
+        <p:spPr/>
+      </p:sp>
+      <p:sp>
+        <p:nvSpPr>
+          <p:cNvPr id="3" name="Notizenplatzhalter 2"/>
+          <p:cNvSpPr>
+            <a:spLocks noGrp="1"/>
+          </p:cNvSpPr>
+          <p:nvPr>
+            <p:ph type="body" idx="1"/>
+          </p:nvPr>
+        </p:nvSpPr>
+        <p:spPr/>
+        <p:txBody>
+          <a:bodyPr>
+            <a:normAutofit/>
+          </a:bodyPr>
+          <a:lstStyle/>
+          <a:p>
+            <a:endParaRPr lang="de-DE" dirty="0"/>
+          </a:p>
+        </p:txBody>
+      </p:sp>
+      <p:sp>
+        <p:nvSpPr>
+          <p:cNvPr id="4" name="Foliennummernplatzhalter 3"/>
+          <p:cNvSpPr>
+            <a:spLocks noGrp="1"/>
+          </p:cNvSpPr>
+          <p:nvPr>
+            <p:ph type="sldNum" sz="quarter" idx="10"/>
+          </p:nvPr>
+        </p:nvSpPr>
+        <p:spPr/>
+        <p:txBody>
+          <a:bodyPr/>
+          <a:lstStyle/>
+          <a:p>
+            <a:fld id="{A8D0068F-0A1E-4566-8068-BF0F15B844D2}" type="slidenum">
+              <a:rPr lang="de-DE" smtClean="0"/>
+              <a:pPr/>
+              <a:t>9</a:t>
             </a:fld>
             <a:endParaRPr lang="de-DE"/>
           </a:p>
@@ -4018,6 +9570,1777 @@
 </p:sld>
 </file>
 
+<file path=ppt/slides/slide10.xml><?xml version="1.0" encoding="utf-8"?>
+<p:sld xmlns:a="http://schemas.openxmlformats.org/drawingml/2006/main" xmlns:r="http://schemas.openxmlformats.org/officeDocument/2006/relationships" xmlns:p="http://schemas.openxmlformats.org/presentationml/2006/main">
+  <p:cSld>
+    <p:spTree>
+      <p:nvGrpSpPr>
+        <p:cNvPr id="1" name=""/>
+        <p:cNvGrpSpPr/>
+        <p:nvPr/>
+      </p:nvGrpSpPr>
+      <p:grpSpPr>
+        <a:xfrm>
+          <a:off x="0" y="0"/>
+          <a:ext cx="0" cy="0"/>
+          <a:chOff x="0" y="0"/>
+          <a:chExt cx="0" cy="0"/>
+        </a:xfrm>
+      </p:grpSpPr>
+      <p:sp>
+        <p:nvSpPr>
+          <p:cNvPr id="4" name="Rectangle 2"/>
+          <p:cNvSpPr txBox="1">
+            <a:spLocks noChangeArrowheads="1"/>
+          </p:cNvSpPr>
+          <p:nvPr/>
+        </p:nvSpPr>
+        <p:spPr>
+          <a:xfrm>
+            <a:off x="323626" y="357188"/>
+            <a:ext cx="6624638" cy="503237"/>
+          </a:xfrm>
+          <a:prstGeom prst="rect">
+            <a:avLst/>
+          </a:prstGeom>
+        </p:spPr>
+        <p:txBody>
+          <a:bodyPr/>
+          <a:lstStyle/>
+          <a:p>
+            <a:pPr marL="457200" lvl="0" indent="-457200" algn="l"/>
+            <a:r>
+              <a:rPr lang="de-DE" sz="3200" dirty="0" smtClean="0">
+                <a:solidFill>
+                  <a:srgbClr val="003B79"/>
+                </a:solidFill>
+                <a:latin typeface="+mj-lt"/>
+                <a:ea typeface="+mj-ea"/>
+                <a:cs typeface="+mj-cs"/>
+              </a:rPr>
+              <a:t>6. </a:t>
+            </a:r>
+            <a:r>
+              <a:rPr lang="de-DE" sz="3200" dirty="0" smtClean="0">
+                <a:solidFill>
+                  <a:srgbClr val="003B79"/>
+                </a:solidFill>
+                <a:latin typeface="+mj-lt"/>
+                <a:ea typeface="+mj-ea"/>
+                <a:cs typeface="+mj-cs"/>
+              </a:rPr>
+              <a:t>Datenmodell (</a:t>
+            </a:r>
+            <a:r>
+              <a:rPr lang="de-DE" sz="3200" dirty="0" smtClean="0">
+                <a:solidFill>
+                  <a:srgbClr val="003B79"/>
+                </a:solidFill>
+                <a:latin typeface="+mj-lt"/>
+                <a:ea typeface="+mj-ea"/>
+                <a:cs typeface="+mj-cs"/>
+              </a:rPr>
+              <a:t>UML-Controller</a:t>
+            </a:r>
+            <a:r>
+              <a:rPr lang="de-DE" sz="3200" dirty="0" smtClean="0">
+                <a:solidFill>
+                  <a:srgbClr val="003B79"/>
+                </a:solidFill>
+                <a:latin typeface="+mj-lt"/>
+                <a:ea typeface="+mj-ea"/>
+                <a:cs typeface="+mj-cs"/>
+              </a:rPr>
+              <a:t>)</a:t>
+            </a:r>
+          </a:p>
+          <a:p>
+            <a:pPr marL="457200" lvl="0" indent="-457200" algn="l"/>
+            <a:endParaRPr lang="de-DE" sz="3200" dirty="0" smtClean="0">
+              <a:solidFill>
+                <a:srgbClr val="003B79"/>
+              </a:solidFill>
+              <a:latin typeface="+mj-lt"/>
+              <a:ea typeface="+mj-ea"/>
+              <a:cs typeface="+mj-cs"/>
+            </a:endParaRPr>
+          </a:p>
+        </p:txBody>
+      </p:sp>
+      <p:sp>
+        <p:nvSpPr>
+          <p:cNvPr id="5" name="Rectangle 4"/>
+          <p:cNvSpPr txBox="1">
+            <a:spLocks noChangeArrowheads="1"/>
+          </p:cNvSpPr>
+          <p:nvPr/>
+        </p:nvSpPr>
+        <p:spPr>
+          <a:xfrm>
+            <a:off x="323850" y="1052736"/>
+            <a:ext cx="8568630" cy="5545137"/>
+          </a:xfrm>
+          <a:prstGeom prst="rect">
+            <a:avLst/>
+          </a:prstGeom>
+        </p:spPr>
+        <p:txBody>
+          <a:bodyPr/>
+          <a:lstStyle/>
+          <a:p>
+            <a:pPr marL="742950" marR="0" lvl="1" indent="-285750" algn="l" defTabSz="914400" rtl="0" eaLnBrk="1" fontAlgn="base" latinLnBrk="0" hangingPunct="1">
+              <a:lnSpc>
+                <a:spcPct val="100000"/>
+              </a:lnSpc>
+              <a:spcBef>
+                <a:spcPct val="20000"/>
+              </a:spcBef>
+              <a:spcAft>
+                <a:spcPct val="20000"/>
+              </a:spcAft>
+              <a:buClrTx/>
+              <a:buSzTx/>
+              <a:tabLst/>
+              <a:defRPr/>
+            </a:pPr>
+            <a:endParaRPr lang="de-DE" sz="2400" b="0" kern="0" dirty="0" smtClean="0">
+              <a:solidFill>
+                <a:srgbClr val="003B79"/>
+              </a:solidFill>
+              <a:latin typeface="+mn-lt"/>
+            </a:endParaRPr>
+          </a:p>
+          <a:p>
+            <a:pPr marL="742950" lvl="1" indent="-285750" algn="l">
+              <a:spcBef>
+                <a:spcPct val="20000"/>
+              </a:spcBef>
+              <a:spcAft>
+                <a:spcPct val="20000"/>
+              </a:spcAft>
+            </a:pPr>
+            <a:endParaRPr lang="de-DE" sz="2400" b="0" kern="0" dirty="0">
+              <a:solidFill>
+                <a:srgbClr val="003B79"/>
+              </a:solidFill>
+              <a:latin typeface="+mn-lt"/>
+            </a:endParaRPr>
+          </a:p>
+          <a:p>
+            <a:pPr marL="742950" marR="0" lvl="1" indent="-285750" algn="l" defTabSz="914400" rtl="0" eaLnBrk="1" fontAlgn="base" latinLnBrk="0" hangingPunct="1">
+              <a:lnSpc>
+                <a:spcPct val="100000"/>
+              </a:lnSpc>
+              <a:spcBef>
+                <a:spcPct val="20000"/>
+              </a:spcBef>
+              <a:spcAft>
+                <a:spcPct val="20000"/>
+              </a:spcAft>
+              <a:buClrTx/>
+              <a:buSzTx/>
+              <a:tabLst/>
+              <a:defRPr/>
+            </a:pPr>
+            <a:endParaRPr lang="de-DE" sz="2400" b="0" kern="0" dirty="0">
+              <a:solidFill>
+                <a:srgbClr val="003B79"/>
+              </a:solidFill>
+              <a:latin typeface="+mn-lt"/>
+            </a:endParaRPr>
+          </a:p>
+          <a:p>
+            <a:pPr marL="742950" marR="0" lvl="1" indent="-285750" algn="l" defTabSz="914400" rtl="0" eaLnBrk="1" fontAlgn="base" latinLnBrk="0" hangingPunct="1">
+              <a:lnSpc>
+                <a:spcPct val="100000"/>
+              </a:lnSpc>
+              <a:spcBef>
+                <a:spcPct val="20000"/>
+              </a:spcBef>
+              <a:spcAft>
+                <a:spcPct val="20000"/>
+              </a:spcAft>
+              <a:buClrTx/>
+              <a:buSzTx/>
+              <a:tabLst/>
+              <a:defRPr/>
+            </a:pPr>
+            <a:endParaRPr lang="de-DE" sz="2400" b="0" kern="0" dirty="0" smtClean="0">
+              <a:solidFill>
+                <a:srgbClr val="003B79"/>
+              </a:solidFill>
+              <a:latin typeface="+mn-lt"/>
+            </a:endParaRPr>
+          </a:p>
+          <a:p>
+            <a:pPr marL="742950" marR="0" lvl="1" indent="-285750" algn="l" defTabSz="914400" rtl="0" eaLnBrk="1" fontAlgn="base" latinLnBrk="0" hangingPunct="1">
+              <a:lnSpc>
+                <a:spcPct val="100000"/>
+              </a:lnSpc>
+              <a:spcBef>
+                <a:spcPct val="20000"/>
+              </a:spcBef>
+              <a:spcAft>
+                <a:spcPct val="20000"/>
+              </a:spcAft>
+              <a:buClrTx/>
+              <a:buSzTx/>
+              <a:tabLst/>
+              <a:defRPr/>
+            </a:pPr>
+            <a:endParaRPr lang="de-DE" sz="2400" b="0" kern="0" dirty="0">
+              <a:solidFill>
+                <a:srgbClr val="003B79"/>
+              </a:solidFill>
+              <a:latin typeface="+mn-lt"/>
+            </a:endParaRPr>
+          </a:p>
+          <a:p>
+            <a:pPr marL="742950" marR="0" lvl="1" indent="-285750" algn="l" defTabSz="914400" rtl="0" eaLnBrk="1" fontAlgn="base" latinLnBrk="0" hangingPunct="1">
+              <a:lnSpc>
+                <a:spcPct val="100000"/>
+              </a:lnSpc>
+              <a:spcBef>
+                <a:spcPct val="20000"/>
+              </a:spcBef>
+              <a:spcAft>
+                <a:spcPct val="20000"/>
+              </a:spcAft>
+              <a:buClrTx/>
+              <a:buSzTx/>
+              <a:tabLst/>
+              <a:defRPr/>
+            </a:pPr>
+            <a:endParaRPr kumimoji="0" lang="de-DE" sz="2400" b="0" i="0" u="none" strike="noStrike" kern="0" cap="none" spc="0" normalizeH="0" baseline="0" noProof="0" dirty="0" smtClean="0">
+              <a:ln>
+                <a:noFill/>
+              </a:ln>
+              <a:solidFill>
+                <a:srgbClr val="003B79"/>
+              </a:solidFill>
+              <a:effectLst/>
+              <a:uLnTx/>
+              <a:uFillTx/>
+              <a:latin typeface="+mn-lt"/>
+            </a:endParaRPr>
+          </a:p>
+        </p:txBody>
+      </p:sp>
+      <p:sp>
+        <p:nvSpPr>
+          <p:cNvPr id="9" name="Rectangle 4"/>
+          <p:cNvSpPr txBox="1">
+            <a:spLocks noChangeArrowheads="1"/>
+          </p:cNvSpPr>
+          <p:nvPr/>
+        </p:nvSpPr>
+        <p:spPr>
+          <a:xfrm>
+            <a:off x="792410" y="1052736"/>
+            <a:ext cx="8820150" cy="5545137"/>
+          </a:xfrm>
+          <a:prstGeom prst="rect">
+            <a:avLst/>
+          </a:prstGeom>
+        </p:spPr>
+        <p:txBody>
+          <a:bodyPr/>
+          <a:lstStyle/>
+          <a:p>
+            <a:pPr marL="457200" marR="0" lvl="0" indent="-457200" algn="l" defTabSz="914400" rtl="0" eaLnBrk="1" fontAlgn="base" latinLnBrk="0" hangingPunct="1">
+              <a:lnSpc>
+                <a:spcPct val="100000"/>
+              </a:lnSpc>
+              <a:spcBef>
+                <a:spcPct val="20000"/>
+              </a:spcBef>
+              <a:spcAft>
+                <a:spcPct val="20000"/>
+              </a:spcAft>
+              <a:buClrTx/>
+              <a:buSzTx/>
+              <a:tabLst/>
+              <a:defRPr/>
+            </a:pPr>
+            <a:r>
+              <a:rPr kumimoji="0" lang="de-DE" sz="2400" b="0" i="0" u="none" strike="noStrike" kern="0" cap="none" spc="0" normalizeH="0" baseline="0" noProof="0" dirty="0" smtClean="0">
+                <a:ln>
+                  <a:noFill/>
+                </a:ln>
+                <a:solidFill>
+                  <a:srgbClr val="003B79"/>
+                </a:solidFill>
+                <a:effectLst/>
+                <a:uLnTx/>
+                <a:uFillTx/>
+                <a:latin typeface="+mn-lt"/>
+                <a:ea typeface="+mn-ea"/>
+                <a:cs typeface="+mn-cs"/>
+              </a:rPr>
+              <a:t>			</a:t>
+            </a:r>
+          </a:p>
+        </p:txBody>
+      </p:sp>
+      <p:pic>
+        <p:nvPicPr>
+          <p:cNvPr id="5122" name="Picture 2" descr="E:\PRG4\Grafiken\Controler_State.PNG"/>
+          <p:cNvPicPr>
+            <a:picLocks noChangeAspect="1" noChangeArrowheads="1"/>
+          </p:cNvPicPr>
+          <p:nvPr/>
+        </p:nvPicPr>
+        <p:blipFill>
+          <a:blip r:embed="rId3" cstate="print">
+            <a:extLst>
+              <a:ext uri="{28A0092B-C50C-407E-A947-70E740481C1C}">
+                <a14:useLocalDpi xmlns:a14="http://schemas.microsoft.com/office/drawing/2010/main" xmlns="" val="0"/>
+              </a:ext>
+            </a:extLst>
+          </a:blip>
+          <a:srcRect/>
+          <a:stretch>
+            <a:fillRect/>
+          </a:stretch>
+        </p:blipFill>
+        <p:spPr bwMode="auto">
+          <a:xfrm>
+            <a:off x="1673024" y="1339908"/>
+            <a:ext cx="5870281" cy="4970791"/>
+          </a:xfrm>
+          <a:prstGeom prst="rect">
+            <a:avLst/>
+          </a:prstGeom>
+          <a:noFill/>
+          <a:extLst>
+            <a:ext uri="{909E8E84-426E-40DD-AFC4-6F175D3DCCD1}">
+              <a14:hiddenFill xmlns:a14="http://schemas.microsoft.com/office/drawing/2010/main" xmlns="">
+                <a:solidFill>
+                  <a:srgbClr val="FFFFFF"/>
+                </a:solidFill>
+              </a14:hiddenFill>
+            </a:ext>
+          </a:extLst>
+        </p:spPr>
+      </p:pic>
+    </p:spTree>
+    <p:extLst>
+      <p:ext uri="{BB962C8B-B14F-4D97-AF65-F5344CB8AC3E}">
+        <p14:creationId xmlns:p14="http://schemas.microsoft.com/office/powerpoint/2010/main" xmlns="" val="2028648019"/>
+      </p:ext>
+    </p:extLst>
+  </p:cSld>
+  <p:clrMapOvr>
+    <a:masterClrMapping/>
+  </p:clrMapOvr>
+  <p:timing>
+    <p:tnLst>
+      <p:par>
+        <p:cTn id="1" dur="indefinite" restart="never" nodeType="tmRoot"/>
+      </p:par>
+    </p:tnLst>
+  </p:timing>
+</p:sld>
+</file>
+
+<file path=ppt/slides/slide11.xml><?xml version="1.0" encoding="utf-8"?>
+<p:sld xmlns:a="http://schemas.openxmlformats.org/drawingml/2006/main" xmlns:r="http://schemas.openxmlformats.org/officeDocument/2006/relationships" xmlns:p="http://schemas.openxmlformats.org/presentationml/2006/main">
+  <p:cSld>
+    <p:spTree>
+      <p:nvGrpSpPr>
+        <p:cNvPr id="1" name=""/>
+        <p:cNvGrpSpPr/>
+        <p:nvPr/>
+      </p:nvGrpSpPr>
+      <p:grpSpPr>
+        <a:xfrm>
+          <a:off x="0" y="0"/>
+          <a:ext cx="0" cy="0"/>
+          <a:chOff x="0" y="0"/>
+          <a:chExt cx="0" cy="0"/>
+        </a:xfrm>
+      </p:grpSpPr>
+      <p:sp>
+        <p:nvSpPr>
+          <p:cNvPr id="4" name="Rectangle 2"/>
+          <p:cNvSpPr txBox="1">
+            <a:spLocks noChangeArrowheads="1"/>
+          </p:cNvSpPr>
+          <p:nvPr/>
+        </p:nvSpPr>
+        <p:spPr>
+          <a:xfrm>
+            <a:off x="323626" y="357188"/>
+            <a:ext cx="6624638" cy="503237"/>
+          </a:xfrm>
+          <a:prstGeom prst="rect">
+            <a:avLst/>
+          </a:prstGeom>
+        </p:spPr>
+        <p:txBody>
+          <a:bodyPr/>
+          <a:lstStyle/>
+          <a:p>
+            <a:pPr marL="457200" lvl="0" indent="-457200" algn="l"/>
+            <a:r>
+              <a:rPr lang="de-DE" sz="3200" dirty="0" smtClean="0">
+                <a:solidFill>
+                  <a:srgbClr val="003B79"/>
+                </a:solidFill>
+                <a:latin typeface="+mj-lt"/>
+                <a:ea typeface="+mj-ea"/>
+                <a:cs typeface="+mj-cs"/>
+              </a:rPr>
+              <a:t>6. </a:t>
+            </a:r>
+            <a:r>
+              <a:rPr lang="de-DE" sz="3200" dirty="0" smtClean="0">
+                <a:solidFill>
+                  <a:srgbClr val="003B79"/>
+                </a:solidFill>
+                <a:latin typeface="+mj-lt"/>
+                <a:ea typeface="+mj-ea"/>
+                <a:cs typeface="+mj-cs"/>
+              </a:rPr>
+              <a:t>Datenmodell (UML-View)</a:t>
+            </a:r>
+          </a:p>
+          <a:p>
+            <a:pPr marL="457200" lvl="0" indent="-457200" algn="l"/>
+            <a:endParaRPr lang="de-DE" sz="3200" dirty="0" smtClean="0">
+              <a:solidFill>
+                <a:srgbClr val="003B79"/>
+              </a:solidFill>
+              <a:latin typeface="+mj-lt"/>
+              <a:ea typeface="+mj-ea"/>
+              <a:cs typeface="+mj-cs"/>
+            </a:endParaRPr>
+          </a:p>
+        </p:txBody>
+      </p:sp>
+      <p:sp>
+        <p:nvSpPr>
+          <p:cNvPr id="5" name="Rectangle 4"/>
+          <p:cNvSpPr txBox="1">
+            <a:spLocks noChangeArrowheads="1"/>
+          </p:cNvSpPr>
+          <p:nvPr/>
+        </p:nvSpPr>
+        <p:spPr>
+          <a:xfrm>
+            <a:off x="323850" y="1052736"/>
+            <a:ext cx="8568630" cy="5545137"/>
+          </a:xfrm>
+          <a:prstGeom prst="rect">
+            <a:avLst/>
+          </a:prstGeom>
+        </p:spPr>
+        <p:txBody>
+          <a:bodyPr/>
+          <a:lstStyle/>
+          <a:p>
+            <a:pPr marL="742950" marR="0" lvl="1" indent="-285750" algn="l" defTabSz="914400" rtl="0" eaLnBrk="1" fontAlgn="base" latinLnBrk="0" hangingPunct="1">
+              <a:lnSpc>
+                <a:spcPct val="100000"/>
+              </a:lnSpc>
+              <a:spcBef>
+                <a:spcPct val="20000"/>
+              </a:spcBef>
+              <a:spcAft>
+                <a:spcPct val="20000"/>
+              </a:spcAft>
+              <a:buClrTx/>
+              <a:buSzTx/>
+              <a:tabLst/>
+              <a:defRPr/>
+            </a:pPr>
+            <a:endParaRPr lang="de-DE" sz="2400" b="0" kern="0" dirty="0" smtClean="0">
+              <a:solidFill>
+                <a:srgbClr val="003B79"/>
+              </a:solidFill>
+              <a:latin typeface="+mn-lt"/>
+            </a:endParaRPr>
+          </a:p>
+          <a:p>
+            <a:pPr marL="742950" lvl="1" indent="-285750" algn="l">
+              <a:spcBef>
+                <a:spcPct val="20000"/>
+              </a:spcBef>
+              <a:spcAft>
+                <a:spcPct val="20000"/>
+              </a:spcAft>
+            </a:pPr>
+            <a:endParaRPr lang="de-DE" sz="2400" b="0" kern="0" dirty="0">
+              <a:solidFill>
+                <a:srgbClr val="003B79"/>
+              </a:solidFill>
+              <a:latin typeface="+mn-lt"/>
+            </a:endParaRPr>
+          </a:p>
+          <a:p>
+            <a:pPr marL="742950" marR="0" lvl="1" indent="-285750" algn="l" defTabSz="914400" rtl="0" eaLnBrk="1" fontAlgn="base" latinLnBrk="0" hangingPunct="1">
+              <a:lnSpc>
+                <a:spcPct val="100000"/>
+              </a:lnSpc>
+              <a:spcBef>
+                <a:spcPct val="20000"/>
+              </a:spcBef>
+              <a:spcAft>
+                <a:spcPct val="20000"/>
+              </a:spcAft>
+              <a:buClrTx/>
+              <a:buSzTx/>
+              <a:tabLst/>
+              <a:defRPr/>
+            </a:pPr>
+            <a:endParaRPr lang="de-DE" sz="2400" b="0" kern="0" dirty="0">
+              <a:solidFill>
+                <a:srgbClr val="003B79"/>
+              </a:solidFill>
+              <a:latin typeface="+mn-lt"/>
+            </a:endParaRPr>
+          </a:p>
+          <a:p>
+            <a:pPr marL="742950" marR="0" lvl="1" indent="-285750" algn="l" defTabSz="914400" rtl="0" eaLnBrk="1" fontAlgn="base" latinLnBrk="0" hangingPunct="1">
+              <a:lnSpc>
+                <a:spcPct val="100000"/>
+              </a:lnSpc>
+              <a:spcBef>
+                <a:spcPct val="20000"/>
+              </a:spcBef>
+              <a:spcAft>
+                <a:spcPct val="20000"/>
+              </a:spcAft>
+              <a:buClrTx/>
+              <a:buSzTx/>
+              <a:tabLst/>
+              <a:defRPr/>
+            </a:pPr>
+            <a:endParaRPr lang="de-DE" sz="2400" b="0" kern="0" dirty="0" smtClean="0">
+              <a:solidFill>
+                <a:srgbClr val="003B79"/>
+              </a:solidFill>
+              <a:latin typeface="+mn-lt"/>
+            </a:endParaRPr>
+          </a:p>
+          <a:p>
+            <a:pPr marL="742950" marR="0" lvl="1" indent="-285750" algn="l" defTabSz="914400" rtl="0" eaLnBrk="1" fontAlgn="base" latinLnBrk="0" hangingPunct="1">
+              <a:lnSpc>
+                <a:spcPct val="100000"/>
+              </a:lnSpc>
+              <a:spcBef>
+                <a:spcPct val="20000"/>
+              </a:spcBef>
+              <a:spcAft>
+                <a:spcPct val="20000"/>
+              </a:spcAft>
+              <a:buClrTx/>
+              <a:buSzTx/>
+              <a:tabLst/>
+              <a:defRPr/>
+            </a:pPr>
+            <a:endParaRPr lang="de-DE" sz="2400" b="0" kern="0" dirty="0">
+              <a:solidFill>
+                <a:srgbClr val="003B79"/>
+              </a:solidFill>
+              <a:latin typeface="+mn-lt"/>
+            </a:endParaRPr>
+          </a:p>
+          <a:p>
+            <a:pPr marL="742950" marR="0" lvl="1" indent="-285750" algn="l" defTabSz="914400" rtl="0" eaLnBrk="1" fontAlgn="base" latinLnBrk="0" hangingPunct="1">
+              <a:lnSpc>
+                <a:spcPct val="100000"/>
+              </a:lnSpc>
+              <a:spcBef>
+                <a:spcPct val="20000"/>
+              </a:spcBef>
+              <a:spcAft>
+                <a:spcPct val="20000"/>
+              </a:spcAft>
+              <a:buClrTx/>
+              <a:buSzTx/>
+              <a:tabLst/>
+              <a:defRPr/>
+            </a:pPr>
+            <a:endParaRPr kumimoji="0" lang="de-DE" sz="2400" b="0" i="0" u="none" strike="noStrike" kern="0" cap="none" spc="0" normalizeH="0" baseline="0" noProof="0" dirty="0" smtClean="0">
+              <a:ln>
+                <a:noFill/>
+              </a:ln>
+              <a:solidFill>
+                <a:srgbClr val="003B79"/>
+              </a:solidFill>
+              <a:effectLst/>
+              <a:uLnTx/>
+              <a:uFillTx/>
+              <a:latin typeface="+mn-lt"/>
+            </a:endParaRPr>
+          </a:p>
+        </p:txBody>
+      </p:sp>
+      <p:sp>
+        <p:nvSpPr>
+          <p:cNvPr id="9" name="Rectangle 4"/>
+          <p:cNvSpPr txBox="1">
+            <a:spLocks noChangeArrowheads="1"/>
+          </p:cNvSpPr>
+          <p:nvPr/>
+        </p:nvSpPr>
+        <p:spPr>
+          <a:xfrm>
+            <a:off x="792410" y="1052736"/>
+            <a:ext cx="8820150" cy="5545137"/>
+          </a:xfrm>
+          <a:prstGeom prst="rect">
+            <a:avLst/>
+          </a:prstGeom>
+        </p:spPr>
+        <p:txBody>
+          <a:bodyPr/>
+          <a:lstStyle/>
+          <a:p>
+            <a:pPr marL="457200" marR="0" lvl="0" indent="-457200" algn="l" defTabSz="914400" rtl="0" eaLnBrk="1" fontAlgn="base" latinLnBrk="0" hangingPunct="1">
+              <a:lnSpc>
+                <a:spcPct val="100000"/>
+              </a:lnSpc>
+              <a:spcBef>
+                <a:spcPct val="20000"/>
+              </a:spcBef>
+              <a:spcAft>
+                <a:spcPct val="20000"/>
+              </a:spcAft>
+              <a:buClrTx/>
+              <a:buSzTx/>
+              <a:tabLst/>
+              <a:defRPr/>
+            </a:pPr>
+            <a:r>
+              <a:rPr kumimoji="0" lang="de-DE" sz="2400" b="0" i="0" u="none" strike="noStrike" kern="0" cap="none" spc="0" normalizeH="0" baseline="0" noProof="0" dirty="0" smtClean="0">
+                <a:ln>
+                  <a:noFill/>
+                </a:ln>
+                <a:solidFill>
+                  <a:srgbClr val="003B79"/>
+                </a:solidFill>
+                <a:effectLst/>
+                <a:uLnTx/>
+                <a:uFillTx/>
+                <a:latin typeface="+mn-lt"/>
+                <a:ea typeface="+mn-ea"/>
+                <a:cs typeface="+mn-cs"/>
+              </a:rPr>
+              <a:t>			</a:t>
+            </a:r>
+          </a:p>
+        </p:txBody>
+      </p:sp>
+      <p:pic>
+        <p:nvPicPr>
+          <p:cNvPr id="6146" name="Picture 2" descr="E:\PRG4\Grafiken\View_Observers.PNG"/>
+          <p:cNvPicPr>
+            <a:picLocks noChangeAspect="1" noChangeArrowheads="1"/>
+          </p:cNvPicPr>
+          <p:nvPr/>
+        </p:nvPicPr>
+        <p:blipFill>
+          <a:blip r:embed="rId3" cstate="print">
+            <a:extLst>
+              <a:ext uri="{28A0092B-C50C-407E-A947-70E740481C1C}">
+                <a14:useLocalDpi xmlns:a14="http://schemas.microsoft.com/office/drawing/2010/main" xmlns="" val="0"/>
+              </a:ext>
+            </a:extLst>
+          </a:blip>
+          <a:srcRect/>
+          <a:stretch>
+            <a:fillRect/>
+          </a:stretch>
+        </p:blipFill>
+        <p:spPr bwMode="auto">
+          <a:xfrm>
+            <a:off x="654050" y="1741488"/>
+            <a:ext cx="7702550" cy="4235450"/>
+          </a:xfrm>
+          <a:prstGeom prst="rect">
+            <a:avLst/>
+          </a:prstGeom>
+          <a:noFill/>
+          <a:extLst>
+            <a:ext uri="{909E8E84-426E-40DD-AFC4-6F175D3DCCD1}">
+              <a14:hiddenFill xmlns:a14="http://schemas.microsoft.com/office/drawing/2010/main" xmlns="">
+                <a:solidFill>
+                  <a:srgbClr val="FFFFFF"/>
+                </a:solidFill>
+              </a14:hiddenFill>
+            </a:ext>
+          </a:extLst>
+        </p:spPr>
+      </p:pic>
+    </p:spTree>
+    <p:extLst>
+      <p:ext uri="{BB962C8B-B14F-4D97-AF65-F5344CB8AC3E}">
+        <p14:creationId xmlns:p14="http://schemas.microsoft.com/office/powerpoint/2010/main" xmlns="" val="2223991465"/>
+      </p:ext>
+    </p:extLst>
+  </p:cSld>
+  <p:clrMapOvr>
+    <a:masterClrMapping/>
+  </p:clrMapOvr>
+  <p:timing>
+    <p:tnLst>
+      <p:par>
+        <p:cTn id="1" dur="indefinite" restart="never" nodeType="tmRoot"/>
+      </p:par>
+    </p:tnLst>
+  </p:timing>
+</p:sld>
+</file>
+
+<file path=ppt/slides/slide12.xml><?xml version="1.0" encoding="utf-8"?>
+<p:sld xmlns:a="http://schemas.openxmlformats.org/drawingml/2006/main" xmlns:r="http://schemas.openxmlformats.org/officeDocument/2006/relationships" xmlns:p="http://schemas.openxmlformats.org/presentationml/2006/main">
+  <p:cSld>
+    <p:spTree>
+      <p:nvGrpSpPr>
+        <p:cNvPr id="1" name=""/>
+        <p:cNvGrpSpPr/>
+        <p:nvPr/>
+      </p:nvGrpSpPr>
+      <p:grpSpPr>
+        <a:xfrm>
+          <a:off x="0" y="0"/>
+          <a:ext cx="0" cy="0"/>
+          <a:chOff x="0" y="0"/>
+          <a:chExt cx="0" cy="0"/>
+        </a:xfrm>
+      </p:grpSpPr>
+      <p:graphicFrame>
+        <p:nvGraphicFramePr>
+          <p:cNvPr id="3" name="Inhaltsplatzhalter 2"/>
+          <p:cNvGraphicFramePr>
+            <a:graphicFrameLocks noGrp="1"/>
+          </p:cNvGraphicFramePr>
+          <p:nvPr>
+            <p:ph idx="1"/>
+            <p:extLst>
+              <p:ext uri="{D42A27DB-BD31-4B8C-83A1-F6EECF244321}">
+                <p14:modId xmlns:p14="http://schemas.microsoft.com/office/powerpoint/2010/main" xmlns="" val="2122085790"/>
+              </p:ext>
+            </p:extLst>
+          </p:nvPr>
+        </p:nvGraphicFramePr>
+        <p:xfrm>
+          <a:off x="216346" y="980728"/>
+          <a:ext cx="8820150" cy="5545137"/>
+        </p:xfrm>
+        <a:graphic>
+          <a:graphicData uri="http://schemas.openxmlformats.org/drawingml/2006/diagram">
+            <dgm:relIds xmlns:dgm="http://schemas.openxmlformats.org/drawingml/2006/diagram" xmlns:r="http://schemas.openxmlformats.org/officeDocument/2006/relationships" r:dm="rId3" r:lo="rId4" r:qs="rId5" r:cs="rId6"/>
+          </a:graphicData>
+        </a:graphic>
+      </p:graphicFrame>
+      <p:sp>
+        <p:nvSpPr>
+          <p:cNvPr id="8770562" name="Rectangle 2"/>
+          <p:cNvSpPr>
+            <a:spLocks noGrp="1" noChangeArrowheads="1"/>
+          </p:cNvSpPr>
+          <p:nvPr>
+            <p:ph type="title"/>
+          </p:nvPr>
+        </p:nvSpPr>
+        <p:spPr>
+          <a:xfrm>
+            <a:off x="198681" y="321146"/>
+            <a:ext cx="6624638" cy="503237"/>
+          </a:xfrm>
+        </p:spPr>
+        <p:txBody>
+          <a:bodyPr/>
+          <a:lstStyle/>
+          <a:p>
+            <a:r>
+              <a:rPr lang="de-DE" sz="3200" dirty="0" smtClean="0"/>
+              <a:t>6. Datenmodell (DB-Schema)</a:t>
+            </a:r>
+            <a:endParaRPr lang="de-DE" sz="3200" dirty="0"/>
+          </a:p>
+        </p:txBody>
+      </p:sp>
+      <p:sp>
+        <p:nvSpPr>
+          <p:cNvPr id="4" name="Rechteck 3"/>
+          <p:cNvSpPr/>
+          <p:nvPr/>
+        </p:nvSpPr>
+        <p:spPr bwMode="auto">
+          <a:xfrm>
+            <a:off x="455855" y="3176934"/>
+            <a:ext cx="2520280" cy="1152128"/>
+          </a:xfrm>
+          <a:prstGeom prst="rect">
+            <a:avLst/>
+          </a:prstGeom>
+          <a:noFill/>
+          <a:ln w="9525" cap="flat" cmpd="sng" algn="ctr">
+            <a:noFill/>
+            <a:prstDash val="solid"/>
+            <a:round/>
+            <a:headEnd type="none" w="med" len="med"/>
+            <a:tailEnd type="none" w="med" len="med"/>
+          </a:ln>
+          <a:effectLst/>
+        </p:spPr>
+        <p:txBody>
+          <a:bodyPr vert="horz" wrap="square" lIns="91440" tIns="45720" rIns="91440" bIns="45720" numCol="1" rtlCol="0" anchor="t" anchorCtr="0" compatLnSpc="1">
+            <a:prstTxWarp prst="textNoShape">
+              <a:avLst/>
+            </a:prstTxWarp>
+            <a:spAutoFit/>
+          </a:bodyPr>
+          <a:lstStyle/>
+          <a:p>
+            <a:pPr marL="0" marR="0" indent="0" algn="ctr" defTabSz="914400" rtl="0" eaLnBrk="1" fontAlgn="base" latinLnBrk="0" hangingPunct="1">
+              <a:lnSpc>
+                <a:spcPct val="100000"/>
+              </a:lnSpc>
+              <a:spcBef>
+                <a:spcPct val="0"/>
+              </a:spcBef>
+              <a:spcAft>
+                <a:spcPct val="0"/>
+              </a:spcAft>
+              <a:buClrTx/>
+              <a:buSzTx/>
+              <a:buFontTx/>
+              <a:buNone/>
+              <a:tabLst/>
+            </a:pPr>
+            <a:endParaRPr kumimoji="0" lang="de-DE" sz="1800" b="1" i="0" u="none" strike="noStrike" cap="none" normalizeH="0" baseline="0" smtClean="0">
+              <a:ln>
+                <a:noFill/>
+              </a:ln>
+              <a:solidFill>
+                <a:srgbClr val="FFCC66"/>
+              </a:solidFill>
+              <a:effectLst/>
+              <a:latin typeface="Arial" charset="0"/>
+            </a:endParaRPr>
+          </a:p>
+        </p:txBody>
+      </p:sp>
+      <p:pic>
+        <p:nvPicPr>
+          <p:cNvPr id="6" name="Grafik 5" descr="Datenbankschema.PNG">
+            <a:hlinkClick r:id="rId8" action="ppaction://hlinkfile"/>
+          </p:cNvPr>
+          <p:cNvPicPr>
+            <a:picLocks noChangeAspect="1"/>
+          </p:cNvPicPr>
+          <p:nvPr/>
+        </p:nvPicPr>
+        <p:blipFill>
+          <a:blip r:embed="rId9" cstate="print"/>
+          <a:stretch>
+            <a:fillRect/>
+          </a:stretch>
+        </p:blipFill>
+        <p:spPr>
+          <a:xfrm>
+            <a:off x="1187624" y="1084428"/>
+            <a:ext cx="6696744" cy="5416880"/>
+          </a:xfrm>
+          <a:prstGeom prst="rect">
+            <a:avLst/>
+          </a:prstGeom>
+        </p:spPr>
+      </p:pic>
+    </p:spTree>
+    <p:extLst>
+      <p:ext uri="{BB962C8B-B14F-4D97-AF65-F5344CB8AC3E}">
+        <p14:creationId xmlns:p14="http://schemas.microsoft.com/office/powerpoint/2010/main" xmlns="" val="3973953230"/>
+      </p:ext>
+    </p:extLst>
+  </p:cSld>
+  <p:clrMapOvr>
+    <a:masterClrMapping/>
+  </p:clrMapOvr>
+  <p:timing>
+    <p:tnLst>
+      <p:par>
+        <p:cTn id="1" dur="indefinite" restart="never" nodeType="tmRoot"/>
+      </p:par>
+    </p:tnLst>
+  </p:timing>
+</p:sld>
+</file>
+
+<file path=ppt/slides/slide13.xml><?xml version="1.0" encoding="utf-8"?>
+<p:sld xmlns:a="http://schemas.openxmlformats.org/drawingml/2006/main" xmlns:r="http://schemas.openxmlformats.org/officeDocument/2006/relationships" xmlns:p="http://schemas.openxmlformats.org/presentationml/2006/main">
+  <p:cSld>
+    <p:spTree>
+      <p:nvGrpSpPr>
+        <p:cNvPr id="1" name=""/>
+        <p:cNvGrpSpPr/>
+        <p:nvPr/>
+      </p:nvGrpSpPr>
+      <p:grpSpPr>
+        <a:xfrm>
+          <a:off x="0" y="0"/>
+          <a:ext cx="0" cy="0"/>
+          <a:chOff x="0" y="0"/>
+          <a:chExt cx="0" cy="0"/>
+        </a:xfrm>
+      </p:grpSpPr>
+      <p:sp>
+        <p:nvSpPr>
+          <p:cNvPr id="4" name="Rectangle 2"/>
+          <p:cNvSpPr txBox="1">
+            <a:spLocks noChangeArrowheads="1"/>
+          </p:cNvSpPr>
+          <p:nvPr/>
+        </p:nvSpPr>
+        <p:spPr>
+          <a:xfrm>
+            <a:off x="323626" y="357188"/>
+            <a:ext cx="6624638" cy="503237"/>
+          </a:xfrm>
+          <a:prstGeom prst="rect">
+            <a:avLst/>
+          </a:prstGeom>
+        </p:spPr>
+        <p:txBody>
+          <a:bodyPr/>
+          <a:lstStyle/>
+          <a:p>
+            <a:pPr marL="457200" lvl="0" indent="-457200" algn="l"/>
+            <a:r>
+              <a:rPr lang="de-DE" sz="3200" dirty="0" smtClean="0">
+                <a:solidFill>
+                  <a:srgbClr val="003B79"/>
+                </a:solidFill>
+                <a:latin typeface="+mj-lt"/>
+                <a:ea typeface="+mj-ea"/>
+                <a:cs typeface="+mj-cs"/>
+              </a:rPr>
+              <a:t>7. Arbeitsaufteilung</a:t>
+            </a:r>
+          </a:p>
+        </p:txBody>
+      </p:sp>
+      <p:sp>
+        <p:nvSpPr>
+          <p:cNvPr id="5" name="Rectangle 4"/>
+          <p:cNvSpPr txBox="1">
+            <a:spLocks noChangeArrowheads="1"/>
+          </p:cNvSpPr>
+          <p:nvPr/>
+        </p:nvSpPr>
+        <p:spPr>
+          <a:xfrm>
+            <a:off x="323850" y="1052736"/>
+            <a:ext cx="8568630" cy="5545137"/>
+          </a:xfrm>
+          <a:prstGeom prst="rect">
+            <a:avLst/>
+          </a:prstGeom>
+        </p:spPr>
+        <p:txBody>
+          <a:bodyPr/>
+          <a:lstStyle/>
+          <a:p>
+            <a:pPr marL="742950" marR="0" lvl="1" indent="-285750" algn="l" defTabSz="914400" rtl="0" eaLnBrk="1" fontAlgn="base" latinLnBrk="0" hangingPunct="1">
+              <a:lnSpc>
+                <a:spcPct val="100000"/>
+              </a:lnSpc>
+              <a:spcBef>
+                <a:spcPct val="20000"/>
+              </a:spcBef>
+              <a:spcAft>
+                <a:spcPct val="20000"/>
+              </a:spcAft>
+              <a:buClrTx/>
+              <a:buSzTx/>
+              <a:tabLst/>
+              <a:defRPr/>
+            </a:pPr>
+            <a:endParaRPr lang="de-DE" sz="2400" b="0" kern="0" dirty="0" smtClean="0">
+              <a:solidFill>
+                <a:srgbClr val="003B79"/>
+              </a:solidFill>
+              <a:latin typeface="+mn-lt"/>
+            </a:endParaRPr>
+          </a:p>
+          <a:p>
+            <a:pPr marL="742950" lvl="1" indent="-285750" algn="l">
+              <a:spcBef>
+                <a:spcPct val="20000"/>
+              </a:spcBef>
+              <a:spcAft>
+                <a:spcPct val="20000"/>
+              </a:spcAft>
+            </a:pPr>
+            <a:endParaRPr lang="de-DE" sz="2400" b="0" kern="0" dirty="0">
+              <a:solidFill>
+                <a:srgbClr val="003B79"/>
+              </a:solidFill>
+              <a:latin typeface="+mn-lt"/>
+            </a:endParaRPr>
+          </a:p>
+          <a:p>
+            <a:pPr marL="742950" marR="0" lvl="1" indent="-285750" algn="l" defTabSz="914400" rtl="0" eaLnBrk="1" fontAlgn="base" latinLnBrk="0" hangingPunct="1">
+              <a:lnSpc>
+                <a:spcPct val="100000"/>
+              </a:lnSpc>
+              <a:spcBef>
+                <a:spcPct val="20000"/>
+              </a:spcBef>
+              <a:spcAft>
+                <a:spcPct val="20000"/>
+              </a:spcAft>
+              <a:buClrTx/>
+              <a:buSzTx/>
+              <a:tabLst/>
+              <a:defRPr/>
+            </a:pPr>
+            <a:endParaRPr lang="de-DE" sz="2400" b="0" kern="0" dirty="0">
+              <a:solidFill>
+                <a:srgbClr val="003B79"/>
+              </a:solidFill>
+              <a:latin typeface="+mn-lt"/>
+            </a:endParaRPr>
+          </a:p>
+          <a:p>
+            <a:pPr marL="742950" marR="0" lvl="1" indent="-285750" algn="l" defTabSz="914400" rtl="0" eaLnBrk="1" fontAlgn="base" latinLnBrk="0" hangingPunct="1">
+              <a:lnSpc>
+                <a:spcPct val="100000"/>
+              </a:lnSpc>
+              <a:spcBef>
+                <a:spcPct val="20000"/>
+              </a:spcBef>
+              <a:spcAft>
+                <a:spcPct val="20000"/>
+              </a:spcAft>
+              <a:buClrTx/>
+              <a:buSzTx/>
+              <a:tabLst/>
+              <a:defRPr/>
+            </a:pPr>
+            <a:endParaRPr lang="de-DE" sz="2400" b="0" kern="0" dirty="0" smtClean="0">
+              <a:solidFill>
+                <a:srgbClr val="003B79"/>
+              </a:solidFill>
+              <a:latin typeface="+mn-lt"/>
+            </a:endParaRPr>
+          </a:p>
+          <a:p>
+            <a:pPr marL="742950" marR="0" lvl="1" indent="-285750" algn="l" defTabSz="914400" rtl="0" eaLnBrk="1" fontAlgn="base" latinLnBrk="0" hangingPunct="1">
+              <a:lnSpc>
+                <a:spcPct val="100000"/>
+              </a:lnSpc>
+              <a:spcBef>
+                <a:spcPct val="20000"/>
+              </a:spcBef>
+              <a:spcAft>
+                <a:spcPct val="20000"/>
+              </a:spcAft>
+              <a:buClrTx/>
+              <a:buSzTx/>
+              <a:tabLst/>
+              <a:defRPr/>
+            </a:pPr>
+            <a:endParaRPr lang="de-DE" sz="2400" b="0" kern="0" dirty="0">
+              <a:solidFill>
+                <a:srgbClr val="003B79"/>
+              </a:solidFill>
+              <a:latin typeface="+mn-lt"/>
+            </a:endParaRPr>
+          </a:p>
+          <a:p>
+            <a:pPr marL="742950" marR="0" lvl="1" indent="-285750" algn="l" defTabSz="914400" rtl="0" eaLnBrk="1" fontAlgn="base" latinLnBrk="0" hangingPunct="1">
+              <a:lnSpc>
+                <a:spcPct val="100000"/>
+              </a:lnSpc>
+              <a:spcBef>
+                <a:spcPct val="20000"/>
+              </a:spcBef>
+              <a:spcAft>
+                <a:spcPct val="20000"/>
+              </a:spcAft>
+              <a:buClrTx/>
+              <a:buSzTx/>
+              <a:tabLst/>
+              <a:defRPr/>
+            </a:pPr>
+            <a:endParaRPr kumimoji="0" lang="de-DE" sz="2400" b="0" i="0" u="none" strike="noStrike" kern="0" cap="none" spc="0" normalizeH="0" baseline="0" noProof="0" dirty="0" smtClean="0">
+              <a:ln>
+                <a:noFill/>
+              </a:ln>
+              <a:solidFill>
+                <a:srgbClr val="003B79"/>
+              </a:solidFill>
+              <a:effectLst/>
+              <a:uLnTx/>
+              <a:uFillTx/>
+              <a:latin typeface="+mn-lt"/>
+            </a:endParaRPr>
+          </a:p>
+        </p:txBody>
+      </p:sp>
+      <p:sp>
+        <p:nvSpPr>
+          <p:cNvPr id="9" name="Rectangle 4"/>
+          <p:cNvSpPr txBox="1">
+            <a:spLocks noChangeArrowheads="1"/>
+          </p:cNvSpPr>
+          <p:nvPr/>
+        </p:nvSpPr>
+        <p:spPr>
+          <a:xfrm>
+            <a:off x="792410" y="1052736"/>
+            <a:ext cx="8820150" cy="5545137"/>
+          </a:xfrm>
+          <a:prstGeom prst="rect">
+            <a:avLst/>
+          </a:prstGeom>
+        </p:spPr>
+        <p:txBody>
+          <a:bodyPr/>
+          <a:lstStyle/>
+          <a:p>
+            <a:pPr marL="457200" marR="0" lvl="0" indent="-457200" algn="l" defTabSz="914400" rtl="0" eaLnBrk="1" fontAlgn="base" latinLnBrk="0" hangingPunct="1">
+              <a:lnSpc>
+                <a:spcPct val="100000"/>
+              </a:lnSpc>
+              <a:spcBef>
+                <a:spcPct val="20000"/>
+              </a:spcBef>
+              <a:spcAft>
+                <a:spcPct val="20000"/>
+              </a:spcAft>
+              <a:buClrTx/>
+              <a:buSzTx/>
+              <a:tabLst/>
+              <a:defRPr/>
+            </a:pPr>
+            <a:r>
+              <a:rPr kumimoji="0" lang="de-DE" sz="2400" b="0" i="0" u="none" strike="noStrike" kern="0" cap="none" spc="0" normalizeH="0" baseline="0" noProof="0" dirty="0" smtClean="0">
+                <a:ln>
+                  <a:noFill/>
+                </a:ln>
+                <a:solidFill>
+                  <a:srgbClr val="003B79"/>
+                </a:solidFill>
+                <a:effectLst/>
+                <a:uLnTx/>
+                <a:uFillTx/>
+                <a:latin typeface="+mn-lt"/>
+                <a:ea typeface="+mn-ea"/>
+                <a:cs typeface="+mn-cs"/>
+              </a:rPr>
+              <a:t>Roland:	-Datenbankmodell</a:t>
+            </a:r>
+          </a:p>
+          <a:p>
+            <a:pPr marL="457200" marR="0" lvl="0" indent="-457200" algn="l" defTabSz="914400" rtl="0" eaLnBrk="1" fontAlgn="base" latinLnBrk="0" hangingPunct="1">
+              <a:lnSpc>
+                <a:spcPct val="100000"/>
+              </a:lnSpc>
+              <a:spcBef>
+                <a:spcPct val="20000"/>
+              </a:spcBef>
+              <a:spcAft>
+                <a:spcPct val="20000"/>
+              </a:spcAft>
+              <a:buClrTx/>
+              <a:buSzTx/>
+              <a:tabLst/>
+              <a:defRPr/>
+            </a:pPr>
+            <a:r>
+              <a:rPr lang="de-DE" sz="2400" b="0" kern="0" dirty="0" smtClean="0">
+                <a:solidFill>
+                  <a:srgbClr val="003B79"/>
+                </a:solidFill>
+                <a:latin typeface="+mn-lt"/>
+              </a:rPr>
+              <a:t>			-Datenbankschnittstelle</a:t>
+            </a:r>
+          </a:p>
+          <a:p>
+            <a:pPr marL="457200" marR="0" lvl="0" indent="-457200" algn="l" defTabSz="914400" rtl="0" eaLnBrk="1" fontAlgn="base" latinLnBrk="0" hangingPunct="1">
+              <a:lnSpc>
+                <a:spcPct val="100000"/>
+              </a:lnSpc>
+              <a:spcBef>
+                <a:spcPct val="20000"/>
+              </a:spcBef>
+              <a:spcAft>
+                <a:spcPct val="20000"/>
+              </a:spcAft>
+              <a:buClrTx/>
+              <a:buSzTx/>
+              <a:tabLst/>
+              <a:defRPr/>
+            </a:pPr>
+            <a:r>
+              <a:rPr lang="de-DE" sz="2400" b="0" kern="0" dirty="0" smtClean="0">
+                <a:solidFill>
+                  <a:srgbClr val="003B79"/>
+                </a:solidFill>
+                <a:latin typeface="+mn-lt"/>
+              </a:rPr>
+              <a:t>Sabine:	-Kontaktbuch</a:t>
+            </a:r>
+          </a:p>
+          <a:p>
+            <a:pPr marL="457200" marR="0" lvl="0" indent="-457200" algn="l" defTabSz="914400" rtl="0" eaLnBrk="1" fontAlgn="base" latinLnBrk="0" hangingPunct="1">
+              <a:lnSpc>
+                <a:spcPct val="100000"/>
+              </a:lnSpc>
+              <a:spcBef>
+                <a:spcPct val="20000"/>
+              </a:spcBef>
+              <a:spcAft>
+                <a:spcPct val="20000"/>
+              </a:spcAft>
+              <a:buClrTx/>
+              <a:buSzTx/>
+              <a:tabLst/>
+              <a:defRPr/>
+            </a:pPr>
+            <a:r>
+              <a:rPr lang="de-DE" sz="2400" b="0" kern="0" dirty="0" smtClean="0">
+                <a:solidFill>
+                  <a:srgbClr val="003B79"/>
+                </a:solidFill>
+                <a:latin typeface="+mn-lt"/>
+              </a:rPr>
+              <a:t>			-Test-GUI</a:t>
+            </a:r>
+          </a:p>
+          <a:p>
+            <a:pPr marL="457200" marR="0" lvl="0" indent="-457200" algn="l" defTabSz="914400" rtl="0" eaLnBrk="1" fontAlgn="base" latinLnBrk="0" hangingPunct="1">
+              <a:lnSpc>
+                <a:spcPct val="100000"/>
+              </a:lnSpc>
+              <a:spcBef>
+                <a:spcPct val="20000"/>
+              </a:spcBef>
+              <a:spcAft>
+                <a:spcPct val="20000"/>
+              </a:spcAft>
+              <a:buClrTx/>
+              <a:buSzTx/>
+              <a:tabLst/>
+              <a:defRPr/>
+            </a:pPr>
+            <a:r>
+              <a:rPr lang="de-DE" sz="2400" b="0" kern="0" dirty="0" smtClean="0">
+                <a:solidFill>
+                  <a:srgbClr val="003B79"/>
+                </a:solidFill>
+                <a:latin typeface="+mn-lt"/>
+              </a:rPr>
+              <a:t>			-Artikel</a:t>
+            </a:r>
+          </a:p>
+          <a:p>
+            <a:pPr marL="457200" marR="0" lvl="0" indent="-457200" algn="l" defTabSz="914400" rtl="0" eaLnBrk="1" fontAlgn="base" latinLnBrk="0" hangingPunct="1">
+              <a:spcBef>
+                <a:spcPct val="20000"/>
+              </a:spcBef>
+              <a:spcAft>
+                <a:spcPct val="20000"/>
+              </a:spcAft>
+              <a:buClrTx/>
+              <a:buSzTx/>
+              <a:tabLst/>
+              <a:defRPr/>
+            </a:pPr>
+            <a:r>
+              <a:rPr lang="de-DE" sz="2400" b="0" kern="0" dirty="0" smtClean="0">
+                <a:solidFill>
+                  <a:srgbClr val="003B79"/>
+                </a:solidFill>
+                <a:latin typeface="+mn-lt"/>
+              </a:rPr>
+              <a:t>Daniel:	-Angebote</a:t>
+            </a:r>
+          </a:p>
+          <a:p>
+            <a:pPr marL="457200" marR="0" lvl="0" indent="-457200" algn="l" defTabSz="914400" rtl="0" eaLnBrk="1" fontAlgn="base" latinLnBrk="0" hangingPunct="1">
+              <a:lnSpc>
+                <a:spcPct val="100000"/>
+              </a:lnSpc>
+              <a:spcBef>
+                <a:spcPct val="20000"/>
+              </a:spcBef>
+              <a:spcAft>
+                <a:spcPct val="20000"/>
+              </a:spcAft>
+              <a:buClrTx/>
+              <a:buSzTx/>
+              <a:tabLst/>
+              <a:defRPr/>
+            </a:pPr>
+            <a:r>
+              <a:rPr lang="de-DE" sz="2400" b="0" kern="0" dirty="0" smtClean="0">
+                <a:solidFill>
+                  <a:srgbClr val="003B79"/>
+                </a:solidFill>
+                <a:latin typeface="+mn-lt"/>
+              </a:rPr>
+              <a:t>			-Rechnungen</a:t>
+            </a:r>
+          </a:p>
+          <a:p>
+            <a:pPr marL="457200" marR="0" lvl="0" indent="-457200" algn="l" defTabSz="914400" rtl="0" eaLnBrk="1" fontAlgn="base" latinLnBrk="0" hangingPunct="1">
+              <a:lnSpc>
+                <a:spcPct val="100000"/>
+              </a:lnSpc>
+              <a:spcBef>
+                <a:spcPct val="20000"/>
+              </a:spcBef>
+              <a:spcAft>
+                <a:spcPct val="20000"/>
+              </a:spcAft>
+              <a:buClrTx/>
+              <a:buSzTx/>
+              <a:tabLst/>
+              <a:defRPr/>
+            </a:pPr>
+            <a:r>
+              <a:rPr lang="de-DE" sz="2400" b="0" kern="0" dirty="0" smtClean="0">
+                <a:solidFill>
+                  <a:srgbClr val="003B79"/>
+                </a:solidFill>
+                <a:latin typeface="+mn-lt"/>
+              </a:rPr>
+              <a:t>			-</a:t>
+            </a:r>
+            <a:r>
+              <a:rPr lang="de-DE" sz="2400" b="0" kern="0" dirty="0" smtClean="0">
+                <a:solidFill>
+                  <a:srgbClr val="003B79"/>
+                </a:solidFill>
+                <a:latin typeface="+mn-lt"/>
+              </a:rPr>
+              <a:t>UML-Diagramme</a:t>
+            </a:r>
+            <a:endParaRPr lang="de-DE" sz="2400" b="0" kern="0" dirty="0" smtClean="0">
+              <a:solidFill>
+                <a:srgbClr val="003B79"/>
+              </a:solidFill>
+              <a:latin typeface="+mn-lt"/>
+            </a:endParaRPr>
+          </a:p>
+          <a:p>
+            <a:pPr marL="457200" marR="0" lvl="0" indent="-457200" algn="l" defTabSz="914400" rtl="0" eaLnBrk="1" fontAlgn="base" latinLnBrk="0" hangingPunct="1">
+              <a:lnSpc>
+                <a:spcPct val="100000"/>
+              </a:lnSpc>
+              <a:spcBef>
+                <a:spcPct val="20000"/>
+              </a:spcBef>
+              <a:spcAft>
+                <a:spcPct val="20000"/>
+              </a:spcAft>
+              <a:buClrTx/>
+              <a:buSzTx/>
+              <a:tabLst/>
+              <a:defRPr/>
+            </a:pPr>
+            <a:endParaRPr lang="de-DE" sz="2400" b="0" kern="0" dirty="0" smtClean="0">
+              <a:solidFill>
+                <a:srgbClr val="003B79"/>
+              </a:solidFill>
+              <a:latin typeface="+mn-lt"/>
+            </a:endParaRPr>
+          </a:p>
+          <a:p>
+            <a:pPr marL="457200" marR="0" lvl="0" indent="-457200" algn="l" defTabSz="914400" rtl="0" eaLnBrk="1" fontAlgn="base" latinLnBrk="0" hangingPunct="1">
+              <a:lnSpc>
+                <a:spcPct val="100000"/>
+              </a:lnSpc>
+              <a:spcBef>
+                <a:spcPct val="20000"/>
+              </a:spcBef>
+              <a:spcAft>
+                <a:spcPct val="20000"/>
+              </a:spcAft>
+              <a:buClrTx/>
+              <a:buSzTx/>
+              <a:tabLst/>
+              <a:defRPr/>
+            </a:pPr>
+            <a:r>
+              <a:rPr lang="de-DE" sz="2400" b="0" kern="0" dirty="0" smtClean="0">
+                <a:solidFill>
+                  <a:srgbClr val="003B79"/>
+                </a:solidFill>
+                <a:latin typeface="+mn-lt"/>
+              </a:rPr>
+              <a:t>Alle:		-Dokumentation</a:t>
+            </a:r>
+          </a:p>
+          <a:p>
+            <a:pPr marL="457200" marR="0" lvl="0" indent="-457200" algn="l" defTabSz="914400" rtl="0" eaLnBrk="1" fontAlgn="base" latinLnBrk="0" hangingPunct="1">
+              <a:lnSpc>
+                <a:spcPct val="100000"/>
+              </a:lnSpc>
+              <a:spcBef>
+                <a:spcPct val="20000"/>
+              </a:spcBef>
+              <a:spcAft>
+                <a:spcPct val="20000"/>
+              </a:spcAft>
+              <a:buClrTx/>
+              <a:buSzTx/>
+              <a:tabLst/>
+              <a:defRPr/>
+            </a:pPr>
+            <a:r>
+              <a:rPr kumimoji="0" lang="de-DE" sz="2400" b="0" i="0" u="none" strike="noStrike" kern="0" cap="none" spc="0" normalizeH="0" baseline="0" noProof="0" dirty="0" smtClean="0">
+                <a:ln>
+                  <a:noFill/>
+                </a:ln>
+                <a:solidFill>
+                  <a:srgbClr val="003B79"/>
+                </a:solidFill>
+                <a:effectLst/>
+                <a:uLnTx/>
+                <a:uFillTx/>
+                <a:latin typeface="+mn-lt"/>
+                <a:ea typeface="+mn-ea"/>
+                <a:cs typeface="+mn-cs"/>
+              </a:rPr>
+              <a:t>			-Testen			</a:t>
+            </a:r>
+          </a:p>
+        </p:txBody>
+      </p:sp>
+    </p:spTree>
+  </p:cSld>
+  <p:clrMapOvr>
+    <a:masterClrMapping/>
+  </p:clrMapOvr>
+  <p:timing>
+    <p:tnLst>
+      <p:par>
+        <p:cTn id="1" dur="indefinite" restart="never" nodeType="tmRoot"/>
+      </p:par>
+    </p:tnLst>
+  </p:timing>
+</p:sld>
+</file>
+
+<file path=ppt/slides/slide14.xml><?xml version="1.0" encoding="utf-8"?>
+<p:sld xmlns:a="http://schemas.openxmlformats.org/drawingml/2006/main" xmlns:r="http://schemas.openxmlformats.org/officeDocument/2006/relationships" xmlns:p="http://schemas.openxmlformats.org/presentationml/2006/main">
+  <p:cSld>
+    <p:spTree>
+      <p:nvGrpSpPr>
+        <p:cNvPr id="1" name=""/>
+        <p:cNvGrpSpPr/>
+        <p:nvPr/>
+      </p:nvGrpSpPr>
+      <p:grpSpPr>
+        <a:xfrm>
+          <a:off x="0" y="0"/>
+          <a:ext cx="0" cy="0"/>
+          <a:chOff x="0" y="0"/>
+          <a:chExt cx="0" cy="0"/>
+        </a:xfrm>
+      </p:grpSpPr>
+      <p:sp>
+        <p:nvSpPr>
+          <p:cNvPr id="4" name="Rectangle 2"/>
+          <p:cNvSpPr txBox="1">
+            <a:spLocks noChangeArrowheads="1"/>
+          </p:cNvSpPr>
+          <p:nvPr/>
+        </p:nvSpPr>
+        <p:spPr>
+          <a:xfrm>
+            <a:off x="323626" y="357188"/>
+            <a:ext cx="6624638" cy="503237"/>
+          </a:xfrm>
+          <a:prstGeom prst="rect">
+            <a:avLst/>
+          </a:prstGeom>
+        </p:spPr>
+        <p:txBody>
+          <a:bodyPr/>
+          <a:lstStyle/>
+          <a:p>
+            <a:pPr marL="457200" lvl="0" indent="-457200" algn="l"/>
+            <a:r>
+              <a:rPr lang="de-DE" sz="3200" dirty="0" smtClean="0">
+                <a:solidFill>
+                  <a:srgbClr val="003B79"/>
+                </a:solidFill>
+                <a:latin typeface="+mj-lt"/>
+                <a:ea typeface="+mj-ea"/>
+                <a:cs typeface="+mj-cs"/>
+              </a:rPr>
+              <a:t>8. Zeitplan</a:t>
+            </a:r>
+          </a:p>
+        </p:txBody>
+      </p:sp>
+      <p:sp>
+        <p:nvSpPr>
+          <p:cNvPr id="5" name="Rectangle 4"/>
+          <p:cNvSpPr txBox="1">
+            <a:spLocks noChangeArrowheads="1"/>
+          </p:cNvSpPr>
+          <p:nvPr/>
+        </p:nvSpPr>
+        <p:spPr>
+          <a:xfrm>
+            <a:off x="323850" y="1052736"/>
+            <a:ext cx="8568630" cy="5545137"/>
+          </a:xfrm>
+          <a:prstGeom prst="rect">
+            <a:avLst/>
+          </a:prstGeom>
+        </p:spPr>
+        <p:txBody>
+          <a:bodyPr/>
+          <a:lstStyle/>
+          <a:p>
+            <a:pPr marL="742950" marR="0" lvl="1" indent="-285750" algn="l" defTabSz="914400" rtl="0" eaLnBrk="1" fontAlgn="base" latinLnBrk="0" hangingPunct="1">
+              <a:lnSpc>
+                <a:spcPct val="100000"/>
+              </a:lnSpc>
+              <a:spcBef>
+                <a:spcPct val="20000"/>
+              </a:spcBef>
+              <a:spcAft>
+                <a:spcPct val="20000"/>
+              </a:spcAft>
+              <a:buClrTx/>
+              <a:buSzTx/>
+              <a:tabLst/>
+              <a:defRPr/>
+            </a:pPr>
+            <a:endParaRPr lang="de-DE" sz="2400" b="0" kern="0" dirty="0" smtClean="0">
+              <a:solidFill>
+                <a:srgbClr val="003B79"/>
+              </a:solidFill>
+              <a:latin typeface="+mn-lt"/>
+            </a:endParaRPr>
+          </a:p>
+          <a:p>
+            <a:pPr marL="742950" lvl="1" indent="-285750" algn="l">
+              <a:spcBef>
+                <a:spcPct val="20000"/>
+              </a:spcBef>
+              <a:spcAft>
+                <a:spcPct val="20000"/>
+              </a:spcAft>
+            </a:pPr>
+            <a:endParaRPr lang="de-DE" sz="2400" b="0" kern="0" dirty="0">
+              <a:solidFill>
+                <a:srgbClr val="003B79"/>
+              </a:solidFill>
+              <a:latin typeface="+mn-lt"/>
+            </a:endParaRPr>
+          </a:p>
+          <a:p>
+            <a:pPr marL="742950" marR="0" lvl="1" indent="-285750" algn="l" defTabSz="914400" rtl="0" eaLnBrk="1" fontAlgn="base" latinLnBrk="0" hangingPunct="1">
+              <a:lnSpc>
+                <a:spcPct val="100000"/>
+              </a:lnSpc>
+              <a:spcBef>
+                <a:spcPct val="20000"/>
+              </a:spcBef>
+              <a:spcAft>
+                <a:spcPct val="20000"/>
+              </a:spcAft>
+              <a:buClrTx/>
+              <a:buSzTx/>
+              <a:tabLst/>
+              <a:defRPr/>
+            </a:pPr>
+            <a:endParaRPr lang="de-DE" sz="2400" b="0" kern="0" dirty="0">
+              <a:solidFill>
+                <a:srgbClr val="003B79"/>
+              </a:solidFill>
+              <a:latin typeface="+mn-lt"/>
+            </a:endParaRPr>
+          </a:p>
+          <a:p>
+            <a:pPr marL="742950" marR="0" lvl="1" indent="-285750" algn="l" defTabSz="914400" rtl="0" eaLnBrk="1" fontAlgn="base" latinLnBrk="0" hangingPunct="1">
+              <a:lnSpc>
+                <a:spcPct val="100000"/>
+              </a:lnSpc>
+              <a:spcBef>
+                <a:spcPct val="20000"/>
+              </a:spcBef>
+              <a:spcAft>
+                <a:spcPct val="20000"/>
+              </a:spcAft>
+              <a:buClrTx/>
+              <a:buSzTx/>
+              <a:tabLst/>
+              <a:defRPr/>
+            </a:pPr>
+            <a:endParaRPr lang="de-DE" sz="2400" b="0" kern="0" dirty="0" smtClean="0">
+              <a:solidFill>
+                <a:srgbClr val="003B79"/>
+              </a:solidFill>
+              <a:latin typeface="+mn-lt"/>
+            </a:endParaRPr>
+          </a:p>
+          <a:p>
+            <a:pPr marL="742950" marR="0" lvl="1" indent="-285750" algn="l" defTabSz="914400" rtl="0" eaLnBrk="1" fontAlgn="base" latinLnBrk="0" hangingPunct="1">
+              <a:lnSpc>
+                <a:spcPct val="100000"/>
+              </a:lnSpc>
+              <a:spcBef>
+                <a:spcPct val="20000"/>
+              </a:spcBef>
+              <a:spcAft>
+                <a:spcPct val="20000"/>
+              </a:spcAft>
+              <a:buClrTx/>
+              <a:buSzTx/>
+              <a:tabLst/>
+              <a:defRPr/>
+            </a:pPr>
+            <a:endParaRPr lang="de-DE" sz="2400" b="0" kern="0" dirty="0">
+              <a:solidFill>
+                <a:srgbClr val="003B79"/>
+              </a:solidFill>
+              <a:latin typeface="+mn-lt"/>
+            </a:endParaRPr>
+          </a:p>
+          <a:p>
+            <a:pPr marL="742950" marR="0" lvl="1" indent="-285750" algn="l" defTabSz="914400" rtl="0" eaLnBrk="1" fontAlgn="base" latinLnBrk="0" hangingPunct="1">
+              <a:lnSpc>
+                <a:spcPct val="100000"/>
+              </a:lnSpc>
+              <a:spcBef>
+                <a:spcPct val="20000"/>
+              </a:spcBef>
+              <a:spcAft>
+                <a:spcPct val="20000"/>
+              </a:spcAft>
+              <a:buClrTx/>
+              <a:buSzTx/>
+              <a:tabLst/>
+              <a:defRPr/>
+            </a:pPr>
+            <a:endParaRPr kumimoji="0" lang="de-DE" sz="2400" b="0" i="0" u="none" strike="noStrike" kern="0" cap="none" spc="0" normalizeH="0" baseline="0" noProof="0" dirty="0" smtClean="0">
+              <a:ln>
+                <a:noFill/>
+              </a:ln>
+              <a:solidFill>
+                <a:srgbClr val="003B79"/>
+              </a:solidFill>
+              <a:effectLst/>
+              <a:uLnTx/>
+              <a:uFillTx/>
+              <a:latin typeface="+mn-lt"/>
+            </a:endParaRPr>
+          </a:p>
+        </p:txBody>
+      </p:sp>
+      <p:sp>
+        <p:nvSpPr>
+          <p:cNvPr id="9" name="Rectangle 4"/>
+          <p:cNvSpPr txBox="1">
+            <a:spLocks noChangeArrowheads="1"/>
+          </p:cNvSpPr>
+          <p:nvPr/>
+        </p:nvSpPr>
+        <p:spPr>
+          <a:xfrm>
+            <a:off x="792410" y="1052736"/>
+            <a:ext cx="8820150" cy="5545137"/>
+          </a:xfrm>
+          <a:prstGeom prst="rect">
+            <a:avLst/>
+          </a:prstGeom>
+        </p:spPr>
+        <p:txBody>
+          <a:bodyPr/>
+          <a:lstStyle/>
+          <a:p>
+            <a:pPr marL="457200" marR="0" lvl="0" indent="-457200" algn="l" defTabSz="914400" rtl="0" eaLnBrk="1" fontAlgn="base" latinLnBrk="0" hangingPunct="1">
+              <a:lnSpc>
+                <a:spcPct val="100000"/>
+              </a:lnSpc>
+              <a:spcBef>
+                <a:spcPct val="20000"/>
+              </a:spcBef>
+              <a:spcAft>
+                <a:spcPct val="20000"/>
+              </a:spcAft>
+              <a:buClrTx/>
+              <a:buSzTx/>
+              <a:tabLst/>
+              <a:defRPr/>
+            </a:pPr>
+            <a:r>
+              <a:rPr kumimoji="0" lang="de-DE" sz="2400" b="0" i="0" u="none" strike="noStrike" kern="0" cap="none" spc="0" normalizeH="0" baseline="0" noProof="0" dirty="0" smtClean="0">
+                <a:ln>
+                  <a:noFill/>
+                </a:ln>
+                <a:solidFill>
+                  <a:srgbClr val="003B79"/>
+                </a:solidFill>
+                <a:effectLst/>
+                <a:uLnTx/>
+                <a:uFillTx/>
+                <a:latin typeface="+mn-lt"/>
+                <a:ea typeface="+mn-ea"/>
+                <a:cs typeface="+mn-cs"/>
+              </a:rPr>
+              <a:t>			</a:t>
+            </a:r>
+          </a:p>
+        </p:txBody>
+      </p:sp>
+      <p:pic>
+        <p:nvPicPr>
+          <p:cNvPr id="6" name="Grafik 5" descr="Gantt PRG4.png">
+            <a:hlinkClick r:id="rId3" action="ppaction://hlinkfile"/>
+          </p:cNvPr>
+          <p:cNvPicPr>
+            <a:picLocks noChangeAspect="1"/>
+          </p:cNvPicPr>
+          <p:nvPr/>
+        </p:nvPicPr>
+        <p:blipFill>
+          <a:blip r:embed="rId4" cstate="print"/>
+          <a:stretch>
+            <a:fillRect/>
+          </a:stretch>
+        </p:blipFill>
+        <p:spPr>
+          <a:xfrm>
+            <a:off x="0" y="1844824"/>
+            <a:ext cx="9144000" cy="2880320"/>
+          </a:xfrm>
+          <a:prstGeom prst="rect">
+            <a:avLst/>
+          </a:prstGeom>
+        </p:spPr>
+      </p:pic>
+    </p:spTree>
+  </p:cSld>
+  <p:clrMapOvr>
+    <a:masterClrMapping/>
+  </p:clrMapOvr>
+  <p:timing>
+    <p:tnLst>
+      <p:par>
+        <p:cTn id="1" dur="indefinite" restart="never" nodeType="tmRoot"/>
+      </p:par>
+    </p:tnLst>
+  </p:timing>
+</p:sld>
+</file>
+
 <file path=ppt/slides/slide2.xml><?xml version="1.0" encoding="utf-8"?>
 <p:sld xmlns:a="http://schemas.openxmlformats.org/drawingml/2006/main" xmlns:r="http://schemas.openxmlformats.org/officeDocument/2006/relationships" xmlns:p="http://schemas.openxmlformats.org/presentationml/2006/main">
   <p:cSld>
@@ -4086,10 +11409,7 @@
             <a:pPr marL="457200" indent="-457200">
               <a:buAutoNum type="arabicPeriod"/>
             </a:pPr>
-            <a:r>
-              <a:rPr lang="de-DE" sz="2400" dirty="0" smtClean="0"/>
-              <a:t>Zielbestimmung</a:t>
-            </a:r>
+            <a:endParaRPr lang="de-DE" sz="2400" dirty="0" smtClean="0"/>
           </a:p>
           <a:p>
             <a:pPr marL="457200" indent="-457200">
@@ -4097,8 +11417,9 @@
             </a:pPr>
             <a:r>
               <a:rPr lang="de-DE" sz="2400" dirty="0" smtClean="0"/>
-              <a:t>Produkteinsatz</a:t>
-            </a:r>
+              <a:t>Zielbestimmung</a:t>
+            </a:r>
+            <a:endParaRPr lang="de-DE" sz="2400" dirty="0" smtClean="0"/>
           </a:p>
           <a:p>
             <a:pPr marL="457200" indent="-457200">
@@ -4106,50 +11427,7 @@
             </a:pPr>
             <a:r>
               <a:rPr lang="de-DE" sz="2400" dirty="0" smtClean="0"/>
-              <a:t>Produktübersicht (Architektur), was passiert wo</a:t>
-            </a:r>
-          </a:p>
-          <a:p>
-            <a:pPr marL="457200" indent="-457200">
-              <a:buAutoNum type="arabicPeriod"/>
-            </a:pPr>
-            <a:r>
-              <a:rPr lang="de-DE" sz="2400" dirty="0" smtClean="0"/>
-              <a:t>Datenmodell (vorläufig, </a:t>
-            </a:r>
-            <a:r>
-              <a:rPr lang="de-DE" sz="2400" dirty="0" err="1" smtClean="0"/>
-              <a:t>klassendiagramm</a:t>
-            </a:r>
-            <a:r>
-              <a:rPr lang="de-DE" sz="2400" dirty="0" smtClean="0"/>
-              <a:t>, </a:t>
-            </a:r>
-            <a:r>
-              <a:rPr lang="de-DE" sz="2400" dirty="0" err="1" smtClean="0"/>
-              <a:t>datenbankschema</a:t>
-            </a:r>
-            <a:r>
-              <a:rPr lang="de-DE" sz="2400" dirty="0" smtClean="0"/>
-              <a:t>)</a:t>
-            </a:r>
-          </a:p>
-          <a:p>
-            <a:pPr marL="457200" indent="-457200">
-              <a:buAutoNum type="arabicPeriod"/>
-            </a:pPr>
-            <a:r>
-              <a:rPr lang="de-DE" sz="2400" dirty="0" smtClean="0"/>
-              <a:t>Produktleistungen</a:t>
-            </a:r>
-          </a:p>
-          <a:p>
-            <a:pPr marL="457200" indent="-457200">
-              <a:buAutoNum type="arabicPeriod"/>
-            </a:pPr>
-            <a:r>
-              <a:rPr lang="de-DE" sz="2400" dirty="0" smtClean="0"/>
-              <a:t>Qualitätskriterien</a:t>
+              <a:t>Produkteinsatz</a:t>
             </a:r>
           </a:p>
           <a:p>
@@ -4159,8 +11437,50 @@
             </a:pPr>
             <a:r>
               <a:rPr lang="de-DE" sz="2400" dirty="0" smtClean="0"/>
+              <a:t>Produktübersicht</a:t>
+            </a:r>
+            <a:endParaRPr lang="de-DE" sz="2400" dirty="0" smtClean="0"/>
+          </a:p>
+          <a:p>
+            <a:pPr marL="457200" indent="-457200">
+              <a:buFontTx/>
+              <a:buAutoNum type="arabicPeriod"/>
+            </a:pPr>
+            <a:r>
+              <a:rPr lang="de-DE" sz="2400" dirty="0" smtClean="0"/>
+              <a:t>Qualitätskriterien</a:t>
+            </a:r>
+          </a:p>
+          <a:p>
+            <a:pPr marL="457200" indent="-457200">
+              <a:buAutoNum type="arabicPeriod"/>
+            </a:pPr>
+            <a:r>
+              <a:rPr lang="de-DE" sz="2400" dirty="0" smtClean="0"/>
+              <a:t>Produktarchitektur</a:t>
+            </a:r>
+            <a:endParaRPr lang="de-DE" sz="2400" dirty="0" smtClean="0"/>
+          </a:p>
+          <a:p>
+            <a:pPr marL="457200" indent="-457200">
+              <a:buAutoNum type="arabicPeriod"/>
+            </a:pPr>
+            <a:r>
+              <a:rPr lang="de-DE" sz="2400" dirty="0" smtClean="0"/>
+              <a:t>Datenmodelle</a:t>
+            </a:r>
+            <a:endParaRPr lang="de-DE" sz="2400" dirty="0" smtClean="0"/>
+          </a:p>
+          <a:p>
+            <a:pPr marL="457200" indent="-457200">
+              <a:buFontTx/>
+              <a:buAutoNum type="arabicPeriod"/>
+            </a:pPr>
+            <a:r>
+              <a:rPr lang="de-DE" sz="2400" dirty="0" smtClean="0"/>
               <a:t>Arbeitsaufteilung</a:t>
             </a:r>
+            <a:endParaRPr lang="de-DE" sz="2400" dirty="0" smtClean="0"/>
           </a:p>
           <a:p>
             <a:pPr marL="457200" indent="-457200">
@@ -4236,8 +11556,27 @@
                 <a:ea typeface="+mj-ea"/>
                 <a:cs typeface="+mj-cs"/>
               </a:rPr>
-              <a:t>7. Arbeitsaufteilung</a:t>
-            </a:r>
+              <a:t>1. Zielbestimmung</a:t>
+            </a:r>
+            <a:endParaRPr lang="de-DE" sz="3200" dirty="0" smtClean="0">
+              <a:solidFill>
+                <a:srgbClr val="003B79"/>
+              </a:solidFill>
+              <a:latin typeface="+mj-lt"/>
+              <a:ea typeface="+mj-ea"/>
+              <a:cs typeface="+mj-cs"/>
+            </a:endParaRPr>
+          </a:p>
+          <a:p>
+            <a:pPr marL="457200" lvl="0" indent="-457200" algn="l"/>
+            <a:endParaRPr lang="de-DE" sz="3200" dirty="0" smtClean="0">
+              <a:solidFill>
+                <a:srgbClr val="003B79"/>
+              </a:solidFill>
+              <a:latin typeface="+mj-lt"/>
+              <a:ea typeface="+mj-ea"/>
+              <a:cs typeface="+mj-cs"/>
+            </a:endParaRPr>
           </a:p>
         </p:txBody>
       </p:sp>
@@ -4451,25 +11790,34 @@
                 <a:ea typeface="+mn-ea"/>
                 <a:cs typeface="+mn-cs"/>
               </a:rPr>
-              <a:t>Roland:	-Datenbankmodell</a:t>
-            </a:r>
-          </a:p>
-          <a:p>
-            <a:pPr marL="457200" marR="0" lvl="0" indent="-457200" algn="l" defTabSz="914400" rtl="0" eaLnBrk="1" fontAlgn="base" latinLnBrk="0" hangingPunct="1">
-              <a:lnSpc>
-                <a:spcPct val="100000"/>
-              </a:lnSpc>
-              <a:spcBef>
-                <a:spcPct val="20000"/>
-              </a:spcBef>
-              <a:spcAft>
-                <a:spcPct val="20000"/>
-              </a:spcAft>
-              <a:buClrTx/>
-              <a:buSzTx/>
-              <a:tabLst/>
-              <a:defRPr/>
-            </a:pPr>
+              <a:t>			</a:t>
+            </a:r>
+          </a:p>
+        </p:txBody>
+      </p:sp>
+      <p:sp>
+        <p:nvSpPr>
+          <p:cNvPr id="2" name="Textfeld 1"/>
+          <p:cNvSpPr txBox="1"/>
+          <p:nvPr/>
+        </p:nvSpPr>
+        <p:spPr>
+          <a:xfrm>
+            <a:off x="179512" y="1988840"/>
+            <a:ext cx="8424936" cy="3970318"/>
+          </a:xfrm>
+          <a:prstGeom prst="rect">
+            <a:avLst/>
+          </a:prstGeom>
+          <a:noFill/>
+        </p:spPr>
+        <p:txBody>
+          <a:bodyPr wrap="square" rtlCol="0">
+            <a:spAutoFit/>
+          </a:bodyPr>
+          <a:lstStyle/>
+          <a:p>
+            <a:pPr algn="l"/>
             <a:r>
               <a:rPr lang="de-DE" sz="2400" b="0" kern="0" dirty="0" smtClean="0">
                 <a:solidFill>
@@ -4477,25 +11825,8 @@
                 </a:solidFill>
                 <a:latin typeface="+mn-lt"/>
               </a:rPr>
-              <a:t>			-Datenbankschnittstelle</a:t>
-            </a:r>
-          </a:p>
-          <a:p>
-            <a:pPr marL="457200" marR="0" lvl="0" indent="-457200" algn="l" defTabSz="914400" rtl="0" eaLnBrk="1" fontAlgn="base" latinLnBrk="0" hangingPunct="1">
-              <a:lnSpc>
-                <a:spcPct val="100000"/>
-              </a:lnSpc>
-              <a:spcBef>
-                <a:spcPct val="20000"/>
-              </a:spcBef>
-              <a:spcAft>
-                <a:spcPct val="20000"/>
-              </a:spcAft>
-              <a:buClrTx/>
-              <a:buSzTx/>
-              <a:tabLst/>
-              <a:defRPr/>
-            </a:pPr>
+              <a:t>-webbasierter </a:t>
+            </a:r>
             <a:r>
               <a:rPr lang="de-DE" sz="2400" b="0" kern="0" dirty="0" smtClean="0">
                 <a:solidFill>
@@ -4503,25 +11834,8 @@
                 </a:solidFill>
                 <a:latin typeface="+mn-lt"/>
               </a:rPr>
-              <a:t>Sabine:	-Kontaktbuch</a:t>
-            </a:r>
-          </a:p>
-          <a:p>
-            <a:pPr marL="457200" marR="0" lvl="0" indent="-457200" algn="l" defTabSz="914400" rtl="0" eaLnBrk="1" fontAlgn="base" latinLnBrk="0" hangingPunct="1">
-              <a:lnSpc>
-                <a:spcPct val="100000"/>
-              </a:lnSpc>
-              <a:spcBef>
-                <a:spcPct val="20000"/>
-              </a:spcBef>
-              <a:spcAft>
-                <a:spcPct val="20000"/>
-              </a:spcAft>
-              <a:buClrTx/>
-              <a:buSzTx/>
-              <a:tabLst/>
-              <a:defRPr/>
-            </a:pPr>
+              <a:t>Vertrieb von eigenen </a:t>
+            </a:r>
             <a:r>
               <a:rPr lang="de-DE" sz="2400" b="0" kern="0" dirty="0" smtClean="0">
                 <a:solidFill>
@@ -4529,25 +11843,20 @@
                 </a:solidFill>
                 <a:latin typeface="+mn-lt"/>
               </a:rPr>
-              <a:t>			-Test-GUI</a:t>
-            </a:r>
-          </a:p>
-          <a:p>
-            <a:pPr marL="457200" marR="0" lvl="0" indent="-457200" algn="l" defTabSz="914400" rtl="0" eaLnBrk="1" fontAlgn="base" latinLnBrk="0" hangingPunct="1">
-              <a:lnSpc>
-                <a:spcPct val="100000"/>
-              </a:lnSpc>
-              <a:spcBef>
-                <a:spcPct val="20000"/>
-              </a:spcBef>
-              <a:spcAft>
-                <a:spcPct val="20000"/>
-              </a:spcAft>
-              <a:buClrTx/>
-              <a:buSzTx/>
-              <a:tabLst/>
-              <a:defRPr/>
-            </a:pPr>
+              <a:t>Artikeln</a:t>
+            </a:r>
+          </a:p>
+          <a:p>
+            <a:pPr algn="l"/>
+            <a:endParaRPr lang="de-DE" sz="2400" b="0" kern="0" dirty="0" smtClean="0">
+              <a:solidFill>
+                <a:srgbClr val="003B79"/>
+              </a:solidFill>
+              <a:latin typeface="+mn-lt"/>
+            </a:endParaRPr>
+          </a:p>
+          <a:p>
+            <a:pPr algn="l"/>
             <a:r>
               <a:rPr lang="de-DE" sz="2400" b="0" kern="0" dirty="0" smtClean="0">
                 <a:solidFill>
@@ -4555,22 +11864,20 @@
                 </a:solidFill>
                 <a:latin typeface="+mn-lt"/>
               </a:rPr>
-              <a:t>			-Artikel</a:t>
-            </a:r>
-          </a:p>
-          <a:p>
-            <a:pPr marL="457200" marR="0" lvl="0" indent="-457200" algn="l" defTabSz="914400" rtl="0" eaLnBrk="1" fontAlgn="base" latinLnBrk="0" hangingPunct="1">
-              <a:spcBef>
-                <a:spcPct val="20000"/>
-              </a:spcBef>
-              <a:spcAft>
-                <a:spcPct val="20000"/>
-              </a:spcAft>
-              <a:buClrTx/>
-              <a:buSzTx/>
-              <a:tabLst/>
-              <a:defRPr/>
-            </a:pPr>
+              <a:t>-Nutzerabhängiges Auktionskontingent</a:t>
+            </a:r>
+          </a:p>
+          <a:p>
+            <a:pPr algn="l"/>
+            <a:endParaRPr lang="de-DE" sz="2400" b="0" kern="0" dirty="0" smtClean="0">
+              <a:solidFill>
+                <a:srgbClr val="003B79"/>
+              </a:solidFill>
+              <a:latin typeface="+mn-lt"/>
+            </a:endParaRPr>
+          </a:p>
+          <a:p>
+            <a:pPr algn="l"/>
             <a:r>
               <a:rPr lang="de-DE" sz="2400" b="0" kern="0" dirty="0" smtClean="0">
                 <a:solidFill>
@@ -4578,25 +11885,8 @@
                 </a:solidFill>
                 <a:latin typeface="+mn-lt"/>
               </a:rPr>
-              <a:t>Daniel:	-Angebote</a:t>
-            </a:r>
-          </a:p>
-          <a:p>
-            <a:pPr marL="457200" marR="0" lvl="0" indent="-457200" algn="l" defTabSz="914400" rtl="0" eaLnBrk="1" fontAlgn="base" latinLnBrk="0" hangingPunct="1">
-              <a:lnSpc>
-                <a:spcPct val="100000"/>
-              </a:lnSpc>
-              <a:spcBef>
-                <a:spcPct val="20000"/>
-              </a:spcBef>
-              <a:spcAft>
-                <a:spcPct val="20000"/>
-              </a:spcAft>
-              <a:buClrTx/>
-              <a:buSzTx/>
-              <a:tabLst/>
-              <a:defRPr/>
-            </a:pPr>
+              <a:t>-Verwaltung </a:t>
+            </a:r>
             <a:r>
               <a:rPr lang="de-DE" sz="2400" b="0" kern="0" dirty="0" smtClean="0">
                 <a:solidFill>
@@ -4604,25 +11894,8 @@
                 </a:solidFill>
                 <a:latin typeface="+mn-lt"/>
               </a:rPr>
-              <a:t>			-Rechnungen</a:t>
-            </a:r>
-          </a:p>
-          <a:p>
-            <a:pPr marL="457200" marR="0" lvl="0" indent="-457200" algn="l" defTabSz="914400" rtl="0" eaLnBrk="1" fontAlgn="base" latinLnBrk="0" hangingPunct="1">
-              <a:lnSpc>
-                <a:spcPct val="100000"/>
-              </a:lnSpc>
-              <a:spcBef>
-                <a:spcPct val="20000"/>
-              </a:spcBef>
-              <a:spcAft>
-                <a:spcPct val="20000"/>
-              </a:spcAft>
-              <a:buClrTx/>
-              <a:buSzTx/>
-              <a:tabLst/>
-              <a:defRPr/>
-            </a:pPr>
+              <a:t>und Nutzung von Internetauktionsplattformen </a:t>
+            </a:r>
             <a:r>
               <a:rPr lang="de-DE" sz="2400" b="0" kern="0" dirty="0" smtClean="0">
                 <a:solidFill>
@@ -4630,25 +11903,11 @@
                 </a:solidFill>
                 <a:latin typeface="+mn-lt"/>
               </a:rPr>
-              <a:t>			-UML-Klassen-Diagramm</a:t>
-            </a:r>
-          </a:p>
-          <a:p>
-            <a:pPr marL="457200" marR="0" lvl="0" indent="-457200" algn="l" defTabSz="914400" rtl="0" eaLnBrk="1" fontAlgn="base" latinLnBrk="0" hangingPunct="1">
-              <a:lnSpc>
-                <a:spcPct val="100000"/>
-              </a:lnSpc>
-              <a:spcBef>
-                <a:spcPct val="20000"/>
-              </a:spcBef>
-              <a:spcAft>
-                <a:spcPct val="20000"/>
-              </a:spcAft>
-              <a:buClrTx/>
-              <a:buSzTx/>
-              <a:tabLst/>
-              <a:defRPr/>
-            </a:pPr>
+              <a:t>verbessern</a:t>
+            </a:r>
+          </a:p>
+          <a:p>
+            <a:pPr algn="l"/>
             <a:endParaRPr lang="de-DE" sz="2400" b="0" kern="0" dirty="0" smtClean="0">
               <a:solidFill>
                 <a:srgbClr val="003B79"/>
@@ -4657,21 +11916,7 @@
             </a:endParaRPr>
           </a:p>
           <a:p>
-            <a:pPr marL="457200" marR="0" lvl="0" indent="-457200" algn="l" defTabSz="914400" rtl="0" eaLnBrk="1" fontAlgn="base" latinLnBrk="0" hangingPunct="1">
-              <a:lnSpc>
-                <a:spcPct val="100000"/>
-              </a:lnSpc>
-              <a:spcBef>
-                <a:spcPct val="20000"/>
-              </a:spcBef>
-              <a:spcAft>
-                <a:spcPct val="20000"/>
-              </a:spcAft>
-              <a:buClrTx/>
-              <a:buSzTx/>
-              <a:tabLst/>
-              <a:defRPr/>
-            </a:pPr>
+            <a:pPr algn="l"/>
             <a:r>
               <a:rPr lang="de-DE" sz="2400" b="0" kern="0" dirty="0" smtClean="0">
                 <a:solidFill>
@@ -4679,42 +11924,26 @@
                 </a:solidFill>
                 <a:latin typeface="+mn-lt"/>
               </a:rPr>
-              <a:t>Alle:		-Dokumentation</a:t>
-            </a:r>
-          </a:p>
-          <a:p>
-            <a:pPr marL="457200" marR="0" lvl="0" indent="-457200" algn="l" defTabSz="914400" rtl="0" eaLnBrk="1" fontAlgn="base" latinLnBrk="0" hangingPunct="1">
-              <a:lnSpc>
-                <a:spcPct val="100000"/>
-              </a:lnSpc>
-              <a:spcBef>
-                <a:spcPct val="20000"/>
-              </a:spcBef>
-              <a:spcAft>
-                <a:spcPct val="20000"/>
-              </a:spcAft>
-              <a:buClrTx/>
-              <a:buSzTx/>
-              <a:tabLst/>
-              <a:defRPr/>
-            </a:pPr>
-            <a:r>
-              <a:rPr kumimoji="0" lang="de-DE" sz="2400" b="0" i="0" u="none" strike="noStrike" kern="0" cap="none" spc="0" normalizeH="0" baseline="0" noProof="0" dirty="0" smtClean="0">
-                <a:ln>
-                  <a:noFill/>
-                </a:ln>
-                <a:solidFill>
-                  <a:srgbClr val="003B79"/>
-                </a:solidFill>
-                <a:effectLst/>
-                <a:uLnTx/>
-                <a:uFillTx/>
-                <a:latin typeface="+mn-lt"/>
-                <a:ea typeface="+mn-ea"/>
-                <a:cs typeface="+mn-cs"/>
-              </a:rPr>
-              <a:t>			-Testen			</a:t>
-            </a:r>
+              <a:t>-Rechnungen halbautomatisch generieren</a:t>
+            </a:r>
+          </a:p>
+          <a:p>
+            <a:pPr algn="l"/>
+            <a:endParaRPr lang="de-DE" sz="2400" b="0" kern="0" dirty="0" smtClean="0">
+              <a:solidFill>
+                <a:srgbClr val="003B79"/>
+              </a:solidFill>
+              <a:latin typeface="+mn-lt"/>
+            </a:endParaRPr>
+          </a:p>
+          <a:p>
+            <a:r>
+              <a:rPr lang="de-DE" dirty="0"/>
+              <a:t> </a:t>
+            </a:r>
+          </a:p>
+          <a:p>
+            <a:endParaRPr lang="de-DE" dirty="0"/>
           </a:p>
         </p:txBody>
       </p:sp>
@@ -4781,8 +12010,11 @@
                 <a:ea typeface="+mj-ea"/>
                 <a:cs typeface="+mj-cs"/>
               </a:rPr>
-              <a:t>8. Zeitplan</a:t>
-            </a:r>
+              <a:t>2. Produkteinsatz</a:t>
+            </a:r>
+          </a:p>
+          <a:p>
+            <a:pPr marL="457200" lvl="0" indent="-457200" algn="l"/>
             <a:endParaRPr lang="de-DE" sz="3200" dirty="0" smtClean="0">
               <a:solidFill>
                 <a:srgbClr val="003B79"/>
@@ -4955,6 +12187,459 @@
       </p:sp>
       <p:sp>
         <p:nvSpPr>
+          <p:cNvPr id="2" name="Textfeld 1"/>
+          <p:cNvSpPr txBox="1"/>
+          <p:nvPr/>
+        </p:nvSpPr>
+        <p:spPr>
+          <a:xfrm>
+            <a:off x="179512" y="1988840"/>
+            <a:ext cx="8424936" cy="4708981"/>
+          </a:xfrm>
+          <a:prstGeom prst="rect">
+            <a:avLst/>
+          </a:prstGeom>
+          <a:noFill/>
+        </p:spPr>
+        <p:txBody>
+          <a:bodyPr wrap="square" rtlCol="0">
+            <a:spAutoFit/>
+          </a:bodyPr>
+          <a:lstStyle/>
+          <a:p>
+            <a:pPr algn="just"/>
+            <a:r>
+              <a:rPr lang="de-DE" sz="2400" b="0" kern="0" dirty="0" smtClean="0">
+                <a:solidFill>
+                  <a:srgbClr val="003B79"/>
+                </a:solidFill>
+                <a:latin typeface="+mn-lt"/>
+              </a:rPr>
+              <a:t>-Verwaltung </a:t>
+            </a:r>
+            <a:r>
+              <a:rPr lang="de-DE" sz="2400" b="0" kern="0" dirty="0">
+                <a:solidFill>
+                  <a:srgbClr val="003B79"/>
+                </a:solidFill>
+                <a:latin typeface="+mn-lt"/>
+              </a:rPr>
+              <a:t>von </a:t>
+            </a:r>
+            <a:r>
+              <a:rPr lang="de-DE" sz="2400" b="0" kern="0" dirty="0" smtClean="0">
+                <a:solidFill>
+                  <a:srgbClr val="003B79"/>
+                </a:solidFill>
+                <a:latin typeface="+mn-lt"/>
+              </a:rPr>
+              <a:t>Auktionen aus eigenen </a:t>
+            </a:r>
+            <a:r>
+              <a:rPr lang="de-DE" sz="2400" b="0" kern="0" dirty="0">
+                <a:solidFill>
+                  <a:srgbClr val="003B79"/>
+                </a:solidFill>
+                <a:latin typeface="+mn-lt"/>
+              </a:rPr>
+              <a:t>Büchern, CDs, </a:t>
+            </a:r>
+            <a:r>
+              <a:rPr lang="de-DE" sz="2400" b="0" kern="0" dirty="0" smtClean="0">
+                <a:solidFill>
+                  <a:srgbClr val="003B79"/>
+                </a:solidFill>
+                <a:latin typeface="+mn-lt"/>
+              </a:rPr>
+              <a:t>DVDs, Büromaterial und Computerspielen</a:t>
+            </a:r>
+          </a:p>
+          <a:p>
+            <a:pPr algn="just"/>
+            <a:endParaRPr lang="de-DE" sz="2400" b="0" kern="0" dirty="0" smtClean="0">
+              <a:solidFill>
+                <a:srgbClr val="003B79"/>
+              </a:solidFill>
+              <a:latin typeface="+mn-lt"/>
+            </a:endParaRPr>
+          </a:p>
+          <a:p>
+            <a:pPr algn="just">
+              <a:buFontTx/>
+              <a:buChar char="-"/>
+            </a:pPr>
+            <a:r>
+              <a:rPr lang="de-DE" sz="2400" b="0" kern="0" dirty="0" smtClean="0">
+                <a:solidFill>
+                  <a:srgbClr val="003B79"/>
+                </a:solidFill>
+                <a:latin typeface="+mn-lt"/>
+              </a:rPr>
+              <a:t>Vereinfachung von Verwaltung </a:t>
+            </a:r>
+            <a:r>
+              <a:rPr lang="de-DE" sz="2400" b="0" kern="0" dirty="0">
+                <a:solidFill>
+                  <a:srgbClr val="003B79"/>
+                </a:solidFill>
+                <a:latin typeface="+mn-lt"/>
+              </a:rPr>
+              <a:t>und Analyse der </a:t>
+            </a:r>
+            <a:r>
+              <a:rPr lang="de-DE" sz="2400" b="0" kern="0" dirty="0" smtClean="0">
+                <a:solidFill>
+                  <a:srgbClr val="003B79"/>
+                </a:solidFill>
+                <a:latin typeface="+mn-lt"/>
+              </a:rPr>
+              <a:t>Angebotenen Artikel </a:t>
+            </a:r>
+          </a:p>
+          <a:p>
+            <a:pPr algn="just">
+              <a:buFontTx/>
+              <a:buChar char="-"/>
+            </a:pPr>
+            <a:endParaRPr lang="de-DE" sz="2400" b="0" kern="0" dirty="0" smtClean="0">
+              <a:solidFill>
+                <a:srgbClr val="003B79"/>
+              </a:solidFill>
+              <a:latin typeface="+mn-lt"/>
+            </a:endParaRPr>
+          </a:p>
+          <a:p>
+            <a:pPr algn="just">
+              <a:buFontTx/>
+              <a:buChar char="-"/>
+            </a:pPr>
+            <a:r>
+              <a:rPr lang="de-DE" sz="2400" b="0" kern="0" dirty="0" smtClean="0">
+                <a:solidFill>
+                  <a:srgbClr val="003B79"/>
+                </a:solidFill>
+                <a:latin typeface="+mn-lt"/>
+              </a:rPr>
+              <a:t>Austausch derzeitiger Tabellenverwaltung, dadurch: 	</a:t>
+            </a:r>
+          </a:p>
+          <a:p>
+            <a:pPr lvl="2" algn="just">
+              <a:buFontTx/>
+              <a:buChar char="-"/>
+            </a:pPr>
+            <a:r>
+              <a:rPr lang="de-DE" sz="2400" b="0" kern="0" dirty="0" smtClean="0">
+                <a:solidFill>
+                  <a:srgbClr val="003B79"/>
+                </a:solidFill>
+                <a:latin typeface="+mn-lt"/>
+              </a:rPr>
+              <a:t>beschleunigte Organisation</a:t>
+            </a:r>
+          </a:p>
+          <a:p>
+            <a:pPr lvl="2" algn="just">
+              <a:buFontTx/>
+              <a:buChar char="-"/>
+            </a:pPr>
+            <a:r>
+              <a:rPr lang="de-DE" sz="2400" b="0" kern="0" dirty="0" smtClean="0">
+                <a:solidFill>
+                  <a:srgbClr val="003B79"/>
+                </a:solidFill>
+                <a:latin typeface="+mn-lt"/>
+              </a:rPr>
+              <a:t>Multi-User fähig</a:t>
+            </a:r>
+          </a:p>
+          <a:p>
+            <a:pPr lvl="2" algn="just">
+              <a:buFontTx/>
+              <a:buChar char="-"/>
+            </a:pPr>
+            <a:r>
+              <a:rPr lang="de-DE" sz="2400" b="0" kern="0" dirty="0" smtClean="0">
+                <a:solidFill>
+                  <a:srgbClr val="003B79"/>
+                </a:solidFill>
+                <a:latin typeface="+mn-lt"/>
+              </a:rPr>
+              <a:t>eigenes Auktionskontingent pro User</a:t>
+            </a:r>
+          </a:p>
+          <a:p>
+            <a:pPr lvl="2" algn="just">
+              <a:buFontTx/>
+              <a:buChar char="-"/>
+            </a:pPr>
+            <a:r>
+              <a:rPr lang="de-DE" sz="2400" b="0" kern="0" dirty="0" smtClean="0">
+                <a:solidFill>
+                  <a:srgbClr val="003B79"/>
+                </a:solidFill>
+                <a:latin typeface="+mn-lt"/>
+              </a:rPr>
+              <a:t>verbesserte Datenintegrität</a:t>
+            </a:r>
+            <a:endParaRPr lang="de-DE" sz="2400" b="0" kern="0" dirty="0">
+              <a:solidFill>
+                <a:srgbClr val="003B79"/>
+              </a:solidFill>
+              <a:latin typeface="+mn-lt"/>
+            </a:endParaRPr>
+          </a:p>
+          <a:p>
+            <a:r>
+              <a:rPr lang="de-DE" dirty="0"/>
+              <a:t> </a:t>
+            </a:r>
+          </a:p>
+          <a:p>
+            <a:endParaRPr lang="de-DE" dirty="0"/>
+          </a:p>
+        </p:txBody>
+      </p:sp>
+    </p:spTree>
+  </p:cSld>
+  <p:clrMapOvr>
+    <a:masterClrMapping/>
+  </p:clrMapOvr>
+  <p:timing>
+    <p:tnLst>
+      <p:par>
+        <p:cTn id="1" dur="indefinite" restart="never" nodeType="tmRoot"/>
+      </p:par>
+    </p:tnLst>
+  </p:timing>
+</p:sld>
+</file>
+
+<file path=ppt/slides/slide5.xml><?xml version="1.0" encoding="utf-8"?>
+<p:sld xmlns:a="http://schemas.openxmlformats.org/drawingml/2006/main" xmlns:r="http://schemas.openxmlformats.org/officeDocument/2006/relationships" xmlns:p="http://schemas.openxmlformats.org/presentationml/2006/main">
+  <p:cSld>
+    <p:spTree>
+      <p:nvGrpSpPr>
+        <p:cNvPr id="1" name=""/>
+        <p:cNvGrpSpPr/>
+        <p:nvPr/>
+      </p:nvGrpSpPr>
+      <p:grpSpPr>
+        <a:xfrm>
+          <a:off x="0" y="0"/>
+          <a:ext cx="0" cy="0"/>
+          <a:chOff x="0" y="0"/>
+          <a:chExt cx="0" cy="0"/>
+        </a:xfrm>
+      </p:grpSpPr>
+      <p:sp>
+        <p:nvSpPr>
+          <p:cNvPr id="4" name="Rectangle 2"/>
+          <p:cNvSpPr txBox="1">
+            <a:spLocks noChangeArrowheads="1"/>
+          </p:cNvSpPr>
+          <p:nvPr/>
+        </p:nvSpPr>
+        <p:spPr>
+          <a:xfrm>
+            <a:off x="323626" y="357188"/>
+            <a:ext cx="6624638" cy="503237"/>
+          </a:xfrm>
+          <a:prstGeom prst="rect">
+            <a:avLst/>
+          </a:prstGeom>
+        </p:spPr>
+        <p:txBody>
+          <a:bodyPr/>
+          <a:lstStyle/>
+          <a:p>
+            <a:pPr marL="457200" lvl="0" indent="-457200" algn="l"/>
+            <a:r>
+              <a:rPr lang="de-DE" sz="3200" dirty="0" smtClean="0">
+                <a:solidFill>
+                  <a:srgbClr val="003B79"/>
+                </a:solidFill>
+                <a:latin typeface="+mj-lt"/>
+                <a:ea typeface="+mj-ea"/>
+                <a:cs typeface="+mj-cs"/>
+              </a:rPr>
+              <a:t>3. Produktübersicht</a:t>
+            </a:r>
+          </a:p>
+          <a:p>
+            <a:pPr marL="457200" lvl="0" indent="-457200" algn="l"/>
+            <a:endParaRPr lang="de-DE" sz="3200" dirty="0" smtClean="0">
+              <a:solidFill>
+                <a:srgbClr val="003B79"/>
+              </a:solidFill>
+              <a:latin typeface="+mj-lt"/>
+              <a:ea typeface="+mj-ea"/>
+              <a:cs typeface="+mj-cs"/>
+            </a:endParaRPr>
+          </a:p>
+        </p:txBody>
+      </p:sp>
+      <p:sp>
+        <p:nvSpPr>
+          <p:cNvPr id="5" name="Rectangle 4"/>
+          <p:cNvSpPr txBox="1">
+            <a:spLocks noChangeArrowheads="1"/>
+          </p:cNvSpPr>
+          <p:nvPr/>
+        </p:nvSpPr>
+        <p:spPr>
+          <a:xfrm>
+            <a:off x="323850" y="1052736"/>
+            <a:ext cx="8568630" cy="5545137"/>
+          </a:xfrm>
+          <a:prstGeom prst="rect">
+            <a:avLst/>
+          </a:prstGeom>
+        </p:spPr>
+        <p:txBody>
+          <a:bodyPr/>
+          <a:lstStyle/>
+          <a:p>
+            <a:pPr marL="742950" marR="0" lvl="1" indent="-285750" algn="l" defTabSz="914400" rtl="0" eaLnBrk="1" fontAlgn="base" latinLnBrk="0" hangingPunct="1">
+              <a:lnSpc>
+                <a:spcPct val="100000"/>
+              </a:lnSpc>
+              <a:spcBef>
+                <a:spcPct val="20000"/>
+              </a:spcBef>
+              <a:spcAft>
+                <a:spcPct val="20000"/>
+              </a:spcAft>
+              <a:buClrTx/>
+              <a:buSzTx/>
+              <a:tabLst/>
+              <a:defRPr/>
+            </a:pPr>
+            <a:endParaRPr lang="de-DE" sz="2400" b="0" kern="0" dirty="0" smtClean="0">
+              <a:solidFill>
+                <a:srgbClr val="003B79"/>
+              </a:solidFill>
+              <a:latin typeface="+mn-lt"/>
+            </a:endParaRPr>
+          </a:p>
+          <a:p>
+            <a:pPr marL="742950" lvl="1" indent="-285750" algn="l">
+              <a:spcBef>
+                <a:spcPct val="20000"/>
+              </a:spcBef>
+              <a:spcAft>
+                <a:spcPct val="20000"/>
+              </a:spcAft>
+            </a:pPr>
+            <a:endParaRPr lang="de-DE" sz="2400" b="0" kern="0" dirty="0">
+              <a:solidFill>
+                <a:srgbClr val="003B79"/>
+              </a:solidFill>
+              <a:latin typeface="+mn-lt"/>
+            </a:endParaRPr>
+          </a:p>
+          <a:p>
+            <a:pPr marL="742950" marR="0" lvl="1" indent="-285750" algn="l" defTabSz="914400" rtl="0" eaLnBrk="1" fontAlgn="base" latinLnBrk="0" hangingPunct="1">
+              <a:lnSpc>
+                <a:spcPct val="100000"/>
+              </a:lnSpc>
+              <a:spcBef>
+                <a:spcPct val="20000"/>
+              </a:spcBef>
+              <a:spcAft>
+                <a:spcPct val="20000"/>
+              </a:spcAft>
+              <a:buClrTx/>
+              <a:buSzTx/>
+              <a:tabLst/>
+              <a:defRPr/>
+            </a:pPr>
+            <a:endParaRPr lang="de-DE" sz="2400" b="0" kern="0" dirty="0">
+              <a:solidFill>
+                <a:srgbClr val="003B79"/>
+              </a:solidFill>
+              <a:latin typeface="+mn-lt"/>
+            </a:endParaRPr>
+          </a:p>
+          <a:p>
+            <a:pPr marL="742950" marR="0" lvl="1" indent="-285750" algn="l" defTabSz="914400" rtl="0" eaLnBrk="1" fontAlgn="base" latinLnBrk="0" hangingPunct="1">
+              <a:lnSpc>
+                <a:spcPct val="100000"/>
+              </a:lnSpc>
+              <a:spcBef>
+                <a:spcPct val="20000"/>
+              </a:spcBef>
+              <a:spcAft>
+                <a:spcPct val="20000"/>
+              </a:spcAft>
+              <a:buClrTx/>
+              <a:buSzTx/>
+              <a:tabLst/>
+              <a:defRPr/>
+            </a:pPr>
+            <a:endParaRPr lang="de-DE" sz="2400" b="0" kern="0" dirty="0" smtClean="0">
+              <a:solidFill>
+                <a:srgbClr val="003B79"/>
+              </a:solidFill>
+              <a:latin typeface="+mn-lt"/>
+            </a:endParaRPr>
+          </a:p>
+          <a:p>
+            <a:pPr marL="742950" marR="0" lvl="1" indent="-285750" algn="l" defTabSz="914400" rtl="0" eaLnBrk="1" fontAlgn="base" latinLnBrk="0" hangingPunct="1">
+              <a:lnSpc>
+                <a:spcPct val="100000"/>
+              </a:lnSpc>
+              <a:spcBef>
+                <a:spcPct val="20000"/>
+              </a:spcBef>
+              <a:spcAft>
+                <a:spcPct val="20000"/>
+              </a:spcAft>
+              <a:buClrTx/>
+              <a:buSzTx/>
+              <a:tabLst/>
+              <a:defRPr/>
+            </a:pPr>
+            <a:endParaRPr lang="de-DE" sz="2400" b="0" kern="0" dirty="0">
+              <a:solidFill>
+                <a:srgbClr val="003B79"/>
+              </a:solidFill>
+              <a:latin typeface="+mn-lt"/>
+            </a:endParaRPr>
+          </a:p>
+          <a:p>
+            <a:pPr marL="742950" marR="0" lvl="1" indent="-285750" algn="l" defTabSz="914400" rtl="0" eaLnBrk="1" fontAlgn="base" latinLnBrk="0" hangingPunct="1">
+              <a:lnSpc>
+                <a:spcPct val="100000"/>
+              </a:lnSpc>
+              <a:spcBef>
+                <a:spcPct val="20000"/>
+              </a:spcBef>
+              <a:spcAft>
+                <a:spcPct val="20000"/>
+              </a:spcAft>
+              <a:buClrTx/>
+              <a:buSzTx/>
+              <a:tabLst/>
+              <a:defRPr/>
+            </a:pPr>
+            <a:endParaRPr kumimoji="0" lang="de-DE" sz="2400" b="0" i="0" u="none" strike="noStrike" kern="0" cap="none" spc="0" normalizeH="0" baseline="0" noProof="0" dirty="0" smtClean="0">
+              <a:ln>
+                <a:noFill/>
+              </a:ln>
+              <a:solidFill>
+                <a:srgbClr val="003B79"/>
+              </a:solidFill>
+              <a:effectLst/>
+              <a:uLnTx/>
+              <a:uFillTx/>
+              <a:latin typeface="+mn-lt"/>
+            </a:endParaRPr>
+          </a:p>
+        </p:txBody>
+      </p:sp>
+      <p:sp>
+        <p:nvSpPr>
           <p:cNvPr id="9" name="Rectangle 4"/>
           <p:cNvSpPr txBox="1">
             <a:spLocks noChangeArrowheads="1"/>
@@ -5009,7 +12694,1258 @@
           </a:p>
         </p:txBody>
       </p:sp>
+      <p:pic>
+        <p:nvPicPr>
+          <p:cNvPr id="1026" name="Picture 2" descr="E:\PRG4\Grafiken\Produktuebersicht.png"/>
+          <p:cNvPicPr>
+            <a:picLocks noChangeAspect="1" noChangeArrowheads="1"/>
+          </p:cNvPicPr>
+          <p:nvPr/>
+        </p:nvPicPr>
+        <p:blipFill>
+          <a:blip r:embed="rId3" cstate="print">
+            <a:extLst>
+              <a:ext uri="{28A0092B-C50C-407E-A947-70E740481C1C}">
+                <a14:useLocalDpi xmlns:a14="http://schemas.microsoft.com/office/drawing/2010/main" xmlns="" val="0"/>
+              </a:ext>
+            </a:extLst>
+          </a:blip>
+          <a:srcRect/>
+          <a:stretch>
+            <a:fillRect/>
+          </a:stretch>
+        </p:blipFill>
+        <p:spPr bwMode="auto">
+          <a:xfrm>
+            <a:off x="914400" y="1376772"/>
+            <a:ext cx="6393904" cy="4795428"/>
+          </a:xfrm>
+          <a:prstGeom prst="rect">
+            <a:avLst/>
+          </a:prstGeom>
+          <a:noFill/>
+          <a:extLst>
+            <a:ext uri="{909E8E84-426E-40DD-AFC4-6F175D3DCCD1}">
+              <a14:hiddenFill xmlns:a14="http://schemas.microsoft.com/office/drawing/2010/main" xmlns="">
+                <a:solidFill>
+                  <a:srgbClr val="FFFFFF"/>
+                </a:solidFill>
+              </a14:hiddenFill>
+            </a:ext>
+          </a:extLst>
+        </p:spPr>
+      </p:pic>
     </p:spTree>
+    <p:extLst>
+      <p:ext uri="{BB962C8B-B14F-4D97-AF65-F5344CB8AC3E}">
+        <p14:creationId xmlns:p14="http://schemas.microsoft.com/office/powerpoint/2010/main" xmlns="" val="2402780198"/>
+      </p:ext>
+    </p:extLst>
+  </p:cSld>
+  <p:clrMapOvr>
+    <a:masterClrMapping/>
+  </p:clrMapOvr>
+  <p:timing>
+    <p:tnLst>
+      <p:par>
+        <p:cTn id="1" dur="indefinite" restart="never" nodeType="tmRoot"/>
+      </p:par>
+    </p:tnLst>
+  </p:timing>
+</p:sld>
+</file>
+
+<file path=ppt/slides/slide6.xml><?xml version="1.0" encoding="utf-8"?>
+<p:sld xmlns:a="http://schemas.openxmlformats.org/drawingml/2006/main" xmlns:r="http://schemas.openxmlformats.org/officeDocument/2006/relationships" xmlns:p="http://schemas.openxmlformats.org/presentationml/2006/main">
+  <p:cSld>
+    <p:spTree>
+      <p:nvGrpSpPr>
+        <p:cNvPr id="1" name=""/>
+        <p:cNvGrpSpPr/>
+        <p:nvPr/>
+      </p:nvGrpSpPr>
+      <p:grpSpPr>
+        <a:xfrm>
+          <a:off x="0" y="0"/>
+          <a:ext cx="0" cy="0"/>
+          <a:chOff x="0" y="0"/>
+          <a:chExt cx="0" cy="0"/>
+        </a:xfrm>
+      </p:grpSpPr>
+      <p:graphicFrame>
+        <p:nvGraphicFramePr>
+          <p:cNvPr id="3" name="Inhaltsplatzhalter 2"/>
+          <p:cNvGraphicFramePr>
+            <a:graphicFrameLocks noGrp="1"/>
+          </p:cNvGraphicFramePr>
+          <p:nvPr>
+            <p:ph idx="1"/>
+            <p:extLst>
+              <p:ext uri="{D42A27DB-BD31-4B8C-83A1-F6EECF244321}">
+                <p14:modId xmlns:p14="http://schemas.microsoft.com/office/powerpoint/2010/main" xmlns="" val="2122085790"/>
+              </p:ext>
+            </p:extLst>
+          </p:nvPr>
+        </p:nvGraphicFramePr>
+        <p:xfrm>
+          <a:off x="216346" y="980429"/>
+          <a:ext cx="8820150" cy="5545137"/>
+        </p:xfrm>
+        <a:graphic>
+          <a:graphicData uri="http://schemas.openxmlformats.org/drawingml/2006/diagram">
+            <dgm:relIds xmlns:dgm="http://schemas.openxmlformats.org/drawingml/2006/diagram" xmlns:r="http://schemas.openxmlformats.org/officeDocument/2006/relationships" r:dm="rId3" r:lo="rId4" r:qs="rId5" r:cs="rId6"/>
+          </a:graphicData>
+        </a:graphic>
+      </p:graphicFrame>
+      <p:sp>
+        <p:nvSpPr>
+          <p:cNvPr id="8770562" name="Rectangle 2"/>
+          <p:cNvSpPr>
+            <a:spLocks noGrp="1" noChangeArrowheads="1"/>
+          </p:cNvSpPr>
+          <p:nvPr>
+            <p:ph type="title"/>
+          </p:nvPr>
+        </p:nvSpPr>
+        <p:spPr>
+          <a:xfrm>
+            <a:off x="198681" y="321146"/>
+            <a:ext cx="6624638" cy="503237"/>
+          </a:xfrm>
+        </p:spPr>
+        <p:txBody>
+          <a:bodyPr/>
+          <a:lstStyle/>
+          <a:p>
+            <a:r>
+              <a:rPr lang="de-DE" sz="3200" dirty="0" smtClean="0"/>
+              <a:t>5. Produktarchitektur</a:t>
+            </a:r>
+            <a:endParaRPr lang="de-DE" sz="3200" dirty="0"/>
+          </a:p>
+        </p:txBody>
+      </p:sp>
+      <p:sp>
+        <p:nvSpPr>
+          <p:cNvPr id="4" name="Rechteck 3"/>
+          <p:cNvSpPr/>
+          <p:nvPr/>
+        </p:nvSpPr>
+        <p:spPr bwMode="auto">
+          <a:xfrm>
+            <a:off x="455855" y="3176934"/>
+            <a:ext cx="2520280" cy="1152128"/>
+          </a:xfrm>
+          <a:prstGeom prst="rect">
+            <a:avLst/>
+          </a:prstGeom>
+          <a:noFill/>
+          <a:ln w="9525" cap="flat" cmpd="sng" algn="ctr">
+            <a:noFill/>
+            <a:prstDash val="solid"/>
+            <a:round/>
+            <a:headEnd type="none" w="med" len="med"/>
+            <a:tailEnd type="none" w="med" len="med"/>
+          </a:ln>
+          <a:effectLst/>
+        </p:spPr>
+        <p:txBody>
+          <a:bodyPr vert="horz" wrap="square" lIns="91440" tIns="45720" rIns="91440" bIns="45720" numCol="1" rtlCol="0" anchor="t" anchorCtr="0" compatLnSpc="1">
+            <a:prstTxWarp prst="textNoShape">
+              <a:avLst/>
+            </a:prstTxWarp>
+            <a:spAutoFit/>
+          </a:bodyPr>
+          <a:lstStyle/>
+          <a:p>
+            <a:pPr marL="0" marR="0" indent="0" algn="ctr" defTabSz="914400" rtl="0" eaLnBrk="1" fontAlgn="base" latinLnBrk="0" hangingPunct="1">
+              <a:lnSpc>
+                <a:spcPct val="100000"/>
+              </a:lnSpc>
+              <a:spcBef>
+                <a:spcPct val="0"/>
+              </a:spcBef>
+              <a:spcAft>
+                <a:spcPct val="0"/>
+              </a:spcAft>
+              <a:buClrTx/>
+              <a:buSzTx/>
+              <a:buFontTx/>
+              <a:buNone/>
+              <a:tabLst/>
+            </a:pPr>
+            <a:endParaRPr kumimoji="0" lang="de-DE" sz="1800" b="1" i="0" u="none" strike="noStrike" cap="none" normalizeH="0" baseline="0" smtClean="0">
+              <a:ln>
+                <a:noFill/>
+              </a:ln>
+              <a:solidFill>
+                <a:srgbClr val="FFCC66"/>
+              </a:solidFill>
+              <a:effectLst/>
+              <a:latin typeface="Arial" charset="0"/>
+            </a:endParaRPr>
+          </a:p>
+        </p:txBody>
+      </p:sp>
+    </p:spTree>
+    <p:extLst>
+      <p:ext uri="{BB962C8B-B14F-4D97-AF65-F5344CB8AC3E}">
+        <p14:creationId xmlns:p14="http://schemas.microsoft.com/office/powerpoint/2010/main" xmlns="" val="3973953230"/>
+      </p:ext>
+    </p:extLst>
+  </p:cSld>
+  <p:clrMapOvr>
+    <a:masterClrMapping/>
+  </p:clrMapOvr>
+  <p:timing>
+    <p:tnLst>
+      <p:par>
+        <p:cTn id="1" dur="indefinite" restart="never" nodeType="tmRoot"/>
+      </p:par>
+    </p:tnLst>
+  </p:timing>
+</p:sld>
+</file>
+
+<file path=ppt/slides/slide7.xml><?xml version="1.0" encoding="utf-8"?>
+<p:sld xmlns:a="http://schemas.openxmlformats.org/drawingml/2006/main" xmlns:r="http://schemas.openxmlformats.org/officeDocument/2006/relationships" xmlns:p="http://schemas.openxmlformats.org/presentationml/2006/main">
+  <p:cSld>
+    <p:spTree>
+      <p:nvGrpSpPr>
+        <p:cNvPr id="1" name=""/>
+        <p:cNvGrpSpPr/>
+        <p:nvPr/>
+      </p:nvGrpSpPr>
+      <p:grpSpPr>
+        <a:xfrm>
+          <a:off x="0" y="0"/>
+          <a:ext cx="0" cy="0"/>
+          <a:chOff x="0" y="0"/>
+          <a:chExt cx="0" cy="0"/>
+        </a:xfrm>
+      </p:grpSpPr>
+      <p:sp>
+        <p:nvSpPr>
+          <p:cNvPr id="4" name="Rectangle 2"/>
+          <p:cNvSpPr txBox="1">
+            <a:spLocks noChangeArrowheads="1"/>
+          </p:cNvSpPr>
+          <p:nvPr/>
+        </p:nvSpPr>
+        <p:spPr>
+          <a:xfrm>
+            <a:off x="323626" y="357188"/>
+            <a:ext cx="6624638" cy="503237"/>
+          </a:xfrm>
+          <a:prstGeom prst="rect">
+            <a:avLst/>
+          </a:prstGeom>
+        </p:spPr>
+        <p:txBody>
+          <a:bodyPr/>
+          <a:lstStyle/>
+          <a:p>
+            <a:pPr marL="457200" lvl="0" indent="-457200" algn="l"/>
+            <a:r>
+              <a:rPr lang="de-DE" sz="3200" dirty="0" smtClean="0">
+                <a:solidFill>
+                  <a:srgbClr val="003B79"/>
+                </a:solidFill>
+                <a:latin typeface="+mj-lt"/>
+                <a:ea typeface="+mj-ea"/>
+                <a:cs typeface="+mj-cs"/>
+              </a:rPr>
+              <a:t>6. </a:t>
+            </a:r>
+            <a:r>
+              <a:rPr lang="de-DE" sz="3200" dirty="0" smtClean="0">
+                <a:solidFill>
+                  <a:srgbClr val="003B79"/>
+                </a:solidFill>
+                <a:latin typeface="+mj-lt"/>
+                <a:ea typeface="+mj-ea"/>
+                <a:cs typeface="+mj-cs"/>
+              </a:rPr>
+              <a:t>Datenmodell (UML-Übersicht)</a:t>
+            </a:r>
+          </a:p>
+          <a:p>
+            <a:pPr marL="457200" lvl="0" indent="-457200" algn="l"/>
+            <a:endParaRPr lang="de-DE" sz="3200" dirty="0" smtClean="0">
+              <a:solidFill>
+                <a:srgbClr val="003B79"/>
+              </a:solidFill>
+              <a:latin typeface="+mj-lt"/>
+              <a:ea typeface="+mj-ea"/>
+              <a:cs typeface="+mj-cs"/>
+            </a:endParaRPr>
+          </a:p>
+        </p:txBody>
+      </p:sp>
+      <p:sp>
+        <p:nvSpPr>
+          <p:cNvPr id="5" name="Rectangle 4"/>
+          <p:cNvSpPr txBox="1">
+            <a:spLocks noChangeArrowheads="1"/>
+          </p:cNvSpPr>
+          <p:nvPr/>
+        </p:nvSpPr>
+        <p:spPr>
+          <a:xfrm>
+            <a:off x="323850" y="1052736"/>
+            <a:ext cx="8568630" cy="5545137"/>
+          </a:xfrm>
+          <a:prstGeom prst="rect">
+            <a:avLst/>
+          </a:prstGeom>
+        </p:spPr>
+        <p:txBody>
+          <a:bodyPr/>
+          <a:lstStyle/>
+          <a:p>
+            <a:pPr marL="742950" marR="0" lvl="1" indent="-285750" algn="l" defTabSz="914400" rtl="0" eaLnBrk="1" fontAlgn="base" latinLnBrk="0" hangingPunct="1">
+              <a:lnSpc>
+                <a:spcPct val="100000"/>
+              </a:lnSpc>
+              <a:spcBef>
+                <a:spcPct val="20000"/>
+              </a:spcBef>
+              <a:spcAft>
+                <a:spcPct val="20000"/>
+              </a:spcAft>
+              <a:buClrTx/>
+              <a:buSzTx/>
+              <a:tabLst/>
+              <a:defRPr/>
+            </a:pPr>
+            <a:endParaRPr lang="de-DE" sz="2400" b="0" kern="0" dirty="0" smtClean="0">
+              <a:solidFill>
+                <a:srgbClr val="003B79"/>
+              </a:solidFill>
+              <a:latin typeface="+mn-lt"/>
+            </a:endParaRPr>
+          </a:p>
+          <a:p>
+            <a:pPr marL="742950" lvl="1" indent="-285750" algn="l">
+              <a:spcBef>
+                <a:spcPct val="20000"/>
+              </a:spcBef>
+              <a:spcAft>
+                <a:spcPct val="20000"/>
+              </a:spcAft>
+            </a:pPr>
+            <a:endParaRPr lang="de-DE" sz="2400" b="0" kern="0" dirty="0">
+              <a:solidFill>
+                <a:srgbClr val="003B79"/>
+              </a:solidFill>
+              <a:latin typeface="+mn-lt"/>
+            </a:endParaRPr>
+          </a:p>
+          <a:p>
+            <a:pPr marL="742950" marR="0" lvl="1" indent="-285750" algn="l" defTabSz="914400" rtl="0" eaLnBrk="1" fontAlgn="base" latinLnBrk="0" hangingPunct="1">
+              <a:lnSpc>
+                <a:spcPct val="100000"/>
+              </a:lnSpc>
+              <a:spcBef>
+                <a:spcPct val="20000"/>
+              </a:spcBef>
+              <a:spcAft>
+                <a:spcPct val="20000"/>
+              </a:spcAft>
+              <a:buClrTx/>
+              <a:buSzTx/>
+              <a:tabLst/>
+              <a:defRPr/>
+            </a:pPr>
+            <a:endParaRPr lang="de-DE" sz="2400" b="0" kern="0" dirty="0">
+              <a:solidFill>
+                <a:srgbClr val="003B79"/>
+              </a:solidFill>
+              <a:latin typeface="+mn-lt"/>
+            </a:endParaRPr>
+          </a:p>
+          <a:p>
+            <a:pPr marL="742950" marR="0" lvl="1" indent="-285750" algn="l" defTabSz="914400" rtl="0" eaLnBrk="1" fontAlgn="base" latinLnBrk="0" hangingPunct="1">
+              <a:lnSpc>
+                <a:spcPct val="100000"/>
+              </a:lnSpc>
+              <a:spcBef>
+                <a:spcPct val="20000"/>
+              </a:spcBef>
+              <a:spcAft>
+                <a:spcPct val="20000"/>
+              </a:spcAft>
+              <a:buClrTx/>
+              <a:buSzTx/>
+              <a:tabLst/>
+              <a:defRPr/>
+            </a:pPr>
+            <a:endParaRPr lang="de-DE" sz="2400" b="0" kern="0" dirty="0" smtClean="0">
+              <a:solidFill>
+                <a:srgbClr val="003B79"/>
+              </a:solidFill>
+              <a:latin typeface="+mn-lt"/>
+            </a:endParaRPr>
+          </a:p>
+          <a:p>
+            <a:pPr marL="742950" marR="0" lvl="1" indent="-285750" algn="l" defTabSz="914400" rtl="0" eaLnBrk="1" fontAlgn="base" latinLnBrk="0" hangingPunct="1">
+              <a:lnSpc>
+                <a:spcPct val="100000"/>
+              </a:lnSpc>
+              <a:spcBef>
+                <a:spcPct val="20000"/>
+              </a:spcBef>
+              <a:spcAft>
+                <a:spcPct val="20000"/>
+              </a:spcAft>
+              <a:buClrTx/>
+              <a:buSzTx/>
+              <a:tabLst/>
+              <a:defRPr/>
+            </a:pPr>
+            <a:endParaRPr lang="de-DE" sz="2400" b="0" kern="0" dirty="0">
+              <a:solidFill>
+                <a:srgbClr val="003B79"/>
+              </a:solidFill>
+              <a:latin typeface="+mn-lt"/>
+            </a:endParaRPr>
+          </a:p>
+          <a:p>
+            <a:pPr marL="742950" marR="0" lvl="1" indent="-285750" algn="l" defTabSz="914400" rtl="0" eaLnBrk="1" fontAlgn="base" latinLnBrk="0" hangingPunct="1">
+              <a:lnSpc>
+                <a:spcPct val="100000"/>
+              </a:lnSpc>
+              <a:spcBef>
+                <a:spcPct val="20000"/>
+              </a:spcBef>
+              <a:spcAft>
+                <a:spcPct val="20000"/>
+              </a:spcAft>
+              <a:buClrTx/>
+              <a:buSzTx/>
+              <a:tabLst/>
+              <a:defRPr/>
+            </a:pPr>
+            <a:endParaRPr kumimoji="0" lang="de-DE" sz="2400" b="0" i="0" u="none" strike="noStrike" kern="0" cap="none" spc="0" normalizeH="0" baseline="0" noProof="0" dirty="0" smtClean="0">
+              <a:ln>
+                <a:noFill/>
+              </a:ln>
+              <a:solidFill>
+                <a:srgbClr val="003B79"/>
+              </a:solidFill>
+              <a:effectLst/>
+              <a:uLnTx/>
+              <a:uFillTx/>
+              <a:latin typeface="+mn-lt"/>
+            </a:endParaRPr>
+          </a:p>
+        </p:txBody>
+      </p:sp>
+      <p:sp>
+        <p:nvSpPr>
+          <p:cNvPr id="9" name="Rectangle 4"/>
+          <p:cNvSpPr txBox="1">
+            <a:spLocks noChangeArrowheads="1"/>
+          </p:cNvSpPr>
+          <p:nvPr/>
+        </p:nvSpPr>
+        <p:spPr>
+          <a:xfrm>
+            <a:off x="792410" y="1052736"/>
+            <a:ext cx="8820150" cy="5545137"/>
+          </a:xfrm>
+          <a:prstGeom prst="rect">
+            <a:avLst/>
+          </a:prstGeom>
+        </p:spPr>
+        <p:txBody>
+          <a:bodyPr/>
+          <a:lstStyle/>
+          <a:p>
+            <a:pPr marL="457200" marR="0" lvl="0" indent="-457200" algn="l" defTabSz="914400" rtl="0" eaLnBrk="1" fontAlgn="base" latinLnBrk="0" hangingPunct="1">
+              <a:lnSpc>
+                <a:spcPct val="100000"/>
+              </a:lnSpc>
+              <a:spcBef>
+                <a:spcPct val="20000"/>
+              </a:spcBef>
+              <a:spcAft>
+                <a:spcPct val="20000"/>
+              </a:spcAft>
+              <a:buClrTx/>
+              <a:buSzTx/>
+              <a:tabLst/>
+              <a:defRPr/>
+            </a:pPr>
+            <a:r>
+              <a:rPr kumimoji="0" lang="de-DE" sz="2400" b="0" i="0" u="none" strike="noStrike" kern="0" cap="none" spc="0" normalizeH="0" baseline="0" noProof="0" dirty="0" smtClean="0">
+                <a:ln>
+                  <a:noFill/>
+                </a:ln>
+                <a:solidFill>
+                  <a:srgbClr val="003B79"/>
+                </a:solidFill>
+                <a:effectLst/>
+                <a:uLnTx/>
+                <a:uFillTx/>
+                <a:latin typeface="+mn-lt"/>
+                <a:ea typeface="+mn-ea"/>
+                <a:cs typeface="+mn-cs"/>
+              </a:rPr>
+              <a:t>			</a:t>
+            </a:r>
+          </a:p>
+        </p:txBody>
+      </p:sp>
+      <p:pic>
+        <p:nvPicPr>
+          <p:cNvPr id="2050" name="Picture 2" descr="E:\PRG4\Grafiken\Overall.PNG"/>
+          <p:cNvPicPr>
+            <a:picLocks noChangeAspect="1" noChangeArrowheads="1"/>
+          </p:cNvPicPr>
+          <p:nvPr/>
+        </p:nvPicPr>
+        <p:blipFill>
+          <a:blip r:embed="rId3" cstate="print">
+            <a:extLst>
+              <a:ext uri="{28A0092B-C50C-407E-A947-70E740481C1C}">
+                <a14:useLocalDpi xmlns:a14="http://schemas.microsoft.com/office/drawing/2010/main" xmlns="" val="0"/>
+              </a:ext>
+            </a:extLst>
+          </a:blip>
+          <a:srcRect/>
+          <a:stretch>
+            <a:fillRect/>
+          </a:stretch>
+        </p:blipFill>
+        <p:spPr bwMode="auto">
+          <a:xfrm>
+            <a:off x="299008" y="1268760"/>
+            <a:ext cx="7905191" cy="5068540"/>
+          </a:xfrm>
+          <a:prstGeom prst="rect">
+            <a:avLst/>
+          </a:prstGeom>
+          <a:noFill/>
+          <a:extLst>
+            <a:ext uri="{909E8E84-426E-40DD-AFC4-6F175D3DCCD1}">
+              <a14:hiddenFill xmlns:a14="http://schemas.microsoft.com/office/drawing/2010/main" xmlns="">
+                <a:solidFill>
+                  <a:srgbClr val="FFFFFF"/>
+                </a:solidFill>
+              </a14:hiddenFill>
+            </a:ext>
+          </a:extLst>
+        </p:spPr>
+      </p:pic>
+    </p:spTree>
+    <p:extLst>
+      <p:ext uri="{BB962C8B-B14F-4D97-AF65-F5344CB8AC3E}">
+        <p14:creationId xmlns:p14="http://schemas.microsoft.com/office/powerpoint/2010/main" xmlns="" val="3539249763"/>
+      </p:ext>
+    </p:extLst>
+  </p:cSld>
+  <p:clrMapOvr>
+    <a:masterClrMapping/>
+  </p:clrMapOvr>
+  <p:timing>
+    <p:tnLst>
+      <p:par>
+        <p:cTn id="1" dur="indefinite" restart="never" nodeType="tmRoot"/>
+      </p:par>
+    </p:tnLst>
+  </p:timing>
+</p:sld>
+</file>
+
+<file path=ppt/slides/slide8.xml><?xml version="1.0" encoding="utf-8"?>
+<p:sld xmlns:a="http://schemas.openxmlformats.org/drawingml/2006/main" xmlns:r="http://schemas.openxmlformats.org/officeDocument/2006/relationships" xmlns:p="http://schemas.openxmlformats.org/presentationml/2006/main">
+  <p:cSld>
+    <p:spTree>
+      <p:nvGrpSpPr>
+        <p:cNvPr id="1" name=""/>
+        <p:cNvGrpSpPr/>
+        <p:nvPr/>
+      </p:nvGrpSpPr>
+      <p:grpSpPr>
+        <a:xfrm>
+          <a:off x="0" y="0"/>
+          <a:ext cx="0" cy="0"/>
+          <a:chOff x="0" y="0"/>
+          <a:chExt cx="0" cy="0"/>
+        </a:xfrm>
+      </p:grpSpPr>
+      <p:sp>
+        <p:nvSpPr>
+          <p:cNvPr id="4" name="Rectangle 2"/>
+          <p:cNvSpPr txBox="1">
+            <a:spLocks noChangeArrowheads="1"/>
+          </p:cNvSpPr>
+          <p:nvPr/>
+        </p:nvSpPr>
+        <p:spPr>
+          <a:xfrm>
+            <a:off x="323626" y="357188"/>
+            <a:ext cx="6624638" cy="503237"/>
+          </a:xfrm>
+          <a:prstGeom prst="rect">
+            <a:avLst/>
+          </a:prstGeom>
+        </p:spPr>
+        <p:txBody>
+          <a:bodyPr/>
+          <a:lstStyle/>
+          <a:p>
+            <a:pPr marL="457200" lvl="0" indent="-457200" algn="l"/>
+            <a:r>
+              <a:rPr lang="de-DE" sz="3200" dirty="0" smtClean="0">
+                <a:solidFill>
+                  <a:srgbClr val="003B79"/>
+                </a:solidFill>
+                <a:latin typeface="+mj-lt"/>
+                <a:ea typeface="+mj-ea"/>
+                <a:cs typeface="+mj-cs"/>
+              </a:rPr>
+              <a:t>6. </a:t>
+            </a:r>
+            <a:r>
+              <a:rPr lang="de-DE" sz="3200" dirty="0" smtClean="0">
+                <a:solidFill>
+                  <a:srgbClr val="003B79"/>
+                </a:solidFill>
+                <a:latin typeface="+mj-lt"/>
+                <a:ea typeface="+mj-ea"/>
+                <a:cs typeface="+mj-cs"/>
+              </a:rPr>
+              <a:t>Datenmodell (UML-Model)</a:t>
+            </a:r>
+          </a:p>
+          <a:p>
+            <a:pPr marL="457200" lvl="0" indent="-457200" algn="l"/>
+            <a:endParaRPr lang="de-DE" sz="3200" dirty="0" smtClean="0">
+              <a:solidFill>
+                <a:srgbClr val="003B79"/>
+              </a:solidFill>
+              <a:latin typeface="+mj-lt"/>
+              <a:ea typeface="+mj-ea"/>
+              <a:cs typeface="+mj-cs"/>
+            </a:endParaRPr>
+          </a:p>
+        </p:txBody>
+      </p:sp>
+      <p:sp>
+        <p:nvSpPr>
+          <p:cNvPr id="5" name="Rectangle 4"/>
+          <p:cNvSpPr txBox="1">
+            <a:spLocks noChangeArrowheads="1"/>
+          </p:cNvSpPr>
+          <p:nvPr/>
+        </p:nvSpPr>
+        <p:spPr>
+          <a:xfrm>
+            <a:off x="323850" y="1052736"/>
+            <a:ext cx="8568630" cy="5545137"/>
+          </a:xfrm>
+          <a:prstGeom prst="rect">
+            <a:avLst/>
+          </a:prstGeom>
+        </p:spPr>
+        <p:txBody>
+          <a:bodyPr/>
+          <a:lstStyle/>
+          <a:p>
+            <a:pPr marL="742950" marR="0" lvl="1" indent="-285750" algn="l" defTabSz="914400" rtl="0" eaLnBrk="1" fontAlgn="base" latinLnBrk="0" hangingPunct="1">
+              <a:lnSpc>
+                <a:spcPct val="100000"/>
+              </a:lnSpc>
+              <a:spcBef>
+                <a:spcPct val="20000"/>
+              </a:spcBef>
+              <a:spcAft>
+                <a:spcPct val="20000"/>
+              </a:spcAft>
+              <a:buClrTx/>
+              <a:buSzTx/>
+              <a:tabLst/>
+              <a:defRPr/>
+            </a:pPr>
+            <a:endParaRPr lang="de-DE" sz="2400" b="0" kern="0" dirty="0" smtClean="0">
+              <a:solidFill>
+                <a:srgbClr val="003B79"/>
+              </a:solidFill>
+              <a:latin typeface="+mn-lt"/>
+            </a:endParaRPr>
+          </a:p>
+          <a:p>
+            <a:pPr marL="742950" lvl="1" indent="-285750" algn="l">
+              <a:spcBef>
+                <a:spcPct val="20000"/>
+              </a:spcBef>
+              <a:spcAft>
+                <a:spcPct val="20000"/>
+              </a:spcAft>
+            </a:pPr>
+            <a:endParaRPr lang="de-DE" sz="2400" b="0" kern="0" dirty="0">
+              <a:solidFill>
+                <a:srgbClr val="003B79"/>
+              </a:solidFill>
+              <a:latin typeface="+mn-lt"/>
+            </a:endParaRPr>
+          </a:p>
+          <a:p>
+            <a:pPr marL="742950" marR="0" lvl="1" indent="-285750" algn="l" defTabSz="914400" rtl="0" eaLnBrk="1" fontAlgn="base" latinLnBrk="0" hangingPunct="1">
+              <a:lnSpc>
+                <a:spcPct val="100000"/>
+              </a:lnSpc>
+              <a:spcBef>
+                <a:spcPct val="20000"/>
+              </a:spcBef>
+              <a:spcAft>
+                <a:spcPct val="20000"/>
+              </a:spcAft>
+              <a:buClrTx/>
+              <a:buSzTx/>
+              <a:tabLst/>
+              <a:defRPr/>
+            </a:pPr>
+            <a:endParaRPr lang="de-DE" sz="2400" b="0" kern="0" dirty="0">
+              <a:solidFill>
+                <a:srgbClr val="003B79"/>
+              </a:solidFill>
+              <a:latin typeface="+mn-lt"/>
+            </a:endParaRPr>
+          </a:p>
+          <a:p>
+            <a:pPr marL="742950" marR="0" lvl="1" indent="-285750" algn="l" defTabSz="914400" rtl="0" eaLnBrk="1" fontAlgn="base" latinLnBrk="0" hangingPunct="1">
+              <a:lnSpc>
+                <a:spcPct val="100000"/>
+              </a:lnSpc>
+              <a:spcBef>
+                <a:spcPct val="20000"/>
+              </a:spcBef>
+              <a:spcAft>
+                <a:spcPct val="20000"/>
+              </a:spcAft>
+              <a:buClrTx/>
+              <a:buSzTx/>
+              <a:tabLst/>
+              <a:defRPr/>
+            </a:pPr>
+            <a:endParaRPr lang="de-DE" sz="2400" b="0" kern="0" dirty="0" smtClean="0">
+              <a:solidFill>
+                <a:srgbClr val="003B79"/>
+              </a:solidFill>
+              <a:latin typeface="+mn-lt"/>
+            </a:endParaRPr>
+          </a:p>
+          <a:p>
+            <a:pPr marL="742950" marR="0" lvl="1" indent="-285750" algn="l" defTabSz="914400" rtl="0" eaLnBrk="1" fontAlgn="base" latinLnBrk="0" hangingPunct="1">
+              <a:lnSpc>
+                <a:spcPct val="100000"/>
+              </a:lnSpc>
+              <a:spcBef>
+                <a:spcPct val="20000"/>
+              </a:spcBef>
+              <a:spcAft>
+                <a:spcPct val="20000"/>
+              </a:spcAft>
+              <a:buClrTx/>
+              <a:buSzTx/>
+              <a:tabLst/>
+              <a:defRPr/>
+            </a:pPr>
+            <a:endParaRPr lang="de-DE" sz="2400" b="0" kern="0" dirty="0">
+              <a:solidFill>
+                <a:srgbClr val="003B79"/>
+              </a:solidFill>
+              <a:latin typeface="+mn-lt"/>
+            </a:endParaRPr>
+          </a:p>
+          <a:p>
+            <a:pPr marL="742950" marR="0" lvl="1" indent="-285750" algn="l" defTabSz="914400" rtl="0" eaLnBrk="1" fontAlgn="base" latinLnBrk="0" hangingPunct="1">
+              <a:lnSpc>
+                <a:spcPct val="100000"/>
+              </a:lnSpc>
+              <a:spcBef>
+                <a:spcPct val="20000"/>
+              </a:spcBef>
+              <a:spcAft>
+                <a:spcPct val="20000"/>
+              </a:spcAft>
+              <a:buClrTx/>
+              <a:buSzTx/>
+              <a:tabLst/>
+              <a:defRPr/>
+            </a:pPr>
+            <a:endParaRPr kumimoji="0" lang="de-DE" sz="2400" b="0" i="0" u="none" strike="noStrike" kern="0" cap="none" spc="0" normalizeH="0" baseline="0" noProof="0" dirty="0" smtClean="0">
+              <a:ln>
+                <a:noFill/>
+              </a:ln>
+              <a:solidFill>
+                <a:srgbClr val="003B79"/>
+              </a:solidFill>
+              <a:effectLst/>
+              <a:uLnTx/>
+              <a:uFillTx/>
+              <a:latin typeface="+mn-lt"/>
+            </a:endParaRPr>
+          </a:p>
+        </p:txBody>
+      </p:sp>
+      <p:sp>
+        <p:nvSpPr>
+          <p:cNvPr id="9" name="Rectangle 4"/>
+          <p:cNvSpPr txBox="1">
+            <a:spLocks noChangeArrowheads="1"/>
+          </p:cNvSpPr>
+          <p:nvPr/>
+        </p:nvSpPr>
+        <p:spPr>
+          <a:xfrm>
+            <a:off x="792410" y="1052736"/>
+            <a:ext cx="8820150" cy="5545137"/>
+          </a:xfrm>
+          <a:prstGeom prst="rect">
+            <a:avLst/>
+          </a:prstGeom>
+        </p:spPr>
+        <p:txBody>
+          <a:bodyPr/>
+          <a:lstStyle/>
+          <a:p>
+            <a:pPr marL="457200" marR="0" lvl="0" indent="-457200" algn="l" defTabSz="914400" rtl="0" eaLnBrk="1" fontAlgn="base" latinLnBrk="0" hangingPunct="1">
+              <a:lnSpc>
+                <a:spcPct val="100000"/>
+              </a:lnSpc>
+              <a:spcBef>
+                <a:spcPct val="20000"/>
+              </a:spcBef>
+              <a:spcAft>
+                <a:spcPct val="20000"/>
+              </a:spcAft>
+              <a:buClrTx/>
+              <a:buSzTx/>
+              <a:tabLst/>
+              <a:defRPr/>
+            </a:pPr>
+            <a:r>
+              <a:rPr kumimoji="0" lang="de-DE" sz="2400" b="0" i="0" u="none" strike="noStrike" kern="0" cap="none" spc="0" normalizeH="0" baseline="0" noProof="0" dirty="0" smtClean="0">
+                <a:ln>
+                  <a:noFill/>
+                </a:ln>
+                <a:solidFill>
+                  <a:srgbClr val="003B79"/>
+                </a:solidFill>
+                <a:effectLst/>
+                <a:uLnTx/>
+                <a:uFillTx/>
+                <a:latin typeface="+mn-lt"/>
+                <a:ea typeface="+mn-ea"/>
+                <a:cs typeface="+mn-cs"/>
+              </a:rPr>
+              <a:t>			</a:t>
+            </a:r>
+          </a:p>
+        </p:txBody>
+      </p:sp>
+      <p:pic>
+        <p:nvPicPr>
+          <p:cNvPr id="3074" name="Picture 2" descr="E:\PRG4\Grafiken\Model_Database.PNG"/>
+          <p:cNvPicPr>
+            <a:picLocks noChangeAspect="1" noChangeArrowheads="1"/>
+          </p:cNvPicPr>
+          <p:nvPr/>
+        </p:nvPicPr>
+        <p:blipFill>
+          <a:blip r:embed="rId3" cstate="print">
+            <a:extLst>
+              <a:ext uri="{28A0092B-C50C-407E-A947-70E740481C1C}">
+                <a14:useLocalDpi xmlns:a14="http://schemas.microsoft.com/office/drawing/2010/main" xmlns="" val="0"/>
+              </a:ext>
+            </a:extLst>
+          </a:blip>
+          <a:srcRect/>
+          <a:stretch>
+            <a:fillRect/>
+          </a:stretch>
+        </p:blipFill>
+        <p:spPr bwMode="auto">
+          <a:xfrm>
+            <a:off x="1259632" y="1232202"/>
+            <a:ext cx="5688632" cy="5186204"/>
+          </a:xfrm>
+          <a:prstGeom prst="rect">
+            <a:avLst/>
+          </a:prstGeom>
+          <a:noFill/>
+          <a:extLst>
+            <a:ext uri="{909E8E84-426E-40DD-AFC4-6F175D3DCCD1}">
+              <a14:hiddenFill xmlns:a14="http://schemas.microsoft.com/office/drawing/2010/main" xmlns="">
+                <a:solidFill>
+                  <a:srgbClr val="FFFFFF"/>
+                </a:solidFill>
+              </a14:hiddenFill>
+            </a:ext>
+          </a:extLst>
+        </p:spPr>
+      </p:pic>
+    </p:spTree>
+    <p:extLst>
+      <p:ext uri="{BB962C8B-B14F-4D97-AF65-F5344CB8AC3E}">
+        <p14:creationId xmlns:p14="http://schemas.microsoft.com/office/powerpoint/2010/main" xmlns="" val="2028648019"/>
+      </p:ext>
+    </p:extLst>
+  </p:cSld>
+  <p:clrMapOvr>
+    <a:masterClrMapping/>
+  </p:clrMapOvr>
+  <p:timing>
+    <p:tnLst>
+      <p:par>
+        <p:cTn id="1" dur="indefinite" restart="never" nodeType="tmRoot"/>
+      </p:par>
+    </p:tnLst>
+  </p:timing>
+</p:sld>
+</file>
+
+<file path=ppt/slides/slide9.xml><?xml version="1.0" encoding="utf-8"?>
+<p:sld xmlns:a="http://schemas.openxmlformats.org/drawingml/2006/main" xmlns:r="http://schemas.openxmlformats.org/officeDocument/2006/relationships" xmlns:p="http://schemas.openxmlformats.org/presentationml/2006/main">
+  <p:cSld>
+    <p:spTree>
+      <p:nvGrpSpPr>
+        <p:cNvPr id="1" name=""/>
+        <p:cNvGrpSpPr/>
+        <p:nvPr/>
+      </p:nvGrpSpPr>
+      <p:grpSpPr>
+        <a:xfrm>
+          <a:off x="0" y="0"/>
+          <a:ext cx="0" cy="0"/>
+          <a:chOff x="0" y="0"/>
+          <a:chExt cx="0" cy="0"/>
+        </a:xfrm>
+      </p:grpSpPr>
+      <p:sp>
+        <p:nvSpPr>
+          <p:cNvPr id="4" name="Rectangle 2"/>
+          <p:cNvSpPr txBox="1">
+            <a:spLocks noChangeArrowheads="1"/>
+          </p:cNvSpPr>
+          <p:nvPr/>
+        </p:nvSpPr>
+        <p:spPr>
+          <a:xfrm>
+            <a:off x="323626" y="357188"/>
+            <a:ext cx="6624638" cy="503237"/>
+          </a:xfrm>
+          <a:prstGeom prst="rect">
+            <a:avLst/>
+          </a:prstGeom>
+        </p:spPr>
+        <p:txBody>
+          <a:bodyPr/>
+          <a:lstStyle/>
+          <a:p>
+            <a:pPr marL="457200" lvl="0" indent="-457200" algn="l"/>
+            <a:r>
+              <a:rPr lang="de-DE" sz="3200" dirty="0" smtClean="0">
+                <a:solidFill>
+                  <a:srgbClr val="003B79"/>
+                </a:solidFill>
+                <a:latin typeface="+mj-lt"/>
+                <a:ea typeface="+mj-ea"/>
+                <a:cs typeface="+mj-cs"/>
+              </a:rPr>
+              <a:t>6. </a:t>
+            </a:r>
+            <a:r>
+              <a:rPr lang="de-DE" sz="3200" dirty="0" smtClean="0">
+                <a:solidFill>
+                  <a:srgbClr val="003B79"/>
+                </a:solidFill>
+                <a:latin typeface="+mj-lt"/>
+                <a:ea typeface="+mj-ea"/>
+                <a:cs typeface="+mj-cs"/>
+              </a:rPr>
+              <a:t>Datenmodell (UML-Model)</a:t>
+            </a:r>
+          </a:p>
+          <a:p>
+            <a:pPr marL="457200" lvl="0" indent="-457200" algn="l"/>
+            <a:endParaRPr lang="de-DE" sz="3200" dirty="0" smtClean="0">
+              <a:solidFill>
+                <a:srgbClr val="003B79"/>
+              </a:solidFill>
+              <a:latin typeface="+mj-lt"/>
+              <a:ea typeface="+mj-ea"/>
+              <a:cs typeface="+mj-cs"/>
+            </a:endParaRPr>
+          </a:p>
+        </p:txBody>
+      </p:sp>
+      <p:sp>
+        <p:nvSpPr>
+          <p:cNvPr id="5" name="Rectangle 4"/>
+          <p:cNvSpPr txBox="1">
+            <a:spLocks noChangeArrowheads="1"/>
+          </p:cNvSpPr>
+          <p:nvPr/>
+        </p:nvSpPr>
+        <p:spPr>
+          <a:xfrm>
+            <a:off x="323850" y="1052736"/>
+            <a:ext cx="8568630" cy="5545137"/>
+          </a:xfrm>
+          <a:prstGeom prst="rect">
+            <a:avLst/>
+          </a:prstGeom>
+        </p:spPr>
+        <p:txBody>
+          <a:bodyPr/>
+          <a:lstStyle/>
+          <a:p>
+            <a:pPr marL="742950" marR="0" lvl="1" indent="-285750" algn="l" defTabSz="914400" rtl="0" eaLnBrk="1" fontAlgn="base" latinLnBrk="0" hangingPunct="1">
+              <a:lnSpc>
+                <a:spcPct val="100000"/>
+              </a:lnSpc>
+              <a:spcBef>
+                <a:spcPct val="20000"/>
+              </a:spcBef>
+              <a:spcAft>
+                <a:spcPct val="20000"/>
+              </a:spcAft>
+              <a:buClrTx/>
+              <a:buSzTx/>
+              <a:tabLst/>
+              <a:defRPr/>
+            </a:pPr>
+            <a:endParaRPr lang="de-DE" sz="2400" b="0" kern="0" dirty="0" smtClean="0">
+              <a:solidFill>
+                <a:srgbClr val="003B79"/>
+              </a:solidFill>
+              <a:latin typeface="+mn-lt"/>
+            </a:endParaRPr>
+          </a:p>
+          <a:p>
+            <a:pPr marL="742950" lvl="1" indent="-285750" algn="l">
+              <a:spcBef>
+                <a:spcPct val="20000"/>
+              </a:spcBef>
+              <a:spcAft>
+                <a:spcPct val="20000"/>
+              </a:spcAft>
+            </a:pPr>
+            <a:endParaRPr lang="de-DE" sz="2400" b="0" kern="0" dirty="0">
+              <a:solidFill>
+                <a:srgbClr val="003B79"/>
+              </a:solidFill>
+              <a:latin typeface="+mn-lt"/>
+            </a:endParaRPr>
+          </a:p>
+          <a:p>
+            <a:pPr marL="742950" marR="0" lvl="1" indent="-285750" algn="l" defTabSz="914400" rtl="0" eaLnBrk="1" fontAlgn="base" latinLnBrk="0" hangingPunct="1">
+              <a:lnSpc>
+                <a:spcPct val="100000"/>
+              </a:lnSpc>
+              <a:spcBef>
+                <a:spcPct val="20000"/>
+              </a:spcBef>
+              <a:spcAft>
+                <a:spcPct val="20000"/>
+              </a:spcAft>
+              <a:buClrTx/>
+              <a:buSzTx/>
+              <a:tabLst/>
+              <a:defRPr/>
+            </a:pPr>
+            <a:endParaRPr lang="de-DE" sz="2400" b="0" kern="0" dirty="0">
+              <a:solidFill>
+                <a:srgbClr val="003B79"/>
+              </a:solidFill>
+              <a:latin typeface="+mn-lt"/>
+            </a:endParaRPr>
+          </a:p>
+          <a:p>
+            <a:pPr marL="742950" marR="0" lvl="1" indent="-285750" algn="l" defTabSz="914400" rtl="0" eaLnBrk="1" fontAlgn="base" latinLnBrk="0" hangingPunct="1">
+              <a:lnSpc>
+                <a:spcPct val="100000"/>
+              </a:lnSpc>
+              <a:spcBef>
+                <a:spcPct val="20000"/>
+              </a:spcBef>
+              <a:spcAft>
+                <a:spcPct val="20000"/>
+              </a:spcAft>
+              <a:buClrTx/>
+              <a:buSzTx/>
+              <a:tabLst/>
+              <a:defRPr/>
+            </a:pPr>
+            <a:endParaRPr lang="de-DE" sz="2400" b="0" kern="0" dirty="0" smtClean="0">
+              <a:solidFill>
+                <a:srgbClr val="003B79"/>
+              </a:solidFill>
+              <a:latin typeface="+mn-lt"/>
+            </a:endParaRPr>
+          </a:p>
+          <a:p>
+            <a:pPr marL="742950" marR="0" lvl="1" indent="-285750" algn="l" defTabSz="914400" rtl="0" eaLnBrk="1" fontAlgn="base" latinLnBrk="0" hangingPunct="1">
+              <a:lnSpc>
+                <a:spcPct val="100000"/>
+              </a:lnSpc>
+              <a:spcBef>
+                <a:spcPct val="20000"/>
+              </a:spcBef>
+              <a:spcAft>
+                <a:spcPct val="20000"/>
+              </a:spcAft>
+              <a:buClrTx/>
+              <a:buSzTx/>
+              <a:tabLst/>
+              <a:defRPr/>
+            </a:pPr>
+            <a:endParaRPr lang="de-DE" sz="2400" b="0" kern="0" dirty="0">
+              <a:solidFill>
+                <a:srgbClr val="003B79"/>
+              </a:solidFill>
+              <a:latin typeface="+mn-lt"/>
+            </a:endParaRPr>
+          </a:p>
+          <a:p>
+            <a:pPr marL="742950" marR="0" lvl="1" indent="-285750" algn="l" defTabSz="914400" rtl="0" eaLnBrk="1" fontAlgn="base" latinLnBrk="0" hangingPunct="1">
+              <a:lnSpc>
+                <a:spcPct val="100000"/>
+              </a:lnSpc>
+              <a:spcBef>
+                <a:spcPct val="20000"/>
+              </a:spcBef>
+              <a:spcAft>
+                <a:spcPct val="20000"/>
+              </a:spcAft>
+              <a:buClrTx/>
+              <a:buSzTx/>
+              <a:tabLst/>
+              <a:defRPr/>
+            </a:pPr>
+            <a:endParaRPr kumimoji="0" lang="de-DE" sz="2400" b="0" i="0" u="none" strike="noStrike" kern="0" cap="none" spc="0" normalizeH="0" baseline="0" noProof="0" dirty="0" smtClean="0">
+              <a:ln>
+                <a:noFill/>
+              </a:ln>
+              <a:solidFill>
+                <a:srgbClr val="003B79"/>
+              </a:solidFill>
+              <a:effectLst/>
+              <a:uLnTx/>
+              <a:uFillTx/>
+              <a:latin typeface="+mn-lt"/>
+            </a:endParaRPr>
+          </a:p>
+        </p:txBody>
+      </p:sp>
+      <p:sp>
+        <p:nvSpPr>
+          <p:cNvPr id="9" name="Rectangle 4"/>
+          <p:cNvSpPr txBox="1">
+            <a:spLocks noChangeArrowheads="1"/>
+          </p:cNvSpPr>
+          <p:nvPr/>
+        </p:nvSpPr>
+        <p:spPr>
+          <a:xfrm>
+            <a:off x="792410" y="1052736"/>
+            <a:ext cx="8820150" cy="5545137"/>
+          </a:xfrm>
+          <a:prstGeom prst="rect">
+            <a:avLst/>
+          </a:prstGeom>
+        </p:spPr>
+        <p:txBody>
+          <a:bodyPr/>
+          <a:lstStyle/>
+          <a:p>
+            <a:pPr marL="457200" marR="0" lvl="0" indent="-457200" algn="l" defTabSz="914400" rtl="0" eaLnBrk="1" fontAlgn="base" latinLnBrk="0" hangingPunct="1">
+              <a:lnSpc>
+                <a:spcPct val="100000"/>
+              </a:lnSpc>
+              <a:spcBef>
+                <a:spcPct val="20000"/>
+              </a:spcBef>
+              <a:spcAft>
+                <a:spcPct val="20000"/>
+              </a:spcAft>
+              <a:buClrTx/>
+              <a:buSzTx/>
+              <a:tabLst/>
+              <a:defRPr/>
+            </a:pPr>
+            <a:r>
+              <a:rPr kumimoji="0" lang="de-DE" sz="2400" b="0" i="0" u="none" strike="noStrike" kern="0" cap="none" spc="0" normalizeH="0" baseline="0" noProof="0" dirty="0" smtClean="0">
+                <a:ln>
+                  <a:noFill/>
+                </a:ln>
+                <a:solidFill>
+                  <a:srgbClr val="003B79"/>
+                </a:solidFill>
+                <a:effectLst/>
+                <a:uLnTx/>
+                <a:uFillTx/>
+                <a:latin typeface="+mn-lt"/>
+                <a:ea typeface="+mn-ea"/>
+                <a:cs typeface="+mn-cs"/>
+              </a:rPr>
+              <a:t>			</a:t>
+            </a:r>
+          </a:p>
+        </p:txBody>
+      </p:sp>
+      <p:pic>
+        <p:nvPicPr>
+          <p:cNvPr id="4098" name="Picture 2" descr="E:\PRG4\Grafiken\IO_Database.PNG"/>
+          <p:cNvPicPr>
+            <a:picLocks noChangeAspect="1" noChangeArrowheads="1"/>
+          </p:cNvPicPr>
+          <p:nvPr/>
+        </p:nvPicPr>
+        <p:blipFill>
+          <a:blip r:embed="rId3" cstate="print">
+            <a:extLst>
+              <a:ext uri="{28A0092B-C50C-407E-A947-70E740481C1C}">
+                <a14:useLocalDpi xmlns:a14="http://schemas.microsoft.com/office/drawing/2010/main" xmlns="" val="0"/>
+              </a:ext>
+            </a:extLst>
+          </a:blip>
+          <a:srcRect/>
+          <a:stretch>
+            <a:fillRect/>
+          </a:stretch>
+        </p:blipFill>
+        <p:spPr bwMode="auto">
+          <a:xfrm>
+            <a:off x="715949" y="1988840"/>
+            <a:ext cx="7822897" cy="3024336"/>
+          </a:xfrm>
+          <a:prstGeom prst="rect">
+            <a:avLst/>
+          </a:prstGeom>
+          <a:noFill/>
+          <a:extLst>
+            <a:ext uri="{909E8E84-426E-40DD-AFC4-6F175D3DCCD1}">
+              <a14:hiddenFill xmlns:a14="http://schemas.microsoft.com/office/drawing/2010/main" xmlns="">
+                <a:solidFill>
+                  <a:srgbClr val="FFFFFF"/>
+                </a:solidFill>
+              </a14:hiddenFill>
+            </a:ext>
+          </a:extLst>
+        </p:spPr>
+      </p:pic>
+    </p:spTree>
+    <p:extLst>
+      <p:ext uri="{BB962C8B-B14F-4D97-AF65-F5344CB8AC3E}">
+        <p14:creationId xmlns:p14="http://schemas.microsoft.com/office/powerpoint/2010/main" xmlns="" val="2028648019"/>
+      </p:ext>
+    </p:extLst>
   </p:cSld>
   <p:clrMapOvr>
     <a:masterClrMapping/>

--- a/Präsentation PRG4.pptx
+++ b/Präsentation PRG4.pptx
@@ -5,10 +5,10 @@
     <p:sldMasterId id="2147483660" r:id="rId1"/>
   </p:sldMasterIdLst>
   <p:notesMasterIdLst>
-    <p:notesMasterId r:id="rId16"/>
+    <p:notesMasterId r:id="rId19"/>
   </p:notesMasterIdLst>
   <p:handoutMasterIdLst>
-    <p:handoutMasterId r:id="rId17"/>
+    <p:handoutMasterId r:id="rId20"/>
   </p:handoutMasterIdLst>
   <p:sldIdLst>
     <p:sldId id="257" r:id="rId2"/>
@@ -16,15 +16,18 @@
     <p:sldId id="265" r:id="rId4"/>
     <p:sldId id="272" r:id="rId5"/>
     <p:sldId id="266" r:id="rId6"/>
-    <p:sldId id="262" r:id="rId7"/>
-    <p:sldId id="267" r:id="rId8"/>
-    <p:sldId id="268" r:id="rId9"/>
-    <p:sldId id="269" r:id="rId10"/>
-    <p:sldId id="270" r:id="rId11"/>
-    <p:sldId id="271" r:id="rId12"/>
-    <p:sldId id="263" r:id="rId13"/>
-    <p:sldId id="260" r:id="rId14"/>
-    <p:sldId id="261" r:id="rId15"/>
+    <p:sldId id="273" r:id="rId7"/>
+    <p:sldId id="274" r:id="rId8"/>
+    <p:sldId id="275" r:id="rId9"/>
+    <p:sldId id="262" r:id="rId10"/>
+    <p:sldId id="267" r:id="rId11"/>
+    <p:sldId id="268" r:id="rId12"/>
+    <p:sldId id="269" r:id="rId13"/>
+    <p:sldId id="270" r:id="rId14"/>
+    <p:sldId id="271" r:id="rId15"/>
+    <p:sldId id="263" r:id="rId16"/>
+    <p:sldId id="260" r:id="rId17"/>
+    <p:sldId id="261" r:id="rId18"/>
   </p:sldIdLst>
   <p:sldSz cx="9144000" cy="6858000" type="screen4x3"/>
   <p:notesSz cx="6858000" cy="9144000"/>
@@ -5747,49 +5750,21 @@
       </p:grpSpPr>
       <p:sp>
         <p:nvSpPr>
-          <p:cNvPr id="7" name="Rectangle 7"/>
+          <p:cNvPr id="2" name="Folienbildplatzhalter 1"/>
           <p:cNvSpPr>
-            <a:spLocks noGrp="1" noChangeArrowheads="1"/>
-          </p:cNvSpPr>
-          <p:nvPr>
-            <p:ph type="sldNum" sz="quarter" idx="5"/>
-          </p:nvPr>
-        </p:nvSpPr>
-        <p:spPr>
-          <a:ln/>
-        </p:spPr>
-        <p:txBody>
-          <a:bodyPr/>
-          <a:lstStyle/>
-          <a:p>
-            <a:fld id="{53EF9097-0A76-4396-87AC-3BDA4F5A0772}" type="slidenum">
-              <a:rPr lang="de-DE"/>
-              <a:pPr/>
-              <a:t>12</a:t>
-            </a:fld>
-            <a:endParaRPr lang="de-DE"/>
-          </a:p>
-        </p:txBody>
-      </p:sp>
-      <p:sp>
-        <p:nvSpPr>
-          <p:cNvPr id="8771586" name="Rectangle 2"/>
-          <p:cNvSpPr>
-            <a:spLocks noGrp="1" noRot="1" noChangeAspect="1" noChangeArrowheads="1" noTextEdit="1"/>
+            <a:spLocks noGrp="1" noRot="1" noChangeAspect="1"/>
           </p:cNvSpPr>
           <p:nvPr>
             <p:ph type="sldImg"/>
           </p:nvPr>
         </p:nvSpPr>
-        <p:spPr>
-          <a:ln/>
-        </p:spPr>
+        <p:spPr/>
       </p:sp>
       <p:sp>
         <p:nvSpPr>
-          <p:cNvPr id="8771587" name="Rectangle 3"/>
+          <p:cNvPr id="3" name="Notizenplatzhalter 2"/>
           <p:cNvSpPr>
-            <a:spLocks noGrp="1" noChangeArrowheads="1"/>
+            <a:spLocks noGrp="1"/>
           </p:cNvSpPr>
           <p:nvPr>
             <p:ph type="body" idx="1"/>
@@ -5797,10 +5772,36 @@
         </p:nvSpPr>
         <p:spPr/>
         <p:txBody>
+          <a:bodyPr>
+            <a:normAutofit/>
+          </a:bodyPr>
+          <a:lstStyle/>
+          <a:p>
+            <a:endParaRPr lang="de-DE" dirty="0"/>
+          </a:p>
+        </p:txBody>
+      </p:sp>
+      <p:sp>
+        <p:nvSpPr>
+          <p:cNvPr id="4" name="Foliennummernplatzhalter 3"/>
+          <p:cNvSpPr>
+            <a:spLocks noGrp="1"/>
+          </p:cNvSpPr>
+          <p:nvPr>
+            <p:ph type="sldNum" sz="quarter" idx="10"/>
+          </p:nvPr>
+        </p:nvSpPr>
+        <p:spPr/>
+        <p:txBody>
           <a:bodyPr/>
           <a:lstStyle/>
           <a:p>
-            <a:endParaRPr lang="de-DE" dirty="0"/>
+            <a:fld id="{A8D0068F-0A1E-4566-8068-BF0F15B844D2}" type="slidenum">
+              <a:rPr lang="de-DE" smtClean="0"/>
+              <a:pPr/>
+              <a:t>12</a:t>
+            </a:fld>
+            <a:endParaRPr lang="de-DE"/>
           </a:p>
         </p:txBody>
       </p:sp>
@@ -5976,6 +5977,254 @@
 </p:notes>
 </file>
 
+<file path=ppt/notesSlides/notesSlide15.xml><?xml version="1.0" encoding="utf-8"?>
+<p:notes xmlns:a="http://schemas.openxmlformats.org/drawingml/2006/main" xmlns:r="http://schemas.openxmlformats.org/officeDocument/2006/relationships" xmlns:p="http://schemas.openxmlformats.org/presentationml/2006/main">
+  <p:cSld>
+    <p:spTree>
+      <p:nvGrpSpPr>
+        <p:cNvPr id="1" name=""/>
+        <p:cNvGrpSpPr/>
+        <p:nvPr/>
+      </p:nvGrpSpPr>
+      <p:grpSpPr>
+        <a:xfrm>
+          <a:off x="0" y="0"/>
+          <a:ext cx="0" cy="0"/>
+          <a:chOff x="0" y="0"/>
+          <a:chExt cx="0" cy="0"/>
+        </a:xfrm>
+      </p:grpSpPr>
+      <p:sp>
+        <p:nvSpPr>
+          <p:cNvPr id="7" name="Rectangle 7"/>
+          <p:cNvSpPr>
+            <a:spLocks noGrp="1" noChangeArrowheads="1"/>
+          </p:cNvSpPr>
+          <p:nvPr>
+            <p:ph type="sldNum" sz="quarter" idx="5"/>
+          </p:nvPr>
+        </p:nvSpPr>
+        <p:spPr>
+          <a:ln/>
+        </p:spPr>
+        <p:txBody>
+          <a:bodyPr/>
+          <a:lstStyle/>
+          <a:p>
+            <a:fld id="{53EF9097-0A76-4396-87AC-3BDA4F5A0772}" type="slidenum">
+              <a:rPr lang="de-DE"/>
+              <a:pPr/>
+              <a:t>15</a:t>
+            </a:fld>
+            <a:endParaRPr lang="de-DE"/>
+          </a:p>
+        </p:txBody>
+      </p:sp>
+      <p:sp>
+        <p:nvSpPr>
+          <p:cNvPr id="8771586" name="Rectangle 2"/>
+          <p:cNvSpPr>
+            <a:spLocks noGrp="1" noRot="1" noChangeAspect="1" noChangeArrowheads="1" noTextEdit="1"/>
+          </p:cNvSpPr>
+          <p:nvPr>
+            <p:ph type="sldImg"/>
+          </p:nvPr>
+        </p:nvSpPr>
+        <p:spPr>
+          <a:ln/>
+        </p:spPr>
+      </p:sp>
+      <p:sp>
+        <p:nvSpPr>
+          <p:cNvPr id="8771587" name="Rectangle 3"/>
+          <p:cNvSpPr>
+            <a:spLocks noGrp="1" noChangeArrowheads="1"/>
+          </p:cNvSpPr>
+          <p:nvPr>
+            <p:ph type="body" idx="1"/>
+          </p:nvPr>
+        </p:nvSpPr>
+        <p:spPr/>
+        <p:txBody>
+          <a:bodyPr/>
+          <a:lstStyle/>
+          <a:p>
+            <a:endParaRPr lang="de-DE" dirty="0"/>
+          </a:p>
+        </p:txBody>
+      </p:sp>
+    </p:spTree>
+  </p:cSld>
+  <p:clrMapOvr>
+    <a:masterClrMapping/>
+  </p:clrMapOvr>
+</p:notes>
+</file>
+
+<file path=ppt/notesSlides/notesSlide16.xml><?xml version="1.0" encoding="utf-8"?>
+<p:notes xmlns:a="http://schemas.openxmlformats.org/drawingml/2006/main" xmlns:r="http://schemas.openxmlformats.org/officeDocument/2006/relationships" xmlns:p="http://schemas.openxmlformats.org/presentationml/2006/main">
+  <p:cSld>
+    <p:spTree>
+      <p:nvGrpSpPr>
+        <p:cNvPr id="1" name=""/>
+        <p:cNvGrpSpPr/>
+        <p:nvPr/>
+      </p:nvGrpSpPr>
+      <p:grpSpPr>
+        <a:xfrm>
+          <a:off x="0" y="0"/>
+          <a:ext cx="0" cy="0"/>
+          <a:chOff x="0" y="0"/>
+          <a:chExt cx="0" cy="0"/>
+        </a:xfrm>
+      </p:grpSpPr>
+      <p:sp>
+        <p:nvSpPr>
+          <p:cNvPr id="2" name="Folienbildplatzhalter 1"/>
+          <p:cNvSpPr>
+            <a:spLocks noGrp="1" noRot="1" noChangeAspect="1"/>
+          </p:cNvSpPr>
+          <p:nvPr>
+            <p:ph type="sldImg"/>
+          </p:nvPr>
+        </p:nvSpPr>
+        <p:spPr/>
+      </p:sp>
+      <p:sp>
+        <p:nvSpPr>
+          <p:cNvPr id="3" name="Notizenplatzhalter 2"/>
+          <p:cNvSpPr>
+            <a:spLocks noGrp="1"/>
+          </p:cNvSpPr>
+          <p:nvPr>
+            <p:ph type="body" idx="1"/>
+          </p:nvPr>
+        </p:nvSpPr>
+        <p:spPr/>
+        <p:txBody>
+          <a:bodyPr>
+            <a:normAutofit/>
+          </a:bodyPr>
+          <a:lstStyle/>
+          <a:p>
+            <a:endParaRPr lang="de-DE" dirty="0"/>
+          </a:p>
+        </p:txBody>
+      </p:sp>
+      <p:sp>
+        <p:nvSpPr>
+          <p:cNvPr id="4" name="Foliennummernplatzhalter 3"/>
+          <p:cNvSpPr>
+            <a:spLocks noGrp="1"/>
+          </p:cNvSpPr>
+          <p:nvPr>
+            <p:ph type="sldNum" sz="quarter" idx="10"/>
+          </p:nvPr>
+        </p:nvSpPr>
+        <p:spPr/>
+        <p:txBody>
+          <a:bodyPr/>
+          <a:lstStyle/>
+          <a:p>
+            <a:fld id="{A8D0068F-0A1E-4566-8068-BF0F15B844D2}" type="slidenum">
+              <a:rPr lang="de-DE" smtClean="0"/>
+              <a:pPr/>
+              <a:t>16</a:t>
+            </a:fld>
+            <a:endParaRPr lang="de-DE"/>
+          </a:p>
+        </p:txBody>
+      </p:sp>
+    </p:spTree>
+  </p:cSld>
+  <p:clrMapOvr>
+    <a:masterClrMapping/>
+  </p:clrMapOvr>
+</p:notes>
+</file>
+
+<file path=ppt/notesSlides/notesSlide17.xml><?xml version="1.0" encoding="utf-8"?>
+<p:notes xmlns:a="http://schemas.openxmlformats.org/drawingml/2006/main" xmlns:r="http://schemas.openxmlformats.org/officeDocument/2006/relationships" xmlns:p="http://schemas.openxmlformats.org/presentationml/2006/main">
+  <p:cSld>
+    <p:spTree>
+      <p:nvGrpSpPr>
+        <p:cNvPr id="1" name=""/>
+        <p:cNvGrpSpPr/>
+        <p:nvPr/>
+      </p:nvGrpSpPr>
+      <p:grpSpPr>
+        <a:xfrm>
+          <a:off x="0" y="0"/>
+          <a:ext cx="0" cy="0"/>
+          <a:chOff x="0" y="0"/>
+          <a:chExt cx="0" cy="0"/>
+        </a:xfrm>
+      </p:grpSpPr>
+      <p:sp>
+        <p:nvSpPr>
+          <p:cNvPr id="2" name="Folienbildplatzhalter 1"/>
+          <p:cNvSpPr>
+            <a:spLocks noGrp="1" noRot="1" noChangeAspect="1"/>
+          </p:cNvSpPr>
+          <p:nvPr>
+            <p:ph type="sldImg"/>
+          </p:nvPr>
+        </p:nvSpPr>
+        <p:spPr/>
+      </p:sp>
+      <p:sp>
+        <p:nvSpPr>
+          <p:cNvPr id="3" name="Notizenplatzhalter 2"/>
+          <p:cNvSpPr>
+            <a:spLocks noGrp="1"/>
+          </p:cNvSpPr>
+          <p:nvPr>
+            <p:ph type="body" idx="1"/>
+          </p:nvPr>
+        </p:nvSpPr>
+        <p:spPr/>
+        <p:txBody>
+          <a:bodyPr>
+            <a:normAutofit/>
+          </a:bodyPr>
+          <a:lstStyle/>
+          <a:p>
+            <a:endParaRPr lang="de-DE" dirty="0"/>
+          </a:p>
+        </p:txBody>
+      </p:sp>
+      <p:sp>
+        <p:nvSpPr>
+          <p:cNvPr id="4" name="Foliennummernplatzhalter 3"/>
+          <p:cNvSpPr>
+            <a:spLocks noGrp="1"/>
+          </p:cNvSpPr>
+          <p:nvPr>
+            <p:ph type="sldNum" sz="quarter" idx="10"/>
+          </p:nvPr>
+        </p:nvSpPr>
+        <p:spPr/>
+        <p:txBody>
+          <a:bodyPr/>
+          <a:lstStyle/>
+          <a:p>
+            <a:fld id="{A8D0068F-0A1E-4566-8068-BF0F15B844D2}" type="slidenum">
+              <a:rPr lang="de-DE" smtClean="0"/>
+              <a:pPr/>
+              <a:t>17</a:t>
+            </a:fld>
+            <a:endParaRPr lang="de-DE"/>
+          </a:p>
+        </p:txBody>
+      </p:sp>
+    </p:spTree>
+  </p:cSld>
+  <p:clrMapOvr>
+    <a:masterClrMapping/>
+  </p:clrMapOvr>
+</p:notes>
+</file>
+
 <file path=ppt/notesSlides/notesSlide2.xml><?xml version="1.0" encoding="utf-8"?>
 <p:notes xmlns:a="http://schemas.openxmlformats.org/drawingml/2006/main" xmlns:r="http://schemas.openxmlformats.org/officeDocument/2006/relationships" xmlns:p="http://schemas.openxmlformats.org/presentationml/2006/main">
   <p:cSld>
@@ -6325,49 +6574,21 @@
       </p:grpSpPr>
       <p:sp>
         <p:nvSpPr>
-          <p:cNvPr id="7" name="Rectangle 7"/>
+          <p:cNvPr id="2" name="Folienbildplatzhalter 1"/>
           <p:cNvSpPr>
-            <a:spLocks noGrp="1" noChangeArrowheads="1"/>
-          </p:cNvSpPr>
-          <p:nvPr>
-            <p:ph type="sldNum" sz="quarter" idx="5"/>
-          </p:nvPr>
-        </p:nvSpPr>
-        <p:spPr>
-          <a:ln/>
-        </p:spPr>
-        <p:txBody>
-          <a:bodyPr/>
-          <a:lstStyle/>
-          <a:p>
-            <a:fld id="{53EF9097-0A76-4396-87AC-3BDA4F5A0772}" type="slidenum">
-              <a:rPr lang="de-DE"/>
-              <a:pPr/>
-              <a:t>6</a:t>
-            </a:fld>
-            <a:endParaRPr lang="de-DE"/>
-          </a:p>
-        </p:txBody>
-      </p:sp>
-      <p:sp>
-        <p:nvSpPr>
-          <p:cNvPr id="8771586" name="Rectangle 2"/>
-          <p:cNvSpPr>
-            <a:spLocks noGrp="1" noRot="1" noChangeAspect="1" noChangeArrowheads="1" noTextEdit="1"/>
+            <a:spLocks noGrp="1" noRot="1" noChangeAspect="1"/>
           </p:cNvSpPr>
           <p:nvPr>
             <p:ph type="sldImg"/>
           </p:nvPr>
         </p:nvSpPr>
-        <p:spPr>
-          <a:ln/>
-        </p:spPr>
+        <p:spPr/>
       </p:sp>
       <p:sp>
         <p:nvSpPr>
-          <p:cNvPr id="8771587" name="Rectangle 3"/>
+          <p:cNvPr id="3" name="Notizenplatzhalter 2"/>
           <p:cNvSpPr>
-            <a:spLocks noGrp="1" noChangeArrowheads="1"/>
+            <a:spLocks noGrp="1"/>
           </p:cNvSpPr>
           <p:nvPr>
             <p:ph type="body" idx="1"/>
@@ -6375,71 +6596,36 @@
         </p:nvSpPr>
         <p:spPr/>
         <p:txBody>
+          <a:bodyPr>
+            <a:normAutofit/>
+          </a:bodyPr>
+          <a:lstStyle/>
+          <a:p>
+            <a:endParaRPr lang="de-DE" dirty="0"/>
+          </a:p>
+        </p:txBody>
+      </p:sp>
+      <p:sp>
+        <p:nvSpPr>
+          <p:cNvPr id="4" name="Foliennummernplatzhalter 3"/>
+          <p:cNvSpPr>
+            <a:spLocks noGrp="1"/>
+          </p:cNvSpPr>
+          <p:nvPr>
+            <p:ph type="sldNum" sz="quarter" idx="10"/>
+          </p:nvPr>
+        </p:nvSpPr>
+        <p:spPr/>
+        <p:txBody>
           <a:bodyPr/>
           <a:lstStyle/>
           <a:p>
-            <a:r>
-              <a:rPr lang="de-DE" dirty="0" smtClean="0"/>
-              <a:t>3-SchichtenModel</a:t>
-            </a:r>
-          </a:p>
-          <a:p>
-            <a:endParaRPr lang="de-DE" dirty="0" smtClean="0"/>
-          </a:p>
-          <a:p>
-            <a:r>
-              <a:rPr lang="de-DE" dirty="0" smtClean="0"/>
-              <a:t>Frontend: GUI – Übernimmt</a:t>
-            </a:r>
-            <a:r>
-              <a:rPr lang="de-DE" baseline="0" dirty="0" smtClean="0"/>
-              <a:t> anzeige der verschiedenen </a:t>
-            </a:r>
-            <a:r>
-              <a:rPr lang="de-DE" baseline="0" dirty="0" err="1" smtClean="0"/>
-              <a:t>Seitenfür</a:t>
-            </a:r>
-            <a:r>
-              <a:rPr lang="de-DE" baseline="0" dirty="0" smtClean="0"/>
-              <a:t> In- und Output (z.B. Bestätigungsseite, Erstellung von Produkten,…)</a:t>
-            </a:r>
-          </a:p>
-          <a:p>
-            <a:r>
-              <a:rPr lang="de-DE" dirty="0" smtClean="0"/>
-              <a:t>Backend: Logik</a:t>
-            </a:r>
-            <a:r>
-              <a:rPr lang="de-DE" baseline="0" dirty="0" smtClean="0"/>
-              <a:t> – funktionaler Ablauf des Programmes, besteht aus den Komponenten Angebot, Rechnung, Produkt, Nutzer, Kunde, Anschrift,.. </a:t>
-            </a:r>
-          </a:p>
-          <a:p>
-            <a:r>
-              <a:rPr lang="de-DE" baseline="0" dirty="0" smtClean="0"/>
-              <a:t>Backend: DB – </a:t>
-            </a:r>
-            <a:r>
-              <a:rPr lang="de-DE" baseline="0" dirty="0" err="1" smtClean="0"/>
-              <a:t>speicher</a:t>
-            </a:r>
-            <a:r>
-              <a:rPr lang="de-DE" baseline="0" dirty="0" smtClean="0"/>
-              <a:t> </a:t>
-            </a:r>
-            <a:r>
-              <a:rPr lang="de-DE" baseline="0" dirty="0" err="1" smtClean="0"/>
-              <a:t>verwaltung</a:t>
-            </a:r>
-            <a:r>
-              <a:rPr lang="de-DE" baseline="0" dirty="0" smtClean="0"/>
-              <a:t> wo sich alle </a:t>
-            </a:r>
-            <a:r>
-              <a:rPr lang="de-DE" baseline="0" smtClean="0"/>
-              <a:t>Daten befindet</a:t>
-            </a:r>
-            <a:endParaRPr lang="de-DE" dirty="0"/>
+            <a:fld id="{A8D0068F-0A1E-4566-8068-BF0F15B844D2}" type="slidenum">
+              <a:rPr lang="de-DE" smtClean="0"/>
+              <a:pPr/>
+              <a:t>6</a:t>
+            </a:fld>
+            <a:endParaRPr lang="de-DE"/>
           </a:p>
         </p:txBody>
       </p:sp>
@@ -6634,21 +6820,49 @@
       </p:grpSpPr>
       <p:sp>
         <p:nvSpPr>
-          <p:cNvPr id="2" name="Folienbildplatzhalter 1"/>
+          <p:cNvPr id="7" name="Rectangle 7"/>
           <p:cNvSpPr>
-            <a:spLocks noGrp="1" noRot="1" noChangeAspect="1"/>
+            <a:spLocks noGrp="1" noChangeArrowheads="1"/>
+          </p:cNvSpPr>
+          <p:nvPr>
+            <p:ph type="sldNum" sz="quarter" idx="5"/>
+          </p:nvPr>
+        </p:nvSpPr>
+        <p:spPr>
+          <a:ln/>
+        </p:spPr>
+        <p:txBody>
+          <a:bodyPr/>
+          <a:lstStyle/>
+          <a:p>
+            <a:fld id="{53EF9097-0A76-4396-87AC-3BDA4F5A0772}" type="slidenum">
+              <a:rPr lang="de-DE"/>
+              <a:pPr/>
+              <a:t>9</a:t>
+            </a:fld>
+            <a:endParaRPr lang="de-DE"/>
+          </a:p>
+        </p:txBody>
+      </p:sp>
+      <p:sp>
+        <p:nvSpPr>
+          <p:cNvPr id="8771586" name="Rectangle 2"/>
+          <p:cNvSpPr>
+            <a:spLocks noGrp="1" noRot="1" noChangeAspect="1" noChangeArrowheads="1" noTextEdit="1"/>
           </p:cNvSpPr>
           <p:nvPr>
             <p:ph type="sldImg"/>
           </p:nvPr>
         </p:nvSpPr>
-        <p:spPr/>
+        <p:spPr>
+          <a:ln/>
+        </p:spPr>
       </p:sp>
       <p:sp>
         <p:nvSpPr>
-          <p:cNvPr id="3" name="Notizenplatzhalter 2"/>
+          <p:cNvPr id="8771587" name="Rectangle 3"/>
           <p:cNvSpPr>
-            <a:spLocks noGrp="1"/>
+            <a:spLocks noGrp="1" noChangeArrowheads="1"/>
           </p:cNvSpPr>
           <p:nvPr>
             <p:ph type="body" idx="1"/>
@@ -6656,36 +6870,71 @@
         </p:nvSpPr>
         <p:spPr/>
         <p:txBody>
-          <a:bodyPr>
-            <a:normAutofit/>
-          </a:bodyPr>
-          <a:lstStyle/>
-          <a:p>
-            <a:endParaRPr lang="de-DE" dirty="0"/>
-          </a:p>
-        </p:txBody>
-      </p:sp>
-      <p:sp>
-        <p:nvSpPr>
-          <p:cNvPr id="4" name="Foliennummernplatzhalter 3"/>
-          <p:cNvSpPr>
-            <a:spLocks noGrp="1"/>
-          </p:cNvSpPr>
-          <p:nvPr>
-            <p:ph type="sldNum" sz="quarter" idx="10"/>
-          </p:nvPr>
-        </p:nvSpPr>
-        <p:spPr/>
-        <p:txBody>
           <a:bodyPr/>
           <a:lstStyle/>
           <a:p>
-            <a:fld id="{A8D0068F-0A1E-4566-8068-BF0F15B844D2}" type="slidenum">
-              <a:rPr lang="de-DE" smtClean="0"/>
-              <a:pPr/>
-              <a:t>9</a:t>
-            </a:fld>
-            <a:endParaRPr lang="de-DE"/>
+            <a:r>
+              <a:rPr lang="de-DE" dirty="0" smtClean="0"/>
+              <a:t>3-SchichtenModel</a:t>
+            </a:r>
+          </a:p>
+          <a:p>
+            <a:endParaRPr lang="de-DE" dirty="0" smtClean="0"/>
+          </a:p>
+          <a:p>
+            <a:r>
+              <a:rPr lang="de-DE" dirty="0" smtClean="0"/>
+              <a:t>Frontend: GUI – Übernimmt</a:t>
+            </a:r>
+            <a:r>
+              <a:rPr lang="de-DE" baseline="0" dirty="0" smtClean="0"/>
+              <a:t> anzeige der verschiedenen </a:t>
+            </a:r>
+            <a:r>
+              <a:rPr lang="de-DE" baseline="0" dirty="0" err="1" smtClean="0"/>
+              <a:t>Seitenfür</a:t>
+            </a:r>
+            <a:r>
+              <a:rPr lang="de-DE" baseline="0" dirty="0" smtClean="0"/>
+              <a:t> In- und Output (z.B. Bestätigungsseite, Erstellung von Produkten,…)</a:t>
+            </a:r>
+          </a:p>
+          <a:p>
+            <a:r>
+              <a:rPr lang="de-DE" dirty="0" smtClean="0"/>
+              <a:t>Backend: Logik</a:t>
+            </a:r>
+            <a:r>
+              <a:rPr lang="de-DE" baseline="0" dirty="0" smtClean="0"/>
+              <a:t> – funktionaler Ablauf des Programmes, besteht aus den Komponenten Angebot, Rechnung, Produkt, Nutzer, Kunde, Anschrift,.. </a:t>
+            </a:r>
+          </a:p>
+          <a:p>
+            <a:r>
+              <a:rPr lang="de-DE" baseline="0" dirty="0" smtClean="0"/>
+              <a:t>Backend: DB – </a:t>
+            </a:r>
+            <a:r>
+              <a:rPr lang="de-DE" baseline="0" dirty="0" err="1" smtClean="0"/>
+              <a:t>speicher</a:t>
+            </a:r>
+            <a:r>
+              <a:rPr lang="de-DE" baseline="0" dirty="0" smtClean="0"/>
+              <a:t> </a:t>
+            </a:r>
+            <a:r>
+              <a:rPr lang="de-DE" baseline="0" dirty="0" err="1" smtClean="0"/>
+              <a:t>verwaltung</a:t>
+            </a:r>
+            <a:r>
+              <a:rPr lang="de-DE" baseline="0" dirty="0" smtClean="0"/>
+              <a:t> wo sich alle </a:t>
+            </a:r>
+            <a:r>
+              <a:rPr lang="de-DE" baseline="0" smtClean="0"/>
+              <a:t>Daten befindet</a:t>
+            </a:r>
+            <a:endParaRPr lang="de-DE" dirty="0"/>
           </a:p>
         </p:txBody>
       </p:sp>
@@ -9618,7 +9867,7 @@
                 <a:ea typeface="+mj-ea"/>
                 <a:cs typeface="+mj-cs"/>
               </a:rPr>
-              <a:t>6. </a:t>
+              <a:t>7. </a:t>
             </a:r>
             <a:r>
               <a:rPr lang="de-DE" sz="3200" dirty="0" smtClean="0">
@@ -9629,29 +9878,7 @@
                 <a:ea typeface="+mj-ea"/>
                 <a:cs typeface="+mj-cs"/>
               </a:rPr>
-              <a:t>Datenmodell (</a:t>
-            </a:r>
-            <a:r>
-              <a:rPr lang="de-DE" sz="3200" dirty="0" smtClean="0">
-                <a:solidFill>
-                  <a:srgbClr val="003B79"/>
-                </a:solidFill>
-                <a:latin typeface="+mj-lt"/>
-                <a:ea typeface="+mj-ea"/>
-                <a:cs typeface="+mj-cs"/>
-              </a:rPr>
-              <a:t>UML-Controller</a:t>
-            </a:r>
-            <a:r>
-              <a:rPr lang="de-DE" sz="3200" dirty="0" smtClean="0">
-                <a:solidFill>
-                  <a:srgbClr val="003B79"/>
-                </a:solidFill>
-                <a:latin typeface="+mj-lt"/>
-                <a:ea typeface="+mj-ea"/>
-                <a:cs typeface="+mj-cs"/>
-              </a:rPr>
-              <a:t>)</a:t>
+              <a:t>Datenmodell (UML-Übersicht)</a:t>
             </a:r>
           </a:p>
           <a:p>
@@ -9884,7 +10111,7 @@
       </p:sp>
       <p:pic>
         <p:nvPicPr>
-          <p:cNvPr id="5122" name="Picture 2" descr="E:\PRG4\Grafiken\Controler_State.PNG"/>
+          <p:cNvPr id="2050" name="Picture 2" descr="E:\PRG4\Grafiken\Overall.PNG"/>
           <p:cNvPicPr>
             <a:picLocks noChangeAspect="1" noChangeArrowheads="1"/>
           </p:cNvPicPr>
@@ -9894,7 +10121,7 @@
           <a:blip r:embed="rId3" cstate="print">
             <a:extLst>
               <a:ext uri="{28A0092B-C50C-407E-A947-70E740481C1C}">
-                <a14:useLocalDpi xmlns:a14="http://schemas.microsoft.com/office/drawing/2010/main" xmlns="" val="0"/>
+                <a14:useLocalDpi xmlns="" xmlns:a14="http://schemas.microsoft.com/office/drawing/2010/main" val="0"/>
               </a:ext>
             </a:extLst>
           </a:blip>
@@ -9905,8 +10132,8 @@
         </p:blipFill>
         <p:spPr bwMode="auto">
           <a:xfrm>
-            <a:off x="1673024" y="1339908"/>
-            <a:ext cx="5870281" cy="4970791"/>
+            <a:off x="299008" y="1268760"/>
+            <a:ext cx="7905191" cy="5068540"/>
           </a:xfrm>
           <a:prstGeom prst="rect">
             <a:avLst/>
@@ -9914,7 +10141,7 @@
           <a:noFill/>
           <a:extLst>
             <a:ext uri="{909E8E84-426E-40DD-AFC4-6F175D3DCCD1}">
-              <a14:hiddenFill xmlns:a14="http://schemas.microsoft.com/office/drawing/2010/main" xmlns="">
+              <a14:hiddenFill xmlns="" xmlns:a14="http://schemas.microsoft.com/office/drawing/2010/main">
                 <a:solidFill>
                   <a:srgbClr val="FFFFFF"/>
                 </a:solidFill>
@@ -9926,7 +10153,7 @@
     </p:spTree>
     <p:extLst>
       <p:ext uri="{BB962C8B-B14F-4D97-AF65-F5344CB8AC3E}">
-        <p14:creationId xmlns:p14="http://schemas.microsoft.com/office/powerpoint/2010/main" xmlns="" val="2028648019"/>
+        <p14:creationId xmlns="" xmlns:p14="http://schemas.microsoft.com/office/powerpoint/2010/main" val="3539249763"/>
       </p:ext>
     </p:extLst>
   </p:cSld>
@@ -9991,7 +10218,7 @@
                 <a:ea typeface="+mj-ea"/>
                 <a:cs typeface="+mj-cs"/>
               </a:rPr>
-              <a:t>6. </a:t>
+              <a:t>7. </a:t>
             </a:r>
             <a:r>
               <a:rPr lang="de-DE" sz="3200" dirty="0" smtClean="0">
@@ -10002,7 +10229,7 @@
                 <a:ea typeface="+mj-ea"/>
                 <a:cs typeface="+mj-cs"/>
               </a:rPr>
-              <a:t>Datenmodell (UML-View)</a:t>
+              <a:t>Datenmodell (UML-Model)</a:t>
             </a:r>
           </a:p>
           <a:p>
@@ -10235,7 +10462,7 @@
       </p:sp>
       <p:pic>
         <p:nvPicPr>
-          <p:cNvPr id="6146" name="Picture 2" descr="E:\PRG4\Grafiken\View_Observers.PNG"/>
+          <p:cNvPr id="3074" name="Picture 2" descr="E:\PRG4\Grafiken\Model_Database.PNG"/>
           <p:cNvPicPr>
             <a:picLocks noChangeAspect="1" noChangeArrowheads="1"/>
           </p:cNvPicPr>
@@ -10245,7 +10472,7 @@
           <a:blip r:embed="rId3" cstate="print">
             <a:extLst>
               <a:ext uri="{28A0092B-C50C-407E-A947-70E740481C1C}">
-                <a14:useLocalDpi xmlns:a14="http://schemas.microsoft.com/office/drawing/2010/main" xmlns="" val="0"/>
+                <a14:useLocalDpi xmlns="" xmlns:a14="http://schemas.microsoft.com/office/drawing/2010/main" val="0"/>
               </a:ext>
             </a:extLst>
           </a:blip>
@@ -10256,8 +10483,8 @@
         </p:blipFill>
         <p:spPr bwMode="auto">
           <a:xfrm>
-            <a:off x="654050" y="1741488"/>
-            <a:ext cx="7702550" cy="4235450"/>
+            <a:off x="1259632" y="1232202"/>
+            <a:ext cx="5688632" cy="5186204"/>
           </a:xfrm>
           <a:prstGeom prst="rect">
             <a:avLst/>
@@ -10265,7 +10492,7 @@
           <a:noFill/>
           <a:extLst>
             <a:ext uri="{909E8E84-426E-40DD-AFC4-6F175D3DCCD1}">
-              <a14:hiddenFill xmlns:a14="http://schemas.microsoft.com/office/drawing/2010/main" xmlns="">
+              <a14:hiddenFill xmlns="" xmlns:a14="http://schemas.microsoft.com/office/drawing/2010/main">
                 <a:solidFill>
                   <a:srgbClr val="FFFFFF"/>
                 </a:solidFill>
@@ -10277,7 +10504,7 @@
     </p:spTree>
     <p:extLst>
       <p:ext uri="{BB962C8B-B14F-4D97-AF65-F5344CB8AC3E}">
-        <p14:creationId xmlns:p14="http://schemas.microsoft.com/office/powerpoint/2010/main" xmlns="" val="2223991465"/>
+        <p14:creationId xmlns="" xmlns:p14="http://schemas.microsoft.com/office/powerpoint/2010/main" val="2028648019"/>
       </p:ext>
     </p:extLst>
   </p:cSld>
@@ -10311,151 +10538,324 @@
           <a:chExt cx="0" cy="0"/>
         </a:xfrm>
       </p:grpSpPr>
-      <p:graphicFrame>
-        <p:nvGraphicFramePr>
-          <p:cNvPr id="3" name="Inhaltsplatzhalter 2"/>
-          <p:cNvGraphicFramePr>
-            <a:graphicFrameLocks noGrp="1"/>
-          </p:cNvGraphicFramePr>
-          <p:nvPr>
-            <p:ph idx="1"/>
-            <p:extLst>
-              <p:ext uri="{D42A27DB-BD31-4B8C-83A1-F6EECF244321}">
-                <p14:modId xmlns:p14="http://schemas.microsoft.com/office/powerpoint/2010/main" xmlns="" val="2122085790"/>
-              </p:ext>
-            </p:extLst>
-          </p:nvPr>
-        </p:nvGraphicFramePr>
-        <p:xfrm>
-          <a:off x="216346" y="980728"/>
-          <a:ext cx="8820150" cy="5545137"/>
-        </p:xfrm>
-        <a:graphic>
-          <a:graphicData uri="http://schemas.openxmlformats.org/drawingml/2006/diagram">
-            <dgm:relIds xmlns:dgm="http://schemas.openxmlformats.org/drawingml/2006/diagram" xmlns:r="http://schemas.openxmlformats.org/officeDocument/2006/relationships" r:dm="rId3" r:lo="rId4" r:qs="rId5" r:cs="rId6"/>
-          </a:graphicData>
-        </a:graphic>
-      </p:graphicFrame>
       <p:sp>
         <p:nvSpPr>
-          <p:cNvPr id="8770562" name="Rectangle 2"/>
-          <p:cNvSpPr>
-            <a:spLocks noGrp="1" noChangeArrowheads="1"/>
+          <p:cNvPr id="4" name="Rectangle 2"/>
+          <p:cNvSpPr txBox="1">
+            <a:spLocks noChangeArrowheads="1"/>
           </p:cNvSpPr>
-          <p:nvPr>
-            <p:ph type="title"/>
-          </p:nvPr>
+          <p:nvPr/>
         </p:nvSpPr>
         <p:spPr>
           <a:xfrm>
-            <a:off x="198681" y="321146"/>
+            <a:off x="323626" y="357188"/>
             <a:ext cx="6624638" cy="503237"/>
           </a:xfrm>
+          <a:prstGeom prst="rect">
+            <a:avLst/>
+          </a:prstGeom>
         </p:spPr>
         <p:txBody>
           <a:bodyPr/>
           <a:lstStyle/>
           <a:p>
-            <a:r>
-              <a:rPr lang="de-DE" sz="3200" dirty="0" smtClean="0"/>
-              <a:t>6. Datenmodell (DB-Schema)</a:t>
-            </a:r>
-            <a:endParaRPr lang="de-DE" sz="3200" dirty="0"/>
+            <a:pPr marL="457200" lvl="0" indent="-457200" algn="l"/>
+            <a:r>
+              <a:rPr lang="de-DE" sz="3200" dirty="0" smtClean="0">
+                <a:solidFill>
+                  <a:srgbClr val="003B79"/>
+                </a:solidFill>
+                <a:latin typeface="+mj-lt"/>
+                <a:ea typeface="+mj-ea"/>
+                <a:cs typeface="+mj-cs"/>
+              </a:rPr>
+              <a:t>7. </a:t>
+            </a:r>
+            <a:r>
+              <a:rPr lang="de-DE" sz="3200" dirty="0" smtClean="0">
+                <a:solidFill>
+                  <a:srgbClr val="003B79"/>
+                </a:solidFill>
+                <a:latin typeface="+mj-lt"/>
+                <a:ea typeface="+mj-ea"/>
+                <a:cs typeface="+mj-cs"/>
+              </a:rPr>
+              <a:t>Datenmodell (UML-Model)</a:t>
+            </a:r>
+          </a:p>
+          <a:p>
+            <a:pPr marL="457200" lvl="0" indent="-457200" algn="l"/>
+            <a:endParaRPr lang="de-DE" sz="3200" dirty="0" smtClean="0">
+              <a:solidFill>
+                <a:srgbClr val="003B79"/>
+              </a:solidFill>
+              <a:latin typeface="+mj-lt"/>
+              <a:ea typeface="+mj-ea"/>
+              <a:cs typeface="+mj-cs"/>
+            </a:endParaRPr>
           </a:p>
         </p:txBody>
       </p:sp>
       <p:sp>
         <p:nvSpPr>
-          <p:cNvPr id="4" name="Rechteck 3"/>
-          <p:cNvSpPr/>
+          <p:cNvPr id="5" name="Rectangle 4"/>
+          <p:cNvSpPr txBox="1">
+            <a:spLocks noChangeArrowheads="1"/>
+          </p:cNvSpPr>
           <p:nvPr/>
         </p:nvSpPr>
+        <p:spPr>
+          <a:xfrm>
+            <a:off x="323850" y="1052736"/>
+            <a:ext cx="8568630" cy="5545137"/>
+          </a:xfrm>
+          <a:prstGeom prst="rect">
+            <a:avLst/>
+          </a:prstGeom>
+        </p:spPr>
+        <p:txBody>
+          <a:bodyPr/>
+          <a:lstStyle/>
+          <a:p>
+            <a:pPr marL="742950" marR="0" lvl="1" indent="-285750" algn="l" defTabSz="914400" rtl="0" eaLnBrk="1" fontAlgn="base" latinLnBrk="0" hangingPunct="1">
+              <a:lnSpc>
+                <a:spcPct val="100000"/>
+              </a:lnSpc>
+              <a:spcBef>
+                <a:spcPct val="20000"/>
+              </a:spcBef>
+              <a:spcAft>
+                <a:spcPct val="20000"/>
+              </a:spcAft>
+              <a:buClrTx/>
+              <a:buSzTx/>
+              <a:tabLst/>
+              <a:defRPr/>
+            </a:pPr>
+            <a:endParaRPr lang="de-DE" sz="2400" b="0" kern="0" dirty="0" smtClean="0">
+              <a:solidFill>
+                <a:srgbClr val="003B79"/>
+              </a:solidFill>
+              <a:latin typeface="+mn-lt"/>
+            </a:endParaRPr>
+          </a:p>
+          <a:p>
+            <a:pPr marL="742950" lvl="1" indent="-285750" algn="l">
+              <a:spcBef>
+                <a:spcPct val="20000"/>
+              </a:spcBef>
+              <a:spcAft>
+                <a:spcPct val="20000"/>
+              </a:spcAft>
+            </a:pPr>
+            <a:endParaRPr lang="de-DE" sz="2400" b="0" kern="0" dirty="0">
+              <a:solidFill>
+                <a:srgbClr val="003B79"/>
+              </a:solidFill>
+              <a:latin typeface="+mn-lt"/>
+            </a:endParaRPr>
+          </a:p>
+          <a:p>
+            <a:pPr marL="742950" marR="0" lvl="1" indent="-285750" algn="l" defTabSz="914400" rtl="0" eaLnBrk="1" fontAlgn="base" latinLnBrk="0" hangingPunct="1">
+              <a:lnSpc>
+                <a:spcPct val="100000"/>
+              </a:lnSpc>
+              <a:spcBef>
+                <a:spcPct val="20000"/>
+              </a:spcBef>
+              <a:spcAft>
+                <a:spcPct val="20000"/>
+              </a:spcAft>
+              <a:buClrTx/>
+              <a:buSzTx/>
+              <a:tabLst/>
+              <a:defRPr/>
+            </a:pPr>
+            <a:endParaRPr lang="de-DE" sz="2400" b="0" kern="0" dirty="0">
+              <a:solidFill>
+                <a:srgbClr val="003B79"/>
+              </a:solidFill>
+              <a:latin typeface="+mn-lt"/>
+            </a:endParaRPr>
+          </a:p>
+          <a:p>
+            <a:pPr marL="742950" marR="0" lvl="1" indent="-285750" algn="l" defTabSz="914400" rtl="0" eaLnBrk="1" fontAlgn="base" latinLnBrk="0" hangingPunct="1">
+              <a:lnSpc>
+                <a:spcPct val="100000"/>
+              </a:lnSpc>
+              <a:spcBef>
+                <a:spcPct val="20000"/>
+              </a:spcBef>
+              <a:spcAft>
+                <a:spcPct val="20000"/>
+              </a:spcAft>
+              <a:buClrTx/>
+              <a:buSzTx/>
+              <a:tabLst/>
+              <a:defRPr/>
+            </a:pPr>
+            <a:endParaRPr lang="de-DE" sz="2400" b="0" kern="0" dirty="0" smtClean="0">
+              <a:solidFill>
+                <a:srgbClr val="003B79"/>
+              </a:solidFill>
+              <a:latin typeface="+mn-lt"/>
+            </a:endParaRPr>
+          </a:p>
+          <a:p>
+            <a:pPr marL="742950" marR="0" lvl="1" indent="-285750" algn="l" defTabSz="914400" rtl="0" eaLnBrk="1" fontAlgn="base" latinLnBrk="0" hangingPunct="1">
+              <a:lnSpc>
+                <a:spcPct val="100000"/>
+              </a:lnSpc>
+              <a:spcBef>
+                <a:spcPct val="20000"/>
+              </a:spcBef>
+              <a:spcAft>
+                <a:spcPct val="20000"/>
+              </a:spcAft>
+              <a:buClrTx/>
+              <a:buSzTx/>
+              <a:tabLst/>
+              <a:defRPr/>
+            </a:pPr>
+            <a:endParaRPr lang="de-DE" sz="2400" b="0" kern="0" dirty="0">
+              <a:solidFill>
+                <a:srgbClr val="003B79"/>
+              </a:solidFill>
+              <a:latin typeface="+mn-lt"/>
+            </a:endParaRPr>
+          </a:p>
+          <a:p>
+            <a:pPr marL="742950" marR="0" lvl="1" indent="-285750" algn="l" defTabSz="914400" rtl="0" eaLnBrk="1" fontAlgn="base" latinLnBrk="0" hangingPunct="1">
+              <a:lnSpc>
+                <a:spcPct val="100000"/>
+              </a:lnSpc>
+              <a:spcBef>
+                <a:spcPct val="20000"/>
+              </a:spcBef>
+              <a:spcAft>
+                <a:spcPct val="20000"/>
+              </a:spcAft>
+              <a:buClrTx/>
+              <a:buSzTx/>
+              <a:tabLst/>
+              <a:defRPr/>
+            </a:pPr>
+            <a:endParaRPr kumimoji="0" lang="de-DE" sz="2400" b="0" i="0" u="none" strike="noStrike" kern="0" cap="none" spc="0" normalizeH="0" baseline="0" noProof="0" dirty="0" smtClean="0">
+              <a:ln>
+                <a:noFill/>
+              </a:ln>
+              <a:solidFill>
+                <a:srgbClr val="003B79"/>
+              </a:solidFill>
+              <a:effectLst/>
+              <a:uLnTx/>
+              <a:uFillTx/>
+              <a:latin typeface="+mn-lt"/>
+            </a:endParaRPr>
+          </a:p>
+        </p:txBody>
+      </p:sp>
+      <p:sp>
+        <p:nvSpPr>
+          <p:cNvPr id="9" name="Rectangle 4"/>
+          <p:cNvSpPr txBox="1">
+            <a:spLocks noChangeArrowheads="1"/>
+          </p:cNvSpPr>
+          <p:nvPr/>
+        </p:nvSpPr>
+        <p:spPr>
+          <a:xfrm>
+            <a:off x="792410" y="1052736"/>
+            <a:ext cx="8820150" cy="5545137"/>
+          </a:xfrm>
+          <a:prstGeom prst="rect">
+            <a:avLst/>
+          </a:prstGeom>
+        </p:spPr>
+        <p:txBody>
+          <a:bodyPr/>
+          <a:lstStyle/>
+          <a:p>
+            <a:pPr marL="457200" marR="0" lvl="0" indent="-457200" algn="l" defTabSz="914400" rtl="0" eaLnBrk="1" fontAlgn="base" latinLnBrk="0" hangingPunct="1">
+              <a:lnSpc>
+                <a:spcPct val="100000"/>
+              </a:lnSpc>
+              <a:spcBef>
+                <a:spcPct val="20000"/>
+              </a:spcBef>
+              <a:spcAft>
+                <a:spcPct val="20000"/>
+              </a:spcAft>
+              <a:buClrTx/>
+              <a:buSzTx/>
+              <a:tabLst/>
+              <a:defRPr/>
+            </a:pPr>
+            <a:r>
+              <a:rPr kumimoji="0" lang="de-DE" sz="2400" b="0" i="0" u="none" strike="noStrike" kern="0" cap="none" spc="0" normalizeH="0" baseline="0" noProof="0" dirty="0" smtClean="0">
+                <a:ln>
+                  <a:noFill/>
+                </a:ln>
+                <a:solidFill>
+                  <a:srgbClr val="003B79"/>
+                </a:solidFill>
+                <a:effectLst/>
+                <a:uLnTx/>
+                <a:uFillTx/>
+                <a:latin typeface="+mn-lt"/>
+                <a:ea typeface="+mn-ea"/>
+                <a:cs typeface="+mn-cs"/>
+              </a:rPr>
+              <a:t>			</a:t>
+            </a:r>
+          </a:p>
+        </p:txBody>
+      </p:sp>
+      <p:pic>
+        <p:nvPicPr>
+          <p:cNvPr id="4098" name="Picture 2" descr="E:\PRG4\Grafiken\IO_Database.PNG"/>
+          <p:cNvPicPr>
+            <a:picLocks noChangeAspect="1" noChangeArrowheads="1"/>
+          </p:cNvPicPr>
+          <p:nvPr/>
+        </p:nvPicPr>
+        <p:blipFill>
+          <a:blip r:embed="rId3" cstate="print">
+            <a:extLst>
+              <a:ext uri="{28A0092B-C50C-407E-A947-70E740481C1C}">
+                <a14:useLocalDpi xmlns="" xmlns:a14="http://schemas.microsoft.com/office/drawing/2010/main" val="0"/>
+              </a:ext>
+            </a:extLst>
+          </a:blip>
+          <a:srcRect/>
+          <a:stretch>
+            <a:fillRect/>
+          </a:stretch>
+        </p:blipFill>
         <p:spPr bwMode="auto">
           <a:xfrm>
-            <a:off x="455855" y="3176934"/>
-            <a:ext cx="2520280" cy="1152128"/>
+            <a:off x="715949" y="1988840"/>
+            <a:ext cx="7822897" cy="3024336"/>
           </a:xfrm>
           <a:prstGeom prst="rect">
             <a:avLst/>
           </a:prstGeom>
           <a:noFill/>
-          <a:ln w="9525" cap="flat" cmpd="sng" algn="ctr">
-            <a:noFill/>
-            <a:prstDash val="solid"/>
-            <a:round/>
-            <a:headEnd type="none" w="med" len="med"/>
-            <a:tailEnd type="none" w="med" len="med"/>
-          </a:ln>
-          <a:effectLst/>
-        </p:spPr>
-        <p:txBody>
-          <a:bodyPr vert="horz" wrap="square" lIns="91440" tIns="45720" rIns="91440" bIns="45720" numCol="1" rtlCol="0" anchor="t" anchorCtr="0" compatLnSpc="1">
-            <a:prstTxWarp prst="textNoShape">
-              <a:avLst/>
-            </a:prstTxWarp>
-            <a:spAutoFit/>
-          </a:bodyPr>
-          <a:lstStyle/>
-          <a:p>
-            <a:pPr marL="0" marR="0" indent="0" algn="ctr" defTabSz="914400" rtl="0" eaLnBrk="1" fontAlgn="base" latinLnBrk="0" hangingPunct="1">
-              <a:lnSpc>
-                <a:spcPct val="100000"/>
-              </a:lnSpc>
-              <a:spcBef>
-                <a:spcPct val="0"/>
-              </a:spcBef>
-              <a:spcAft>
-                <a:spcPct val="0"/>
-              </a:spcAft>
-              <a:buClrTx/>
-              <a:buSzTx/>
-              <a:buFontTx/>
-              <a:buNone/>
-              <a:tabLst/>
-            </a:pPr>
-            <a:endParaRPr kumimoji="0" lang="de-DE" sz="1800" b="1" i="0" u="none" strike="noStrike" cap="none" normalizeH="0" baseline="0" smtClean="0">
-              <a:ln>
-                <a:noFill/>
-              </a:ln>
-              <a:solidFill>
-                <a:srgbClr val="FFCC66"/>
-              </a:solidFill>
-              <a:effectLst/>
-              <a:latin typeface="Arial" charset="0"/>
-            </a:endParaRPr>
-          </a:p>
-        </p:txBody>
-      </p:sp>
-      <p:pic>
-        <p:nvPicPr>
-          <p:cNvPr id="6" name="Grafik 5" descr="Datenbankschema.PNG">
-            <a:hlinkClick r:id="rId8" action="ppaction://hlinkfile"/>
-          </p:cNvPr>
-          <p:cNvPicPr>
-            <a:picLocks noChangeAspect="1"/>
-          </p:cNvPicPr>
-          <p:nvPr/>
-        </p:nvPicPr>
-        <p:blipFill>
-          <a:blip r:embed="rId9" cstate="print"/>
-          <a:stretch>
-            <a:fillRect/>
-          </a:stretch>
-        </p:blipFill>
-        <p:spPr>
-          <a:xfrm>
-            <a:off x="1187624" y="1084428"/>
-            <a:ext cx="6696744" cy="5416880"/>
-          </a:xfrm>
-          <a:prstGeom prst="rect">
-            <a:avLst/>
-          </a:prstGeom>
+          <a:extLst>
+            <a:ext uri="{909E8E84-426E-40DD-AFC4-6F175D3DCCD1}">
+              <a14:hiddenFill xmlns="" xmlns:a14="http://schemas.microsoft.com/office/drawing/2010/main">
+                <a:solidFill>
+                  <a:srgbClr val="FFFFFF"/>
+                </a:solidFill>
+              </a14:hiddenFill>
+            </a:ext>
+          </a:extLst>
         </p:spPr>
       </p:pic>
     </p:spTree>
     <p:extLst>
       <p:ext uri="{BB962C8B-B14F-4D97-AF65-F5344CB8AC3E}">
-        <p14:creationId xmlns:p14="http://schemas.microsoft.com/office/powerpoint/2010/main" xmlns="" val="3973953230"/>
+        <p14:creationId xmlns="" xmlns:p14="http://schemas.microsoft.com/office/powerpoint/2010/main" val="2028648019"/>
       </p:ext>
     </p:extLst>
   </p:cSld>
@@ -10520,8 +10920,30 @@
                 <a:ea typeface="+mj-ea"/>
                 <a:cs typeface="+mj-cs"/>
               </a:rPr>
-              <a:t>7. Arbeitsaufteilung</a:t>
-            </a:r>
+              <a:t>7. </a:t>
+            </a:r>
+            <a:r>
+              <a:rPr lang="de-DE" sz="3200" dirty="0" smtClean="0">
+                <a:solidFill>
+                  <a:srgbClr val="003B79"/>
+                </a:solidFill>
+                <a:latin typeface="+mj-lt"/>
+                <a:ea typeface="+mj-ea"/>
+                <a:cs typeface="+mj-cs"/>
+              </a:rPr>
+              <a:t>Datenmodell (UML-Controller)</a:t>
+            </a:r>
+          </a:p>
+          <a:p>
+            <a:pPr marL="457200" lvl="0" indent="-457200" algn="l"/>
+            <a:endParaRPr lang="de-DE" sz="3200" dirty="0" smtClean="0">
+              <a:solidFill>
+                <a:srgbClr val="003B79"/>
+              </a:solidFill>
+              <a:latin typeface="+mj-lt"/>
+              <a:ea typeface="+mj-ea"/>
+              <a:cs typeface="+mj-cs"/>
+            </a:endParaRPr>
           </a:p>
         </p:txBody>
       </p:sp>
@@ -10735,289 +11157,58 @@
                 <a:ea typeface="+mn-ea"/>
                 <a:cs typeface="+mn-cs"/>
               </a:rPr>
-              <a:t>Roland:	-Datenbankmodell</a:t>
-            </a:r>
-          </a:p>
-          <a:p>
-            <a:pPr marL="457200" marR="0" lvl="0" indent="-457200" algn="l" defTabSz="914400" rtl="0" eaLnBrk="1" fontAlgn="base" latinLnBrk="0" hangingPunct="1">
-              <a:lnSpc>
-                <a:spcPct val="100000"/>
-              </a:lnSpc>
-              <a:spcBef>
-                <a:spcPct val="20000"/>
-              </a:spcBef>
-              <a:spcAft>
-                <a:spcPct val="20000"/>
-              </a:spcAft>
-              <a:buClrTx/>
-              <a:buSzTx/>
-              <a:tabLst/>
-              <a:defRPr/>
-            </a:pPr>
-            <a:r>
-              <a:rPr lang="de-DE" sz="2400" b="0" kern="0" dirty="0" smtClean="0">
-                <a:solidFill>
-                  <a:srgbClr val="003B79"/>
-                </a:solidFill>
-                <a:latin typeface="+mn-lt"/>
-              </a:rPr>
-              <a:t>			-Datenbankschnittstelle</a:t>
-            </a:r>
-          </a:p>
-          <a:p>
-            <a:pPr marL="457200" marR="0" lvl="0" indent="-457200" algn="l" defTabSz="914400" rtl="0" eaLnBrk="1" fontAlgn="base" latinLnBrk="0" hangingPunct="1">
-              <a:lnSpc>
-                <a:spcPct val="100000"/>
-              </a:lnSpc>
-              <a:spcBef>
-                <a:spcPct val="20000"/>
-              </a:spcBef>
-              <a:spcAft>
-                <a:spcPct val="20000"/>
-              </a:spcAft>
-              <a:buClrTx/>
-              <a:buSzTx/>
-              <a:tabLst/>
-              <a:defRPr/>
-            </a:pPr>
-            <a:r>
-              <a:rPr lang="de-DE" sz="2400" b="0" kern="0" dirty="0" smtClean="0">
-                <a:solidFill>
-                  <a:srgbClr val="003B79"/>
-                </a:solidFill>
-                <a:latin typeface="+mn-lt"/>
-              </a:rPr>
-              <a:t>Sabine:	-Kontaktbuch</a:t>
-            </a:r>
-          </a:p>
-          <a:p>
-            <a:pPr marL="457200" marR="0" lvl="0" indent="-457200" algn="l" defTabSz="914400" rtl="0" eaLnBrk="1" fontAlgn="base" latinLnBrk="0" hangingPunct="1">
-              <a:lnSpc>
-                <a:spcPct val="100000"/>
-              </a:lnSpc>
-              <a:spcBef>
-                <a:spcPct val="20000"/>
-              </a:spcBef>
-              <a:spcAft>
-                <a:spcPct val="20000"/>
-              </a:spcAft>
-              <a:buClrTx/>
-              <a:buSzTx/>
-              <a:tabLst/>
-              <a:defRPr/>
-            </a:pPr>
-            <a:r>
-              <a:rPr lang="de-DE" sz="2400" b="0" kern="0" dirty="0" smtClean="0">
-                <a:solidFill>
-                  <a:srgbClr val="003B79"/>
-                </a:solidFill>
-                <a:latin typeface="+mn-lt"/>
-              </a:rPr>
-              <a:t>			-Test-GUI</a:t>
-            </a:r>
-          </a:p>
-          <a:p>
-            <a:pPr marL="457200" marR="0" lvl="0" indent="-457200" algn="l" defTabSz="914400" rtl="0" eaLnBrk="1" fontAlgn="base" latinLnBrk="0" hangingPunct="1">
-              <a:lnSpc>
-                <a:spcPct val="100000"/>
-              </a:lnSpc>
-              <a:spcBef>
-                <a:spcPct val="20000"/>
-              </a:spcBef>
-              <a:spcAft>
-                <a:spcPct val="20000"/>
-              </a:spcAft>
-              <a:buClrTx/>
-              <a:buSzTx/>
-              <a:tabLst/>
-              <a:defRPr/>
-            </a:pPr>
-            <a:r>
-              <a:rPr lang="de-DE" sz="2400" b="0" kern="0" dirty="0" smtClean="0">
-                <a:solidFill>
-                  <a:srgbClr val="003B79"/>
-                </a:solidFill>
-                <a:latin typeface="+mn-lt"/>
-              </a:rPr>
-              <a:t>			-Artikel</a:t>
-            </a:r>
-          </a:p>
-          <a:p>
-            <a:pPr marL="457200" marR="0" lvl="0" indent="-457200" algn="l" defTabSz="914400" rtl="0" eaLnBrk="1" fontAlgn="base" latinLnBrk="0" hangingPunct="1">
-              <a:spcBef>
-                <a:spcPct val="20000"/>
-              </a:spcBef>
-              <a:spcAft>
-                <a:spcPct val="20000"/>
-              </a:spcAft>
-              <a:buClrTx/>
-              <a:buSzTx/>
-              <a:tabLst/>
-              <a:defRPr/>
-            </a:pPr>
-            <a:r>
-              <a:rPr lang="de-DE" sz="2400" b="0" kern="0" dirty="0" smtClean="0">
-                <a:solidFill>
-                  <a:srgbClr val="003B79"/>
-                </a:solidFill>
-                <a:latin typeface="+mn-lt"/>
-              </a:rPr>
-              <a:t>Daniel:	-Angebote</a:t>
-            </a:r>
-          </a:p>
-          <a:p>
-            <a:pPr marL="457200" marR="0" lvl="0" indent="-457200" algn="l" defTabSz="914400" rtl="0" eaLnBrk="1" fontAlgn="base" latinLnBrk="0" hangingPunct="1">
-              <a:lnSpc>
-                <a:spcPct val="100000"/>
-              </a:lnSpc>
-              <a:spcBef>
-                <a:spcPct val="20000"/>
-              </a:spcBef>
-              <a:spcAft>
-                <a:spcPct val="20000"/>
-              </a:spcAft>
-              <a:buClrTx/>
-              <a:buSzTx/>
-              <a:tabLst/>
-              <a:defRPr/>
-            </a:pPr>
-            <a:r>
-              <a:rPr lang="de-DE" sz="2400" b="0" kern="0" dirty="0" smtClean="0">
-                <a:solidFill>
-                  <a:srgbClr val="003B79"/>
-                </a:solidFill>
-                <a:latin typeface="+mn-lt"/>
-              </a:rPr>
-              <a:t>			-Rechnungen</a:t>
-            </a:r>
-          </a:p>
-          <a:p>
-            <a:pPr marL="457200" marR="0" lvl="0" indent="-457200" algn="l" defTabSz="914400" rtl="0" eaLnBrk="1" fontAlgn="base" latinLnBrk="0" hangingPunct="1">
-              <a:lnSpc>
-                <a:spcPct val="100000"/>
-              </a:lnSpc>
-              <a:spcBef>
-                <a:spcPct val="20000"/>
-              </a:spcBef>
-              <a:spcAft>
-                <a:spcPct val="20000"/>
-              </a:spcAft>
-              <a:buClrTx/>
-              <a:buSzTx/>
-              <a:tabLst/>
-              <a:defRPr/>
-            </a:pPr>
-            <a:r>
-              <a:rPr lang="de-DE" sz="2400" b="0" kern="0" dirty="0" smtClean="0">
-                <a:solidFill>
-                  <a:srgbClr val="003B79"/>
-                </a:solidFill>
-                <a:latin typeface="+mn-lt"/>
-              </a:rPr>
-              <a:t>			-</a:t>
-            </a:r>
-            <a:r>
-              <a:rPr lang="de-DE" sz="2400" b="0" kern="0" dirty="0" smtClean="0">
-                <a:solidFill>
-                  <a:srgbClr val="003B79"/>
-                </a:solidFill>
-                <a:latin typeface="+mn-lt"/>
-              </a:rPr>
-              <a:t>UML-Diagramme</a:t>
-            </a:r>
-            <a:endParaRPr lang="de-DE" sz="2400" b="0" kern="0" dirty="0" smtClean="0">
-              <a:solidFill>
-                <a:srgbClr val="003B79"/>
-              </a:solidFill>
-              <a:latin typeface="+mn-lt"/>
-            </a:endParaRPr>
-          </a:p>
-          <a:p>
-            <a:pPr marL="457200" marR="0" lvl="0" indent="-457200" algn="l" defTabSz="914400" rtl="0" eaLnBrk="1" fontAlgn="base" latinLnBrk="0" hangingPunct="1">
-              <a:lnSpc>
-                <a:spcPct val="100000"/>
-              </a:lnSpc>
-              <a:spcBef>
-                <a:spcPct val="20000"/>
-              </a:spcBef>
-              <a:spcAft>
-                <a:spcPct val="20000"/>
-              </a:spcAft>
-              <a:buClrTx/>
-              <a:buSzTx/>
-              <a:tabLst/>
-              <a:defRPr/>
-            </a:pPr>
-            <a:endParaRPr lang="de-DE" sz="2400" b="0" kern="0" dirty="0" smtClean="0">
-              <a:solidFill>
-                <a:srgbClr val="003B79"/>
-              </a:solidFill>
-              <a:latin typeface="+mn-lt"/>
-            </a:endParaRPr>
-          </a:p>
-          <a:p>
-            <a:pPr marL="457200" marR="0" lvl="0" indent="-457200" algn="l" defTabSz="914400" rtl="0" eaLnBrk="1" fontAlgn="base" latinLnBrk="0" hangingPunct="1">
-              <a:lnSpc>
-                <a:spcPct val="100000"/>
-              </a:lnSpc>
-              <a:spcBef>
-                <a:spcPct val="20000"/>
-              </a:spcBef>
-              <a:spcAft>
-                <a:spcPct val="20000"/>
-              </a:spcAft>
-              <a:buClrTx/>
-              <a:buSzTx/>
-              <a:tabLst/>
-              <a:defRPr/>
-            </a:pPr>
-            <a:r>
-              <a:rPr lang="de-DE" sz="2400" b="0" kern="0" dirty="0" smtClean="0">
-                <a:solidFill>
-                  <a:srgbClr val="003B79"/>
-                </a:solidFill>
-                <a:latin typeface="+mn-lt"/>
-              </a:rPr>
-              <a:t>Alle:		-Dokumentation</a:t>
-            </a:r>
-          </a:p>
-          <a:p>
-            <a:pPr marL="457200" marR="0" lvl="0" indent="-457200" algn="l" defTabSz="914400" rtl="0" eaLnBrk="1" fontAlgn="base" latinLnBrk="0" hangingPunct="1">
-              <a:lnSpc>
-                <a:spcPct val="100000"/>
-              </a:lnSpc>
-              <a:spcBef>
-                <a:spcPct val="20000"/>
-              </a:spcBef>
-              <a:spcAft>
-                <a:spcPct val="20000"/>
-              </a:spcAft>
-              <a:buClrTx/>
-              <a:buSzTx/>
-              <a:tabLst/>
-              <a:defRPr/>
-            </a:pPr>
-            <a:r>
-              <a:rPr kumimoji="0" lang="de-DE" sz="2400" b="0" i="0" u="none" strike="noStrike" kern="0" cap="none" spc="0" normalizeH="0" baseline="0" noProof="0" dirty="0" smtClean="0">
-                <a:ln>
-                  <a:noFill/>
-                </a:ln>
-                <a:solidFill>
-                  <a:srgbClr val="003B79"/>
-                </a:solidFill>
-                <a:effectLst/>
-                <a:uLnTx/>
-                <a:uFillTx/>
-                <a:latin typeface="+mn-lt"/>
-                <a:ea typeface="+mn-ea"/>
-                <a:cs typeface="+mn-cs"/>
-              </a:rPr>
-              <a:t>			-Testen			</a:t>
+              <a:t>			</a:t>
             </a:r>
           </a:p>
         </p:txBody>
       </p:sp>
+      <p:pic>
+        <p:nvPicPr>
+          <p:cNvPr id="5122" name="Picture 2" descr="E:\PRG4\Grafiken\Controler_State.PNG"/>
+          <p:cNvPicPr>
+            <a:picLocks noChangeAspect="1" noChangeArrowheads="1"/>
+          </p:cNvPicPr>
+          <p:nvPr/>
+        </p:nvPicPr>
+        <p:blipFill>
+          <a:blip r:embed="rId3" cstate="print">
+            <a:extLst>
+              <a:ext uri="{28A0092B-C50C-407E-A947-70E740481C1C}">
+                <a14:useLocalDpi xmlns="" xmlns:a14="http://schemas.microsoft.com/office/drawing/2010/main" val="0"/>
+              </a:ext>
+            </a:extLst>
+          </a:blip>
+          <a:srcRect/>
+          <a:stretch>
+            <a:fillRect/>
+          </a:stretch>
+        </p:blipFill>
+        <p:spPr bwMode="auto">
+          <a:xfrm>
+            <a:off x="1673024" y="1339908"/>
+            <a:ext cx="5870281" cy="4970791"/>
+          </a:xfrm>
+          <a:prstGeom prst="rect">
+            <a:avLst/>
+          </a:prstGeom>
+          <a:noFill/>
+          <a:extLst>
+            <a:ext uri="{909E8E84-426E-40DD-AFC4-6F175D3DCCD1}">
+              <a14:hiddenFill xmlns="" xmlns:a14="http://schemas.microsoft.com/office/drawing/2010/main">
+                <a:solidFill>
+                  <a:srgbClr val="FFFFFF"/>
+                </a:solidFill>
+              </a14:hiddenFill>
+            </a:ext>
+          </a:extLst>
+        </p:spPr>
+      </p:pic>
     </p:spTree>
+    <p:extLst>
+      <p:ext uri="{BB962C8B-B14F-4D97-AF65-F5344CB8AC3E}">
+        <p14:creationId xmlns="" xmlns:p14="http://schemas.microsoft.com/office/powerpoint/2010/main" val="2028648019"/>
+      </p:ext>
+    </p:extLst>
   </p:cSld>
   <p:clrMapOvr>
     <a:masterClrMapping/>
@@ -11080,7 +11271,1107 @@
                 <a:ea typeface="+mj-ea"/>
                 <a:cs typeface="+mj-cs"/>
               </a:rPr>
-              <a:t>8. Zeitplan</a:t>
+              <a:t>7. </a:t>
+            </a:r>
+            <a:r>
+              <a:rPr lang="de-DE" sz="3200" dirty="0" smtClean="0">
+                <a:solidFill>
+                  <a:srgbClr val="003B79"/>
+                </a:solidFill>
+                <a:latin typeface="+mj-lt"/>
+                <a:ea typeface="+mj-ea"/>
+                <a:cs typeface="+mj-cs"/>
+              </a:rPr>
+              <a:t>Datenmodell (UML-View)</a:t>
+            </a:r>
+          </a:p>
+          <a:p>
+            <a:pPr marL="457200" lvl="0" indent="-457200" algn="l"/>
+            <a:endParaRPr lang="de-DE" sz="3200" dirty="0" smtClean="0">
+              <a:solidFill>
+                <a:srgbClr val="003B79"/>
+              </a:solidFill>
+              <a:latin typeface="+mj-lt"/>
+              <a:ea typeface="+mj-ea"/>
+              <a:cs typeface="+mj-cs"/>
+            </a:endParaRPr>
+          </a:p>
+        </p:txBody>
+      </p:sp>
+      <p:sp>
+        <p:nvSpPr>
+          <p:cNvPr id="5" name="Rectangle 4"/>
+          <p:cNvSpPr txBox="1">
+            <a:spLocks noChangeArrowheads="1"/>
+          </p:cNvSpPr>
+          <p:nvPr/>
+        </p:nvSpPr>
+        <p:spPr>
+          <a:xfrm>
+            <a:off x="323850" y="1052736"/>
+            <a:ext cx="8568630" cy="5545137"/>
+          </a:xfrm>
+          <a:prstGeom prst="rect">
+            <a:avLst/>
+          </a:prstGeom>
+        </p:spPr>
+        <p:txBody>
+          <a:bodyPr/>
+          <a:lstStyle/>
+          <a:p>
+            <a:pPr marL="742950" marR="0" lvl="1" indent="-285750" algn="l" defTabSz="914400" rtl="0" eaLnBrk="1" fontAlgn="base" latinLnBrk="0" hangingPunct="1">
+              <a:lnSpc>
+                <a:spcPct val="100000"/>
+              </a:lnSpc>
+              <a:spcBef>
+                <a:spcPct val="20000"/>
+              </a:spcBef>
+              <a:spcAft>
+                <a:spcPct val="20000"/>
+              </a:spcAft>
+              <a:buClrTx/>
+              <a:buSzTx/>
+              <a:tabLst/>
+              <a:defRPr/>
+            </a:pPr>
+            <a:endParaRPr lang="de-DE" sz="2400" b="0" kern="0" dirty="0" smtClean="0">
+              <a:solidFill>
+                <a:srgbClr val="003B79"/>
+              </a:solidFill>
+              <a:latin typeface="+mn-lt"/>
+            </a:endParaRPr>
+          </a:p>
+          <a:p>
+            <a:pPr marL="742950" lvl="1" indent="-285750" algn="l">
+              <a:spcBef>
+                <a:spcPct val="20000"/>
+              </a:spcBef>
+              <a:spcAft>
+                <a:spcPct val="20000"/>
+              </a:spcAft>
+            </a:pPr>
+            <a:endParaRPr lang="de-DE" sz="2400" b="0" kern="0" dirty="0">
+              <a:solidFill>
+                <a:srgbClr val="003B79"/>
+              </a:solidFill>
+              <a:latin typeface="+mn-lt"/>
+            </a:endParaRPr>
+          </a:p>
+          <a:p>
+            <a:pPr marL="742950" marR="0" lvl="1" indent="-285750" algn="l" defTabSz="914400" rtl="0" eaLnBrk="1" fontAlgn="base" latinLnBrk="0" hangingPunct="1">
+              <a:lnSpc>
+                <a:spcPct val="100000"/>
+              </a:lnSpc>
+              <a:spcBef>
+                <a:spcPct val="20000"/>
+              </a:spcBef>
+              <a:spcAft>
+                <a:spcPct val="20000"/>
+              </a:spcAft>
+              <a:buClrTx/>
+              <a:buSzTx/>
+              <a:tabLst/>
+              <a:defRPr/>
+            </a:pPr>
+            <a:endParaRPr lang="de-DE" sz="2400" b="0" kern="0" dirty="0">
+              <a:solidFill>
+                <a:srgbClr val="003B79"/>
+              </a:solidFill>
+              <a:latin typeface="+mn-lt"/>
+            </a:endParaRPr>
+          </a:p>
+          <a:p>
+            <a:pPr marL="742950" marR="0" lvl="1" indent="-285750" algn="l" defTabSz="914400" rtl="0" eaLnBrk="1" fontAlgn="base" latinLnBrk="0" hangingPunct="1">
+              <a:lnSpc>
+                <a:spcPct val="100000"/>
+              </a:lnSpc>
+              <a:spcBef>
+                <a:spcPct val="20000"/>
+              </a:spcBef>
+              <a:spcAft>
+                <a:spcPct val="20000"/>
+              </a:spcAft>
+              <a:buClrTx/>
+              <a:buSzTx/>
+              <a:tabLst/>
+              <a:defRPr/>
+            </a:pPr>
+            <a:endParaRPr lang="de-DE" sz="2400" b="0" kern="0" dirty="0" smtClean="0">
+              <a:solidFill>
+                <a:srgbClr val="003B79"/>
+              </a:solidFill>
+              <a:latin typeface="+mn-lt"/>
+            </a:endParaRPr>
+          </a:p>
+          <a:p>
+            <a:pPr marL="742950" marR="0" lvl="1" indent="-285750" algn="l" defTabSz="914400" rtl="0" eaLnBrk="1" fontAlgn="base" latinLnBrk="0" hangingPunct="1">
+              <a:lnSpc>
+                <a:spcPct val="100000"/>
+              </a:lnSpc>
+              <a:spcBef>
+                <a:spcPct val="20000"/>
+              </a:spcBef>
+              <a:spcAft>
+                <a:spcPct val="20000"/>
+              </a:spcAft>
+              <a:buClrTx/>
+              <a:buSzTx/>
+              <a:tabLst/>
+              <a:defRPr/>
+            </a:pPr>
+            <a:endParaRPr lang="de-DE" sz="2400" b="0" kern="0" dirty="0">
+              <a:solidFill>
+                <a:srgbClr val="003B79"/>
+              </a:solidFill>
+              <a:latin typeface="+mn-lt"/>
+            </a:endParaRPr>
+          </a:p>
+          <a:p>
+            <a:pPr marL="742950" marR="0" lvl="1" indent="-285750" algn="l" defTabSz="914400" rtl="0" eaLnBrk="1" fontAlgn="base" latinLnBrk="0" hangingPunct="1">
+              <a:lnSpc>
+                <a:spcPct val="100000"/>
+              </a:lnSpc>
+              <a:spcBef>
+                <a:spcPct val="20000"/>
+              </a:spcBef>
+              <a:spcAft>
+                <a:spcPct val="20000"/>
+              </a:spcAft>
+              <a:buClrTx/>
+              <a:buSzTx/>
+              <a:tabLst/>
+              <a:defRPr/>
+            </a:pPr>
+            <a:endParaRPr kumimoji="0" lang="de-DE" sz="2400" b="0" i="0" u="none" strike="noStrike" kern="0" cap="none" spc="0" normalizeH="0" baseline="0" noProof="0" dirty="0" smtClean="0">
+              <a:ln>
+                <a:noFill/>
+              </a:ln>
+              <a:solidFill>
+                <a:srgbClr val="003B79"/>
+              </a:solidFill>
+              <a:effectLst/>
+              <a:uLnTx/>
+              <a:uFillTx/>
+              <a:latin typeface="+mn-lt"/>
+            </a:endParaRPr>
+          </a:p>
+        </p:txBody>
+      </p:sp>
+      <p:sp>
+        <p:nvSpPr>
+          <p:cNvPr id="9" name="Rectangle 4"/>
+          <p:cNvSpPr txBox="1">
+            <a:spLocks noChangeArrowheads="1"/>
+          </p:cNvSpPr>
+          <p:nvPr/>
+        </p:nvSpPr>
+        <p:spPr>
+          <a:xfrm>
+            <a:off x="792410" y="1052736"/>
+            <a:ext cx="8820150" cy="5545137"/>
+          </a:xfrm>
+          <a:prstGeom prst="rect">
+            <a:avLst/>
+          </a:prstGeom>
+        </p:spPr>
+        <p:txBody>
+          <a:bodyPr/>
+          <a:lstStyle/>
+          <a:p>
+            <a:pPr marL="457200" marR="0" lvl="0" indent="-457200" algn="l" defTabSz="914400" rtl="0" eaLnBrk="1" fontAlgn="base" latinLnBrk="0" hangingPunct="1">
+              <a:lnSpc>
+                <a:spcPct val="100000"/>
+              </a:lnSpc>
+              <a:spcBef>
+                <a:spcPct val="20000"/>
+              </a:spcBef>
+              <a:spcAft>
+                <a:spcPct val="20000"/>
+              </a:spcAft>
+              <a:buClrTx/>
+              <a:buSzTx/>
+              <a:tabLst/>
+              <a:defRPr/>
+            </a:pPr>
+            <a:r>
+              <a:rPr kumimoji="0" lang="de-DE" sz="2400" b="0" i="0" u="none" strike="noStrike" kern="0" cap="none" spc="0" normalizeH="0" baseline="0" noProof="0" dirty="0" smtClean="0">
+                <a:ln>
+                  <a:noFill/>
+                </a:ln>
+                <a:solidFill>
+                  <a:srgbClr val="003B79"/>
+                </a:solidFill>
+                <a:effectLst/>
+                <a:uLnTx/>
+                <a:uFillTx/>
+                <a:latin typeface="+mn-lt"/>
+                <a:ea typeface="+mn-ea"/>
+                <a:cs typeface="+mn-cs"/>
+              </a:rPr>
+              <a:t>			</a:t>
+            </a:r>
+          </a:p>
+        </p:txBody>
+      </p:sp>
+      <p:pic>
+        <p:nvPicPr>
+          <p:cNvPr id="6146" name="Picture 2" descr="E:\PRG4\Grafiken\View_Observers.PNG"/>
+          <p:cNvPicPr>
+            <a:picLocks noChangeAspect="1" noChangeArrowheads="1"/>
+          </p:cNvPicPr>
+          <p:nvPr/>
+        </p:nvPicPr>
+        <p:blipFill>
+          <a:blip r:embed="rId3" cstate="print">
+            <a:extLst>
+              <a:ext uri="{28A0092B-C50C-407E-A947-70E740481C1C}">
+                <a14:useLocalDpi xmlns="" xmlns:a14="http://schemas.microsoft.com/office/drawing/2010/main" val="0"/>
+              </a:ext>
+            </a:extLst>
+          </a:blip>
+          <a:srcRect/>
+          <a:stretch>
+            <a:fillRect/>
+          </a:stretch>
+        </p:blipFill>
+        <p:spPr bwMode="auto">
+          <a:xfrm>
+            <a:off x="654050" y="1741488"/>
+            <a:ext cx="7702550" cy="4235450"/>
+          </a:xfrm>
+          <a:prstGeom prst="rect">
+            <a:avLst/>
+          </a:prstGeom>
+          <a:noFill/>
+          <a:extLst>
+            <a:ext uri="{909E8E84-426E-40DD-AFC4-6F175D3DCCD1}">
+              <a14:hiddenFill xmlns="" xmlns:a14="http://schemas.microsoft.com/office/drawing/2010/main">
+                <a:solidFill>
+                  <a:srgbClr val="FFFFFF"/>
+                </a:solidFill>
+              </a14:hiddenFill>
+            </a:ext>
+          </a:extLst>
+        </p:spPr>
+      </p:pic>
+    </p:spTree>
+    <p:extLst>
+      <p:ext uri="{BB962C8B-B14F-4D97-AF65-F5344CB8AC3E}">
+        <p14:creationId xmlns="" xmlns:p14="http://schemas.microsoft.com/office/powerpoint/2010/main" val="2223991465"/>
+      </p:ext>
+    </p:extLst>
+  </p:cSld>
+  <p:clrMapOvr>
+    <a:masterClrMapping/>
+  </p:clrMapOvr>
+  <p:timing>
+    <p:tnLst>
+      <p:par>
+        <p:cTn id="1" dur="indefinite" restart="never" nodeType="tmRoot"/>
+      </p:par>
+    </p:tnLst>
+  </p:timing>
+</p:sld>
+</file>
+
+<file path=ppt/slides/slide15.xml><?xml version="1.0" encoding="utf-8"?>
+<p:sld xmlns:a="http://schemas.openxmlformats.org/drawingml/2006/main" xmlns:r="http://schemas.openxmlformats.org/officeDocument/2006/relationships" xmlns:p="http://schemas.openxmlformats.org/presentationml/2006/main">
+  <p:cSld>
+    <p:spTree>
+      <p:nvGrpSpPr>
+        <p:cNvPr id="1" name=""/>
+        <p:cNvGrpSpPr/>
+        <p:nvPr/>
+      </p:nvGrpSpPr>
+      <p:grpSpPr>
+        <a:xfrm>
+          <a:off x="0" y="0"/>
+          <a:ext cx="0" cy="0"/>
+          <a:chOff x="0" y="0"/>
+          <a:chExt cx="0" cy="0"/>
+        </a:xfrm>
+      </p:grpSpPr>
+      <p:graphicFrame>
+        <p:nvGraphicFramePr>
+          <p:cNvPr id="3" name="Inhaltsplatzhalter 2"/>
+          <p:cNvGraphicFramePr>
+            <a:graphicFrameLocks noGrp="1"/>
+          </p:cNvGraphicFramePr>
+          <p:nvPr>
+            <p:ph idx="1"/>
+            <p:extLst>
+              <p:ext uri="{D42A27DB-BD31-4B8C-83A1-F6EECF244321}">
+                <p14:modId xmlns="" xmlns:p14="http://schemas.microsoft.com/office/powerpoint/2010/main" val="2122085790"/>
+              </p:ext>
+            </p:extLst>
+          </p:nvPr>
+        </p:nvGraphicFramePr>
+        <p:xfrm>
+          <a:off x="216346" y="980728"/>
+          <a:ext cx="8820150" cy="5545137"/>
+        </p:xfrm>
+        <a:graphic>
+          <a:graphicData uri="http://schemas.openxmlformats.org/drawingml/2006/diagram">
+            <dgm:relIds xmlns:dgm="http://schemas.openxmlformats.org/drawingml/2006/diagram" xmlns:r="http://schemas.openxmlformats.org/officeDocument/2006/relationships" r:dm="rId3" r:lo="rId4" r:qs="rId5" r:cs="rId6"/>
+          </a:graphicData>
+        </a:graphic>
+      </p:graphicFrame>
+      <p:sp>
+        <p:nvSpPr>
+          <p:cNvPr id="8770562" name="Rectangle 2"/>
+          <p:cNvSpPr>
+            <a:spLocks noGrp="1" noChangeArrowheads="1"/>
+          </p:cNvSpPr>
+          <p:nvPr>
+            <p:ph type="title"/>
+          </p:nvPr>
+        </p:nvSpPr>
+        <p:spPr>
+          <a:xfrm>
+            <a:off x="198681" y="321146"/>
+            <a:ext cx="6624638" cy="503237"/>
+          </a:xfrm>
+        </p:spPr>
+        <p:txBody>
+          <a:bodyPr/>
+          <a:lstStyle/>
+          <a:p>
+            <a:r>
+              <a:rPr lang="de-DE" sz="3200" dirty="0" smtClean="0"/>
+              <a:t>7. </a:t>
+            </a:r>
+            <a:r>
+              <a:rPr lang="de-DE" sz="3200" dirty="0" smtClean="0"/>
+              <a:t>Datenmodell (DB-Schema)</a:t>
+            </a:r>
+            <a:endParaRPr lang="de-DE" sz="3200" dirty="0"/>
+          </a:p>
+        </p:txBody>
+      </p:sp>
+      <p:sp>
+        <p:nvSpPr>
+          <p:cNvPr id="4" name="Rechteck 3"/>
+          <p:cNvSpPr/>
+          <p:nvPr/>
+        </p:nvSpPr>
+        <p:spPr bwMode="auto">
+          <a:xfrm>
+            <a:off x="455855" y="3176934"/>
+            <a:ext cx="2520280" cy="1152128"/>
+          </a:xfrm>
+          <a:prstGeom prst="rect">
+            <a:avLst/>
+          </a:prstGeom>
+          <a:noFill/>
+          <a:ln w="9525" cap="flat" cmpd="sng" algn="ctr">
+            <a:noFill/>
+            <a:prstDash val="solid"/>
+            <a:round/>
+            <a:headEnd type="none" w="med" len="med"/>
+            <a:tailEnd type="none" w="med" len="med"/>
+          </a:ln>
+          <a:effectLst/>
+        </p:spPr>
+        <p:txBody>
+          <a:bodyPr vert="horz" wrap="square" lIns="91440" tIns="45720" rIns="91440" bIns="45720" numCol="1" rtlCol="0" anchor="t" anchorCtr="0" compatLnSpc="1">
+            <a:prstTxWarp prst="textNoShape">
+              <a:avLst/>
+            </a:prstTxWarp>
+            <a:spAutoFit/>
+          </a:bodyPr>
+          <a:lstStyle/>
+          <a:p>
+            <a:pPr marL="0" marR="0" indent="0" algn="ctr" defTabSz="914400" rtl="0" eaLnBrk="1" fontAlgn="base" latinLnBrk="0" hangingPunct="1">
+              <a:lnSpc>
+                <a:spcPct val="100000"/>
+              </a:lnSpc>
+              <a:spcBef>
+                <a:spcPct val="0"/>
+              </a:spcBef>
+              <a:spcAft>
+                <a:spcPct val="0"/>
+              </a:spcAft>
+              <a:buClrTx/>
+              <a:buSzTx/>
+              <a:buFontTx/>
+              <a:buNone/>
+              <a:tabLst/>
+            </a:pPr>
+            <a:endParaRPr kumimoji="0" lang="de-DE" sz="1800" b="1" i="0" u="none" strike="noStrike" cap="none" normalizeH="0" baseline="0" smtClean="0">
+              <a:ln>
+                <a:noFill/>
+              </a:ln>
+              <a:solidFill>
+                <a:srgbClr val="FFCC66"/>
+              </a:solidFill>
+              <a:effectLst/>
+              <a:latin typeface="Arial" charset="0"/>
+            </a:endParaRPr>
+          </a:p>
+        </p:txBody>
+      </p:sp>
+      <p:pic>
+        <p:nvPicPr>
+          <p:cNvPr id="6" name="Grafik 5" descr="Datenbankschema.PNG">
+            <a:hlinkClick r:id="rId8" action="ppaction://hlinkfile"/>
+          </p:cNvPr>
+          <p:cNvPicPr>
+            <a:picLocks noChangeAspect="1"/>
+          </p:cNvPicPr>
+          <p:nvPr/>
+        </p:nvPicPr>
+        <p:blipFill>
+          <a:blip r:embed="rId9" cstate="print"/>
+          <a:stretch>
+            <a:fillRect/>
+          </a:stretch>
+        </p:blipFill>
+        <p:spPr>
+          <a:xfrm>
+            <a:off x="1187624" y="1084428"/>
+            <a:ext cx="6696744" cy="5416880"/>
+          </a:xfrm>
+          <a:prstGeom prst="rect">
+            <a:avLst/>
+          </a:prstGeom>
+        </p:spPr>
+      </p:pic>
+    </p:spTree>
+    <p:extLst>
+      <p:ext uri="{BB962C8B-B14F-4D97-AF65-F5344CB8AC3E}">
+        <p14:creationId xmlns="" xmlns:p14="http://schemas.microsoft.com/office/powerpoint/2010/main" val="3973953230"/>
+      </p:ext>
+    </p:extLst>
+  </p:cSld>
+  <p:clrMapOvr>
+    <a:masterClrMapping/>
+  </p:clrMapOvr>
+  <p:timing>
+    <p:tnLst>
+      <p:par>
+        <p:cTn id="1" dur="indefinite" restart="never" nodeType="tmRoot"/>
+      </p:par>
+    </p:tnLst>
+  </p:timing>
+</p:sld>
+</file>
+
+<file path=ppt/slides/slide16.xml><?xml version="1.0" encoding="utf-8"?>
+<p:sld xmlns:a="http://schemas.openxmlformats.org/drawingml/2006/main" xmlns:r="http://schemas.openxmlformats.org/officeDocument/2006/relationships" xmlns:p="http://schemas.openxmlformats.org/presentationml/2006/main">
+  <p:cSld>
+    <p:spTree>
+      <p:nvGrpSpPr>
+        <p:cNvPr id="1" name=""/>
+        <p:cNvGrpSpPr/>
+        <p:nvPr/>
+      </p:nvGrpSpPr>
+      <p:grpSpPr>
+        <a:xfrm>
+          <a:off x="0" y="0"/>
+          <a:ext cx="0" cy="0"/>
+          <a:chOff x="0" y="0"/>
+          <a:chExt cx="0" cy="0"/>
+        </a:xfrm>
+      </p:grpSpPr>
+      <p:sp>
+        <p:nvSpPr>
+          <p:cNvPr id="4" name="Rectangle 2"/>
+          <p:cNvSpPr txBox="1">
+            <a:spLocks noChangeArrowheads="1"/>
+          </p:cNvSpPr>
+          <p:nvPr/>
+        </p:nvSpPr>
+        <p:spPr>
+          <a:xfrm>
+            <a:off x="323626" y="357188"/>
+            <a:ext cx="6624638" cy="503237"/>
+          </a:xfrm>
+          <a:prstGeom prst="rect">
+            <a:avLst/>
+          </a:prstGeom>
+        </p:spPr>
+        <p:txBody>
+          <a:bodyPr/>
+          <a:lstStyle/>
+          <a:p>
+            <a:pPr marL="457200" lvl="0" indent="-457200" algn="l"/>
+            <a:r>
+              <a:rPr lang="de-DE" sz="3200" dirty="0" smtClean="0">
+                <a:solidFill>
+                  <a:srgbClr val="003B79"/>
+                </a:solidFill>
+                <a:latin typeface="+mj-lt"/>
+                <a:ea typeface="+mj-ea"/>
+                <a:cs typeface="+mj-cs"/>
+              </a:rPr>
+              <a:t>8. </a:t>
+            </a:r>
+            <a:r>
+              <a:rPr lang="de-DE" sz="3200" dirty="0" smtClean="0">
+                <a:solidFill>
+                  <a:srgbClr val="003B79"/>
+                </a:solidFill>
+                <a:latin typeface="+mj-lt"/>
+                <a:ea typeface="+mj-ea"/>
+                <a:cs typeface="+mj-cs"/>
+              </a:rPr>
+              <a:t>Arbeitsaufteilung</a:t>
+            </a:r>
+          </a:p>
+        </p:txBody>
+      </p:sp>
+      <p:sp>
+        <p:nvSpPr>
+          <p:cNvPr id="5" name="Rectangle 4"/>
+          <p:cNvSpPr txBox="1">
+            <a:spLocks noChangeArrowheads="1"/>
+          </p:cNvSpPr>
+          <p:nvPr/>
+        </p:nvSpPr>
+        <p:spPr>
+          <a:xfrm>
+            <a:off x="323850" y="1052736"/>
+            <a:ext cx="8568630" cy="5545137"/>
+          </a:xfrm>
+          <a:prstGeom prst="rect">
+            <a:avLst/>
+          </a:prstGeom>
+        </p:spPr>
+        <p:txBody>
+          <a:bodyPr/>
+          <a:lstStyle/>
+          <a:p>
+            <a:pPr marL="742950" marR="0" lvl="1" indent="-285750" algn="l" defTabSz="914400" rtl="0" eaLnBrk="1" fontAlgn="base" latinLnBrk="0" hangingPunct="1">
+              <a:lnSpc>
+                <a:spcPct val="100000"/>
+              </a:lnSpc>
+              <a:spcBef>
+                <a:spcPct val="20000"/>
+              </a:spcBef>
+              <a:spcAft>
+                <a:spcPct val="20000"/>
+              </a:spcAft>
+              <a:buClrTx/>
+              <a:buSzTx/>
+              <a:tabLst/>
+              <a:defRPr/>
+            </a:pPr>
+            <a:endParaRPr lang="de-DE" sz="2400" b="0" kern="0" dirty="0" smtClean="0">
+              <a:solidFill>
+                <a:srgbClr val="003B79"/>
+              </a:solidFill>
+              <a:latin typeface="+mn-lt"/>
+            </a:endParaRPr>
+          </a:p>
+          <a:p>
+            <a:pPr marL="742950" lvl="1" indent="-285750" algn="l">
+              <a:spcBef>
+                <a:spcPct val="20000"/>
+              </a:spcBef>
+              <a:spcAft>
+                <a:spcPct val="20000"/>
+              </a:spcAft>
+            </a:pPr>
+            <a:endParaRPr lang="de-DE" sz="2400" b="0" kern="0" dirty="0">
+              <a:solidFill>
+                <a:srgbClr val="003B79"/>
+              </a:solidFill>
+              <a:latin typeface="+mn-lt"/>
+            </a:endParaRPr>
+          </a:p>
+          <a:p>
+            <a:pPr marL="742950" marR="0" lvl="1" indent="-285750" algn="l" defTabSz="914400" rtl="0" eaLnBrk="1" fontAlgn="base" latinLnBrk="0" hangingPunct="1">
+              <a:lnSpc>
+                <a:spcPct val="100000"/>
+              </a:lnSpc>
+              <a:spcBef>
+                <a:spcPct val="20000"/>
+              </a:spcBef>
+              <a:spcAft>
+                <a:spcPct val="20000"/>
+              </a:spcAft>
+              <a:buClrTx/>
+              <a:buSzTx/>
+              <a:tabLst/>
+              <a:defRPr/>
+            </a:pPr>
+            <a:endParaRPr lang="de-DE" sz="2400" b="0" kern="0" dirty="0">
+              <a:solidFill>
+                <a:srgbClr val="003B79"/>
+              </a:solidFill>
+              <a:latin typeface="+mn-lt"/>
+            </a:endParaRPr>
+          </a:p>
+          <a:p>
+            <a:pPr marL="742950" marR="0" lvl="1" indent="-285750" algn="l" defTabSz="914400" rtl="0" eaLnBrk="1" fontAlgn="base" latinLnBrk="0" hangingPunct="1">
+              <a:lnSpc>
+                <a:spcPct val="100000"/>
+              </a:lnSpc>
+              <a:spcBef>
+                <a:spcPct val="20000"/>
+              </a:spcBef>
+              <a:spcAft>
+                <a:spcPct val="20000"/>
+              </a:spcAft>
+              <a:buClrTx/>
+              <a:buSzTx/>
+              <a:tabLst/>
+              <a:defRPr/>
+            </a:pPr>
+            <a:endParaRPr lang="de-DE" sz="2400" b="0" kern="0" dirty="0" smtClean="0">
+              <a:solidFill>
+                <a:srgbClr val="003B79"/>
+              </a:solidFill>
+              <a:latin typeface="+mn-lt"/>
+            </a:endParaRPr>
+          </a:p>
+          <a:p>
+            <a:pPr marL="742950" marR="0" lvl="1" indent="-285750" algn="l" defTabSz="914400" rtl="0" eaLnBrk="1" fontAlgn="base" latinLnBrk="0" hangingPunct="1">
+              <a:lnSpc>
+                <a:spcPct val="100000"/>
+              </a:lnSpc>
+              <a:spcBef>
+                <a:spcPct val="20000"/>
+              </a:spcBef>
+              <a:spcAft>
+                <a:spcPct val="20000"/>
+              </a:spcAft>
+              <a:buClrTx/>
+              <a:buSzTx/>
+              <a:tabLst/>
+              <a:defRPr/>
+            </a:pPr>
+            <a:endParaRPr lang="de-DE" sz="2400" b="0" kern="0" dirty="0">
+              <a:solidFill>
+                <a:srgbClr val="003B79"/>
+              </a:solidFill>
+              <a:latin typeface="+mn-lt"/>
+            </a:endParaRPr>
+          </a:p>
+          <a:p>
+            <a:pPr marL="742950" marR="0" lvl="1" indent="-285750" algn="l" defTabSz="914400" rtl="0" eaLnBrk="1" fontAlgn="base" latinLnBrk="0" hangingPunct="1">
+              <a:lnSpc>
+                <a:spcPct val="100000"/>
+              </a:lnSpc>
+              <a:spcBef>
+                <a:spcPct val="20000"/>
+              </a:spcBef>
+              <a:spcAft>
+                <a:spcPct val="20000"/>
+              </a:spcAft>
+              <a:buClrTx/>
+              <a:buSzTx/>
+              <a:tabLst/>
+              <a:defRPr/>
+            </a:pPr>
+            <a:endParaRPr kumimoji="0" lang="de-DE" sz="2400" b="0" i="0" u="none" strike="noStrike" kern="0" cap="none" spc="0" normalizeH="0" baseline="0" noProof="0" dirty="0" smtClean="0">
+              <a:ln>
+                <a:noFill/>
+              </a:ln>
+              <a:solidFill>
+                <a:srgbClr val="003B79"/>
+              </a:solidFill>
+              <a:effectLst/>
+              <a:uLnTx/>
+              <a:uFillTx/>
+              <a:latin typeface="+mn-lt"/>
+            </a:endParaRPr>
+          </a:p>
+        </p:txBody>
+      </p:sp>
+      <p:sp>
+        <p:nvSpPr>
+          <p:cNvPr id="9" name="Rectangle 4"/>
+          <p:cNvSpPr txBox="1">
+            <a:spLocks noChangeArrowheads="1"/>
+          </p:cNvSpPr>
+          <p:nvPr/>
+        </p:nvSpPr>
+        <p:spPr>
+          <a:xfrm>
+            <a:off x="792410" y="1052736"/>
+            <a:ext cx="8820150" cy="5545137"/>
+          </a:xfrm>
+          <a:prstGeom prst="rect">
+            <a:avLst/>
+          </a:prstGeom>
+        </p:spPr>
+        <p:txBody>
+          <a:bodyPr/>
+          <a:lstStyle/>
+          <a:p>
+            <a:pPr marL="457200" marR="0" lvl="0" indent="-457200" algn="l" defTabSz="914400" rtl="0" eaLnBrk="1" fontAlgn="base" latinLnBrk="0" hangingPunct="1">
+              <a:lnSpc>
+                <a:spcPct val="100000"/>
+              </a:lnSpc>
+              <a:spcBef>
+                <a:spcPct val="20000"/>
+              </a:spcBef>
+              <a:spcAft>
+                <a:spcPct val="20000"/>
+              </a:spcAft>
+              <a:buClrTx/>
+              <a:buSzTx/>
+              <a:tabLst/>
+              <a:defRPr/>
+            </a:pPr>
+            <a:r>
+              <a:rPr kumimoji="0" lang="de-DE" sz="2400" b="0" i="0" u="none" strike="noStrike" kern="0" cap="none" spc="0" normalizeH="0" baseline="0" noProof="0" dirty="0" smtClean="0">
+                <a:ln>
+                  <a:noFill/>
+                </a:ln>
+                <a:solidFill>
+                  <a:srgbClr val="003B79"/>
+                </a:solidFill>
+                <a:effectLst/>
+                <a:uLnTx/>
+                <a:uFillTx/>
+                <a:latin typeface="+mn-lt"/>
+                <a:ea typeface="+mn-ea"/>
+                <a:cs typeface="+mn-cs"/>
+              </a:rPr>
+              <a:t>Roland:	-Datenbankmodell</a:t>
+            </a:r>
+          </a:p>
+          <a:p>
+            <a:pPr marL="457200" marR="0" lvl="0" indent="-457200" algn="l" defTabSz="914400" rtl="0" eaLnBrk="1" fontAlgn="base" latinLnBrk="0" hangingPunct="1">
+              <a:lnSpc>
+                <a:spcPct val="100000"/>
+              </a:lnSpc>
+              <a:spcBef>
+                <a:spcPct val="20000"/>
+              </a:spcBef>
+              <a:spcAft>
+                <a:spcPct val="20000"/>
+              </a:spcAft>
+              <a:buClrTx/>
+              <a:buSzTx/>
+              <a:tabLst/>
+              <a:defRPr/>
+            </a:pPr>
+            <a:r>
+              <a:rPr lang="de-DE" sz="2400" b="0" kern="0" dirty="0" smtClean="0">
+                <a:solidFill>
+                  <a:srgbClr val="003B79"/>
+                </a:solidFill>
+                <a:latin typeface="+mn-lt"/>
+              </a:rPr>
+              <a:t>			-Datenbankschnittstelle</a:t>
+            </a:r>
+          </a:p>
+          <a:p>
+            <a:pPr marL="457200" marR="0" lvl="0" indent="-457200" algn="l" defTabSz="914400" rtl="0" eaLnBrk="1" fontAlgn="base" latinLnBrk="0" hangingPunct="1">
+              <a:lnSpc>
+                <a:spcPct val="100000"/>
+              </a:lnSpc>
+              <a:spcBef>
+                <a:spcPct val="20000"/>
+              </a:spcBef>
+              <a:spcAft>
+                <a:spcPct val="20000"/>
+              </a:spcAft>
+              <a:buClrTx/>
+              <a:buSzTx/>
+              <a:tabLst/>
+              <a:defRPr/>
+            </a:pPr>
+            <a:r>
+              <a:rPr lang="de-DE" sz="2400" b="0" kern="0" dirty="0" smtClean="0">
+                <a:solidFill>
+                  <a:srgbClr val="003B79"/>
+                </a:solidFill>
+                <a:latin typeface="+mn-lt"/>
+              </a:rPr>
+              <a:t>Sabine:	-Kontaktbuch</a:t>
+            </a:r>
+          </a:p>
+          <a:p>
+            <a:pPr marL="457200" marR="0" lvl="0" indent="-457200" algn="l" defTabSz="914400" rtl="0" eaLnBrk="1" fontAlgn="base" latinLnBrk="0" hangingPunct="1">
+              <a:lnSpc>
+                <a:spcPct val="100000"/>
+              </a:lnSpc>
+              <a:spcBef>
+                <a:spcPct val="20000"/>
+              </a:spcBef>
+              <a:spcAft>
+                <a:spcPct val="20000"/>
+              </a:spcAft>
+              <a:buClrTx/>
+              <a:buSzTx/>
+              <a:tabLst/>
+              <a:defRPr/>
+            </a:pPr>
+            <a:r>
+              <a:rPr lang="de-DE" sz="2400" b="0" kern="0" dirty="0" smtClean="0">
+                <a:solidFill>
+                  <a:srgbClr val="003B79"/>
+                </a:solidFill>
+                <a:latin typeface="+mn-lt"/>
+              </a:rPr>
+              <a:t>			-Test-GUI</a:t>
+            </a:r>
+          </a:p>
+          <a:p>
+            <a:pPr marL="457200" marR="0" lvl="0" indent="-457200" algn="l" defTabSz="914400" rtl="0" eaLnBrk="1" fontAlgn="base" latinLnBrk="0" hangingPunct="1">
+              <a:lnSpc>
+                <a:spcPct val="100000"/>
+              </a:lnSpc>
+              <a:spcBef>
+                <a:spcPct val="20000"/>
+              </a:spcBef>
+              <a:spcAft>
+                <a:spcPct val="20000"/>
+              </a:spcAft>
+              <a:buClrTx/>
+              <a:buSzTx/>
+              <a:tabLst/>
+              <a:defRPr/>
+            </a:pPr>
+            <a:r>
+              <a:rPr lang="de-DE" sz="2400" b="0" kern="0" dirty="0" smtClean="0">
+                <a:solidFill>
+                  <a:srgbClr val="003B79"/>
+                </a:solidFill>
+                <a:latin typeface="+mn-lt"/>
+              </a:rPr>
+              <a:t>			-Artikel</a:t>
+            </a:r>
+          </a:p>
+          <a:p>
+            <a:pPr marL="457200" marR="0" lvl="0" indent="-457200" algn="l" defTabSz="914400" rtl="0" eaLnBrk="1" fontAlgn="base" latinLnBrk="0" hangingPunct="1">
+              <a:spcBef>
+                <a:spcPct val="20000"/>
+              </a:spcBef>
+              <a:spcAft>
+                <a:spcPct val="20000"/>
+              </a:spcAft>
+              <a:buClrTx/>
+              <a:buSzTx/>
+              <a:tabLst/>
+              <a:defRPr/>
+            </a:pPr>
+            <a:r>
+              <a:rPr lang="de-DE" sz="2400" b="0" kern="0" dirty="0" smtClean="0">
+                <a:solidFill>
+                  <a:srgbClr val="003B79"/>
+                </a:solidFill>
+                <a:latin typeface="+mn-lt"/>
+              </a:rPr>
+              <a:t>Daniel:	-Angebote</a:t>
+            </a:r>
+          </a:p>
+          <a:p>
+            <a:pPr marL="457200" marR="0" lvl="0" indent="-457200" algn="l" defTabSz="914400" rtl="0" eaLnBrk="1" fontAlgn="base" latinLnBrk="0" hangingPunct="1">
+              <a:lnSpc>
+                <a:spcPct val="100000"/>
+              </a:lnSpc>
+              <a:spcBef>
+                <a:spcPct val="20000"/>
+              </a:spcBef>
+              <a:spcAft>
+                <a:spcPct val="20000"/>
+              </a:spcAft>
+              <a:buClrTx/>
+              <a:buSzTx/>
+              <a:tabLst/>
+              <a:defRPr/>
+            </a:pPr>
+            <a:r>
+              <a:rPr lang="de-DE" sz="2400" b="0" kern="0" dirty="0" smtClean="0">
+                <a:solidFill>
+                  <a:srgbClr val="003B79"/>
+                </a:solidFill>
+                <a:latin typeface="+mn-lt"/>
+              </a:rPr>
+              <a:t>			-Rechnungen</a:t>
+            </a:r>
+          </a:p>
+          <a:p>
+            <a:pPr marL="457200" marR="0" lvl="0" indent="-457200" algn="l" defTabSz="914400" rtl="0" eaLnBrk="1" fontAlgn="base" latinLnBrk="0" hangingPunct="1">
+              <a:lnSpc>
+                <a:spcPct val="100000"/>
+              </a:lnSpc>
+              <a:spcBef>
+                <a:spcPct val="20000"/>
+              </a:spcBef>
+              <a:spcAft>
+                <a:spcPct val="20000"/>
+              </a:spcAft>
+              <a:buClrTx/>
+              <a:buSzTx/>
+              <a:tabLst/>
+              <a:defRPr/>
+            </a:pPr>
+            <a:r>
+              <a:rPr lang="de-DE" sz="2400" b="0" kern="0" dirty="0" smtClean="0">
+                <a:solidFill>
+                  <a:srgbClr val="003B79"/>
+                </a:solidFill>
+                <a:latin typeface="+mn-lt"/>
+              </a:rPr>
+              <a:t>			-UML-Diagramme</a:t>
+            </a:r>
+          </a:p>
+          <a:p>
+            <a:pPr marL="457200" marR="0" lvl="0" indent="-457200" algn="l" defTabSz="914400" rtl="0" eaLnBrk="1" fontAlgn="base" latinLnBrk="0" hangingPunct="1">
+              <a:lnSpc>
+                <a:spcPct val="100000"/>
+              </a:lnSpc>
+              <a:spcBef>
+                <a:spcPct val="20000"/>
+              </a:spcBef>
+              <a:spcAft>
+                <a:spcPct val="20000"/>
+              </a:spcAft>
+              <a:buClrTx/>
+              <a:buSzTx/>
+              <a:tabLst/>
+              <a:defRPr/>
+            </a:pPr>
+            <a:endParaRPr lang="de-DE" sz="2400" b="0" kern="0" dirty="0" smtClean="0">
+              <a:solidFill>
+                <a:srgbClr val="003B79"/>
+              </a:solidFill>
+              <a:latin typeface="+mn-lt"/>
+            </a:endParaRPr>
+          </a:p>
+          <a:p>
+            <a:pPr marL="457200" marR="0" lvl="0" indent="-457200" algn="l" defTabSz="914400" rtl="0" eaLnBrk="1" fontAlgn="base" latinLnBrk="0" hangingPunct="1">
+              <a:lnSpc>
+                <a:spcPct val="100000"/>
+              </a:lnSpc>
+              <a:spcBef>
+                <a:spcPct val="20000"/>
+              </a:spcBef>
+              <a:spcAft>
+                <a:spcPct val="20000"/>
+              </a:spcAft>
+              <a:buClrTx/>
+              <a:buSzTx/>
+              <a:tabLst/>
+              <a:defRPr/>
+            </a:pPr>
+            <a:r>
+              <a:rPr lang="de-DE" sz="2400" b="0" kern="0" dirty="0" smtClean="0">
+                <a:solidFill>
+                  <a:srgbClr val="003B79"/>
+                </a:solidFill>
+                <a:latin typeface="+mn-lt"/>
+              </a:rPr>
+              <a:t>Alle:		-Dokumentation</a:t>
+            </a:r>
+          </a:p>
+          <a:p>
+            <a:pPr marL="457200" marR="0" lvl="0" indent="-457200" algn="l" defTabSz="914400" rtl="0" eaLnBrk="1" fontAlgn="base" latinLnBrk="0" hangingPunct="1">
+              <a:lnSpc>
+                <a:spcPct val="100000"/>
+              </a:lnSpc>
+              <a:spcBef>
+                <a:spcPct val="20000"/>
+              </a:spcBef>
+              <a:spcAft>
+                <a:spcPct val="20000"/>
+              </a:spcAft>
+              <a:buClrTx/>
+              <a:buSzTx/>
+              <a:tabLst/>
+              <a:defRPr/>
+            </a:pPr>
+            <a:r>
+              <a:rPr kumimoji="0" lang="de-DE" sz="2400" b="0" i="0" u="none" strike="noStrike" kern="0" cap="none" spc="0" normalizeH="0" baseline="0" noProof="0" dirty="0" smtClean="0">
+                <a:ln>
+                  <a:noFill/>
+                </a:ln>
+                <a:solidFill>
+                  <a:srgbClr val="003B79"/>
+                </a:solidFill>
+                <a:effectLst/>
+                <a:uLnTx/>
+                <a:uFillTx/>
+                <a:latin typeface="+mn-lt"/>
+                <a:ea typeface="+mn-ea"/>
+                <a:cs typeface="+mn-cs"/>
+              </a:rPr>
+              <a:t>			-Testen			</a:t>
+            </a:r>
+          </a:p>
+        </p:txBody>
+      </p:sp>
+    </p:spTree>
+  </p:cSld>
+  <p:clrMapOvr>
+    <a:masterClrMapping/>
+  </p:clrMapOvr>
+  <p:timing>
+    <p:tnLst>
+      <p:par>
+        <p:cTn id="1" dur="indefinite" restart="never" nodeType="tmRoot"/>
+      </p:par>
+    </p:tnLst>
+  </p:timing>
+</p:sld>
+</file>
+
+<file path=ppt/slides/slide17.xml><?xml version="1.0" encoding="utf-8"?>
+<p:sld xmlns:a="http://schemas.openxmlformats.org/drawingml/2006/main" xmlns:r="http://schemas.openxmlformats.org/officeDocument/2006/relationships" xmlns:p="http://schemas.openxmlformats.org/presentationml/2006/main">
+  <p:cSld>
+    <p:spTree>
+      <p:nvGrpSpPr>
+        <p:cNvPr id="1" name=""/>
+        <p:cNvGrpSpPr/>
+        <p:nvPr/>
+      </p:nvGrpSpPr>
+      <p:grpSpPr>
+        <a:xfrm>
+          <a:off x="0" y="0"/>
+          <a:ext cx="0" cy="0"/>
+          <a:chOff x="0" y="0"/>
+          <a:chExt cx="0" cy="0"/>
+        </a:xfrm>
+      </p:grpSpPr>
+      <p:sp>
+        <p:nvSpPr>
+          <p:cNvPr id="4" name="Rectangle 2"/>
+          <p:cNvSpPr txBox="1">
+            <a:spLocks noChangeArrowheads="1"/>
+          </p:cNvSpPr>
+          <p:nvPr/>
+        </p:nvSpPr>
+        <p:spPr>
+          <a:xfrm>
+            <a:off x="323626" y="357188"/>
+            <a:ext cx="6624638" cy="503237"/>
+          </a:xfrm>
+          <a:prstGeom prst="rect">
+            <a:avLst/>
+          </a:prstGeom>
+        </p:spPr>
+        <p:txBody>
+          <a:bodyPr/>
+          <a:lstStyle/>
+          <a:p>
+            <a:pPr marL="457200" lvl="0" indent="-457200" algn="l"/>
+            <a:r>
+              <a:rPr lang="de-DE" sz="3200" dirty="0" smtClean="0">
+                <a:solidFill>
+                  <a:srgbClr val="003B79"/>
+                </a:solidFill>
+                <a:latin typeface="+mj-lt"/>
+                <a:ea typeface="+mj-ea"/>
+                <a:cs typeface="+mj-cs"/>
+              </a:rPr>
+              <a:t>9. </a:t>
+            </a:r>
+            <a:r>
+              <a:rPr lang="de-DE" sz="3200" dirty="0" smtClean="0">
+                <a:solidFill>
+                  <a:srgbClr val="003B79"/>
+                </a:solidFill>
+                <a:latin typeface="+mj-lt"/>
+                <a:ea typeface="+mj-ea"/>
+                <a:cs typeface="+mj-cs"/>
+              </a:rPr>
+              <a:t>Zeitplan</a:t>
             </a:r>
           </a:p>
         </p:txBody>
@@ -11419,7 +12710,6 @@
               <a:rPr lang="de-DE" sz="2400" dirty="0" smtClean="0"/>
               <a:t>Zielbestimmung</a:t>
             </a:r>
-            <a:endParaRPr lang="de-DE" sz="2400" dirty="0" smtClean="0"/>
           </a:p>
           <a:p>
             <a:pPr marL="457200" indent="-457200">
@@ -11439,7 +12729,6 @@
               <a:rPr lang="de-DE" sz="2400" dirty="0" smtClean="0"/>
               <a:t>Produktübersicht</a:t>
             </a:r>
-            <a:endParaRPr lang="de-DE" sz="2400" dirty="0" smtClean="0"/>
           </a:p>
           <a:p>
             <a:pPr marL="457200" indent="-457200">
@@ -11453,11 +12742,12 @@
           </a:p>
           <a:p>
             <a:pPr marL="457200" indent="-457200">
+              <a:buFontTx/>
               <a:buAutoNum type="arabicPeriod"/>
             </a:pPr>
             <a:r>
               <a:rPr lang="de-DE" sz="2400" dirty="0" smtClean="0"/>
-              <a:t>Produktarchitektur</a:t>
+              <a:t>Produktleistung</a:t>
             </a:r>
             <a:endParaRPr lang="de-DE" sz="2400" dirty="0" smtClean="0"/>
           </a:p>
@@ -11467,9 +12757,17 @@
             </a:pPr>
             <a:r>
               <a:rPr lang="de-DE" sz="2400" dirty="0" smtClean="0"/>
+              <a:t>Produktarchitektur</a:t>
+            </a:r>
+          </a:p>
+          <a:p>
+            <a:pPr marL="457200" indent="-457200">
+              <a:buAutoNum type="arabicPeriod"/>
+            </a:pPr>
+            <a:r>
+              <a:rPr lang="de-DE" sz="2400" dirty="0" smtClean="0"/>
               <a:t>Datenmodelle</a:t>
             </a:r>
-            <a:endParaRPr lang="de-DE" sz="2400" dirty="0" smtClean="0"/>
           </a:p>
           <a:p>
             <a:pPr marL="457200" indent="-457200">
@@ -11480,7 +12778,6 @@
               <a:rPr lang="de-DE" sz="2400" dirty="0" smtClean="0"/>
               <a:t>Arbeitsaufteilung</a:t>
             </a:r>
-            <a:endParaRPr lang="de-DE" sz="2400" dirty="0" smtClean="0"/>
           </a:p>
           <a:p>
             <a:pPr marL="457200" indent="-457200">
@@ -11558,14 +12855,6 @@
               </a:rPr>
               <a:t>1. Zielbestimmung</a:t>
             </a:r>
-            <a:endParaRPr lang="de-DE" sz="3200" dirty="0" smtClean="0">
-              <a:solidFill>
-                <a:srgbClr val="003B79"/>
-              </a:solidFill>
-              <a:latin typeface="+mj-lt"/>
-              <a:ea typeface="+mj-ea"/>
-              <a:cs typeface="+mj-cs"/>
-            </a:endParaRPr>
           </a:p>
           <a:p>
             <a:pPr marL="457200" lvl="0" indent="-457200" algn="l"/>
@@ -11834,16 +13123,7 @@
                 </a:solidFill>
                 <a:latin typeface="+mn-lt"/>
               </a:rPr>
-              <a:t>Vertrieb von eigenen </a:t>
-            </a:r>
-            <a:r>
-              <a:rPr lang="de-DE" sz="2400" b="0" kern="0" dirty="0" smtClean="0">
-                <a:solidFill>
-                  <a:srgbClr val="003B79"/>
-                </a:solidFill>
-                <a:latin typeface="+mn-lt"/>
-              </a:rPr>
-              <a:t>Artikeln</a:t>
+              <a:t>Vertrieb von eigenen Artikeln</a:t>
             </a:r>
           </a:p>
           <a:p>
@@ -11864,7 +13144,16 @@
                 </a:solidFill>
                 <a:latin typeface="+mn-lt"/>
               </a:rPr>
-              <a:t>-Nutzerabhängiges Auktionskontingent</a:t>
+              <a:t>-Nutzerabhängiges </a:t>
+            </a:r>
+            <a:r>
+              <a:rPr lang="de-DE" sz="2400" b="0" kern="0" dirty="0" smtClean="0">
+                <a:solidFill>
+                  <a:srgbClr val="003B79"/>
+                </a:solidFill>
+                <a:latin typeface="+mn-lt"/>
+              </a:rPr>
+              <a:t>Auktionskontingent</a:t>
             </a:r>
           </a:p>
           <a:p>
@@ -11894,16 +13183,7 @@
                 </a:solidFill>
                 <a:latin typeface="+mn-lt"/>
               </a:rPr>
-              <a:t>und Nutzung von Internetauktionsplattformen </a:t>
-            </a:r>
-            <a:r>
-              <a:rPr lang="de-DE" sz="2400" b="0" kern="0" dirty="0" smtClean="0">
-                <a:solidFill>
-                  <a:srgbClr val="003B79"/>
-                </a:solidFill>
-                <a:latin typeface="+mn-lt"/>
-              </a:rPr>
-              <a:t>verbessern</a:t>
+              <a:t>und Nutzung von Internetauktionsplattformen verbessern</a:t>
             </a:r>
           </a:p>
           <a:p>
@@ -11924,7 +13204,25 @@
                 </a:solidFill>
                 <a:latin typeface="+mn-lt"/>
               </a:rPr>
-              <a:t>-Rechnungen halbautomatisch generieren</a:t>
+              <a:t>-</a:t>
+            </a:r>
+            <a:r>
+              <a:rPr lang="de-DE" sz="2400" b="0" kern="0" dirty="0" smtClean="0">
+                <a:solidFill>
+                  <a:srgbClr val="003B79"/>
+                </a:solidFill>
+                <a:latin typeface="+mn-lt"/>
+              </a:rPr>
+              <a:t>Rechnungen </a:t>
+            </a:r>
+            <a:r>
+              <a:rPr lang="de-DE" sz="2400" b="0" kern="0" dirty="0" smtClean="0">
+                <a:solidFill>
+                  <a:srgbClr val="003B79"/>
+                </a:solidFill>
+                <a:latin typeface="+mn-lt"/>
+              </a:rPr>
+              <a:t>halbautomatisch generieren</a:t>
             </a:r>
           </a:p>
           <a:p>
@@ -12028,172 +13326,13 @@
       </p:sp>
       <p:sp>
         <p:nvSpPr>
-          <p:cNvPr id="5" name="Rectangle 4"/>
-          <p:cNvSpPr txBox="1">
-            <a:spLocks noChangeArrowheads="1"/>
-          </p:cNvSpPr>
-          <p:nvPr/>
-        </p:nvSpPr>
-        <p:spPr>
-          <a:xfrm>
-            <a:off x="323850" y="1052736"/>
-            <a:ext cx="8568630" cy="5545137"/>
-          </a:xfrm>
-          <a:prstGeom prst="rect">
-            <a:avLst/>
-          </a:prstGeom>
-        </p:spPr>
-        <p:txBody>
-          <a:bodyPr/>
-          <a:lstStyle/>
-          <a:p>
-            <a:pPr marL="742950" marR="0" lvl="1" indent="-285750" algn="l" defTabSz="914400" rtl="0" eaLnBrk="1" fontAlgn="base" latinLnBrk="0" hangingPunct="1">
-              <a:lnSpc>
-                <a:spcPct val="100000"/>
-              </a:lnSpc>
-              <a:spcBef>
-                <a:spcPct val="20000"/>
-              </a:spcBef>
-              <a:spcAft>
-                <a:spcPct val="20000"/>
-              </a:spcAft>
-              <a:buClrTx/>
-              <a:buSzTx/>
-              <a:tabLst/>
-              <a:defRPr/>
-            </a:pPr>
-            <a:endParaRPr lang="de-DE" sz="2400" b="0" kern="0" dirty="0" smtClean="0">
-              <a:solidFill>
-                <a:srgbClr val="003B79"/>
-              </a:solidFill>
-              <a:latin typeface="+mn-lt"/>
-            </a:endParaRPr>
-          </a:p>
-          <a:p>
-            <a:pPr marL="742950" lvl="1" indent="-285750" algn="l">
-              <a:spcBef>
-                <a:spcPct val="20000"/>
-              </a:spcBef>
-              <a:spcAft>
-                <a:spcPct val="20000"/>
-              </a:spcAft>
-            </a:pPr>
-            <a:endParaRPr lang="de-DE" sz="2400" b="0" kern="0" dirty="0">
-              <a:solidFill>
-                <a:srgbClr val="003B79"/>
-              </a:solidFill>
-              <a:latin typeface="+mn-lt"/>
-            </a:endParaRPr>
-          </a:p>
-          <a:p>
-            <a:pPr marL="742950" marR="0" lvl="1" indent="-285750" algn="l" defTabSz="914400" rtl="0" eaLnBrk="1" fontAlgn="base" latinLnBrk="0" hangingPunct="1">
-              <a:lnSpc>
-                <a:spcPct val="100000"/>
-              </a:lnSpc>
-              <a:spcBef>
-                <a:spcPct val="20000"/>
-              </a:spcBef>
-              <a:spcAft>
-                <a:spcPct val="20000"/>
-              </a:spcAft>
-              <a:buClrTx/>
-              <a:buSzTx/>
-              <a:tabLst/>
-              <a:defRPr/>
-            </a:pPr>
-            <a:endParaRPr lang="de-DE" sz="2400" b="0" kern="0" dirty="0">
-              <a:solidFill>
-                <a:srgbClr val="003B79"/>
-              </a:solidFill>
-              <a:latin typeface="+mn-lt"/>
-            </a:endParaRPr>
-          </a:p>
-          <a:p>
-            <a:pPr marL="742950" marR="0" lvl="1" indent="-285750" algn="l" defTabSz="914400" rtl="0" eaLnBrk="1" fontAlgn="base" latinLnBrk="0" hangingPunct="1">
-              <a:lnSpc>
-                <a:spcPct val="100000"/>
-              </a:lnSpc>
-              <a:spcBef>
-                <a:spcPct val="20000"/>
-              </a:spcBef>
-              <a:spcAft>
-                <a:spcPct val="20000"/>
-              </a:spcAft>
-              <a:buClrTx/>
-              <a:buSzTx/>
-              <a:tabLst/>
-              <a:defRPr/>
-            </a:pPr>
-            <a:endParaRPr lang="de-DE" sz="2400" b="0" kern="0" dirty="0" smtClean="0">
-              <a:solidFill>
-                <a:srgbClr val="003B79"/>
-              </a:solidFill>
-              <a:latin typeface="+mn-lt"/>
-            </a:endParaRPr>
-          </a:p>
-          <a:p>
-            <a:pPr marL="742950" marR="0" lvl="1" indent="-285750" algn="l" defTabSz="914400" rtl="0" eaLnBrk="1" fontAlgn="base" latinLnBrk="0" hangingPunct="1">
-              <a:lnSpc>
-                <a:spcPct val="100000"/>
-              </a:lnSpc>
-              <a:spcBef>
-                <a:spcPct val="20000"/>
-              </a:spcBef>
-              <a:spcAft>
-                <a:spcPct val="20000"/>
-              </a:spcAft>
-              <a:buClrTx/>
-              <a:buSzTx/>
-              <a:tabLst/>
-              <a:defRPr/>
-            </a:pPr>
-            <a:endParaRPr lang="de-DE" sz="2400" b="0" kern="0" dirty="0">
-              <a:solidFill>
-                <a:srgbClr val="003B79"/>
-              </a:solidFill>
-              <a:latin typeface="+mn-lt"/>
-            </a:endParaRPr>
-          </a:p>
-          <a:p>
-            <a:pPr marL="742950" marR="0" lvl="1" indent="-285750" algn="l" defTabSz="914400" rtl="0" eaLnBrk="1" fontAlgn="base" latinLnBrk="0" hangingPunct="1">
-              <a:lnSpc>
-                <a:spcPct val="100000"/>
-              </a:lnSpc>
-              <a:spcBef>
-                <a:spcPct val="20000"/>
-              </a:spcBef>
-              <a:spcAft>
-                <a:spcPct val="20000"/>
-              </a:spcAft>
-              <a:buClrTx/>
-              <a:buSzTx/>
-              <a:tabLst/>
-              <a:defRPr/>
-            </a:pPr>
-            <a:endParaRPr kumimoji="0" lang="de-DE" sz="2400" b="0" i="0" u="none" strike="noStrike" kern="0" cap="none" spc="0" normalizeH="0" baseline="0" noProof="0" dirty="0" smtClean="0">
-              <a:ln>
-                <a:noFill/>
-              </a:ln>
-              <a:solidFill>
-                <a:srgbClr val="003B79"/>
-              </a:solidFill>
-              <a:effectLst/>
-              <a:uLnTx/>
-              <a:uFillTx/>
-              <a:latin typeface="+mn-lt"/>
-            </a:endParaRPr>
-          </a:p>
-        </p:txBody>
-      </p:sp>
-      <p:sp>
-        <p:nvSpPr>
           <p:cNvPr id="2" name="Textfeld 1"/>
           <p:cNvSpPr txBox="1"/>
           <p:nvPr/>
         </p:nvSpPr>
         <p:spPr>
           <a:xfrm>
-            <a:off x="179512" y="1988840"/>
+            <a:off x="179512" y="1312307"/>
             <a:ext cx="8424936" cy="4708981"/>
           </a:xfrm>
           <a:prstGeom prst="rect">
@@ -12215,7 +13354,7 @@
                 </a:solidFill>
                 <a:latin typeface="+mn-lt"/>
               </a:rPr>
-              <a:t>-Verwaltung </a:t>
+              <a:t>Verwaltung </a:t>
             </a:r>
             <a:r>
               <a:rPr lang="de-DE" sz="2400" b="0" kern="0" dirty="0">
@@ -12264,10 +13403,7 @@
             </a:endParaRPr>
           </a:p>
           <a:p>
-            <a:pPr algn="just">
-              <a:buFontTx/>
-              <a:buChar char="-"/>
-            </a:pPr>
+            <a:pPr algn="just"/>
             <a:r>
               <a:rPr lang="de-DE" sz="2400" b="0" kern="0" dirty="0" smtClean="0">
                 <a:solidFill>
@@ -12309,10 +13445,7 @@
             </a:endParaRPr>
           </a:p>
           <a:p>
-            <a:pPr algn="just">
-              <a:buFontTx/>
-              <a:buChar char="-"/>
-            </a:pPr>
+            <a:pPr algn="just"/>
             <a:r>
               <a:rPr lang="de-DE" sz="2400" b="0" kern="0" dirty="0" smtClean="0">
                 <a:solidFill>
@@ -12706,7 +13839,7 @@
           <a:blip r:embed="rId3" cstate="print">
             <a:extLst>
               <a:ext uri="{28A0092B-C50C-407E-A947-70E740481C1C}">
-                <a14:useLocalDpi xmlns:a14="http://schemas.microsoft.com/office/drawing/2010/main" xmlns="" val="0"/>
+                <a14:useLocalDpi xmlns="" xmlns:a14="http://schemas.microsoft.com/office/drawing/2010/main" val="0"/>
               </a:ext>
             </a:extLst>
           </a:blip>
@@ -12726,7 +13859,7 @@
           <a:noFill/>
           <a:extLst>
             <a:ext uri="{909E8E84-426E-40DD-AFC4-6F175D3DCCD1}">
-              <a14:hiddenFill xmlns:a14="http://schemas.microsoft.com/office/drawing/2010/main" xmlns="">
+              <a14:hiddenFill xmlns="" xmlns:a14="http://schemas.microsoft.com/office/drawing/2010/main">
                 <a:solidFill>
                   <a:srgbClr val="FFFFFF"/>
                 </a:solidFill>
@@ -12738,7 +13871,7 @@
     </p:spTree>
     <p:extLst>
       <p:ext uri="{BB962C8B-B14F-4D97-AF65-F5344CB8AC3E}">
-        <p14:creationId xmlns:p14="http://schemas.microsoft.com/office/powerpoint/2010/main" xmlns="" val="2402780198"/>
+        <p14:creationId xmlns="" xmlns:p14="http://schemas.microsoft.com/office/powerpoint/2010/main" val="2402780198"/>
       </p:ext>
     </p:extLst>
   </p:cSld>
@@ -12772,117 +13905,602 @@
           <a:chExt cx="0" cy="0"/>
         </a:xfrm>
       </p:grpSpPr>
-      <p:graphicFrame>
-        <p:nvGraphicFramePr>
-          <p:cNvPr id="3" name="Inhaltsplatzhalter 2"/>
-          <p:cNvGraphicFramePr>
-            <a:graphicFrameLocks noGrp="1"/>
-          </p:cNvGraphicFramePr>
-          <p:nvPr>
-            <p:ph idx="1"/>
-            <p:extLst>
-              <p:ext uri="{D42A27DB-BD31-4B8C-83A1-F6EECF244321}">
-                <p14:modId xmlns:p14="http://schemas.microsoft.com/office/powerpoint/2010/main" xmlns="" val="2122085790"/>
-              </p:ext>
-            </p:extLst>
-          </p:nvPr>
-        </p:nvGraphicFramePr>
-        <p:xfrm>
-          <a:off x="216346" y="980429"/>
-          <a:ext cx="8820150" cy="5545137"/>
-        </p:xfrm>
-        <a:graphic>
-          <a:graphicData uri="http://schemas.openxmlformats.org/drawingml/2006/diagram">
-            <dgm:relIds xmlns:dgm="http://schemas.openxmlformats.org/drawingml/2006/diagram" xmlns:r="http://schemas.openxmlformats.org/officeDocument/2006/relationships" r:dm="rId3" r:lo="rId4" r:qs="rId5" r:cs="rId6"/>
-          </a:graphicData>
-        </a:graphic>
-      </p:graphicFrame>
       <p:sp>
         <p:nvSpPr>
-          <p:cNvPr id="8770562" name="Rectangle 2"/>
-          <p:cNvSpPr>
-            <a:spLocks noGrp="1" noChangeArrowheads="1"/>
+          <p:cNvPr id="4" name="Rectangle 2"/>
+          <p:cNvSpPr txBox="1">
+            <a:spLocks noChangeArrowheads="1"/>
           </p:cNvSpPr>
-          <p:nvPr>
-            <p:ph type="title"/>
-          </p:nvPr>
+          <p:nvPr/>
         </p:nvSpPr>
         <p:spPr>
           <a:xfrm>
-            <a:off x="198681" y="321146"/>
+            <a:off x="323626" y="357188"/>
             <a:ext cx="6624638" cy="503237"/>
           </a:xfrm>
+          <a:prstGeom prst="rect">
+            <a:avLst/>
+          </a:prstGeom>
         </p:spPr>
         <p:txBody>
           <a:bodyPr/>
           <a:lstStyle/>
           <a:p>
-            <a:r>
-              <a:rPr lang="de-DE" sz="3200" dirty="0" smtClean="0"/>
-              <a:t>5. Produktarchitektur</a:t>
-            </a:r>
-            <a:endParaRPr lang="de-DE" sz="3200" dirty="0"/>
+            <a:pPr marL="457200" lvl="0" indent="-457200" algn="l"/>
+            <a:r>
+              <a:rPr lang="de-DE" sz="3200" dirty="0" smtClean="0">
+                <a:solidFill>
+                  <a:srgbClr val="003B79"/>
+                </a:solidFill>
+                <a:latin typeface="+mj-lt"/>
+                <a:ea typeface="+mj-ea"/>
+                <a:cs typeface="+mj-cs"/>
+              </a:rPr>
+              <a:t>4. Qualitätskriterien</a:t>
+            </a:r>
+            <a:endParaRPr lang="de-DE" sz="3200" dirty="0" smtClean="0">
+              <a:solidFill>
+                <a:srgbClr val="003B79"/>
+              </a:solidFill>
+              <a:latin typeface="+mj-lt"/>
+              <a:ea typeface="+mj-ea"/>
+              <a:cs typeface="+mj-cs"/>
+            </a:endParaRPr>
+          </a:p>
+          <a:p>
+            <a:pPr marL="457200" lvl="0" indent="-457200" algn="l"/>
+            <a:endParaRPr lang="de-DE" sz="3200" dirty="0" smtClean="0">
+              <a:solidFill>
+                <a:srgbClr val="003B79"/>
+              </a:solidFill>
+              <a:latin typeface="+mj-lt"/>
+              <a:ea typeface="+mj-ea"/>
+              <a:cs typeface="+mj-cs"/>
+            </a:endParaRPr>
           </a:p>
         </p:txBody>
       </p:sp>
       <p:sp>
         <p:nvSpPr>
-          <p:cNvPr id="4" name="Rechteck 3"/>
-          <p:cNvSpPr/>
+          <p:cNvPr id="5" name="Rectangle 4"/>
+          <p:cNvSpPr txBox="1">
+            <a:spLocks noChangeArrowheads="1"/>
+          </p:cNvSpPr>
           <p:nvPr/>
         </p:nvSpPr>
-        <p:spPr bwMode="auto">
+        <p:spPr>
           <a:xfrm>
-            <a:off x="455855" y="3176934"/>
-            <a:ext cx="2520280" cy="1152128"/>
+            <a:off x="323850" y="1052736"/>
+            <a:ext cx="8568630" cy="5545137"/>
           </a:xfrm>
           <a:prstGeom prst="rect">
             <a:avLst/>
           </a:prstGeom>
-          <a:noFill/>
-          <a:ln w="9525" cap="flat" cmpd="sng" algn="ctr">
-            <a:noFill/>
-            <a:prstDash val="solid"/>
-            <a:round/>
-            <a:headEnd type="none" w="med" len="med"/>
-            <a:tailEnd type="none" w="med" len="med"/>
-          </a:ln>
-          <a:effectLst/>
         </p:spPr>
         <p:txBody>
-          <a:bodyPr vert="horz" wrap="square" lIns="91440" tIns="45720" rIns="91440" bIns="45720" numCol="1" rtlCol="0" anchor="t" anchorCtr="0" compatLnSpc="1">
-            <a:prstTxWarp prst="textNoShape">
-              <a:avLst/>
-            </a:prstTxWarp>
-            <a:spAutoFit/>
-          </a:bodyPr>
+          <a:bodyPr/>
           <a:lstStyle/>
           <a:p>
-            <a:pPr marL="0" marR="0" indent="0" algn="ctr" defTabSz="914400" rtl="0" eaLnBrk="1" fontAlgn="base" latinLnBrk="0" hangingPunct="1">
+            <a:pPr marL="742950" marR="0" lvl="1" indent="-285750" algn="l" defTabSz="914400" rtl="0" eaLnBrk="1" fontAlgn="base" latinLnBrk="0" hangingPunct="1">
               <a:lnSpc>
                 <a:spcPct val="100000"/>
               </a:lnSpc>
               <a:spcBef>
-                <a:spcPct val="0"/>
+                <a:spcPct val="20000"/>
               </a:spcBef>
               <a:spcAft>
-                <a:spcPct val="0"/>
+                <a:spcPct val="20000"/>
               </a:spcAft>
               <a:buClrTx/>
               <a:buSzTx/>
-              <a:buFontTx/>
-              <a:buNone/>
               <a:tabLst/>
+              <a:defRPr/>
             </a:pPr>
-            <a:endParaRPr kumimoji="0" lang="de-DE" sz="1800" b="1" i="0" u="none" strike="noStrike" cap="none" normalizeH="0" baseline="0" smtClean="0">
+            <a:endParaRPr lang="de-DE" sz="2400" b="0" kern="0" dirty="0" smtClean="0">
+              <a:solidFill>
+                <a:srgbClr val="003B79"/>
+              </a:solidFill>
+              <a:latin typeface="+mn-lt"/>
+            </a:endParaRPr>
+          </a:p>
+          <a:p>
+            <a:pPr marL="742950" lvl="1" indent="-285750" algn="l">
+              <a:spcBef>
+                <a:spcPct val="20000"/>
+              </a:spcBef>
+              <a:spcAft>
+                <a:spcPct val="20000"/>
+              </a:spcAft>
+            </a:pPr>
+            <a:endParaRPr lang="de-DE" sz="2400" b="0" kern="0" dirty="0">
+              <a:solidFill>
+                <a:srgbClr val="003B79"/>
+              </a:solidFill>
+              <a:latin typeface="+mn-lt"/>
+            </a:endParaRPr>
+          </a:p>
+          <a:p>
+            <a:pPr marL="742950" marR="0" lvl="1" indent="-285750" algn="l" defTabSz="914400" rtl="0" eaLnBrk="1" fontAlgn="base" latinLnBrk="0" hangingPunct="1">
+              <a:lnSpc>
+                <a:spcPct val="100000"/>
+              </a:lnSpc>
+              <a:spcBef>
+                <a:spcPct val="20000"/>
+              </a:spcBef>
+              <a:spcAft>
+                <a:spcPct val="20000"/>
+              </a:spcAft>
+              <a:buClrTx/>
+              <a:buSzTx/>
+              <a:tabLst/>
+              <a:defRPr/>
+            </a:pPr>
+            <a:endParaRPr lang="de-DE" sz="2400" b="0" kern="0" dirty="0">
+              <a:solidFill>
+                <a:srgbClr val="003B79"/>
+              </a:solidFill>
+              <a:latin typeface="+mn-lt"/>
+            </a:endParaRPr>
+          </a:p>
+          <a:p>
+            <a:pPr marL="742950" marR="0" lvl="1" indent="-285750" algn="l" defTabSz="914400" rtl="0" eaLnBrk="1" fontAlgn="base" latinLnBrk="0" hangingPunct="1">
+              <a:lnSpc>
+                <a:spcPct val="100000"/>
+              </a:lnSpc>
+              <a:spcBef>
+                <a:spcPct val="20000"/>
+              </a:spcBef>
+              <a:spcAft>
+                <a:spcPct val="20000"/>
+              </a:spcAft>
+              <a:buClrTx/>
+              <a:buSzTx/>
+              <a:tabLst/>
+              <a:defRPr/>
+            </a:pPr>
+            <a:endParaRPr lang="de-DE" sz="2400" b="0" kern="0" dirty="0" smtClean="0">
+              <a:solidFill>
+                <a:srgbClr val="003B79"/>
+              </a:solidFill>
+              <a:latin typeface="+mn-lt"/>
+            </a:endParaRPr>
+          </a:p>
+          <a:p>
+            <a:pPr marL="742950" marR="0" lvl="1" indent="-285750" algn="l" defTabSz="914400" rtl="0" eaLnBrk="1" fontAlgn="base" latinLnBrk="0" hangingPunct="1">
+              <a:lnSpc>
+                <a:spcPct val="100000"/>
+              </a:lnSpc>
+              <a:spcBef>
+                <a:spcPct val="20000"/>
+              </a:spcBef>
+              <a:spcAft>
+                <a:spcPct val="20000"/>
+              </a:spcAft>
+              <a:buClrTx/>
+              <a:buSzTx/>
+              <a:tabLst/>
+              <a:defRPr/>
+            </a:pPr>
+            <a:endParaRPr lang="de-DE" sz="2400" b="0" kern="0" dirty="0">
+              <a:solidFill>
+                <a:srgbClr val="003B79"/>
+              </a:solidFill>
+              <a:latin typeface="+mn-lt"/>
+            </a:endParaRPr>
+          </a:p>
+          <a:p>
+            <a:pPr marL="742950" marR="0" lvl="1" indent="-285750" algn="l" defTabSz="914400" rtl="0" eaLnBrk="1" fontAlgn="base" latinLnBrk="0" hangingPunct="1">
+              <a:lnSpc>
+                <a:spcPct val="100000"/>
+              </a:lnSpc>
+              <a:spcBef>
+                <a:spcPct val="20000"/>
+              </a:spcBef>
+              <a:spcAft>
+                <a:spcPct val="20000"/>
+              </a:spcAft>
+              <a:buClrTx/>
+              <a:buSzTx/>
+              <a:tabLst/>
+              <a:defRPr/>
+            </a:pPr>
+            <a:endParaRPr kumimoji="0" lang="de-DE" sz="2400" b="0" i="0" u="none" strike="noStrike" kern="0" cap="none" spc="0" normalizeH="0" baseline="0" noProof="0" dirty="0" smtClean="0">
               <a:ln>
                 <a:noFill/>
               </a:ln>
               <a:solidFill>
-                <a:srgbClr val="FFCC66"/>
+                <a:srgbClr val="003B79"/>
               </a:solidFill>
               <a:effectLst/>
-              <a:latin typeface="Arial" charset="0"/>
+              <a:uLnTx/>
+              <a:uFillTx/>
+              <a:latin typeface="+mn-lt"/>
+            </a:endParaRPr>
+          </a:p>
+        </p:txBody>
+      </p:sp>
+      <p:sp>
+        <p:nvSpPr>
+          <p:cNvPr id="9" name="Rectangle 4"/>
+          <p:cNvSpPr txBox="1">
+            <a:spLocks noChangeArrowheads="1"/>
+          </p:cNvSpPr>
+          <p:nvPr/>
+        </p:nvSpPr>
+        <p:spPr>
+          <a:xfrm>
+            <a:off x="792410" y="1052736"/>
+            <a:ext cx="8820150" cy="5545137"/>
+          </a:xfrm>
+          <a:prstGeom prst="rect">
+            <a:avLst/>
+          </a:prstGeom>
+        </p:spPr>
+        <p:txBody>
+          <a:bodyPr/>
+          <a:lstStyle/>
+          <a:p>
+            <a:pPr marL="457200" marR="0" lvl="0" indent="-457200" algn="l" defTabSz="914400" rtl="0" eaLnBrk="1" fontAlgn="base" latinLnBrk="0" hangingPunct="1">
+              <a:lnSpc>
+                <a:spcPct val="100000"/>
+              </a:lnSpc>
+              <a:spcBef>
+                <a:spcPct val="20000"/>
+              </a:spcBef>
+              <a:spcAft>
+                <a:spcPct val="20000"/>
+              </a:spcAft>
+              <a:buClrTx/>
+              <a:buSzTx/>
+              <a:tabLst/>
+              <a:defRPr/>
+            </a:pPr>
+            <a:r>
+              <a:rPr kumimoji="0" lang="de-DE" sz="2400" b="0" i="0" u="none" strike="noStrike" kern="0" cap="none" spc="0" normalizeH="0" baseline="0" noProof="0" dirty="0" smtClean="0">
+                <a:ln>
+                  <a:noFill/>
+                </a:ln>
+                <a:solidFill>
+                  <a:srgbClr val="003B79"/>
+                </a:solidFill>
+                <a:effectLst/>
+                <a:uLnTx/>
+                <a:uFillTx/>
+                <a:latin typeface="+mn-lt"/>
+                <a:ea typeface="+mn-ea"/>
+                <a:cs typeface="+mn-cs"/>
+              </a:rPr>
+              <a:t>			</a:t>
+            </a:r>
+          </a:p>
+        </p:txBody>
+      </p:sp>
+      <p:sp>
+        <p:nvSpPr>
+          <p:cNvPr id="7" name="Rectangle 4"/>
+          <p:cNvSpPr txBox="1">
+            <a:spLocks noChangeArrowheads="1"/>
+          </p:cNvSpPr>
+          <p:nvPr/>
+        </p:nvSpPr>
+        <p:spPr>
+          <a:xfrm>
+            <a:off x="179512" y="1268239"/>
+            <a:ext cx="8820150" cy="5545137"/>
+          </a:xfrm>
+          <a:prstGeom prst="rect">
+            <a:avLst/>
+          </a:prstGeom>
+        </p:spPr>
+        <p:txBody>
+          <a:bodyPr/>
+          <a:lstStyle/>
+          <a:p>
+            <a:pPr algn="l"/>
+            <a:r>
+              <a:rPr lang="de-DE" sz="2400" b="0" kern="0" dirty="0" smtClean="0">
+                <a:solidFill>
+                  <a:srgbClr val="003B79"/>
+                </a:solidFill>
+                <a:latin typeface="+mn-lt"/>
+              </a:rPr>
+              <a:t>Stufe 1= sehr wichtig ... Stufe 4=unwichtig</a:t>
+            </a:r>
+            <a:br>
+              <a:rPr lang="de-DE" sz="2400" b="0" kern="0" dirty="0" smtClean="0">
+                <a:solidFill>
+                  <a:srgbClr val="003B79"/>
+                </a:solidFill>
+                <a:latin typeface="+mn-lt"/>
+              </a:rPr>
+            </a:br>
+            <a:endParaRPr lang="de-DE" sz="2400" b="0" kern="0" dirty="0" smtClean="0">
+              <a:solidFill>
+                <a:srgbClr val="003B79"/>
+              </a:solidFill>
+              <a:latin typeface="+mn-lt"/>
+            </a:endParaRPr>
+          </a:p>
+          <a:p>
+            <a:pPr algn="l"/>
+            <a:r>
+              <a:rPr lang="de-DE" sz="2400" b="0" u="sng" kern="0" dirty="0" smtClean="0">
+                <a:solidFill>
+                  <a:srgbClr val="003B79"/>
+                </a:solidFill>
+                <a:latin typeface="+mn-lt"/>
+              </a:rPr>
+              <a:t>Kriterium</a:t>
+            </a:r>
+            <a:r>
+              <a:rPr lang="de-DE" sz="2400" b="0" kern="0" dirty="0" smtClean="0">
+                <a:solidFill>
+                  <a:srgbClr val="003B79"/>
+                </a:solidFill>
+                <a:latin typeface="+mn-lt"/>
+              </a:rPr>
+              <a:t>			</a:t>
+            </a:r>
+            <a:r>
+              <a:rPr lang="de-DE" sz="2400" b="0" u="sng" kern="0" dirty="0" smtClean="0">
+                <a:solidFill>
+                  <a:srgbClr val="003B79"/>
+                </a:solidFill>
+                <a:latin typeface="+mn-lt"/>
+              </a:rPr>
+              <a:t>Wertung</a:t>
+            </a:r>
+          </a:p>
+          <a:p>
+            <a:pPr algn="l"/>
+            <a:r>
+              <a:rPr lang="de-DE" sz="2400" b="0" kern="0" dirty="0" smtClean="0">
+                <a:solidFill>
+                  <a:srgbClr val="003B79"/>
+                </a:solidFill>
+                <a:latin typeface="+mn-lt"/>
+              </a:rPr>
+              <a:t> </a:t>
+            </a:r>
+          </a:p>
+          <a:p>
+            <a:pPr algn="l"/>
+            <a:r>
+              <a:rPr lang="de-DE" sz="2400" kern="0" dirty="0" smtClean="0">
+                <a:solidFill>
+                  <a:srgbClr val="003B79"/>
+                </a:solidFill>
+                <a:latin typeface="+mn-lt"/>
+              </a:rPr>
+              <a:t>Erweiterbarkeit		</a:t>
+            </a:r>
+            <a:r>
+              <a:rPr lang="de-DE" sz="2400" kern="0" dirty="0" smtClean="0">
+                <a:solidFill>
+                  <a:srgbClr val="003B79"/>
+                </a:solidFill>
+                <a:latin typeface="+mn-lt"/>
+              </a:rPr>
+              <a:t>2</a:t>
+            </a:r>
+            <a:endParaRPr lang="de-DE" sz="2400" kern="0" dirty="0" smtClean="0">
+              <a:solidFill>
+                <a:srgbClr val="003B79"/>
+              </a:solidFill>
+              <a:latin typeface="+mn-lt"/>
+            </a:endParaRPr>
+          </a:p>
+          <a:p>
+            <a:pPr algn="l"/>
+            <a:r>
+              <a:rPr lang="de-DE" sz="2400" b="0" kern="0" dirty="0" smtClean="0">
+                <a:solidFill>
+                  <a:srgbClr val="003B79"/>
+                </a:solidFill>
+                <a:latin typeface="+mn-lt"/>
+              </a:rPr>
+              <a:t>Backups			</a:t>
+            </a:r>
+            <a:r>
+              <a:rPr lang="de-DE" sz="2400" b="0" kern="0" dirty="0" smtClean="0">
+                <a:solidFill>
+                  <a:srgbClr val="003B79"/>
+                </a:solidFill>
+                <a:latin typeface="+mn-lt"/>
+              </a:rPr>
+              <a:t>3</a:t>
+            </a:r>
+            <a:endParaRPr lang="de-DE" sz="2400" b="0" kern="0" dirty="0" smtClean="0">
+              <a:solidFill>
+                <a:srgbClr val="003B79"/>
+              </a:solidFill>
+              <a:latin typeface="+mn-lt"/>
+            </a:endParaRPr>
+          </a:p>
+          <a:p>
+            <a:pPr algn="l"/>
+            <a:r>
+              <a:rPr lang="de-DE" sz="2400" b="0" kern="0" dirty="0" smtClean="0">
+                <a:solidFill>
+                  <a:srgbClr val="003B79"/>
+                </a:solidFill>
+                <a:latin typeface="+mn-lt"/>
+              </a:rPr>
+              <a:t>Portierbarkeit			4</a:t>
+            </a:r>
+          </a:p>
+          <a:p>
+            <a:pPr algn="l"/>
+            <a:r>
+              <a:rPr lang="de-DE" sz="2400" kern="0" dirty="0" smtClean="0">
+                <a:solidFill>
+                  <a:srgbClr val="003B79"/>
+                </a:solidFill>
+                <a:latin typeface="+mn-lt"/>
+              </a:rPr>
+              <a:t>Effizienz			</a:t>
+            </a:r>
+            <a:r>
+              <a:rPr lang="de-DE" sz="2400" kern="0" dirty="0" smtClean="0">
+                <a:solidFill>
+                  <a:srgbClr val="003B79"/>
+                </a:solidFill>
+                <a:latin typeface="+mn-lt"/>
+              </a:rPr>
+              <a:t>2</a:t>
+            </a:r>
+            <a:endParaRPr lang="de-DE" sz="2400" kern="0" dirty="0" smtClean="0">
+              <a:solidFill>
+                <a:srgbClr val="003B79"/>
+              </a:solidFill>
+              <a:latin typeface="+mn-lt"/>
+            </a:endParaRPr>
+          </a:p>
+          <a:p>
+            <a:pPr algn="l"/>
+            <a:r>
+              <a:rPr lang="de-DE" sz="2400" b="0" kern="0" dirty="0" smtClean="0">
+                <a:solidFill>
+                  <a:srgbClr val="003B79"/>
+                </a:solidFill>
+                <a:latin typeface="+mn-lt"/>
+              </a:rPr>
+              <a:t>Skalierbarkeit		</a:t>
+            </a:r>
+            <a:r>
+              <a:rPr lang="de-DE" sz="2400" b="0" kern="0" dirty="0" smtClean="0">
+                <a:solidFill>
+                  <a:srgbClr val="003B79"/>
+                </a:solidFill>
+                <a:latin typeface="+mn-lt"/>
+              </a:rPr>
+              <a:t>3</a:t>
+            </a:r>
+            <a:endParaRPr lang="de-DE" sz="2400" b="0" kern="0" dirty="0" smtClean="0">
+              <a:solidFill>
+                <a:srgbClr val="003B79"/>
+              </a:solidFill>
+              <a:latin typeface="+mn-lt"/>
+            </a:endParaRPr>
+          </a:p>
+          <a:p>
+            <a:pPr algn="l"/>
+            <a:r>
+              <a:rPr lang="de-DE" sz="2400" kern="0" dirty="0" smtClean="0">
+                <a:solidFill>
+                  <a:srgbClr val="003B79"/>
+                </a:solidFill>
+                <a:latin typeface="+mn-lt"/>
+              </a:rPr>
+              <a:t>Benutzbarkeit		</a:t>
+            </a:r>
+            <a:r>
+              <a:rPr lang="de-DE" sz="2400" kern="0" dirty="0" smtClean="0">
+                <a:solidFill>
+                  <a:srgbClr val="003B79"/>
+                </a:solidFill>
+                <a:latin typeface="+mn-lt"/>
+              </a:rPr>
+              <a:t>2</a:t>
+            </a:r>
+            <a:endParaRPr lang="de-DE" sz="2400" kern="0" dirty="0" smtClean="0">
+              <a:solidFill>
+                <a:srgbClr val="003B79"/>
+              </a:solidFill>
+              <a:latin typeface="+mn-lt"/>
+            </a:endParaRPr>
+          </a:p>
+          <a:p>
+            <a:pPr algn="l"/>
+            <a:r>
+              <a:rPr lang="de-DE" sz="2400" b="0" kern="0" dirty="0" smtClean="0">
+                <a:solidFill>
+                  <a:srgbClr val="003B79"/>
+                </a:solidFill>
+                <a:latin typeface="+mn-lt"/>
+              </a:rPr>
+              <a:t>Datenschutz			3</a:t>
+            </a:r>
+          </a:p>
+          <a:p>
+            <a:pPr algn="l"/>
+            <a:r>
+              <a:rPr lang="de-DE" sz="2400" kern="0" dirty="0" smtClean="0">
+                <a:solidFill>
+                  <a:srgbClr val="003B79"/>
+                </a:solidFill>
+                <a:latin typeface="+mn-lt"/>
+              </a:rPr>
+              <a:t>Änderbarkeit		</a:t>
+            </a:r>
+            <a:r>
+              <a:rPr lang="de-DE" sz="2400" kern="0" dirty="0" smtClean="0">
+                <a:solidFill>
+                  <a:srgbClr val="003B79"/>
+                </a:solidFill>
+                <a:latin typeface="+mn-lt"/>
+              </a:rPr>
+              <a:t>2</a:t>
+            </a:r>
+            <a:endParaRPr lang="de-DE" sz="2400" kern="0" dirty="0" smtClean="0">
+              <a:solidFill>
+                <a:srgbClr val="003B79"/>
+              </a:solidFill>
+              <a:latin typeface="+mn-lt"/>
+            </a:endParaRPr>
+          </a:p>
+          <a:p>
+            <a:pPr algn="l"/>
+            <a:r>
+              <a:rPr lang="de-DE" sz="2400" kern="0" dirty="0" smtClean="0">
+                <a:solidFill>
+                  <a:srgbClr val="003B79"/>
+                </a:solidFill>
+                <a:latin typeface="+mn-lt"/>
+              </a:rPr>
+              <a:t>Zuverlässigkeit		</a:t>
+            </a:r>
+            <a:r>
+              <a:rPr lang="de-DE" sz="2400" kern="0" dirty="0" smtClean="0">
+                <a:solidFill>
+                  <a:srgbClr val="003B79"/>
+                </a:solidFill>
+                <a:latin typeface="+mn-lt"/>
+              </a:rPr>
+              <a:t>1</a:t>
+            </a:r>
+            <a:endParaRPr lang="de-DE" sz="2400" kern="0" dirty="0" smtClean="0">
+              <a:solidFill>
+                <a:srgbClr val="003B79"/>
+              </a:solidFill>
+              <a:latin typeface="+mn-lt"/>
+            </a:endParaRPr>
+          </a:p>
+          <a:p>
+            <a:pPr algn="l"/>
+            <a:r>
+              <a:rPr lang="de-DE" sz="2400" kern="0" dirty="0" smtClean="0">
+                <a:solidFill>
+                  <a:srgbClr val="003B79"/>
+                </a:solidFill>
+                <a:latin typeface="+mn-lt"/>
+              </a:rPr>
+              <a:t>Funktionalität		</a:t>
+            </a:r>
+            <a:r>
+              <a:rPr lang="de-DE" sz="2400" kern="0" dirty="0" smtClean="0">
+                <a:solidFill>
+                  <a:srgbClr val="003B79"/>
+                </a:solidFill>
+                <a:latin typeface="+mn-lt"/>
+              </a:rPr>
+              <a:t>1</a:t>
+            </a:r>
+            <a:endParaRPr lang="de-DE" sz="2400" kern="0" dirty="0" smtClean="0">
+              <a:solidFill>
+                <a:srgbClr val="003B79"/>
+              </a:solidFill>
+              <a:latin typeface="+mn-lt"/>
             </a:endParaRPr>
           </a:p>
         </p:txBody>
@@ -12890,7 +14508,7 @@
     </p:spTree>
     <p:extLst>
       <p:ext uri="{BB962C8B-B14F-4D97-AF65-F5344CB8AC3E}">
-        <p14:creationId xmlns:p14="http://schemas.microsoft.com/office/powerpoint/2010/main" xmlns="" val="3973953230"/>
+        <p14:creationId xmlns="" xmlns:p14="http://schemas.microsoft.com/office/powerpoint/2010/main" val="2402780198"/>
       </p:ext>
     </p:extLst>
   </p:cSld>
@@ -12955,19 +14573,16 @@
                 <a:ea typeface="+mj-ea"/>
                 <a:cs typeface="+mj-cs"/>
               </a:rPr>
-              <a:t>6. </a:t>
-            </a:r>
-            <a:r>
-              <a:rPr lang="de-DE" sz="3200" dirty="0" smtClean="0">
-                <a:solidFill>
-                  <a:srgbClr val="003B79"/>
-                </a:solidFill>
-                <a:latin typeface="+mj-lt"/>
-                <a:ea typeface="+mj-ea"/>
-                <a:cs typeface="+mj-cs"/>
-              </a:rPr>
-              <a:t>Datenmodell (UML-Übersicht)</a:t>
-            </a:r>
+              <a:t>5. Produktleistungen</a:t>
+            </a:r>
+            <a:endParaRPr lang="de-DE" sz="3200" dirty="0" smtClean="0">
+              <a:solidFill>
+                <a:srgbClr val="003B79"/>
+              </a:solidFill>
+              <a:latin typeface="+mj-lt"/>
+              <a:ea typeface="+mj-ea"/>
+              <a:cs typeface="+mj-cs"/>
+            </a:endParaRPr>
           </a:p>
           <a:p>
             <a:pPr marL="457200" lvl="0" indent="-457200" algn="l"/>
@@ -13197,51 +14812,179 @@
           </a:p>
         </p:txBody>
       </p:sp>
-      <p:pic>
-        <p:nvPicPr>
-          <p:cNvPr id="2050" name="Picture 2" descr="E:\PRG4\Grafiken\Overall.PNG"/>
-          <p:cNvPicPr>
-            <a:picLocks noChangeAspect="1" noChangeArrowheads="1"/>
-          </p:cNvPicPr>
+      <p:sp>
+        <p:nvSpPr>
+          <p:cNvPr id="7" name="Rectangle 4"/>
+          <p:cNvSpPr txBox="1">
+            <a:spLocks noChangeArrowheads="1"/>
+          </p:cNvSpPr>
           <p:nvPr/>
-        </p:nvPicPr>
-        <p:blipFill>
-          <a:blip r:embed="rId3" cstate="print">
-            <a:extLst>
-              <a:ext uri="{28A0092B-C50C-407E-A947-70E740481C1C}">
-                <a14:useLocalDpi xmlns:a14="http://schemas.microsoft.com/office/drawing/2010/main" xmlns="" val="0"/>
-              </a:ext>
-            </a:extLst>
-          </a:blip>
-          <a:srcRect/>
-          <a:stretch>
-            <a:fillRect/>
-          </a:stretch>
-        </p:blipFill>
-        <p:spPr bwMode="auto">
+        </p:nvSpPr>
+        <p:spPr>
           <a:xfrm>
-            <a:off x="299008" y="1268760"/>
-            <a:ext cx="7905191" cy="5068540"/>
+            <a:off x="179512" y="1268239"/>
+            <a:ext cx="8820150" cy="5545137"/>
           </a:xfrm>
           <a:prstGeom prst="rect">
             <a:avLst/>
           </a:prstGeom>
-          <a:noFill/>
-          <a:extLst>
-            <a:ext uri="{909E8E84-426E-40DD-AFC4-6F175D3DCCD1}">
-              <a14:hiddenFill xmlns:a14="http://schemas.microsoft.com/office/drawing/2010/main" xmlns="">
+        </p:spPr>
+        <p:txBody>
+          <a:bodyPr/>
+          <a:lstStyle/>
+          <a:p>
+            <a:pPr algn="l"/>
+            <a:r>
+              <a:rPr lang="de-DE" sz="2400" b="0" kern="0" dirty="0" smtClean="0">
                 <a:solidFill>
-                  <a:srgbClr val="FFFFFF"/>
+                  <a:srgbClr val="003B79"/>
                 </a:solidFill>
-              </a14:hiddenFill>
-            </a:ext>
-          </a:extLst>
-        </p:spPr>
-      </p:pic>
+                <a:latin typeface="+mn-lt"/>
+              </a:rPr>
+              <a:t>Getrennte Nutzer</a:t>
+            </a:r>
+            <a:r>
+              <a:rPr lang="de-DE" sz="2400" b="0" kern="0" dirty="0" smtClean="0">
+                <a:solidFill>
+                  <a:srgbClr val="003B79"/>
+                </a:solidFill>
+                <a:latin typeface="+mn-lt"/>
+              </a:rPr>
+              <a:t>: </a:t>
+            </a:r>
+            <a:r>
+              <a:rPr lang="de-DE" sz="2400" b="0" kern="0" dirty="0" smtClean="0">
+                <a:solidFill>
+                  <a:srgbClr val="003B79"/>
+                </a:solidFill>
+                <a:latin typeface="+mn-lt"/>
+              </a:rPr>
+              <a:t>	Daten werden an Nutzer-ID gebunden</a:t>
+            </a:r>
+            <a:endParaRPr lang="de-DE" sz="2400" b="0" kern="0" dirty="0" smtClean="0">
+              <a:solidFill>
+                <a:srgbClr val="003B79"/>
+              </a:solidFill>
+              <a:latin typeface="+mn-lt"/>
+            </a:endParaRPr>
+          </a:p>
+          <a:p>
+            <a:pPr algn="l"/>
+            <a:r>
+              <a:rPr lang="de-DE" sz="2400" b="0" kern="0" dirty="0" smtClean="0">
+                <a:solidFill>
+                  <a:srgbClr val="003B79"/>
+                </a:solidFill>
+                <a:latin typeface="+mn-lt"/>
+              </a:rPr>
+              <a:t> </a:t>
+            </a:r>
+          </a:p>
+          <a:p>
+            <a:pPr algn="l"/>
+            <a:r>
+              <a:rPr lang="de-DE" sz="2400" b="0" kern="0" dirty="0" smtClean="0">
+                <a:solidFill>
+                  <a:srgbClr val="003B79"/>
+                </a:solidFill>
+                <a:latin typeface="+mn-lt"/>
+              </a:rPr>
+              <a:t>Akkumulation</a:t>
+            </a:r>
+            <a:r>
+              <a:rPr lang="de-DE" sz="2400" b="0" kern="0" dirty="0" smtClean="0">
+                <a:solidFill>
+                  <a:srgbClr val="003B79"/>
+                </a:solidFill>
+                <a:latin typeface="+mn-lt"/>
+              </a:rPr>
+              <a:t>: </a:t>
+            </a:r>
+            <a:r>
+              <a:rPr lang="de-DE" sz="2400" b="0" kern="0" dirty="0" smtClean="0">
+                <a:solidFill>
+                  <a:srgbClr val="003B79"/>
+                </a:solidFill>
+                <a:latin typeface="+mn-lt"/>
+              </a:rPr>
+              <a:t>	Bei </a:t>
+            </a:r>
+            <a:r>
+              <a:rPr lang="de-DE" sz="2400" b="0" kern="0" dirty="0" smtClean="0">
+                <a:solidFill>
+                  <a:srgbClr val="003B79"/>
+                </a:solidFill>
+                <a:latin typeface="+mn-lt"/>
+              </a:rPr>
+              <a:t>fehlerhafter Eingabe erhält Nutzer eine </a:t>
+            </a:r>
+            <a:r>
+              <a:rPr lang="de-DE" sz="2400" b="0" kern="0" dirty="0" smtClean="0">
+                <a:solidFill>
+                  <a:srgbClr val="003B79"/>
+                </a:solidFill>
+                <a:latin typeface="+mn-lt"/>
+              </a:rPr>
+              <a:t>			Liste </a:t>
+            </a:r>
+            <a:r>
+              <a:rPr lang="de-DE" sz="2400" b="0" kern="0" dirty="0" smtClean="0">
+                <a:solidFill>
+                  <a:srgbClr val="003B79"/>
+                </a:solidFill>
+                <a:latin typeface="+mn-lt"/>
+              </a:rPr>
+              <a:t>aller eingegebenen Fehler.</a:t>
+            </a:r>
+            <a:endParaRPr lang="de-DE" sz="2400" b="0" kern="0" dirty="0" smtClean="0">
+              <a:solidFill>
+                <a:srgbClr val="003B79"/>
+              </a:solidFill>
+              <a:latin typeface="+mn-lt"/>
+            </a:endParaRPr>
+          </a:p>
+          <a:p>
+            <a:pPr algn="l"/>
+            <a:r>
+              <a:rPr lang="de-DE" sz="2400" b="0" kern="0" dirty="0" smtClean="0">
+                <a:solidFill>
+                  <a:srgbClr val="003B79"/>
+                </a:solidFill>
+                <a:latin typeface="+mn-lt"/>
+              </a:rPr>
+              <a:t> </a:t>
+            </a:r>
+          </a:p>
+          <a:p>
+            <a:pPr algn="l"/>
+            <a:r>
+              <a:rPr lang="de-DE" sz="2400" b="0" kern="0" dirty="0" smtClean="0">
+                <a:solidFill>
+                  <a:srgbClr val="003B79"/>
+                </a:solidFill>
+                <a:latin typeface="+mn-lt"/>
+              </a:rPr>
+              <a:t>Toleranz:		Nach Falscheingaben Korrekturen an 				betreffenden Stellen vornehmen statt 				komplette Neueingabe</a:t>
+            </a:r>
+          </a:p>
+          <a:p>
+            <a:pPr algn="l"/>
+            <a:r>
+              <a:rPr lang="de-DE" b="0" kern="0" dirty="0" smtClean="0">
+                <a:solidFill>
+                  <a:srgbClr val="003B79"/>
+                </a:solidFill>
+                <a:latin typeface="+mn-lt"/>
+              </a:rPr>
+              <a:t> </a:t>
+            </a:r>
+          </a:p>
+        </p:txBody>
+      </p:sp>
     </p:spTree>
     <p:extLst>
       <p:ext uri="{BB962C8B-B14F-4D97-AF65-F5344CB8AC3E}">
-        <p14:creationId xmlns:p14="http://schemas.microsoft.com/office/powerpoint/2010/main" xmlns="" val="3539249763"/>
+        <p14:creationId xmlns="" xmlns:p14="http://schemas.microsoft.com/office/powerpoint/2010/main" val="2402780198"/>
       </p:ext>
     </p:extLst>
   </p:cSld>
@@ -13306,19 +15049,16 @@
                 <a:ea typeface="+mj-ea"/>
                 <a:cs typeface="+mj-cs"/>
               </a:rPr>
-              <a:t>6. </a:t>
-            </a:r>
-            <a:r>
-              <a:rPr lang="de-DE" sz="3200" dirty="0" smtClean="0">
-                <a:solidFill>
-                  <a:srgbClr val="003B79"/>
-                </a:solidFill>
-                <a:latin typeface="+mj-lt"/>
-                <a:ea typeface="+mj-ea"/>
-                <a:cs typeface="+mj-cs"/>
-              </a:rPr>
-              <a:t>Datenmodell (UML-Model)</a:t>
-            </a:r>
+              <a:t>5. Produktleistungen</a:t>
+            </a:r>
+            <a:endParaRPr lang="de-DE" sz="3200" dirty="0" smtClean="0">
+              <a:solidFill>
+                <a:srgbClr val="003B79"/>
+              </a:solidFill>
+              <a:latin typeface="+mj-lt"/>
+              <a:ea typeface="+mj-ea"/>
+              <a:cs typeface="+mj-cs"/>
+            </a:endParaRPr>
           </a:p>
           <a:p>
             <a:pPr marL="457200" lvl="0" indent="-457200" algn="l"/>
@@ -13548,51 +15288,182 @@
           </a:p>
         </p:txBody>
       </p:sp>
-      <p:pic>
-        <p:nvPicPr>
-          <p:cNvPr id="3074" name="Picture 2" descr="E:\PRG4\Grafiken\Model_Database.PNG"/>
-          <p:cNvPicPr>
-            <a:picLocks noChangeAspect="1" noChangeArrowheads="1"/>
-          </p:cNvPicPr>
+      <p:sp>
+        <p:nvSpPr>
+          <p:cNvPr id="7" name="Rectangle 4"/>
+          <p:cNvSpPr txBox="1">
+            <a:spLocks noChangeArrowheads="1"/>
+          </p:cNvSpPr>
           <p:nvPr/>
-        </p:nvPicPr>
-        <p:blipFill>
-          <a:blip r:embed="rId3" cstate="print">
-            <a:extLst>
-              <a:ext uri="{28A0092B-C50C-407E-A947-70E740481C1C}">
-                <a14:useLocalDpi xmlns:a14="http://schemas.microsoft.com/office/drawing/2010/main" xmlns="" val="0"/>
-              </a:ext>
-            </a:extLst>
-          </a:blip>
-          <a:srcRect/>
-          <a:stretch>
-            <a:fillRect/>
-          </a:stretch>
-        </p:blipFill>
-        <p:spPr bwMode="auto">
+        </p:nvSpPr>
+        <p:spPr>
           <a:xfrm>
-            <a:off x="1259632" y="1232202"/>
-            <a:ext cx="5688632" cy="5186204"/>
+            <a:off x="179512" y="1268239"/>
+            <a:ext cx="8820150" cy="5545137"/>
           </a:xfrm>
           <a:prstGeom prst="rect">
             <a:avLst/>
           </a:prstGeom>
-          <a:noFill/>
-          <a:extLst>
-            <a:ext uri="{909E8E84-426E-40DD-AFC4-6F175D3DCCD1}">
-              <a14:hiddenFill xmlns:a14="http://schemas.microsoft.com/office/drawing/2010/main" xmlns="">
+        </p:spPr>
+        <p:txBody>
+          <a:bodyPr/>
+          <a:lstStyle/>
+          <a:p>
+            <a:pPr algn="l"/>
+            <a:r>
+              <a:rPr lang="de-DE" sz="2400" b="0" kern="0" dirty="0" smtClean="0">
                 <a:solidFill>
-                  <a:srgbClr val="FFFFFF"/>
+                  <a:srgbClr val="003B79"/>
                 </a:solidFill>
-              </a14:hiddenFill>
-            </a:ext>
-          </a:extLst>
-        </p:spPr>
-      </p:pic>
+                <a:latin typeface="+mn-lt"/>
+              </a:rPr>
+              <a:t>Datensicherheit</a:t>
+            </a:r>
+            <a:r>
+              <a:rPr lang="de-DE" sz="2400" b="0" kern="0" dirty="0" smtClean="0">
+                <a:solidFill>
+                  <a:srgbClr val="003B79"/>
+                </a:solidFill>
+                <a:latin typeface="+mn-lt"/>
+              </a:rPr>
+              <a:t>: </a:t>
+            </a:r>
+            <a:r>
+              <a:rPr lang="de-DE" sz="2400" b="0" kern="0" dirty="0" smtClean="0">
+                <a:solidFill>
+                  <a:srgbClr val="003B79"/>
+                </a:solidFill>
+                <a:latin typeface="+mn-lt"/>
+              </a:rPr>
+              <a:t>	Nutzer haben nur Einblick in die Daten, die 			sie selbst angelegt haben</a:t>
+            </a:r>
+            <a:endParaRPr lang="de-DE" sz="2400" b="0" kern="0" dirty="0" smtClean="0">
+              <a:solidFill>
+                <a:srgbClr val="003B79"/>
+              </a:solidFill>
+              <a:latin typeface="+mn-lt"/>
+            </a:endParaRPr>
+          </a:p>
+          <a:p>
+            <a:pPr algn="l"/>
+            <a:r>
+              <a:rPr lang="de-DE" sz="2400" b="0" kern="0" dirty="0" smtClean="0">
+                <a:solidFill>
+                  <a:srgbClr val="003B79"/>
+                </a:solidFill>
+                <a:latin typeface="+mn-lt"/>
+              </a:rPr>
+              <a:t> </a:t>
+            </a:r>
+          </a:p>
+          <a:p>
+            <a:pPr algn="l"/>
+            <a:r>
+              <a:rPr lang="de-DE" sz="2400" b="0" kern="0" dirty="0" smtClean="0">
+                <a:solidFill>
+                  <a:srgbClr val="003B79"/>
+                </a:solidFill>
+                <a:latin typeface="+mn-lt"/>
+              </a:rPr>
+              <a:t>Verfügbarkeit</a:t>
+            </a:r>
+            <a:r>
+              <a:rPr lang="de-DE" sz="2400" b="0" kern="0" dirty="0" smtClean="0">
+                <a:solidFill>
+                  <a:srgbClr val="003B79"/>
+                </a:solidFill>
+                <a:latin typeface="+mn-lt"/>
+              </a:rPr>
+              <a:t>: </a:t>
+            </a:r>
+            <a:r>
+              <a:rPr lang="de-DE" sz="2400" b="0" kern="0" dirty="0" smtClean="0">
+                <a:solidFill>
+                  <a:srgbClr val="003B79"/>
+                </a:solidFill>
+                <a:latin typeface="+mn-lt"/>
+              </a:rPr>
+              <a:t>	Server muss immer </a:t>
+            </a:r>
+            <a:r>
+              <a:rPr lang="de-DE" sz="2400" b="0" kern="0" dirty="0" smtClean="0">
+                <a:solidFill>
+                  <a:srgbClr val="003B79"/>
+                </a:solidFill>
+                <a:latin typeface="+mn-lt"/>
+              </a:rPr>
+              <a:t>erreichbar </a:t>
+            </a:r>
+            <a:r>
+              <a:rPr lang="de-DE" sz="2400" b="0" kern="0" dirty="0" smtClean="0">
+                <a:solidFill>
+                  <a:srgbClr val="003B79"/>
+                </a:solidFill>
+                <a:latin typeface="+mn-lt"/>
+              </a:rPr>
+              <a:t>sein</a:t>
+            </a:r>
+            <a:endParaRPr lang="de-DE" sz="2400" b="0" kern="0" dirty="0" smtClean="0">
+              <a:solidFill>
+                <a:srgbClr val="003B79"/>
+              </a:solidFill>
+              <a:latin typeface="+mn-lt"/>
+            </a:endParaRPr>
+          </a:p>
+          <a:p>
+            <a:pPr algn="l"/>
+            <a:r>
+              <a:rPr lang="de-DE" sz="2400" b="0" kern="0" dirty="0" smtClean="0">
+                <a:solidFill>
+                  <a:srgbClr val="003B79"/>
+                </a:solidFill>
+                <a:latin typeface="+mn-lt"/>
+              </a:rPr>
+              <a:t> </a:t>
+            </a:r>
+          </a:p>
+          <a:p>
+            <a:pPr algn="l"/>
+            <a:r>
+              <a:rPr lang="de-DE" sz="2400" b="0" kern="0" dirty="0" smtClean="0">
+                <a:solidFill>
+                  <a:srgbClr val="003B79"/>
+                </a:solidFill>
+                <a:latin typeface="+mn-lt"/>
+              </a:rPr>
+              <a:t>Archivierung</a:t>
+            </a:r>
+            <a:r>
+              <a:rPr lang="de-DE" sz="2400" b="0" kern="0" dirty="0" smtClean="0">
+                <a:solidFill>
+                  <a:srgbClr val="003B79"/>
+                </a:solidFill>
+                <a:latin typeface="+mn-lt"/>
+              </a:rPr>
+              <a:t>: </a:t>
+            </a:r>
+            <a:r>
+              <a:rPr lang="de-DE" sz="2400" b="0" kern="0" dirty="0" smtClean="0">
+                <a:solidFill>
+                  <a:srgbClr val="003B79"/>
+                </a:solidFill>
+                <a:latin typeface="+mn-lt"/>
+              </a:rPr>
+              <a:t>	Rechnungen können nicht 	vom Nutzer 				gelöscht werden</a:t>
+            </a:r>
+            <a:endParaRPr lang="de-DE" sz="2400" b="0" kern="0" dirty="0">
+              <a:solidFill>
+                <a:srgbClr val="003B79"/>
+              </a:solidFill>
+              <a:latin typeface="+mn-lt"/>
+            </a:endParaRPr>
+          </a:p>
+        </p:txBody>
+      </p:sp>
     </p:spTree>
     <p:extLst>
       <p:ext uri="{BB962C8B-B14F-4D97-AF65-F5344CB8AC3E}">
-        <p14:creationId xmlns:p14="http://schemas.microsoft.com/office/powerpoint/2010/main" xmlns="" val="2028648019"/>
+        <p14:creationId xmlns="" xmlns:p14="http://schemas.microsoft.com/office/powerpoint/2010/main" val="2402780198"/>
       </p:ext>
     </p:extLst>
   </p:cSld>
@@ -13626,324 +15497,129 @@
           <a:chExt cx="0" cy="0"/>
         </a:xfrm>
       </p:grpSpPr>
+      <p:graphicFrame>
+        <p:nvGraphicFramePr>
+          <p:cNvPr id="3" name="Inhaltsplatzhalter 2"/>
+          <p:cNvGraphicFramePr>
+            <a:graphicFrameLocks noGrp="1"/>
+          </p:cNvGraphicFramePr>
+          <p:nvPr>
+            <p:ph idx="1"/>
+            <p:extLst>
+              <p:ext uri="{D42A27DB-BD31-4B8C-83A1-F6EECF244321}">
+                <p14:modId xmlns="" xmlns:p14="http://schemas.microsoft.com/office/powerpoint/2010/main" val="2122085790"/>
+              </p:ext>
+            </p:extLst>
+          </p:nvPr>
+        </p:nvGraphicFramePr>
+        <p:xfrm>
+          <a:off x="216346" y="980429"/>
+          <a:ext cx="8820150" cy="5545137"/>
+        </p:xfrm>
+        <a:graphic>
+          <a:graphicData uri="http://schemas.openxmlformats.org/drawingml/2006/diagram">
+            <dgm:relIds xmlns:dgm="http://schemas.openxmlformats.org/drawingml/2006/diagram" xmlns:r="http://schemas.openxmlformats.org/officeDocument/2006/relationships" r:dm="rId3" r:lo="rId4" r:qs="rId5" r:cs="rId6"/>
+          </a:graphicData>
+        </a:graphic>
+      </p:graphicFrame>
       <p:sp>
         <p:nvSpPr>
-          <p:cNvPr id="4" name="Rectangle 2"/>
-          <p:cNvSpPr txBox="1">
-            <a:spLocks noChangeArrowheads="1"/>
+          <p:cNvPr id="8770562" name="Rectangle 2"/>
+          <p:cNvSpPr>
+            <a:spLocks noGrp="1" noChangeArrowheads="1"/>
           </p:cNvSpPr>
-          <p:nvPr/>
+          <p:nvPr>
+            <p:ph type="title"/>
+          </p:nvPr>
         </p:nvSpPr>
         <p:spPr>
           <a:xfrm>
-            <a:off x="323626" y="357188"/>
+            <a:off x="198681" y="321146"/>
             <a:ext cx="6624638" cy="503237"/>
           </a:xfrm>
-          <a:prstGeom prst="rect">
-            <a:avLst/>
-          </a:prstGeom>
         </p:spPr>
         <p:txBody>
           <a:bodyPr/>
           <a:lstStyle/>
           <a:p>
-            <a:pPr marL="457200" lvl="0" indent="-457200" algn="l"/>
-            <a:r>
-              <a:rPr lang="de-DE" sz="3200" dirty="0" smtClean="0">
-                <a:solidFill>
-                  <a:srgbClr val="003B79"/>
-                </a:solidFill>
-                <a:latin typeface="+mj-lt"/>
-                <a:ea typeface="+mj-ea"/>
-                <a:cs typeface="+mj-cs"/>
-              </a:rPr>
+            <a:r>
+              <a:rPr lang="de-DE" sz="3200" dirty="0" smtClean="0"/>
               <a:t>6. </a:t>
             </a:r>
             <a:r>
-              <a:rPr lang="de-DE" sz="3200" dirty="0" smtClean="0">
-                <a:solidFill>
-                  <a:srgbClr val="003B79"/>
-                </a:solidFill>
-                <a:latin typeface="+mj-lt"/>
-                <a:ea typeface="+mj-ea"/>
-                <a:cs typeface="+mj-cs"/>
-              </a:rPr>
-              <a:t>Datenmodell (UML-Model)</a:t>
-            </a:r>
-          </a:p>
-          <a:p>
-            <a:pPr marL="457200" lvl="0" indent="-457200" algn="l"/>
-            <a:endParaRPr lang="de-DE" sz="3200" dirty="0" smtClean="0">
-              <a:solidFill>
-                <a:srgbClr val="003B79"/>
-              </a:solidFill>
-              <a:latin typeface="+mj-lt"/>
-              <a:ea typeface="+mj-ea"/>
-              <a:cs typeface="+mj-cs"/>
-            </a:endParaRPr>
+              <a:rPr lang="de-DE" sz="3200" dirty="0" smtClean="0"/>
+              <a:t>Produktarchitektur</a:t>
+            </a:r>
+            <a:endParaRPr lang="de-DE" sz="3200" dirty="0"/>
           </a:p>
         </p:txBody>
       </p:sp>
       <p:sp>
         <p:nvSpPr>
-          <p:cNvPr id="5" name="Rectangle 4"/>
-          <p:cNvSpPr txBox="1">
-            <a:spLocks noChangeArrowheads="1"/>
-          </p:cNvSpPr>
+          <p:cNvPr id="4" name="Rechteck 3"/>
+          <p:cNvSpPr/>
           <p:nvPr/>
         </p:nvSpPr>
-        <p:spPr>
-          <a:xfrm>
-            <a:off x="323850" y="1052736"/>
-            <a:ext cx="8568630" cy="5545137"/>
-          </a:xfrm>
-          <a:prstGeom prst="rect">
-            <a:avLst/>
-          </a:prstGeom>
-        </p:spPr>
-        <p:txBody>
-          <a:bodyPr/>
-          <a:lstStyle/>
-          <a:p>
-            <a:pPr marL="742950" marR="0" lvl="1" indent="-285750" algn="l" defTabSz="914400" rtl="0" eaLnBrk="1" fontAlgn="base" latinLnBrk="0" hangingPunct="1">
-              <a:lnSpc>
-                <a:spcPct val="100000"/>
-              </a:lnSpc>
-              <a:spcBef>
-                <a:spcPct val="20000"/>
-              </a:spcBef>
-              <a:spcAft>
-                <a:spcPct val="20000"/>
-              </a:spcAft>
-              <a:buClrTx/>
-              <a:buSzTx/>
-              <a:tabLst/>
-              <a:defRPr/>
-            </a:pPr>
-            <a:endParaRPr lang="de-DE" sz="2400" b="0" kern="0" dirty="0" smtClean="0">
-              <a:solidFill>
-                <a:srgbClr val="003B79"/>
-              </a:solidFill>
-              <a:latin typeface="+mn-lt"/>
-            </a:endParaRPr>
-          </a:p>
-          <a:p>
-            <a:pPr marL="742950" lvl="1" indent="-285750" algn="l">
-              <a:spcBef>
-                <a:spcPct val="20000"/>
-              </a:spcBef>
-              <a:spcAft>
-                <a:spcPct val="20000"/>
-              </a:spcAft>
-            </a:pPr>
-            <a:endParaRPr lang="de-DE" sz="2400" b="0" kern="0" dirty="0">
-              <a:solidFill>
-                <a:srgbClr val="003B79"/>
-              </a:solidFill>
-              <a:latin typeface="+mn-lt"/>
-            </a:endParaRPr>
-          </a:p>
-          <a:p>
-            <a:pPr marL="742950" marR="0" lvl="1" indent="-285750" algn="l" defTabSz="914400" rtl="0" eaLnBrk="1" fontAlgn="base" latinLnBrk="0" hangingPunct="1">
-              <a:lnSpc>
-                <a:spcPct val="100000"/>
-              </a:lnSpc>
-              <a:spcBef>
-                <a:spcPct val="20000"/>
-              </a:spcBef>
-              <a:spcAft>
-                <a:spcPct val="20000"/>
-              </a:spcAft>
-              <a:buClrTx/>
-              <a:buSzTx/>
-              <a:tabLst/>
-              <a:defRPr/>
-            </a:pPr>
-            <a:endParaRPr lang="de-DE" sz="2400" b="0" kern="0" dirty="0">
-              <a:solidFill>
-                <a:srgbClr val="003B79"/>
-              </a:solidFill>
-              <a:latin typeface="+mn-lt"/>
-            </a:endParaRPr>
-          </a:p>
-          <a:p>
-            <a:pPr marL="742950" marR="0" lvl="1" indent="-285750" algn="l" defTabSz="914400" rtl="0" eaLnBrk="1" fontAlgn="base" latinLnBrk="0" hangingPunct="1">
-              <a:lnSpc>
-                <a:spcPct val="100000"/>
-              </a:lnSpc>
-              <a:spcBef>
-                <a:spcPct val="20000"/>
-              </a:spcBef>
-              <a:spcAft>
-                <a:spcPct val="20000"/>
-              </a:spcAft>
-              <a:buClrTx/>
-              <a:buSzTx/>
-              <a:tabLst/>
-              <a:defRPr/>
-            </a:pPr>
-            <a:endParaRPr lang="de-DE" sz="2400" b="0" kern="0" dirty="0" smtClean="0">
-              <a:solidFill>
-                <a:srgbClr val="003B79"/>
-              </a:solidFill>
-              <a:latin typeface="+mn-lt"/>
-            </a:endParaRPr>
-          </a:p>
-          <a:p>
-            <a:pPr marL="742950" marR="0" lvl="1" indent="-285750" algn="l" defTabSz="914400" rtl="0" eaLnBrk="1" fontAlgn="base" latinLnBrk="0" hangingPunct="1">
-              <a:lnSpc>
-                <a:spcPct val="100000"/>
-              </a:lnSpc>
-              <a:spcBef>
-                <a:spcPct val="20000"/>
-              </a:spcBef>
-              <a:spcAft>
-                <a:spcPct val="20000"/>
-              </a:spcAft>
-              <a:buClrTx/>
-              <a:buSzTx/>
-              <a:tabLst/>
-              <a:defRPr/>
-            </a:pPr>
-            <a:endParaRPr lang="de-DE" sz="2400" b="0" kern="0" dirty="0">
-              <a:solidFill>
-                <a:srgbClr val="003B79"/>
-              </a:solidFill>
-              <a:latin typeface="+mn-lt"/>
-            </a:endParaRPr>
-          </a:p>
-          <a:p>
-            <a:pPr marL="742950" marR="0" lvl="1" indent="-285750" algn="l" defTabSz="914400" rtl="0" eaLnBrk="1" fontAlgn="base" latinLnBrk="0" hangingPunct="1">
-              <a:lnSpc>
-                <a:spcPct val="100000"/>
-              </a:lnSpc>
-              <a:spcBef>
-                <a:spcPct val="20000"/>
-              </a:spcBef>
-              <a:spcAft>
-                <a:spcPct val="20000"/>
-              </a:spcAft>
-              <a:buClrTx/>
-              <a:buSzTx/>
-              <a:tabLst/>
-              <a:defRPr/>
-            </a:pPr>
-            <a:endParaRPr kumimoji="0" lang="de-DE" sz="2400" b="0" i="0" u="none" strike="noStrike" kern="0" cap="none" spc="0" normalizeH="0" baseline="0" noProof="0" dirty="0" smtClean="0">
-              <a:ln>
-                <a:noFill/>
-              </a:ln>
-              <a:solidFill>
-                <a:srgbClr val="003B79"/>
-              </a:solidFill>
-              <a:effectLst/>
-              <a:uLnTx/>
-              <a:uFillTx/>
-              <a:latin typeface="+mn-lt"/>
-            </a:endParaRPr>
-          </a:p>
-        </p:txBody>
-      </p:sp>
-      <p:sp>
-        <p:nvSpPr>
-          <p:cNvPr id="9" name="Rectangle 4"/>
-          <p:cNvSpPr txBox="1">
-            <a:spLocks noChangeArrowheads="1"/>
-          </p:cNvSpPr>
-          <p:nvPr/>
-        </p:nvSpPr>
-        <p:spPr>
-          <a:xfrm>
-            <a:off x="792410" y="1052736"/>
-            <a:ext cx="8820150" cy="5545137"/>
-          </a:xfrm>
-          <a:prstGeom prst="rect">
-            <a:avLst/>
-          </a:prstGeom>
-        </p:spPr>
-        <p:txBody>
-          <a:bodyPr/>
-          <a:lstStyle/>
-          <a:p>
-            <a:pPr marL="457200" marR="0" lvl="0" indent="-457200" algn="l" defTabSz="914400" rtl="0" eaLnBrk="1" fontAlgn="base" latinLnBrk="0" hangingPunct="1">
-              <a:lnSpc>
-                <a:spcPct val="100000"/>
-              </a:lnSpc>
-              <a:spcBef>
-                <a:spcPct val="20000"/>
-              </a:spcBef>
-              <a:spcAft>
-                <a:spcPct val="20000"/>
-              </a:spcAft>
-              <a:buClrTx/>
-              <a:buSzTx/>
-              <a:tabLst/>
-              <a:defRPr/>
-            </a:pPr>
-            <a:r>
-              <a:rPr kumimoji="0" lang="de-DE" sz="2400" b="0" i="0" u="none" strike="noStrike" kern="0" cap="none" spc="0" normalizeH="0" baseline="0" noProof="0" dirty="0" smtClean="0">
-                <a:ln>
-                  <a:noFill/>
-                </a:ln>
-                <a:solidFill>
-                  <a:srgbClr val="003B79"/>
-                </a:solidFill>
-                <a:effectLst/>
-                <a:uLnTx/>
-                <a:uFillTx/>
-                <a:latin typeface="+mn-lt"/>
-                <a:ea typeface="+mn-ea"/>
-                <a:cs typeface="+mn-cs"/>
-              </a:rPr>
-              <a:t>			</a:t>
-            </a:r>
-          </a:p>
-        </p:txBody>
-      </p:sp>
-      <p:pic>
-        <p:nvPicPr>
-          <p:cNvPr id="4098" name="Picture 2" descr="E:\PRG4\Grafiken\IO_Database.PNG"/>
-          <p:cNvPicPr>
-            <a:picLocks noChangeAspect="1" noChangeArrowheads="1"/>
-          </p:cNvPicPr>
-          <p:nvPr/>
-        </p:nvPicPr>
-        <p:blipFill>
-          <a:blip r:embed="rId3" cstate="print">
-            <a:extLst>
-              <a:ext uri="{28A0092B-C50C-407E-A947-70E740481C1C}">
-                <a14:useLocalDpi xmlns:a14="http://schemas.microsoft.com/office/drawing/2010/main" xmlns="" val="0"/>
-              </a:ext>
-            </a:extLst>
-          </a:blip>
-          <a:srcRect/>
-          <a:stretch>
-            <a:fillRect/>
-          </a:stretch>
-        </p:blipFill>
         <p:spPr bwMode="auto">
           <a:xfrm>
-            <a:off x="715949" y="1988840"/>
-            <a:ext cx="7822897" cy="3024336"/>
+            <a:off x="455855" y="3176934"/>
+            <a:ext cx="2520280" cy="1152128"/>
           </a:xfrm>
           <a:prstGeom prst="rect">
             <a:avLst/>
           </a:prstGeom>
           <a:noFill/>
-          <a:extLst>
-            <a:ext uri="{909E8E84-426E-40DD-AFC4-6F175D3DCCD1}">
-              <a14:hiddenFill xmlns:a14="http://schemas.microsoft.com/office/drawing/2010/main" xmlns="">
-                <a:solidFill>
-                  <a:srgbClr val="FFFFFF"/>
-                </a:solidFill>
-              </a14:hiddenFill>
-            </a:ext>
-          </a:extLst>
+          <a:ln w="9525" cap="flat" cmpd="sng" algn="ctr">
+            <a:noFill/>
+            <a:prstDash val="solid"/>
+            <a:round/>
+            <a:headEnd type="none" w="med" len="med"/>
+            <a:tailEnd type="none" w="med" len="med"/>
+          </a:ln>
+          <a:effectLst/>
         </p:spPr>
-      </p:pic>
+        <p:txBody>
+          <a:bodyPr vert="horz" wrap="square" lIns="91440" tIns="45720" rIns="91440" bIns="45720" numCol="1" rtlCol="0" anchor="t" anchorCtr="0" compatLnSpc="1">
+            <a:prstTxWarp prst="textNoShape">
+              <a:avLst/>
+            </a:prstTxWarp>
+            <a:spAutoFit/>
+          </a:bodyPr>
+          <a:lstStyle/>
+          <a:p>
+            <a:pPr marL="0" marR="0" indent="0" algn="ctr" defTabSz="914400" rtl="0" eaLnBrk="1" fontAlgn="base" latinLnBrk="0" hangingPunct="1">
+              <a:lnSpc>
+                <a:spcPct val="100000"/>
+              </a:lnSpc>
+              <a:spcBef>
+                <a:spcPct val="0"/>
+              </a:spcBef>
+              <a:spcAft>
+                <a:spcPct val="0"/>
+              </a:spcAft>
+              <a:buClrTx/>
+              <a:buSzTx/>
+              <a:buFontTx/>
+              <a:buNone/>
+              <a:tabLst/>
+            </a:pPr>
+            <a:endParaRPr kumimoji="0" lang="de-DE" sz="1800" b="1" i="0" u="none" strike="noStrike" cap="none" normalizeH="0" baseline="0" smtClean="0">
+              <a:ln>
+                <a:noFill/>
+              </a:ln>
+              <a:solidFill>
+                <a:srgbClr val="FFCC66"/>
+              </a:solidFill>
+              <a:effectLst/>
+              <a:latin typeface="Arial" charset="0"/>
+            </a:endParaRPr>
+          </a:p>
+        </p:txBody>
+      </p:sp>
     </p:spTree>
     <p:extLst>
       <p:ext uri="{BB962C8B-B14F-4D97-AF65-F5344CB8AC3E}">
-        <p14:creationId xmlns:p14="http://schemas.microsoft.com/office/powerpoint/2010/main" xmlns="" val="2028648019"/>
+        <p14:creationId xmlns="" xmlns:p14="http://schemas.microsoft.com/office/powerpoint/2010/main" val="3973953230"/>
       </p:ext>
     </p:extLst>
   </p:cSld>

--- a/Präsentation PRG4.pptx
+++ b/Präsentation PRG4.pptx
@@ -9867,18 +9867,7 @@
                 <a:ea typeface="+mj-ea"/>
                 <a:cs typeface="+mj-cs"/>
               </a:rPr>
-              <a:t>7. </a:t>
-            </a:r>
-            <a:r>
-              <a:rPr lang="de-DE" sz="3200" dirty="0" smtClean="0">
-                <a:solidFill>
-                  <a:srgbClr val="003B79"/>
-                </a:solidFill>
-                <a:latin typeface="+mj-lt"/>
-                <a:ea typeface="+mj-ea"/>
-                <a:cs typeface="+mj-cs"/>
-              </a:rPr>
-              <a:t>Datenmodell (UML-Übersicht)</a:t>
+              <a:t>7. Datenmodell (UML-Übersicht)</a:t>
             </a:r>
           </a:p>
           <a:p>
@@ -10121,7 +10110,7 @@
           <a:blip r:embed="rId3" cstate="print">
             <a:extLst>
               <a:ext uri="{28A0092B-C50C-407E-A947-70E740481C1C}">
-                <a14:useLocalDpi xmlns="" xmlns:a14="http://schemas.microsoft.com/office/drawing/2010/main" val="0"/>
+                <a14:useLocalDpi xmlns:a14="http://schemas.microsoft.com/office/drawing/2010/main" xmlns="" val="0"/>
               </a:ext>
             </a:extLst>
           </a:blip>
@@ -10141,7 +10130,7 @@
           <a:noFill/>
           <a:extLst>
             <a:ext uri="{909E8E84-426E-40DD-AFC4-6F175D3DCCD1}">
-              <a14:hiddenFill xmlns="" xmlns:a14="http://schemas.microsoft.com/office/drawing/2010/main">
+              <a14:hiddenFill xmlns:a14="http://schemas.microsoft.com/office/drawing/2010/main" xmlns="">
                 <a:solidFill>
                   <a:srgbClr val="FFFFFF"/>
                 </a:solidFill>
@@ -10153,7 +10142,7 @@
     </p:spTree>
     <p:extLst>
       <p:ext uri="{BB962C8B-B14F-4D97-AF65-F5344CB8AC3E}">
-        <p14:creationId xmlns="" xmlns:p14="http://schemas.microsoft.com/office/powerpoint/2010/main" val="3539249763"/>
+        <p14:creationId xmlns:p14="http://schemas.microsoft.com/office/powerpoint/2010/main" xmlns="" val="3539249763"/>
       </p:ext>
     </p:extLst>
   </p:cSld>
@@ -10218,18 +10207,7 @@
                 <a:ea typeface="+mj-ea"/>
                 <a:cs typeface="+mj-cs"/>
               </a:rPr>
-              <a:t>7. </a:t>
-            </a:r>
-            <a:r>
-              <a:rPr lang="de-DE" sz="3200" dirty="0" smtClean="0">
-                <a:solidFill>
-                  <a:srgbClr val="003B79"/>
-                </a:solidFill>
-                <a:latin typeface="+mj-lt"/>
-                <a:ea typeface="+mj-ea"/>
-                <a:cs typeface="+mj-cs"/>
-              </a:rPr>
-              <a:t>Datenmodell (UML-Model)</a:t>
+              <a:t>7. Datenmodell (UML-Model)</a:t>
             </a:r>
           </a:p>
           <a:p>
@@ -10472,7 +10450,7 @@
           <a:blip r:embed="rId3" cstate="print">
             <a:extLst>
               <a:ext uri="{28A0092B-C50C-407E-A947-70E740481C1C}">
-                <a14:useLocalDpi xmlns="" xmlns:a14="http://schemas.microsoft.com/office/drawing/2010/main" val="0"/>
+                <a14:useLocalDpi xmlns:a14="http://schemas.microsoft.com/office/drawing/2010/main" xmlns="" val="0"/>
               </a:ext>
             </a:extLst>
           </a:blip>
@@ -10492,7 +10470,7 @@
           <a:noFill/>
           <a:extLst>
             <a:ext uri="{909E8E84-426E-40DD-AFC4-6F175D3DCCD1}">
-              <a14:hiddenFill xmlns="" xmlns:a14="http://schemas.microsoft.com/office/drawing/2010/main">
+              <a14:hiddenFill xmlns:a14="http://schemas.microsoft.com/office/drawing/2010/main" xmlns="">
                 <a:solidFill>
                   <a:srgbClr val="FFFFFF"/>
                 </a:solidFill>
@@ -10504,7 +10482,7 @@
     </p:spTree>
     <p:extLst>
       <p:ext uri="{BB962C8B-B14F-4D97-AF65-F5344CB8AC3E}">
-        <p14:creationId xmlns="" xmlns:p14="http://schemas.microsoft.com/office/powerpoint/2010/main" val="2028648019"/>
+        <p14:creationId xmlns:p14="http://schemas.microsoft.com/office/powerpoint/2010/main" xmlns="" val="2028648019"/>
       </p:ext>
     </p:extLst>
   </p:cSld>
@@ -10569,18 +10547,7 @@
                 <a:ea typeface="+mj-ea"/>
                 <a:cs typeface="+mj-cs"/>
               </a:rPr>
-              <a:t>7. </a:t>
-            </a:r>
-            <a:r>
-              <a:rPr lang="de-DE" sz="3200" dirty="0" smtClean="0">
-                <a:solidFill>
-                  <a:srgbClr val="003B79"/>
-                </a:solidFill>
-                <a:latin typeface="+mj-lt"/>
-                <a:ea typeface="+mj-ea"/>
-                <a:cs typeface="+mj-cs"/>
-              </a:rPr>
-              <a:t>Datenmodell (UML-Model)</a:t>
+              <a:t>7. Datenmodell (UML-Model)</a:t>
             </a:r>
           </a:p>
           <a:p>
@@ -10823,7 +10790,7 @@
           <a:blip r:embed="rId3" cstate="print">
             <a:extLst>
               <a:ext uri="{28A0092B-C50C-407E-A947-70E740481C1C}">
-                <a14:useLocalDpi xmlns="" xmlns:a14="http://schemas.microsoft.com/office/drawing/2010/main" val="0"/>
+                <a14:useLocalDpi xmlns:a14="http://schemas.microsoft.com/office/drawing/2010/main" xmlns="" val="0"/>
               </a:ext>
             </a:extLst>
           </a:blip>
@@ -10843,7 +10810,7 @@
           <a:noFill/>
           <a:extLst>
             <a:ext uri="{909E8E84-426E-40DD-AFC4-6F175D3DCCD1}">
-              <a14:hiddenFill xmlns="" xmlns:a14="http://schemas.microsoft.com/office/drawing/2010/main">
+              <a14:hiddenFill xmlns:a14="http://schemas.microsoft.com/office/drawing/2010/main" xmlns="">
                 <a:solidFill>
                   <a:srgbClr val="FFFFFF"/>
                 </a:solidFill>
@@ -10855,7 +10822,7 @@
     </p:spTree>
     <p:extLst>
       <p:ext uri="{BB962C8B-B14F-4D97-AF65-F5344CB8AC3E}">
-        <p14:creationId xmlns="" xmlns:p14="http://schemas.microsoft.com/office/powerpoint/2010/main" val="2028648019"/>
+        <p14:creationId xmlns:p14="http://schemas.microsoft.com/office/powerpoint/2010/main" xmlns="" val="2028648019"/>
       </p:ext>
     </p:extLst>
   </p:cSld>
@@ -10920,18 +10887,7 @@
                 <a:ea typeface="+mj-ea"/>
                 <a:cs typeface="+mj-cs"/>
               </a:rPr>
-              <a:t>7. </a:t>
-            </a:r>
-            <a:r>
-              <a:rPr lang="de-DE" sz="3200" dirty="0" smtClean="0">
-                <a:solidFill>
-                  <a:srgbClr val="003B79"/>
-                </a:solidFill>
-                <a:latin typeface="+mj-lt"/>
-                <a:ea typeface="+mj-ea"/>
-                <a:cs typeface="+mj-cs"/>
-              </a:rPr>
-              <a:t>Datenmodell (UML-Controller)</a:t>
+              <a:t>7. Datenmodell (UML-Controller)</a:t>
             </a:r>
           </a:p>
           <a:p>
@@ -11174,7 +11130,7 @@
           <a:blip r:embed="rId3" cstate="print">
             <a:extLst>
               <a:ext uri="{28A0092B-C50C-407E-A947-70E740481C1C}">
-                <a14:useLocalDpi xmlns="" xmlns:a14="http://schemas.microsoft.com/office/drawing/2010/main" val="0"/>
+                <a14:useLocalDpi xmlns:a14="http://schemas.microsoft.com/office/drawing/2010/main" xmlns="" val="0"/>
               </a:ext>
             </a:extLst>
           </a:blip>
@@ -11194,7 +11150,7 @@
           <a:noFill/>
           <a:extLst>
             <a:ext uri="{909E8E84-426E-40DD-AFC4-6F175D3DCCD1}">
-              <a14:hiddenFill xmlns="" xmlns:a14="http://schemas.microsoft.com/office/drawing/2010/main">
+              <a14:hiddenFill xmlns:a14="http://schemas.microsoft.com/office/drawing/2010/main" xmlns="">
                 <a:solidFill>
                   <a:srgbClr val="FFFFFF"/>
                 </a:solidFill>
@@ -11206,7 +11162,7 @@
     </p:spTree>
     <p:extLst>
       <p:ext uri="{BB962C8B-B14F-4D97-AF65-F5344CB8AC3E}">
-        <p14:creationId xmlns="" xmlns:p14="http://schemas.microsoft.com/office/powerpoint/2010/main" val="2028648019"/>
+        <p14:creationId xmlns:p14="http://schemas.microsoft.com/office/powerpoint/2010/main" xmlns="" val="2028648019"/>
       </p:ext>
     </p:extLst>
   </p:cSld>
@@ -11271,18 +11227,7 @@
                 <a:ea typeface="+mj-ea"/>
                 <a:cs typeface="+mj-cs"/>
               </a:rPr>
-              <a:t>7. </a:t>
-            </a:r>
-            <a:r>
-              <a:rPr lang="de-DE" sz="3200" dirty="0" smtClean="0">
-                <a:solidFill>
-                  <a:srgbClr val="003B79"/>
-                </a:solidFill>
-                <a:latin typeface="+mj-lt"/>
-                <a:ea typeface="+mj-ea"/>
-                <a:cs typeface="+mj-cs"/>
-              </a:rPr>
-              <a:t>Datenmodell (UML-View)</a:t>
+              <a:t>7. Datenmodell (UML-View)</a:t>
             </a:r>
           </a:p>
           <a:p>
@@ -11525,7 +11470,7 @@
           <a:blip r:embed="rId3" cstate="print">
             <a:extLst>
               <a:ext uri="{28A0092B-C50C-407E-A947-70E740481C1C}">
-                <a14:useLocalDpi xmlns="" xmlns:a14="http://schemas.microsoft.com/office/drawing/2010/main" val="0"/>
+                <a14:useLocalDpi xmlns:a14="http://schemas.microsoft.com/office/drawing/2010/main" xmlns="" val="0"/>
               </a:ext>
             </a:extLst>
           </a:blip>
@@ -11545,7 +11490,7 @@
           <a:noFill/>
           <a:extLst>
             <a:ext uri="{909E8E84-426E-40DD-AFC4-6F175D3DCCD1}">
-              <a14:hiddenFill xmlns="" xmlns:a14="http://schemas.microsoft.com/office/drawing/2010/main">
+              <a14:hiddenFill xmlns:a14="http://schemas.microsoft.com/office/drawing/2010/main" xmlns="">
                 <a:solidFill>
                   <a:srgbClr val="FFFFFF"/>
                 </a:solidFill>
@@ -11557,7 +11502,7 @@
     </p:spTree>
     <p:extLst>
       <p:ext uri="{BB962C8B-B14F-4D97-AF65-F5344CB8AC3E}">
-        <p14:creationId xmlns="" xmlns:p14="http://schemas.microsoft.com/office/powerpoint/2010/main" val="2223991465"/>
+        <p14:creationId xmlns:p14="http://schemas.microsoft.com/office/powerpoint/2010/main" xmlns="" val="2223991465"/>
       </p:ext>
     </p:extLst>
   </p:cSld>
@@ -11601,7 +11546,7 @@
             <p:ph idx="1"/>
             <p:extLst>
               <p:ext uri="{D42A27DB-BD31-4B8C-83A1-F6EECF244321}">
-                <p14:modId xmlns="" xmlns:p14="http://schemas.microsoft.com/office/powerpoint/2010/main" val="2122085790"/>
+                <p14:modId xmlns:p14="http://schemas.microsoft.com/office/powerpoint/2010/main" xmlns="" val="2122085790"/>
               </p:ext>
             </p:extLst>
           </p:nvPr>
@@ -11638,11 +11583,7 @@
           <a:p>
             <a:r>
               <a:rPr lang="de-DE" sz="3200" dirty="0" smtClean="0"/>
-              <a:t>7. </a:t>
-            </a:r>
-            <a:r>
-              <a:rPr lang="de-DE" sz="3200" dirty="0" smtClean="0"/>
-              <a:t>Datenmodell (DB-Schema)</a:t>
+              <a:t>7. Datenmodell (DB-Schema)</a:t>
             </a:r>
             <a:endParaRPr lang="de-DE" sz="3200" dirty="0"/>
           </a:p>
@@ -11739,7 +11680,7 @@
     </p:spTree>
     <p:extLst>
       <p:ext uri="{BB962C8B-B14F-4D97-AF65-F5344CB8AC3E}">
-        <p14:creationId xmlns="" xmlns:p14="http://schemas.microsoft.com/office/powerpoint/2010/main" val="3973953230"/>
+        <p14:creationId xmlns:p14="http://schemas.microsoft.com/office/powerpoint/2010/main" xmlns="" val="3973953230"/>
       </p:ext>
     </p:extLst>
   </p:cSld>
@@ -11804,18 +11745,7 @@
                 <a:ea typeface="+mj-ea"/>
                 <a:cs typeface="+mj-cs"/>
               </a:rPr>
-              <a:t>8. </a:t>
-            </a:r>
-            <a:r>
-              <a:rPr lang="de-DE" sz="3200" dirty="0" smtClean="0">
-                <a:solidFill>
-                  <a:srgbClr val="003B79"/>
-                </a:solidFill>
-                <a:latin typeface="+mj-lt"/>
-                <a:ea typeface="+mj-ea"/>
-                <a:cs typeface="+mj-cs"/>
-              </a:rPr>
-              <a:t>Arbeitsaufteilung</a:t>
+              <a:t>8. Arbeitsaufteilung</a:t>
             </a:r>
           </a:p>
         </p:txBody>
@@ -12360,18 +12290,7 @@
                 <a:ea typeface="+mj-ea"/>
                 <a:cs typeface="+mj-cs"/>
               </a:rPr>
-              <a:t>9. </a:t>
-            </a:r>
-            <a:r>
-              <a:rPr lang="de-DE" sz="3200" dirty="0" smtClean="0">
-                <a:solidFill>
-                  <a:srgbClr val="003B79"/>
-                </a:solidFill>
-                <a:latin typeface="+mj-lt"/>
-                <a:ea typeface="+mj-ea"/>
-                <a:cs typeface="+mj-cs"/>
-              </a:rPr>
-              <a:t>Zeitplan</a:t>
+              <a:t>9. Zeitplan</a:t>
             </a:r>
           </a:p>
         </p:txBody>
@@ -12749,7 +12668,6 @@
               <a:rPr lang="de-DE" sz="2400" dirty="0" smtClean="0"/>
               <a:t>Produktleistung</a:t>
             </a:r>
-            <a:endParaRPr lang="de-DE" sz="2400" dirty="0" smtClean="0"/>
           </a:p>
           <a:p>
             <a:pPr marL="457200" indent="-457200">
@@ -13092,8 +13010,8 @@
         </p:nvSpPr>
         <p:spPr>
           <a:xfrm>
-            <a:off x="179512" y="1988840"/>
-            <a:ext cx="8424936" cy="3970318"/>
+            <a:off x="179512" y="1196752"/>
+            <a:ext cx="8424936" cy="6555641"/>
           </a:xfrm>
           <a:prstGeom prst="rect">
             <a:avLst/>
@@ -13114,7 +13032,7 @@
                 </a:solidFill>
                 <a:latin typeface="+mn-lt"/>
               </a:rPr>
-              <a:t>-webbasierter </a:t>
+              <a:t>-webbasierter Vertrieb von eigenen </a:t>
             </a:r>
             <a:r>
               <a:rPr lang="de-DE" sz="2400" b="0" kern="0" dirty="0" smtClean="0">
@@ -13123,8 +13041,14 @@
                 </a:solidFill>
                 <a:latin typeface="+mn-lt"/>
               </a:rPr>
-              <a:t>Vertrieb von eigenen Artikeln</a:t>
-            </a:r>
+              <a:t>Artikeln über einen Server</a:t>
+            </a:r>
+            <a:endParaRPr lang="de-DE" sz="2400" b="0" kern="0" dirty="0" smtClean="0">
+              <a:solidFill>
+                <a:srgbClr val="003B79"/>
+              </a:solidFill>
+              <a:latin typeface="+mn-lt"/>
+            </a:endParaRPr>
           </a:p>
           <a:p>
             <a:pPr algn="l"/>
@@ -13144,17 +13068,22 @@
                 </a:solidFill>
                 <a:latin typeface="+mn-lt"/>
               </a:rPr>
-              <a:t>-Nutzerabhängiges </a:t>
+              <a:t>-</a:t>
             </a:r>
             <a:r>
               <a:rPr lang="de-DE" sz="2400" b="0" kern="0" dirty="0" smtClean="0">
                 <a:solidFill>
                   <a:srgbClr val="003B79"/>
                 </a:solidFill>
-                <a:latin typeface="+mn-lt"/>
               </a:rPr>
-              <a:t>Auktionskontingent</a:t>
-            </a:r>
+              <a:t>Vereinfachung von Verwaltung und Analyse der Angebotenen Artikel </a:t>
+            </a:r>
+            <a:endParaRPr lang="de-DE" sz="2400" b="0" kern="0" dirty="0" smtClean="0">
+              <a:solidFill>
+                <a:srgbClr val="003B79"/>
+              </a:solidFill>
+              <a:latin typeface="+mn-lt"/>
+            </a:endParaRPr>
           </a:p>
           <a:p>
             <a:pPr algn="l"/>
@@ -13174,7 +13103,7 @@
                 </a:solidFill>
                 <a:latin typeface="+mn-lt"/>
               </a:rPr>
-              <a:t>-Verwaltung </a:t>
+              <a:t>-Verwaltung und Nutzung von </a:t>
             </a:r>
             <a:r>
               <a:rPr lang="de-DE" sz="2400" b="0" kern="0" dirty="0" smtClean="0">
@@ -13183,7 +13112,16 @@
                 </a:solidFill>
                 <a:latin typeface="+mn-lt"/>
               </a:rPr>
-              <a:t>und Nutzung von Internetauktionsplattformen verbessern</a:t>
+              <a:t>Internetauktionsplattformen durch Automatisierung </a:t>
+            </a:r>
+            <a:r>
+              <a:rPr lang="de-DE" sz="2400" b="0" kern="0" dirty="0" smtClean="0">
+                <a:solidFill>
+                  <a:srgbClr val="003B79"/>
+                </a:solidFill>
+                <a:latin typeface="+mn-lt"/>
+              </a:rPr>
+              <a:t>verbessern</a:t>
             </a:r>
           </a:p>
           <a:p>
@@ -13213,8 +13151,20 @@
                 </a:solidFill>
                 <a:latin typeface="+mn-lt"/>
               </a:rPr>
-              <a:t>Rechnungen </a:t>
-            </a:r>
+              <a:t>Rechnungen archivieren</a:t>
+            </a:r>
+          </a:p>
+          <a:p>
+            <a:pPr algn="l"/>
+            <a:endParaRPr lang="de-DE" sz="2400" b="0" kern="0" dirty="0" smtClean="0">
+              <a:solidFill>
+                <a:srgbClr val="003B79"/>
+              </a:solidFill>
+              <a:latin typeface="+mn-lt"/>
+            </a:endParaRPr>
+          </a:p>
+          <a:p>
+            <a:pPr algn="l"/>
             <a:r>
               <a:rPr lang="de-DE" sz="2400" b="0" kern="0" dirty="0" smtClean="0">
                 <a:solidFill>
@@ -13222,8 +13172,57 @@
                 </a:solidFill>
                 <a:latin typeface="+mn-lt"/>
               </a:rPr>
-              <a:t>halbautomatisch generieren</a:t>
-            </a:r>
+              <a:t>-Fehleingaben vermeiden</a:t>
+            </a:r>
+            <a:endParaRPr lang="de-DE" sz="2400" b="0" kern="0" dirty="0" smtClean="0">
+              <a:solidFill>
+                <a:srgbClr val="003B79"/>
+              </a:solidFill>
+              <a:latin typeface="+mn-lt"/>
+            </a:endParaRPr>
+          </a:p>
+          <a:p>
+            <a:pPr algn="l"/>
+            <a:endParaRPr lang="de-DE" sz="2400" b="0" kern="0" dirty="0" smtClean="0">
+              <a:solidFill>
+                <a:srgbClr val="003B79"/>
+              </a:solidFill>
+            </a:endParaRPr>
+          </a:p>
+          <a:p>
+            <a:pPr algn="l"/>
+            <a:r>
+              <a:rPr lang="de-DE" sz="2400" b="0" kern="0" dirty="0" smtClean="0">
+                <a:solidFill>
+                  <a:srgbClr val="003B79"/>
+                </a:solidFill>
+                <a:latin typeface="+mn-lt"/>
+              </a:rPr>
+              <a:t>-</a:t>
+            </a:r>
+            <a:r>
+              <a:rPr lang="de-DE" sz="2400" b="0" kern="0" dirty="0" smtClean="0">
+                <a:solidFill>
+                  <a:srgbClr val="003B79"/>
+                </a:solidFill>
+                <a:latin typeface="+mn-lt"/>
+              </a:rPr>
+              <a:t>Mehrbenutzer-Betrieb mit Anmeldevorgang ermöglichen</a:t>
+            </a:r>
+            <a:endParaRPr lang="de-DE" sz="2400" b="0" kern="0" dirty="0" smtClean="0">
+              <a:solidFill>
+                <a:srgbClr val="003B79"/>
+              </a:solidFill>
+            </a:endParaRPr>
+          </a:p>
+          <a:p>
+            <a:pPr algn="l"/>
+            <a:endParaRPr lang="de-DE" sz="2400" b="0" kern="0" dirty="0" smtClean="0">
+              <a:solidFill>
+                <a:srgbClr val="003B79"/>
+              </a:solidFill>
+              <a:latin typeface="+mn-lt"/>
+            </a:endParaRPr>
           </a:p>
           <a:p>
             <a:pPr algn="l"/>
@@ -13333,7 +13332,7 @@
         <p:spPr>
           <a:xfrm>
             <a:off x="179512" y="1312307"/>
-            <a:ext cx="8424936" cy="4708981"/>
+            <a:ext cx="8424936" cy="3970318"/>
           </a:xfrm>
           <a:prstGeom prst="rect">
             <a:avLst/>
@@ -13354,7 +13353,7 @@
                 </a:solidFill>
                 <a:latin typeface="+mn-lt"/>
               </a:rPr>
-              <a:t>Verwaltung </a:t>
+              <a:t>-Verwaltung </a:t>
             </a:r>
             <a:r>
               <a:rPr lang="de-DE" sz="2400" b="0" kern="0" dirty="0">
@@ -13411,16 +13410,7 @@
                 </a:solidFill>
                 <a:latin typeface="+mn-lt"/>
               </a:rPr>
-              <a:t>Vereinfachung von Verwaltung </a:t>
-            </a:r>
-            <a:r>
-              <a:rPr lang="de-DE" sz="2400" b="0" kern="0" dirty="0">
-                <a:solidFill>
-                  <a:srgbClr val="003B79"/>
-                </a:solidFill>
-                <a:latin typeface="+mn-lt"/>
-              </a:rPr>
-              <a:t>und Analyse der </a:t>
+              <a:t>-Austausch </a:t>
             </a:r>
             <a:r>
               <a:rPr lang="de-DE" sz="2400" b="0" kern="0" dirty="0" smtClean="0">
@@ -13429,31 +13419,7 @@
                 </a:solidFill>
                 <a:latin typeface="+mn-lt"/>
               </a:rPr>
-              <a:t>Angebotenen Artikel </a:t>
-            </a:r>
-          </a:p>
-          <a:p>
-            <a:pPr algn="just">
-              <a:buFontTx/>
-              <a:buChar char="-"/>
-            </a:pPr>
-            <a:endParaRPr lang="de-DE" sz="2400" b="0" kern="0" dirty="0" smtClean="0">
-              <a:solidFill>
-                <a:srgbClr val="003B79"/>
-              </a:solidFill>
-              <a:latin typeface="+mn-lt"/>
-            </a:endParaRPr>
-          </a:p>
-          <a:p>
-            <a:pPr algn="just"/>
-            <a:r>
-              <a:rPr lang="de-DE" sz="2400" b="0" kern="0" dirty="0" smtClean="0">
-                <a:solidFill>
-                  <a:srgbClr val="003B79"/>
-                </a:solidFill>
-                <a:latin typeface="+mn-lt"/>
-              </a:rPr>
-              <a:t>Austausch derzeitiger Tabellenverwaltung, dadurch: 	</a:t>
+              <a:t>derzeitiger Tabellenverwaltung, dadurch: 	</a:t>
             </a:r>
           </a:p>
           <a:p>
@@ -13513,7 +13479,38 @@
                 </a:solidFill>
                 <a:latin typeface="+mn-lt"/>
               </a:rPr>
-              <a:t>verbesserte Datenintegrität</a:t>
+              <a:t>verbesserte </a:t>
+            </a:r>
+            <a:r>
+              <a:rPr lang="de-DE" sz="2400" b="0" kern="0" dirty="0" smtClean="0">
+                <a:solidFill>
+                  <a:srgbClr val="003B79"/>
+                </a:solidFill>
+                <a:latin typeface="+mn-lt"/>
+              </a:rPr>
+              <a:t>Datenintegrität</a:t>
+            </a:r>
+          </a:p>
+          <a:p>
+            <a:pPr lvl="2" algn="just">
+              <a:buFontTx/>
+              <a:buChar char="-"/>
+            </a:pPr>
+            <a:r>
+              <a:rPr lang="de-DE" sz="2400" b="0" kern="0" dirty="0" smtClean="0">
+                <a:solidFill>
+                  <a:srgbClr val="003B79"/>
+                </a:solidFill>
+              </a:rPr>
+              <a:t>Rechnungen automatisch </a:t>
+            </a:r>
+            <a:r>
+              <a:rPr lang="de-DE" sz="2400" b="0" kern="0" dirty="0" smtClean="0">
+                <a:solidFill>
+                  <a:srgbClr val="003B79"/>
+                </a:solidFill>
+              </a:rPr>
+              <a:t>generieren</a:t>
             </a:r>
             <a:endParaRPr lang="de-DE" sz="2400" b="0" kern="0" dirty="0">
               <a:solidFill>
@@ -13839,7 +13836,7 @@
           <a:blip r:embed="rId3" cstate="print">
             <a:extLst>
               <a:ext uri="{28A0092B-C50C-407E-A947-70E740481C1C}">
-                <a14:useLocalDpi xmlns="" xmlns:a14="http://schemas.microsoft.com/office/drawing/2010/main" val="0"/>
+                <a14:useLocalDpi xmlns:a14="http://schemas.microsoft.com/office/drawing/2010/main" xmlns="" val="0"/>
               </a:ext>
             </a:extLst>
           </a:blip>
@@ -13859,7 +13856,7 @@
           <a:noFill/>
           <a:extLst>
             <a:ext uri="{909E8E84-426E-40DD-AFC4-6F175D3DCCD1}">
-              <a14:hiddenFill xmlns="" xmlns:a14="http://schemas.microsoft.com/office/drawing/2010/main">
+              <a14:hiddenFill xmlns:a14="http://schemas.microsoft.com/office/drawing/2010/main" xmlns="">
                 <a:solidFill>
                   <a:srgbClr val="FFFFFF"/>
                 </a:solidFill>
@@ -13871,7 +13868,7 @@
     </p:spTree>
     <p:extLst>
       <p:ext uri="{BB962C8B-B14F-4D97-AF65-F5344CB8AC3E}">
-        <p14:creationId xmlns="" xmlns:p14="http://schemas.microsoft.com/office/powerpoint/2010/main" val="2402780198"/>
+        <p14:creationId xmlns:p14="http://schemas.microsoft.com/office/powerpoint/2010/main" xmlns="" val="2402780198"/>
       </p:ext>
     </p:extLst>
   </p:cSld>
@@ -13938,14 +13935,6 @@
               </a:rPr>
               <a:t>4. Qualitätskriterien</a:t>
             </a:r>
-            <a:endParaRPr lang="de-DE" sz="3200" dirty="0" smtClean="0">
-              <a:solidFill>
-                <a:srgbClr val="003B79"/>
-              </a:solidFill>
-              <a:latin typeface="+mj-lt"/>
-              <a:ea typeface="+mj-ea"/>
-              <a:cs typeface="+mj-cs"/>
-            </a:endParaRPr>
           </a:p>
           <a:p>
             <a:pPr marL="457200" lvl="0" indent="-457200" algn="l"/>
@@ -14272,23 +14261,8 @@
                 </a:solidFill>
                 <a:latin typeface="+mn-lt"/>
               </a:rPr>
-              <a:t>Erweiterbarkeit		</a:t>
-            </a:r>
-            <a:r>
-              <a:rPr lang="de-DE" sz="2400" kern="0" dirty="0" smtClean="0">
-                <a:solidFill>
-                  <a:srgbClr val="003B79"/>
-                </a:solidFill>
-                <a:latin typeface="+mn-lt"/>
-              </a:rPr>
-              <a:t>2</a:t>
-            </a:r>
-            <a:endParaRPr lang="de-DE" sz="2400" kern="0" dirty="0" smtClean="0">
-              <a:solidFill>
-                <a:srgbClr val="003B79"/>
-              </a:solidFill>
-              <a:latin typeface="+mn-lt"/>
-            </a:endParaRPr>
+              <a:t>Erweiterbarkeit		2</a:t>
+            </a:r>
           </a:p>
           <a:p>
             <a:pPr algn="l"/>
@@ -14299,23 +14273,8 @@
                 </a:solidFill>
                 <a:latin typeface="+mn-lt"/>
               </a:rPr>
-              <a:t>Backups			</a:t>
-            </a:r>
-            <a:r>
-              <a:rPr lang="de-DE" sz="2400" b="0" kern="0" dirty="0" smtClean="0">
-                <a:solidFill>
-                  <a:srgbClr val="003B79"/>
-                </a:solidFill>
-                <a:latin typeface="+mn-lt"/>
-              </a:rPr>
-              <a:t>3</a:t>
-            </a:r>
-            <a:endParaRPr lang="de-DE" sz="2400" b="0" kern="0" dirty="0" smtClean="0">
-              <a:solidFill>
-                <a:srgbClr val="003B79"/>
-              </a:solidFill>
-              <a:latin typeface="+mn-lt"/>
-            </a:endParaRPr>
+              <a:t>Backups			3</a:t>
+            </a:r>
           </a:p>
           <a:p>
             <a:pPr algn="l"/>
@@ -14338,8 +14297,23 @@
                 </a:solidFill>
                 <a:latin typeface="+mn-lt"/>
               </a:rPr>
-              <a:t>Effizienz			</a:t>
-            </a:r>
+              <a:t>Effizienz			2</a:t>
+            </a:r>
+          </a:p>
+          <a:p>
+            <a:pPr algn="l"/>
+            <a:r>
+              <a:rPr lang="de-DE" sz="2400" b="0" kern="0" dirty="0" smtClean="0">
+                <a:solidFill>
+                  <a:srgbClr val="003B79"/>
+                </a:solidFill>
+                <a:latin typeface="+mn-lt"/>
+              </a:rPr>
+              <a:t>Skalierbarkeit		3</a:t>
+            </a:r>
+          </a:p>
+          <a:p>
+            <a:pPr algn="l"/>
             <a:r>
               <a:rPr lang="de-DE" sz="2400" kern="0" dirty="0" smtClean="0">
                 <a:solidFill>
@@ -14347,68 +14321,8 @@
                 </a:solidFill>
                 <a:latin typeface="+mn-lt"/>
               </a:rPr>
-              <a:t>2</a:t>
-            </a:r>
-            <a:endParaRPr lang="de-DE" sz="2400" kern="0" dirty="0" smtClean="0">
-              <a:solidFill>
-                <a:srgbClr val="003B79"/>
-              </a:solidFill>
-              <a:latin typeface="+mn-lt"/>
-            </a:endParaRPr>
-          </a:p>
-          <a:p>
-            <a:pPr algn="l"/>
-            <a:r>
-              <a:rPr lang="de-DE" sz="2400" b="0" kern="0" dirty="0" smtClean="0">
-                <a:solidFill>
-                  <a:srgbClr val="003B79"/>
-                </a:solidFill>
-                <a:latin typeface="+mn-lt"/>
-              </a:rPr>
-              <a:t>Skalierbarkeit		</a:t>
-            </a:r>
-            <a:r>
-              <a:rPr lang="de-DE" sz="2400" b="0" kern="0" dirty="0" smtClean="0">
-                <a:solidFill>
-                  <a:srgbClr val="003B79"/>
-                </a:solidFill>
-                <a:latin typeface="+mn-lt"/>
-              </a:rPr>
-              <a:t>3</a:t>
-            </a:r>
-            <a:endParaRPr lang="de-DE" sz="2400" b="0" kern="0" dirty="0" smtClean="0">
-              <a:solidFill>
-                <a:srgbClr val="003B79"/>
-              </a:solidFill>
-              <a:latin typeface="+mn-lt"/>
-            </a:endParaRPr>
-          </a:p>
-          <a:p>
-            <a:pPr algn="l"/>
-            <a:r>
-              <a:rPr lang="de-DE" sz="2400" kern="0" dirty="0" smtClean="0">
-                <a:solidFill>
-                  <a:srgbClr val="003B79"/>
-                </a:solidFill>
-                <a:latin typeface="+mn-lt"/>
-              </a:rPr>
-              <a:t>Benutzbarkeit		</a:t>
-            </a:r>
-            <a:r>
-              <a:rPr lang="de-DE" sz="2400" kern="0" dirty="0" smtClean="0">
-                <a:solidFill>
-                  <a:srgbClr val="003B79"/>
-                </a:solidFill>
-                <a:latin typeface="+mn-lt"/>
-              </a:rPr>
-              <a:t>2</a:t>
-            </a:r>
-            <a:endParaRPr lang="de-DE" sz="2400" kern="0" dirty="0" smtClean="0">
-              <a:solidFill>
-                <a:srgbClr val="003B79"/>
-              </a:solidFill>
-              <a:latin typeface="+mn-lt"/>
-            </a:endParaRPr>
+              <a:t>Benutzbarkeit		2</a:t>
+            </a:r>
           </a:p>
           <a:p>
             <a:pPr algn="l"/>
@@ -14431,8 +14345,11 @@
                 </a:solidFill>
                 <a:latin typeface="+mn-lt"/>
               </a:rPr>
-              <a:t>Änderbarkeit		</a:t>
-            </a:r>
+              <a:t>Änderbarkeit		2</a:t>
+            </a:r>
+          </a:p>
+          <a:p>
+            <a:pPr algn="l"/>
             <a:r>
               <a:rPr lang="de-DE" sz="2400" kern="0" dirty="0" smtClean="0">
                 <a:solidFill>
@@ -14440,14 +14357,8 @@
                 </a:solidFill>
                 <a:latin typeface="+mn-lt"/>
               </a:rPr>
-              <a:t>2</a:t>
-            </a:r>
-            <a:endParaRPr lang="de-DE" sz="2400" kern="0" dirty="0" smtClean="0">
-              <a:solidFill>
-                <a:srgbClr val="003B79"/>
-              </a:solidFill>
-              <a:latin typeface="+mn-lt"/>
-            </a:endParaRPr>
+              <a:t>Zuverlässigkeit		1</a:t>
+            </a:r>
           </a:p>
           <a:p>
             <a:pPr algn="l"/>
@@ -14458,57 +14369,15 @@
                 </a:solidFill>
                 <a:latin typeface="+mn-lt"/>
               </a:rPr>
-              <a:t>Zuverlässigkeit		</a:t>
-            </a:r>
-            <a:r>
-              <a:rPr lang="de-DE" sz="2400" kern="0" dirty="0" smtClean="0">
-                <a:solidFill>
-                  <a:srgbClr val="003B79"/>
-                </a:solidFill>
-                <a:latin typeface="+mn-lt"/>
-              </a:rPr>
-              <a:t>1</a:t>
-            </a:r>
-            <a:endParaRPr lang="de-DE" sz="2400" kern="0" dirty="0" smtClean="0">
-              <a:solidFill>
-                <a:srgbClr val="003B79"/>
-              </a:solidFill>
-              <a:latin typeface="+mn-lt"/>
-            </a:endParaRPr>
-          </a:p>
-          <a:p>
-            <a:pPr algn="l"/>
-            <a:r>
-              <a:rPr lang="de-DE" sz="2400" kern="0" dirty="0" smtClean="0">
-                <a:solidFill>
-                  <a:srgbClr val="003B79"/>
-                </a:solidFill>
-                <a:latin typeface="+mn-lt"/>
-              </a:rPr>
-              <a:t>Funktionalität		</a:t>
-            </a:r>
-            <a:r>
-              <a:rPr lang="de-DE" sz="2400" kern="0" dirty="0" smtClean="0">
-                <a:solidFill>
-                  <a:srgbClr val="003B79"/>
-                </a:solidFill>
-                <a:latin typeface="+mn-lt"/>
-              </a:rPr>
-              <a:t>1</a:t>
-            </a:r>
-            <a:endParaRPr lang="de-DE" sz="2400" kern="0" dirty="0" smtClean="0">
-              <a:solidFill>
-                <a:srgbClr val="003B79"/>
-              </a:solidFill>
-              <a:latin typeface="+mn-lt"/>
-            </a:endParaRPr>
+              <a:t>Funktionalität		1</a:t>
+            </a:r>
           </a:p>
         </p:txBody>
       </p:sp>
     </p:spTree>
     <p:extLst>
       <p:ext uri="{BB962C8B-B14F-4D97-AF65-F5344CB8AC3E}">
-        <p14:creationId xmlns="" xmlns:p14="http://schemas.microsoft.com/office/powerpoint/2010/main" val="2402780198"/>
+        <p14:creationId xmlns:p14="http://schemas.microsoft.com/office/powerpoint/2010/main" xmlns="" val="2402780198"/>
       </p:ext>
     </p:extLst>
   </p:cSld>
@@ -14575,14 +14444,6 @@
               </a:rPr>
               <a:t>5. Produktleistungen</a:t>
             </a:r>
-            <a:endParaRPr lang="de-DE" sz="3200" dirty="0" smtClean="0">
-              <a:solidFill>
-                <a:srgbClr val="003B79"/>
-              </a:solidFill>
-              <a:latin typeface="+mj-lt"/>
-              <a:ea typeface="+mj-ea"/>
-              <a:cs typeface="+mj-cs"/>
-            </a:endParaRPr>
           </a:p>
           <a:p>
             <a:pPr marL="457200" lvl="0" indent="-457200" algn="l"/>
@@ -14841,32 +14702,8 @@
                 </a:solidFill>
                 <a:latin typeface="+mn-lt"/>
               </a:rPr>
-              <a:t>Getrennte Nutzer</a:t>
-            </a:r>
-            <a:r>
-              <a:rPr lang="de-DE" sz="2400" b="0" kern="0" dirty="0" smtClean="0">
-                <a:solidFill>
-                  <a:srgbClr val="003B79"/>
-                </a:solidFill>
-                <a:latin typeface="+mn-lt"/>
-              </a:rPr>
-              <a:t>: </a:t>
-            </a:r>
-            <a:r>
-              <a:rPr lang="de-DE" sz="2400" b="0" kern="0" dirty="0" smtClean="0">
-                <a:solidFill>
-                  <a:srgbClr val="003B79"/>
-                </a:solidFill>
-                <a:latin typeface="+mn-lt"/>
-              </a:rPr>
-              <a:t>	Daten werden an Nutzer-ID gebunden</a:t>
-            </a:r>
-            <a:endParaRPr lang="de-DE" sz="2400" b="0" kern="0" dirty="0" smtClean="0">
-              <a:solidFill>
-                <a:srgbClr val="003B79"/>
-              </a:solidFill>
-              <a:latin typeface="+mn-lt"/>
-            </a:endParaRPr>
+              <a:t>Getrennte Nutzer: 	Daten werden an Nutzer-ID gebunden</a:t>
+            </a:r>
           </a:p>
           <a:p>
             <a:pPr algn="l"/>
@@ -14889,59 +14726,8 @@
                 </a:solidFill>
                 <a:latin typeface="+mn-lt"/>
               </a:rPr>
-              <a:t>Akkumulation</a:t>
-            </a:r>
-            <a:r>
-              <a:rPr lang="de-DE" sz="2400" b="0" kern="0" dirty="0" smtClean="0">
-                <a:solidFill>
-                  <a:srgbClr val="003B79"/>
-                </a:solidFill>
-                <a:latin typeface="+mn-lt"/>
-              </a:rPr>
-              <a:t>: </a:t>
-            </a:r>
-            <a:r>
-              <a:rPr lang="de-DE" sz="2400" b="0" kern="0" dirty="0" smtClean="0">
-                <a:solidFill>
-                  <a:srgbClr val="003B79"/>
-                </a:solidFill>
-                <a:latin typeface="+mn-lt"/>
-              </a:rPr>
-              <a:t>	Bei </a:t>
-            </a:r>
-            <a:r>
-              <a:rPr lang="de-DE" sz="2400" b="0" kern="0" dirty="0" smtClean="0">
-                <a:solidFill>
-                  <a:srgbClr val="003B79"/>
-                </a:solidFill>
-                <a:latin typeface="+mn-lt"/>
-              </a:rPr>
-              <a:t>fehlerhafter Eingabe erhält Nutzer eine </a:t>
-            </a:r>
-            <a:r>
-              <a:rPr lang="de-DE" sz="2400" b="0" kern="0" dirty="0" smtClean="0">
-                <a:solidFill>
-                  <a:srgbClr val="003B79"/>
-                </a:solidFill>
-                <a:latin typeface="+mn-lt"/>
-              </a:rPr>
-              <a:t>			Liste </a:t>
-            </a:r>
-            <a:r>
-              <a:rPr lang="de-DE" sz="2400" b="0" kern="0" dirty="0" smtClean="0">
-                <a:solidFill>
-                  <a:srgbClr val="003B79"/>
-                </a:solidFill>
-                <a:latin typeface="+mn-lt"/>
-              </a:rPr>
-              <a:t>aller eingegebenen Fehler.</a:t>
-            </a:r>
-            <a:endParaRPr lang="de-DE" sz="2400" b="0" kern="0" dirty="0" smtClean="0">
-              <a:solidFill>
-                <a:srgbClr val="003B79"/>
-              </a:solidFill>
-              <a:latin typeface="+mn-lt"/>
-            </a:endParaRPr>
+              <a:t>Akkumulation: 	Bei fehlerhafter Eingabe erhält Nutzer eine 			Liste aller eingegebenen Fehler.</a:t>
+            </a:r>
           </a:p>
           <a:p>
             <a:pPr algn="l"/>
@@ -14984,7 +14770,7 @@
     </p:spTree>
     <p:extLst>
       <p:ext uri="{BB962C8B-B14F-4D97-AF65-F5344CB8AC3E}">
-        <p14:creationId xmlns="" xmlns:p14="http://schemas.microsoft.com/office/powerpoint/2010/main" val="2402780198"/>
+        <p14:creationId xmlns:p14="http://schemas.microsoft.com/office/powerpoint/2010/main" xmlns="" val="2402780198"/>
       </p:ext>
     </p:extLst>
   </p:cSld>
@@ -15051,14 +14837,6 @@
               </a:rPr>
               <a:t>5. Produktleistungen</a:t>
             </a:r>
-            <a:endParaRPr lang="de-DE" sz="3200" dirty="0" smtClean="0">
-              <a:solidFill>
-                <a:srgbClr val="003B79"/>
-              </a:solidFill>
-              <a:latin typeface="+mj-lt"/>
-              <a:ea typeface="+mj-ea"/>
-              <a:cs typeface="+mj-cs"/>
-            </a:endParaRPr>
           </a:p>
           <a:p>
             <a:pPr marL="457200" lvl="0" indent="-457200" algn="l"/>
@@ -15317,32 +15095,8 @@
                 </a:solidFill>
                 <a:latin typeface="+mn-lt"/>
               </a:rPr>
-              <a:t>Datensicherheit</a:t>
-            </a:r>
-            <a:r>
-              <a:rPr lang="de-DE" sz="2400" b="0" kern="0" dirty="0" smtClean="0">
-                <a:solidFill>
-                  <a:srgbClr val="003B79"/>
-                </a:solidFill>
-                <a:latin typeface="+mn-lt"/>
-              </a:rPr>
-              <a:t>: </a:t>
-            </a:r>
-            <a:r>
-              <a:rPr lang="de-DE" sz="2400" b="0" kern="0" dirty="0" smtClean="0">
-                <a:solidFill>
-                  <a:srgbClr val="003B79"/>
-                </a:solidFill>
-                <a:latin typeface="+mn-lt"/>
-              </a:rPr>
-              <a:t>	Nutzer haben nur Einblick in die Daten, die 			sie selbst angelegt haben</a:t>
-            </a:r>
-            <a:endParaRPr lang="de-DE" sz="2400" b="0" kern="0" dirty="0" smtClean="0">
-              <a:solidFill>
-                <a:srgbClr val="003B79"/>
-              </a:solidFill>
-              <a:latin typeface="+mn-lt"/>
-            </a:endParaRPr>
+              <a:t>Datensicherheit: 	Nutzer haben nur Einblick in die Daten, die 			sie selbst angelegt haben</a:t>
+            </a:r>
           </a:p>
           <a:p>
             <a:pPr algn="l"/>
@@ -15365,50 +15119,8 @@
                 </a:solidFill>
                 <a:latin typeface="+mn-lt"/>
               </a:rPr>
-              <a:t>Verfügbarkeit</a:t>
-            </a:r>
-            <a:r>
-              <a:rPr lang="de-DE" sz="2400" b="0" kern="0" dirty="0" smtClean="0">
-                <a:solidFill>
-                  <a:srgbClr val="003B79"/>
-                </a:solidFill>
-                <a:latin typeface="+mn-lt"/>
-              </a:rPr>
-              <a:t>: </a:t>
-            </a:r>
-            <a:r>
-              <a:rPr lang="de-DE" sz="2400" b="0" kern="0" dirty="0" smtClean="0">
-                <a:solidFill>
-                  <a:srgbClr val="003B79"/>
-                </a:solidFill>
-                <a:latin typeface="+mn-lt"/>
-              </a:rPr>
-              <a:t>	Server muss immer </a:t>
-            </a:r>
-            <a:r>
-              <a:rPr lang="de-DE" sz="2400" b="0" kern="0" dirty="0" smtClean="0">
-                <a:solidFill>
-                  <a:srgbClr val="003B79"/>
-                </a:solidFill>
-                <a:latin typeface="+mn-lt"/>
-              </a:rPr>
-              <a:t>erreichbar </a:t>
-            </a:r>
-            <a:r>
-              <a:rPr lang="de-DE" sz="2400" b="0" kern="0" dirty="0" smtClean="0">
-                <a:solidFill>
-                  <a:srgbClr val="003B79"/>
-                </a:solidFill>
-                <a:latin typeface="+mn-lt"/>
-              </a:rPr>
-              <a:t>sein</a:t>
-            </a:r>
-            <a:endParaRPr lang="de-DE" sz="2400" b="0" kern="0" dirty="0" smtClean="0">
-              <a:solidFill>
-                <a:srgbClr val="003B79"/>
-              </a:solidFill>
-              <a:latin typeface="+mn-lt"/>
-            </a:endParaRPr>
+              <a:t>Verfügbarkeit: 	Server muss immer erreichbar sein</a:t>
+            </a:r>
           </a:p>
           <a:p>
             <a:pPr algn="l"/>
@@ -15431,25 +15143,7 @@
                 </a:solidFill>
                 <a:latin typeface="+mn-lt"/>
               </a:rPr>
-              <a:t>Archivierung</a:t>
-            </a:r>
-            <a:r>
-              <a:rPr lang="de-DE" sz="2400" b="0" kern="0" dirty="0" smtClean="0">
-                <a:solidFill>
-                  <a:srgbClr val="003B79"/>
-                </a:solidFill>
-                <a:latin typeface="+mn-lt"/>
-              </a:rPr>
-              <a:t>: </a:t>
-            </a:r>
-            <a:r>
-              <a:rPr lang="de-DE" sz="2400" b="0" kern="0" dirty="0" smtClean="0">
-                <a:solidFill>
-                  <a:srgbClr val="003B79"/>
-                </a:solidFill>
-                <a:latin typeface="+mn-lt"/>
-              </a:rPr>
-              <a:t>	Rechnungen können nicht 	vom Nutzer 				gelöscht werden</a:t>
+              <a:t>Archivierung: 	Rechnungen können nicht 	vom Nutzer 				gelöscht werden</a:t>
             </a:r>
             <a:endParaRPr lang="de-DE" sz="2400" b="0" kern="0" dirty="0">
               <a:solidFill>
@@ -15463,7 +15157,7 @@
     </p:spTree>
     <p:extLst>
       <p:ext uri="{BB962C8B-B14F-4D97-AF65-F5344CB8AC3E}">
-        <p14:creationId xmlns="" xmlns:p14="http://schemas.microsoft.com/office/powerpoint/2010/main" val="2402780198"/>
+        <p14:creationId xmlns:p14="http://schemas.microsoft.com/office/powerpoint/2010/main" xmlns="" val="2402780198"/>
       </p:ext>
     </p:extLst>
   </p:cSld>
@@ -15507,7 +15201,7 @@
             <p:ph idx="1"/>
             <p:extLst>
               <p:ext uri="{D42A27DB-BD31-4B8C-83A1-F6EECF244321}">
-                <p14:modId xmlns="" xmlns:p14="http://schemas.microsoft.com/office/powerpoint/2010/main" val="2122085790"/>
+                <p14:modId xmlns:p14="http://schemas.microsoft.com/office/powerpoint/2010/main" xmlns="" val="2122085790"/>
               </p:ext>
             </p:extLst>
           </p:nvPr>
@@ -15544,11 +15238,7 @@
           <a:p>
             <a:r>
               <a:rPr lang="de-DE" sz="3200" dirty="0" smtClean="0"/>
-              <a:t>6. </a:t>
-            </a:r>
-            <a:r>
-              <a:rPr lang="de-DE" sz="3200" dirty="0" smtClean="0"/>
-              <a:t>Produktarchitektur</a:t>
+              <a:t>6. Produktarchitektur</a:t>
             </a:r>
             <a:endParaRPr lang="de-DE" sz="3200" dirty="0"/>
           </a:p>
@@ -15619,7 +15309,7 @@
     </p:spTree>
     <p:extLst>
       <p:ext uri="{BB962C8B-B14F-4D97-AF65-F5344CB8AC3E}">
-        <p14:creationId xmlns="" xmlns:p14="http://schemas.microsoft.com/office/powerpoint/2010/main" val="3973953230"/>
+        <p14:creationId xmlns:p14="http://schemas.microsoft.com/office/powerpoint/2010/main" xmlns="" val="3973953230"/>
       </p:ext>
     </p:extLst>
   </p:cSld>

--- a/Präsentation PRG4.pptx
+++ b/Präsentation PRG4.pptx
@@ -5,10 +5,10 @@
     <p:sldMasterId id="2147483660" r:id="rId1"/>
   </p:sldMasterIdLst>
   <p:notesMasterIdLst>
-    <p:notesMasterId r:id="rId19"/>
+    <p:notesMasterId r:id="rId20"/>
   </p:notesMasterIdLst>
   <p:handoutMasterIdLst>
-    <p:handoutMasterId r:id="rId20"/>
+    <p:handoutMasterId r:id="rId21"/>
   </p:handoutMasterIdLst>
   <p:sldIdLst>
     <p:sldId id="257" r:id="rId2"/>
@@ -16,18 +16,19 @@
     <p:sldId id="265" r:id="rId4"/>
     <p:sldId id="272" r:id="rId5"/>
     <p:sldId id="266" r:id="rId6"/>
-    <p:sldId id="273" r:id="rId7"/>
-    <p:sldId id="274" r:id="rId8"/>
-    <p:sldId id="275" r:id="rId9"/>
-    <p:sldId id="262" r:id="rId10"/>
-    <p:sldId id="267" r:id="rId11"/>
-    <p:sldId id="268" r:id="rId12"/>
-    <p:sldId id="269" r:id="rId13"/>
-    <p:sldId id="270" r:id="rId14"/>
-    <p:sldId id="271" r:id="rId15"/>
-    <p:sldId id="263" r:id="rId16"/>
-    <p:sldId id="260" r:id="rId17"/>
+    <p:sldId id="276" r:id="rId7"/>
+    <p:sldId id="273" r:id="rId8"/>
+    <p:sldId id="274" r:id="rId9"/>
+    <p:sldId id="275" r:id="rId10"/>
+    <p:sldId id="262" r:id="rId11"/>
+    <p:sldId id="267" r:id="rId12"/>
+    <p:sldId id="268" r:id="rId13"/>
+    <p:sldId id="269" r:id="rId14"/>
+    <p:sldId id="270" r:id="rId15"/>
+    <p:sldId id="271" r:id="rId16"/>
+    <p:sldId id="263" r:id="rId17"/>
     <p:sldId id="261" r:id="rId18"/>
+    <p:sldId id="277" r:id="rId19"/>
   </p:sldIdLst>
   <p:sldSz cx="9144000" cy="6858000" type="screen4x3"/>
   <p:notesSz cx="6858000" cy="9144000"/>
@@ -2065,363 +2066,6 @@
       <dsp:cNvGrpSpPr/>
     </dsp:nvGrpSpPr>
     <dsp:grpSpPr/>
-    <dsp:sp modelId="{02D9A017-79A0-4324-B43C-8A07606905D3}">
-      <dsp:nvSpPr>
-        <dsp:cNvPr id="0" name=""/>
-        <dsp:cNvSpPr/>
-      </dsp:nvSpPr>
-      <dsp:spPr>
-        <a:xfrm>
-          <a:off x="1221621" y="0"/>
-          <a:ext cx="5545137" cy="5545137"/>
-        </a:xfrm>
-        <a:prstGeom prst="triangle">
-          <a:avLst/>
-        </a:prstGeom>
-        <a:gradFill rotWithShape="0">
-          <a:gsLst>
-            <a:gs pos="0">
-              <a:schemeClr val="lt1">
-                <a:hueOff val="0"/>
-                <a:satOff val="0"/>
-                <a:lumOff val="0"/>
-                <a:alphaOff val="0"/>
-                <a:tint val="50000"/>
-                <a:satMod val="300000"/>
-              </a:schemeClr>
-            </a:gs>
-            <a:gs pos="35000">
-              <a:schemeClr val="lt1">
-                <a:hueOff val="0"/>
-                <a:satOff val="0"/>
-                <a:lumOff val="0"/>
-                <a:alphaOff val="0"/>
-                <a:tint val="37000"/>
-                <a:satMod val="300000"/>
-              </a:schemeClr>
-            </a:gs>
-            <a:gs pos="100000">
-              <a:schemeClr val="lt1">
-                <a:hueOff val="0"/>
-                <a:satOff val="0"/>
-                <a:lumOff val="0"/>
-                <a:alphaOff val="0"/>
-                <a:tint val="15000"/>
-                <a:satMod val="350000"/>
-              </a:schemeClr>
-            </a:gs>
-          </a:gsLst>
-          <a:lin ang="16200000" scaled="1"/>
-        </a:gradFill>
-        <a:ln>
-          <a:noFill/>
-        </a:ln>
-        <a:effectLst>
-          <a:outerShdw blurRad="40000" dist="20000" dir="5400000" rotWithShape="0">
-            <a:srgbClr val="000000">
-              <a:alpha val="38000"/>
-            </a:srgbClr>
-          </a:outerShdw>
-        </a:effectLst>
-        <a:scene3d>
-          <a:camera prst="orthographicFront"/>
-          <a:lightRig rig="flat" dir="t"/>
-        </a:scene3d>
-        <a:sp3d prstMaterial="dkEdge">
-          <a:bevelT w="8200" h="38100"/>
-        </a:sp3d>
-      </dsp:spPr>
-      <dsp:style>
-        <a:lnRef idx="0">
-          <a:scrgbClr r="0" g="0" b="0"/>
-        </a:lnRef>
-        <a:fillRef idx="2">
-          <a:scrgbClr r="0" g="0" b="0"/>
-        </a:fillRef>
-        <a:effectRef idx="1">
-          <a:scrgbClr r="0" g="0" b="0"/>
-        </a:effectRef>
-        <a:fontRef idx="minor">
-          <a:schemeClr val="dk1"/>
-        </a:fontRef>
-      </dsp:style>
-    </dsp:sp>
-    <dsp:sp modelId="{E8DEFB12-6D57-4937-AAD2-62D03996E598}">
-      <dsp:nvSpPr>
-        <dsp:cNvPr id="0" name=""/>
-        <dsp:cNvSpPr/>
-      </dsp:nvSpPr>
-      <dsp:spPr>
-        <a:xfrm>
-          <a:off x="3994189" y="847900"/>
-          <a:ext cx="3604339" cy="1312637"/>
-        </a:xfrm>
-        <a:prstGeom prst="roundRect">
-          <a:avLst/>
-        </a:prstGeom>
-        <a:solidFill>
-          <a:schemeClr val="dk2">
-            <a:alpha val="90000"/>
-            <a:tint val="40000"/>
-            <a:hueOff val="0"/>
-            <a:satOff val="0"/>
-            <a:lumOff val="0"/>
-            <a:alphaOff val="0"/>
-          </a:schemeClr>
-        </a:solidFill>
-        <a:ln w="9525" cap="flat" cmpd="sng" algn="ctr">
-          <a:solidFill>
-            <a:schemeClr val="dk2">
-              <a:hueOff val="0"/>
-              <a:satOff val="0"/>
-              <a:lumOff val="0"/>
-              <a:alphaOff val="0"/>
-            </a:schemeClr>
-          </a:solidFill>
-          <a:prstDash val="solid"/>
-        </a:ln>
-        <a:effectLst/>
-      </dsp:spPr>
-      <dsp:style>
-        <a:lnRef idx="1">
-          <a:scrgbClr r="0" g="0" b="0"/>
-        </a:lnRef>
-        <a:fillRef idx="1">
-          <a:scrgbClr r="0" g="0" b="0"/>
-        </a:fillRef>
-        <a:effectRef idx="0">
-          <a:scrgbClr r="0" g="0" b="0"/>
-        </a:effectRef>
-        <a:fontRef idx="minor"/>
-      </dsp:style>
-      <dsp:txBody>
-        <a:bodyPr spcFirstLastPara="0" vert="horz" wrap="square" lIns="64770" tIns="64770" rIns="64770" bIns="64770" numCol="1" spcCol="1270" anchor="ctr" anchorCtr="0">
-          <a:noAutofit/>
-        </a:bodyPr>
-        <a:lstStyle/>
-        <a:p>
-          <a:pPr lvl="0" algn="ctr" defTabSz="755650">
-            <a:lnSpc>
-              <a:spcPct val="90000"/>
-            </a:lnSpc>
-            <a:spcBef>
-              <a:spcPct val="0"/>
-            </a:spcBef>
-            <a:spcAft>
-              <a:spcPct val="35000"/>
-            </a:spcAft>
-          </a:pPr>
-          <a:r>
-            <a:rPr lang="de-DE" sz="1700" kern="1200" dirty="0" smtClean="0"/>
-            <a:t>GUI / Views (Frontend: Client)</a:t>
-          </a:r>
-        </a:p>
-        <a:p>
-          <a:pPr lvl="0" algn="ctr" defTabSz="755650">
-            <a:lnSpc>
-              <a:spcPct val="90000"/>
-            </a:lnSpc>
-            <a:spcBef>
-              <a:spcPct val="0"/>
-            </a:spcBef>
-            <a:spcAft>
-              <a:spcPct val="35000"/>
-            </a:spcAft>
-          </a:pPr>
-          <a:r>
-            <a:rPr lang="de-DE" sz="1700" kern="1200" dirty="0" smtClean="0"/>
-            <a:t>(Verschiedene Views/Seiten für die Darstellung der Komponenten)</a:t>
-          </a:r>
-          <a:endParaRPr lang="de-DE" sz="1700" kern="1200" dirty="0"/>
-        </a:p>
-      </dsp:txBody>
-      <dsp:txXfrm>
-        <a:off x="3994189" y="847900"/>
-        <a:ext cx="3604339" cy="1312637"/>
-      </dsp:txXfrm>
-    </dsp:sp>
-    <dsp:sp modelId="{310BA78A-8678-459A-83E5-137B0D98A742}">
-      <dsp:nvSpPr>
-        <dsp:cNvPr id="0" name=""/>
-        <dsp:cNvSpPr/>
-      </dsp:nvSpPr>
-      <dsp:spPr>
-        <a:xfrm>
-          <a:off x="4032143" y="2432083"/>
-          <a:ext cx="3604339" cy="1312637"/>
-        </a:xfrm>
-        <a:prstGeom prst="roundRect">
-          <a:avLst/>
-        </a:prstGeom>
-        <a:solidFill>
-          <a:schemeClr val="accent2">
-            <a:lumMod val="40000"/>
-            <a:lumOff val="60000"/>
-            <a:alpha val="90000"/>
-          </a:schemeClr>
-        </a:solidFill>
-        <a:ln w="9525" cap="flat" cmpd="sng" algn="ctr">
-          <a:solidFill>
-            <a:schemeClr val="dk2">
-              <a:hueOff val="0"/>
-              <a:satOff val="0"/>
-              <a:lumOff val="0"/>
-              <a:alphaOff val="0"/>
-            </a:schemeClr>
-          </a:solidFill>
-          <a:prstDash val="solid"/>
-        </a:ln>
-        <a:effectLst/>
-      </dsp:spPr>
-      <dsp:style>
-        <a:lnRef idx="1">
-          <a:scrgbClr r="0" g="0" b="0"/>
-        </a:lnRef>
-        <a:fillRef idx="1">
-          <a:scrgbClr r="0" g="0" b="0"/>
-        </a:fillRef>
-        <a:effectRef idx="0">
-          <a:scrgbClr r="0" g="0" b="0"/>
-        </a:effectRef>
-        <a:fontRef idx="minor"/>
-      </dsp:style>
-      <dsp:txBody>
-        <a:bodyPr spcFirstLastPara="0" vert="horz" wrap="square" lIns="64770" tIns="64770" rIns="64770" bIns="64770" numCol="1" spcCol="1270" anchor="ctr" anchorCtr="0">
-          <a:noAutofit/>
-        </a:bodyPr>
-        <a:lstStyle/>
-        <a:p>
-          <a:pPr lvl="0" algn="ctr" defTabSz="755650">
-            <a:lnSpc>
-              <a:spcPct val="90000"/>
-            </a:lnSpc>
-            <a:spcBef>
-              <a:spcPct val="0"/>
-            </a:spcBef>
-            <a:spcAft>
-              <a:spcPct val="35000"/>
-            </a:spcAft>
-          </a:pPr>
-          <a:r>
-            <a:rPr lang="de-DE" sz="1700" kern="1200" dirty="0" smtClean="0"/>
-            <a:t>Logik (Backend: Server)</a:t>
-          </a:r>
-        </a:p>
-        <a:p>
-          <a:pPr lvl="0" algn="ctr" defTabSz="755650">
-            <a:lnSpc>
-              <a:spcPct val="90000"/>
-            </a:lnSpc>
-            <a:spcBef>
-              <a:spcPct val="0"/>
-            </a:spcBef>
-            <a:spcAft>
-              <a:spcPct val="35000"/>
-            </a:spcAft>
-          </a:pPr>
-          <a:r>
-            <a:rPr lang="de-DE" sz="1700" kern="1200" dirty="0" smtClean="0"/>
-            <a:t>(Administration und Vermittlung zwischen GUI und DB, übernimmt die Funktionellen Aufgaben)</a:t>
-          </a:r>
-          <a:endParaRPr lang="de-DE" sz="1700" kern="1200" dirty="0"/>
-        </a:p>
-      </dsp:txBody>
-      <dsp:txXfrm>
-        <a:off x="4032143" y="2432083"/>
-        <a:ext cx="3604339" cy="1312637"/>
-      </dsp:txXfrm>
-    </dsp:sp>
-    <dsp:sp modelId="{062AFA01-7CF0-418D-B265-E59D3C8C41C8}">
-      <dsp:nvSpPr>
-        <dsp:cNvPr id="0" name=""/>
-        <dsp:cNvSpPr/>
-      </dsp:nvSpPr>
-      <dsp:spPr>
-        <a:xfrm>
-          <a:off x="4032143" y="4016253"/>
-          <a:ext cx="3604339" cy="1312637"/>
-        </a:xfrm>
-        <a:prstGeom prst="roundRect">
-          <a:avLst/>
-        </a:prstGeom>
-        <a:solidFill>
-          <a:schemeClr val="accent2">
-            <a:lumMod val="40000"/>
-            <a:lumOff val="60000"/>
-            <a:alpha val="90000"/>
-          </a:schemeClr>
-        </a:solidFill>
-        <a:ln w="9525" cap="flat" cmpd="sng" algn="ctr">
-          <a:solidFill>
-            <a:schemeClr val="dk2">
-              <a:hueOff val="0"/>
-              <a:satOff val="0"/>
-              <a:lumOff val="0"/>
-              <a:alphaOff val="0"/>
-            </a:schemeClr>
-          </a:solidFill>
-          <a:prstDash val="solid"/>
-        </a:ln>
-        <a:effectLst/>
-      </dsp:spPr>
-      <dsp:style>
-        <a:lnRef idx="1">
-          <a:scrgbClr r="0" g="0" b="0"/>
-        </a:lnRef>
-        <a:fillRef idx="1">
-          <a:scrgbClr r="0" g="0" b="0"/>
-        </a:fillRef>
-        <a:effectRef idx="0">
-          <a:scrgbClr r="0" g="0" b="0"/>
-        </a:effectRef>
-        <a:fontRef idx="minor"/>
-      </dsp:style>
-      <dsp:txBody>
-        <a:bodyPr spcFirstLastPara="0" vert="horz" wrap="square" lIns="64770" tIns="64770" rIns="64770" bIns="64770" numCol="1" spcCol="1270" anchor="ctr" anchorCtr="0">
-          <a:noAutofit/>
-        </a:bodyPr>
-        <a:lstStyle/>
-        <a:p>
-          <a:pPr lvl="0" algn="ctr" defTabSz="755650">
-            <a:lnSpc>
-              <a:spcPct val="90000"/>
-            </a:lnSpc>
-            <a:spcBef>
-              <a:spcPct val="0"/>
-            </a:spcBef>
-            <a:spcAft>
-              <a:spcPct val="35000"/>
-            </a:spcAft>
-          </a:pPr>
-          <a:r>
-            <a:rPr lang="de-DE" sz="1700" kern="1200" dirty="0" smtClean="0"/>
-            <a:t>DB (Backend: Server)</a:t>
-          </a:r>
-        </a:p>
-        <a:p>
-          <a:pPr lvl="0" algn="ctr" defTabSz="755650">
-            <a:lnSpc>
-              <a:spcPct val="90000"/>
-            </a:lnSpc>
-            <a:spcBef>
-              <a:spcPct val="0"/>
-            </a:spcBef>
-            <a:spcAft>
-              <a:spcPct val="35000"/>
-            </a:spcAft>
-          </a:pPr>
-          <a:r>
-            <a:rPr lang="de-DE" sz="1700" kern="1200" dirty="0" smtClean="0"/>
-            <a:t>(Daten Speicher)</a:t>
-          </a:r>
-          <a:endParaRPr lang="de-DE" sz="1700" kern="1200" dirty="0"/>
-        </a:p>
-      </dsp:txBody>
-      <dsp:txXfrm>
-        <a:off x="4032143" y="4016253"/>
-        <a:ext cx="3604339" cy="1312637"/>
-      </dsp:txXfrm>
-    </dsp:sp>
   </dsp:spTree>
 </dsp:drawing>
 </file>
@@ -5586,21 +5230,49 @@
       </p:grpSpPr>
       <p:sp>
         <p:nvSpPr>
-          <p:cNvPr id="2" name="Folienbildplatzhalter 1"/>
+          <p:cNvPr id="7" name="Rectangle 7"/>
           <p:cNvSpPr>
-            <a:spLocks noGrp="1" noRot="1" noChangeAspect="1"/>
+            <a:spLocks noGrp="1" noChangeArrowheads="1"/>
+          </p:cNvSpPr>
+          <p:nvPr>
+            <p:ph type="sldNum" sz="quarter" idx="5"/>
+          </p:nvPr>
+        </p:nvSpPr>
+        <p:spPr>
+          <a:ln/>
+        </p:spPr>
+        <p:txBody>
+          <a:bodyPr/>
+          <a:lstStyle/>
+          <a:p>
+            <a:fld id="{53EF9097-0A76-4396-87AC-3BDA4F5A0772}" type="slidenum">
+              <a:rPr lang="de-DE"/>
+              <a:pPr/>
+              <a:t>10</a:t>
+            </a:fld>
+            <a:endParaRPr lang="de-DE"/>
+          </a:p>
+        </p:txBody>
+      </p:sp>
+      <p:sp>
+        <p:nvSpPr>
+          <p:cNvPr id="8771586" name="Rectangle 2"/>
+          <p:cNvSpPr>
+            <a:spLocks noGrp="1" noRot="1" noChangeAspect="1" noChangeArrowheads="1" noTextEdit="1"/>
           </p:cNvSpPr>
           <p:nvPr>
             <p:ph type="sldImg"/>
           </p:nvPr>
         </p:nvSpPr>
-        <p:spPr/>
+        <p:spPr>
+          <a:ln/>
+        </p:spPr>
       </p:sp>
       <p:sp>
         <p:nvSpPr>
-          <p:cNvPr id="3" name="Notizenplatzhalter 2"/>
+          <p:cNvPr id="8771587" name="Rectangle 3"/>
           <p:cNvSpPr>
-            <a:spLocks noGrp="1"/>
+            <a:spLocks noGrp="1" noChangeArrowheads="1"/>
           </p:cNvSpPr>
           <p:nvPr>
             <p:ph type="body" idx="1"/>
@@ -5608,36 +5280,71 @@
         </p:nvSpPr>
         <p:spPr/>
         <p:txBody>
-          <a:bodyPr>
-            <a:normAutofit/>
-          </a:bodyPr>
-          <a:lstStyle/>
-          <a:p>
-            <a:endParaRPr lang="de-DE" dirty="0"/>
-          </a:p>
-        </p:txBody>
-      </p:sp>
-      <p:sp>
-        <p:nvSpPr>
-          <p:cNvPr id="4" name="Foliennummernplatzhalter 3"/>
-          <p:cNvSpPr>
-            <a:spLocks noGrp="1"/>
-          </p:cNvSpPr>
-          <p:nvPr>
-            <p:ph type="sldNum" sz="quarter" idx="10"/>
-          </p:nvPr>
-        </p:nvSpPr>
-        <p:spPr/>
-        <p:txBody>
           <a:bodyPr/>
           <a:lstStyle/>
           <a:p>
-            <a:fld id="{A8D0068F-0A1E-4566-8068-BF0F15B844D2}" type="slidenum">
-              <a:rPr lang="de-DE" smtClean="0"/>
-              <a:pPr/>
-              <a:t>10</a:t>
-            </a:fld>
-            <a:endParaRPr lang="de-DE"/>
+            <a:r>
+              <a:rPr lang="de-DE" dirty="0" smtClean="0"/>
+              <a:t>3-SchichtenModel</a:t>
+            </a:r>
+          </a:p>
+          <a:p>
+            <a:endParaRPr lang="de-DE" dirty="0" smtClean="0"/>
+          </a:p>
+          <a:p>
+            <a:r>
+              <a:rPr lang="de-DE" dirty="0" smtClean="0"/>
+              <a:t>Frontend: GUI – Übernimmt</a:t>
+            </a:r>
+            <a:r>
+              <a:rPr lang="de-DE" baseline="0" dirty="0" smtClean="0"/>
+              <a:t> anzeige der verschiedenen </a:t>
+            </a:r>
+            <a:r>
+              <a:rPr lang="de-DE" baseline="0" dirty="0" err="1" smtClean="0"/>
+              <a:t>Seitenfür</a:t>
+            </a:r>
+            <a:r>
+              <a:rPr lang="de-DE" baseline="0" dirty="0" smtClean="0"/>
+              <a:t> In- und Output (z.B. Bestätigungsseite, Erstellung von Produkten,…)</a:t>
+            </a:r>
+          </a:p>
+          <a:p>
+            <a:r>
+              <a:rPr lang="de-DE" dirty="0" smtClean="0"/>
+              <a:t>Backend: Logik</a:t>
+            </a:r>
+            <a:r>
+              <a:rPr lang="de-DE" baseline="0" dirty="0" smtClean="0"/>
+              <a:t> – funktionaler Ablauf des Programmes, besteht aus den Komponenten Angebot, Rechnung, Produkt, Nutzer, Kunde, Anschrift,.. </a:t>
+            </a:r>
+          </a:p>
+          <a:p>
+            <a:r>
+              <a:rPr lang="de-DE" baseline="0" dirty="0" smtClean="0"/>
+              <a:t>Backend: DB – </a:t>
+            </a:r>
+            <a:r>
+              <a:rPr lang="de-DE" baseline="0" dirty="0" err="1" smtClean="0"/>
+              <a:t>speicher</a:t>
+            </a:r>
+            <a:r>
+              <a:rPr lang="de-DE" baseline="0" dirty="0" smtClean="0"/>
+              <a:t> </a:t>
+            </a:r>
+            <a:r>
+              <a:rPr lang="de-DE" baseline="0" dirty="0" err="1" smtClean="0"/>
+              <a:t>verwaltung</a:t>
+            </a:r>
+            <a:r>
+              <a:rPr lang="de-DE" baseline="0" dirty="0" smtClean="0"/>
+              <a:t> wo sich alle </a:t>
+            </a:r>
+            <a:r>
+              <a:rPr lang="de-DE" baseline="0" smtClean="0"/>
+              <a:t>Daten befindet</a:t>
+            </a:r>
+            <a:endParaRPr lang="de-DE" dirty="0"/>
           </a:p>
         </p:txBody>
       </p:sp>
@@ -5996,6 +5703,88 @@
       </p:grpSpPr>
       <p:sp>
         <p:nvSpPr>
+          <p:cNvPr id="2" name="Folienbildplatzhalter 1"/>
+          <p:cNvSpPr>
+            <a:spLocks noGrp="1" noRot="1" noChangeAspect="1"/>
+          </p:cNvSpPr>
+          <p:nvPr>
+            <p:ph type="sldImg"/>
+          </p:nvPr>
+        </p:nvSpPr>
+        <p:spPr/>
+      </p:sp>
+      <p:sp>
+        <p:nvSpPr>
+          <p:cNvPr id="3" name="Notizenplatzhalter 2"/>
+          <p:cNvSpPr>
+            <a:spLocks noGrp="1"/>
+          </p:cNvSpPr>
+          <p:nvPr>
+            <p:ph type="body" idx="1"/>
+          </p:nvPr>
+        </p:nvSpPr>
+        <p:spPr/>
+        <p:txBody>
+          <a:bodyPr>
+            <a:normAutofit/>
+          </a:bodyPr>
+          <a:lstStyle/>
+          <a:p>
+            <a:endParaRPr lang="de-DE" dirty="0"/>
+          </a:p>
+        </p:txBody>
+      </p:sp>
+      <p:sp>
+        <p:nvSpPr>
+          <p:cNvPr id="4" name="Foliennummernplatzhalter 3"/>
+          <p:cNvSpPr>
+            <a:spLocks noGrp="1"/>
+          </p:cNvSpPr>
+          <p:nvPr>
+            <p:ph type="sldNum" sz="quarter" idx="10"/>
+          </p:nvPr>
+        </p:nvSpPr>
+        <p:spPr/>
+        <p:txBody>
+          <a:bodyPr/>
+          <a:lstStyle/>
+          <a:p>
+            <a:fld id="{A8D0068F-0A1E-4566-8068-BF0F15B844D2}" type="slidenum">
+              <a:rPr lang="de-DE" smtClean="0"/>
+              <a:pPr/>
+              <a:t>15</a:t>
+            </a:fld>
+            <a:endParaRPr lang="de-DE"/>
+          </a:p>
+        </p:txBody>
+      </p:sp>
+    </p:spTree>
+  </p:cSld>
+  <p:clrMapOvr>
+    <a:masterClrMapping/>
+  </p:clrMapOvr>
+</p:notes>
+</file>
+
+<file path=ppt/notesSlides/notesSlide16.xml><?xml version="1.0" encoding="utf-8"?>
+<p:notes xmlns:a="http://schemas.openxmlformats.org/drawingml/2006/main" xmlns:r="http://schemas.openxmlformats.org/officeDocument/2006/relationships" xmlns:p="http://schemas.openxmlformats.org/presentationml/2006/main">
+  <p:cSld>
+    <p:spTree>
+      <p:nvGrpSpPr>
+        <p:cNvPr id="1" name=""/>
+        <p:cNvGrpSpPr/>
+        <p:nvPr/>
+      </p:nvGrpSpPr>
+      <p:grpSpPr>
+        <a:xfrm>
+          <a:off x="0" y="0"/>
+          <a:ext cx="0" cy="0"/>
+          <a:chOff x="0" y="0"/>
+          <a:chExt cx="0" cy="0"/>
+        </a:xfrm>
+      </p:grpSpPr>
+      <p:sp>
+        <p:nvSpPr>
           <p:cNvPr id="7" name="Rectangle 7"/>
           <p:cNvSpPr>
             <a:spLocks noGrp="1" noChangeArrowheads="1"/>
@@ -6014,7 +5803,7 @@
             <a:fld id="{53EF9097-0A76-4396-87AC-3BDA4F5A0772}" type="slidenum">
               <a:rPr lang="de-DE"/>
               <a:pPr/>
-              <a:t>15</a:t>
+              <a:t>16</a:t>
             </a:fld>
             <a:endParaRPr lang="de-DE"/>
           </a:p>
@@ -6050,88 +5839,6 @@
           <a:lstStyle/>
           <a:p>
             <a:endParaRPr lang="de-DE" dirty="0"/>
-          </a:p>
-        </p:txBody>
-      </p:sp>
-    </p:spTree>
-  </p:cSld>
-  <p:clrMapOvr>
-    <a:masterClrMapping/>
-  </p:clrMapOvr>
-</p:notes>
-</file>
-
-<file path=ppt/notesSlides/notesSlide16.xml><?xml version="1.0" encoding="utf-8"?>
-<p:notes xmlns:a="http://schemas.openxmlformats.org/drawingml/2006/main" xmlns:r="http://schemas.openxmlformats.org/officeDocument/2006/relationships" xmlns:p="http://schemas.openxmlformats.org/presentationml/2006/main">
-  <p:cSld>
-    <p:spTree>
-      <p:nvGrpSpPr>
-        <p:cNvPr id="1" name=""/>
-        <p:cNvGrpSpPr/>
-        <p:nvPr/>
-      </p:nvGrpSpPr>
-      <p:grpSpPr>
-        <a:xfrm>
-          <a:off x="0" y="0"/>
-          <a:ext cx="0" cy="0"/>
-          <a:chOff x="0" y="0"/>
-          <a:chExt cx="0" cy="0"/>
-        </a:xfrm>
-      </p:grpSpPr>
-      <p:sp>
-        <p:nvSpPr>
-          <p:cNvPr id="2" name="Folienbildplatzhalter 1"/>
-          <p:cNvSpPr>
-            <a:spLocks noGrp="1" noRot="1" noChangeAspect="1"/>
-          </p:cNvSpPr>
-          <p:nvPr>
-            <p:ph type="sldImg"/>
-          </p:nvPr>
-        </p:nvSpPr>
-        <p:spPr/>
-      </p:sp>
-      <p:sp>
-        <p:nvSpPr>
-          <p:cNvPr id="3" name="Notizenplatzhalter 2"/>
-          <p:cNvSpPr>
-            <a:spLocks noGrp="1"/>
-          </p:cNvSpPr>
-          <p:nvPr>
-            <p:ph type="body" idx="1"/>
-          </p:nvPr>
-        </p:nvSpPr>
-        <p:spPr/>
-        <p:txBody>
-          <a:bodyPr>
-            <a:normAutofit/>
-          </a:bodyPr>
-          <a:lstStyle/>
-          <a:p>
-            <a:endParaRPr lang="de-DE" dirty="0"/>
-          </a:p>
-        </p:txBody>
-      </p:sp>
-      <p:sp>
-        <p:nvSpPr>
-          <p:cNvPr id="4" name="Foliennummernplatzhalter 3"/>
-          <p:cNvSpPr>
-            <a:spLocks noGrp="1"/>
-          </p:cNvSpPr>
-          <p:nvPr>
-            <p:ph type="sldNum" sz="quarter" idx="10"/>
-          </p:nvPr>
-        </p:nvSpPr>
-        <p:spPr/>
-        <p:txBody>
-          <a:bodyPr/>
-          <a:lstStyle/>
-          <a:p>
-            <a:fld id="{A8D0068F-0A1E-4566-8068-BF0F15B844D2}" type="slidenum">
-              <a:rPr lang="de-DE" smtClean="0"/>
-              <a:pPr/>
-              <a:t>16</a:t>
-            </a:fld>
-            <a:endParaRPr lang="de-DE"/>
           </a:p>
         </p:txBody>
       </p:sp>
@@ -6225,6 +5932,90 @@
 </p:notes>
 </file>
 
+<file path=ppt/notesSlides/notesSlide18.xml><?xml version="1.0" encoding="utf-8"?>
+<p:notes xmlns:a="http://schemas.openxmlformats.org/drawingml/2006/main" xmlns:r="http://schemas.openxmlformats.org/officeDocument/2006/relationships" xmlns:p="http://schemas.openxmlformats.org/presentationml/2006/main">
+  <p:cSld>
+    <p:spTree>
+      <p:nvGrpSpPr>
+        <p:cNvPr id="1" name=""/>
+        <p:cNvGrpSpPr/>
+        <p:nvPr/>
+      </p:nvGrpSpPr>
+      <p:grpSpPr>
+        <a:xfrm>
+          <a:off x="0" y="0"/>
+          <a:ext cx="0" cy="0"/>
+          <a:chOff x="0" y="0"/>
+          <a:chExt cx="0" cy="0"/>
+        </a:xfrm>
+      </p:grpSpPr>
+      <p:sp>
+        <p:nvSpPr>
+          <p:cNvPr id="7" name="Rectangle 7"/>
+          <p:cNvSpPr>
+            <a:spLocks noGrp="1" noChangeArrowheads="1"/>
+          </p:cNvSpPr>
+          <p:nvPr>
+            <p:ph type="sldNum" sz="quarter" idx="5"/>
+          </p:nvPr>
+        </p:nvSpPr>
+        <p:spPr>
+          <a:ln/>
+        </p:spPr>
+        <p:txBody>
+          <a:bodyPr/>
+          <a:lstStyle/>
+          <a:p>
+            <a:fld id="{5B8E94D4-5907-4C41-A899-FC823BC16F22}" type="slidenum">
+              <a:rPr lang="de-DE"/>
+              <a:pPr/>
+              <a:t>18</a:t>
+            </a:fld>
+            <a:endParaRPr lang="de-DE"/>
+          </a:p>
+        </p:txBody>
+      </p:sp>
+      <p:sp>
+        <p:nvSpPr>
+          <p:cNvPr id="8769538" name="Rectangle 2"/>
+          <p:cNvSpPr>
+            <a:spLocks noGrp="1" noRot="1" noChangeAspect="1" noChangeArrowheads="1" noTextEdit="1"/>
+          </p:cNvSpPr>
+          <p:nvPr>
+            <p:ph type="sldImg"/>
+          </p:nvPr>
+        </p:nvSpPr>
+        <p:spPr>
+          <a:ln/>
+        </p:spPr>
+      </p:sp>
+      <p:sp>
+        <p:nvSpPr>
+          <p:cNvPr id="8769539" name="Rectangle 3"/>
+          <p:cNvSpPr>
+            <a:spLocks noGrp="1" noChangeArrowheads="1"/>
+          </p:cNvSpPr>
+          <p:nvPr>
+            <p:ph type="body" idx="1"/>
+          </p:nvPr>
+        </p:nvSpPr>
+        <p:spPr/>
+        <p:txBody>
+          <a:bodyPr/>
+          <a:lstStyle/>
+          <a:p>
+            <a:endParaRPr lang="de-DE" dirty="0"/>
+          </a:p>
+        </p:txBody>
+      </p:sp>
+    </p:spTree>
+  </p:cSld>
+  <p:clrMapOvr>
+    <a:masterClrMapping/>
+  </p:clrMapOvr>
+</p:notes>
+</file>
+
 <file path=ppt/notesSlides/notesSlide2.xml><?xml version="1.0" encoding="utf-8"?>
 <p:notes xmlns:a="http://schemas.openxmlformats.org/drawingml/2006/main" xmlns:r="http://schemas.openxmlformats.org/officeDocument/2006/relationships" xmlns:p="http://schemas.openxmlformats.org/presentationml/2006/main">
   <p:cSld>
@@ -6820,49 +6611,21 @@
       </p:grpSpPr>
       <p:sp>
         <p:nvSpPr>
-          <p:cNvPr id="7" name="Rectangle 7"/>
+          <p:cNvPr id="2" name="Folienbildplatzhalter 1"/>
           <p:cNvSpPr>
-            <a:spLocks noGrp="1" noChangeArrowheads="1"/>
-          </p:cNvSpPr>
-          <p:nvPr>
-            <p:ph type="sldNum" sz="quarter" idx="5"/>
-          </p:nvPr>
-        </p:nvSpPr>
-        <p:spPr>
-          <a:ln/>
-        </p:spPr>
-        <p:txBody>
-          <a:bodyPr/>
-          <a:lstStyle/>
-          <a:p>
-            <a:fld id="{53EF9097-0A76-4396-87AC-3BDA4F5A0772}" type="slidenum">
-              <a:rPr lang="de-DE"/>
-              <a:pPr/>
-              <a:t>9</a:t>
-            </a:fld>
-            <a:endParaRPr lang="de-DE"/>
-          </a:p>
-        </p:txBody>
-      </p:sp>
-      <p:sp>
-        <p:nvSpPr>
-          <p:cNvPr id="8771586" name="Rectangle 2"/>
-          <p:cNvSpPr>
-            <a:spLocks noGrp="1" noRot="1" noChangeAspect="1" noChangeArrowheads="1" noTextEdit="1"/>
+            <a:spLocks noGrp="1" noRot="1" noChangeAspect="1"/>
           </p:cNvSpPr>
           <p:nvPr>
             <p:ph type="sldImg"/>
           </p:nvPr>
         </p:nvSpPr>
-        <p:spPr>
-          <a:ln/>
-        </p:spPr>
+        <p:spPr/>
       </p:sp>
       <p:sp>
         <p:nvSpPr>
-          <p:cNvPr id="8771587" name="Rectangle 3"/>
+          <p:cNvPr id="3" name="Notizenplatzhalter 2"/>
           <p:cNvSpPr>
-            <a:spLocks noGrp="1" noChangeArrowheads="1"/>
+            <a:spLocks noGrp="1"/>
           </p:cNvSpPr>
           <p:nvPr>
             <p:ph type="body" idx="1"/>
@@ -6870,71 +6633,36 @@
         </p:nvSpPr>
         <p:spPr/>
         <p:txBody>
+          <a:bodyPr>
+            <a:normAutofit/>
+          </a:bodyPr>
+          <a:lstStyle/>
+          <a:p>
+            <a:endParaRPr lang="de-DE" dirty="0"/>
+          </a:p>
+        </p:txBody>
+      </p:sp>
+      <p:sp>
+        <p:nvSpPr>
+          <p:cNvPr id="4" name="Foliennummernplatzhalter 3"/>
+          <p:cNvSpPr>
+            <a:spLocks noGrp="1"/>
+          </p:cNvSpPr>
+          <p:nvPr>
+            <p:ph type="sldNum" sz="quarter" idx="10"/>
+          </p:nvPr>
+        </p:nvSpPr>
+        <p:spPr/>
+        <p:txBody>
           <a:bodyPr/>
           <a:lstStyle/>
           <a:p>
-            <a:r>
-              <a:rPr lang="de-DE" dirty="0" smtClean="0"/>
-              <a:t>3-SchichtenModel</a:t>
-            </a:r>
-          </a:p>
-          <a:p>
-            <a:endParaRPr lang="de-DE" dirty="0" smtClean="0"/>
-          </a:p>
-          <a:p>
-            <a:r>
-              <a:rPr lang="de-DE" dirty="0" smtClean="0"/>
-              <a:t>Frontend: GUI – Übernimmt</a:t>
-            </a:r>
-            <a:r>
-              <a:rPr lang="de-DE" baseline="0" dirty="0" smtClean="0"/>
-              <a:t> anzeige der verschiedenen </a:t>
-            </a:r>
-            <a:r>
-              <a:rPr lang="de-DE" baseline="0" dirty="0" err="1" smtClean="0"/>
-              <a:t>Seitenfür</a:t>
-            </a:r>
-            <a:r>
-              <a:rPr lang="de-DE" baseline="0" dirty="0" smtClean="0"/>
-              <a:t> In- und Output (z.B. Bestätigungsseite, Erstellung von Produkten,…)</a:t>
-            </a:r>
-          </a:p>
-          <a:p>
-            <a:r>
-              <a:rPr lang="de-DE" dirty="0" smtClean="0"/>
-              <a:t>Backend: Logik</a:t>
-            </a:r>
-            <a:r>
-              <a:rPr lang="de-DE" baseline="0" dirty="0" smtClean="0"/>
-              <a:t> – funktionaler Ablauf des Programmes, besteht aus den Komponenten Angebot, Rechnung, Produkt, Nutzer, Kunde, Anschrift,.. </a:t>
-            </a:r>
-          </a:p>
-          <a:p>
-            <a:r>
-              <a:rPr lang="de-DE" baseline="0" dirty="0" smtClean="0"/>
-              <a:t>Backend: DB – </a:t>
-            </a:r>
-            <a:r>
-              <a:rPr lang="de-DE" baseline="0" dirty="0" err="1" smtClean="0"/>
-              <a:t>speicher</a:t>
-            </a:r>
-            <a:r>
-              <a:rPr lang="de-DE" baseline="0" dirty="0" smtClean="0"/>
-              <a:t> </a:t>
-            </a:r>
-            <a:r>
-              <a:rPr lang="de-DE" baseline="0" dirty="0" err="1" smtClean="0"/>
-              <a:t>verwaltung</a:t>
-            </a:r>
-            <a:r>
-              <a:rPr lang="de-DE" baseline="0" dirty="0" smtClean="0"/>
-              <a:t> wo sich alle </a:t>
-            </a:r>
-            <a:r>
-              <a:rPr lang="de-DE" baseline="0" smtClean="0"/>
-              <a:t>Daten befindet</a:t>
-            </a:r>
-            <a:endParaRPr lang="de-DE" dirty="0"/>
+            <a:fld id="{A8D0068F-0A1E-4566-8068-BF0F15B844D2}" type="slidenum">
+              <a:rPr lang="de-DE" smtClean="0"/>
+              <a:pPr/>
+              <a:t>9</a:t>
+            </a:fld>
+            <a:endParaRPr lang="de-DE"/>
           </a:p>
         </p:txBody>
       </p:sp>
@@ -9836,313 +9564,125 @@
           <a:chExt cx="0" cy="0"/>
         </a:xfrm>
       </p:grpSpPr>
+      <p:graphicFrame>
+        <p:nvGraphicFramePr>
+          <p:cNvPr id="3" name="Inhaltsplatzhalter 2"/>
+          <p:cNvGraphicFramePr>
+            <a:graphicFrameLocks noGrp="1"/>
+          </p:cNvGraphicFramePr>
+          <p:nvPr>
+            <p:ph idx="1"/>
+            <p:extLst>
+              <p:ext uri="{D42A27DB-BD31-4B8C-83A1-F6EECF244321}">
+                <p14:modId xmlns="" xmlns:p14="http://schemas.microsoft.com/office/powerpoint/2010/main" val="2122085790"/>
+              </p:ext>
+            </p:extLst>
+          </p:nvPr>
+        </p:nvGraphicFramePr>
+        <p:xfrm>
+          <a:off x="216346" y="980429"/>
+          <a:ext cx="8820150" cy="5545137"/>
+        </p:xfrm>
+        <a:graphic>
+          <a:graphicData uri="http://schemas.openxmlformats.org/drawingml/2006/diagram">
+            <dgm:relIds xmlns:dgm="http://schemas.openxmlformats.org/drawingml/2006/diagram" xmlns:r="http://schemas.openxmlformats.org/officeDocument/2006/relationships" r:dm="rId3" r:lo="rId4" r:qs="rId5" r:cs="rId6"/>
+          </a:graphicData>
+        </a:graphic>
+      </p:graphicFrame>
       <p:sp>
         <p:nvSpPr>
-          <p:cNvPr id="4" name="Rectangle 2"/>
-          <p:cNvSpPr txBox="1">
-            <a:spLocks noChangeArrowheads="1"/>
+          <p:cNvPr id="8770562" name="Rectangle 2"/>
+          <p:cNvSpPr>
+            <a:spLocks noGrp="1" noChangeArrowheads="1"/>
           </p:cNvSpPr>
-          <p:nvPr/>
+          <p:nvPr>
+            <p:ph type="title"/>
+          </p:nvPr>
         </p:nvSpPr>
         <p:spPr>
           <a:xfrm>
-            <a:off x="323626" y="357188"/>
+            <a:off x="198681" y="321146"/>
             <a:ext cx="6624638" cy="503237"/>
           </a:xfrm>
-          <a:prstGeom prst="rect">
-            <a:avLst/>
-          </a:prstGeom>
         </p:spPr>
         <p:txBody>
           <a:bodyPr/>
           <a:lstStyle/>
           <a:p>
-            <a:pPr marL="457200" lvl="0" indent="-457200" algn="l"/>
-            <a:r>
-              <a:rPr lang="de-DE" sz="3200" dirty="0" smtClean="0">
-                <a:solidFill>
-                  <a:srgbClr val="003B79"/>
-                </a:solidFill>
-                <a:latin typeface="+mj-lt"/>
-                <a:ea typeface="+mj-ea"/>
-                <a:cs typeface="+mj-cs"/>
-              </a:rPr>
-              <a:t>7. Datenmodell (UML-Übersicht)</a:t>
-            </a:r>
-          </a:p>
-          <a:p>
-            <a:pPr marL="457200" lvl="0" indent="-457200" algn="l"/>
-            <a:endParaRPr lang="de-DE" sz="3200" dirty="0" smtClean="0">
-              <a:solidFill>
-                <a:srgbClr val="003B79"/>
-              </a:solidFill>
-              <a:latin typeface="+mj-lt"/>
-              <a:ea typeface="+mj-ea"/>
-              <a:cs typeface="+mj-cs"/>
-            </a:endParaRPr>
+            <a:r>
+              <a:rPr lang="de-DE" sz="3200" dirty="0" smtClean="0"/>
+              <a:t>7. Produktarchitektur</a:t>
+            </a:r>
+            <a:endParaRPr lang="de-DE" sz="3200" dirty="0"/>
           </a:p>
         </p:txBody>
       </p:sp>
       <p:sp>
         <p:nvSpPr>
-          <p:cNvPr id="5" name="Rectangle 4"/>
-          <p:cNvSpPr txBox="1">
-            <a:spLocks noChangeArrowheads="1"/>
-          </p:cNvSpPr>
+          <p:cNvPr id="4" name="Rechteck 3"/>
+          <p:cNvSpPr/>
           <p:nvPr/>
         </p:nvSpPr>
-        <p:spPr>
-          <a:xfrm>
-            <a:off x="323850" y="1052736"/>
-            <a:ext cx="8568630" cy="5545137"/>
-          </a:xfrm>
-          <a:prstGeom prst="rect">
-            <a:avLst/>
-          </a:prstGeom>
-        </p:spPr>
-        <p:txBody>
-          <a:bodyPr/>
-          <a:lstStyle/>
-          <a:p>
-            <a:pPr marL="742950" marR="0" lvl="1" indent="-285750" algn="l" defTabSz="914400" rtl="0" eaLnBrk="1" fontAlgn="base" latinLnBrk="0" hangingPunct="1">
-              <a:lnSpc>
-                <a:spcPct val="100000"/>
-              </a:lnSpc>
-              <a:spcBef>
-                <a:spcPct val="20000"/>
-              </a:spcBef>
-              <a:spcAft>
-                <a:spcPct val="20000"/>
-              </a:spcAft>
-              <a:buClrTx/>
-              <a:buSzTx/>
-              <a:tabLst/>
-              <a:defRPr/>
-            </a:pPr>
-            <a:endParaRPr lang="de-DE" sz="2400" b="0" kern="0" dirty="0" smtClean="0">
-              <a:solidFill>
-                <a:srgbClr val="003B79"/>
-              </a:solidFill>
-              <a:latin typeface="+mn-lt"/>
-            </a:endParaRPr>
-          </a:p>
-          <a:p>
-            <a:pPr marL="742950" lvl="1" indent="-285750" algn="l">
-              <a:spcBef>
-                <a:spcPct val="20000"/>
-              </a:spcBef>
-              <a:spcAft>
-                <a:spcPct val="20000"/>
-              </a:spcAft>
-            </a:pPr>
-            <a:endParaRPr lang="de-DE" sz="2400" b="0" kern="0" dirty="0">
-              <a:solidFill>
-                <a:srgbClr val="003B79"/>
-              </a:solidFill>
-              <a:latin typeface="+mn-lt"/>
-            </a:endParaRPr>
-          </a:p>
-          <a:p>
-            <a:pPr marL="742950" marR="0" lvl="1" indent="-285750" algn="l" defTabSz="914400" rtl="0" eaLnBrk="1" fontAlgn="base" latinLnBrk="0" hangingPunct="1">
-              <a:lnSpc>
-                <a:spcPct val="100000"/>
-              </a:lnSpc>
-              <a:spcBef>
-                <a:spcPct val="20000"/>
-              </a:spcBef>
-              <a:spcAft>
-                <a:spcPct val="20000"/>
-              </a:spcAft>
-              <a:buClrTx/>
-              <a:buSzTx/>
-              <a:tabLst/>
-              <a:defRPr/>
-            </a:pPr>
-            <a:endParaRPr lang="de-DE" sz="2400" b="0" kern="0" dirty="0">
-              <a:solidFill>
-                <a:srgbClr val="003B79"/>
-              </a:solidFill>
-              <a:latin typeface="+mn-lt"/>
-            </a:endParaRPr>
-          </a:p>
-          <a:p>
-            <a:pPr marL="742950" marR="0" lvl="1" indent="-285750" algn="l" defTabSz="914400" rtl="0" eaLnBrk="1" fontAlgn="base" latinLnBrk="0" hangingPunct="1">
-              <a:lnSpc>
-                <a:spcPct val="100000"/>
-              </a:lnSpc>
-              <a:spcBef>
-                <a:spcPct val="20000"/>
-              </a:spcBef>
-              <a:spcAft>
-                <a:spcPct val="20000"/>
-              </a:spcAft>
-              <a:buClrTx/>
-              <a:buSzTx/>
-              <a:tabLst/>
-              <a:defRPr/>
-            </a:pPr>
-            <a:endParaRPr lang="de-DE" sz="2400" b="0" kern="0" dirty="0" smtClean="0">
-              <a:solidFill>
-                <a:srgbClr val="003B79"/>
-              </a:solidFill>
-              <a:latin typeface="+mn-lt"/>
-            </a:endParaRPr>
-          </a:p>
-          <a:p>
-            <a:pPr marL="742950" marR="0" lvl="1" indent="-285750" algn="l" defTabSz="914400" rtl="0" eaLnBrk="1" fontAlgn="base" latinLnBrk="0" hangingPunct="1">
-              <a:lnSpc>
-                <a:spcPct val="100000"/>
-              </a:lnSpc>
-              <a:spcBef>
-                <a:spcPct val="20000"/>
-              </a:spcBef>
-              <a:spcAft>
-                <a:spcPct val="20000"/>
-              </a:spcAft>
-              <a:buClrTx/>
-              <a:buSzTx/>
-              <a:tabLst/>
-              <a:defRPr/>
-            </a:pPr>
-            <a:endParaRPr lang="de-DE" sz="2400" b="0" kern="0" dirty="0">
-              <a:solidFill>
-                <a:srgbClr val="003B79"/>
-              </a:solidFill>
-              <a:latin typeface="+mn-lt"/>
-            </a:endParaRPr>
-          </a:p>
-          <a:p>
-            <a:pPr marL="742950" marR="0" lvl="1" indent="-285750" algn="l" defTabSz="914400" rtl="0" eaLnBrk="1" fontAlgn="base" latinLnBrk="0" hangingPunct="1">
-              <a:lnSpc>
-                <a:spcPct val="100000"/>
-              </a:lnSpc>
-              <a:spcBef>
-                <a:spcPct val="20000"/>
-              </a:spcBef>
-              <a:spcAft>
-                <a:spcPct val="20000"/>
-              </a:spcAft>
-              <a:buClrTx/>
-              <a:buSzTx/>
-              <a:tabLst/>
-              <a:defRPr/>
-            </a:pPr>
-            <a:endParaRPr kumimoji="0" lang="de-DE" sz="2400" b="0" i="0" u="none" strike="noStrike" kern="0" cap="none" spc="0" normalizeH="0" baseline="0" noProof="0" dirty="0" smtClean="0">
-              <a:ln>
-                <a:noFill/>
-              </a:ln>
-              <a:solidFill>
-                <a:srgbClr val="003B79"/>
-              </a:solidFill>
-              <a:effectLst/>
-              <a:uLnTx/>
-              <a:uFillTx/>
-              <a:latin typeface="+mn-lt"/>
-            </a:endParaRPr>
-          </a:p>
-        </p:txBody>
-      </p:sp>
-      <p:sp>
-        <p:nvSpPr>
-          <p:cNvPr id="9" name="Rectangle 4"/>
-          <p:cNvSpPr txBox="1">
-            <a:spLocks noChangeArrowheads="1"/>
-          </p:cNvSpPr>
-          <p:nvPr/>
-        </p:nvSpPr>
-        <p:spPr>
-          <a:xfrm>
-            <a:off x="792410" y="1052736"/>
-            <a:ext cx="8820150" cy="5545137"/>
-          </a:xfrm>
-          <a:prstGeom prst="rect">
-            <a:avLst/>
-          </a:prstGeom>
-        </p:spPr>
-        <p:txBody>
-          <a:bodyPr/>
-          <a:lstStyle/>
-          <a:p>
-            <a:pPr marL="457200" marR="0" lvl="0" indent="-457200" algn="l" defTabSz="914400" rtl="0" eaLnBrk="1" fontAlgn="base" latinLnBrk="0" hangingPunct="1">
-              <a:lnSpc>
-                <a:spcPct val="100000"/>
-              </a:lnSpc>
-              <a:spcBef>
-                <a:spcPct val="20000"/>
-              </a:spcBef>
-              <a:spcAft>
-                <a:spcPct val="20000"/>
-              </a:spcAft>
-              <a:buClrTx/>
-              <a:buSzTx/>
-              <a:tabLst/>
-              <a:defRPr/>
-            </a:pPr>
-            <a:r>
-              <a:rPr kumimoji="0" lang="de-DE" sz="2400" b="0" i="0" u="none" strike="noStrike" kern="0" cap="none" spc="0" normalizeH="0" baseline="0" noProof="0" dirty="0" smtClean="0">
-                <a:ln>
-                  <a:noFill/>
-                </a:ln>
-                <a:solidFill>
-                  <a:srgbClr val="003B79"/>
-                </a:solidFill>
-                <a:effectLst/>
-                <a:uLnTx/>
-                <a:uFillTx/>
-                <a:latin typeface="+mn-lt"/>
-                <a:ea typeface="+mn-ea"/>
-                <a:cs typeface="+mn-cs"/>
-              </a:rPr>
-              <a:t>			</a:t>
-            </a:r>
-          </a:p>
-        </p:txBody>
-      </p:sp>
-      <p:pic>
-        <p:nvPicPr>
-          <p:cNvPr id="2050" name="Picture 2" descr="E:\PRG4\Grafiken\Overall.PNG"/>
-          <p:cNvPicPr>
-            <a:picLocks noChangeAspect="1" noChangeArrowheads="1"/>
-          </p:cNvPicPr>
-          <p:nvPr/>
-        </p:nvPicPr>
-        <p:blipFill>
-          <a:blip r:embed="rId3" cstate="print">
-            <a:extLst>
-              <a:ext uri="{28A0092B-C50C-407E-A947-70E740481C1C}">
-                <a14:useLocalDpi xmlns:a14="http://schemas.microsoft.com/office/drawing/2010/main" xmlns="" val="0"/>
-              </a:ext>
-            </a:extLst>
-          </a:blip>
-          <a:srcRect/>
-          <a:stretch>
-            <a:fillRect/>
-          </a:stretch>
-        </p:blipFill>
         <p:spPr bwMode="auto">
           <a:xfrm>
-            <a:off x="299008" y="1268760"/>
-            <a:ext cx="7905191" cy="5068540"/>
+            <a:off x="455855" y="3176934"/>
+            <a:ext cx="2520280" cy="1152128"/>
           </a:xfrm>
           <a:prstGeom prst="rect">
             <a:avLst/>
           </a:prstGeom>
           <a:noFill/>
-          <a:extLst>
-            <a:ext uri="{909E8E84-426E-40DD-AFC4-6F175D3DCCD1}">
-              <a14:hiddenFill xmlns:a14="http://schemas.microsoft.com/office/drawing/2010/main" xmlns="">
-                <a:solidFill>
-                  <a:srgbClr val="FFFFFF"/>
-                </a:solidFill>
-              </a14:hiddenFill>
-            </a:ext>
-          </a:extLst>
+          <a:ln w="9525" cap="flat" cmpd="sng" algn="ctr">
+            <a:noFill/>
+            <a:prstDash val="solid"/>
+            <a:round/>
+            <a:headEnd type="none" w="med" len="med"/>
+            <a:tailEnd type="none" w="med" len="med"/>
+          </a:ln>
+          <a:effectLst/>
         </p:spPr>
-      </p:pic>
+        <p:txBody>
+          <a:bodyPr vert="horz" wrap="square" lIns="91440" tIns="45720" rIns="91440" bIns="45720" numCol="1" rtlCol="0" anchor="t" anchorCtr="0" compatLnSpc="1">
+            <a:prstTxWarp prst="textNoShape">
+              <a:avLst/>
+            </a:prstTxWarp>
+            <a:spAutoFit/>
+          </a:bodyPr>
+          <a:lstStyle/>
+          <a:p>
+            <a:pPr marL="0" marR="0" indent="0" algn="ctr" defTabSz="914400" rtl="0" eaLnBrk="1" fontAlgn="base" latinLnBrk="0" hangingPunct="1">
+              <a:lnSpc>
+                <a:spcPct val="100000"/>
+              </a:lnSpc>
+              <a:spcBef>
+                <a:spcPct val="0"/>
+              </a:spcBef>
+              <a:spcAft>
+                <a:spcPct val="0"/>
+              </a:spcAft>
+              <a:buClrTx/>
+              <a:buSzTx/>
+              <a:buFontTx/>
+              <a:buNone/>
+              <a:tabLst/>
+            </a:pPr>
+            <a:endParaRPr kumimoji="0" lang="de-DE" sz="1800" b="1" i="0" u="none" strike="noStrike" cap="none" normalizeH="0" baseline="0" smtClean="0">
+              <a:ln>
+                <a:noFill/>
+              </a:ln>
+              <a:solidFill>
+                <a:srgbClr val="FFCC66"/>
+              </a:solidFill>
+              <a:effectLst/>
+              <a:latin typeface="Arial" charset="0"/>
+            </a:endParaRPr>
+          </a:p>
+        </p:txBody>
+      </p:sp>
     </p:spTree>
     <p:extLst>
       <p:ext uri="{BB962C8B-B14F-4D97-AF65-F5344CB8AC3E}">
-        <p14:creationId xmlns:p14="http://schemas.microsoft.com/office/powerpoint/2010/main" xmlns="" val="3539249763"/>
+        <p14:creationId xmlns="" xmlns:p14="http://schemas.microsoft.com/office/powerpoint/2010/main" val="3973953230"/>
       </p:ext>
     </p:extLst>
   </p:cSld>
@@ -10207,7 +9747,7 @@
                 <a:ea typeface="+mj-ea"/>
                 <a:cs typeface="+mj-cs"/>
               </a:rPr>
-              <a:t>7. Datenmodell (UML-Model)</a:t>
+              <a:t>8. Datenmodell (UML-Übersicht)</a:t>
             </a:r>
           </a:p>
           <a:p>
@@ -10440,7 +9980,7 @@
       </p:sp>
       <p:pic>
         <p:nvPicPr>
-          <p:cNvPr id="3074" name="Picture 2" descr="E:\PRG4\Grafiken\Model_Database.PNG"/>
+          <p:cNvPr id="2050" name="Picture 2" descr="E:\PRG4\Grafiken\Overall.PNG"/>
           <p:cNvPicPr>
             <a:picLocks noChangeAspect="1" noChangeArrowheads="1"/>
           </p:cNvPicPr>
@@ -10450,7 +9990,7 @@
           <a:blip r:embed="rId3" cstate="print">
             <a:extLst>
               <a:ext uri="{28A0092B-C50C-407E-A947-70E740481C1C}">
-                <a14:useLocalDpi xmlns:a14="http://schemas.microsoft.com/office/drawing/2010/main" xmlns="" val="0"/>
+                <a14:useLocalDpi xmlns="" xmlns:a14="http://schemas.microsoft.com/office/drawing/2010/main" val="0"/>
               </a:ext>
             </a:extLst>
           </a:blip>
@@ -10461,8 +10001,8 @@
         </p:blipFill>
         <p:spPr bwMode="auto">
           <a:xfrm>
-            <a:off x="1259632" y="1232202"/>
-            <a:ext cx="5688632" cy="5186204"/>
+            <a:off x="299008" y="1268760"/>
+            <a:ext cx="7905191" cy="5068540"/>
           </a:xfrm>
           <a:prstGeom prst="rect">
             <a:avLst/>
@@ -10470,7 +10010,7 @@
           <a:noFill/>
           <a:extLst>
             <a:ext uri="{909E8E84-426E-40DD-AFC4-6F175D3DCCD1}">
-              <a14:hiddenFill xmlns:a14="http://schemas.microsoft.com/office/drawing/2010/main" xmlns="">
+              <a14:hiddenFill xmlns="" xmlns:a14="http://schemas.microsoft.com/office/drawing/2010/main">
                 <a:solidFill>
                   <a:srgbClr val="FFFFFF"/>
                 </a:solidFill>
@@ -10482,7 +10022,7 @@
     </p:spTree>
     <p:extLst>
       <p:ext uri="{BB962C8B-B14F-4D97-AF65-F5344CB8AC3E}">
-        <p14:creationId xmlns:p14="http://schemas.microsoft.com/office/powerpoint/2010/main" xmlns="" val="2028648019"/>
+        <p14:creationId xmlns="" xmlns:p14="http://schemas.microsoft.com/office/powerpoint/2010/main" val="3539249763"/>
       </p:ext>
     </p:extLst>
   </p:cSld>
@@ -10547,7 +10087,7 @@
                 <a:ea typeface="+mj-ea"/>
                 <a:cs typeface="+mj-cs"/>
               </a:rPr>
-              <a:t>7. Datenmodell (UML-Model)</a:t>
+              <a:t>8. Datenmodell (UML-Model)</a:t>
             </a:r>
           </a:p>
           <a:p>
@@ -10780,7 +10320,7 @@
       </p:sp>
       <p:pic>
         <p:nvPicPr>
-          <p:cNvPr id="4098" name="Picture 2" descr="E:\PRG4\Grafiken\IO_Database.PNG"/>
+          <p:cNvPr id="3074" name="Picture 2" descr="E:\PRG4\Grafiken\Model_Database.PNG"/>
           <p:cNvPicPr>
             <a:picLocks noChangeAspect="1" noChangeArrowheads="1"/>
           </p:cNvPicPr>
@@ -10790,7 +10330,7 @@
           <a:blip r:embed="rId3" cstate="print">
             <a:extLst>
               <a:ext uri="{28A0092B-C50C-407E-A947-70E740481C1C}">
-                <a14:useLocalDpi xmlns:a14="http://schemas.microsoft.com/office/drawing/2010/main" xmlns="" val="0"/>
+                <a14:useLocalDpi xmlns="" xmlns:a14="http://schemas.microsoft.com/office/drawing/2010/main" val="0"/>
               </a:ext>
             </a:extLst>
           </a:blip>
@@ -10801,8 +10341,8 @@
         </p:blipFill>
         <p:spPr bwMode="auto">
           <a:xfrm>
-            <a:off x="715949" y="1988840"/>
-            <a:ext cx="7822897" cy="3024336"/>
+            <a:off x="1259632" y="1232202"/>
+            <a:ext cx="5688632" cy="5186204"/>
           </a:xfrm>
           <a:prstGeom prst="rect">
             <a:avLst/>
@@ -10810,7 +10350,7 @@
           <a:noFill/>
           <a:extLst>
             <a:ext uri="{909E8E84-426E-40DD-AFC4-6F175D3DCCD1}">
-              <a14:hiddenFill xmlns:a14="http://schemas.microsoft.com/office/drawing/2010/main" xmlns="">
+              <a14:hiddenFill xmlns="" xmlns:a14="http://schemas.microsoft.com/office/drawing/2010/main">
                 <a:solidFill>
                   <a:srgbClr val="FFFFFF"/>
                 </a:solidFill>
@@ -10822,7 +10362,7 @@
     </p:spTree>
     <p:extLst>
       <p:ext uri="{BB962C8B-B14F-4D97-AF65-F5344CB8AC3E}">
-        <p14:creationId xmlns:p14="http://schemas.microsoft.com/office/powerpoint/2010/main" xmlns="" val="2028648019"/>
+        <p14:creationId xmlns="" xmlns:p14="http://schemas.microsoft.com/office/powerpoint/2010/main" val="2028648019"/>
       </p:ext>
     </p:extLst>
   </p:cSld>
@@ -10887,7 +10427,7 @@
                 <a:ea typeface="+mj-ea"/>
                 <a:cs typeface="+mj-cs"/>
               </a:rPr>
-              <a:t>7. Datenmodell (UML-Controller)</a:t>
+              <a:t>8. Datenmodell (UML-Model)</a:t>
             </a:r>
           </a:p>
           <a:p>
@@ -11120,7 +10660,7 @@
       </p:sp>
       <p:pic>
         <p:nvPicPr>
-          <p:cNvPr id="5122" name="Picture 2" descr="E:\PRG4\Grafiken\Controler_State.PNG"/>
+          <p:cNvPr id="4098" name="Picture 2" descr="E:\PRG4\Grafiken\IO_Database.PNG"/>
           <p:cNvPicPr>
             <a:picLocks noChangeAspect="1" noChangeArrowheads="1"/>
           </p:cNvPicPr>
@@ -11130,7 +10670,7 @@
           <a:blip r:embed="rId3" cstate="print">
             <a:extLst>
               <a:ext uri="{28A0092B-C50C-407E-A947-70E740481C1C}">
-                <a14:useLocalDpi xmlns:a14="http://schemas.microsoft.com/office/drawing/2010/main" xmlns="" val="0"/>
+                <a14:useLocalDpi xmlns="" xmlns:a14="http://schemas.microsoft.com/office/drawing/2010/main" val="0"/>
               </a:ext>
             </a:extLst>
           </a:blip>
@@ -11141,8 +10681,8 @@
         </p:blipFill>
         <p:spPr bwMode="auto">
           <a:xfrm>
-            <a:off x="1673024" y="1339908"/>
-            <a:ext cx="5870281" cy="4970791"/>
+            <a:off x="715949" y="1988840"/>
+            <a:ext cx="7822897" cy="3024336"/>
           </a:xfrm>
           <a:prstGeom prst="rect">
             <a:avLst/>
@@ -11150,7 +10690,7 @@
           <a:noFill/>
           <a:extLst>
             <a:ext uri="{909E8E84-426E-40DD-AFC4-6F175D3DCCD1}">
-              <a14:hiddenFill xmlns:a14="http://schemas.microsoft.com/office/drawing/2010/main" xmlns="">
+              <a14:hiddenFill xmlns="" xmlns:a14="http://schemas.microsoft.com/office/drawing/2010/main">
                 <a:solidFill>
                   <a:srgbClr val="FFFFFF"/>
                 </a:solidFill>
@@ -11162,7 +10702,7 @@
     </p:spTree>
     <p:extLst>
       <p:ext uri="{BB962C8B-B14F-4D97-AF65-F5344CB8AC3E}">
-        <p14:creationId xmlns:p14="http://schemas.microsoft.com/office/powerpoint/2010/main" xmlns="" val="2028648019"/>
+        <p14:creationId xmlns="" xmlns:p14="http://schemas.microsoft.com/office/powerpoint/2010/main" val="2028648019"/>
       </p:ext>
     </p:extLst>
   </p:cSld>
@@ -11227,7 +10767,7 @@
                 <a:ea typeface="+mj-ea"/>
                 <a:cs typeface="+mj-cs"/>
               </a:rPr>
-              <a:t>7. Datenmodell (UML-View)</a:t>
+              <a:t>8. Datenmodell (UML-Controller)</a:t>
             </a:r>
           </a:p>
           <a:p>
@@ -11460,7 +11000,7 @@
       </p:sp>
       <p:pic>
         <p:nvPicPr>
-          <p:cNvPr id="6146" name="Picture 2" descr="E:\PRG4\Grafiken\View_Observers.PNG"/>
+          <p:cNvPr id="5122" name="Picture 2" descr="E:\PRG4\Grafiken\Controler_State.PNG"/>
           <p:cNvPicPr>
             <a:picLocks noChangeAspect="1" noChangeArrowheads="1"/>
           </p:cNvPicPr>
@@ -11470,7 +11010,7 @@
           <a:blip r:embed="rId3" cstate="print">
             <a:extLst>
               <a:ext uri="{28A0092B-C50C-407E-A947-70E740481C1C}">
-                <a14:useLocalDpi xmlns:a14="http://schemas.microsoft.com/office/drawing/2010/main" xmlns="" val="0"/>
+                <a14:useLocalDpi xmlns="" xmlns:a14="http://schemas.microsoft.com/office/drawing/2010/main" val="0"/>
               </a:ext>
             </a:extLst>
           </a:blip>
@@ -11481,8 +11021,8 @@
         </p:blipFill>
         <p:spPr bwMode="auto">
           <a:xfrm>
-            <a:off x="654050" y="1741488"/>
-            <a:ext cx="7702550" cy="4235450"/>
+            <a:off x="1673024" y="1339908"/>
+            <a:ext cx="5870281" cy="4970791"/>
           </a:xfrm>
           <a:prstGeom prst="rect">
             <a:avLst/>
@@ -11490,7 +11030,7 @@
           <a:noFill/>
           <a:extLst>
             <a:ext uri="{909E8E84-426E-40DD-AFC4-6F175D3DCCD1}">
-              <a14:hiddenFill xmlns:a14="http://schemas.microsoft.com/office/drawing/2010/main" xmlns="">
+              <a14:hiddenFill xmlns="" xmlns:a14="http://schemas.microsoft.com/office/drawing/2010/main">
                 <a:solidFill>
                   <a:srgbClr val="FFFFFF"/>
                 </a:solidFill>
@@ -11502,7 +11042,7 @@
     </p:spTree>
     <p:extLst>
       <p:ext uri="{BB962C8B-B14F-4D97-AF65-F5344CB8AC3E}">
-        <p14:creationId xmlns:p14="http://schemas.microsoft.com/office/powerpoint/2010/main" xmlns="" val="2223991465"/>
+        <p14:creationId xmlns="" xmlns:p14="http://schemas.microsoft.com/office/powerpoint/2010/main" val="2028648019"/>
       </p:ext>
     </p:extLst>
   </p:cSld>
@@ -11520,184 +11060,6 @@
 </file>
 
 <file path=ppt/slides/slide15.xml><?xml version="1.0" encoding="utf-8"?>
-<p:sld xmlns:a="http://schemas.openxmlformats.org/drawingml/2006/main" xmlns:r="http://schemas.openxmlformats.org/officeDocument/2006/relationships" xmlns:p="http://schemas.openxmlformats.org/presentationml/2006/main">
-  <p:cSld>
-    <p:spTree>
-      <p:nvGrpSpPr>
-        <p:cNvPr id="1" name=""/>
-        <p:cNvGrpSpPr/>
-        <p:nvPr/>
-      </p:nvGrpSpPr>
-      <p:grpSpPr>
-        <a:xfrm>
-          <a:off x="0" y="0"/>
-          <a:ext cx="0" cy="0"/>
-          <a:chOff x="0" y="0"/>
-          <a:chExt cx="0" cy="0"/>
-        </a:xfrm>
-      </p:grpSpPr>
-      <p:graphicFrame>
-        <p:nvGraphicFramePr>
-          <p:cNvPr id="3" name="Inhaltsplatzhalter 2"/>
-          <p:cNvGraphicFramePr>
-            <a:graphicFrameLocks noGrp="1"/>
-          </p:cNvGraphicFramePr>
-          <p:nvPr>
-            <p:ph idx="1"/>
-            <p:extLst>
-              <p:ext uri="{D42A27DB-BD31-4B8C-83A1-F6EECF244321}">
-                <p14:modId xmlns:p14="http://schemas.microsoft.com/office/powerpoint/2010/main" xmlns="" val="2122085790"/>
-              </p:ext>
-            </p:extLst>
-          </p:nvPr>
-        </p:nvGraphicFramePr>
-        <p:xfrm>
-          <a:off x="216346" y="980728"/>
-          <a:ext cx="8820150" cy="5545137"/>
-        </p:xfrm>
-        <a:graphic>
-          <a:graphicData uri="http://schemas.openxmlformats.org/drawingml/2006/diagram">
-            <dgm:relIds xmlns:dgm="http://schemas.openxmlformats.org/drawingml/2006/diagram" xmlns:r="http://schemas.openxmlformats.org/officeDocument/2006/relationships" r:dm="rId3" r:lo="rId4" r:qs="rId5" r:cs="rId6"/>
-          </a:graphicData>
-        </a:graphic>
-      </p:graphicFrame>
-      <p:sp>
-        <p:nvSpPr>
-          <p:cNvPr id="8770562" name="Rectangle 2"/>
-          <p:cNvSpPr>
-            <a:spLocks noGrp="1" noChangeArrowheads="1"/>
-          </p:cNvSpPr>
-          <p:nvPr>
-            <p:ph type="title"/>
-          </p:nvPr>
-        </p:nvSpPr>
-        <p:spPr>
-          <a:xfrm>
-            <a:off x="198681" y="321146"/>
-            <a:ext cx="6624638" cy="503237"/>
-          </a:xfrm>
-        </p:spPr>
-        <p:txBody>
-          <a:bodyPr/>
-          <a:lstStyle/>
-          <a:p>
-            <a:r>
-              <a:rPr lang="de-DE" sz="3200" dirty="0" smtClean="0"/>
-              <a:t>7. Datenmodell (DB-Schema)</a:t>
-            </a:r>
-            <a:endParaRPr lang="de-DE" sz="3200" dirty="0"/>
-          </a:p>
-        </p:txBody>
-      </p:sp>
-      <p:sp>
-        <p:nvSpPr>
-          <p:cNvPr id="4" name="Rechteck 3"/>
-          <p:cNvSpPr/>
-          <p:nvPr/>
-        </p:nvSpPr>
-        <p:spPr bwMode="auto">
-          <a:xfrm>
-            <a:off x="455855" y="3176934"/>
-            <a:ext cx="2520280" cy="1152128"/>
-          </a:xfrm>
-          <a:prstGeom prst="rect">
-            <a:avLst/>
-          </a:prstGeom>
-          <a:noFill/>
-          <a:ln w="9525" cap="flat" cmpd="sng" algn="ctr">
-            <a:noFill/>
-            <a:prstDash val="solid"/>
-            <a:round/>
-            <a:headEnd type="none" w="med" len="med"/>
-            <a:tailEnd type="none" w="med" len="med"/>
-          </a:ln>
-          <a:effectLst/>
-        </p:spPr>
-        <p:txBody>
-          <a:bodyPr vert="horz" wrap="square" lIns="91440" tIns="45720" rIns="91440" bIns="45720" numCol="1" rtlCol="0" anchor="t" anchorCtr="0" compatLnSpc="1">
-            <a:prstTxWarp prst="textNoShape">
-              <a:avLst/>
-            </a:prstTxWarp>
-            <a:spAutoFit/>
-          </a:bodyPr>
-          <a:lstStyle/>
-          <a:p>
-            <a:pPr marL="0" marR="0" indent="0" algn="ctr" defTabSz="914400" rtl="0" eaLnBrk="1" fontAlgn="base" latinLnBrk="0" hangingPunct="1">
-              <a:lnSpc>
-                <a:spcPct val="100000"/>
-              </a:lnSpc>
-              <a:spcBef>
-                <a:spcPct val="0"/>
-              </a:spcBef>
-              <a:spcAft>
-                <a:spcPct val="0"/>
-              </a:spcAft>
-              <a:buClrTx/>
-              <a:buSzTx/>
-              <a:buFontTx/>
-              <a:buNone/>
-              <a:tabLst/>
-            </a:pPr>
-            <a:endParaRPr kumimoji="0" lang="de-DE" sz="1800" b="1" i="0" u="none" strike="noStrike" cap="none" normalizeH="0" baseline="0" smtClean="0">
-              <a:ln>
-                <a:noFill/>
-              </a:ln>
-              <a:solidFill>
-                <a:srgbClr val="FFCC66"/>
-              </a:solidFill>
-              <a:effectLst/>
-              <a:latin typeface="Arial" charset="0"/>
-            </a:endParaRPr>
-          </a:p>
-        </p:txBody>
-      </p:sp>
-      <p:pic>
-        <p:nvPicPr>
-          <p:cNvPr id="6" name="Grafik 5" descr="Datenbankschema.PNG">
-            <a:hlinkClick r:id="rId8" action="ppaction://hlinkfile"/>
-          </p:cNvPr>
-          <p:cNvPicPr>
-            <a:picLocks noChangeAspect="1"/>
-          </p:cNvPicPr>
-          <p:nvPr/>
-        </p:nvPicPr>
-        <p:blipFill>
-          <a:blip r:embed="rId9" cstate="print"/>
-          <a:stretch>
-            <a:fillRect/>
-          </a:stretch>
-        </p:blipFill>
-        <p:spPr>
-          <a:xfrm>
-            <a:off x="1187624" y="1084428"/>
-            <a:ext cx="6696744" cy="5416880"/>
-          </a:xfrm>
-          <a:prstGeom prst="rect">
-            <a:avLst/>
-          </a:prstGeom>
-        </p:spPr>
-      </p:pic>
-    </p:spTree>
-    <p:extLst>
-      <p:ext uri="{BB962C8B-B14F-4D97-AF65-F5344CB8AC3E}">
-        <p14:creationId xmlns:p14="http://schemas.microsoft.com/office/powerpoint/2010/main" xmlns="" val="3973953230"/>
-      </p:ext>
-    </p:extLst>
-  </p:cSld>
-  <p:clrMapOvr>
-    <a:masterClrMapping/>
-  </p:clrMapOvr>
-  <p:timing>
-    <p:tnLst>
-      <p:par>
-        <p:cTn id="1" dur="indefinite" restart="never" nodeType="tmRoot"/>
-      </p:par>
-    </p:tnLst>
-  </p:timing>
-</p:sld>
-</file>
-
-<file path=ppt/slides/slide16.xml><?xml version="1.0" encoding="utf-8"?>
 <p:sld xmlns:a="http://schemas.openxmlformats.org/drawingml/2006/main" xmlns:r="http://schemas.openxmlformats.org/officeDocument/2006/relationships" xmlns:p="http://schemas.openxmlformats.org/presentationml/2006/main">
   <p:cSld>
     <p:spTree>
@@ -11745,8 +11107,19 @@
                 <a:ea typeface="+mj-ea"/>
                 <a:cs typeface="+mj-cs"/>
               </a:rPr>
-              <a:t>8. Arbeitsaufteilung</a:t>
-            </a:r>
+              <a:t>8. Datenmodell (UML-View)</a:t>
+            </a:r>
+          </a:p>
+          <a:p>
+            <a:pPr marL="457200" lvl="0" indent="-457200" algn="l"/>
+            <a:endParaRPr lang="de-DE" sz="3200" dirty="0" smtClean="0">
+              <a:solidFill>
+                <a:srgbClr val="003B79"/>
+              </a:solidFill>
+              <a:latin typeface="+mj-lt"/>
+              <a:ea typeface="+mj-ea"/>
+              <a:cs typeface="+mj-cs"/>
+            </a:endParaRPr>
           </a:p>
         </p:txBody>
       </p:sp>
@@ -11960,274 +11333,236 @@
                 <a:ea typeface="+mn-ea"/>
                 <a:cs typeface="+mn-cs"/>
               </a:rPr>
-              <a:t>Roland:	-Datenbankmodell</a:t>
-            </a:r>
-          </a:p>
-          <a:p>
-            <a:pPr marL="457200" marR="0" lvl="0" indent="-457200" algn="l" defTabSz="914400" rtl="0" eaLnBrk="1" fontAlgn="base" latinLnBrk="0" hangingPunct="1">
+              <a:t>			</a:t>
+            </a:r>
+          </a:p>
+        </p:txBody>
+      </p:sp>
+      <p:pic>
+        <p:nvPicPr>
+          <p:cNvPr id="6146" name="Picture 2" descr="E:\PRG4\Grafiken\View_Observers.PNG"/>
+          <p:cNvPicPr>
+            <a:picLocks noChangeAspect="1" noChangeArrowheads="1"/>
+          </p:cNvPicPr>
+          <p:nvPr/>
+        </p:nvPicPr>
+        <p:blipFill>
+          <a:blip r:embed="rId3" cstate="print">
+            <a:extLst>
+              <a:ext uri="{28A0092B-C50C-407E-A947-70E740481C1C}">
+                <a14:useLocalDpi xmlns="" xmlns:a14="http://schemas.microsoft.com/office/drawing/2010/main" val="0"/>
+              </a:ext>
+            </a:extLst>
+          </a:blip>
+          <a:srcRect/>
+          <a:stretch>
+            <a:fillRect/>
+          </a:stretch>
+        </p:blipFill>
+        <p:spPr bwMode="auto">
+          <a:xfrm>
+            <a:off x="654050" y="1741488"/>
+            <a:ext cx="7702550" cy="4235450"/>
+          </a:xfrm>
+          <a:prstGeom prst="rect">
+            <a:avLst/>
+          </a:prstGeom>
+          <a:noFill/>
+          <a:extLst>
+            <a:ext uri="{909E8E84-426E-40DD-AFC4-6F175D3DCCD1}">
+              <a14:hiddenFill xmlns="" xmlns:a14="http://schemas.microsoft.com/office/drawing/2010/main">
+                <a:solidFill>
+                  <a:srgbClr val="FFFFFF"/>
+                </a:solidFill>
+              </a14:hiddenFill>
+            </a:ext>
+          </a:extLst>
+        </p:spPr>
+      </p:pic>
+    </p:spTree>
+    <p:extLst>
+      <p:ext uri="{BB962C8B-B14F-4D97-AF65-F5344CB8AC3E}">
+        <p14:creationId xmlns="" xmlns:p14="http://schemas.microsoft.com/office/powerpoint/2010/main" val="2223991465"/>
+      </p:ext>
+    </p:extLst>
+  </p:cSld>
+  <p:clrMapOvr>
+    <a:masterClrMapping/>
+  </p:clrMapOvr>
+  <p:timing>
+    <p:tnLst>
+      <p:par>
+        <p:cTn id="1" dur="indefinite" restart="never" nodeType="tmRoot"/>
+      </p:par>
+    </p:tnLst>
+  </p:timing>
+</p:sld>
+</file>
+
+<file path=ppt/slides/slide16.xml><?xml version="1.0" encoding="utf-8"?>
+<p:sld xmlns:a="http://schemas.openxmlformats.org/drawingml/2006/main" xmlns:r="http://schemas.openxmlformats.org/officeDocument/2006/relationships" xmlns:p="http://schemas.openxmlformats.org/presentationml/2006/main">
+  <p:cSld>
+    <p:spTree>
+      <p:nvGrpSpPr>
+        <p:cNvPr id="1" name=""/>
+        <p:cNvGrpSpPr/>
+        <p:nvPr/>
+      </p:nvGrpSpPr>
+      <p:grpSpPr>
+        <a:xfrm>
+          <a:off x="0" y="0"/>
+          <a:ext cx="0" cy="0"/>
+          <a:chOff x="0" y="0"/>
+          <a:chExt cx="0" cy="0"/>
+        </a:xfrm>
+      </p:grpSpPr>
+      <p:graphicFrame>
+        <p:nvGraphicFramePr>
+          <p:cNvPr id="3" name="Inhaltsplatzhalter 2"/>
+          <p:cNvGraphicFramePr>
+            <a:graphicFrameLocks noGrp="1"/>
+          </p:cNvGraphicFramePr>
+          <p:nvPr>
+            <p:ph idx="1"/>
+            <p:extLst>
+              <p:ext uri="{D42A27DB-BD31-4B8C-83A1-F6EECF244321}">
+                <p14:modId xmlns="" xmlns:p14="http://schemas.microsoft.com/office/powerpoint/2010/main" val="2122085790"/>
+              </p:ext>
+            </p:extLst>
+          </p:nvPr>
+        </p:nvGraphicFramePr>
+        <p:xfrm>
+          <a:off x="216346" y="980728"/>
+          <a:ext cx="8820150" cy="5545137"/>
+        </p:xfrm>
+        <a:graphic>
+          <a:graphicData uri="http://schemas.openxmlformats.org/drawingml/2006/diagram">
+            <dgm:relIds xmlns:dgm="http://schemas.openxmlformats.org/drawingml/2006/diagram" xmlns:r="http://schemas.openxmlformats.org/officeDocument/2006/relationships" r:dm="rId3" r:lo="rId4" r:qs="rId5" r:cs="rId6"/>
+          </a:graphicData>
+        </a:graphic>
+      </p:graphicFrame>
+      <p:sp>
+        <p:nvSpPr>
+          <p:cNvPr id="8770562" name="Rectangle 2"/>
+          <p:cNvSpPr>
+            <a:spLocks noGrp="1" noChangeArrowheads="1"/>
+          </p:cNvSpPr>
+          <p:nvPr>
+            <p:ph type="title"/>
+          </p:nvPr>
+        </p:nvSpPr>
+        <p:spPr>
+          <a:xfrm>
+            <a:off x="198681" y="321146"/>
+            <a:ext cx="6624638" cy="503237"/>
+          </a:xfrm>
+        </p:spPr>
+        <p:txBody>
+          <a:bodyPr/>
+          <a:lstStyle/>
+          <a:p>
+            <a:r>
+              <a:rPr lang="de-DE" sz="3200" dirty="0" smtClean="0"/>
+              <a:t>8. Datenmodell (DB-Schema)</a:t>
+            </a:r>
+            <a:endParaRPr lang="de-DE" sz="3200" dirty="0"/>
+          </a:p>
+        </p:txBody>
+      </p:sp>
+      <p:sp>
+        <p:nvSpPr>
+          <p:cNvPr id="4" name="Rechteck 3"/>
+          <p:cNvSpPr/>
+          <p:nvPr/>
+        </p:nvSpPr>
+        <p:spPr bwMode="auto">
+          <a:xfrm>
+            <a:off x="455855" y="3176934"/>
+            <a:ext cx="2520280" cy="1152128"/>
+          </a:xfrm>
+          <a:prstGeom prst="rect">
+            <a:avLst/>
+          </a:prstGeom>
+          <a:noFill/>
+          <a:ln w="9525" cap="flat" cmpd="sng" algn="ctr">
+            <a:noFill/>
+            <a:prstDash val="solid"/>
+            <a:round/>
+            <a:headEnd type="none" w="med" len="med"/>
+            <a:tailEnd type="none" w="med" len="med"/>
+          </a:ln>
+          <a:effectLst/>
+        </p:spPr>
+        <p:txBody>
+          <a:bodyPr vert="horz" wrap="square" lIns="91440" tIns="45720" rIns="91440" bIns="45720" numCol="1" rtlCol="0" anchor="t" anchorCtr="0" compatLnSpc="1">
+            <a:prstTxWarp prst="textNoShape">
+              <a:avLst/>
+            </a:prstTxWarp>
+            <a:spAutoFit/>
+          </a:bodyPr>
+          <a:lstStyle/>
+          <a:p>
+            <a:pPr marL="0" marR="0" indent="0" algn="ctr" defTabSz="914400" rtl="0" eaLnBrk="1" fontAlgn="base" latinLnBrk="0" hangingPunct="1">
               <a:lnSpc>
                 <a:spcPct val="100000"/>
               </a:lnSpc>
               <a:spcBef>
-                <a:spcPct val="20000"/>
+                <a:spcPct val="0"/>
               </a:spcBef>
               <a:spcAft>
-                <a:spcPct val="20000"/>
+                <a:spcPct val="0"/>
               </a:spcAft>
               <a:buClrTx/>
               <a:buSzTx/>
+              <a:buFontTx/>
+              <a:buNone/>
               <a:tabLst/>
-              <a:defRPr/>
             </a:pPr>
-            <a:r>
-              <a:rPr lang="de-DE" sz="2400" b="0" kern="0" dirty="0" smtClean="0">
-                <a:solidFill>
-                  <a:srgbClr val="003B79"/>
-                </a:solidFill>
-                <a:latin typeface="+mn-lt"/>
-              </a:rPr>
-              <a:t>			-Datenbankschnittstelle</a:t>
-            </a:r>
-          </a:p>
-          <a:p>
-            <a:pPr marL="457200" marR="0" lvl="0" indent="-457200" algn="l" defTabSz="914400" rtl="0" eaLnBrk="1" fontAlgn="base" latinLnBrk="0" hangingPunct="1">
-              <a:lnSpc>
-                <a:spcPct val="100000"/>
-              </a:lnSpc>
-              <a:spcBef>
-                <a:spcPct val="20000"/>
-              </a:spcBef>
-              <a:spcAft>
-                <a:spcPct val="20000"/>
-              </a:spcAft>
-              <a:buClrTx/>
-              <a:buSzTx/>
-              <a:tabLst/>
-              <a:defRPr/>
-            </a:pPr>
-            <a:r>
-              <a:rPr lang="de-DE" sz="2400" b="0" kern="0" dirty="0" smtClean="0">
-                <a:solidFill>
-                  <a:srgbClr val="003B79"/>
-                </a:solidFill>
-                <a:latin typeface="+mn-lt"/>
-              </a:rPr>
-              <a:t>Sabine:	-Kontaktbuch</a:t>
-            </a:r>
-          </a:p>
-          <a:p>
-            <a:pPr marL="457200" marR="0" lvl="0" indent="-457200" algn="l" defTabSz="914400" rtl="0" eaLnBrk="1" fontAlgn="base" latinLnBrk="0" hangingPunct="1">
-              <a:lnSpc>
-                <a:spcPct val="100000"/>
-              </a:lnSpc>
-              <a:spcBef>
-                <a:spcPct val="20000"/>
-              </a:spcBef>
-              <a:spcAft>
-                <a:spcPct val="20000"/>
-              </a:spcAft>
-              <a:buClrTx/>
-              <a:buSzTx/>
-              <a:tabLst/>
-              <a:defRPr/>
-            </a:pPr>
-            <a:r>
-              <a:rPr lang="de-DE" sz="2400" b="0" kern="0" dirty="0" smtClean="0">
-                <a:solidFill>
-                  <a:srgbClr val="003B79"/>
-                </a:solidFill>
-                <a:latin typeface="+mn-lt"/>
-              </a:rPr>
-              <a:t>			-Test-GUI</a:t>
-            </a:r>
-          </a:p>
-          <a:p>
-            <a:pPr marL="457200" marR="0" lvl="0" indent="-457200" algn="l" defTabSz="914400" rtl="0" eaLnBrk="1" fontAlgn="base" latinLnBrk="0" hangingPunct="1">
-              <a:lnSpc>
-                <a:spcPct val="100000"/>
-              </a:lnSpc>
-              <a:spcBef>
-                <a:spcPct val="20000"/>
-              </a:spcBef>
-              <a:spcAft>
-                <a:spcPct val="20000"/>
-              </a:spcAft>
-              <a:buClrTx/>
-              <a:buSzTx/>
-              <a:tabLst/>
-              <a:defRPr/>
-            </a:pPr>
-            <a:r>
-              <a:rPr lang="de-DE" sz="2400" b="0" kern="0" dirty="0" smtClean="0">
-                <a:solidFill>
-                  <a:srgbClr val="003B79"/>
-                </a:solidFill>
-                <a:latin typeface="+mn-lt"/>
-              </a:rPr>
-              <a:t>			-Artikel</a:t>
-            </a:r>
-          </a:p>
-          <a:p>
-            <a:pPr marL="457200" marR="0" lvl="0" indent="-457200" algn="l" defTabSz="914400" rtl="0" eaLnBrk="1" fontAlgn="base" latinLnBrk="0" hangingPunct="1">
-              <a:spcBef>
-                <a:spcPct val="20000"/>
-              </a:spcBef>
-              <a:spcAft>
-                <a:spcPct val="20000"/>
-              </a:spcAft>
-              <a:buClrTx/>
-              <a:buSzTx/>
-              <a:tabLst/>
-              <a:defRPr/>
-            </a:pPr>
-            <a:r>
-              <a:rPr lang="de-DE" sz="2400" b="0" kern="0" dirty="0" smtClean="0">
-                <a:solidFill>
-                  <a:srgbClr val="003B79"/>
-                </a:solidFill>
-                <a:latin typeface="+mn-lt"/>
-              </a:rPr>
-              <a:t>Daniel:	-Angebote</a:t>
-            </a:r>
-          </a:p>
-          <a:p>
-            <a:pPr marL="457200" marR="0" lvl="0" indent="-457200" algn="l" defTabSz="914400" rtl="0" eaLnBrk="1" fontAlgn="base" latinLnBrk="0" hangingPunct="1">
-              <a:lnSpc>
-                <a:spcPct val="100000"/>
-              </a:lnSpc>
-              <a:spcBef>
-                <a:spcPct val="20000"/>
-              </a:spcBef>
-              <a:spcAft>
-                <a:spcPct val="20000"/>
-              </a:spcAft>
-              <a:buClrTx/>
-              <a:buSzTx/>
-              <a:tabLst/>
-              <a:defRPr/>
-            </a:pPr>
-            <a:r>
-              <a:rPr lang="de-DE" sz="2400" b="0" kern="0" dirty="0" smtClean="0">
-                <a:solidFill>
-                  <a:srgbClr val="003B79"/>
-                </a:solidFill>
-                <a:latin typeface="+mn-lt"/>
-              </a:rPr>
-              <a:t>			-Rechnungen</a:t>
-            </a:r>
-          </a:p>
-          <a:p>
-            <a:pPr marL="457200" marR="0" lvl="0" indent="-457200" algn="l" defTabSz="914400" rtl="0" eaLnBrk="1" fontAlgn="base" latinLnBrk="0" hangingPunct="1">
-              <a:lnSpc>
-                <a:spcPct val="100000"/>
-              </a:lnSpc>
-              <a:spcBef>
-                <a:spcPct val="20000"/>
-              </a:spcBef>
-              <a:spcAft>
-                <a:spcPct val="20000"/>
-              </a:spcAft>
-              <a:buClrTx/>
-              <a:buSzTx/>
-              <a:tabLst/>
-              <a:defRPr/>
-            </a:pPr>
-            <a:r>
-              <a:rPr lang="de-DE" sz="2400" b="0" kern="0" dirty="0" smtClean="0">
-                <a:solidFill>
-                  <a:srgbClr val="003B79"/>
-                </a:solidFill>
-                <a:latin typeface="+mn-lt"/>
-              </a:rPr>
-              <a:t>			-UML-Diagramme</a:t>
-            </a:r>
-          </a:p>
-          <a:p>
-            <a:pPr marL="457200" marR="0" lvl="0" indent="-457200" algn="l" defTabSz="914400" rtl="0" eaLnBrk="1" fontAlgn="base" latinLnBrk="0" hangingPunct="1">
-              <a:lnSpc>
-                <a:spcPct val="100000"/>
-              </a:lnSpc>
-              <a:spcBef>
-                <a:spcPct val="20000"/>
-              </a:spcBef>
-              <a:spcAft>
-                <a:spcPct val="20000"/>
-              </a:spcAft>
-              <a:buClrTx/>
-              <a:buSzTx/>
-              <a:tabLst/>
-              <a:defRPr/>
-            </a:pPr>
-            <a:endParaRPr lang="de-DE" sz="2400" b="0" kern="0" dirty="0" smtClean="0">
+            <a:endParaRPr kumimoji="0" lang="de-DE" sz="1800" b="1" i="0" u="none" strike="noStrike" cap="none" normalizeH="0" baseline="0" smtClean="0">
+              <a:ln>
+                <a:noFill/>
+              </a:ln>
               <a:solidFill>
-                <a:srgbClr val="003B79"/>
+                <a:srgbClr val="FFCC66"/>
               </a:solidFill>
-              <a:latin typeface="+mn-lt"/>
+              <a:effectLst/>
+              <a:latin typeface="Arial" charset="0"/>
             </a:endParaRPr>
-          </a:p>
-          <a:p>
-            <a:pPr marL="457200" marR="0" lvl="0" indent="-457200" algn="l" defTabSz="914400" rtl="0" eaLnBrk="1" fontAlgn="base" latinLnBrk="0" hangingPunct="1">
-              <a:lnSpc>
-                <a:spcPct val="100000"/>
-              </a:lnSpc>
-              <a:spcBef>
-                <a:spcPct val="20000"/>
-              </a:spcBef>
-              <a:spcAft>
-                <a:spcPct val="20000"/>
-              </a:spcAft>
-              <a:buClrTx/>
-              <a:buSzTx/>
-              <a:tabLst/>
-              <a:defRPr/>
-            </a:pPr>
-            <a:r>
-              <a:rPr lang="de-DE" sz="2400" b="0" kern="0" dirty="0" smtClean="0">
-                <a:solidFill>
-                  <a:srgbClr val="003B79"/>
-                </a:solidFill>
-                <a:latin typeface="+mn-lt"/>
-              </a:rPr>
-              <a:t>Alle:		-Dokumentation</a:t>
-            </a:r>
-          </a:p>
-          <a:p>
-            <a:pPr marL="457200" marR="0" lvl="0" indent="-457200" algn="l" defTabSz="914400" rtl="0" eaLnBrk="1" fontAlgn="base" latinLnBrk="0" hangingPunct="1">
-              <a:lnSpc>
-                <a:spcPct val="100000"/>
-              </a:lnSpc>
-              <a:spcBef>
-                <a:spcPct val="20000"/>
-              </a:spcBef>
-              <a:spcAft>
-                <a:spcPct val="20000"/>
-              </a:spcAft>
-              <a:buClrTx/>
-              <a:buSzTx/>
-              <a:tabLst/>
-              <a:defRPr/>
-            </a:pPr>
-            <a:r>
-              <a:rPr kumimoji="0" lang="de-DE" sz="2400" b="0" i="0" u="none" strike="noStrike" kern="0" cap="none" spc="0" normalizeH="0" baseline="0" noProof="0" dirty="0" smtClean="0">
-                <a:ln>
-                  <a:noFill/>
-                </a:ln>
-                <a:solidFill>
-                  <a:srgbClr val="003B79"/>
-                </a:solidFill>
-                <a:effectLst/>
-                <a:uLnTx/>
-                <a:uFillTx/>
-                <a:latin typeface="+mn-lt"/>
-                <a:ea typeface="+mn-ea"/>
-                <a:cs typeface="+mn-cs"/>
-              </a:rPr>
-              <a:t>			-Testen			</a:t>
-            </a:r>
           </a:p>
         </p:txBody>
       </p:sp>
+      <p:pic>
+        <p:nvPicPr>
+          <p:cNvPr id="6" name="Grafik 5" descr="Datenbankschema.PNG">
+            <a:hlinkClick r:id="rId8" action="ppaction://hlinkfile"/>
+          </p:cNvPr>
+          <p:cNvPicPr>
+            <a:picLocks noChangeAspect="1"/>
+          </p:cNvPicPr>
+          <p:nvPr/>
+        </p:nvPicPr>
+        <p:blipFill>
+          <a:blip r:embed="rId9" cstate="print"/>
+          <a:stretch>
+            <a:fillRect/>
+          </a:stretch>
+        </p:blipFill>
+        <p:spPr>
+          <a:xfrm>
+            <a:off x="1187624" y="1084428"/>
+            <a:ext cx="6696744" cy="5416880"/>
+          </a:xfrm>
+          <a:prstGeom prst="rect">
+            <a:avLst/>
+          </a:prstGeom>
+        </p:spPr>
+      </p:pic>
     </p:spTree>
+    <p:extLst>
+      <p:ext uri="{BB962C8B-B14F-4D97-AF65-F5344CB8AC3E}">
+        <p14:creationId xmlns="" xmlns:p14="http://schemas.microsoft.com/office/powerpoint/2010/main" val="3973953230"/>
+      </p:ext>
+    </p:extLst>
   </p:cSld>
   <p:clrMapOvr>
     <a:masterClrMapping/>
@@ -12551,6 +11886,87 @@
 </p:sld>
 </file>
 
+<file path=ppt/slides/slide18.xml><?xml version="1.0" encoding="utf-8"?>
+<p:sld xmlns:a="http://schemas.openxmlformats.org/drawingml/2006/main" xmlns:r="http://schemas.openxmlformats.org/officeDocument/2006/relationships" xmlns:p="http://schemas.openxmlformats.org/presentationml/2006/main">
+  <p:cSld>
+    <p:spTree>
+      <p:nvGrpSpPr>
+        <p:cNvPr id="1" name=""/>
+        <p:cNvGrpSpPr/>
+        <p:nvPr/>
+      </p:nvGrpSpPr>
+      <p:grpSpPr>
+        <a:xfrm>
+          <a:off x="0" y="0"/>
+          <a:ext cx="0" cy="0"/>
+          <a:chOff x="0" y="0"/>
+          <a:chExt cx="0" cy="0"/>
+        </a:xfrm>
+      </p:grpSpPr>
+      <p:sp>
+        <p:nvSpPr>
+          <p:cNvPr id="8768514" name="Rectangle 2"/>
+          <p:cNvSpPr>
+            <a:spLocks noGrp="1" noChangeArrowheads="1"/>
+          </p:cNvSpPr>
+          <p:nvPr>
+            <p:ph type="ctrTitle"/>
+          </p:nvPr>
+        </p:nvSpPr>
+        <p:spPr>
+          <a:xfrm>
+            <a:off x="323850" y="2132856"/>
+            <a:ext cx="8640763" cy="2736304"/>
+          </a:xfrm>
+        </p:spPr>
+        <p:txBody>
+          <a:bodyPr/>
+          <a:lstStyle/>
+          <a:p>
+            <a:r>
+              <a:rPr lang="de-DE" sz="4400" dirty="0" smtClean="0"/>
+              <a:t/>
+            </a:r>
+            <a:br>
+              <a:rPr lang="de-DE" sz="4400" dirty="0" smtClean="0"/>
+            </a:br>
+            <a:r>
+              <a:rPr lang="de-DE" sz="6000" dirty="0" smtClean="0"/>
+              <a:t>Vielen Dank</a:t>
+            </a:r>
+            <a:br>
+              <a:rPr lang="de-DE" sz="6000" dirty="0" smtClean="0"/>
+            </a:br>
+            <a:r>
+              <a:rPr lang="de-DE" sz="6000" dirty="0" smtClean="0"/>
+              <a:t>für Ihre Aufmerksamkeit</a:t>
+            </a:r>
+            <a:r>
+              <a:rPr lang="de-DE" sz="6000" dirty="0" smtClean="0"/>
+              <a:t/>
+            </a:r>
+            <a:br>
+              <a:rPr lang="de-DE" sz="6000" dirty="0" smtClean="0"/>
+            </a:br>
+            <a:endParaRPr lang="de-DE" sz="6000" b="0" dirty="0"/>
+          </a:p>
+        </p:txBody>
+      </p:sp>
+    </p:spTree>
+  </p:cSld>
+  <p:clrMapOvr>
+    <a:masterClrMapping/>
+  </p:clrMapOvr>
+  <p:timing>
+    <p:tnLst>
+      <p:par>
+        <p:cTn id="1" dur="indefinite" restart="never" nodeType="tmRoot"/>
+      </p:par>
+    </p:tnLst>
+  </p:timing>
+</p:sld>
+</file>
+
 <file path=ppt/slides/slide2.xml><?xml version="1.0" encoding="utf-8"?>
 <p:sld xmlns:a="http://schemas.openxmlformats.org/drawingml/2006/main" xmlns:r="http://schemas.openxmlformats.org/officeDocument/2006/relationships" xmlns:p="http://schemas.openxmlformats.org/presentationml/2006/main">
   <p:cSld>
@@ -12656,7 +12072,7 @@
             </a:pPr>
             <a:r>
               <a:rPr lang="de-DE" sz="2400" dirty="0" smtClean="0"/>
-              <a:t>Qualitätskriterien</a:t>
+              <a:t>Arbeitsaufteilung</a:t>
             </a:r>
           </a:p>
           <a:p>
@@ -12666,25 +12082,7 @@
             </a:pPr>
             <a:r>
               <a:rPr lang="de-DE" sz="2400" dirty="0" smtClean="0"/>
-              <a:t>Produktleistung</a:t>
-            </a:r>
-          </a:p>
-          <a:p>
-            <a:pPr marL="457200" indent="-457200">
-              <a:buAutoNum type="arabicPeriod"/>
-            </a:pPr>
-            <a:r>
-              <a:rPr lang="de-DE" sz="2400" dirty="0" smtClean="0"/>
-              <a:t>Produktarchitektur</a:t>
-            </a:r>
-          </a:p>
-          <a:p>
-            <a:pPr marL="457200" indent="-457200">
-              <a:buAutoNum type="arabicPeriod"/>
-            </a:pPr>
-            <a:r>
-              <a:rPr lang="de-DE" sz="2400" dirty="0" smtClean="0"/>
-              <a:t>Datenmodelle</a:t>
+              <a:t>Qualitätskriterien</a:t>
             </a:r>
           </a:p>
           <a:p>
@@ -12694,7 +12092,25 @@
             </a:pPr>
             <a:r>
               <a:rPr lang="de-DE" sz="2400" dirty="0" smtClean="0"/>
-              <a:t>Arbeitsaufteilung</a:t>
+              <a:t>Produktleistung</a:t>
+            </a:r>
+          </a:p>
+          <a:p>
+            <a:pPr marL="457200" indent="-457200">
+              <a:buAutoNum type="arabicPeriod"/>
+            </a:pPr>
+            <a:r>
+              <a:rPr lang="de-DE" sz="2400" dirty="0" smtClean="0"/>
+              <a:t>Produktarchitektur</a:t>
+            </a:r>
+          </a:p>
+          <a:p>
+            <a:pPr marL="457200" indent="-457200">
+              <a:buAutoNum type="arabicPeriod"/>
+            </a:pPr>
+            <a:r>
+              <a:rPr lang="de-DE" sz="2400" dirty="0" smtClean="0"/>
+              <a:t>Datenmodelle</a:t>
             </a:r>
           </a:p>
           <a:p>
@@ -13032,23 +12448,8 @@
                 </a:solidFill>
                 <a:latin typeface="+mn-lt"/>
               </a:rPr>
-              <a:t>-webbasierter Vertrieb von eigenen </a:t>
-            </a:r>
-            <a:r>
-              <a:rPr lang="de-DE" sz="2400" b="0" kern="0" dirty="0" smtClean="0">
-                <a:solidFill>
-                  <a:srgbClr val="003B79"/>
-                </a:solidFill>
-                <a:latin typeface="+mn-lt"/>
-              </a:rPr>
-              <a:t>Artikeln über einen Server</a:t>
-            </a:r>
-            <a:endParaRPr lang="de-DE" sz="2400" b="0" kern="0" dirty="0" smtClean="0">
-              <a:solidFill>
-                <a:srgbClr val="003B79"/>
-              </a:solidFill>
-              <a:latin typeface="+mn-lt"/>
-            </a:endParaRPr>
+              <a:t>-webbasierter Vertrieb von eigenen Artikeln über einen Server</a:t>
+            </a:r>
           </a:p>
           <a:p>
             <a:pPr algn="l"/>
@@ -13103,25 +12504,7 @@
                 </a:solidFill>
                 <a:latin typeface="+mn-lt"/>
               </a:rPr>
-              <a:t>-Verwaltung und Nutzung von </a:t>
-            </a:r>
-            <a:r>
-              <a:rPr lang="de-DE" sz="2400" b="0" kern="0" dirty="0" smtClean="0">
-                <a:solidFill>
-                  <a:srgbClr val="003B79"/>
-                </a:solidFill>
-                <a:latin typeface="+mn-lt"/>
-              </a:rPr>
-              <a:t>Internetauktionsplattformen durch Automatisierung </a:t>
-            </a:r>
-            <a:r>
-              <a:rPr lang="de-DE" sz="2400" b="0" kern="0" dirty="0" smtClean="0">
-                <a:solidFill>
-                  <a:srgbClr val="003B79"/>
-                </a:solidFill>
-                <a:latin typeface="+mn-lt"/>
-              </a:rPr>
-              <a:t>verbessern</a:t>
+              <a:t>-Verwaltung und Nutzung von Internetauktionsplattformen durch Automatisierung verbessern</a:t>
             </a:r>
           </a:p>
           <a:p>
@@ -13142,16 +12525,7 @@
                 </a:solidFill>
                 <a:latin typeface="+mn-lt"/>
               </a:rPr>
-              <a:t>-</a:t>
-            </a:r>
-            <a:r>
-              <a:rPr lang="de-DE" sz="2400" b="0" kern="0" dirty="0" smtClean="0">
-                <a:solidFill>
-                  <a:srgbClr val="003B79"/>
-                </a:solidFill>
-                <a:latin typeface="+mn-lt"/>
-              </a:rPr>
-              <a:t>Rechnungen archivieren</a:t>
+              <a:t>-Rechnungen archivieren</a:t>
             </a:r>
           </a:p>
           <a:p>
@@ -13174,12 +12548,6 @@
               </a:rPr>
               <a:t>-Fehleingaben vermeiden</a:t>
             </a:r>
-            <a:endParaRPr lang="de-DE" sz="2400" b="0" kern="0" dirty="0" smtClean="0">
-              <a:solidFill>
-                <a:srgbClr val="003B79"/>
-              </a:solidFill>
-              <a:latin typeface="+mn-lt"/>
-            </a:endParaRPr>
           </a:p>
           <a:p>
             <a:pPr algn="l"/>
@@ -13198,16 +12566,7 @@
                 </a:solidFill>
                 <a:latin typeface="+mn-lt"/>
               </a:rPr>
-              <a:t>-</a:t>
-            </a:r>
-            <a:r>
-              <a:rPr lang="de-DE" sz="2400" b="0" kern="0" dirty="0" smtClean="0">
-                <a:solidFill>
-                  <a:srgbClr val="003B79"/>
-                </a:solidFill>
-                <a:latin typeface="+mn-lt"/>
-              </a:rPr>
-              <a:t>Mehrbenutzer-Betrieb mit Anmeldevorgang ermöglichen</a:t>
+              <a:t>-Mehrbenutzer-Betrieb mit Anmeldevorgang ermöglichen</a:t>
             </a:r>
             <a:endParaRPr lang="de-DE" sz="2400" b="0" kern="0" dirty="0" smtClean="0">
               <a:solidFill>
@@ -13410,16 +12769,7 @@
                 </a:solidFill>
                 <a:latin typeface="+mn-lt"/>
               </a:rPr>
-              <a:t>-Austausch </a:t>
-            </a:r>
-            <a:r>
-              <a:rPr lang="de-DE" sz="2400" b="0" kern="0" dirty="0" smtClean="0">
-                <a:solidFill>
-                  <a:srgbClr val="003B79"/>
-                </a:solidFill>
-                <a:latin typeface="+mn-lt"/>
-              </a:rPr>
-              <a:t>derzeitiger Tabellenverwaltung, dadurch: 	</a:t>
+              <a:t>-Austausch derzeitiger Tabellenverwaltung, dadurch: 	</a:t>
             </a:r>
           </a:p>
           <a:p>
@@ -13479,16 +12829,7 @@
                 </a:solidFill>
                 <a:latin typeface="+mn-lt"/>
               </a:rPr>
-              <a:t>verbesserte </a:t>
-            </a:r>
-            <a:r>
-              <a:rPr lang="de-DE" sz="2400" b="0" kern="0" dirty="0" smtClean="0">
-                <a:solidFill>
-                  <a:srgbClr val="003B79"/>
-                </a:solidFill>
-                <a:latin typeface="+mn-lt"/>
-              </a:rPr>
-              <a:t>Datenintegrität</a:t>
+              <a:t>verbesserte Datenintegrität</a:t>
             </a:r>
           </a:p>
           <a:p>
@@ -13502,15 +12843,7 @@
                   <a:srgbClr val="003B79"/>
                 </a:solidFill>
               </a:rPr>
-              <a:t>Rechnungen automatisch </a:t>
-            </a:r>
-            <a:r>
-              <a:rPr lang="de-DE" sz="2400" b="0" kern="0" dirty="0" smtClean="0">
-                <a:solidFill>
-                  <a:srgbClr val="003B79"/>
-                </a:solidFill>
-              </a:rPr>
-              <a:t>generieren</a:t>
+              <a:t>Rechnungen automatisch generieren</a:t>
             </a:r>
             <a:endParaRPr lang="de-DE" sz="2400" b="0" kern="0" dirty="0">
               <a:solidFill>
@@ -13836,7 +13169,7 @@
           <a:blip r:embed="rId3" cstate="print">
             <a:extLst>
               <a:ext uri="{28A0092B-C50C-407E-A947-70E740481C1C}">
-                <a14:useLocalDpi xmlns:a14="http://schemas.microsoft.com/office/drawing/2010/main" xmlns="" val="0"/>
+                <a14:useLocalDpi xmlns="" xmlns:a14="http://schemas.microsoft.com/office/drawing/2010/main" val="0"/>
               </a:ext>
             </a:extLst>
           </a:blip>
@@ -13856,7 +13189,7 @@
           <a:noFill/>
           <a:extLst>
             <a:ext uri="{909E8E84-426E-40DD-AFC4-6F175D3DCCD1}">
-              <a14:hiddenFill xmlns:a14="http://schemas.microsoft.com/office/drawing/2010/main" xmlns="">
+              <a14:hiddenFill xmlns="" xmlns:a14="http://schemas.microsoft.com/office/drawing/2010/main">
                 <a:solidFill>
                   <a:srgbClr val="FFFFFF"/>
                 </a:solidFill>
@@ -13868,7 +13201,7 @@
     </p:spTree>
     <p:extLst>
       <p:ext uri="{BB962C8B-B14F-4D97-AF65-F5344CB8AC3E}">
-        <p14:creationId xmlns:p14="http://schemas.microsoft.com/office/powerpoint/2010/main" xmlns="" val="2402780198"/>
+        <p14:creationId xmlns="" xmlns:p14="http://schemas.microsoft.com/office/powerpoint/2010/main" val="2402780198"/>
       </p:ext>
     </p:extLst>
   </p:cSld>
@@ -13933,19 +13266,8 @@
                 <a:ea typeface="+mj-ea"/>
                 <a:cs typeface="+mj-cs"/>
               </a:rPr>
-              <a:t>4. Qualitätskriterien</a:t>
-            </a:r>
-          </a:p>
-          <a:p>
-            <a:pPr marL="457200" lvl="0" indent="-457200" algn="l"/>
-            <a:endParaRPr lang="de-DE" sz="3200" dirty="0" smtClean="0">
-              <a:solidFill>
-                <a:srgbClr val="003B79"/>
-              </a:solidFill>
-              <a:latin typeface="+mj-lt"/>
-              <a:ea typeface="+mj-ea"/>
-              <a:cs typeface="+mj-cs"/>
-            </a:endParaRPr>
+              <a:t>4. Arbeitsaufteilung</a:t>
+            </a:r>
           </a:p>
         </p:txBody>
       </p:sp>
@@ -14159,33 +13481,25 @@
                 <a:ea typeface="+mn-ea"/>
                 <a:cs typeface="+mn-cs"/>
               </a:rPr>
-              <a:t>			</a:t>
-            </a:r>
-          </a:p>
-        </p:txBody>
-      </p:sp>
-      <p:sp>
-        <p:nvSpPr>
-          <p:cNvPr id="7" name="Rectangle 4"/>
-          <p:cNvSpPr txBox="1">
-            <a:spLocks noChangeArrowheads="1"/>
-          </p:cNvSpPr>
-          <p:nvPr/>
-        </p:nvSpPr>
-        <p:spPr>
-          <a:xfrm>
-            <a:off x="179512" y="1268239"/>
-            <a:ext cx="8820150" cy="5545137"/>
-          </a:xfrm>
-          <a:prstGeom prst="rect">
-            <a:avLst/>
-          </a:prstGeom>
-        </p:spPr>
-        <p:txBody>
-          <a:bodyPr/>
-          <a:lstStyle/>
-          <a:p>
-            <a:pPr algn="l"/>
+              <a:t>Roland:	-Datenbankmodell</a:t>
+            </a:r>
+          </a:p>
+          <a:p>
+            <a:pPr marL="457200" marR="0" lvl="0" indent="-457200" algn="l" defTabSz="914400" rtl="0" eaLnBrk="1" fontAlgn="base" latinLnBrk="0" hangingPunct="1">
+              <a:lnSpc>
+                <a:spcPct val="100000"/>
+              </a:lnSpc>
+              <a:spcBef>
+                <a:spcPct val="20000"/>
+              </a:spcBef>
+              <a:spcAft>
+                <a:spcPct val="20000"/>
+              </a:spcAft>
+              <a:buClrTx/>
+              <a:buSzTx/>
+              <a:tabLst/>
+              <a:defRPr/>
+            </a:pPr>
             <a:r>
               <a:rPr lang="de-DE" sz="2400" b="0" kern="0" dirty="0" smtClean="0">
                 <a:solidFill>
@@ -14193,16 +13507,178 @@
                 </a:solidFill>
                 <a:latin typeface="+mn-lt"/>
               </a:rPr>
-              <a:t>Stufe 1= sehr wichtig ... Stufe 4=unwichtig</a:t>
-            </a:r>
-            <a:br>
+              <a:t>			-Datenbankschnittstelle</a:t>
+            </a:r>
+          </a:p>
+          <a:p>
+            <a:pPr marL="457200" marR="0" lvl="0" indent="-457200" algn="l" defTabSz="914400" rtl="0" eaLnBrk="1" fontAlgn="base" latinLnBrk="0" hangingPunct="1">
+              <a:lnSpc>
+                <a:spcPct val="100000"/>
+              </a:lnSpc>
+              <a:spcBef>
+                <a:spcPct val="20000"/>
+              </a:spcBef>
+              <a:spcAft>
+                <a:spcPct val="20000"/>
+              </a:spcAft>
+              <a:buClrTx/>
+              <a:buSzTx/>
+              <a:tabLst/>
+              <a:defRPr/>
+            </a:pPr>
+            <a:r>
               <a:rPr lang="de-DE" sz="2400" b="0" kern="0" dirty="0" smtClean="0">
                 <a:solidFill>
                   <a:srgbClr val="003B79"/>
                 </a:solidFill>
                 <a:latin typeface="+mn-lt"/>
               </a:rPr>
-            </a:br>
+              <a:t>Sabine:	-Kontaktbuch</a:t>
+            </a:r>
+          </a:p>
+          <a:p>
+            <a:pPr marL="457200" marR="0" lvl="0" indent="-457200" algn="l" defTabSz="914400" rtl="0" eaLnBrk="1" fontAlgn="base" latinLnBrk="0" hangingPunct="1">
+              <a:lnSpc>
+                <a:spcPct val="100000"/>
+              </a:lnSpc>
+              <a:spcBef>
+                <a:spcPct val="20000"/>
+              </a:spcBef>
+              <a:spcAft>
+                <a:spcPct val="20000"/>
+              </a:spcAft>
+              <a:buClrTx/>
+              <a:buSzTx/>
+              <a:tabLst/>
+              <a:defRPr/>
+            </a:pPr>
+            <a:r>
+              <a:rPr lang="de-DE" sz="2400" b="0" kern="0" dirty="0" smtClean="0">
+                <a:solidFill>
+                  <a:srgbClr val="003B79"/>
+                </a:solidFill>
+                <a:latin typeface="+mn-lt"/>
+              </a:rPr>
+              <a:t>			-Test-GUI</a:t>
+            </a:r>
+          </a:p>
+          <a:p>
+            <a:pPr marL="457200" marR="0" lvl="0" indent="-457200" algn="l" defTabSz="914400" rtl="0" eaLnBrk="1" fontAlgn="base" latinLnBrk="0" hangingPunct="1">
+              <a:lnSpc>
+                <a:spcPct val="100000"/>
+              </a:lnSpc>
+              <a:spcBef>
+                <a:spcPct val="20000"/>
+              </a:spcBef>
+              <a:spcAft>
+                <a:spcPct val="20000"/>
+              </a:spcAft>
+              <a:buClrTx/>
+              <a:buSzTx/>
+              <a:tabLst/>
+              <a:defRPr/>
+            </a:pPr>
+            <a:r>
+              <a:rPr lang="de-DE" sz="2400" b="0" kern="0" dirty="0" smtClean="0">
+                <a:solidFill>
+                  <a:srgbClr val="003B79"/>
+                </a:solidFill>
+                <a:latin typeface="+mn-lt"/>
+              </a:rPr>
+              <a:t>			-Artikel</a:t>
+            </a:r>
+          </a:p>
+          <a:p>
+            <a:pPr marL="457200" marR="0" lvl="0" indent="-457200" algn="l" defTabSz="914400" rtl="0" eaLnBrk="1" fontAlgn="base" latinLnBrk="0" hangingPunct="1">
+              <a:spcBef>
+                <a:spcPct val="20000"/>
+              </a:spcBef>
+              <a:spcAft>
+                <a:spcPct val="20000"/>
+              </a:spcAft>
+              <a:buClrTx/>
+              <a:buSzTx/>
+              <a:tabLst/>
+              <a:defRPr/>
+            </a:pPr>
+            <a:r>
+              <a:rPr lang="de-DE" sz="2400" b="0" kern="0" dirty="0" smtClean="0">
+                <a:solidFill>
+                  <a:srgbClr val="003B79"/>
+                </a:solidFill>
+                <a:latin typeface="+mn-lt"/>
+              </a:rPr>
+              <a:t>Daniel:	-Angebote</a:t>
+            </a:r>
+          </a:p>
+          <a:p>
+            <a:pPr marL="457200" marR="0" lvl="0" indent="-457200" algn="l" defTabSz="914400" rtl="0" eaLnBrk="1" fontAlgn="base" latinLnBrk="0" hangingPunct="1">
+              <a:lnSpc>
+                <a:spcPct val="100000"/>
+              </a:lnSpc>
+              <a:spcBef>
+                <a:spcPct val="20000"/>
+              </a:spcBef>
+              <a:spcAft>
+                <a:spcPct val="20000"/>
+              </a:spcAft>
+              <a:buClrTx/>
+              <a:buSzTx/>
+              <a:tabLst/>
+              <a:defRPr/>
+            </a:pPr>
+            <a:r>
+              <a:rPr lang="de-DE" sz="2400" b="0" kern="0" dirty="0" smtClean="0">
+                <a:solidFill>
+                  <a:srgbClr val="003B79"/>
+                </a:solidFill>
+                <a:latin typeface="+mn-lt"/>
+              </a:rPr>
+              <a:t>			-Rechnungen</a:t>
+            </a:r>
+          </a:p>
+          <a:p>
+            <a:pPr marL="457200" marR="0" lvl="0" indent="-457200" algn="l" defTabSz="914400" rtl="0" eaLnBrk="1" fontAlgn="base" latinLnBrk="0" hangingPunct="1">
+              <a:lnSpc>
+                <a:spcPct val="100000"/>
+              </a:lnSpc>
+              <a:spcBef>
+                <a:spcPct val="20000"/>
+              </a:spcBef>
+              <a:spcAft>
+                <a:spcPct val="20000"/>
+              </a:spcAft>
+              <a:buClrTx/>
+              <a:buSzTx/>
+              <a:tabLst/>
+              <a:defRPr/>
+            </a:pPr>
+            <a:r>
+              <a:rPr lang="de-DE" sz="2400" b="0" kern="0" dirty="0" smtClean="0">
+                <a:solidFill>
+                  <a:srgbClr val="003B79"/>
+                </a:solidFill>
+                <a:latin typeface="+mn-lt"/>
+              </a:rPr>
+              <a:t>			-UML-Diagramme</a:t>
+            </a:r>
+          </a:p>
+          <a:p>
+            <a:pPr marL="457200" marR="0" lvl="0" indent="-457200" algn="l" defTabSz="914400" rtl="0" eaLnBrk="1" fontAlgn="base" latinLnBrk="0" hangingPunct="1">
+              <a:lnSpc>
+                <a:spcPct val="100000"/>
+              </a:lnSpc>
+              <a:spcBef>
+                <a:spcPct val="20000"/>
+              </a:spcBef>
+              <a:spcAft>
+                <a:spcPct val="20000"/>
+              </a:spcAft>
+              <a:buClrTx/>
+              <a:buSzTx/>
+              <a:tabLst/>
+              <a:defRPr/>
+            </a:pPr>
             <a:endParaRPr lang="de-DE" sz="2400" b="0" kern="0" dirty="0" smtClean="0">
               <a:solidFill>
                 <a:srgbClr val="003B79"/>
@@ -14211,16 +13687,21 @@
             </a:endParaRPr>
           </a:p>
           <a:p>
-            <a:pPr algn="l"/>
-            <a:r>
-              <a:rPr lang="de-DE" sz="2400" b="0" u="sng" kern="0" dirty="0" smtClean="0">
-                <a:solidFill>
-                  <a:srgbClr val="003B79"/>
-                </a:solidFill>
-                <a:latin typeface="+mn-lt"/>
-              </a:rPr>
-              <a:t>Kriterium</a:t>
-            </a:r>
+            <a:pPr marL="457200" marR="0" lvl="0" indent="-457200" algn="l" defTabSz="914400" rtl="0" eaLnBrk="1" fontAlgn="base" latinLnBrk="0" hangingPunct="1">
+              <a:lnSpc>
+                <a:spcPct val="100000"/>
+              </a:lnSpc>
+              <a:spcBef>
+                <a:spcPct val="20000"/>
+              </a:spcBef>
+              <a:spcAft>
+                <a:spcPct val="20000"/>
+              </a:spcAft>
+              <a:buClrTx/>
+              <a:buSzTx/>
+              <a:tabLst/>
+              <a:defRPr/>
+            </a:pPr>
             <a:r>
               <a:rPr lang="de-DE" sz="2400" b="0" kern="0" dirty="0" smtClean="0">
                 <a:solidFill>
@@ -14228,158 +13709,46 @@
                 </a:solidFill>
                 <a:latin typeface="+mn-lt"/>
               </a:rPr>
-              <a:t>			</a:t>
-            </a:r>
-            <a:r>
-              <a:rPr lang="de-DE" sz="2400" b="0" u="sng" kern="0" dirty="0" smtClean="0">
+              <a:t>Alle:		-Dokumentation</a:t>
+            </a:r>
+          </a:p>
+          <a:p>
+            <a:pPr marL="457200" marR="0" lvl="0" indent="-457200" algn="l" defTabSz="914400" rtl="0" eaLnBrk="1" fontAlgn="base" latinLnBrk="0" hangingPunct="1">
+              <a:lnSpc>
+                <a:spcPct val="100000"/>
+              </a:lnSpc>
+              <a:spcBef>
+                <a:spcPct val="20000"/>
+              </a:spcBef>
+              <a:spcAft>
+                <a:spcPct val="20000"/>
+              </a:spcAft>
+              <a:buClrTx/>
+              <a:buSzTx/>
+              <a:tabLst/>
+              <a:defRPr/>
+            </a:pPr>
+            <a:r>
+              <a:rPr kumimoji="0" lang="de-DE" sz="2400" b="0" i="0" u="none" strike="noStrike" kern="0" cap="none" spc="0" normalizeH="0" baseline="0" noProof="0" dirty="0" smtClean="0">
+                <a:ln>
+                  <a:noFill/>
+                </a:ln>
                 <a:solidFill>
                   <a:srgbClr val="003B79"/>
                 </a:solidFill>
+                <a:effectLst/>
+                <a:uLnTx/>
+                <a:uFillTx/>
                 <a:latin typeface="+mn-lt"/>
+                <a:ea typeface="+mn-ea"/>
+                <a:cs typeface="+mn-cs"/>
               </a:rPr>
-              <a:t>Wertung</a:t>
-            </a:r>
-          </a:p>
-          <a:p>
-            <a:pPr algn="l"/>
-            <a:r>
-              <a:rPr lang="de-DE" sz="2400" b="0" kern="0" dirty="0" smtClean="0">
-                <a:solidFill>
-                  <a:srgbClr val="003B79"/>
-                </a:solidFill>
-                <a:latin typeface="+mn-lt"/>
-              </a:rPr>
-              <a:t> </a:t>
-            </a:r>
-          </a:p>
-          <a:p>
-            <a:pPr algn="l"/>
-            <a:r>
-              <a:rPr lang="de-DE" sz="2400" kern="0" dirty="0" smtClean="0">
-                <a:solidFill>
-                  <a:srgbClr val="003B79"/>
-                </a:solidFill>
-                <a:latin typeface="+mn-lt"/>
-              </a:rPr>
-              <a:t>Erweiterbarkeit		2</a:t>
-            </a:r>
-          </a:p>
-          <a:p>
-            <a:pPr algn="l"/>
-            <a:r>
-              <a:rPr lang="de-DE" sz="2400" b="0" kern="0" dirty="0" smtClean="0">
-                <a:solidFill>
-                  <a:srgbClr val="003B79"/>
-                </a:solidFill>
-                <a:latin typeface="+mn-lt"/>
-              </a:rPr>
-              <a:t>Backups			3</a:t>
-            </a:r>
-          </a:p>
-          <a:p>
-            <a:pPr algn="l"/>
-            <a:r>
-              <a:rPr lang="de-DE" sz="2400" b="0" kern="0" dirty="0" smtClean="0">
-                <a:solidFill>
-                  <a:srgbClr val="003B79"/>
-                </a:solidFill>
-                <a:latin typeface="+mn-lt"/>
-              </a:rPr>
-              <a:t>Portierbarkeit			4</a:t>
-            </a:r>
-          </a:p>
-          <a:p>
-            <a:pPr algn="l"/>
-            <a:r>
-              <a:rPr lang="de-DE" sz="2400" kern="0" dirty="0" smtClean="0">
-                <a:solidFill>
-                  <a:srgbClr val="003B79"/>
-                </a:solidFill>
-                <a:latin typeface="+mn-lt"/>
-              </a:rPr>
-              <a:t>Effizienz			2</a:t>
-            </a:r>
-          </a:p>
-          <a:p>
-            <a:pPr algn="l"/>
-            <a:r>
-              <a:rPr lang="de-DE" sz="2400" b="0" kern="0" dirty="0" smtClean="0">
-                <a:solidFill>
-                  <a:srgbClr val="003B79"/>
-                </a:solidFill>
-                <a:latin typeface="+mn-lt"/>
-              </a:rPr>
-              <a:t>Skalierbarkeit		3</a:t>
-            </a:r>
-          </a:p>
-          <a:p>
-            <a:pPr algn="l"/>
-            <a:r>
-              <a:rPr lang="de-DE" sz="2400" kern="0" dirty="0" smtClean="0">
-                <a:solidFill>
-                  <a:srgbClr val="003B79"/>
-                </a:solidFill>
-                <a:latin typeface="+mn-lt"/>
-              </a:rPr>
-              <a:t>Benutzbarkeit		2</a:t>
-            </a:r>
-          </a:p>
-          <a:p>
-            <a:pPr algn="l"/>
-            <a:r>
-              <a:rPr lang="de-DE" sz="2400" b="0" kern="0" dirty="0" smtClean="0">
-                <a:solidFill>
-                  <a:srgbClr val="003B79"/>
-                </a:solidFill>
-                <a:latin typeface="+mn-lt"/>
-              </a:rPr>
-              <a:t>Datenschutz			3</a:t>
-            </a:r>
-          </a:p>
-          <a:p>
-            <a:pPr algn="l"/>
-            <a:r>
-              <a:rPr lang="de-DE" sz="2400" kern="0" dirty="0" smtClean="0">
-                <a:solidFill>
-                  <a:srgbClr val="003B79"/>
-                </a:solidFill>
-                <a:latin typeface="+mn-lt"/>
-              </a:rPr>
-              <a:t>Änderbarkeit		2</a:t>
-            </a:r>
-          </a:p>
-          <a:p>
-            <a:pPr algn="l"/>
-            <a:r>
-              <a:rPr lang="de-DE" sz="2400" kern="0" dirty="0" smtClean="0">
-                <a:solidFill>
-                  <a:srgbClr val="003B79"/>
-                </a:solidFill>
-                <a:latin typeface="+mn-lt"/>
-              </a:rPr>
-              <a:t>Zuverlässigkeit		1</a:t>
-            </a:r>
-          </a:p>
-          <a:p>
-            <a:pPr algn="l"/>
-            <a:r>
-              <a:rPr lang="de-DE" sz="2400" kern="0" dirty="0" smtClean="0">
-                <a:solidFill>
-                  <a:srgbClr val="003B79"/>
-                </a:solidFill>
-                <a:latin typeface="+mn-lt"/>
-              </a:rPr>
-              <a:t>Funktionalität		1</a:t>
+              <a:t>			-Testen			</a:t>
             </a:r>
           </a:p>
         </p:txBody>
       </p:sp>
     </p:spTree>
-    <p:extLst>
-      <p:ext uri="{BB962C8B-B14F-4D97-AF65-F5344CB8AC3E}">
-        <p14:creationId xmlns:p14="http://schemas.microsoft.com/office/powerpoint/2010/main" xmlns="" val="2402780198"/>
-      </p:ext>
-    </p:extLst>
   </p:cSld>
   <p:clrMapOvr>
     <a:masterClrMapping/>
@@ -14442,7 +13811,7 @@
                 <a:ea typeface="+mj-ea"/>
                 <a:cs typeface="+mj-cs"/>
               </a:rPr>
-              <a:t>5. Produktleistungen</a:t>
+              <a:t>5. Qualitätskriterien</a:t>
             </a:r>
           </a:p>
           <a:p>
@@ -14702,7 +14071,51 @@
                 </a:solidFill>
                 <a:latin typeface="+mn-lt"/>
               </a:rPr>
-              <a:t>Getrennte Nutzer: 	Daten werden an Nutzer-ID gebunden</a:t>
+              <a:t>Stufe 1= sehr wichtig ... Stufe 4=unwichtig</a:t>
+            </a:r>
+            <a:br>
+              <a:rPr lang="de-DE" sz="2400" b="0" kern="0" dirty="0" smtClean="0">
+                <a:solidFill>
+                  <a:srgbClr val="003B79"/>
+                </a:solidFill>
+                <a:latin typeface="+mn-lt"/>
+              </a:rPr>
+            </a:br>
+            <a:endParaRPr lang="de-DE" sz="2400" b="0" kern="0" dirty="0" smtClean="0">
+              <a:solidFill>
+                <a:srgbClr val="003B79"/>
+              </a:solidFill>
+              <a:latin typeface="+mn-lt"/>
+            </a:endParaRPr>
+          </a:p>
+          <a:p>
+            <a:pPr algn="l"/>
+            <a:r>
+              <a:rPr lang="de-DE" sz="2400" b="0" u="sng" kern="0" dirty="0" smtClean="0">
+                <a:solidFill>
+                  <a:srgbClr val="003B79"/>
+                </a:solidFill>
+                <a:latin typeface="+mn-lt"/>
+              </a:rPr>
+              <a:t>Kriterium</a:t>
+            </a:r>
+            <a:r>
+              <a:rPr lang="de-DE" sz="2400" b="0" kern="0" dirty="0" smtClean="0">
+                <a:solidFill>
+                  <a:srgbClr val="003B79"/>
+                </a:solidFill>
+                <a:latin typeface="+mn-lt"/>
+              </a:rPr>
+              <a:t>			</a:t>
+            </a:r>
+            <a:r>
+              <a:rPr lang="de-DE" sz="2400" b="0" u="sng" kern="0" dirty="0" smtClean="0">
+                <a:solidFill>
+                  <a:srgbClr val="003B79"/>
+                </a:solidFill>
+                <a:latin typeface="+mn-lt"/>
+              </a:rPr>
+              <a:t>Wertung</a:t>
             </a:r>
           </a:p>
           <a:p>
@@ -14720,13 +14133,25 @@
           <a:p>
             <a:pPr algn="l"/>
             <a:r>
+              <a:rPr lang="de-DE" sz="2400" kern="0" dirty="0" smtClean="0">
+                <a:solidFill>
+                  <a:srgbClr val="003B79"/>
+                </a:solidFill>
+                <a:latin typeface="+mn-lt"/>
+              </a:rPr>
+              <a:t>Erweiterbarkeit		2</a:t>
+            </a:r>
+          </a:p>
+          <a:p>
+            <a:pPr algn="l"/>
+            <a:r>
               <a:rPr lang="de-DE" sz="2400" b="0" kern="0" dirty="0" smtClean="0">
                 <a:solidFill>
                   <a:srgbClr val="003B79"/>
                 </a:solidFill>
                 <a:latin typeface="+mn-lt"/>
               </a:rPr>
-              <a:t>Akkumulation: 	Bei fehlerhafter Eingabe erhält Nutzer eine 			Liste aller eingegebenen Fehler.</a:t>
+              <a:t>Backups			3</a:t>
             </a:r>
           </a:p>
           <a:p>
@@ -14738,7 +14163,19 @@
                 </a:solidFill>
                 <a:latin typeface="+mn-lt"/>
               </a:rPr>
-              <a:t> </a:t>
+              <a:t>Portierbarkeit			4</a:t>
+            </a:r>
+          </a:p>
+          <a:p>
+            <a:pPr algn="l"/>
+            <a:r>
+              <a:rPr lang="de-DE" sz="2400" kern="0" dirty="0" smtClean="0">
+                <a:solidFill>
+                  <a:srgbClr val="003B79"/>
+                </a:solidFill>
+                <a:latin typeface="+mn-lt"/>
+              </a:rPr>
+              <a:t>Effizienz			2</a:t>
             </a:r>
           </a:p>
           <a:p>
@@ -14750,19 +14187,67 @@
                 </a:solidFill>
                 <a:latin typeface="+mn-lt"/>
               </a:rPr>
-              <a:t>Toleranz:		Nach Falscheingaben Korrekturen an 				betreffenden Stellen vornehmen statt 				komplette Neueingabe</a:t>
+              <a:t>Skalierbarkeit		3</a:t>
             </a:r>
           </a:p>
           <a:p>
             <a:pPr algn="l"/>
             <a:r>
-              <a:rPr lang="de-DE" b="0" kern="0" dirty="0" smtClean="0">
+              <a:rPr lang="de-DE" sz="2400" kern="0" dirty="0" smtClean="0">
                 <a:solidFill>
                   <a:srgbClr val="003B79"/>
                 </a:solidFill>
                 <a:latin typeface="+mn-lt"/>
               </a:rPr>
-              <a:t> </a:t>
+              <a:t>Benutzbarkeit		2</a:t>
+            </a:r>
+          </a:p>
+          <a:p>
+            <a:pPr algn="l"/>
+            <a:r>
+              <a:rPr lang="de-DE" sz="2400" b="0" kern="0" dirty="0" smtClean="0">
+                <a:solidFill>
+                  <a:srgbClr val="003B79"/>
+                </a:solidFill>
+                <a:latin typeface="+mn-lt"/>
+              </a:rPr>
+              <a:t>Datenschutz			3</a:t>
+            </a:r>
+          </a:p>
+          <a:p>
+            <a:pPr algn="l"/>
+            <a:r>
+              <a:rPr lang="de-DE" sz="2400" kern="0" dirty="0" smtClean="0">
+                <a:solidFill>
+                  <a:srgbClr val="003B79"/>
+                </a:solidFill>
+                <a:latin typeface="+mn-lt"/>
+              </a:rPr>
+              <a:t>Änderbarkeit		2</a:t>
+            </a:r>
+          </a:p>
+          <a:p>
+            <a:pPr algn="l"/>
+            <a:r>
+              <a:rPr lang="de-DE" sz="2400" kern="0" dirty="0" smtClean="0">
+                <a:solidFill>
+                  <a:srgbClr val="003B79"/>
+                </a:solidFill>
+                <a:latin typeface="+mn-lt"/>
+              </a:rPr>
+              <a:t>Zuverlässigkeit		1</a:t>
+            </a:r>
+          </a:p>
+          <a:p>
+            <a:pPr algn="l"/>
+            <a:r>
+              <a:rPr lang="de-DE" sz="2400" kern="0" dirty="0" smtClean="0">
+                <a:solidFill>
+                  <a:srgbClr val="003B79"/>
+                </a:solidFill>
+                <a:latin typeface="+mn-lt"/>
+              </a:rPr>
+              <a:t>Funktionalität		1</a:t>
             </a:r>
           </a:p>
         </p:txBody>
@@ -14770,7 +14255,7 @@
     </p:spTree>
     <p:extLst>
       <p:ext uri="{BB962C8B-B14F-4D97-AF65-F5344CB8AC3E}">
-        <p14:creationId xmlns:p14="http://schemas.microsoft.com/office/powerpoint/2010/main" xmlns="" val="2402780198"/>
+        <p14:creationId xmlns="" xmlns:p14="http://schemas.microsoft.com/office/powerpoint/2010/main" val="2402780198"/>
       </p:ext>
     </p:extLst>
   </p:cSld>
@@ -14835,7 +14320,7 @@
                 <a:ea typeface="+mj-ea"/>
                 <a:cs typeface="+mj-cs"/>
               </a:rPr>
-              <a:t>5. Produktleistungen</a:t>
+              <a:t>6. Produktleistungen</a:t>
             </a:r>
           </a:p>
           <a:p>
@@ -15095,7 +14580,7 @@
                 </a:solidFill>
                 <a:latin typeface="+mn-lt"/>
               </a:rPr>
-              <a:t>Datensicherheit: 	Nutzer haben nur Einblick in die Daten, die 			sie selbst angelegt haben</a:t>
+              <a:t>Getrennte Nutzer: 	Daten werden an Nutzer-ID gebunden</a:t>
             </a:r>
           </a:p>
           <a:p>
@@ -15119,7 +14604,7 @@
                 </a:solidFill>
                 <a:latin typeface="+mn-lt"/>
               </a:rPr>
-              <a:t>Verfügbarkeit: 	Server muss immer erreichbar sein</a:t>
+              <a:t>Akkumulation: 	Bei fehlerhafter Eingabe erhält Nutzer eine 			Liste aller eingegebenen Fehler.</a:t>
             </a:r>
           </a:p>
           <a:p>
@@ -15143,21 +14628,27 @@
                 </a:solidFill>
                 <a:latin typeface="+mn-lt"/>
               </a:rPr>
-              <a:t>Archivierung: 	Rechnungen können nicht 	vom Nutzer 				gelöscht werden</a:t>
-            </a:r>
-            <a:endParaRPr lang="de-DE" sz="2400" b="0" kern="0" dirty="0">
-              <a:solidFill>
-                <a:srgbClr val="003B79"/>
-              </a:solidFill>
-              <a:latin typeface="+mn-lt"/>
-            </a:endParaRPr>
+              <a:t>Toleranz:		Nach Falscheingaben Korrekturen an 				betreffenden Stellen vornehmen statt 				komplette Neueingabe</a:t>
+            </a:r>
+          </a:p>
+          <a:p>
+            <a:pPr algn="l"/>
+            <a:r>
+              <a:rPr lang="de-DE" b="0" kern="0" dirty="0" smtClean="0">
+                <a:solidFill>
+                  <a:srgbClr val="003B79"/>
+                </a:solidFill>
+                <a:latin typeface="+mn-lt"/>
+              </a:rPr>
+              <a:t> </a:t>
+            </a:r>
           </a:p>
         </p:txBody>
       </p:sp>
     </p:spTree>
     <p:extLst>
       <p:ext uri="{BB962C8B-B14F-4D97-AF65-F5344CB8AC3E}">
-        <p14:creationId xmlns:p14="http://schemas.microsoft.com/office/powerpoint/2010/main" xmlns="" val="2402780198"/>
+        <p14:creationId xmlns="" xmlns:p14="http://schemas.microsoft.com/office/powerpoint/2010/main" val="2402780198"/>
       </p:ext>
     </p:extLst>
   </p:cSld>
@@ -15191,117 +14682,352 @@
           <a:chExt cx="0" cy="0"/>
         </a:xfrm>
       </p:grpSpPr>
-      <p:graphicFrame>
-        <p:nvGraphicFramePr>
-          <p:cNvPr id="3" name="Inhaltsplatzhalter 2"/>
-          <p:cNvGraphicFramePr>
-            <a:graphicFrameLocks noGrp="1"/>
-          </p:cNvGraphicFramePr>
-          <p:nvPr>
-            <p:ph idx="1"/>
-            <p:extLst>
-              <p:ext uri="{D42A27DB-BD31-4B8C-83A1-F6EECF244321}">
-                <p14:modId xmlns:p14="http://schemas.microsoft.com/office/powerpoint/2010/main" xmlns="" val="2122085790"/>
-              </p:ext>
-            </p:extLst>
-          </p:nvPr>
-        </p:nvGraphicFramePr>
-        <p:xfrm>
-          <a:off x="216346" y="980429"/>
-          <a:ext cx="8820150" cy="5545137"/>
-        </p:xfrm>
-        <a:graphic>
-          <a:graphicData uri="http://schemas.openxmlformats.org/drawingml/2006/diagram">
-            <dgm:relIds xmlns:dgm="http://schemas.openxmlformats.org/drawingml/2006/diagram" xmlns:r="http://schemas.openxmlformats.org/officeDocument/2006/relationships" r:dm="rId3" r:lo="rId4" r:qs="rId5" r:cs="rId6"/>
-          </a:graphicData>
-        </a:graphic>
-      </p:graphicFrame>
       <p:sp>
         <p:nvSpPr>
-          <p:cNvPr id="8770562" name="Rectangle 2"/>
-          <p:cNvSpPr>
-            <a:spLocks noGrp="1" noChangeArrowheads="1"/>
+          <p:cNvPr id="4" name="Rectangle 2"/>
+          <p:cNvSpPr txBox="1">
+            <a:spLocks noChangeArrowheads="1"/>
           </p:cNvSpPr>
-          <p:nvPr>
-            <p:ph type="title"/>
-          </p:nvPr>
+          <p:nvPr/>
         </p:nvSpPr>
         <p:spPr>
           <a:xfrm>
-            <a:off x="198681" y="321146"/>
+            <a:off x="323626" y="357188"/>
             <a:ext cx="6624638" cy="503237"/>
           </a:xfrm>
+          <a:prstGeom prst="rect">
+            <a:avLst/>
+          </a:prstGeom>
         </p:spPr>
         <p:txBody>
           <a:bodyPr/>
           <a:lstStyle/>
           <a:p>
-            <a:r>
-              <a:rPr lang="de-DE" sz="3200" dirty="0" smtClean="0"/>
-              <a:t>6. Produktarchitektur</a:t>
-            </a:r>
-            <a:endParaRPr lang="de-DE" sz="3200" dirty="0"/>
+            <a:pPr marL="457200" lvl="0" indent="-457200" algn="l"/>
+            <a:r>
+              <a:rPr lang="de-DE" sz="3200" dirty="0" smtClean="0">
+                <a:solidFill>
+                  <a:srgbClr val="003B79"/>
+                </a:solidFill>
+                <a:latin typeface="+mj-lt"/>
+                <a:ea typeface="+mj-ea"/>
+                <a:cs typeface="+mj-cs"/>
+              </a:rPr>
+              <a:t>6. Produktleistungen</a:t>
+            </a:r>
+          </a:p>
+          <a:p>
+            <a:pPr marL="457200" lvl="0" indent="-457200" algn="l"/>
+            <a:endParaRPr lang="de-DE" sz="3200" dirty="0" smtClean="0">
+              <a:solidFill>
+                <a:srgbClr val="003B79"/>
+              </a:solidFill>
+              <a:latin typeface="+mj-lt"/>
+              <a:ea typeface="+mj-ea"/>
+              <a:cs typeface="+mj-cs"/>
+            </a:endParaRPr>
           </a:p>
         </p:txBody>
       </p:sp>
       <p:sp>
         <p:nvSpPr>
-          <p:cNvPr id="4" name="Rechteck 3"/>
-          <p:cNvSpPr/>
+          <p:cNvPr id="5" name="Rectangle 4"/>
+          <p:cNvSpPr txBox="1">
+            <a:spLocks noChangeArrowheads="1"/>
+          </p:cNvSpPr>
           <p:nvPr/>
         </p:nvSpPr>
-        <p:spPr bwMode="auto">
+        <p:spPr>
           <a:xfrm>
-            <a:off x="455855" y="3176934"/>
-            <a:ext cx="2520280" cy="1152128"/>
+            <a:off x="323850" y="1052736"/>
+            <a:ext cx="8568630" cy="5545137"/>
           </a:xfrm>
           <a:prstGeom prst="rect">
             <a:avLst/>
           </a:prstGeom>
-          <a:noFill/>
-          <a:ln w="9525" cap="flat" cmpd="sng" algn="ctr">
-            <a:noFill/>
-            <a:prstDash val="solid"/>
-            <a:round/>
-            <a:headEnd type="none" w="med" len="med"/>
-            <a:tailEnd type="none" w="med" len="med"/>
-          </a:ln>
-          <a:effectLst/>
         </p:spPr>
         <p:txBody>
-          <a:bodyPr vert="horz" wrap="square" lIns="91440" tIns="45720" rIns="91440" bIns="45720" numCol="1" rtlCol="0" anchor="t" anchorCtr="0" compatLnSpc="1">
-            <a:prstTxWarp prst="textNoShape">
-              <a:avLst/>
-            </a:prstTxWarp>
-            <a:spAutoFit/>
-          </a:bodyPr>
+          <a:bodyPr/>
           <a:lstStyle/>
           <a:p>
-            <a:pPr marL="0" marR="0" indent="0" algn="ctr" defTabSz="914400" rtl="0" eaLnBrk="1" fontAlgn="base" latinLnBrk="0" hangingPunct="1">
+            <a:pPr marL="742950" marR="0" lvl="1" indent="-285750" algn="l" defTabSz="914400" rtl="0" eaLnBrk="1" fontAlgn="base" latinLnBrk="0" hangingPunct="1">
               <a:lnSpc>
                 <a:spcPct val="100000"/>
               </a:lnSpc>
               <a:spcBef>
-                <a:spcPct val="0"/>
+                <a:spcPct val="20000"/>
               </a:spcBef>
               <a:spcAft>
-                <a:spcPct val="0"/>
+                <a:spcPct val="20000"/>
               </a:spcAft>
               <a:buClrTx/>
               <a:buSzTx/>
-              <a:buFontTx/>
-              <a:buNone/>
               <a:tabLst/>
+              <a:defRPr/>
             </a:pPr>
-            <a:endParaRPr kumimoji="0" lang="de-DE" sz="1800" b="1" i="0" u="none" strike="noStrike" cap="none" normalizeH="0" baseline="0" smtClean="0">
+            <a:endParaRPr lang="de-DE" sz="2400" b="0" kern="0" dirty="0" smtClean="0">
+              <a:solidFill>
+                <a:srgbClr val="003B79"/>
+              </a:solidFill>
+              <a:latin typeface="+mn-lt"/>
+            </a:endParaRPr>
+          </a:p>
+          <a:p>
+            <a:pPr marL="742950" lvl="1" indent="-285750" algn="l">
+              <a:spcBef>
+                <a:spcPct val="20000"/>
+              </a:spcBef>
+              <a:spcAft>
+                <a:spcPct val="20000"/>
+              </a:spcAft>
+            </a:pPr>
+            <a:endParaRPr lang="de-DE" sz="2400" b="0" kern="0" dirty="0">
+              <a:solidFill>
+                <a:srgbClr val="003B79"/>
+              </a:solidFill>
+              <a:latin typeface="+mn-lt"/>
+            </a:endParaRPr>
+          </a:p>
+          <a:p>
+            <a:pPr marL="742950" marR="0" lvl="1" indent="-285750" algn="l" defTabSz="914400" rtl="0" eaLnBrk="1" fontAlgn="base" latinLnBrk="0" hangingPunct="1">
+              <a:lnSpc>
+                <a:spcPct val="100000"/>
+              </a:lnSpc>
+              <a:spcBef>
+                <a:spcPct val="20000"/>
+              </a:spcBef>
+              <a:spcAft>
+                <a:spcPct val="20000"/>
+              </a:spcAft>
+              <a:buClrTx/>
+              <a:buSzTx/>
+              <a:tabLst/>
+              <a:defRPr/>
+            </a:pPr>
+            <a:endParaRPr lang="de-DE" sz="2400" b="0" kern="0" dirty="0">
+              <a:solidFill>
+                <a:srgbClr val="003B79"/>
+              </a:solidFill>
+              <a:latin typeface="+mn-lt"/>
+            </a:endParaRPr>
+          </a:p>
+          <a:p>
+            <a:pPr marL="742950" marR="0" lvl="1" indent="-285750" algn="l" defTabSz="914400" rtl="0" eaLnBrk="1" fontAlgn="base" latinLnBrk="0" hangingPunct="1">
+              <a:lnSpc>
+                <a:spcPct val="100000"/>
+              </a:lnSpc>
+              <a:spcBef>
+                <a:spcPct val="20000"/>
+              </a:spcBef>
+              <a:spcAft>
+                <a:spcPct val="20000"/>
+              </a:spcAft>
+              <a:buClrTx/>
+              <a:buSzTx/>
+              <a:tabLst/>
+              <a:defRPr/>
+            </a:pPr>
+            <a:endParaRPr lang="de-DE" sz="2400" b="0" kern="0" dirty="0" smtClean="0">
+              <a:solidFill>
+                <a:srgbClr val="003B79"/>
+              </a:solidFill>
+              <a:latin typeface="+mn-lt"/>
+            </a:endParaRPr>
+          </a:p>
+          <a:p>
+            <a:pPr marL="742950" marR="0" lvl="1" indent="-285750" algn="l" defTabSz="914400" rtl="0" eaLnBrk="1" fontAlgn="base" latinLnBrk="0" hangingPunct="1">
+              <a:lnSpc>
+                <a:spcPct val="100000"/>
+              </a:lnSpc>
+              <a:spcBef>
+                <a:spcPct val="20000"/>
+              </a:spcBef>
+              <a:spcAft>
+                <a:spcPct val="20000"/>
+              </a:spcAft>
+              <a:buClrTx/>
+              <a:buSzTx/>
+              <a:tabLst/>
+              <a:defRPr/>
+            </a:pPr>
+            <a:endParaRPr lang="de-DE" sz="2400" b="0" kern="0" dirty="0">
+              <a:solidFill>
+                <a:srgbClr val="003B79"/>
+              </a:solidFill>
+              <a:latin typeface="+mn-lt"/>
+            </a:endParaRPr>
+          </a:p>
+          <a:p>
+            <a:pPr marL="742950" marR="0" lvl="1" indent="-285750" algn="l" defTabSz="914400" rtl="0" eaLnBrk="1" fontAlgn="base" latinLnBrk="0" hangingPunct="1">
+              <a:lnSpc>
+                <a:spcPct val="100000"/>
+              </a:lnSpc>
+              <a:spcBef>
+                <a:spcPct val="20000"/>
+              </a:spcBef>
+              <a:spcAft>
+                <a:spcPct val="20000"/>
+              </a:spcAft>
+              <a:buClrTx/>
+              <a:buSzTx/>
+              <a:tabLst/>
+              <a:defRPr/>
+            </a:pPr>
+            <a:endParaRPr kumimoji="0" lang="de-DE" sz="2400" b="0" i="0" u="none" strike="noStrike" kern="0" cap="none" spc="0" normalizeH="0" baseline="0" noProof="0" dirty="0" smtClean="0">
               <a:ln>
                 <a:noFill/>
               </a:ln>
               <a:solidFill>
-                <a:srgbClr val="FFCC66"/>
+                <a:srgbClr val="003B79"/>
               </a:solidFill>
               <a:effectLst/>
-              <a:latin typeface="Arial" charset="0"/>
+              <a:uLnTx/>
+              <a:uFillTx/>
+              <a:latin typeface="+mn-lt"/>
+            </a:endParaRPr>
+          </a:p>
+        </p:txBody>
+      </p:sp>
+      <p:sp>
+        <p:nvSpPr>
+          <p:cNvPr id="9" name="Rectangle 4"/>
+          <p:cNvSpPr txBox="1">
+            <a:spLocks noChangeArrowheads="1"/>
+          </p:cNvSpPr>
+          <p:nvPr/>
+        </p:nvSpPr>
+        <p:spPr>
+          <a:xfrm>
+            <a:off x="792410" y="1052736"/>
+            <a:ext cx="8820150" cy="5545137"/>
+          </a:xfrm>
+          <a:prstGeom prst="rect">
+            <a:avLst/>
+          </a:prstGeom>
+        </p:spPr>
+        <p:txBody>
+          <a:bodyPr/>
+          <a:lstStyle/>
+          <a:p>
+            <a:pPr marL="457200" marR="0" lvl="0" indent="-457200" algn="l" defTabSz="914400" rtl="0" eaLnBrk="1" fontAlgn="base" latinLnBrk="0" hangingPunct="1">
+              <a:lnSpc>
+                <a:spcPct val="100000"/>
+              </a:lnSpc>
+              <a:spcBef>
+                <a:spcPct val="20000"/>
+              </a:spcBef>
+              <a:spcAft>
+                <a:spcPct val="20000"/>
+              </a:spcAft>
+              <a:buClrTx/>
+              <a:buSzTx/>
+              <a:tabLst/>
+              <a:defRPr/>
+            </a:pPr>
+            <a:r>
+              <a:rPr kumimoji="0" lang="de-DE" sz="2400" b="0" i="0" u="none" strike="noStrike" kern="0" cap="none" spc="0" normalizeH="0" baseline="0" noProof="0" dirty="0" smtClean="0">
+                <a:ln>
+                  <a:noFill/>
+                </a:ln>
+                <a:solidFill>
+                  <a:srgbClr val="003B79"/>
+                </a:solidFill>
+                <a:effectLst/>
+                <a:uLnTx/>
+                <a:uFillTx/>
+                <a:latin typeface="+mn-lt"/>
+                <a:ea typeface="+mn-ea"/>
+                <a:cs typeface="+mn-cs"/>
+              </a:rPr>
+              <a:t>			</a:t>
+            </a:r>
+          </a:p>
+        </p:txBody>
+      </p:sp>
+      <p:sp>
+        <p:nvSpPr>
+          <p:cNvPr id="7" name="Rectangle 4"/>
+          <p:cNvSpPr txBox="1">
+            <a:spLocks noChangeArrowheads="1"/>
+          </p:cNvSpPr>
+          <p:nvPr/>
+        </p:nvSpPr>
+        <p:spPr>
+          <a:xfrm>
+            <a:off x="179512" y="1268239"/>
+            <a:ext cx="8820150" cy="5545137"/>
+          </a:xfrm>
+          <a:prstGeom prst="rect">
+            <a:avLst/>
+          </a:prstGeom>
+        </p:spPr>
+        <p:txBody>
+          <a:bodyPr/>
+          <a:lstStyle/>
+          <a:p>
+            <a:pPr algn="l"/>
+            <a:r>
+              <a:rPr lang="de-DE" sz="2400" b="0" kern="0" dirty="0" smtClean="0">
+                <a:solidFill>
+                  <a:srgbClr val="003B79"/>
+                </a:solidFill>
+                <a:latin typeface="+mn-lt"/>
+              </a:rPr>
+              <a:t>Datensicherheit: 	Nutzer haben nur Einblick in die Daten, die 			sie selbst angelegt haben</a:t>
+            </a:r>
+          </a:p>
+          <a:p>
+            <a:pPr algn="l"/>
+            <a:r>
+              <a:rPr lang="de-DE" sz="2400" b="0" kern="0" dirty="0" smtClean="0">
+                <a:solidFill>
+                  <a:srgbClr val="003B79"/>
+                </a:solidFill>
+                <a:latin typeface="+mn-lt"/>
+              </a:rPr>
+              <a:t> </a:t>
+            </a:r>
+          </a:p>
+          <a:p>
+            <a:pPr algn="l"/>
+            <a:r>
+              <a:rPr lang="de-DE" sz="2400" b="0" kern="0" dirty="0" smtClean="0">
+                <a:solidFill>
+                  <a:srgbClr val="003B79"/>
+                </a:solidFill>
+                <a:latin typeface="+mn-lt"/>
+              </a:rPr>
+              <a:t>Verfügbarkeit: 	Server muss immer erreichbar sein</a:t>
+            </a:r>
+          </a:p>
+          <a:p>
+            <a:pPr algn="l"/>
+            <a:r>
+              <a:rPr lang="de-DE" sz="2400" b="0" kern="0" dirty="0" smtClean="0">
+                <a:solidFill>
+                  <a:srgbClr val="003B79"/>
+                </a:solidFill>
+                <a:latin typeface="+mn-lt"/>
+              </a:rPr>
+              <a:t> </a:t>
+            </a:r>
+          </a:p>
+          <a:p>
+            <a:pPr algn="l"/>
+            <a:r>
+              <a:rPr lang="de-DE" sz="2400" b="0" kern="0" dirty="0" smtClean="0">
+                <a:solidFill>
+                  <a:srgbClr val="003B79"/>
+                </a:solidFill>
+                <a:latin typeface="+mn-lt"/>
+              </a:rPr>
+              <a:t>Archivierung: 	Rechnungen können nicht 	vom Nutzer 				gelöscht werden</a:t>
+            </a:r>
+            <a:endParaRPr lang="de-DE" sz="2400" b="0" kern="0" dirty="0">
+              <a:solidFill>
+                <a:srgbClr val="003B79"/>
+              </a:solidFill>
+              <a:latin typeface="+mn-lt"/>
             </a:endParaRPr>
           </a:p>
         </p:txBody>
@@ -15309,7 +15035,7 @@
     </p:spTree>
     <p:extLst>
       <p:ext uri="{BB962C8B-B14F-4D97-AF65-F5344CB8AC3E}">
-        <p14:creationId xmlns:p14="http://schemas.microsoft.com/office/powerpoint/2010/main" xmlns="" val="3973953230"/>
+        <p14:creationId xmlns="" xmlns:p14="http://schemas.microsoft.com/office/powerpoint/2010/main" val="2402780198"/>
       </p:ext>
     </p:extLst>
   </p:cSld>
